--- a/6-ASPNET-in-Production.pptx
+++ b/6-ASPNET-in-Production.pptx
@@ -11,20 +11,14 @@
     <p:sldMasterId id="2147483758" r:id="rId7"/>
   </p:sldMasterIdLst>
   <p:notesMasterIdLst>
-    <p:notesMasterId r:id="rId19"/>
+    <p:notesMasterId r:id="rId13"/>
   </p:notesMasterIdLst>
   <p:sldIdLst>
     <p:sldId id="269" r:id="rId8"/>
     <p:sldId id="270" r:id="rId9"/>
-    <p:sldId id="256" r:id="rId10"/>
-    <p:sldId id="266" r:id="rId11"/>
-    <p:sldId id="265" r:id="rId12"/>
-    <p:sldId id="267" r:id="rId13"/>
-    <p:sldId id="268" r:id="rId14"/>
-    <p:sldId id="262" r:id="rId15"/>
-    <p:sldId id="264" r:id="rId16"/>
-    <p:sldId id="261" r:id="rId17"/>
-    <p:sldId id="263" r:id="rId18"/>
+    <p:sldId id="271" r:id="rId10"/>
+    <p:sldId id="272" r:id="rId11"/>
+    <p:sldId id="263" r:id="rId12"/>
   </p:sldIdLst>
   <p:sldSz cx="12192000" cy="6858000"/>
   <p:notesSz cx="6858000" cy="9144000"/>
@@ -213,7 +207,7 @@
           <a:p>
             <a:fld id="{0E990FE3-7537-4D15-A9F5-FDF1805FD5F8}" type="datetimeFigureOut">
               <a:rPr lang="en-US" smtClean="0"/>
-              <a:t>9/20/2013</a:t>
+              <a:t>10/11/2013</a:t>
             </a:fld>
             <a:endParaRPr lang="en-US"/>
           </a:p>
@@ -481,525 +475,6 @@
 </p:notesMaster>
 </file>
 
-<file path=ppt/notesSlides/notesSlide1.xml><?xml version="1.0" encoding="utf-8"?>
-<p:notes xmlns:a="http://schemas.openxmlformats.org/drawingml/2006/main" xmlns:r="http://schemas.openxmlformats.org/officeDocument/2006/relationships" xmlns:p="http://schemas.openxmlformats.org/presentationml/2006/main">
-  <p:cSld>
-    <p:spTree>
-      <p:nvGrpSpPr>
-        <p:cNvPr id="1" name=""/>
-        <p:cNvGrpSpPr/>
-        <p:nvPr/>
-      </p:nvGrpSpPr>
-      <p:grpSpPr>
-        <a:xfrm>
-          <a:off x="0" y="0"/>
-          <a:ext cx="0" cy="0"/>
-          <a:chOff x="0" y="0"/>
-          <a:chExt cx="0" cy="0"/>
-        </a:xfrm>
-      </p:grpSpPr>
-      <p:sp>
-        <p:nvSpPr>
-          <p:cNvPr id="2" name="Slide Image Placeholder 1"/>
-          <p:cNvSpPr>
-            <a:spLocks noGrp="1" noRot="1" noChangeAspect="1"/>
-          </p:cNvSpPr>
-          <p:nvPr>
-            <p:ph type="sldImg"/>
-          </p:nvPr>
-        </p:nvSpPr>
-        <p:spPr/>
-      </p:sp>
-      <p:sp>
-        <p:nvSpPr>
-          <p:cNvPr id="3" name="Notes Placeholder 2"/>
-          <p:cNvSpPr>
-            <a:spLocks noGrp="1"/>
-          </p:cNvSpPr>
-          <p:nvPr>
-            <p:ph type="body" idx="1"/>
-          </p:nvPr>
-        </p:nvSpPr>
-        <p:spPr/>
-        <p:txBody>
-          <a:bodyPr/>
-          <a:lstStyle/>
-          <a:p>
-            <a:pPr marL="0" marR="0" indent="0" algn="l" defTabSz="932503" rtl="0" eaLnBrk="1" fontAlgn="auto" latinLnBrk="0" hangingPunct="1">
-              <a:lnSpc>
-                <a:spcPct val="90000"/>
-              </a:lnSpc>
-              <a:spcBef>
-                <a:spcPts val="0"/>
-              </a:spcBef>
-              <a:spcAft>
-                <a:spcPts val="340"/>
-              </a:spcAft>
-              <a:buClrTx/>
-              <a:buSzTx/>
-              <a:buFontTx/>
-              <a:buNone/>
-              <a:tabLst/>
-              <a:defRPr/>
-            </a:pPr>
-            <a:r>
-              <a:rPr lang="en-US" sz="1000" kern="1200" dirty="0" smtClean="0">
-                <a:solidFill>
-                  <a:schemeClr val="tx1"/>
-                </a:solidFill>
-                <a:effectLst/>
-                <a:latin typeface="Segoe UI Light" pitchFamily="34" charset="0"/>
-                <a:ea typeface="+mn-ea"/>
-                <a:cs typeface="+mn-cs"/>
-              </a:rPr>
-              <a:t>Fastest Growing Hypervisor, taking share from VMWare”</a:t>
-            </a:r>
-          </a:p>
-          <a:p>
-            <a:pPr marL="0" marR="0" indent="0" algn="l" defTabSz="932503" rtl="0" eaLnBrk="1" fontAlgn="auto" latinLnBrk="0" hangingPunct="1">
-              <a:lnSpc>
-                <a:spcPct val="90000"/>
-              </a:lnSpc>
-              <a:spcBef>
-                <a:spcPts val="0"/>
-              </a:spcBef>
-              <a:spcAft>
-                <a:spcPts val="340"/>
-              </a:spcAft>
-              <a:buClrTx/>
-              <a:buSzTx/>
-              <a:buFontTx/>
-              <a:buNone/>
-              <a:tabLst/>
-              <a:defRPr/>
-            </a:pPr>
-            <a:endParaRPr lang="en-US" sz="1000" kern="1200" dirty="0" smtClean="0">
-              <a:solidFill>
-                <a:schemeClr val="tx1"/>
-              </a:solidFill>
-              <a:effectLst/>
-              <a:latin typeface="Segoe UI Light" pitchFamily="34" charset="0"/>
-              <a:ea typeface="+mn-ea"/>
-              <a:cs typeface="+mn-cs"/>
-            </a:endParaRPr>
-          </a:p>
-          <a:p>
-            <a:pPr marL="0" marR="0" lvl="0" indent="0" algn="l" defTabSz="932503" rtl="0" eaLnBrk="1" fontAlgn="auto" latinLnBrk="0" hangingPunct="1">
-              <a:lnSpc>
-                <a:spcPct val="90000"/>
-              </a:lnSpc>
-              <a:spcBef>
-                <a:spcPts val="0"/>
-              </a:spcBef>
-              <a:spcAft>
-                <a:spcPts val="340"/>
-              </a:spcAft>
-              <a:buClrTx/>
-              <a:buSzTx/>
-              <a:buFontTx/>
-              <a:buNone/>
-              <a:tabLst/>
-              <a:defRPr/>
-            </a:pPr>
-            <a:r>
-              <a:rPr lang="en-US" sz="1000" kern="1200" dirty="0" smtClean="0">
-                <a:solidFill>
-                  <a:schemeClr val="tx1"/>
-                </a:solidFill>
-                <a:effectLst/>
-                <a:latin typeface="Segoe UI Light" pitchFamily="34" charset="0"/>
-                <a:ea typeface="+mn-ea"/>
-                <a:cs typeface="+mn-cs"/>
-              </a:rPr>
-              <a:t>2 releases of Hyper-V since ESX 5.1 (WS2012 and WS2012 R2)</a:t>
-            </a:r>
-          </a:p>
-          <a:p>
-            <a:pPr marL="0" marR="0" lvl="0" indent="0" algn="l" defTabSz="932503" rtl="0" eaLnBrk="1" fontAlgn="auto" latinLnBrk="0" hangingPunct="1">
-              <a:lnSpc>
-                <a:spcPct val="90000"/>
-              </a:lnSpc>
-              <a:spcBef>
-                <a:spcPts val="0"/>
-              </a:spcBef>
-              <a:spcAft>
-                <a:spcPts val="340"/>
-              </a:spcAft>
-              <a:buClrTx/>
-              <a:buSzTx/>
-              <a:buFontTx/>
-              <a:buNone/>
-              <a:tabLst/>
-              <a:defRPr/>
-            </a:pPr>
-            <a:endParaRPr lang="en-US" sz="1000" kern="1200" dirty="0" smtClean="0">
-              <a:solidFill>
-                <a:schemeClr val="tx1"/>
-              </a:solidFill>
-              <a:effectLst/>
-              <a:latin typeface="Segoe UI Light" pitchFamily="34" charset="0"/>
-              <a:ea typeface="+mn-ea"/>
-              <a:cs typeface="+mn-cs"/>
-            </a:endParaRPr>
-          </a:p>
-          <a:p>
-            <a:pPr lvl="0"/>
-            <a:r>
-              <a:rPr lang="en-US" sz="1000" kern="1200" dirty="0" smtClean="0">
-                <a:solidFill>
-                  <a:schemeClr val="tx1"/>
-                </a:solidFill>
-                <a:effectLst/>
-                <a:latin typeface="Segoe UI Light" pitchFamily="34" charset="0"/>
-                <a:ea typeface="+mn-ea"/>
-                <a:cs typeface="+mn-cs"/>
-              </a:rPr>
-              <a:t>Hyper-V share is growing 3x that of VMW over the past 2 years</a:t>
-            </a:r>
-          </a:p>
-          <a:p>
-            <a:pPr lvl="0"/>
-            <a:endParaRPr lang="en-US" sz="1000" kern="1200" dirty="0" smtClean="0">
-              <a:solidFill>
-                <a:schemeClr val="tx1"/>
-              </a:solidFill>
-              <a:effectLst/>
-              <a:latin typeface="Segoe UI Light" pitchFamily="34" charset="0"/>
-              <a:ea typeface="+mn-ea"/>
-              <a:cs typeface="+mn-cs"/>
-            </a:endParaRPr>
-          </a:p>
-          <a:p>
-            <a:pPr lvl="0"/>
-            <a:r>
-              <a:rPr lang="en-US" sz="1000" kern="1200" dirty="0" smtClean="0">
-                <a:solidFill>
-                  <a:schemeClr val="tx1"/>
-                </a:solidFill>
-                <a:effectLst/>
-                <a:latin typeface="Segoe UI Light" pitchFamily="34" charset="0"/>
-                <a:ea typeface="+mn-ea"/>
-                <a:cs typeface="+mn-cs"/>
-              </a:rPr>
-              <a:t>Hyper-V steadily taking over a point of share per quarter</a:t>
-            </a:r>
-          </a:p>
-          <a:p>
-            <a:pPr lvl="0"/>
-            <a:r>
-              <a:rPr lang="en-US" sz="1000" kern="1200" dirty="0" smtClean="0">
-                <a:solidFill>
-                  <a:schemeClr val="tx1"/>
-                </a:solidFill>
-                <a:effectLst/>
-                <a:latin typeface="Segoe UI Light" pitchFamily="34" charset="0"/>
-                <a:ea typeface="+mn-ea"/>
-                <a:cs typeface="+mn-cs"/>
-              </a:rPr>
-              <a:t>Microsoft in the Gartner Virtualization Magic Quadrant for the 3</a:t>
-            </a:r>
-            <a:r>
-              <a:rPr lang="en-US" sz="1000" kern="1200" baseline="30000" dirty="0" smtClean="0">
-                <a:solidFill>
-                  <a:schemeClr val="tx1"/>
-                </a:solidFill>
-                <a:effectLst/>
-                <a:latin typeface="Segoe UI Light" pitchFamily="34" charset="0"/>
-                <a:ea typeface="+mn-ea"/>
-                <a:cs typeface="+mn-cs"/>
-              </a:rPr>
-              <a:t>rd</a:t>
-            </a:r>
-            <a:r>
-              <a:rPr lang="en-US" sz="1000" kern="1200" dirty="0" smtClean="0">
-                <a:solidFill>
-                  <a:schemeClr val="tx1"/>
-                </a:solidFill>
-                <a:effectLst/>
-                <a:latin typeface="Segoe UI Light" pitchFamily="34" charset="0"/>
-                <a:ea typeface="+mn-ea"/>
-                <a:cs typeface="+mn-cs"/>
-              </a:rPr>
-              <a:t> straight year and is the only vendor moving up and to the right</a:t>
-            </a:r>
-          </a:p>
-          <a:p>
-            <a:pPr lvl="0"/>
-            <a:endParaRPr lang="en-US" sz="1000" kern="1200" dirty="0" smtClean="0">
-              <a:solidFill>
-                <a:schemeClr val="tx1"/>
-              </a:solidFill>
-              <a:effectLst/>
-              <a:latin typeface="Segoe UI Light" pitchFamily="34" charset="0"/>
-              <a:ea typeface="+mn-ea"/>
-              <a:cs typeface="+mn-cs"/>
-            </a:endParaRPr>
-          </a:p>
-          <a:p>
-            <a:pPr lvl="0"/>
-            <a:r>
-              <a:rPr lang="en-US" sz="1000" kern="1200" dirty="0" smtClean="0">
-                <a:solidFill>
-                  <a:schemeClr val="tx1"/>
-                </a:solidFill>
-                <a:effectLst/>
-                <a:latin typeface="Segoe UI Light" pitchFamily="34" charset="0"/>
-                <a:ea typeface="+mn-ea"/>
-                <a:cs typeface="+mn-cs"/>
-              </a:rPr>
-              <a:t>Over 50 new services released this year</a:t>
-            </a:r>
-          </a:p>
-          <a:p>
-            <a:pPr lvl="0"/>
-            <a:r>
-              <a:rPr lang="en-US" sz="1000" kern="1200" dirty="0" smtClean="0">
-                <a:solidFill>
-                  <a:schemeClr val="tx1"/>
-                </a:solidFill>
-                <a:effectLst/>
-                <a:latin typeface="Segoe UI Light" pitchFamily="34" charset="0"/>
-                <a:ea typeface="+mn-ea"/>
-                <a:cs typeface="+mn-cs"/>
-              </a:rPr>
-              <a:t>Compute &amp; Storage Capacity doubling every 6 – 9 months</a:t>
-            </a:r>
-          </a:p>
-          <a:p>
-            <a:pPr lvl="0"/>
-            <a:endParaRPr lang="en-US" sz="1000" kern="1200" dirty="0" smtClean="0">
-              <a:solidFill>
-                <a:schemeClr val="tx1"/>
-              </a:solidFill>
-              <a:effectLst/>
-              <a:latin typeface="Segoe UI Light" pitchFamily="34" charset="0"/>
-              <a:ea typeface="+mn-ea"/>
-              <a:cs typeface="+mn-cs"/>
-            </a:endParaRPr>
-          </a:p>
-          <a:p>
-            <a:pPr marL="0" marR="0" lvl="0" indent="0" algn="l" defTabSz="932503" rtl="0" eaLnBrk="1" fontAlgn="auto" latinLnBrk="0" hangingPunct="1">
-              <a:lnSpc>
-                <a:spcPct val="90000"/>
-              </a:lnSpc>
-              <a:spcBef>
-                <a:spcPts val="0"/>
-              </a:spcBef>
-              <a:spcAft>
-                <a:spcPts val="340"/>
-              </a:spcAft>
-              <a:buClrTx/>
-              <a:buSzTx/>
-              <a:buFontTx/>
-              <a:buNone/>
-              <a:tabLst/>
-              <a:defRPr/>
-            </a:pPr>
-            <a:endParaRPr lang="en-US" sz="1000" kern="1200" dirty="0" smtClean="0">
-              <a:solidFill>
-                <a:schemeClr val="tx1"/>
-              </a:solidFill>
-              <a:effectLst/>
-              <a:latin typeface="Segoe UI Light" pitchFamily="34" charset="0"/>
-              <a:ea typeface="+mn-ea"/>
-              <a:cs typeface="+mn-cs"/>
-            </a:endParaRPr>
-          </a:p>
-          <a:p>
-            <a:pPr marL="0" marR="0" indent="0" algn="l" defTabSz="932503" rtl="0" eaLnBrk="1" fontAlgn="auto" latinLnBrk="0" hangingPunct="1">
-              <a:lnSpc>
-                <a:spcPct val="90000"/>
-              </a:lnSpc>
-              <a:spcBef>
-                <a:spcPts val="0"/>
-              </a:spcBef>
-              <a:spcAft>
-                <a:spcPts val="340"/>
-              </a:spcAft>
-              <a:buClrTx/>
-              <a:buSzTx/>
-              <a:buFontTx/>
-              <a:buNone/>
-              <a:tabLst/>
-              <a:defRPr/>
-            </a:pPr>
-            <a:endParaRPr lang="en-US" sz="1000" kern="1200" dirty="0" smtClean="0">
-              <a:solidFill>
-                <a:schemeClr val="tx1"/>
-              </a:solidFill>
-              <a:effectLst/>
-              <a:latin typeface="Segoe UI Light" pitchFamily="34" charset="0"/>
-              <a:ea typeface="+mn-ea"/>
-              <a:cs typeface="+mn-cs"/>
-            </a:endParaRPr>
-          </a:p>
-          <a:p>
-            <a:endParaRPr lang="en-US" dirty="0" smtClean="0"/>
-          </a:p>
-          <a:p>
-            <a:endParaRPr lang="en-US" dirty="0"/>
-          </a:p>
-        </p:txBody>
-      </p:sp>
-      <p:sp>
-        <p:nvSpPr>
-          <p:cNvPr id="4" name="Header Placeholder 3"/>
-          <p:cNvSpPr>
-            <a:spLocks noGrp="1"/>
-          </p:cNvSpPr>
-          <p:nvPr>
-            <p:ph type="hdr" sz="quarter" idx="10"/>
-          </p:nvPr>
-        </p:nvSpPr>
-        <p:spPr/>
-        <p:txBody>
-          <a:bodyPr/>
-          <a:lstStyle/>
-          <a:p>
-            <a:r>
-              <a:rPr lang="en-US" smtClean="0"/>
-              <a:t>Build 2012</a:t>
-            </a:r>
-            <a:endParaRPr lang="en-US" dirty="0"/>
-          </a:p>
-        </p:txBody>
-      </p:sp>
-      <p:sp>
-        <p:nvSpPr>
-          <p:cNvPr id="5" name="Footer Placeholder 4"/>
-          <p:cNvSpPr>
-            <a:spLocks noGrp="1"/>
-          </p:cNvSpPr>
-          <p:nvPr>
-            <p:ph type="ftr" sz="quarter" idx="11"/>
-          </p:nvPr>
-        </p:nvSpPr>
-        <p:spPr/>
-        <p:txBody>
-          <a:bodyPr/>
-          <a:lstStyle/>
-          <a:p>
-            <a:pPr defTabSz="932929" eaLnBrk="0" hangingPunct="0"/>
-            <a:r>
-              <a:rPr lang="en-US" sz="400" smtClean="0">
-                <a:gradFill>
-                  <a:gsLst>
-                    <a:gs pos="0">
-                      <a:prstClr val="black"/>
-                    </a:gs>
-                    <a:gs pos="100000">
-                      <a:prstClr val="black"/>
-                    </a:gs>
-                  </a:gsLst>
-                  <a:lin ang="5400000" scaled="0"/>
-                </a:gradFill>
-                <a:latin typeface="Segoe UI" pitchFamily="34" charset="0"/>
-                <a:ea typeface="Segoe UI" pitchFamily="34" charset="0"/>
-                <a:cs typeface="Segoe UI" pitchFamily="34" charset="0"/>
-              </a:rPr>
-              <a:t>© 2012 Microsoft Corporation. All rights reserved. Microsoft, Windows, and other product names are or may be registered trademarks and/or trademarks in the U.S. and/or other countries.</a:t>
-            </a:r>
-          </a:p>
-          <a:p>
-            <a:pPr defTabSz="932929" eaLnBrk="0" hangingPunct="0"/>
-            <a:r>
-              <a:rPr lang="en-US" sz="400" smtClean="0">
-                <a:gradFill>
-                  <a:gsLst>
-                    <a:gs pos="0">
-                      <a:prstClr val="black"/>
-                    </a:gs>
-                    <a:gs pos="100000">
-                      <a:prstClr val="black"/>
-                    </a:gs>
-                  </a:gsLst>
-                  <a:lin ang="5400000" scaled="0"/>
-                </a:gradFill>
-                <a:latin typeface="Segoe UI" pitchFamily="34" charset="0"/>
-                <a:ea typeface="Segoe UI" pitchFamily="34" charset="0"/>
-                <a:cs typeface="Segoe UI" pitchFamily="34" charset="0"/>
-              </a:rPr>
-              <a:t>The information herein is for informational purposes only and represents the current view of Microsoft Corporation as of the date of this presentation.  Because Microsoft must respond to changing market conditions, it should not be interpreted to be a commitment on the part of Microsoft, and Microsoft cannot guarantee the accuracy of any information provided after the date of this presentation.  MICROSOFT MAKES NO WARRANTIES, EXPRESS, IMPLIED OR STATUTORY, AS TO THE INFORMATION IN THIS PRESENTATION.</a:t>
-            </a:r>
-            <a:endParaRPr lang="en-US" sz="400" dirty="0" smtClean="0">
-              <a:gradFill>
-                <a:gsLst>
-                  <a:gs pos="0">
-                    <a:prstClr val="black"/>
-                  </a:gs>
-                  <a:gs pos="100000">
-                    <a:prstClr val="black"/>
-                  </a:gs>
-                </a:gsLst>
-                <a:lin ang="5400000" scaled="0"/>
-              </a:gradFill>
-              <a:latin typeface="Segoe UI" pitchFamily="34" charset="0"/>
-              <a:ea typeface="Segoe UI" pitchFamily="34" charset="0"/>
-              <a:cs typeface="Segoe UI" pitchFamily="34" charset="0"/>
-            </a:endParaRPr>
-          </a:p>
-        </p:txBody>
-      </p:sp>
-      <p:sp>
-        <p:nvSpPr>
-          <p:cNvPr id="6" name="Date Placeholder 5"/>
-          <p:cNvSpPr>
-            <a:spLocks noGrp="1"/>
-          </p:cNvSpPr>
-          <p:nvPr>
-            <p:ph type="dt" idx="12"/>
-          </p:nvPr>
-        </p:nvSpPr>
-        <p:spPr/>
-        <p:txBody>
-          <a:bodyPr/>
-          <a:lstStyle/>
-          <a:p>
-            <a:fld id="{50A28030-5D59-4E14-AFE9-B93D391AF3AF}" type="datetime1">
-              <a:rPr lang="en-US" smtClean="0"/>
-              <a:t>9/20/2013</a:t>
-            </a:fld>
-            <a:endParaRPr lang="en-US" dirty="0"/>
-          </a:p>
-        </p:txBody>
-      </p:sp>
-      <p:sp>
-        <p:nvSpPr>
-          <p:cNvPr id="7" name="Slide Number Placeholder 6"/>
-          <p:cNvSpPr>
-            <a:spLocks noGrp="1"/>
-          </p:cNvSpPr>
-          <p:nvPr>
-            <p:ph type="sldNum" sz="quarter" idx="13"/>
-          </p:nvPr>
-        </p:nvSpPr>
-        <p:spPr/>
-        <p:txBody>
-          <a:bodyPr/>
-          <a:lstStyle/>
-          <a:p>
-            <a:fld id="{B4008EB6-D09E-4580-8CD6-DDB14511944F}" type="slidenum">
-              <a:rPr lang="en-US" smtClean="0"/>
-              <a:pPr/>
-              <a:t>8</a:t>
-            </a:fld>
-            <a:endParaRPr lang="en-US" dirty="0"/>
-          </a:p>
-        </p:txBody>
-      </p:sp>
-    </p:spTree>
-    <p:extLst>
-      <p:ext uri="{BB962C8B-B14F-4D97-AF65-F5344CB8AC3E}">
-        <p14:creationId xmlns:p14="http://schemas.microsoft.com/office/powerpoint/2010/main" val="3274600594"/>
-      </p:ext>
-    </p:extLst>
-  </p:cSld>
-  <p:clrMapOvr>
-    <a:masterClrMapping/>
-  </p:clrMapOvr>
-</p:notes>
-</file>
-
 <file path=ppt/slideLayouts/slideLayout1.xml><?xml version="1.0" encoding="utf-8"?>
 <p:sldLayout xmlns:a="http://schemas.openxmlformats.org/drawingml/2006/main" xmlns:r="http://schemas.openxmlformats.org/officeDocument/2006/relationships" xmlns:p="http://schemas.openxmlformats.org/presentationml/2006/main" preserve="1" userDrawn="1">
   <p:cSld name="Custom Layout">
@@ -2511,48 +1986,6 @@
 
 <file path=ppt/slideLayouts/slideLayout14.xml><?xml version="1.0" encoding="utf-8"?>
 <p:sldLayout xmlns:a="http://schemas.openxmlformats.org/drawingml/2006/main" xmlns:r="http://schemas.openxmlformats.org/officeDocument/2006/relationships" xmlns:p="http://schemas.openxmlformats.org/presentationml/2006/main" userDrawn="1">
-  <p:cSld name="Blank Layout">
-    <p:spTree>
-      <p:nvGrpSpPr>
-        <p:cNvPr id="1" name=""/>
-        <p:cNvGrpSpPr/>
-        <p:nvPr/>
-      </p:nvGrpSpPr>
-      <p:grpSpPr>
-        <a:xfrm>
-          <a:off x="0" y="0"/>
-          <a:ext cx="0" cy="0"/>
-          <a:chOff x="0" y="0"/>
-          <a:chExt cx="0" cy="0"/>
-        </a:xfrm>
-      </p:grpSpPr>
-    </p:spTree>
-    <p:extLst>
-      <p:ext uri="{BB962C8B-B14F-4D97-AF65-F5344CB8AC3E}">
-        <p14:creationId xmlns:p14="http://schemas.microsoft.com/office/powerpoint/2010/main" val="644466327"/>
-      </p:ext>
-    </p:extLst>
-  </p:cSld>
-  <p:clrMapOvr>
-    <a:masterClrMapping/>
-  </p:clrMapOvr>
-  <mc:AlternateContent xmlns:mc="http://schemas.openxmlformats.org/markup-compatibility/2006" xmlns:p14="http://schemas.microsoft.com/office/powerpoint/2010/main">
-    <mc:Choice Requires="p14">
-      <p:transition spd="med" p14:dur="700">
-        <p:fade/>
-      </p:transition>
-    </mc:Choice>
-    <mc:Fallback xmlns="">
-      <p:transition spd="med">
-        <p:fade/>
-      </p:transition>
-    </mc:Fallback>
-  </mc:AlternateContent>
-</p:sldLayout>
-</file>
-
-<file path=ppt/slideLayouts/slideLayout15.xml><?xml version="1.0" encoding="utf-8"?>
-<p:sldLayout xmlns:a="http://schemas.openxmlformats.org/drawingml/2006/main" xmlns:r="http://schemas.openxmlformats.org/officeDocument/2006/relationships" xmlns:p="http://schemas.openxmlformats.org/presentationml/2006/main" userDrawn="1">
   <p:cSld name="1_Logo on Background">
     <p:bg>
       <p:bgPr>
@@ -2715,7 +2148,7 @@
 </p:sldLayout>
 </file>
 
-<file path=ppt/slideLayouts/slideLayout16.xml><?xml version="1.0" encoding="utf-8"?>
+<file path=ppt/slideLayouts/slideLayout15.xml><?xml version="1.0" encoding="utf-8"?>
 <p:sldLayout xmlns:a="http://schemas.openxmlformats.org/drawingml/2006/main" xmlns:r="http://schemas.openxmlformats.org/officeDocument/2006/relationships" xmlns:p="http://schemas.openxmlformats.org/presentationml/2006/main" type="title" preserve="1">
   <p:cSld name="Title Slide">
     <p:bg>
@@ -2859,7 +2292,7 @@
 </p:sldLayout>
 </file>
 
-<file path=ppt/slideLayouts/slideLayout17.xml><?xml version="1.0" encoding="utf-8"?>
+<file path=ppt/slideLayouts/slideLayout16.xml><?xml version="1.0" encoding="utf-8"?>
 <p:sldLayout xmlns:a="http://schemas.openxmlformats.org/drawingml/2006/main" xmlns:r="http://schemas.openxmlformats.org/officeDocument/2006/relationships" xmlns:p="http://schemas.openxmlformats.org/presentationml/2006/main" type="obj" preserve="1">
   <p:cSld name="Title and Content">
     <p:bg>
@@ -3010,7 +2443,7 @@
 </p:sldLayout>
 </file>
 
-<file path=ppt/slideLayouts/slideLayout18.xml><?xml version="1.0" encoding="utf-8"?>
+<file path=ppt/slideLayouts/slideLayout17.xml><?xml version="1.0" encoding="utf-8"?>
 <p:sldLayout xmlns:a="http://schemas.openxmlformats.org/drawingml/2006/main" xmlns:r="http://schemas.openxmlformats.org/officeDocument/2006/relationships" xmlns:p="http://schemas.openxmlformats.org/presentationml/2006/main" preserve="1" userDrawn="1">
   <p:cSld name="1_Title and Content">
     <p:spTree>
@@ -3198,7 +2631,7 @@
 </p:sldLayout>
 </file>
 
-<file path=ppt/slideLayouts/slideLayout19.xml><?xml version="1.0" encoding="utf-8"?>
+<file path=ppt/slideLayouts/slideLayout18.xml><?xml version="1.0" encoding="utf-8"?>
 <p:sldLayout xmlns:a="http://schemas.openxmlformats.org/drawingml/2006/main" xmlns:r="http://schemas.openxmlformats.org/officeDocument/2006/relationships" xmlns:p="http://schemas.openxmlformats.org/presentationml/2006/main" type="titleOnly" preserve="1">
   <p:cSld name="Title Only">
     <p:bg>
@@ -3281,6 +2714,983 @@
     <p:extLst>
       <p:ext uri="{BB962C8B-B14F-4D97-AF65-F5344CB8AC3E}">
         <p14:creationId xmlns:p14="http://schemas.microsoft.com/office/powerpoint/2010/main" val="1977518048"/>
+      </p:ext>
+    </p:extLst>
+  </p:cSld>
+  <p:clrMapOvr>
+    <a:masterClrMapping/>
+  </p:clrMapOvr>
+  <p:timing>
+    <p:tnLst>
+      <p:par>
+        <p:cTn id="1" dur="indefinite" restart="never" nodeType="tmRoot"/>
+      </p:par>
+    </p:tnLst>
+  </p:timing>
+</p:sldLayout>
+</file>
+
+<file path=ppt/slideLayouts/slideLayout19.xml><?xml version="1.0" encoding="utf-8"?>
+<p:sldLayout xmlns:a="http://schemas.openxmlformats.org/drawingml/2006/main" xmlns:r="http://schemas.openxmlformats.org/officeDocument/2006/relationships" xmlns:p="http://schemas.openxmlformats.org/presentationml/2006/main" preserve="1" userDrawn="1">
+  <p:cSld name="1_Title Only">
+    <p:spTree>
+      <p:nvGrpSpPr>
+        <p:cNvPr id="1" name=""/>
+        <p:cNvGrpSpPr/>
+        <p:nvPr/>
+      </p:nvGrpSpPr>
+      <p:grpSpPr>
+        <a:xfrm>
+          <a:off x="0" y="0"/>
+          <a:ext cx="0" cy="0"/>
+          <a:chOff x="0" y="0"/>
+          <a:chExt cx="0" cy="0"/>
+        </a:xfrm>
+      </p:grpSpPr>
+      <p:sp>
+        <p:nvSpPr>
+          <p:cNvPr id="2" name="Title 1"/>
+          <p:cNvSpPr>
+            <a:spLocks noGrp="1"/>
+          </p:cNvSpPr>
+          <p:nvPr>
+            <p:ph type="title"/>
+          </p:nvPr>
+        </p:nvSpPr>
+        <p:spPr>
+          <a:xfrm>
+            <a:off x="560798" y="416497"/>
+            <a:ext cx="11079822" cy="922110"/>
+          </a:xfrm>
+        </p:spPr>
+        <p:txBody>
+          <a:bodyPr>
+            <a:normAutofit/>
+          </a:bodyPr>
+          <a:lstStyle>
+            <a:lvl1pPr>
+              <a:defRPr sz="4400"/>
+            </a:lvl1pPr>
+          </a:lstStyle>
+          <a:p>
+            <a:r>
+              <a:rPr lang="en-US" smtClean="0"/>
+              <a:t>Click to edit Master title style</a:t>
+            </a:r>
+            <a:endParaRPr lang="en-US"/>
+          </a:p>
+        </p:txBody>
+      </p:sp>
+      <p:sp>
+        <p:nvSpPr>
+          <p:cNvPr id="5" name="Slide Number Placeholder 4"/>
+          <p:cNvSpPr>
+            <a:spLocks noGrp="1"/>
+          </p:cNvSpPr>
+          <p:nvPr>
+            <p:ph type="sldNum" sz="quarter" idx="12"/>
+          </p:nvPr>
+        </p:nvSpPr>
+        <p:spPr>
+          <a:xfrm>
+            <a:off x="8897420" y="6256216"/>
+            <a:ext cx="2743200" cy="365125"/>
+          </a:xfrm>
+          <a:prstGeom prst="rect">
+            <a:avLst/>
+          </a:prstGeom>
+        </p:spPr>
+        <p:txBody>
+          <a:bodyPr/>
+          <a:lstStyle/>
+          <a:p>
+            <a:fld id="{0A164282-434E-41D4-9582-783D542A7B68}" type="slidenum">
+              <a:rPr lang="en-US" smtClean="0"/>
+              <a:t>‹#›</a:t>
+            </a:fld>
+            <a:endParaRPr lang="en-US"/>
+          </a:p>
+        </p:txBody>
+      </p:sp>
+      <p:graphicFrame>
+        <p:nvGraphicFramePr>
+          <p:cNvPr id="6" name="Table 5"/>
+          <p:cNvGraphicFramePr>
+            <a:graphicFrameLocks noGrp="1"/>
+          </p:cNvGraphicFramePr>
+          <p:nvPr userDrawn="1">
+            <p:extLst>
+              <p:ext uri="{D42A27DB-BD31-4B8C-83A1-F6EECF244321}">
+                <p14:modId xmlns:p14="http://schemas.microsoft.com/office/powerpoint/2010/main" val="3519163226"/>
+              </p:ext>
+            </p:extLst>
+          </p:nvPr>
+        </p:nvGraphicFramePr>
+        <p:xfrm>
+          <a:off x="584200" y="1476596"/>
+          <a:ext cx="11056420" cy="4320392"/>
+        </p:xfrm>
+        <a:graphic>
+          <a:graphicData uri="http://schemas.openxmlformats.org/drawingml/2006/table">
+            <a:tbl>
+              <a:tblPr firstRow="1" bandRow="1">
+                <a:tableStyleId>{93296810-A885-4BE3-A3E7-6D5BEEA58F35}</a:tableStyleId>
+              </a:tblPr>
+              <a:tblGrid>
+                <a:gridCol w="2764105"/>
+                <a:gridCol w="2764105"/>
+                <a:gridCol w="2764105"/>
+                <a:gridCol w="2764105"/>
+              </a:tblGrid>
+              <a:tr h="644435">
+                <a:tc>
+                  <a:txBody>
+                    <a:bodyPr/>
+                    <a:lstStyle/>
+                    <a:p>
+                      <a:r>
+                        <a:rPr lang="en-US" sz="2000" dirty="0" smtClean="0"/>
+                        <a:t>Heading</a:t>
+                      </a:r>
+                      <a:endParaRPr lang="en-US" sz="2000" dirty="0">
+                        <a:solidFill>
+                          <a:schemeClr val="bg1"/>
+                        </a:solidFill>
+                      </a:endParaRPr>
+                    </a:p>
+                  </a:txBody>
+                  <a:tcPr marL="137160" marR="137160" marT="137160" marB="137160" anchor="ctr">
+                    <a:lnL w="12700" cmpd="sng">
+                      <a:noFill/>
+                    </a:lnL>
+                    <a:lnR w="12700" cmpd="sng">
+                      <a:noFill/>
+                    </a:lnR>
+                    <a:lnT w="12700" cmpd="sng">
+                      <a:noFill/>
+                    </a:lnT>
+                    <a:lnB w="38100" cmpd="sng">
+                      <a:noFill/>
+                    </a:lnB>
+                    <a:lnTlToBr w="12700" cmpd="sng">
+                      <a:noFill/>
+                      <a:prstDash val="solid"/>
+                    </a:lnTlToBr>
+                    <a:lnBlToTr w="12700" cmpd="sng">
+                      <a:noFill/>
+                      <a:prstDash val="solid"/>
+                    </a:lnBlToTr>
+                  </a:tcPr>
+                </a:tc>
+                <a:tc>
+                  <a:txBody>
+                    <a:bodyPr/>
+                    <a:lstStyle/>
+                    <a:p>
+                      <a:r>
+                        <a:rPr lang="en-US" sz="2000" dirty="0" smtClean="0"/>
+                        <a:t>Heading</a:t>
+                      </a:r>
+                      <a:endParaRPr lang="en-US" sz="2000" dirty="0">
+                        <a:solidFill>
+                          <a:schemeClr val="bg1"/>
+                        </a:solidFill>
+                      </a:endParaRPr>
+                    </a:p>
+                  </a:txBody>
+                  <a:tcPr marL="137160" marR="137160" marT="137160" marB="137160" anchor="ctr">
+                    <a:lnL w="12700" cmpd="sng">
+                      <a:noFill/>
+                    </a:lnL>
+                    <a:lnR w="12700" cmpd="sng">
+                      <a:noFill/>
+                    </a:lnR>
+                    <a:lnT w="12700" cmpd="sng">
+                      <a:noFill/>
+                    </a:lnT>
+                    <a:lnB w="38100" cmpd="sng">
+                      <a:noFill/>
+                    </a:lnB>
+                    <a:lnTlToBr w="12700" cmpd="sng">
+                      <a:noFill/>
+                      <a:prstDash val="solid"/>
+                    </a:lnTlToBr>
+                    <a:lnBlToTr w="12700" cmpd="sng">
+                      <a:noFill/>
+                      <a:prstDash val="solid"/>
+                    </a:lnBlToTr>
+                  </a:tcPr>
+                </a:tc>
+                <a:tc>
+                  <a:txBody>
+                    <a:bodyPr/>
+                    <a:lstStyle/>
+                    <a:p>
+                      <a:r>
+                        <a:rPr lang="en-US" sz="2000" dirty="0" smtClean="0"/>
+                        <a:t>Heading</a:t>
+                      </a:r>
+                      <a:endParaRPr lang="en-US" sz="2000" dirty="0">
+                        <a:solidFill>
+                          <a:schemeClr val="bg1"/>
+                        </a:solidFill>
+                      </a:endParaRPr>
+                    </a:p>
+                  </a:txBody>
+                  <a:tcPr marL="137160" marR="137160" marT="137160" marB="137160" anchor="ctr">
+                    <a:lnL w="12700" cmpd="sng">
+                      <a:noFill/>
+                    </a:lnL>
+                    <a:lnR w="12700" cmpd="sng">
+                      <a:noFill/>
+                    </a:lnR>
+                    <a:lnT w="12700" cmpd="sng">
+                      <a:noFill/>
+                    </a:lnT>
+                    <a:lnB w="38100" cmpd="sng">
+                      <a:noFill/>
+                    </a:lnB>
+                    <a:lnTlToBr w="12700" cmpd="sng">
+                      <a:noFill/>
+                      <a:prstDash val="solid"/>
+                    </a:lnTlToBr>
+                    <a:lnBlToTr w="12700" cmpd="sng">
+                      <a:noFill/>
+                      <a:prstDash val="solid"/>
+                    </a:lnBlToTr>
+                  </a:tcPr>
+                </a:tc>
+                <a:tc>
+                  <a:txBody>
+                    <a:bodyPr/>
+                    <a:lstStyle/>
+                    <a:p>
+                      <a:r>
+                        <a:rPr lang="en-US" sz="2000" dirty="0" smtClean="0"/>
+                        <a:t>Heading</a:t>
+                      </a:r>
+                      <a:endParaRPr lang="en-US" sz="2000" dirty="0">
+                        <a:solidFill>
+                          <a:schemeClr val="bg1"/>
+                        </a:solidFill>
+                      </a:endParaRPr>
+                    </a:p>
+                  </a:txBody>
+                  <a:tcPr marL="137160" marR="137160" marT="137160" marB="137160" anchor="ctr">
+                    <a:lnL w="12700" cmpd="sng">
+                      <a:noFill/>
+                    </a:lnL>
+                    <a:lnR w="12700" cmpd="sng">
+                      <a:noFill/>
+                    </a:lnR>
+                    <a:lnT w="12700" cmpd="sng">
+                      <a:noFill/>
+                    </a:lnT>
+                    <a:lnB w="38100" cmpd="sng">
+                      <a:noFill/>
+                    </a:lnB>
+                    <a:lnTlToBr w="12700" cmpd="sng">
+                      <a:noFill/>
+                      <a:prstDash val="solid"/>
+                    </a:lnTlToBr>
+                    <a:lnBlToTr w="12700" cmpd="sng">
+                      <a:noFill/>
+                      <a:prstDash val="solid"/>
+                    </a:lnBlToTr>
+                  </a:tcPr>
+                </a:tc>
+              </a:tr>
+              <a:tr h="1225319">
+                <a:tc>
+                  <a:txBody>
+                    <a:bodyPr/>
+                    <a:lstStyle/>
+                    <a:p>
+                      <a:r>
+                        <a:rPr lang="en-US" sz="1600" dirty="0" smtClean="0"/>
+                        <a:t>Content</a:t>
+                      </a:r>
+                      <a:endParaRPr lang="en-US" sz="1600" dirty="0">
+                        <a:solidFill>
+                          <a:srgbClr val="3C454F"/>
+                        </a:solidFill>
+                      </a:endParaRPr>
+                    </a:p>
+                  </a:txBody>
+                  <a:tcPr marL="137160" marR="137160" marT="137160" marB="137160">
+                    <a:lnL w="12700" cmpd="sng">
+                      <a:noFill/>
+                    </a:lnL>
+                    <a:lnR w="12700" cmpd="sng">
+                      <a:noFill/>
+                    </a:lnR>
+                    <a:lnT w="38100" cmpd="sng">
+                      <a:noFill/>
+                    </a:lnT>
+                    <a:lnB w="12700" cmpd="sng">
+                      <a:noFill/>
+                    </a:lnB>
+                    <a:lnTlToBr w="12700" cmpd="sng">
+                      <a:noFill/>
+                      <a:prstDash val="solid"/>
+                    </a:lnTlToBr>
+                    <a:lnBlToTr w="12700" cmpd="sng">
+                      <a:noFill/>
+                      <a:prstDash val="solid"/>
+                    </a:lnBlToTr>
+                  </a:tcPr>
+                </a:tc>
+                <a:tc>
+                  <a:txBody>
+                    <a:bodyPr/>
+                    <a:lstStyle/>
+                    <a:p>
+                      <a:pPr marL="0" marR="0" indent="0" algn="l" defTabSz="914400" rtl="0" eaLnBrk="1" fontAlgn="auto" latinLnBrk="0" hangingPunct="1">
+                        <a:lnSpc>
+                          <a:spcPct val="100000"/>
+                        </a:lnSpc>
+                        <a:spcBef>
+                          <a:spcPts val="0"/>
+                        </a:spcBef>
+                        <a:spcAft>
+                          <a:spcPts val="0"/>
+                        </a:spcAft>
+                        <a:buClrTx/>
+                        <a:buSzTx/>
+                        <a:buFontTx/>
+                        <a:buNone/>
+                        <a:tabLst/>
+                        <a:defRPr/>
+                      </a:pPr>
+                      <a:r>
+                        <a:rPr lang="en-US" sz="1600" dirty="0" smtClean="0"/>
+                        <a:t>Content</a:t>
+                      </a:r>
+                    </a:p>
+                    <a:p>
+                      <a:endParaRPr lang="en-US" sz="1600" dirty="0">
+                        <a:solidFill>
+                          <a:srgbClr val="3C454F"/>
+                        </a:solidFill>
+                      </a:endParaRPr>
+                    </a:p>
+                  </a:txBody>
+                  <a:tcPr marL="137160" marR="137160" marT="137160" marB="137160">
+                    <a:lnL w="12700" cmpd="sng">
+                      <a:noFill/>
+                    </a:lnL>
+                    <a:lnR w="12700" cmpd="sng">
+                      <a:noFill/>
+                    </a:lnR>
+                    <a:lnT w="38100" cmpd="sng">
+                      <a:noFill/>
+                    </a:lnT>
+                    <a:lnB w="12700" cmpd="sng">
+                      <a:noFill/>
+                    </a:lnB>
+                    <a:lnTlToBr w="12700" cmpd="sng">
+                      <a:noFill/>
+                      <a:prstDash val="solid"/>
+                    </a:lnTlToBr>
+                    <a:lnBlToTr w="12700" cmpd="sng">
+                      <a:noFill/>
+                      <a:prstDash val="solid"/>
+                    </a:lnBlToTr>
+                  </a:tcPr>
+                </a:tc>
+                <a:tc>
+                  <a:txBody>
+                    <a:bodyPr/>
+                    <a:lstStyle/>
+                    <a:p>
+                      <a:pPr marL="0" marR="0" indent="0" algn="l" defTabSz="914400" rtl="0" eaLnBrk="1" fontAlgn="auto" latinLnBrk="0" hangingPunct="1">
+                        <a:lnSpc>
+                          <a:spcPct val="100000"/>
+                        </a:lnSpc>
+                        <a:spcBef>
+                          <a:spcPts val="0"/>
+                        </a:spcBef>
+                        <a:spcAft>
+                          <a:spcPts val="0"/>
+                        </a:spcAft>
+                        <a:buClrTx/>
+                        <a:buSzTx/>
+                        <a:buFontTx/>
+                        <a:buNone/>
+                        <a:tabLst/>
+                        <a:defRPr/>
+                      </a:pPr>
+                      <a:r>
+                        <a:rPr lang="en-US" sz="1600" dirty="0" smtClean="0"/>
+                        <a:t>Content</a:t>
+                      </a:r>
+                    </a:p>
+                    <a:p>
+                      <a:endParaRPr lang="en-US" sz="1600" dirty="0">
+                        <a:solidFill>
+                          <a:srgbClr val="3C454F"/>
+                        </a:solidFill>
+                      </a:endParaRPr>
+                    </a:p>
+                  </a:txBody>
+                  <a:tcPr marL="137160" marR="137160" marT="137160" marB="137160">
+                    <a:lnL w="12700" cmpd="sng">
+                      <a:noFill/>
+                    </a:lnL>
+                    <a:lnR w="12700" cmpd="sng">
+                      <a:noFill/>
+                    </a:lnR>
+                    <a:lnT w="38100" cmpd="sng">
+                      <a:noFill/>
+                    </a:lnT>
+                    <a:lnB w="12700" cmpd="sng">
+                      <a:noFill/>
+                    </a:lnB>
+                    <a:lnTlToBr w="12700" cmpd="sng">
+                      <a:noFill/>
+                      <a:prstDash val="solid"/>
+                    </a:lnTlToBr>
+                    <a:lnBlToTr w="12700" cmpd="sng">
+                      <a:noFill/>
+                      <a:prstDash val="solid"/>
+                    </a:lnBlToTr>
+                  </a:tcPr>
+                </a:tc>
+                <a:tc>
+                  <a:txBody>
+                    <a:bodyPr/>
+                    <a:lstStyle/>
+                    <a:p>
+                      <a:pPr marL="0" marR="0" indent="0" algn="l" defTabSz="914400" rtl="0" eaLnBrk="1" fontAlgn="auto" latinLnBrk="0" hangingPunct="1">
+                        <a:lnSpc>
+                          <a:spcPct val="100000"/>
+                        </a:lnSpc>
+                        <a:spcBef>
+                          <a:spcPts val="0"/>
+                        </a:spcBef>
+                        <a:spcAft>
+                          <a:spcPts val="0"/>
+                        </a:spcAft>
+                        <a:buClrTx/>
+                        <a:buSzTx/>
+                        <a:buFontTx/>
+                        <a:buNone/>
+                        <a:tabLst/>
+                        <a:defRPr/>
+                      </a:pPr>
+                      <a:r>
+                        <a:rPr lang="en-US" sz="1600" dirty="0" smtClean="0"/>
+                        <a:t>Content</a:t>
+                      </a:r>
+                    </a:p>
+                    <a:p>
+                      <a:endParaRPr lang="en-US" sz="1600" dirty="0">
+                        <a:solidFill>
+                          <a:srgbClr val="3C454F"/>
+                        </a:solidFill>
+                      </a:endParaRPr>
+                    </a:p>
+                  </a:txBody>
+                  <a:tcPr marL="137160" marR="137160" marT="137160" marB="137160">
+                    <a:lnL w="12700" cmpd="sng">
+                      <a:noFill/>
+                    </a:lnL>
+                    <a:lnR w="12700" cmpd="sng">
+                      <a:noFill/>
+                    </a:lnR>
+                    <a:lnT w="38100" cmpd="sng">
+                      <a:noFill/>
+                    </a:lnT>
+                    <a:lnB w="12700" cmpd="sng">
+                      <a:noFill/>
+                    </a:lnB>
+                    <a:lnTlToBr w="12700" cmpd="sng">
+                      <a:noFill/>
+                      <a:prstDash val="solid"/>
+                    </a:lnTlToBr>
+                    <a:lnBlToTr w="12700" cmpd="sng">
+                      <a:noFill/>
+                      <a:prstDash val="solid"/>
+                    </a:lnBlToTr>
+                  </a:tcPr>
+                </a:tc>
+              </a:tr>
+              <a:tr h="1225319">
+                <a:tc>
+                  <a:txBody>
+                    <a:bodyPr/>
+                    <a:lstStyle/>
+                    <a:p>
+                      <a:pPr marL="0" marR="0" indent="0" algn="l" defTabSz="914400" rtl="0" eaLnBrk="1" fontAlgn="auto" latinLnBrk="0" hangingPunct="1">
+                        <a:lnSpc>
+                          <a:spcPct val="100000"/>
+                        </a:lnSpc>
+                        <a:spcBef>
+                          <a:spcPts val="0"/>
+                        </a:spcBef>
+                        <a:spcAft>
+                          <a:spcPts val="0"/>
+                        </a:spcAft>
+                        <a:buClrTx/>
+                        <a:buSzTx/>
+                        <a:buFontTx/>
+                        <a:buNone/>
+                        <a:tabLst/>
+                        <a:defRPr/>
+                      </a:pPr>
+                      <a:r>
+                        <a:rPr lang="en-US" sz="1600" dirty="0" smtClean="0"/>
+                        <a:t>Content</a:t>
+                      </a:r>
+                    </a:p>
+                    <a:p>
+                      <a:endParaRPr lang="en-US" sz="1600" dirty="0">
+                        <a:solidFill>
+                          <a:srgbClr val="3C454F"/>
+                        </a:solidFill>
+                      </a:endParaRPr>
+                    </a:p>
+                  </a:txBody>
+                  <a:tcPr marL="137160" marR="137160" marT="137160" marB="137160">
+                    <a:lnL w="12700" cmpd="sng">
+                      <a:noFill/>
+                    </a:lnL>
+                    <a:lnR w="12700" cmpd="sng">
+                      <a:noFill/>
+                    </a:lnR>
+                    <a:lnT w="12700" cmpd="sng">
+                      <a:noFill/>
+                    </a:lnT>
+                    <a:lnB w="12700" cmpd="sng">
+                      <a:noFill/>
+                    </a:lnB>
+                    <a:lnTlToBr w="12700" cmpd="sng">
+                      <a:noFill/>
+                      <a:prstDash val="solid"/>
+                    </a:lnTlToBr>
+                    <a:lnBlToTr w="12700" cmpd="sng">
+                      <a:noFill/>
+                      <a:prstDash val="solid"/>
+                    </a:lnBlToTr>
+                  </a:tcPr>
+                </a:tc>
+                <a:tc>
+                  <a:txBody>
+                    <a:bodyPr/>
+                    <a:lstStyle/>
+                    <a:p>
+                      <a:pPr marL="0" marR="0" indent="0" algn="l" defTabSz="914400" rtl="0" eaLnBrk="1" fontAlgn="auto" latinLnBrk="0" hangingPunct="1">
+                        <a:lnSpc>
+                          <a:spcPct val="100000"/>
+                        </a:lnSpc>
+                        <a:spcBef>
+                          <a:spcPts val="0"/>
+                        </a:spcBef>
+                        <a:spcAft>
+                          <a:spcPts val="0"/>
+                        </a:spcAft>
+                        <a:buClrTx/>
+                        <a:buSzTx/>
+                        <a:buFontTx/>
+                        <a:buNone/>
+                        <a:tabLst/>
+                        <a:defRPr/>
+                      </a:pPr>
+                      <a:r>
+                        <a:rPr lang="en-US" sz="1600" dirty="0" smtClean="0"/>
+                        <a:t>Content</a:t>
+                      </a:r>
+                    </a:p>
+                    <a:p>
+                      <a:endParaRPr lang="en-US" sz="1600" dirty="0">
+                        <a:solidFill>
+                          <a:srgbClr val="3C454F"/>
+                        </a:solidFill>
+                      </a:endParaRPr>
+                    </a:p>
+                  </a:txBody>
+                  <a:tcPr marL="137160" marR="137160" marT="137160" marB="137160">
+                    <a:lnL w="12700" cmpd="sng">
+                      <a:noFill/>
+                    </a:lnL>
+                    <a:lnR w="12700" cmpd="sng">
+                      <a:noFill/>
+                    </a:lnR>
+                    <a:lnT w="12700" cmpd="sng">
+                      <a:noFill/>
+                    </a:lnT>
+                    <a:lnB w="12700" cmpd="sng">
+                      <a:noFill/>
+                    </a:lnB>
+                    <a:lnTlToBr w="12700" cmpd="sng">
+                      <a:noFill/>
+                      <a:prstDash val="solid"/>
+                    </a:lnTlToBr>
+                    <a:lnBlToTr w="12700" cmpd="sng">
+                      <a:noFill/>
+                      <a:prstDash val="solid"/>
+                    </a:lnBlToTr>
+                  </a:tcPr>
+                </a:tc>
+                <a:tc>
+                  <a:txBody>
+                    <a:bodyPr/>
+                    <a:lstStyle/>
+                    <a:p>
+                      <a:pPr marL="0" marR="0" indent="0" algn="l" defTabSz="914400" rtl="0" eaLnBrk="1" fontAlgn="auto" latinLnBrk="0" hangingPunct="1">
+                        <a:lnSpc>
+                          <a:spcPct val="100000"/>
+                        </a:lnSpc>
+                        <a:spcBef>
+                          <a:spcPts val="0"/>
+                        </a:spcBef>
+                        <a:spcAft>
+                          <a:spcPts val="0"/>
+                        </a:spcAft>
+                        <a:buClrTx/>
+                        <a:buSzTx/>
+                        <a:buFontTx/>
+                        <a:buNone/>
+                        <a:tabLst/>
+                        <a:defRPr/>
+                      </a:pPr>
+                      <a:r>
+                        <a:rPr lang="en-US" sz="1600" dirty="0" smtClean="0"/>
+                        <a:t>Content</a:t>
+                      </a:r>
+                    </a:p>
+                    <a:p>
+                      <a:endParaRPr lang="en-US" sz="1600" dirty="0">
+                        <a:solidFill>
+                          <a:srgbClr val="3C454F"/>
+                        </a:solidFill>
+                      </a:endParaRPr>
+                    </a:p>
+                  </a:txBody>
+                  <a:tcPr marL="137160" marR="137160" marT="137160" marB="137160">
+                    <a:lnL w="12700" cmpd="sng">
+                      <a:noFill/>
+                    </a:lnL>
+                    <a:lnR w="12700" cmpd="sng">
+                      <a:noFill/>
+                    </a:lnR>
+                    <a:lnT w="12700" cmpd="sng">
+                      <a:noFill/>
+                    </a:lnT>
+                    <a:lnB w="12700" cmpd="sng">
+                      <a:noFill/>
+                    </a:lnB>
+                    <a:lnTlToBr w="12700" cmpd="sng">
+                      <a:noFill/>
+                      <a:prstDash val="solid"/>
+                    </a:lnTlToBr>
+                    <a:lnBlToTr w="12700" cmpd="sng">
+                      <a:noFill/>
+                      <a:prstDash val="solid"/>
+                    </a:lnBlToTr>
+                  </a:tcPr>
+                </a:tc>
+                <a:tc>
+                  <a:txBody>
+                    <a:bodyPr/>
+                    <a:lstStyle/>
+                    <a:p>
+                      <a:pPr marL="0" marR="0" indent="0" algn="l" defTabSz="914400" rtl="0" eaLnBrk="1" fontAlgn="auto" latinLnBrk="0" hangingPunct="1">
+                        <a:lnSpc>
+                          <a:spcPct val="100000"/>
+                        </a:lnSpc>
+                        <a:spcBef>
+                          <a:spcPts val="0"/>
+                        </a:spcBef>
+                        <a:spcAft>
+                          <a:spcPts val="0"/>
+                        </a:spcAft>
+                        <a:buClrTx/>
+                        <a:buSzTx/>
+                        <a:buFontTx/>
+                        <a:buNone/>
+                        <a:tabLst/>
+                        <a:defRPr/>
+                      </a:pPr>
+                      <a:r>
+                        <a:rPr lang="en-US" sz="1600" dirty="0" smtClean="0"/>
+                        <a:t>Content</a:t>
+                      </a:r>
+                    </a:p>
+                    <a:p>
+                      <a:endParaRPr lang="en-US" sz="1600" dirty="0">
+                        <a:solidFill>
+                          <a:srgbClr val="3C454F"/>
+                        </a:solidFill>
+                      </a:endParaRPr>
+                    </a:p>
+                  </a:txBody>
+                  <a:tcPr marL="137160" marR="137160" marT="137160" marB="137160">
+                    <a:lnL w="12700" cmpd="sng">
+                      <a:noFill/>
+                    </a:lnL>
+                    <a:lnR w="12700" cmpd="sng">
+                      <a:noFill/>
+                    </a:lnR>
+                    <a:lnT w="12700" cmpd="sng">
+                      <a:noFill/>
+                    </a:lnT>
+                    <a:lnB w="12700" cmpd="sng">
+                      <a:noFill/>
+                    </a:lnB>
+                    <a:lnTlToBr w="12700" cmpd="sng">
+                      <a:noFill/>
+                      <a:prstDash val="solid"/>
+                    </a:lnTlToBr>
+                    <a:lnBlToTr w="12700" cmpd="sng">
+                      <a:noFill/>
+                      <a:prstDash val="solid"/>
+                    </a:lnBlToTr>
+                  </a:tcPr>
+                </a:tc>
+              </a:tr>
+              <a:tr h="1225319">
+                <a:tc>
+                  <a:txBody>
+                    <a:bodyPr/>
+                    <a:lstStyle/>
+                    <a:p>
+                      <a:pPr marL="0" marR="0" indent="0" algn="l" defTabSz="914400" rtl="0" eaLnBrk="1" fontAlgn="auto" latinLnBrk="0" hangingPunct="1">
+                        <a:lnSpc>
+                          <a:spcPct val="100000"/>
+                        </a:lnSpc>
+                        <a:spcBef>
+                          <a:spcPts val="0"/>
+                        </a:spcBef>
+                        <a:spcAft>
+                          <a:spcPts val="0"/>
+                        </a:spcAft>
+                        <a:buClrTx/>
+                        <a:buSzTx/>
+                        <a:buFontTx/>
+                        <a:buNone/>
+                        <a:tabLst/>
+                        <a:defRPr/>
+                      </a:pPr>
+                      <a:r>
+                        <a:rPr lang="en-US" sz="1600" dirty="0" smtClean="0"/>
+                        <a:t>Content</a:t>
+                      </a:r>
+                    </a:p>
+                    <a:p>
+                      <a:endParaRPr lang="en-US" sz="1600" dirty="0">
+                        <a:solidFill>
+                          <a:srgbClr val="3C454F"/>
+                        </a:solidFill>
+                      </a:endParaRPr>
+                    </a:p>
+                  </a:txBody>
+                  <a:tcPr marL="137160" marR="137160" marT="137160" marB="137160">
+                    <a:lnL w="12700" cmpd="sng">
+                      <a:noFill/>
+                    </a:lnL>
+                    <a:lnR w="12700" cmpd="sng">
+                      <a:noFill/>
+                    </a:lnR>
+                    <a:lnT w="12700" cmpd="sng">
+                      <a:noFill/>
+                    </a:lnT>
+                    <a:lnB w="12700" cmpd="sng">
+                      <a:noFill/>
+                    </a:lnB>
+                    <a:lnTlToBr w="12700" cmpd="sng">
+                      <a:noFill/>
+                      <a:prstDash val="solid"/>
+                    </a:lnTlToBr>
+                    <a:lnBlToTr w="12700" cmpd="sng">
+                      <a:noFill/>
+                      <a:prstDash val="solid"/>
+                    </a:lnBlToTr>
+                  </a:tcPr>
+                </a:tc>
+                <a:tc>
+                  <a:txBody>
+                    <a:bodyPr/>
+                    <a:lstStyle/>
+                    <a:p>
+                      <a:pPr marL="0" marR="0" indent="0" algn="l" defTabSz="914400" rtl="0" eaLnBrk="1" fontAlgn="auto" latinLnBrk="0" hangingPunct="1">
+                        <a:lnSpc>
+                          <a:spcPct val="100000"/>
+                        </a:lnSpc>
+                        <a:spcBef>
+                          <a:spcPts val="0"/>
+                        </a:spcBef>
+                        <a:spcAft>
+                          <a:spcPts val="0"/>
+                        </a:spcAft>
+                        <a:buClrTx/>
+                        <a:buSzTx/>
+                        <a:buFontTx/>
+                        <a:buNone/>
+                        <a:tabLst/>
+                        <a:defRPr/>
+                      </a:pPr>
+                      <a:r>
+                        <a:rPr lang="en-US" sz="1600" dirty="0" smtClean="0"/>
+                        <a:t>Content</a:t>
+                      </a:r>
+                    </a:p>
+                    <a:p>
+                      <a:endParaRPr lang="en-US" sz="1600" dirty="0">
+                        <a:solidFill>
+                          <a:srgbClr val="3C454F"/>
+                        </a:solidFill>
+                      </a:endParaRPr>
+                    </a:p>
+                  </a:txBody>
+                  <a:tcPr marL="137160" marR="137160" marT="137160" marB="137160">
+                    <a:lnL w="12700" cmpd="sng">
+                      <a:noFill/>
+                    </a:lnL>
+                    <a:lnR w="12700" cmpd="sng">
+                      <a:noFill/>
+                    </a:lnR>
+                    <a:lnT w="12700" cmpd="sng">
+                      <a:noFill/>
+                    </a:lnT>
+                    <a:lnB w="12700" cmpd="sng">
+                      <a:noFill/>
+                    </a:lnB>
+                    <a:lnTlToBr w="12700" cmpd="sng">
+                      <a:noFill/>
+                      <a:prstDash val="solid"/>
+                    </a:lnTlToBr>
+                    <a:lnBlToTr w="12700" cmpd="sng">
+                      <a:noFill/>
+                      <a:prstDash val="solid"/>
+                    </a:lnBlToTr>
+                  </a:tcPr>
+                </a:tc>
+                <a:tc>
+                  <a:txBody>
+                    <a:bodyPr/>
+                    <a:lstStyle/>
+                    <a:p>
+                      <a:pPr marL="0" marR="0" indent="0" algn="l" defTabSz="914400" rtl="0" eaLnBrk="1" fontAlgn="auto" latinLnBrk="0" hangingPunct="1">
+                        <a:lnSpc>
+                          <a:spcPct val="100000"/>
+                        </a:lnSpc>
+                        <a:spcBef>
+                          <a:spcPts val="0"/>
+                        </a:spcBef>
+                        <a:spcAft>
+                          <a:spcPts val="0"/>
+                        </a:spcAft>
+                        <a:buClrTx/>
+                        <a:buSzTx/>
+                        <a:buFontTx/>
+                        <a:buNone/>
+                        <a:tabLst/>
+                        <a:defRPr/>
+                      </a:pPr>
+                      <a:r>
+                        <a:rPr lang="en-US" sz="1600" dirty="0" smtClean="0"/>
+                        <a:t>Content</a:t>
+                      </a:r>
+                    </a:p>
+                    <a:p>
+                      <a:endParaRPr lang="en-US" sz="1600" dirty="0">
+                        <a:solidFill>
+                          <a:srgbClr val="3C454F"/>
+                        </a:solidFill>
+                      </a:endParaRPr>
+                    </a:p>
+                  </a:txBody>
+                  <a:tcPr marL="137160" marR="137160" marT="137160" marB="137160">
+                    <a:lnL w="12700" cmpd="sng">
+                      <a:noFill/>
+                    </a:lnL>
+                    <a:lnR w="12700" cmpd="sng">
+                      <a:noFill/>
+                    </a:lnR>
+                    <a:lnT w="12700" cmpd="sng">
+                      <a:noFill/>
+                    </a:lnT>
+                    <a:lnB w="12700" cmpd="sng">
+                      <a:noFill/>
+                    </a:lnB>
+                    <a:lnTlToBr w="12700" cmpd="sng">
+                      <a:noFill/>
+                      <a:prstDash val="solid"/>
+                    </a:lnTlToBr>
+                    <a:lnBlToTr w="12700" cmpd="sng">
+                      <a:noFill/>
+                      <a:prstDash val="solid"/>
+                    </a:lnBlToTr>
+                  </a:tcPr>
+                </a:tc>
+                <a:tc>
+                  <a:txBody>
+                    <a:bodyPr/>
+                    <a:lstStyle/>
+                    <a:p>
+                      <a:pPr marL="0" marR="0" indent="0" algn="l" defTabSz="914400" rtl="0" eaLnBrk="1" fontAlgn="auto" latinLnBrk="0" hangingPunct="1">
+                        <a:lnSpc>
+                          <a:spcPct val="100000"/>
+                        </a:lnSpc>
+                        <a:spcBef>
+                          <a:spcPts val="0"/>
+                        </a:spcBef>
+                        <a:spcAft>
+                          <a:spcPts val="0"/>
+                        </a:spcAft>
+                        <a:buClrTx/>
+                        <a:buSzTx/>
+                        <a:buFontTx/>
+                        <a:buNone/>
+                        <a:tabLst/>
+                        <a:defRPr/>
+                      </a:pPr>
+                      <a:r>
+                        <a:rPr lang="en-US" sz="1600" dirty="0" smtClean="0"/>
+                        <a:t>Content</a:t>
+                      </a:r>
+                    </a:p>
+                    <a:p>
+                      <a:endParaRPr lang="en-US" sz="1600" dirty="0">
+                        <a:solidFill>
+                          <a:srgbClr val="3C454F"/>
+                        </a:solidFill>
+                      </a:endParaRPr>
+                    </a:p>
+                  </a:txBody>
+                  <a:tcPr marL="137160" marR="137160" marT="137160" marB="137160">
+                    <a:lnL w="12700" cmpd="sng">
+                      <a:noFill/>
+                    </a:lnL>
+                    <a:lnR w="12700" cmpd="sng">
+                      <a:noFill/>
+                    </a:lnR>
+                    <a:lnT w="12700" cmpd="sng">
+                      <a:noFill/>
+                    </a:lnT>
+                    <a:lnB w="12700" cmpd="sng">
+                      <a:noFill/>
+                    </a:lnB>
+                    <a:lnTlToBr w="12700" cmpd="sng">
+                      <a:noFill/>
+                      <a:prstDash val="solid"/>
+                    </a:lnTlToBr>
+                    <a:lnBlToTr w="12700" cmpd="sng">
+                      <a:noFill/>
+                      <a:prstDash val="solid"/>
+                    </a:lnBlToTr>
+                  </a:tcPr>
+                </a:tc>
+              </a:tr>
+            </a:tbl>
+          </a:graphicData>
+        </a:graphic>
+      </p:graphicFrame>
+    </p:spTree>
+    <p:extLst>
+      <p:ext uri="{BB962C8B-B14F-4D97-AF65-F5344CB8AC3E}">
+        <p14:creationId xmlns:p14="http://schemas.microsoft.com/office/powerpoint/2010/main" val="2983389349"/>
       </p:ext>
     </p:extLst>
   </p:cSld>
@@ -3409,983 +3819,6 @@
 </file>
 
 <file path=ppt/slideLayouts/slideLayout20.xml><?xml version="1.0" encoding="utf-8"?>
-<p:sldLayout xmlns:a="http://schemas.openxmlformats.org/drawingml/2006/main" xmlns:r="http://schemas.openxmlformats.org/officeDocument/2006/relationships" xmlns:p="http://schemas.openxmlformats.org/presentationml/2006/main" preserve="1" userDrawn="1">
-  <p:cSld name="1_Title Only">
-    <p:spTree>
-      <p:nvGrpSpPr>
-        <p:cNvPr id="1" name=""/>
-        <p:cNvGrpSpPr/>
-        <p:nvPr/>
-      </p:nvGrpSpPr>
-      <p:grpSpPr>
-        <a:xfrm>
-          <a:off x="0" y="0"/>
-          <a:ext cx="0" cy="0"/>
-          <a:chOff x="0" y="0"/>
-          <a:chExt cx="0" cy="0"/>
-        </a:xfrm>
-      </p:grpSpPr>
-      <p:sp>
-        <p:nvSpPr>
-          <p:cNvPr id="2" name="Title 1"/>
-          <p:cNvSpPr>
-            <a:spLocks noGrp="1"/>
-          </p:cNvSpPr>
-          <p:nvPr>
-            <p:ph type="title"/>
-          </p:nvPr>
-        </p:nvSpPr>
-        <p:spPr>
-          <a:xfrm>
-            <a:off x="560798" y="416497"/>
-            <a:ext cx="11079822" cy="922110"/>
-          </a:xfrm>
-        </p:spPr>
-        <p:txBody>
-          <a:bodyPr>
-            <a:normAutofit/>
-          </a:bodyPr>
-          <a:lstStyle>
-            <a:lvl1pPr>
-              <a:defRPr sz="4400"/>
-            </a:lvl1pPr>
-          </a:lstStyle>
-          <a:p>
-            <a:r>
-              <a:rPr lang="en-US" smtClean="0"/>
-              <a:t>Click to edit Master title style</a:t>
-            </a:r>
-            <a:endParaRPr lang="en-US"/>
-          </a:p>
-        </p:txBody>
-      </p:sp>
-      <p:sp>
-        <p:nvSpPr>
-          <p:cNvPr id="5" name="Slide Number Placeholder 4"/>
-          <p:cNvSpPr>
-            <a:spLocks noGrp="1"/>
-          </p:cNvSpPr>
-          <p:nvPr>
-            <p:ph type="sldNum" sz="quarter" idx="12"/>
-          </p:nvPr>
-        </p:nvSpPr>
-        <p:spPr>
-          <a:xfrm>
-            <a:off x="8897420" y="6256216"/>
-            <a:ext cx="2743200" cy="365125"/>
-          </a:xfrm>
-          <a:prstGeom prst="rect">
-            <a:avLst/>
-          </a:prstGeom>
-        </p:spPr>
-        <p:txBody>
-          <a:bodyPr/>
-          <a:lstStyle/>
-          <a:p>
-            <a:fld id="{0A164282-434E-41D4-9582-783D542A7B68}" type="slidenum">
-              <a:rPr lang="en-US" smtClean="0"/>
-              <a:t>‹#›</a:t>
-            </a:fld>
-            <a:endParaRPr lang="en-US"/>
-          </a:p>
-        </p:txBody>
-      </p:sp>
-      <p:graphicFrame>
-        <p:nvGraphicFramePr>
-          <p:cNvPr id="6" name="Table 5"/>
-          <p:cNvGraphicFramePr>
-            <a:graphicFrameLocks noGrp="1"/>
-          </p:cNvGraphicFramePr>
-          <p:nvPr userDrawn="1">
-            <p:extLst>
-              <p:ext uri="{D42A27DB-BD31-4B8C-83A1-F6EECF244321}">
-                <p14:modId xmlns:p14="http://schemas.microsoft.com/office/powerpoint/2010/main" val="3519163226"/>
-              </p:ext>
-            </p:extLst>
-          </p:nvPr>
-        </p:nvGraphicFramePr>
-        <p:xfrm>
-          <a:off x="584200" y="1476596"/>
-          <a:ext cx="11056420" cy="4320392"/>
-        </p:xfrm>
-        <a:graphic>
-          <a:graphicData uri="http://schemas.openxmlformats.org/drawingml/2006/table">
-            <a:tbl>
-              <a:tblPr firstRow="1" bandRow="1">
-                <a:tableStyleId>{93296810-A885-4BE3-A3E7-6D5BEEA58F35}</a:tableStyleId>
-              </a:tblPr>
-              <a:tblGrid>
-                <a:gridCol w="2764105"/>
-                <a:gridCol w="2764105"/>
-                <a:gridCol w="2764105"/>
-                <a:gridCol w="2764105"/>
-              </a:tblGrid>
-              <a:tr h="644435">
-                <a:tc>
-                  <a:txBody>
-                    <a:bodyPr/>
-                    <a:lstStyle/>
-                    <a:p>
-                      <a:r>
-                        <a:rPr lang="en-US" sz="2000" dirty="0" smtClean="0"/>
-                        <a:t>Heading</a:t>
-                      </a:r>
-                      <a:endParaRPr lang="en-US" sz="2000" dirty="0">
-                        <a:solidFill>
-                          <a:schemeClr val="bg1"/>
-                        </a:solidFill>
-                      </a:endParaRPr>
-                    </a:p>
-                  </a:txBody>
-                  <a:tcPr marL="137160" marR="137160" marT="137160" marB="137160" anchor="ctr">
-                    <a:lnL w="12700" cmpd="sng">
-                      <a:noFill/>
-                    </a:lnL>
-                    <a:lnR w="12700" cmpd="sng">
-                      <a:noFill/>
-                    </a:lnR>
-                    <a:lnT w="12700" cmpd="sng">
-                      <a:noFill/>
-                    </a:lnT>
-                    <a:lnB w="38100" cmpd="sng">
-                      <a:noFill/>
-                    </a:lnB>
-                    <a:lnTlToBr w="12700" cmpd="sng">
-                      <a:noFill/>
-                      <a:prstDash val="solid"/>
-                    </a:lnTlToBr>
-                    <a:lnBlToTr w="12700" cmpd="sng">
-                      <a:noFill/>
-                      <a:prstDash val="solid"/>
-                    </a:lnBlToTr>
-                  </a:tcPr>
-                </a:tc>
-                <a:tc>
-                  <a:txBody>
-                    <a:bodyPr/>
-                    <a:lstStyle/>
-                    <a:p>
-                      <a:r>
-                        <a:rPr lang="en-US" sz="2000" dirty="0" smtClean="0"/>
-                        <a:t>Heading</a:t>
-                      </a:r>
-                      <a:endParaRPr lang="en-US" sz="2000" dirty="0">
-                        <a:solidFill>
-                          <a:schemeClr val="bg1"/>
-                        </a:solidFill>
-                      </a:endParaRPr>
-                    </a:p>
-                  </a:txBody>
-                  <a:tcPr marL="137160" marR="137160" marT="137160" marB="137160" anchor="ctr">
-                    <a:lnL w="12700" cmpd="sng">
-                      <a:noFill/>
-                    </a:lnL>
-                    <a:lnR w="12700" cmpd="sng">
-                      <a:noFill/>
-                    </a:lnR>
-                    <a:lnT w="12700" cmpd="sng">
-                      <a:noFill/>
-                    </a:lnT>
-                    <a:lnB w="38100" cmpd="sng">
-                      <a:noFill/>
-                    </a:lnB>
-                    <a:lnTlToBr w="12700" cmpd="sng">
-                      <a:noFill/>
-                      <a:prstDash val="solid"/>
-                    </a:lnTlToBr>
-                    <a:lnBlToTr w="12700" cmpd="sng">
-                      <a:noFill/>
-                      <a:prstDash val="solid"/>
-                    </a:lnBlToTr>
-                  </a:tcPr>
-                </a:tc>
-                <a:tc>
-                  <a:txBody>
-                    <a:bodyPr/>
-                    <a:lstStyle/>
-                    <a:p>
-                      <a:r>
-                        <a:rPr lang="en-US" sz="2000" dirty="0" smtClean="0"/>
-                        <a:t>Heading</a:t>
-                      </a:r>
-                      <a:endParaRPr lang="en-US" sz="2000" dirty="0">
-                        <a:solidFill>
-                          <a:schemeClr val="bg1"/>
-                        </a:solidFill>
-                      </a:endParaRPr>
-                    </a:p>
-                  </a:txBody>
-                  <a:tcPr marL="137160" marR="137160" marT="137160" marB="137160" anchor="ctr">
-                    <a:lnL w="12700" cmpd="sng">
-                      <a:noFill/>
-                    </a:lnL>
-                    <a:lnR w="12700" cmpd="sng">
-                      <a:noFill/>
-                    </a:lnR>
-                    <a:lnT w="12700" cmpd="sng">
-                      <a:noFill/>
-                    </a:lnT>
-                    <a:lnB w="38100" cmpd="sng">
-                      <a:noFill/>
-                    </a:lnB>
-                    <a:lnTlToBr w="12700" cmpd="sng">
-                      <a:noFill/>
-                      <a:prstDash val="solid"/>
-                    </a:lnTlToBr>
-                    <a:lnBlToTr w="12700" cmpd="sng">
-                      <a:noFill/>
-                      <a:prstDash val="solid"/>
-                    </a:lnBlToTr>
-                  </a:tcPr>
-                </a:tc>
-                <a:tc>
-                  <a:txBody>
-                    <a:bodyPr/>
-                    <a:lstStyle/>
-                    <a:p>
-                      <a:r>
-                        <a:rPr lang="en-US" sz="2000" dirty="0" smtClean="0"/>
-                        <a:t>Heading</a:t>
-                      </a:r>
-                      <a:endParaRPr lang="en-US" sz="2000" dirty="0">
-                        <a:solidFill>
-                          <a:schemeClr val="bg1"/>
-                        </a:solidFill>
-                      </a:endParaRPr>
-                    </a:p>
-                  </a:txBody>
-                  <a:tcPr marL="137160" marR="137160" marT="137160" marB="137160" anchor="ctr">
-                    <a:lnL w="12700" cmpd="sng">
-                      <a:noFill/>
-                    </a:lnL>
-                    <a:lnR w="12700" cmpd="sng">
-                      <a:noFill/>
-                    </a:lnR>
-                    <a:lnT w="12700" cmpd="sng">
-                      <a:noFill/>
-                    </a:lnT>
-                    <a:lnB w="38100" cmpd="sng">
-                      <a:noFill/>
-                    </a:lnB>
-                    <a:lnTlToBr w="12700" cmpd="sng">
-                      <a:noFill/>
-                      <a:prstDash val="solid"/>
-                    </a:lnTlToBr>
-                    <a:lnBlToTr w="12700" cmpd="sng">
-                      <a:noFill/>
-                      <a:prstDash val="solid"/>
-                    </a:lnBlToTr>
-                  </a:tcPr>
-                </a:tc>
-              </a:tr>
-              <a:tr h="1225319">
-                <a:tc>
-                  <a:txBody>
-                    <a:bodyPr/>
-                    <a:lstStyle/>
-                    <a:p>
-                      <a:r>
-                        <a:rPr lang="en-US" sz="1600" dirty="0" smtClean="0"/>
-                        <a:t>Content</a:t>
-                      </a:r>
-                      <a:endParaRPr lang="en-US" sz="1600" dirty="0">
-                        <a:solidFill>
-                          <a:srgbClr val="3C454F"/>
-                        </a:solidFill>
-                      </a:endParaRPr>
-                    </a:p>
-                  </a:txBody>
-                  <a:tcPr marL="137160" marR="137160" marT="137160" marB="137160">
-                    <a:lnL w="12700" cmpd="sng">
-                      <a:noFill/>
-                    </a:lnL>
-                    <a:lnR w="12700" cmpd="sng">
-                      <a:noFill/>
-                    </a:lnR>
-                    <a:lnT w="38100" cmpd="sng">
-                      <a:noFill/>
-                    </a:lnT>
-                    <a:lnB w="12700" cmpd="sng">
-                      <a:noFill/>
-                    </a:lnB>
-                    <a:lnTlToBr w="12700" cmpd="sng">
-                      <a:noFill/>
-                      <a:prstDash val="solid"/>
-                    </a:lnTlToBr>
-                    <a:lnBlToTr w="12700" cmpd="sng">
-                      <a:noFill/>
-                      <a:prstDash val="solid"/>
-                    </a:lnBlToTr>
-                  </a:tcPr>
-                </a:tc>
-                <a:tc>
-                  <a:txBody>
-                    <a:bodyPr/>
-                    <a:lstStyle/>
-                    <a:p>
-                      <a:pPr marL="0" marR="0" indent="0" algn="l" defTabSz="914400" rtl="0" eaLnBrk="1" fontAlgn="auto" latinLnBrk="0" hangingPunct="1">
-                        <a:lnSpc>
-                          <a:spcPct val="100000"/>
-                        </a:lnSpc>
-                        <a:spcBef>
-                          <a:spcPts val="0"/>
-                        </a:spcBef>
-                        <a:spcAft>
-                          <a:spcPts val="0"/>
-                        </a:spcAft>
-                        <a:buClrTx/>
-                        <a:buSzTx/>
-                        <a:buFontTx/>
-                        <a:buNone/>
-                        <a:tabLst/>
-                        <a:defRPr/>
-                      </a:pPr>
-                      <a:r>
-                        <a:rPr lang="en-US" sz="1600" dirty="0" smtClean="0"/>
-                        <a:t>Content</a:t>
-                      </a:r>
-                    </a:p>
-                    <a:p>
-                      <a:endParaRPr lang="en-US" sz="1600" dirty="0">
-                        <a:solidFill>
-                          <a:srgbClr val="3C454F"/>
-                        </a:solidFill>
-                      </a:endParaRPr>
-                    </a:p>
-                  </a:txBody>
-                  <a:tcPr marL="137160" marR="137160" marT="137160" marB="137160">
-                    <a:lnL w="12700" cmpd="sng">
-                      <a:noFill/>
-                    </a:lnL>
-                    <a:lnR w="12700" cmpd="sng">
-                      <a:noFill/>
-                    </a:lnR>
-                    <a:lnT w="38100" cmpd="sng">
-                      <a:noFill/>
-                    </a:lnT>
-                    <a:lnB w="12700" cmpd="sng">
-                      <a:noFill/>
-                    </a:lnB>
-                    <a:lnTlToBr w="12700" cmpd="sng">
-                      <a:noFill/>
-                      <a:prstDash val="solid"/>
-                    </a:lnTlToBr>
-                    <a:lnBlToTr w="12700" cmpd="sng">
-                      <a:noFill/>
-                      <a:prstDash val="solid"/>
-                    </a:lnBlToTr>
-                  </a:tcPr>
-                </a:tc>
-                <a:tc>
-                  <a:txBody>
-                    <a:bodyPr/>
-                    <a:lstStyle/>
-                    <a:p>
-                      <a:pPr marL="0" marR="0" indent="0" algn="l" defTabSz="914400" rtl="0" eaLnBrk="1" fontAlgn="auto" latinLnBrk="0" hangingPunct="1">
-                        <a:lnSpc>
-                          <a:spcPct val="100000"/>
-                        </a:lnSpc>
-                        <a:spcBef>
-                          <a:spcPts val="0"/>
-                        </a:spcBef>
-                        <a:spcAft>
-                          <a:spcPts val="0"/>
-                        </a:spcAft>
-                        <a:buClrTx/>
-                        <a:buSzTx/>
-                        <a:buFontTx/>
-                        <a:buNone/>
-                        <a:tabLst/>
-                        <a:defRPr/>
-                      </a:pPr>
-                      <a:r>
-                        <a:rPr lang="en-US" sz="1600" dirty="0" smtClean="0"/>
-                        <a:t>Content</a:t>
-                      </a:r>
-                    </a:p>
-                    <a:p>
-                      <a:endParaRPr lang="en-US" sz="1600" dirty="0">
-                        <a:solidFill>
-                          <a:srgbClr val="3C454F"/>
-                        </a:solidFill>
-                      </a:endParaRPr>
-                    </a:p>
-                  </a:txBody>
-                  <a:tcPr marL="137160" marR="137160" marT="137160" marB="137160">
-                    <a:lnL w="12700" cmpd="sng">
-                      <a:noFill/>
-                    </a:lnL>
-                    <a:lnR w="12700" cmpd="sng">
-                      <a:noFill/>
-                    </a:lnR>
-                    <a:lnT w="38100" cmpd="sng">
-                      <a:noFill/>
-                    </a:lnT>
-                    <a:lnB w="12700" cmpd="sng">
-                      <a:noFill/>
-                    </a:lnB>
-                    <a:lnTlToBr w="12700" cmpd="sng">
-                      <a:noFill/>
-                      <a:prstDash val="solid"/>
-                    </a:lnTlToBr>
-                    <a:lnBlToTr w="12700" cmpd="sng">
-                      <a:noFill/>
-                      <a:prstDash val="solid"/>
-                    </a:lnBlToTr>
-                  </a:tcPr>
-                </a:tc>
-                <a:tc>
-                  <a:txBody>
-                    <a:bodyPr/>
-                    <a:lstStyle/>
-                    <a:p>
-                      <a:pPr marL="0" marR="0" indent="0" algn="l" defTabSz="914400" rtl="0" eaLnBrk="1" fontAlgn="auto" latinLnBrk="0" hangingPunct="1">
-                        <a:lnSpc>
-                          <a:spcPct val="100000"/>
-                        </a:lnSpc>
-                        <a:spcBef>
-                          <a:spcPts val="0"/>
-                        </a:spcBef>
-                        <a:spcAft>
-                          <a:spcPts val="0"/>
-                        </a:spcAft>
-                        <a:buClrTx/>
-                        <a:buSzTx/>
-                        <a:buFontTx/>
-                        <a:buNone/>
-                        <a:tabLst/>
-                        <a:defRPr/>
-                      </a:pPr>
-                      <a:r>
-                        <a:rPr lang="en-US" sz="1600" dirty="0" smtClean="0"/>
-                        <a:t>Content</a:t>
-                      </a:r>
-                    </a:p>
-                    <a:p>
-                      <a:endParaRPr lang="en-US" sz="1600" dirty="0">
-                        <a:solidFill>
-                          <a:srgbClr val="3C454F"/>
-                        </a:solidFill>
-                      </a:endParaRPr>
-                    </a:p>
-                  </a:txBody>
-                  <a:tcPr marL="137160" marR="137160" marT="137160" marB="137160">
-                    <a:lnL w="12700" cmpd="sng">
-                      <a:noFill/>
-                    </a:lnL>
-                    <a:lnR w="12700" cmpd="sng">
-                      <a:noFill/>
-                    </a:lnR>
-                    <a:lnT w="38100" cmpd="sng">
-                      <a:noFill/>
-                    </a:lnT>
-                    <a:lnB w="12700" cmpd="sng">
-                      <a:noFill/>
-                    </a:lnB>
-                    <a:lnTlToBr w="12700" cmpd="sng">
-                      <a:noFill/>
-                      <a:prstDash val="solid"/>
-                    </a:lnTlToBr>
-                    <a:lnBlToTr w="12700" cmpd="sng">
-                      <a:noFill/>
-                      <a:prstDash val="solid"/>
-                    </a:lnBlToTr>
-                  </a:tcPr>
-                </a:tc>
-              </a:tr>
-              <a:tr h="1225319">
-                <a:tc>
-                  <a:txBody>
-                    <a:bodyPr/>
-                    <a:lstStyle/>
-                    <a:p>
-                      <a:pPr marL="0" marR="0" indent="0" algn="l" defTabSz="914400" rtl="0" eaLnBrk="1" fontAlgn="auto" latinLnBrk="0" hangingPunct="1">
-                        <a:lnSpc>
-                          <a:spcPct val="100000"/>
-                        </a:lnSpc>
-                        <a:spcBef>
-                          <a:spcPts val="0"/>
-                        </a:spcBef>
-                        <a:spcAft>
-                          <a:spcPts val="0"/>
-                        </a:spcAft>
-                        <a:buClrTx/>
-                        <a:buSzTx/>
-                        <a:buFontTx/>
-                        <a:buNone/>
-                        <a:tabLst/>
-                        <a:defRPr/>
-                      </a:pPr>
-                      <a:r>
-                        <a:rPr lang="en-US" sz="1600" dirty="0" smtClean="0"/>
-                        <a:t>Content</a:t>
-                      </a:r>
-                    </a:p>
-                    <a:p>
-                      <a:endParaRPr lang="en-US" sz="1600" dirty="0">
-                        <a:solidFill>
-                          <a:srgbClr val="3C454F"/>
-                        </a:solidFill>
-                      </a:endParaRPr>
-                    </a:p>
-                  </a:txBody>
-                  <a:tcPr marL="137160" marR="137160" marT="137160" marB="137160">
-                    <a:lnL w="12700" cmpd="sng">
-                      <a:noFill/>
-                    </a:lnL>
-                    <a:lnR w="12700" cmpd="sng">
-                      <a:noFill/>
-                    </a:lnR>
-                    <a:lnT w="12700" cmpd="sng">
-                      <a:noFill/>
-                    </a:lnT>
-                    <a:lnB w="12700" cmpd="sng">
-                      <a:noFill/>
-                    </a:lnB>
-                    <a:lnTlToBr w="12700" cmpd="sng">
-                      <a:noFill/>
-                      <a:prstDash val="solid"/>
-                    </a:lnTlToBr>
-                    <a:lnBlToTr w="12700" cmpd="sng">
-                      <a:noFill/>
-                      <a:prstDash val="solid"/>
-                    </a:lnBlToTr>
-                  </a:tcPr>
-                </a:tc>
-                <a:tc>
-                  <a:txBody>
-                    <a:bodyPr/>
-                    <a:lstStyle/>
-                    <a:p>
-                      <a:pPr marL="0" marR="0" indent="0" algn="l" defTabSz="914400" rtl="0" eaLnBrk="1" fontAlgn="auto" latinLnBrk="0" hangingPunct="1">
-                        <a:lnSpc>
-                          <a:spcPct val="100000"/>
-                        </a:lnSpc>
-                        <a:spcBef>
-                          <a:spcPts val="0"/>
-                        </a:spcBef>
-                        <a:spcAft>
-                          <a:spcPts val="0"/>
-                        </a:spcAft>
-                        <a:buClrTx/>
-                        <a:buSzTx/>
-                        <a:buFontTx/>
-                        <a:buNone/>
-                        <a:tabLst/>
-                        <a:defRPr/>
-                      </a:pPr>
-                      <a:r>
-                        <a:rPr lang="en-US" sz="1600" dirty="0" smtClean="0"/>
-                        <a:t>Content</a:t>
-                      </a:r>
-                    </a:p>
-                    <a:p>
-                      <a:endParaRPr lang="en-US" sz="1600" dirty="0">
-                        <a:solidFill>
-                          <a:srgbClr val="3C454F"/>
-                        </a:solidFill>
-                      </a:endParaRPr>
-                    </a:p>
-                  </a:txBody>
-                  <a:tcPr marL="137160" marR="137160" marT="137160" marB="137160">
-                    <a:lnL w="12700" cmpd="sng">
-                      <a:noFill/>
-                    </a:lnL>
-                    <a:lnR w="12700" cmpd="sng">
-                      <a:noFill/>
-                    </a:lnR>
-                    <a:lnT w="12700" cmpd="sng">
-                      <a:noFill/>
-                    </a:lnT>
-                    <a:lnB w="12700" cmpd="sng">
-                      <a:noFill/>
-                    </a:lnB>
-                    <a:lnTlToBr w="12700" cmpd="sng">
-                      <a:noFill/>
-                      <a:prstDash val="solid"/>
-                    </a:lnTlToBr>
-                    <a:lnBlToTr w="12700" cmpd="sng">
-                      <a:noFill/>
-                      <a:prstDash val="solid"/>
-                    </a:lnBlToTr>
-                  </a:tcPr>
-                </a:tc>
-                <a:tc>
-                  <a:txBody>
-                    <a:bodyPr/>
-                    <a:lstStyle/>
-                    <a:p>
-                      <a:pPr marL="0" marR="0" indent="0" algn="l" defTabSz="914400" rtl="0" eaLnBrk="1" fontAlgn="auto" latinLnBrk="0" hangingPunct="1">
-                        <a:lnSpc>
-                          <a:spcPct val="100000"/>
-                        </a:lnSpc>
-                        <a:spcBef>
-                          <a:spcPts val="0"/>
-                        </a:spcBef>
-                        <a:spcAft>
-                          <a:spcPts val="0"/>
-                        </a:spcAft>
-                        <a:buClrTx/>
-                        <a:buSzTx/>
-                        <a:buFontTx/>
-                        <a:buNone/>
-                        <a:tabLst/>
-                        <a:defRPr/>
-                      </a:pPr>
-                      <a:r>
-                        <a:rPr lang="en-US" sz="1600" dirty="0" smtClean="0"/>
-                        <a:t>Content</a:t>
-                      </a:r>
-                    </a:p>
-                    <a:p>
-                      <a:endParaRPr lang="en-US" sz="1600" dirty="0">
-                        <a:solidFill>
-                          <a:srgbClr val="3C454F"/>
-                        </a:solidFill>
-                      </a:endParaRPr>
-                    </a:p>
-                  </a:txBody>
-                  <a:tcPr marL="137160" marR="137160" marT="137160" marB="137160">
-                    <a:lnL w="12700" cmpd="sng">
-                      <a:noFill/>
-                    </a:lnL>
-                    <a:lnR w="12700" cmpd="sng">
-                      <a:noFill/>
-                    </a:lnR>
-                    <a:lnT w="12700" cmpd="sng">
-                      <a:noFill/>
-                    </a:lnT>
-                    <a:lnB w="12700" cmpd="sng">
-                      <a:noFill/>
-                    </a:lnB>
-                    <a:lnTlToBr w="12700" cmpd="sng">
-                      <a:noFill/>
-                      <a:prstDash val="solid"/>
-                    </a:lnTlToBr>
-                    <a:lnBlToTr w="12700" cmpd="sng">
-                      <a:noFill/>
-                      <a:prstDash val="solid"/>
-                    </a:lnBlToTr>
-                  </a:tcPr>
-                </a:tc>
-                <a:tc>
-                  <a:txBody>
-                    <a:bodyPr/>
-                    <a:lstStyle/>
-                    <a:p>
-                      <a:pPr marL="0" marR="0" indent="0" algn="l" defTabSz="914400" rtl="0" eaLnBrk="1" fontAlgn="auto" latinLnBrk="0" hangingPunct="1">
-                        <a:lnSpc>
-                          <a:spcPct val="100000"/>
-                        </a:lnSpc>
-                        <a:spcBef>
-                          <a:spcPts val="0"/>
-                        </a:spcBef>
-                        <a:spcAft>
-                          <a:spcPts val="0"/>
-                        </a:spcAft>
-                        <a:buClrTx/>
-                        <a:buSzTx/>
-                        <a:buFontTx/>
-                        <a:buNone/>
-                        <a:tabLst/>
-                        <a:defRPr/>
-                      </a:pPr>
-                      <a:r>
-                        <a:rPr lang="en-US" sz="1600" dirty="0" smtClean="0"/>
-                        <a:t>Content</a:t>
-                      </a:r>
-                    </a:p>
-                    <a:p>
-                      <a:endParaRPr lang="en-US" sz="1600" dirty="0">
-                        <a:solidFill>
-                          <a:srgbClr val="3C454F"/>
-                        </a:solidFill>
-                      </a:endParaRPr>
-                    </a:p>
-                  </a:txBody>
-                  <a:tcPr marL="137160" marR="137160" marT="137160" marB="137160">
-                    <a:lnL w="12700" cmpd="sng">
-                      <a:noFill/>
-                    </a:lnL>
-                    <a:lnR w="12700" cmpd="sng">
-                      <a:noFill/>
-                    </a:lnR>
-                    <a:lnT w="12700" cmpd="sng">
-                      <a:noFill/>
-                    </a:lnT>
-                    <a:lnB w="12700" cmpd="sng">
-                      <a:noFill/>
-                    </a:lnB>
-                    <a:lnTlToBr w="12700" cmpd="sng">
-                      <a:noFill/>
-                      <a:prstDash val="solid"/>
-                    </a:lnTlToBr>
-                    <a:lnBlToTr w="12700" cmpd="sng">
-                      <a:noFill/>
-                      <a:prstDash val="solid"/>
-                    </a:lnBlToTr>
-                  </a:tcPr>
-                </a:tc>
-              </a:tr>
-              <a:tr h="1225319">
-                <a:tc>
-                  <a:txBody>
-                    <a:bodyPr/>
-                    <a:lstStyle/>
-                    <a:p>
-                      <a:pPr marL="0" marR="0" indent="0" algn="l" defTabSz="914400" rtl="0" eaLnBrk="1" fontAlgn="auto" latinLnBrk="0" hangingPunct="1">
-                        <a:lnSpc>
-                          <a:spcPct val="100000"/>
-                        </a:lnSpc>
-                        <a:spcBef>
-                          <a:spcPts val="0"/>
-                        </a:spcBef>
-                        <a:spcAft>
-                          <a:spcPts val="0"/>
-                        </a:spcAft>
-                        <a:buClrTx/>
-                        <a:buSzTx/>
-                        <a:buFontTx/>
-                        <a:buNone/>
-                        <a:tabLst/>
-                        <a:defRPr/>
-                      </a:pPr>
-                      <a:r>
-                        <a:rPr lang="en-US" sz="1600" dirty="0" smtClean="0"/>
-                        <a:t>Content</a:t>
-                      </a:r>
-                    </a:p>
-                    <a:p>
-                      <a:endParaRPr lang="en-US" sz="1600" dirty="0">
-                        <a:solidFill>
-                          <a:srgbClr val="3C454F"/>
-                        </a:solidFill>
-                      </a:endParaRPr>
-                    </a:p>
-                  </a:txBody>
-                  <a:tcPr marL="137160" marR="137160" marT="137160" marB="137160">
-                    <a:lnL w="12700" cmpd="sng">
-                      <a:noFill/>
-                    </a:lnL>
-                    <a:lnR w="12700" cmpd="sng">
-                      <a:noFill/>
-                    </a:lnR>
-                    <a:lnT w="12700" cmpd="sng">
-                      <a:noFill/>
-                    </a:lnT>
-                    <a:lnB w="12700" cmpd="sng">
-                      <a:noFill/>
-                    </a:lnB>
-                    <a:lnTlToBr w="12700" cmpd="sng">
-                      <a:noFill/>
-                      <a:prstDash val="solid"/>
-                    </a:lnTlToBr>
-                    <a:lnBlToTr w="12700" cmpd="sng">
-                      <a:noFill/>
-                      <a:prstDash val="solid"/>
-                    </a:lnBlToTr>
-                  </a:tcPr>
-                </a:tc>
-                <a:tc>
-                  <a:txBody>
-                    <a:bodyPr/>
-                    <a:lstStyle/>
-                    <a:p>
-                      <a:pPr marL="0" marR="0" indent="0" algn="l" defTabSz="914400" rtl="0" eaLnBrk="1" fontAlgn="auto" latinLnBrk="0" hangingPunct="1">
-                        <a:lnSpc>
-                          <a:spcPct val="100000"/>
-                        </a:lnSpc>
-                        <a:spcBef>
-                          <a:spcPts val="0"/>
-                        </a:spcBef>
-                        <a:spcAft>
-                          <a:spcPts val="0"/>
-                        </a:spcAft>
-                        <a:buClrTx/>
-                        <a:buSzTx/>
-                        <a:buFontTx/>
-                        <a:buNone/>
-                        <a:tabLst/>
-                        <a:defRPr/>
-                      </a:pPr>
-                      <a:r>
-                        <a:rPr lang="en-US" sz="1600" dirty="0" smtClean="0"/>
-                        <a:t>Content</a:t>
-                      </a:r>
-                    </a:p>
-                    <a:p>
-                      <a:endParaRPr lang="en-US" sz="1600" dirty="0">
-                        <a:solidFill>
-                          <a:srgbClr val="3C454F"/>
-                        </a:solidFill>
-                      </a:endParaRPr>
-                    </a:p>
-                  </a:txBody>
-                  <a:tcPr marL="137160" marR="137160" marT="137160" marB="137160">
-                    <a:lnL w="12700" cmpd="sng">
-                      <a:noFill/>
-                    </a:lnL>
-                    <a:lnR w="12700" cmpd="sng">
-                      <a:noFill/>
-                    </a:lnR>
-                    <a:lnT w="12700" cmpd="sng">
-                      <a:noFill/>
-                    </a:lnT>
-                    <a:lnB w="12700" cmpd="sng">
-                      <a:noFill/>
-                    </a:lnB>
-                    <a:lnTlToBr w="12700" cmpd="sng">
-                      <a:noFill/>
-                      <a:prstDash val="solid"/>
-                    </a:lnTlToBr>
-                    <a:lnBlToTr w="12700" cmpd="sng">
-                      <a:noFill/>
-                      <a:prstDash val="solid"/>
-                    </a:lnBlToTr>
-                  </a:tcPr>
-                </a:tc>
-                <a:tc>
-                  <a:txBody>
-                    <a:bodyPr/>
-                    <a:lstStyle/>
-                    <a:p>
-                      <a:pPr marL="0" marR="0" indent="0" algn="l" defTabSz="914400" rtl="0" eaLnBrk="1" fontAlgn="auto" latinLnBrk="0" hangingPunct="1">
-                        <a:lnSpc>
-                          <a:spcPct val="100000"/>
-                        </a:lnSpc>
-                        <a:spcBef>
-                          <a:spcPts val="0"/>
-                        </a:spcBef>
-                        <a:spcAft>
-                          <a:spcPts val="0"/>
-                        </a:spcAft>
-                        <a:buClrTx/>
-                        <a:buSzTx/>
-                        <a:buFontTx/>
-                        <a:buNone/>
-                        <a:tabLst/>
-                        <a:defRPr/>
-                      </a:pPr>
-                      <a:r>
-                        <a:rPr lang="en-US" sz="1600" dirty="0" smtClean="0"/>
-                        <a:t>Content</a:t>
-                      </a:r>
-                    </a:p>
-                    <a:p>
-                      <a:endParaRPr lang="en-US" sz="1600" dirty="0">
-                        <a:solidFill>
-                          <a:srgbClr val="3C454F"/>
-                        </a:solidFill>
-                      </a:endParaRPr>
-                    </a:p>
-                  </a:txBody>
-                  <a:tcPr marL="137160" marR="137160" marT="137160" marB="137160">
-                    <a:lnL w="12700" cmpd="sng">
-                      <a:noFill/>
-                    </a:lnL>
-                    <a:lnR w="12700" cmpd="sng">
-                      <a:noFill/>
-                    </a:lnR>
-                    <a:lnT w="12700" cmpd="sng">
-                      <a:noFill/>
-                    </a:lnT>
-                    <a:lnB w="12700" cmpd="sng">
-                      <a:noFill/>
-                    </a:lnB>
-                    <a:lnTlToBr w="12700" cmpd="sng">
-                      <a:noFill/>
-                      <a:prstDash val="solid"/>
-                    </a:lnTlToBr>
-                    <a:lnBlToTr w="12700" cmpd="sng">
-                      <a:noFill/>
-                      <a:prstDash val="solid"/>
-                    </a:lnBlToTr>
-                  </a:tcPr>
-                </a:tc>
-                <a:tc>
-                  <a:txBody>
-                    <a:bodyPr/>
-                    <a:lstStyle/>
-                    <a:p>
-                      <a:pPr marL="0" marR="0" indent="0" algn="l" defTabSz="914400" rtl="0" eaLnBrk="1" fontAlgn="auto" latinLnBrk="0" hangingPunct="1">
-                        <a:lnSpc>
-                          <a:spcPct val="100000"/>
-                        </a:lnSpc>
-                        <a:spcBef>
-                          <a:spcPts val="0"/>
-                        </a:spcBef>
-                        <a:spcAft>
-                          <a:spcPts val="0"/>
-                        </a:spcAft>
-                        <a:buClrTx/>
-                        <a:buSzTx/>
-                        <a:buFontTx/>
-                        <a:buNone/>
-                        <a:tabLst/>
-                        <a:defRPr/>
-                      </a:pPr>
-                      <a:r>
-                        <a:rPr lang="en-US" sz="1600" dirty="0" smtClean="0"/>
-                        <a:t>Content</a:t>
-                      </a:r>
-                    </a:p>
-                    <a:p>
-                      <a:endParaRPr lang="en-US" sz="1600" dirty="0">
-                        <a:solidFill>
-                          <a:srgbClr val="3C454F"/>
-                        </a:solidFill>
-                      </a:endParaRPr>
-                    </a:p>
-                  </a:txBody>
-                  <a:tcPr marL="137160" marR="137160" marT="137160" marB="137160">
-                    <a:lnL w="12700" cmpd="sng">
-                      <a:noFill/>
-                    </a:lnL>
-                    <a:lnR w="12700" cmpd="sng">
-                      <a:noFill/>
-                    </a:lnR>
-                    <a:lnT w="12700" cmpd="sng">
-                      <a:noFill/>
-                    </a:lnT>
-                    <a:lnB w="12700" cmpd="sng">
-                      <a:noFill/>
-                    </a:lnB>
-                    <a:lnTlToBr w="12700" cmpd="sng">
-                      <a:noFill/>
-                      <a:prstDash val="solid"/>
-                    </a:lnTlToBr>
-                    <a:lnBlToTr w="12700" cmpd="sng">
-                      <a:noFill/>
-                      <a:prstDash val="solid"/>
-                    </a:lnBlToTr>
-                  </a:tcPr>
-                </a:tc>
-              </a:tr>
-            </a:tbl>
-          </a:graphicData>
-        </a:graphic>
-      </p:graphicFrame>
-    </p:spTree>
-    <p:extLst>
-      <p:ext uri="{BB962C8B-B14F-4D97-AF65-F5344CB8AC3E}">
-        <p14:creationId xmlns:p14="http://schemas.microsoft.com/office/powerpoint/2010/main" val="2983389349"/>
-      </p:ext>
-    </p:extLst>
-  </p:cSld>
-  <p:clrMapOvr>
-    <a:masterClrMapping/>
-  </p:clrMapOvr>
-  <p:timing>
-    <p:tnLst>
-      <p:par>
-        <p:cTn id="1" dur="indefinite" restart="never" nodeType="tmRoot"/>
-      </p:par>
-    </p:tnLst>
-  </p:timing>
-</p:sldLayout>
-</file>
-
-<file path=ppt/slideLayouts/slideLayout21.xml><?xml version="1.0" encoding="utf-8"?>
 <p:sldLayout xmlns:a="http://schemas.openxmlformats.org/drawingml/2006/main" xmlns:r="http://schemas.openxmlformats.org/officeDocument/2006/relationships" xmlns:p="http://schemas.openxmlformats.org/presentationml/2006/main" type="blank" preserve="1">
   <p:cSld name="Blank">
     <p:bg>
@@ -4461,7 +3894,7 @@
 </p:sldLayout>
 </file>
 
-<file path=ppt/slideLayouts/slideLayout22.xml><?xml version="1.0" encoding="utf-8"?>
+<file path=ppt/slideLayouts/slideLayout21.xml><?xml version="1.0" encoding="utf-8"?>
 <p:sldLayout xmlns:a="http://schemas.openxmlformats.org/drawingml/2006/main" xmlns:r="http://schemas.openxmlformats.org/officeDocument/2006/relationships" xmlns:p="http://schemas.openxmlformats.org/presentationml/2006/main" type="blank" preserve="1">
   <p:cSld name="1_Blank">
     <p:bg>
@@ -4506,7 +3939,7 @@
 </p:sldLayout>
 </file>
 
-<file path=ppt/slideLayouts/slideLayout23.xml><?xml version="1.0" encoding="utf-8"?>
+<file path=ppt/slideLayouts/slideLayout22.xml><?xml version="1.0" encoding="utf-8"?>
 <p:sldLayout xmlns:a="http://schemas.openxmlformats.org/drawingml/2006/main" xmlns:r="http://schemas.openxmlformats.org/officeDocument/2006/relationships" xmlns:p="http://schemas.openxmlformats.org/presentationml/2006/main" type="objTx" preserve="1">
   <p:cSld name="Content with Caption">
     <p:bg>
@@ -4778,7 +4211,7 @@
 </p:sldLayout>
 </file>
 
-<file path=ppt/slideLayouts/slideLayout24.xml><?xml version="1.0" encoding="utf-8"?>
+<file path=ppt/slideLayouts/slideLayout23.xml><?xml version="1.0" encoding="utf-8"?>
 <p:sldLayout xmlns:a="http://schemas.openxmlformats.org/drawingml/2006/main" xmlns:r="http://schemas.openxmlformats.org/officeDocument/2006/relationships" xmlns:p="http://schemas.openxmlformats.org/presentationml/2006/main" type="title" preserve="1">
   <p:cSld name="Title Slide">
     <p:bg>
@@ -4922,7 +4355,7 @@
 </p:sldLayout>
 </file>
 
-<file path=ppt/slideLayouts/slideLayout25.xml><?xml version="1.0" encoding="utf-8"?>
+<file path=ppt/slideLayouts/slideLayout24.xml><?xml version="1.0" encoding="utf-8"?>
 <p:sldLayout xmlns:a="http://schemas.openxmlformats.org/drawingml/2006/main" xmlns:r="http://schemas.openxmlformats.org/officeDocument/2006/relationships" xmlns:p="http://schemas.openxmlformats.org/presentationml/2006/main" type="obj" preserve="1">
   <p:cSld name="Title and Content">
     <p:bg>
@@ -5073,7 +4506,7 @@
 </p:sldLayout>
 </file>
 
-<file path=ppt/slideLayouts/slideLayout26.xml><?xml version="1.0" encoding="utf-8"?>
+<file path=ppt/slideLayouts/slideLayout25.xml><?xml version="1.0" encoding="utf-8"?>
 <p:sldLayout xmlns:a="http://schemas.openxmlformats.org/drawingml/2006/main" xmlns:r="http://schemas.openxmlformats.org/officeDocument/2006/relationships" xmlns:p="http://schemas.openxmlformats.org/presentationml/2006/main" preserve="1" userDrawn="1">
   <p:cSld name="1_Title and Content">
     <p:spTree>
@@ -5261,7 +4694,7 @@
 </p:sldLayout>
 </file>
 
-<file path=ppt/slideLayouts/slideLayout27.xml><?xml version="1.0" encoding="utf-8"?>
+<file path=ppt/slideLayouts/slideLayout26.xml><?xml version="1.0" encoding="utf-8"?>
 <p:sldLayout xmlns:a="http://schemas.openxmlformats.org/drawingml/2006/main" xmlns:r="http://schemas.openxmlformats.org/officeDocument/2006/relationships" xmlns:p="http://schemas.openxmlformats.org/presentationml/2006/main" type="titleOnly" preserve="1">
   <p:cSld name="Title Only">
     <p:bg>
@@ -5360,7 +4793,7 @@
 </p:sldLayout>
 </file>
 
-<file path=ppt/slideLayouts/slideLayout28.xml><?xml version="1.0" encoding="utf-8"?>
+<file path=ppt/slideLayouts/slideLayout27.xml><?xml version="1.0" encoding="utf-8"?>
 <p:sldLayout xmlns:a="http://schemas.openxmlformats.org/drawingml/2006/main" xmlns:r="http://schemas.openxmlformats.org/officeDocument/2006/relationships" xmlns:p="http://schemas.openxmlformats.org/presentationml/2006/main" preserve="1" userDrawn="1">
   <p:cSld name="1_Title Only">
     <p:spTree>
@@ -6393,7 +5826,7 @@
 </p:sldLayout>
 </file>
 
-<file path=ppt/slideLayouts/slideLayout29.xml><?xml version="1.0" encoding="utf-8"?>
+<file path=ppt/slideLayouts/slideLayout28.xml><?xml version="1.0" encoding="utf-8"?>
 <p:sldLayout xmlns:a="http://schemas.openxmlformats.org/drawingml/2006/main" xmlns:r="http://schemas.openxmlformats.org/officeDocument/2006/relationships" xmlns:p="http://schemas.openxmlformats.org/presentationml/2006/main" type="blank" preserve="1">
   <p:cSld name="Blank">
     <p:bg>
@@ -6453,6 +5886,51 @@
     <p:extLst>
       <p:ext uri="{BB962C8B-B14F-4D97-AF65-F5344CB8AC3E}">
         <p14:creationId xmlns:p14="http://schemas.microsoft.com/office/powerpoint/2010/main" val="794198732"/>
+      </p:ext>
+    </p:extLst>
+  </p:cSld>
+  <p:clrMapOvr>
+    <a:masterClrMapping/>
+  </p:clrMapOvr>
+  <p:timing>
+    <p:tnLst>
+      <p:par>
+        <p:cTn id="1" dur="indefinite" restart="never" nodeType="tmRoot"/>
+      </p:par>
+    </p:tnLst>
+  </p:timing>
+</p:sldLayout>
+</file>
+
+<file path=ppt/slideLayouts/slideLayout29.xml><?xml version="1.0" encoding="utf-8"?>
+<p:sldLayout xmlns:a="http://schemas.openxmlformats.org/drawingml/2006/main" xmlns:r="http://schemas.openxmlformats.org/officeDocument/2006/relationships" xmlns:p="http://schemas.openxmlformats.org/presentationml/2006/main" type="blank" preserve="1">
+  <p:cSld name="1_Blank">
+    <p:bg>
+      <p:bgPr>
+        <a:solidFill>
+          <a:srgbClr val="3C454F"/>
+        </a:solidFill>
+        <a:effectLst/>
+      </p:bgPr>
+    </p:bg>
+    <p:spTree>
+      <p:nvGrpSpPr>
+        <p:cNvPr id="1" name=""/>
+        <p:cNvGrpSpPr/>
+        <p:nvPr/>
+      </p:nvGrpSpPr>
+      <p:grpSpPr>
+        <a:xfrm>
+          <a:off x="0" y="0"/>
+          <a:ext cx="0" cy="0"/>
+          <a:chOff x="0" y="0"/>
+          <a:chExt cx="0" cy="0"/>
+        </a:xfrm>
+      </p:grpSpPr>
+    </p:spTree>
+    <p:extLst>
+      <p:ext uri="{BB962C8B-B14F-4D97-AF65-F5344CB8AC3E}">
+        <p14:creationId xmlns:p14="http://schemas.microsoft.com/office/powerpoint/2010/main" val="1999538389"/>
       </p:ext>
     </p:extLst>
   </p:cSld>
@@ -6581,51 +6059,6 @@
 </file>
 
 <file path=ppt/slideLayouts/slideLayout30.xml><?xml version="1.0" encoding="utf-8"?>
-<p:sldLayout xmlns:a="http://schemas.openxmlformats.org/drawingml/2006/main" xmlns:r="http://schemas.openxmlformats.org/officeDocument/2006/relationships" xmlns:p="http://schemas.openxmlformats.org/presentationml/2006/main" type="blank" preserve="1">
-  <p:cSld name="1_Blank">
-    <p:bg>
-      <p:bgPr>
-        <a:solidFill>
-          <a:srgbClr val="3C454F"/>
-        </a:solidFill>
-        <a:effectLst/>
-      </p:bgPr>
-    </p:bg>
-    <p:spTree>
-      <p:nvGrpSpPr>
-        <p:cNvPr id="1" name=""/>
-        <p:cNvGrpSpPr/>
-        <p:nvPr/>
-      </p:nvGrpSpPr>
-      <p:grpSpPr>
-        <a:xfrm>
-          <a:off x="0" y="0"/>
-          <a:ext cx="0" cy="0"/>
-          <a:chOff x="0" y="0"/>
-          <a:chExt cx="0" cy="0"/>
-        </a:xfrm>
-      </p:grpSpPr>
-    </p:spTree>
-    <p:extLst>
-      <p:ext uri="{BB962C8B-B14F-4D97-AF65-F5344CB8AC3E}">
-        <p14:creationId xmlns:p14="http://schemas.microsoft.com/office/powerpoint/2010/main" val="1999538389"/>
-      </p:ext>
-    </p:extLst>
-  </p:cSld>
-  <p:clrMapOvr>
-    <a:masterClrMapping/>
-  </p:clrMapOvr>
-  <p:timing>
-    <p:tnLst>
-      <p:par>
-        <p:cTn id="1" dur="indefinite" restart="never" nodeType="tmRoot"/>
-      </p:par>
-    </p:tnLst>
-  </p:timing>
-</p:sldLayout>
-</file>
-
-<file path=ppt/slideLayouts/slideLayout31.xml><?xml version="1.0" encoding="utf-8"?>
 <p:sldLayout xmlns:a="http://schemas.openxmlformats.org/drawingml/2006/main" xmlns:r="http://schemas.openxmlformats.org/officeDocument/2006/relationships" xmlns:p="http://schemas.openxmlformats.org/presentationml/2006/main" type="objTx" preserve="1">
   <p:cSld name="Content with Caption">
     <p:bg>
@@ -6897,7 +6330,7 @@
 </p:sldLayout>
 </file>
 
-<file path=ppt/slideLayouts/slideLayout32.xml><?xml version="1.0" encoding="utf-8"?>
+<file path=ppt/slideLayouts/slideLayout31.xml><?xml version="1.0" encoding="utf-8"?>
 <p:sldLayout xmlns:a="http://schemas.openxmlformats.org/drawingml/2006/main" xmlns:r="http://schemas.openxmlformats.org/officeDocument/2006/relationships" xmlns:p="http://schemas.openxmlformats.org/presentationml/2006/main" type="title" preserve="1">
   <p:cSld name="Title Slide">
     <p:bg>
@@ -7041,7 +6474,7 @@
 </p:sldLayout>
 </file>
 
-<file path=ppt/slideLayouts/slideLayout33.xml><?xml version="1.0" encoding="utf-8"?>
+<file path=ppt/slideLayouts/slideLayout32.xml><?xml version="1.0" encoding="utf-8"?>
 <p:sldLayout xmlns:a="http://schemas.openxmlformats.org/drawingml/2006/main" xmlns:r="http://schemas.openxmlformats.org/officeDocument/2006/relationships" xmlns:p="http://schemas.openxmlformats.org/presentationml/2006/main" type="obj" preserve="1">
   <p:cSld name="Title and Content">
     <p:bg>
@@ -7192,7 +6625,7 @@
 </p:sldLayout>
 </file>
 
-<file path=ppt/slideLayouts/slideLayout34.xml><?xml version="1.0" encoding="utf-8"?>
+<file path=ppt/slideLayouts/slideLayout33.xml><?xml version="1.0" encoding="utf-8"?>
 <p:sldLayout xmlns:a="http://schemas.openxmlformats.org/drawingml/2006/main" xmlns:r="http://schemas.openxmlformats.org/officeDocument/2006/relationships" xmlns:p="http://schemas.openxmlformats.org/presentationml/2006/main" preserve="1" userDrawn="1">
   <p:cSld name="1_Title and Content">
     <p:spTree>
@@ -7380,7 +6813,7 @@
 </p:sldLayout>
 </file>
 
-<file path=ppt/slideLayouts/slideLayout35.xml><?xml version="1.0" encoding="utf-8"?>
+<file path=ppt/slideLayouts/slideLayout34.xml><?xml version="1.0" encoding="utf-8"?>
 <p:sldLayout xmlns:a="http://schemas.openxmlformats.org/drawingml/2006/main" xmlns:r="http://schemas.openxmlformats.org/officeDocument/2006/relationships" xmlns:p="http://schemas.openxmlformats.org/presentationml/2006/main" type="titleOnly" preserve="1">
   <p:cSld name="Title Only">
     <p:bg>
@@ -7479,7 +6912,7 @@
 </p:sldLayout>
 </file>
 
-<file path=ppt/slideLayouts/slideLayout36.xml><?xml version="1.0" encoding="utf-8"?>
+<file path=ppt/slideLayouts/slideLayout35.xml><?xml version="1.0" encoding="utf-8"?>
 <p:sldLayout xmlns:a="http://schemas.openxmlformats.org/drawingml/2006/main" xmlns:r="http://schemas.openxmlformats.org/officeDocument/2006/relationships" xmlns:p="http://schemas.openxmlformats.org/presentationml/2006/main" preserve="1" userDrawn="1">
   <p:cSld name="1_Title Only">
     <p:spTree>
@@ -8514,7 +7947,7 @@
 </p:sldLayout>
 </file>
 
-<file path=ppt/slideLayouts/slideLayout37.xml><?xml version="1.0" encoding="utf-8"?>
+<file path=ppt/slideLayouts/slideLayout36.xml><?xml version="1.0" encoding="utf-8"?>
 <p:sldLayout xmlns:a="http://schemas.openxmlformats.org/drawingml/2006/main" xmlns:r="http://schemas.openxmlformats.org/officeDocument/2006/relationships" xmlns:p="http://schemas.openxmlformats.org/presentationml/2006/main" type="blank" preserve="1">
   <p:cSld name="Blank">
     <p:bg>
@@ -8590,7 +8023,7 @@
 </p:sldLayout>
 </file>
 
-<file path=ppt/slideLayouts/slideLayout38.xml><?xml version="1.0" encoding="utf-8"?>
+<file path=ppt/slideLayouts/slideLayout37.xml><?xml version="1.0" encoding="utf-8"?>
 <p:sldLayout xmlns:a="http://schemas.openxmlformats.org/drawingml/2006/main" xmlns:r="http://schemas.openxmlformats.org/officeDocument/2006/relationships" xmlns:p="http://schemas.openxmlformats.org/presentationml/2006/main" type="blank" preserve="1">
   <p:cSld name="1_Blank">
     <p:bg>
@@ -8635,7 +8068,7 @@
 </p:sldLayout>
 </file>
 
-<file path=ppt/slideLayouts/slideLayout39.xml><?xml version="1.0" encoding="utf-8"?>
+<file path=ppt/slideLayouts/slideLayout38.xml><?xml version="1.0" encoding="utf-8"?>
 <p:sldLayout xmlns:a="http://schemas.openxmlformats.org/drawingml/2006/main" xmlns:r="http://schemas.openxmlformats.org/officeDocument/2006/relationships" xmlns:p="http://schemas.openxmlformats.org/presentationml/2006/main" type="objTx" preserve="1">
   <p:cSld name="Content with Caption">
     <p:bg>
@@ -8907,118 +8340,7 @@
 </p:sldLayout>
 </file>
 
-<file path=ppt/slideLayouts/slideLayout4.xml><?xml version="1.0" encoding="utf-8"?>
-<p:sldLayout xmlns:a="http://schemas.openxmlformats.org/drawingml/2006/main" xmlns:r="http://schemas.openxmlformats.org/officeDocument/2006/relationships" xmlns:p="http://schemas.openxmlformats.org/presentationml/2006/main" preserve="1" userDrawn="1">
-  <p:cSld name="3_Custom Layout">
-    <p:bg>
-      <p:bgPr>
-        <a:solidFill>
-          <a:srgbClr val="617081"/>
-        </a:solidFill>
-        <a:effectLst/>
-      </p:bgPr>
-    </p:bg>
-    <p:spTree>
-      <p:nvGrpSpPr>
-        <p:cNvPr id="1" name=""/>
-        <p:cNvGrpSpPr/>
-        <p:nvPr/>
-      </p:nvGrpSpPr>
-      <p:grpSpPr>
-        <a:xfrm>
-          <a:off x="0" y="0"/>
-          <a:ext cx="0" cy="0"/>
-          <a:chOff x="0" y="0"/>
-          <a:chExt cx="0" cy="0"/>
-        </a:xfrm>
-      </p:grpSpPr>
-      <p:sp>
-        <p:nvSpPr>
-          <p:cNvPr id="4" name="Title 3"/>
-          <p:cNvSpPr>
-            <a:spLocks noGrp="1"/>
-          </p:cNvSpPr>
-          <p:nvPr>
-            <p:ph type="title"/>
-          </p:nvPr>
-        </p:nvSpPr>
-        <p:spPr/>
-        <p:txBody>
-          <a:bodyPr anchor="b"/>
-          <a:lstStyle/>
-          <a:p>
-            <a:r>
-              <a:rPr lang="en-US" smtClean="0"/>
-              <a:t>Click to edit Master title style</a:t>
-            </a:r>
-            <a:endParaRPr lang="en-US"/>
-          </a:p>
-        </p:txBody>
-      </p:sp>
-      <p:sp>
-        <p:nvSpPr>
-          <p:cNvPr id="6" name="Text Placeholder 5"/>
-          <p:cNvSpPr>
-            <a:spLocks noGrp="1"/>
-          </p:cNvSpPr>
-          <p:nvPr>
-            <p:ph type="body" sz="quarter" idx="10" hasCustomPrompt="1"/>
-          </p:nvPr>
-        </p:nvSpPr>
-        <p:spPr>
-          <a:xfrm>
-            <a:off x="6638425" y="5517221"/>
-            <a:ext cx="5013325" cy="1026863"/>
-          </a:xfrm>
-        </p:spPr>
-        <p:txBody>
-          <a:bodyPr/>
-          <a:lstStyle>
-            <a:lvl1pPr>
-              <a:defRPr>
-                <a:solidFill>
-                  <a:srgbClr val="BDCD2C"/>
-                </a:solidFill>
-              </a:defRPr>
-            </a:lvl1pPr>
-          </a:lstStyle>
-          <a:p>
-            <a:pPr lvl="0"/>
-            <a:r>
-              <a:rPr lang="en-US" dirty="0" smtClean="0"/>
-              <a:t>Presenter Name</a:t>
-            </a:r>
-          </a:p>
-          <a:p>
-            <a:pPr lvl="0"/>
-            <a:r>
-              <a:rPr lang="en-US" dirty="0" smtClean="0"/>
-              <a:t>Title/role</a:t>
-            </a:r>
-          </a:p>
-        </p:txBody>
-      </p:sp>
-    </p:spTree>
-    <p:extLst>
-      <p:ext uri="{BB962C8B-B14F-4D97-AF65-F5344CB8AC3E}">
-        <p14:creationId xmlns:p14="http://schemas.microsoft.com/office/powerpoint/2010/main" val="127618525"/>
-      </p:ext>
-    </p:extLst>
-  </p:cSld>
-  <p:clrMapOvr>
-    <a:masterClrMapping/>
-  </p:clrMapOvr>
-  <p:timing>
-    <p:tnLst>
-      <p:par>
-        <p:cTn id="1" dur="indefinite" restart="never" nodeType="tmRoot"/>
-      </p:par>
-    </p:tnLst>
-  </p:timing>
-</p:sldLayout>
-</file>
-
-<file path=ppt/slideLayouts/slideLayout40.xml><?xml version="1.0" encoding="utf-8"?>
+<file path=ppt/slideLayouts/slideLayout39.xml><?xml version="1.0" encoding="utf-8"?>
 <p:sldLayout xmlns:a="http://schemas.openxmlformats.org/drawingml/2006/main" xmlns:r="http://schemas.openxmlformats.org/officeDocument/2006/relationships" xmlns:p="http://schemas.openxmlformats.org/presentationml/2006/main" type="title" preserve="1">
   <p:cSld name="Title Slide">
     <p:bg>
@@ -9162,7 +8484,118 @@
 </p:sldLayout>
 </file>
 
-<file path=ppt/slideLayouts/slideLayout41.xml><?xml version="1.0" encoding="utf-8"?>
+<file path=ppt/slideLayouts/slideLayout4.xml><?xml version="1.0" encoding="utf-8"?>
+<p:sldLayout xmlns:a="http://schemas.openxmlformats.org/drawingml/2006/main" xmlns:r="http://schemas.openxmlformats.org/officeDocument/2006/relationships" xmlns:p="http://schemas.openxmlformats.org/presentationml/2006/main" preserve="1" userDrawn="1">
+  <p:cSld name="3_Custom Layout">
+    <p:bg>
+      <p:bgPr>
+        <a:solidFill>
+          <a:srgbClr val="617081"/>
+        </a:solidFill>
+        <a:effectLst/>
+      </p:bgPr>
+    </p:bg>
+    <p:spTree>
+      <p:nvGrpSpPr>
+        <p:cNvPr id="1" name=""/>
+        <p:cNvGrpSpPr/>
+        <p:nvPr/>
+      </p:nvGrpSpPr>
+      <p:grpSpPr>
+        <a:xfrm>
+          <a:off x="0" y="0"/>
+          <a:ext cx="0" cy="0"/>
+          <a:chOff x="0" y="0"/>
+          <a:chExt cx="0" cy="0"/>
+        </a:xfrm>
+      </p:grpSpPr>
+      <p:sp>
+        <p:nvSpPr>
+          <p:cNvPr id="4" name="Title 3"/>
+          <p:cNvSpPr>
+            <a:spLocks noGrp="1"/>
+          </p:cNvSpPr>
+          <p:nvPr>
+            <p:ph type="title"/>
+          </p:nvPr>
+        </p:nvSpPr>
+        <p:spPr/>
+        <p:txBody>
+          <a:bodyPr anchor="b"/>
+          <a:lstStyle/>
+          <a:p>
+            <a:r>
+              <a:rPr lang="en-US" smtClean="0"/>
+              <a:t>Click to edit Master title style</a:t>
+            </a:r>
+            <a:endParaRPr lang="en-US"/>
+          </a:p>
+        </p:txBody>
+      </p:sp>
+      <p:sp>
+        <p:nvSpPr>
+          <p:cNvPr id="6" name="Text Placeholder 5"/>
+          <p:cNvSpPr>
+            <a:spLocks noGrp="1"/>
+          </p:cNvSpPr>
+          <p:nvPr>
+            <p:ph type="body" sz="quarter" idx="10" hasCustomPrompt="1"/>
+          </p:nvPr>
+        </p:nvSpPr>
+        <p:spPr>
+          <a:xfrm>
+            <a:off x="6638425" y="5517221"/>
+            <a:ext cx="5013325" cy="1026863"/>
+          </a:xfrm>
+        </p:spPr>
+        <p:txBody>
+          <a:bodyPr/>
+          <a:lstStyle>
+            <a:lvl1pPr>
+              <a:defRPr>
+                <a:solidFill>
+                  <a:srgbClr val="BDCD2C"/>
+                </a:solidFill>
+              </a:defRPr>
+            </a:lvl1pPr>
+          </a:lstStyle>
+          <a:p>
+            <a:pPr lvl="0"/>
+            <a:r>
+              <a:rPr lang="en-US" dirty="0" smtClean="0"/>
+              <a:t>Presenter Name</a:t>
+            </a:r>
+          </a:p>
+          <a:p>
+            <a:pPr lvl="0"/>
+            <a:r>
+              <a:rPr lang="en-US" dirty="0" smtClean="0"/>
+              <a:t>Title/role</a:t>
+            </a:r>
+          </a:p>
+        </p:txBody>
+      </p:sp>
+    </p:spTree>
+    <p:extLst>
+      <p:ext uri="{BB962C8B-B14F-4D97-AF65-F5344CB8AC3E}">
+        <p14:creationId xmlns:p14="http://schemas.microsoft.com/office/powerpoint/2010/main" val="127618525"/>
+      </p:ext>
+    </p:extLst>
+  </p:cSld>
+  <p:clrMapOvr>
+    <a:masterClrMapping/>
+  </p:clrMapOvr>
+  <p:timing>
+    <p:tnLst>
+      <p:par>
+        <p:cTn id="1" dur="indefinite" restart="never" nodeType="tmRoot"/>
+      </p:par>
+    </p:tnLst>
+  </p:timing>
+</p:sldLayout>
+</file>
+
+<file path=ppt/slideLayouts/slideLayout40.xml><?xml version="1.0" encoding="utf-8"?>
 <p:sldLayout xmlns:a="http://schemas.openxmlformats.org/drawingml/2006/main" xmlns:r="http://schemas.openxmlformats.org/officeDocument/2006/relationships" xmlns:p="http://schemas.openxmlformats.org/presentationml/2006/main" type="obj" preserve="1">
   <p:cSld name="Title and Content">
     <p:bg>
@@ -9313,7 +8746,7 @@
 </p:sldLayout>
 </file>
 
-<file path=ppt/slideLayouts/slideLayout42.xml><?xml version="1.0" encoding="utf-8"?>
+<file path=ppt/slideLayouts/slideLayout41.xml><?xml version="1.0" encoding="utf-8"?>
 <p:sldLayout xmlns:a="http://schemas.openxmlformats.org/drawingml/2006/main" xmlns:r="http://schemas.openxmlformats.org/officeDocument/2006/relationships" xmlns:p="http://schemas.openxmlformats.org/presentationml/2006/main" preserve="1" userDrawn="1">
   <p:cSld name="1_Title and Content">
     <p:spTree>
@@ -9501,7 +8934,7 @@
 </p:sldLayout>
 </file>
 
-<file path=ppt/slideLayouts/slideLayout43.xml><?xml version="1.0" encoding="utf-8"?>
+<file path=ppt/slideLayouts/slideLayout42.xml><?xml version="1.0" encoding="utf-8"?>
 <p:sldLayout xmlns:a="http://schemas.openxmlformats.org/drawingml/2006/main" xmlns:r="http://schemas.openxmlformats.org/officeDocument/2006/relationships" xmlns:p="http://schemas.openxmlformats.org/presentationml/2006/main" type="titleOnly" preserve="1">
   <p:cSld name="Title Only">
     <p:bg>
@@ -9600,7 +9033,7 @@
 </p:sldLayout>
 </file>
 
-<file path=ppt/slideLayouts/slideLayout44.xml><?xml version="1.0" encoding="utf-8"?>
+<file path=ppt/slideLayouts/slideLayout43.xml><?xml version="1.0" encoding="utf-8"?>
 <p:sldLayout xmlns:a="http://schemas.openxmlformats.org/drawingml/2006/main" xmlns:r="http://schemas.openxmlformats.org/officeDocument/2006/relationships" xmlns:p="http://schemas.openxmlformats.org/presentationml/2006/main" preserve="1" userDrawn="1">
   <p:cSld name="1_Title Only">
     <p:spTree>
@@ -10635,7 +10068,7 @@
 </p:sldLayout>
 </file>
 
-<file path=ppt/slideLayouts/slideLayout45.xml><?xml version="1.0" encoding="utf-8"?>
+<file path=ppt/slideLayouts/slideLayout44.xml><?xml version="1.0" encoding="utf-8"?>
 <p:sldLayout xmlns:a="http://schemas.openxmlformats.org/drawingml/2006/main" xmlns:r="http://schemas.openxmlformats.org/officeDocument/2006/relationships" xmlns:p="http://schemas.openxmlformats.org/presentationml/2006/main" type="blank" preserve="1">
   <p:cSld name="Blank">
     <p:bg>
@@ -10711,7 +10144,7 @@
 </p:sldLayout>
 </file>
 
-<file path=ppt/slideLayouts/slideLayout46.xml><?xml version="1.0" encoding="utf-8"?>
+<file path=ppt/slideLayouts/slideLayout45.xml><?xml version="1.0" encoding="utf-8"?>
 <p:sldLayout xmlns:a="http://schemas.openxmlformats.org/drawingml/2006/main" xmlns:r="http://schemas.openxmlformats.org/officeDocument/2006/relationships" xmlns:p="http://schemas.openxmlformats.org/presentationml/2006/main" type="blank" preserve="1">
   <p:cSld name="1_Blank">
     <p:bg>
@@ -10756,7 +10189,7 @@
 </p:sldLayout>
 </file>
 
-<file path=ppt/slideLayouts/slideLayout47.xml><?xml version="1.0" encoding="utf-8"?>
+<file path=ppt/slideLayouts/slideLayout46.xml><?xml version="1.0" encoding="utf-8"?>
 <p:sldLayout xmlns:a="http://schemas.openxmlformats.org/drawingml/2006/main" xmlns:r="http://schemas.openxmlformats.org/officeDocument/2006/relationships" xmlns:p="http://schemas.openxmlformats.org/presentationml/2006/main" type="objTx" preserve="1">
   <p:cSld name="Content with Caption">
     <p:bg>
@@ -11028,7 +10461,7 @@
 </p:sldLayout>
 </file>
 
-<file path=ppt/slideLayouts/slideLayout48.xml><?xml version="1.0" encoding="utf-8"?>
+<file path=ppt/slideLayouts/slideLayout47.xml><?xml version="1.0" encoding="utf-8"?>
 <p:sldLayout xmlns:a="http://schemas.openxmlformats.org/drawingml/2006/main" xmlns:r="http://schemas.openxmlformats.org/officeDocument/2006/relationships" xmlns:p="http://schemas.openxmlformats.org/presentationml/2006/main" type="title" preserve="1">
   <p:cSld name="Title Slide">
     <p:bg>
@@ -11172,7 +10605,7 @@
 </p:sldLayout>
 </file>
 
-<file path=ppt/slideLayouts/slideLayout49.xml><?xml version="1.0" encoding="utf-8"?>
+<file path=ppt/slideLayouts/slideLayout48.xml><?xml version="1.0" encoding="utf-8"?>
 <p:sldLayout xmlns:a="http://schemas.openxmlformats.org/drawingml/2006/main" xmlns:r="http://schemas.openxmlformats.org/officeDocument/2006/relationships" xmlns:p="http://schemas.openxmlformats.org/presentationml/2006/main" type="obj" preserve="1">
   <p:cSld name="Title and Content">
     <p:bg>
@@ -11307,6 +10740,194 @@
     <p:extLst>
       <p:ext uri="{BB962C8B-B14F-4D97-AF65-F5344CB8AC3E}">
         <p14:creationId xmlns:p14="http://schemas.microsoft.com/office/powerpoint/2010/main" val="3995736214"/>
+      </p:ext>
+    </p:extLst>
+  </p:cSld>
+  <p:clrMapOvr>
+    <a:masterClrMapping/>
+  </p:clrMapOvr>
+  <p:timing>
+    <p:tnLst>
+      <p:par>
+        <p:cTn id="1" dur="indefinite" restart="never" nodeType="tmRoot"/>
+      </p:par>
+    </p:tnLst>
+  </p:timing>
+</p:sldLayout>
+</file>
+
+<file path=ppt/slideLayouts/slideLayout49.xml><?xml version="1.0" encoding="utf-8"?>
+<p:sldLayout xmlns:a="http://schemas.openxmlformats.org/drawingml/2006/main" xmlns:r="http://schemas.openxmlformats.org/officeDocument/2006/relationships" xmlns:p="http://schemas.openxmlformats.org/presentationml/2006/main" preserve="1" userDrawn="1">
+  <p:cSld name="1_Title and Content">
+    <p:spTree>
+      <p:nvGrpSpPr>
+        <p:cNvPr id="1" name=""/>
+        <p:cNvGrpSpPr/>
+        <p:nvPr/>
+      </p:nvGrpSpPr>
+      <p:grpSpPr>
+        <a:xfrm>
+          <a:off x="0" y="0"/>
+          <a:ext cx="0" cy="0"/>
+          <a:chOff x="0" y="0"/>
+          <a:chExt cx="0" cy="0"/>
+        </a:xfrm>
+      </p:grpSpPr>
+      <p:sp>
+        <p:nvSpPr>
+          <p:cNvPr id="2" name="Title 1"/>
+          <p:cNvSpPr>
+            <a:spLocks noGrp="1"/>
+          </p:cNvSpPr>
+          <p:nvPr>
+            <p:ph type="title"/>
+          </p:nvPr>
+        </p:nvSpPr>
+        <p:spPr/>
+        <p:txBody>
+          <a:bodyPr/>
+          <a:lstStyle/>
+          <a:p>
+            <a:r>
+              <a:rPr lang="en-US" smtClean="0"/>
+              <a:t>Click to edit Master title style</a:t>
+            </a:r>
+            <a:endParaRPr lang="en-US"/>
+          </a:p>
+        </p:txBody>
+      </p:sp>
+      <p:sp>
+        <p:nvSpPr>
+          <p:cNvPr id="3" name="Content Placeholder 2"/>
+          <p:cNvSpPr>
+            <a:spLocks noGrp="1"/>
+          </p:cNvSpPr>
+          <p:nvPr>
+            <p:ph idx="1"/>
+          </p:nvPr>
+        </p:nvSpPr>
+        <p:spPr>
+          <a:xfrm>
+            <a:off x="560798" y="2111604"/>
+            <a:ext cx="11079822" cy="3980971"/>
+          </a:xfrm>
+        </p:spPr>
+        <p:txBody>
+          <a:bodyPr/>
+          <a:lstStyle/>
+          <a:p>
+            <a:pPr lvl="0"/>
+            <a:r>
+              <a:rPr lang="en-US" smtClean="0"/>
+              <a:t>Click to edit Master text styles</a:t>
+            </a:r>
+          </a:p>
+          <a:p>
+            <a:pPr lvl="1"/>
+            <a:r>
+              <a:rPr lang="en-US" smtClean="0"/>
+              <a:t>Second level</a:t>
+            </a:r>
+          </a:p>
+          <a:p>
+            <a:pPr lvl="2"/>
+            <a:r>
+              <a:rPr lang="en-US" smtClean="0"/>
+              <a:t>Third level</a:t>
+            </a:r>
+          </a:p>
+          <a:p>
+            <a:pPr lvl="3"/>
+            <a:r>
+              <a:rPr lang="en-US" smtClean="0"/>
+              <a:t>Fourth level</a:t>
+            </a:r>
+          </a:p>
+          <a:p>
+            <a:pPr lvl="4"/>
+            <a:r>
+              <a:rPr lang="en-US" smtClean="0"/>
+              <a:t>Fifth level</a:t>
+            </a:r>
+            <a:endParaRPr lang="en-US"/>
+          </a:p>
+        </p:txBody>
+      </p:sp>
+      <p:sp>
+        <p:nvSpPr>
+          <p:cNvPr id="6" name="Slide Number Placeholder 5"/>
+          <p:cNvSpPr>
+            <a:spLocks noGrp="1"/>
+          </p:cNvSpPr>
+          <p:nvPr>
+            <p:ph type="sldNum" sz="quarter" idx="12"/>
+          </p:nvPr>
+        </p:nvSpPr>
+        <p:spPr>
+          <a:xfrm>
+            <a:off x="8897420" y="6256216"/>
+            <a:ext cx="2743200" cy="365125"/>
+          </a:xfrm>
+          <a:prstGeom prst="rect">
+            <a:avLst/>
+          </a:prstGeom>
+        </p:spPr>
+        <p:txBody>
+          <a:bodyPr/>
+          <a:lstStyle/>
+          <a:p>
+            <a:fld id="{0A164282-434E-41D4-9582-783D542A7B68}" type="slidenum">
+              <a:rPr lang="en-US" smtClean="0"/>
+              <a:t>‹#›</a:t>
+            </a:fld>
+            <a:endParaRPr lang="en-US"/>
+          </a:p>
+        </p:txBody>
+      </p:sp>
+      <p:sp>
+        <p:nvSpPr>
+          <p:cNvPr id="5" name="Text Placeholder 4"/>
+          <p:cNvSpPr>
+            <a:spLocks noGrp="1"/>
+          </p:cNvSpPr>
+          <p:nvPr>
+            <p:ph type="body" sz="quarter" idx="13" hasCustomPrompt="1"/>
+          </p:nvPr>
+        </p:nvSpPr>
+        <p:spPr>
+          <a:xfrm>
+            <a:off x="560388" y="1534096"/>
+            <a:ext cx="11080750" cy="437594"/>
+          </a:xfrm>
+        </p:spPr>
+        <p:txBody>
+          <a:bodyPr>
+            <a:normAutofit/>
+          </a:bodyPr>
+          <a:lstStyle>
+            <a:lvl1pPr marL="0" indent="0">
+              <a:buFontTx/>
+              <a:buNone/>
+              <a:defRPr sz="2000" cap="all" baseline="0"/>
+            </a:lvl1pPr>
+            <a:lvl5pPr>
+              <a:defRPr/>
+            </a:lvl5pPr>
+          </a:lstStyle>
+          <a:p>
+            <a:pPr lvl="0"/>
+            <a:r>
+              <a:rPr lang="en-US" dirty="0" smtClean="0"/>
+              <a:t>Secondary refining headline</a:t>
+            </a:r>
+            <a:endParaRPr lang="en-US" dirty="0"/>
+          </a:p>
+        </p:txBody>
+      </p:sp>
+    </p:spTree>
+    <p:extLst>
+      <p:ext uri="{BB962C8B-B14F-4D97-AF65-F5344CB8AC3E}">
+        <p14:creationId xmlns:p14="http://schemas.microsoft.com/office/powerpoint/2010/main" val="3229571234"/>
       </p:ext>
     </p:extLst>
   </p:cSld>
@@ -11443,194 +11064,6 @@
 </file>
 
 <file path=ppt/slideLayouts/slideLayout50.xml><?xml version="1.0" encoding="utf-8"?>
-<p:sldLayout xmlns:a="http://schemas.openxmlformats.org/drawingml/2006/main" xmlns:r="http://schemas.openxmlformats.org/officeDocument/2006/relationships" xmlns:p="http://schemas.openxmlformats.org/presentationml/2006/main" preserve="1" userDrawn="1">
-  <p:cSld name="1_Title and Content">
-    <p:spTree>
-      <p:nvGrpSpPr>
-        <p:cNvPr id="1" name=""/>
-        <p:cNvGrpSpPr/>
-        <p:nvPr/>
-      </p:nvGrpSpPr>
-      <p:grpSpPr>
-        <a:xfrm>
-          <a:off x="0" y="0"/>
-          <a:ext cx="0" cy="0"/>
-          <a:chOff x="0" y="0"/>
-          <a:chExt cx="0" cy="0"/>
-        </a:xfrm>
-      </p:grpSpPr>
-      <p:sp>
-        <p:nvSpPr>
-          <p:cNvPr id="2" name="Title 1"/>
-          <p:cNvSpPr>
-            <a:spLocks noGrp="1"/>
-          </p:cNvSpPr>
-          <p:nvPr>
-            <p:ph type="title"/>
-          </p:nvPr>
-        </p:nvSpPr>
-        <p:spPr/>
-        <p:txBody>
-          <a:bodyPr/>
-          <a:lstStyle/>
-          <a:p>
-            <a:r>
-              <a:rPr lang="en-US" smtClean="0"/>
-              <a:t>Click to edit Master title style</a:t>
-            </a:r>
-            <a:endParaRPr lang="en-US"/>
-          </a:p>
-        </p:txBody>
-      </p:sp>
-      <p:sp>
-        <p:nvSpPr>
-          <p:cNvPr id="3" name="Content Placeholder 2"/>
-          <p:cNvSpPr>
-            <a:spLocks noGrp="1"/>
-          </p:cNvSpPr>
-          <p:nvPr>
-            <p:ph idx="1"/>
-          </p:nvPr>
-        </p:nvSpPr>
-        <p:spPr>
-          <a:xfrm>
-            <a:off x="560798" y="2111604"/>
-            <a:ext cx="11079822" cy="3980971"/>
-          </a:xfrm>
-        </p:spPr>
-        <p:txBody>
-          <a:bodyPr/>
-          <a:lstStyle/>
-          <a:p>
-            <a:pPr lvl="0"/>
-            <a:r>
-              <a:rPr lang="en-US" smtClean="0"/>
-              <a:t>Click to edit Master text styles</a:t>
-            </a:r>
-          </a:p>
-          <a:p>
-            <a:pPr lvl="1"/>
-            <a:r>
-              <a:rPr lang="en-US" smtClean="0"/>
-              <a:t>Second level</a:t>
-            </a:r>
-          </a:p>
-          <a:p>
-            <a:pPr lvl="2"/>
-            <a:r>
-              <a:rPr lang="en-US" smtClean="0"/>
-              <a:t>Third level</a:t>
-            </a:r>
-          </a:p>
-          <a:p>
-            <a:pPr lvl="3"/>
-            <a:r>
-              <a:rPr lang="en-US" smtClean="0"/>
-              <a:t>Fourth level</a:t>
-            </a:r>
-          </a:p>
-          <a:p>
-            <a:pPr lvl="4"/>
-            <a:r>
-              <a:rPr lang="en-US" smtClean="0"/>
-              <a:t>Fifth level</a:t>
-            </a:r>
-            <a:endParaRPr lang="en-US"/>
-          </a:p>
-        </p:txBody>
-      </p:sp>
-      <p:sp>
-        <p:nvSpPr>
-          <p:cNvPr id="6" name="Slide Number Placeholder 5"/>
-          <p:cNvSpPr>
-            <a:spLocks noGrp="1"/>
-          </p:cNvSpPr>
-          <p:nvPr>
-            <p:ph type="sldNum" sz="quarter" idx="12"/>
-          </p:nvPr>
-        </p:nvSpPr>
-        <p:spPr>
-          <a:xfrm>
-            <a:off x="8897420" y="6256216"/>
-            <a:ext cx="2743200" cy="365125"/>
-          </a:xfrm>
-          <a:prstGeom prst="rect">
-            <a:avLst/>
-          </a:prstGeom>
-        </p:spPr>
-        <p:txBody>
-          <a:bodyPr/>
-          <a:lstStyle/>
-          <a:p>
-            <a:fld id="{0A164282-434E-41D4-9582-783D542A7B68}" type="slidenum">
-              <a:rPr lang="en-US" smtClean="0"/>
-              <a:t>‹#›</a:t>
-            </a:fld>
-            <a:endParaRPr lang="en-US"/>
-          </a:p>
-        </p:txBody>
-      </p:sp>
-      <p:sp>
-        <p:nvSpPr>
-          <p:cNvPr id="5" name="Text Placeholder 4"/>
-          <p:cNvSpPr>
-            <a:spLocks noGrp="1"/>
-          </p:cNvSpPr>
-          <p:nvPr>
-            <p:ph type="body" sz="quarter" idx="13" hasCustomPrompt="1"/>
-          </p:nvPr>
-        </p:nvSpPr>
-        <p:spPr>
-          <a:xfrm>
-            <a:off x="560388" y="1534096"/>
-            <a:ext cx="11080750" cy="437594"/>
-          </a:xfrm>
-        </p:spPr>
-        <p:txBody>
-          <a:bodyPr>
-            <a:normAutofit/>
-          </a:bodyPr>
-          <a:lstStyle>
-            <a:lvl1pPr marL="0" indent="0">
-              <a:buFontTx/>
-              <a:buNone/>
-              <a:defRPr sz="2000" cap="all" baseline="0"/>
-            </a:lvl1pPr>
-            <a:lvl5pPr>
-              <a:defRPr/>
-            </a:lvl5pPr>
-          </a:lstStyle>
-          <a:p>
-            <a:pPr lvl="0"/>
-            <a:r>
-              <a:rPr lang="en-US" dirty="0" smtClean="0"/>
-              <a:t>Secondary refining headline</a:t>
-            </a:r>
-            <a:endParaRPr lang="en-US" dirty="0"/>
-          </a:p>
-        </p:txBody>
-      </p:sp>
-    </p:spTree>
-    <p:extLst>
-      <p:ext uri="{BB962C8B-B14F-4D97-AF65-F5344CB8AC3E}">
-        <p14:creationId xmlns:p14="http://schemas.microsoft.com/office/powerpoint/2010/main" val="3229571234"/>
-      </p:ext>
-    </p:extLst>
-  </p:cSld>
-  <p:clrMapOvr>
-    <a:masterClrMapping/>
-  </p:clrMapOvr>
-  <p:timing>
-    <p:tnLst>
-      <p:par>
-        <p:cTn id="1" dur="indefinite" restart="never" nodeType="tmRoot"/>
-      </p:par>
-    </p:tnLst>
-  </p:timing>
-</p:sldLayout>
-</file>
-
-<file path=ppt/slideLayouts/slideLayout51.xml><?xml version="1.0" encoding="utf-8"?>
 <p:sldLayout xmlns:a="http://schemas.openxmlformats.org/drawingml/2006/main" xmlns:r="http://schemas.openxmlformats.org/officeDocument/2006/relationships" xmlns:p="http://schemas.openxmlformats.org/presentationml/2006/main" type="titleOnly" preserve="1">
   <p:cSld name="Title Only">
     <p:bg>
@@ -11729,7 +11162,7 @@
 </p:sldLayout>
 </file>
 
-<file path=ppt/slideLayouts/slideLayout52.xml><?xml version="1.0" encoding="utf-8"?>
+<file path=ppt/slideLayouts/slideLayout51.xml><?xml version="1.0" encoding="utf-8"?>
 <p:sldLayout xmlns:a="http://schemas.openxmlformats.org/drawingml/2006/main" xmlns:r="http://schemas.openxmlformats.org/officeDocument/2006/relationships" xmlns:p="http://schemas.openxmlformats.org/presentationml/2006/main" type="blank" preserve="1">
   <p:cSld name="Blank">
     <p:bg>
@@ -11805,7 +11238,7 @@
 </p:sldLayout>
 </file>
 
-<file path=ppt/slideLayouts/slideLayout53.xml><?xml version="1.0" encoding="utf-8"?>
+<file path=ppt/slideLayouts/slideLayout52.xml><?xml version="1.0" encoding="utf-8"?>
 <p:sldLayout xmlns:a="http://schemas.openxmlformats.org/drawingml/2006/main" xmlns:r="http://schemas.openxmlformats.org/officeDocument/2006/relationships" xmlns:p="http://schemas.openxmlformats.org/presentationml/2006/main" type="blank" preserve="1">
   <p:cSld name="1_Blank">
     <p:bg>
@@ -11850,7 +11283,7 @@
 </p:sldLayout>
 </file>
 
-<file path=ppt/slideLayouts/slideLayout54.xml><?xml version="1.0" encoding="utf-8"?>
+<file path=ppt/slideLayouts/slideLayout53.xml><?xml version="1.0" encoding="utf-8"?>
 <p:sldLayout xmlns:a="http://schemas.openxmlformats.org/drawingml/2006/main" xmlns:r="http://schemas.openxmlformats.org/officeDocument/2006/relationships" xmlns:p="http://schemas.openxmlformats.org/presentationml/2006/main" type="objTx" preserve="1">
   <p:cSld name="Content with Caption">
     <p:bg>
@@ -13213,7 +12646,7 @@
           <p:nvPr userDrawn="1"/>
         </p:nvPicPr>
         <p:blipFill>
-          <a:blip r:embed="rId12"/>
+          <a:blip r:embed="rId11"/>
           <a:stretch>
             <a:fillRect/>
           </a:stretch>
@@ -13732,8 +13165,7 @@
     <p:sldLayoutId id="2147483721" r:id="rId6"/>
     <p:sldLayoutId id="2147483726" r:id="rId7"/>
     <p:sldLayoutId id="2147483722" r:id="rId8"/>
-    <p:sldLayoutId id="2147483771" r:id="rId9"/>
-    <p:sldLayoutId id="2147483772" r:id="rId10"/>
+    <p:sldLayoutId id="2147483772" r:id="rId9"/>
   </p:sldLayoutIdLst>
   <p:timing>
     <p:tnLst>
@@ -18925,7 +18357,7 @@
 </p:sld>
 </file>
 
-<file path=ppt/slides/slide10.xml><?xml version="1.0" encoding="utf-8"?>
+<file path=ppt/slides/slide2.xml><?xml version="1.0" encoding="utf-8"?>
 <p:sld xmlns:a="http://schemas.openxmlformats.org/drawingml/2006/main" xmlns:r="http://schemas.openxmlformats.org/officeDocument/2006/relationships" xmlns:p="http://schemas.openxmlformats.org/presentationml/2006/main">
   <p:cSld>
     <p:spTree>
@@ -18944,22 +18376,27 @@
       </p:grpSpPr>
       <p:sp>
         <p:nvSpPr>
-          <p:cNvPr id="2" name="Title 1"/>
+          <p:cNvPr id="4" name="Title 3"/>
           <p:cNvSpPr>
             <a:spLocks noGrp="1"/>
           </p:cNvSpPr>
           <p:nvPr>
-            <p:ph type="title"/>
+            <p:ph type="title" idx="4294967295"/>
           </p:nvPr>
         </p:nvSpPr>
-        <p:spPr/>
+        <p:spPr>
+          <a:xfrm>
+            <a:off x="1111250" y="415925"/>
+            <a:ext cx="11080750" cy="1325563"/>
+          </a:xfrm>
+        </p:spPr>
         <p:txBody>
           <a:bodyPr/>
           <a:lstStyle/>
           <a:p>
             <a:r>
               <a:rPr lang="en-US" dirty="0" smtClean="0"/>
-              <a:t>Title here</a:t>
+              <a:t>Agenda</a:t>
             </a:r>
             <a:endParaRPr lang="en-US" dirty="0"/>
           </a:p>
@@ -18967,54 +18404,85 @@
       </p:sp>
       <p:sp>
         <p:nvSpPr>
-          <p:cNvPr id="3" name="Content Placeholder 2"/>
+          <p:cNvPr id="5" name="Content Placeholder 4"/>
           <p:cNvSpPr>
             <a:spLocks noGrp="1"/>
           </p:cNvSpPr>
           <p:nvPr>
-            <p:ph idx="1"/>
+            <p:ph idx="4294967295"/>
           </p:nvPr>
         </p:nvSpPr>
-        <p:spPr/>
+        <p:spPr>
+          <a:xfrm>
+            <a:off x="1111250" y="1876425"/>
+            <a:ext cx="11080750" cy="4216400"/>
+          </a:xfrm>
+        </p:spPr>
         <p:txBody>
-          <a:bodyPr/>
+          <a:bodyPr>
+            <a:normAutofit/>
+          </a:bodyPr>
           <a:lstStyle/>
           <a:p>
-            <a:r>
-              <a:rPr lang="en-US" dirty="0" smtClean="0"/>
-              <a:t>Content below</a:t>
-            </a:r>
-            <a:endParaRPr lang="en-US" dirty="0"/>
-          </a:p>
-        </p:txBody>
-      </p:sp>
-      <p:sp>
-        <p:nvSpPr>
-          <p:cNvPr id="4" name="Slide Number Placeholder 3"/>
-          <p:cNvSpPr>
-            <a:spLocks noGrp="1"/>
-          </p:cNvSpPr>
-          <p:nvPr>
-            <p:ph type="sldNum" sz="quarter" idx="12"/>
-          </p:nvPr>
-        </p:nvSpPr>
-        <p:spPr/>
-        <p:txBody>
-          <a:bodyPr/>
-          <a:lstStyle/>
-          <a:p>
-            <a:fld id="{0A164282-434E-41D4-9582-783D542A7B68}" type="slidenum">
-              <a:rPr lang="en-US" smtClean="0"/>
-              <a:t>10</a:t>
-            </a:fld>
-            <a:endParaRPr lang="en-US"/>
+            <a:pPr marL="742950" indent="-742950">
+              <a:lnSpc>
+                <a:spcPct val="100000"/>
+              </a:lnSpc>
+              <a:buAutoNum type="arabicParenR"/>
+            </a:pPr>
+            <a:r>
+              <a:rPr lang="en-US" sz="5400" dirty="0" smtClean="0">
+                <a:latin typeface="+mj-lt"/>
+              </a:rPr>
+              <a:t>Scenario: Scale</a:t>
+            </a:r>
+          </a:p>
+          <a:p>
+            <a:pPr marL="742950" indent="-742950">
+              <a:lnSpc>
+                <a:spcPct val="100000"/>
+              </a:lnSpc>
+              <a:buAutoNum type="arabicParenR"/>
+            </a:pPr>
+            <a:r>
+              <a:rPr lang="en-US" sz="5400" dirty="0" smtClean="0">
+                <a:latin typeface="+mj-lt"/>
+              </a:rPr>
+              <a:t>Scenario: </a:t>
+            </a:r>
+            <a:r>
+              <a:rPr lang="en-US" sz="5400" dirty="0" smtClean="0">
+                <a:latin typeface="+mj-lt"/>
+              </a:rPr>
+              <a:t>Adapt to Change</a:t>
+            </a:r>
+            <a:endParaRPr lang="en-US" sz="5400" dirty="0" smtClean="0">
+              <a:latin typeface="+mj-lt"/>
+            </a:endParaRPr>
+          </a:p>
+          <a:p>
+            <a:pPr marL="742950" indent="-742950">
+              <a:lnSpc>
+                <a:spcPct val="100000"/>
+              </a:lnSpc>
+              <a:buAutoNum type="arabicParenR"/>
+            </a:pPr>
+            <a:r>
+              <a:rPr lang="en-US" sz="5400" dirty="0" smtClean="0">
+                <a:latin typeface="+mj-lt"/>
+              </a:rPr>
+              <a:t>Scenario: Environments</a:t>
+            </a:r>
+            <a:endParaRPr lang="en-US" sz="5400" dirty="0">
+              <a:latin typeface="+mj-lt"/>
+            </a:endParaRPr>
           </a:p>
         </p:txBody>
       </p:sp>
     </p:spTree>
     <p:extLst>
       <p:ext uri="{BB962C8B-B14F-4D97-AF65-F5344CB8AC3E}">
-        <p14:creationId xmlns:p14="http://schemas.microsoft.com/office/powerpoint/2010/main" val="2156057786"/>
+        <p14:creationId xmlns:p14="http://schemas.microsoft.com/office/powerpoint/2010/main" val="2915022460"/>
       </p:ext>
     </p:extLst>
   </p:cSld>
@@ -19031,7 +18499,141 @@
 </p:sld>
 </file>
 
-<file path=ppt/slides/slide11.xml><?xml version="1.0" encoding="utf-8"?>
+<file path=ppt/slides/slide3.xml><?xml version="1.0" encoding="utf-8"?>
+<p:sld xmlns:a="http://schemas.openxmlformats.org/drawingml/2006/main" xmlns:r="http://schemas.openxmlformats.org/officeDocument/2006/relationships" xmlns:p="http://schemas.openxmlformats.org/presentationml/2006/main">
+  <p:cSld>
+    <p:spTree>
+      <p:nvGrpSpPr>
+        <p:cNvPr id="1" name=""/>
+        <p:cNvGrpSpPr/>
+        <p:nvPr/>
+      </p:nvGrpSpPr>
+      <p:grpSpPr>
+        <a:xfrm>
+          <a:off x="0" y="0"/>
+          <a:ext cx="0" cy="0"/>
+          <a:chOff x="0" y="0"/>
+          <a:chExt cx="0" cy="0"/>
+        </a:xfrm>
+      </p:grpSpPr>
+      <p:sp>
+        <p:nvSpPr>
+          <p:cNvPr id="6" name="Title 5"/>
+          <p:cNvSpPr>
+            <a:spLocks noGrp="1"/>
+          </p:cNvSpPr>
+          <p:nvPr>
+            <p:ph type="title"/>
+          </p:nvPr>
+        </p:nvSpPr>
+        <p:spPr/>
+        <p:txBody>
+          <a:bodyPr/>
+          <a:lstStyle/>
+          <a:p>
+            <a:r>
+              <a:rPr lang="en-US" dirty="0"/>
+              <a:t>Let’s get </a:t>
+            </a:r>
+            <a:r>
+              <a:rPr lang="en-US" dirty="0" smtClean="0"/>
+              <a:t>Real</a:t>
+            </a:r>
+            <a:endParaRPr lang="en-US" dirty="0"/>
+          </a:p>
+        </p:txBody>
+      </p:sp>
+    </p:spTree>
+    <p:extLst>
+      <p:ext uri="{BB962C8B-B14F-4D97-AF65-F5344CB8AC3E}">
+        <p14:creationId xmlns:p14="http://schemas.microsoft.com/office/powerpoint/2010/main" val="1266075930"/>
+      </p:ext>
+    </p:extLst>
+  </p:cSld>
+  <p:clrMapOvr>
+    <a:masterClrMapping/>
+  </p:clrMapOvr>
+</p:sld>
+</file>
+
+<file path=ppt/slides/slide4.xml><?xml version="1.0" encoding="utf-8"?>
+<p:sld xmlns:a="http://schemas.openxmlformats.org/drawingml/2006/main" xmlns:r="http://schemas.openxmlformats.org/officeDocument/2006/relationships" xmlns:p="http://schemas.openxmlformats.org/presentationml/2006/main">
+  <p:cSld>
+    <p:spTree>
+      <p:nvGrpSpPr>
+        <p:cNvPr id="1" name=""/>
+        <p:cNvGrpSpPr/>
+        <p:nvPr/>
+      </p:nvGrpSpPr>
+      <p:grpSpPr>
+        <a:xfrm>
+          <a:off x="0" y="0"/>
+          <a:ext cx="0" cy="0"/>
+          <a:chOff x="0" y="0"/>
+          <a:chExt cx="0" cy="0"/>
+        </a:xfrm>
+      </p:grpSpPr>
+      <p:sp>
+        <p:nvSpPr>
+          <p:cNvPr id="4" name="TextBox 3"/>
+          <p:cNvSpPr txBox="1"/>
+          <p:nvPr/>
+        </p:nvSpPr>
+        <p:spPr>
+          <a:xfrm>
+            <a:off x="1992429" y="1780674"/>
+            <a:ext cx="8066632" cy="1200329"/>
+          </a:xfrm>
+          <a:prstGeom prst="rect">
+            <a:avLst/>
+          </a:prstGeom>
+          <a:noFill/>
+        </p:spPr>
+        <p:txBody>
+          <a:bodyPr wrap="none" rtlCol="0">
+            <a:spAutoFit/>
+          </a:bodyPr>
+          <a:lstStyle/>
+          <a:p>
+            <a:r>
+              <a:rPr lang="en-US" dirty="0" smtClean="0"/>
+              <a:t>Shared - ?? Bandwidth – Images to blob storage</a:t>
+            </a:r>
+          </a:p>
+          <a:p>
+            <a:r>
+              <a:rPr lang="en-US" dirty="0" smtClean="0"/>
+              <a:t>Scalability – ARR, ARR Cookie, Affinity, -- Beyond to Cloud Services – Stateless</a:t>
+            </a:r>
+          </a:p>
+          <a:p>
+            <a:r>
+              <a:rPr lang="en-US" dirty="0" smtClean="0"/>
+              <a:t>Demo Scale Manual</a:t>
+            </a:r>
+          </a:p>
+          <a:p>
+            <a:r>
+              <a:rPr lang="en-US" dirty="0" smtClean="0"/>
+              <a:t>Demo Scale Auto – Test Project in VS</a:t>
+            </a:r>
+          </a:p>
+        </p:txBody>
+      </p:sp>
+    </p:spTree>
+    <p:extLst>
+      <p:ext uri="{BB962C8B-B14F-4D97-AF65-F5344CB8AC3E}">
+        <p14:creationId xmlns:p14="http://schemas.microsoft.com/office/powerpoint/2010/main" val="224840743"/>
+      </p:ext>
+    </p:extLst>
+  </p:cSld>
+  <p:clrMapOvr>
+    <a:masterClrMapping/>
+  </p:clrMapOvr>
+</p:sld>
+</file>
+
+<file path=ppt/slides/slide5.xml><?xml version="1.0" encoding="utf-8"?>
 <p:sld xmlns:a="http://schemas.openxmlformats.org/drawingml/2006/main" xmlns:r="http://schemas.openxmlformats.org/officeDocument/2006/relationships" xmlns:p="http://schemas.openxmlformats.org/presentationml/2006/main">
   <p:cSld>
     <p:bg>
@@ -19084,2540 +18686,6 @@
     <p:tnLst>
       <p:par>
         <p:cTn id="1" dur="indefinite" restart="never" nodeType="tmRoot"/>
-      </p:par>
-    </p:tnLst>
-  </p:timing>
-</p:sld>
-</file>
-
-<file path=ppt/slides/slide2.xml><?xml version="1.0" encoding="utf-8"?>
-<p:sld xmlns:a="http://schemas.openxmlformats.org/drawingml/2006/main" xmlns:r="http://schemas.openxmlformats.org/officeDocument/2006/relationships" xmlns:p="http://schemas.openxmlformats.org/presentationml/2006/main">
-  <p:cSld>
-    <p:spTree>
-      <p:nvGrpSpPr>
-        <p:cNvPr id="1" name=""/>
-        <p:cNvGrpSpPr/>
-        <p:nvPr/>
-      </p:nvGrpSpPr>
-      <p:grpSpPr>
-        <a:xfrm>
-          <a:off x="0" y="0"/>
-          <a:ext cx="0" cy="0"/>
-          <a:chOff x="0" y="0"/>
-          <a:chExt cx="0" cy="0"/>
-        </a:xfrm>
-      </p:grpSpPr>
-      <p:sp>
-        <p:nvSpPr>
-          <p:cNvPr id="4" name="Title 3"/>
-          <p:cNvSpPr>
-            <a:spLocks noGrp="1"/>
-          </p:cNvSpPr>
-          <p:nvPr>
-            <p:ph type="title"/>
-          </p:nvPr>
-        </p:nvSpPr>
-        <p:spPr/>
-        <p:txBody>
-          <a:bodyPr/>
-          <a:lstStyle/>
-          <a:p>
-            <a:r>
-              <a:rPr lang="en-US" dirty="0" smtClean="0"/>
-              <a:t>Agenda</a:t>
-            </a:r>
-            <a:endParaRPr lang="en-US" dirty="0"/>
-          </a:p>
-        </p:txBody>
-      </p:sp>
-      <p:sp>
-        <p:nvSpPr>
-          <p:cNvPr id="5" name="Content Placeholder 4"/>
-          <p:cNvSpPr>
-            <a:spLocks noGrp="1"/>
-          </p:cNvSpPr>
-          <p:nvPr>
-            <p:ph idx="1"/>
-          </p:nvPr>
-        </p:nvSpPr>
-        <p:spPr/>
-        <p:txBody>
-          <a:bodyPr>
-            <a:normAutofit/>
-          </a:bodyPr>
-          <a:lstStyle/>
-          <a:p>
-            <a:pPr marL="742950" indent="-742950">
-              <a:lnSpc>
-                <a:spcPct val="100000"/>
-              </a:lnSpc>
-              <a:buAutoNum type="arabicParenR"/>
-            </a:pPr>
-            <a:r>
-              <a:rPr lang="en-US" sz="5400" dirty="0" smtClean="0">
-                <a:latin typeface="+mj-lt"/>
-              </a:rPr>
-              <a:t>Scenario: Scale</a:t>
-            </a:r>
-          </a:p>
-          <a:p>
-            <a:pPr marL="742950" indent="-742950">
-              <a:lnSpc>
-                <a:spcPct val="100000"/>
-              </a:lnSpc>
-              <a:buAutoNum type="arabicParenR"/>
-            </a:pPr>
-            <a:r>
-              <a:rPr lang="en-US" sz="5400" dirty="0" smtClean="0">
-                <a:latin typeface="+mj-lt"/>
-              </a:rPr>
-              <a:t>Scenario: Change</a:t>
-            </a:r>
-          </a:p>
-          <a:p>
-            <a:pPr marL="742950" indent="-742950">
-              <a:lnSpc>
-                <a:spcPct val="100000"/>
-              </a:lnSpc>
-              <a:buAutoNum type="arabicParenR"/>
-            </a:pPr>
-            <a:r>
-              <a:rPr lang="en-US" sz="5400" dirty="0" smtClean="0">
-                <a:latin typeface="+mj-lt"/>
-              </a:rPr>
-              <a:t>Scenario</a:t>
-            </a:r>
-            <a:r>
-              <a:rPr lang="en-US" sz="5400" smtClean="0">
-                <a:latin typeface="+mj-lt"/>
-              </a:rPr>
-              <a:t>: Environments</a:t>
-            </a:r>
-            <a:endParaRPr lang="en-US" sz="5400" dirty="0">
-              <a:latin typeface="+mj-lt"/>
-            </a:endParaRPr>
-          </a:p>
-        </p:txBody>
-      </p:sp>
-    </p:spTree>
-    <p:extLst>
-      <p:ext uri="{BB962C8B-B14F-4D97-AF65-F5344CB8AC3E}">
-        <p14:creationId xmlns:p14="http://schemas.microsoft.com/office/powerpoint/2010/main" val="2915022460"/>
-      </p:ext>
-    </p:extLst>
-  </p:cSld>
-  <p:clrMapOvr>
-    <a:masterClrMapping/>
-  </p:clrMapOvr>
-  <p:timing>
-    <p:tnLst>
-      <p:par>
-        <p:cTn id="1" dur="indefinite" restart="never" nodeType="tmRoot"/>
-      </p:par>
-    </p:tnLst>
-  </p:timing>
-</p:sld>
-</file>
-
-<file path=ppt/slides/slide3.xml><?xml version="1.0" encoding="utf-8"?>
-<p:sld xmlns:a="http://schemas.openxmlformats.org/drawingml/2006/main" xmlns:r="http://schemas.openxmlformats.org/officeDocument/2006/relationships" xmlns:p="http://schemas.openxmlformats.org/presentationml/2006/main">
-  <p:cSld>
-    <p:spTree>
-      <p:nvGrpSpPr>
-        <p:cNvPr id="1" name=""/>
-        <p:cNvGrpSpPr/>
-        <p:nvPr/>
-      </p:nvGrpSpPr>
-      <p:grpSpPr>
-        <a:xfrm>
-          <a:off x="0" y="0"/>
-          <a:ext cx="0" cy="0"/>
-          <a:chOff x="0" y="0"/>
-          <a:chExt cx="0" cy="0"/>
-        </a:xfrm>
-      </p:grpSpPr>
-      <p:sp>
-        <p:nvSpPr>
-          <p:cNvPr id="2" name="Title 1"/>
-          <p:cNvSpPr>
-            <a:spLocks noGrp="1"/>
-          </p:cNvSpPr>
-          <p:nvPr>
-            <p:ph type="ctrTitle"/>
-          </p:nvPr>
-        </p:nvSpPr>
-        <p:spPr/>
-        <p:txBody>
-          <a:bodyPr/>
-          <a:lstStyle/>
-          <a:p>
-            <a:r>
-              <a:rPr lang="en-US" dirty="0" smtClean="0"/>
-              <a:t>Section Intro</a:t>
-            </a:r>
-            <a:endParaRPr lang="en-US" dirty="0"/>
-          </a:p>
-        </p:txBody>
-      </p:sp>
-      <p:sp>
-        <p:nvSpPr>
-          <p:cNvPr id="3" name="Subtitle 2"/>
-          <p:cNvSpPr>
-            <a:spLocks noGrp="1"/>
-          </p:cNvSpPr>
-          <p:nvPr>
-            <p:ph type="subTitle" idx="1"/>
-          </p:nvPr>
-        </p:nvSpPr>
-        <p:spPr/>
-        <p:txBody>
-          <a:bodyPr/>
-          <a:lstStyle/>
-          <a:p>
-            <a:r>
-              <a:rPr lang="en-US" dirty="0" smtClean="0"/>
-              <a:t>What are you about to talk about?</a:t>
-            </a:r>
-            <a:endParaRPr lang="en-US" dirty="0"/>
-          </a:p>
-        </p:txBody>
-      </p:sp>
-    </p:spTree>
-    <p:extLst>
-      <p:ext uri="{BB962C8B-B14F-4D97-AF65-F5344CB8AC3E}">
-        <p14:creationId xmlns:p14="http://schemas.microsoft.com/office/powerpoint/2010/main" val="4225324842"/>
-      </p:ext>
-    </p:extLst>
-  </p:cSld>
-  <p:clrMapOvr>
-    <a:masterClrMapping/>
-  </p:clrMapOvr>
-  <p:timing>
-    <p:tnLst>
-      <p:par>
-        <p:cTn id="1" dur="indefinite" restart="never" nodeType="tmRoot"/>
-      </p:par>
-    </p:tnLst>
-  </p:timing>
-</p:sld>
-</file>
-
-<file path=ppt/slides/slide4.xml><?xml version="1.0" encoding="utf-8"?>
-<p:sld xmlns:a="http://schemas.openxmlformats.org/drawingml/2006/main" xmlns:r="http://schemas.openxmlformats.org/officeDocument/2006/relationships" xmlns:p="http://schemas.openxmlformats.org/presentationml/2006/main">
-  <p:cSld>
-    <p:spTree>
-      <p:nvGrpSpPr>
-        <p:cNvPr id="1" name=""/>
-        <p:cNvGrpSpPr/>
-        <p:nvPr/>
-      </p:nvGrpSpPr>
-      <p:grpSpPr>
-        <a:xfrm>
-          <a:off x="0" y="0"/>
-          <a:ext cx="0" cy="0"/>
-          <a:chOff x="0" y="0"/>
-          <a:chExt cx="0" cy="0"/>
-        </a:xfrm>
-      </p:grpSpPr>
-      <p:sp>
-        <p:nvSpPr>
-          <p:cNvPr id="2" name="Title 1"/>
-          <p:cNvSpPr>
-            <a:spLocks noGrp="1"/>
-          </p:cNvSpPr>
-          <p:nvPr>
-            <p:ph type="ctrTitle"/>
-          </p:nvPr>
-        </p:nvSpPr>
-        <p:spPr>
-          <a:xfrm>
-            <a:off x="606175" y="2177143"/>
-            <a:ext cx="11034445" cy="625248"/>
-          </a:xfrm>
-        </p:spPr>
-        <p:txBody>
-          <a:bodyPr>
-            <a:normAutofit/>
-          </a:bodyPr>
-          <a:lstStyle/>
-          <a:p>
-            <a:r>
-              <a:rPr lang="en-US" sz="2800" b="1" cap="all" dirty="0" smtClean="0">
-                <a:latin typeface="+mn-lt"/>
-              </a:rPr>
-              <a:t>Bold Point</a:t>
-            </a:r>
-            <a:endParaRPr lang="en-US" sz="2800" b="1" cap="all" dirty="0">
-              <a:latin typeface="+mn-lt"/>
-            </a:endParaRPr>
-          </a:p>
-        </p:txBody>
-      </p:sp>
-      <p:sp>
-        <p:nvSpPr>
-          <p:cNvPr id="3" name="Subtitle 2"/>
-          <p:cNvSpPr>
-            <a:spLocks noGrp="1"/>
-          </p:cNvSpPr>
-          <p:nvPr>
-            <p:ph type="subTitle" idx="1"/>
-          </p:nvPr>
-        </p:nvSpPr>
-        <p:spPr>
-          <a:xfrm>
-            <a:off x="606175" y="2894466"/>
-            <a:ext cx="11034445" cy="1655762"/>
-          </a:xfrm>
-        </p:spPr>
-        <p:txBody>
-          <a:bodyPr>
-            <a:normAutofit lnSpcReduction="10000"/>
-          </a:bodyPr>
-          <a:lstStyle/>
-          <a:p>
-            <a:pPr lvl="0">
-              <a:lnSpc>
-                <a:spcPct val="100000"/>
-              </a:lnSpc>
-              <a:spcBef>
-                <a:spcPts val="0"/>
-              </a:spcBef>
-              <a:tabLst>
-                <a:tab pos="1110625" algn="l"/>
-              </a:tabLst>
-            </a:pPr>
-            <a:r>
-              <a:rPr lang="en-US" altLang="ja-JP" sz="5506" dirty="0">
-                <a:gradFill>
-                  <a:gsLst>
-                    <a:gs pos="0">
-                      <a:srgbClr val="FFFFFF"/>
-                    </a:gs>
-                    <a:gs pos="50000">
-                      <a:srgbClr val="FFFFFF"/>
-                    </a:gs>
-                    <a:gs pos="100000">
-                      <a:srgbClr val="FFFFFF"/>
-                    </a:gs>
-                  </a:gsLst>
-                  <a:lin ang="2700000" scaled="1"/>
-                </a:gradFill>
-                <a:latin typeface="+mj-lt"/>
-              </a:rPr>
-              <a:t>General Availability of </a:t>
-            </a:r>
-            <a:br>
-              <a:rPr lang="en-US" altLang="ja-JP" sz="5506" dirty="0">
-                <a:gradFill>
-                  <a:gsLst>
-                    <a:gs pos="0">
-                      <a:srgbClr val="FFFFFF"/>
-                    </a:gs>
-                    <a:gs pos="50000">
-                      <a:srgbClr val="FFFFFF"/>
-                    </a:gs>
-                    <a:gs pos="100000">
-                      <a:srgbClr val="FFFFFF"/>
-                    </a:gs>
-                  </a:gsLst>
-                  <a:lin ang="2700000" scaled="1"/>
-                </a:gradFill>
-                <a:latin typeface="+mj-lt"/>
-              </a:rPr>
-            </a:br>
-            <a:r>
-              <a:rPr lang="en-US" altLang="ja-JP" sz="5506" dirty="0">
-                <a:gradFill>
-                  <a:gsLst>
-                    <a:gs pos="0">
-                      <a:srgbClr val="FFFFFF"/>
-                    </a:gs>
-                    <a:gs pos="50000">
-                      <a:srgbClr val="FFFFFF"/>
-                    </a:gs>
-                    <a:gs pos="100000">
-                      <a:srgbClr val="FFFFFF"/>
-                    </a:gs>
-                  </a:gsLst>
-                  <a:lin ang="2700000" scaled="1"/>
-                </a:gradFill>
-                <a:latin typeface="+mj-lt"/>
-              </a:rPr>
-              <a:t>Windows Azure Web Sites</a:t>
-            </a:r>
-            <a:endParaRPr lang="en-US" sz="5506" dirty="0">
-              <a:gradFill>
-                <a:gsLst>
-                  <a:gs pos="0">
-                    <a:srgbClr val="FFFFFF"/>
-                  </a:gs>
-                  <a:gs pos="50000">
-                    <a:srgbClr val="FFFFFF"/>
-                  </a:gs>
-                  <a:gs pos="100000">
-                    <a:srgbClr val="FFFFFF"/>
-                  </a:gs>
-                </a:gsLst>
-                <a:lin ang="2700000" scaled="1"/>
-              </a:gradFill>
-              <a:latin typeface="+mj-lt"/>
-            </a:endParaRPr>
-          </a:p>
-        </p:txBody>
-      </p:sp>
-    </p:spTree>
-    <p:extLst>
-      <p:ext uri="{BB962C8B-B14F-4D97-AF65-F5344CB8AC3E}">
-        <p14:creationId xmlns:p14="http://schemas.microsoft.com/office/powerpoint/2010/main" val="1364815367"/>
-      </p:ext>
-    </p:extLst>
-  </p:cSld>
-  <p:clrMapOvr>
-    <a:masterClrMapping/>
-  </p:clrMapOvr>
-  <p:timing>
-    <p:tnLst>
-      <p:par>
-        <p:cTn id="1" dur="indefinite" restart="never" nodeType="tmRoot"/>
-      </p:par>
-    </p:tnLst>
-  </p:timing>
-</p:sld>
-</file>
-
-<file path=ppt/slides/slide5.xml><?xml version="1.0" encoding="utf-8"?>
-<p:sld xmlns:a="http://schemas.openxmlformats.org/drawingml/2006/main" xmlns:r="http://schemas.openxmlformats.org/officeDocument/2006/relationships" xmlns:p="http://schemas.openxmlformats.org/presentationml/2006/main">
-  <p:cSld>
-    <p:spTree>
-      <p:nvGrpSpPr>
-        <p:cNvPr id="1" name=""/>
-        <p:cNvGrpSpPr/>
-        <p:nvPr/>
-      </p:nvGrpSpPr>
-      <p:grpSpPr>
-        <a:xfrm>
-          <a:off x="0" y="0"/>
-          <a:ext cx="0" cy="0"/>
-          <a:chOff x="0" y="0"/>
-          <a:chExt cx="0" cy="0"/>
-        </a:xfrm>
-      </p:grpSpPr>
-      <p:sp>
-        <p:nvSpPr>
-          <p:cNvPr id="2" name="Title 1"/>
-          <p:cNvSpPr>
-            <a:spLocks noGrp="1"/>
-          </p:cNvSpPr>
-          <p:nvPr>
-            <p:ph type="ctrTitle"/>
-          </p:nvPr>
-        </p:nvSpPr>
-        <p:spPr>
-          <a:xfrm>
-            <a:off x="606175" y="676048"/>
-            <a:ext cx="11034445" cy="2387600"/>
-          </a:xfrm>
-        </p:spPr>
-        <p:txBody>
-          <a:bodyPr/>
-          <a:lstStyle/>
-          <a:p>
-            <a:r>
-              <a:rPr lang="en-US" dirty="0" smtClean="0"/>
-              <a:t>At a high-level</a:t>
-            </a:r>
-            <a:endParaRPr lang="en-US" dirty="0"/>
-          </a:p>
-        </p:txBody>
-      </p:sp>
-      <p:sp>
-        <p:nvSpPr>
-          <p:cNvPr id="3" name="Subtitle 2"/>
-          <p:cNvSpPr>
-            <a:spLocks noGrp="1"/>
-          </p:cNvSpPr>
-          <p:nvPr>
-            <p:ph type="subTitle" idx="1"/>
-          </p:nvPr>
-        </p:nvSpPr>
-        <p:spPr>
-          <a:xfrm>
-            <a:off x="606175" y="3210153"/>
-            <a:ext cx="11034445" cy="1655762"/>
-          </a:xfrm>
-        </p:spPr>
-        <p:txBody>
-          <a:bodyPr>
-            <a:noAutofit/>
-          </a:bodyPr>
-          <a:lstStyle/>
-          <a:p>
-            <a:pPr>
-              <a:lnSpc>
-                <a:spcPct val="110000"/>
-              </a:lnSpc>
-            </a:pPr>
-            <a:r>
-              <a:rPr lang="en-US" dirty="0" smtClean="0">
-                <a:sym typeface="Wingdings" panose="05000000000000000000" pitchFamily="2" charset="2"/>
-              </a:rPr>
-              <a:t> </a:t>
-            </a:r>
-            <a:r>
-              <a:rPr lang="en-US" dirty="0" smtClean="0"/>
-              <a:t>Factoid number 1</a:t>
-            </a:r>
-          </a:p>
-          <a:p>
-            <a:pPr>
-              <a:lnSpc>
-                <a:spcPct val="110000"/>
-              </a:lnSpc>
-            </a:pPr>
-            <a:r>
-              <a:rPr lang="en-US" dirty="0" smtClean="0">
-                <a:sym typeface="Wingdings" panose="05000000000000000000" pitchFamily="2" charset="2"/>
-              </a:rPr>
-              <a:t> </a:t>
-            </a:r>
-            <a:r>
-              <a:rPr lang="en-US" dirty="0" smtClean="0"/>
-              <a:t>Interesting data</a:t>
-            </a:r>
-          </a:p>
-          <a:p>
-            <a:pPr>
-              <a:lnSpc>
-                <a:spcPct val="110000"/>
-              </a:lnSpc>
-            </a:pPr>
-            <a:r>
-              <a:rPr lang="en-US" dirty="0" smtClean="0">
-                <a:sym typeface="Wingdings" panose="05000000000000000000" pitchFamily="2" charset="2"/>
-              </a:rPr>
-              <a:t> </a:t>
-            </a:r>
-            <a:r>
-              <a:rPr lang="en-US" dirty="0" smtClean="0"/>
-              <a:t>Pictures of kittens</a:t>
-            </a:r>
-            <a:endParaRPr lang="en-US" dirty="0"/>
-          </a:p>
-        </p:txBody>
-      </p:sp>
-    </p:spTree>
-    <p:extLst>
-      <p:ext uri="{BB962C8B-B14F-4D97-AF65-F5344CB8AC3E}">
-        <p14:creationId xmlns:p14="http://schemas.microsoft.com/office/powerpoint/2010/main" val="3144684332"/>
-      </p:ext>
-    </p:extLst>
-  </p:cSld>
-  <p:clrMapOvr>
-    <a:masterClrMapping/>
-  </p:clrMapOvr>
-  <p:timing>
-    <p:tnLst>
-      <p:par>
-        <p:cTn id="1" dur="indefinite" restart="never" nodeType="tmRoot"/>
-      </p:par>
-    </p:tnLst>
-  </p:timing>
-</p:sld>
-</file>
-
-<file path=ppt/slides/slide6.xml><?xml version="1.0" encoding="utf-8"?>
-<p:sld xmlns:a="http://schemas.openxmlformats.org/drawingml/2006/main" xmlns:r="http://schemas.openxmlformats.org/officeDocument/2006/relationships" xmlns:p="http://schemas.openxmlformats.org/presentationml/2006/main">
-  <p:cSld>
-    <p:spTree>
-      <p:nvGrpSpPr>
-        <p:cNvPr id="1" name=""/>
-        <p:cNvGrpSpPr/>
-        <p:nvPr/>
-      </p:nvGrpSpPr>
-      <p:grpSpPr>
-        <a:xfrm>
-          <a:off x="0" y="0"/>
-          <a:ext cx="0" cy="0"/>
-          <a:chOff x="0" y="0"/>
-          <a:chExt cx="0" cy="0"/>
-        </a:xfrm>
-      </p:grpSpPr>
-      <p:sp>
-        <p:nvSpPr>
-          <p:cNvPr id="2" name="Title 1"/>
-          <p:cNvSpPr>
-            <a:spLocks noGrp="1"/>
-          </p:cNvSpPr>
-          <p:nvPr>
-            <p:ph type="title"/>
-          </p:nvPr>
-        </p:nvSpPr>
-        <p:spPr/>
-        <p:txBody>
-          <a:bodyPr/>
-          <a:lstStyle/>
-          <a:p>
-            <a:r>
-              <a:rPr lang="en-US" dirty="0" smtClean="0"/>
-              <a:t>What is this?</a:t>
-            </a:r>
-            <a:endParaRPr lang="en-US" dirty="0"/>
-          </a:p>
-        </p:txBody>
-      </p:sp>
-      <p:sp>
-        <p:nvSpPr>
-          <p:cNvPr id="3" name="Slide Number Placeholder 2"/>
-          <p:cNvSpPr>
-            <a:spLocks noGrp="1"/>
-          </p:cNvSpPr>
-          <p:nvPr>
-            <p:ph type="sldNum" sz="quarter" idx="12"/>
-          </p:nvPr>
-        </p:nvSpPr>
-        <p:spPr/>
-        <p:txBody>
-          <a:bodyPr/>
-          <a:lstStyle/>
-          <a:p>
-            <a:fld id="{0A164282-434E-41D4-9582-783D542A7B68}" type="slidenum">
-              <a:rPr lang="en-US" smtClean="0"/>
-              <a:t>6</a:t>
-            </a:fld>
-            <a:endParaRPr lang="en-US"/>
-          </a:p>
-        </p:txBody>
-      </p:sp>
-    </p:spTree>
-    <p:extLst>
-      <p:ext uri="{BB962C8B-B14F-4D97-AF65-F5344CB8AC3E}">
-        <p14:creationId xmlns:p14="http://schemas.microsoft.com/office/powerpoint/2010/main" val="1485366539"/>
-      </p:ext>
-    </p:extLst>
-  </p:cSld>
-  <p:clrMapOvr>
-    <a:masterClrMapping/>
-  </p:clrMapOvr>
-</p:sld>
-</file>
-
-<file path=ppt/slides/slide7.xml><?xml version="1.0" encoding="utf-8"?>
-<p:sld xmlns:a="http://schemas.openxmlformats.org/drawingml/2006/main" xmlns:r="http://schemas.openxmlformats.org/officeDocument/2006/relationships" xmlns:p="http://schemas.openxmlformats.org/presentationml/2006/main">
-  <p:cSld>
-    <p:spTree>
-      <p:nvGrpSpPr>
-        <p:cNvPr id="1" name=""/>
-        <p:cNvGrpSpPr/>
-        <p:nvPr/>
-      </p:nvGrpSpPr>
-      <p:grpSpPr>
-        <a:xfrm>
-          <a:off x="0" y="0"/>
-          <a:ext cx="0" cy="0"/>
-          <a:chOff x="0" y="0"/>
-          <a:chExt cx="0" cy="0"/>
-        </a:xfrm>
-      </p:grpSpPr>
-      <p:sp>
-        <p:nvSpPr>
-          <p:cNvPr id="4" name="Title 3"/>
-          <p:cNvSpPr>
-            <a:spLocks noGrp="1"/>
-          </p:cNvSpPr>
-          <p:nvPr>
-            <p:ph type="title"/>
-          </p:nvPr>
-        </p:nvSpPr>
-        <p:spPr/>
-        <p:txBody>
-          <a:bodyPr/>
-          <a:lstStyle/>
-          <a:p>
-            <a:r>
-              <a:rPr lang="en-US" dirty="0" smtClean="0"/>
-              <a:t>Primary Title</a:t>
-            </a:r>
-            <a:endParaRPr lang="en-US" dirty="0"/>
-          </a:p>
-        </p:txBody>
-      </p:sp>
-      <p:sp>
-        <p:nvSpPr>
-          <p:cNvPr id="5" name="Content Placeholder 4"/>
-          <p:cNvSpPr>
-            <a:spLocks noGrp="1"/>
-          </p:cNvSpPr>
-          <p:nvPr>
-            <p:ph idx="1"/>
-          </p:nvPr>
-        </p:nvSpPr>
-        <p:spPr/>
-        <p:txBody>
-          <a:bodyPr>
-            <a:normAutofit/>
-          </a:bodyPr>
-          <a:lstStyle/>
-          <a:p>
-            <a:pPr marL="0" indent="0">
-              <a:buNone/>
-            </a:pPr>
-            <a:endParaRPr lang="en-US" sz="3200" dirty="0"/>
-          </a:p>
-        </p:txBody>
-      </p:sp>
-      <p:sp>
-        <p:nvSpPr>
-          <p:cNvPr id="3" name="Slide Number Placeholder 2"/>
-          <p:cNvSpPr>
-            <a:spLocks noGrp="1"/>
-          </p:cNvSpPr>
-          <p:nvPr>
-            <p:ph type="sldNum" sz="quarter" idx="12"/>
-          </p:nvPr>
-        </p:nvSpPr>
-        <p:spPr/>
-        <p:txBody>
-          <a:bodyPr/>
-          <a:lstStyle/>
-          <a:p>
-            <a:fld id="{0A164282-434E-41D4-9582-783D542A7B68}" type="slidenum">
-              <a:rPr lang="en-US" smtClean="0"/>
-              <a:t>7</a:t>
-            </a:fld>
-            <a:endParaRPr lang="en-US"/>
-          </a:p>
-        </p:txBody>
-      </p:sp>
-      <p:sp>
-        <p:nvSpPr>
-          <p:cNvPr id="6" name="Text Placeholder 5"/>
-          <p:cNvSpPr>
-            <a:spLocks noGrp="1"/>
-          </p:cNvSpPr>
-          <p:nvPr>
-            <p:ph type="body" sz="quarter" idx="13"/>
-          </p:nvPr>
-        </p:nvSpPr>
-        <p:spPr/>
-        <p:txBody>
-          <a:bodyPr/>
-          <a:lstStyle/>
-          <a:p>
-            <a:r>
-              <a:rPr lang="en-US" dirty="0" smtClean="0"/>
-              <a:t>This is used to clarify or ask a question</a:t>
-            </a:r>
-            <a:endParaRPr lang="en-US" dirty="0"/>
-          </a:p>
-        </p:txBody>
-      </p:sp>
-    </p:spTree>
-    <p:extLst>
-      <p:ext uri="{BB962C8B-B14F-4D97-AF65-F5344CB8AC3E}">
-        <p14:creationId xmlns:p14="http://schemas.microsoft.com/office/powerpoint/2010/main" val="859808333"/>
-      </p:ext>
-    </p:extLst>
-  </p:cSld>
-  <p:clrMapOvr>
-    <a:masterClrMapping/>
-  </p:clrMapOvr>
-</p:sld>
-</file>
-
-<file path=ppt/slides/slide8.xml><?xml version="1.0" encoding="utf-8"?>
-<p:sld xmlns:a="http://schemas.openxmlformats.org/drawingml/2006/main" xmlns:r="http://schemas.openxmlformats.org/officeDocument/2006/relationships" xmlns:p="http://schemas.openxmlformats.org/presentationml/2006/main">
-  <p:cSld>
-    <p:spTree>
-      <p:nvGrpSpPr>
-        <p:cNvPr id="1" name=""/>
-        <p:cNvGrpSpPr/>
-        <p:nvPr/>
-      </p:nvGrpSpPr>
-      <p:grpSpPr>
-        <a:xfrm>
-          <a:off x="0" y="0"/>
-          <a:ext cx="0" cy="0"/>
-          <a:chOff x="0" y="0"/>
-          <a:chExt cx="0" cy="0"/>
-        </a:xfrm>
-      </p:grpSpPr>
-      <p:grpSp>
-        <p:nvGrpSpPr>
-          <p:cNvPr id="15" name="Group 14"/>
-          <p:cNvGrpSpPr/>
-          <p:nvPr/>
-        </p:nvGrpSpPr>
-        <p:grpSpPr>
-          <a:xfrm>
-            <a:off x="138727" y="263732"/>
-            <a:ext cx="3679529" cy="2609713"/>
-            <a:chOff x="8411036" y="3864393"/>
-            <a:chExt cx="3753311" cy="2662043"/>
-          </a:xfrm>
-        </p:grpSpPr>
-        <p:sp>
-          <p:nvSpPr>
-            <p:cNvPr id="13" name="TextBox 12"/>
-            <p:cNvSpPr txBox="1"/>
-            <p:nvPr/>
-          </p:nvSpPr>
-          <p:spPr>
-            <a:xfrm>
-              <a:off x="8615511" y="5818550"/>
-              <a:ext cx="3497263" cy="707886"/>
-            </a:xfrm>
-            <a:prstGeom prst="rect">
-              <a:avLst/>
-            </a:prstGeom>
-            <a:noFill/>
-          </p:spPr>
-          <p:txBody>
-            <a:bodyPr wrap="square" rtlCol="0">
-              <a:spAutoFit/>
-            </a:bodyPr>
-            <a:lstStyle/>
-            <a:p>
-              <a:r>
-                <a:rPr lang="en-US" sz="1961" b="1" dirty="0">
-                  <a:solidFill>
-                    <a:srgbClr val="FFFFFF"/>
-                  </a:solidFill>
-                  <a:cs typeface="Segoe UI Light" panose="020B0502040204020203" pitchFamily="34" charset="0"/>
-                </a:rPr>
-                <a:t>FORTUNE 500 </a:t>
-              </a:r>
-              <a:r>
-                <a:rPr lang="en-US" sz="1961" dirty="0">
-                  <a:solidFill>
-                    <a:srgbClr val="FFFFFF"/>
-                  </a:solidFill>
-                  <a:cs typeface="Segoe UI Light" panose="020B0502040204020203" pitchFamily="34" charset="0"/>
-                </a:rPr>
-                <a:t>COMPANIES</a:t>
-              </a:r>
-              <a:endParaRPr lang="en-US" sz="2800" dirty="0">
-                <a:solidFill>
-                  <a:srgbClr val="FFFFFF"/>
-                </a:solidFill>
-                <a:cs typeface="Segoe UI Light" panose="020B0502040204020203" pitchFamily="34" charset="0"/>
-              </a:endParaRPr>
-            </a:p>
-            <a:p>
-              <a:r>
-                <a:rPr lang="en-US" sz="1961" dirty="0">
-                  <a:solidFill>
-                    <a:srgbClr val="FFFFFF"/>
-                  </a:solidFill>
-                </a:rPr>
-                <a:t>USING WINDOWS AZURE</a:t>
-              </a:r>
-            </a:p>
-          </p:txBody>
-        </p:sp>
-        <p:sp>
-          <p:nvSpPr>
-            <p:cNvPr id="39" name="Rectangle 38"/>
-            <p:cNvSpPr/>
-            <p:nvPr/>
-          </p:nvSpPr>
-          <p:spPr>
-            <a:xfrm>
-              <a:off x="8411036" y="3864393"/>
-              <a:ext cx="3753311" cy="2109808"/>
-            </a:xfrm>
-            <a:prstGeom prst="rect">
-              <a:avLst/>
-            </a:prstGeom>
-          </p:spPr>
-          <p:txBody>
-            <a:bodyPr wrap="square" anchor="ctr">
-              <a:spAutoFit/>
-            </a:bodyPr>
-            <a:lstStyle/>
-            <a:p>
-              <a:pPr algn="ctr">
-                <a:lnSpc>
-                  <a:spcPct val="95000"/>
-                </a:lnSpc>
-                <a:buSzPct val="90000"/>
-              </a:pPr>
-              <a:r>
-                <a:rPr lang="en-US" sz="13528" dirty="0">
-                  <a:solidFill>
-                    <a:srgbClr val="11C1FF"/>
-                  </a:solidFill>
-                  <a:latin typeface="Segoe UI Light" panose="020B0502040204020203" pitchFamily="34" charset="0"/>
-                  <a:cs typeface="Segoe UI Light" panose="020B0502040204020203" pitchFamily="34" charset="0"/>
-                </a:rPr>
-                <a:t>&gt;</a:t>
-              </a:r>
-              <a:r>
-                <a:rPr lang="en-US" sz="13528" dirty="0">
-                  <a:solidFill>
-                    <a:schemeClr val="bg1"/>
-                  </a:solidFill>
-                  <a:latin typeface="Segoe UI Light" panose="020B0502040204020203" pitchFamily="34" charset="0"/>
-                  <a:cs typeface="Segoe UI Light" panose="020B0502040204020203" pitchFamily="34" charset="0"/>
-                </a:rPr>
-                <a:t>50</a:t>
-              </a:r>
-              <a:r>
-                <a:rPr lang="en-US" sz="5882" dirty="0">
-                  <a:latin typeface="Segoe UI Light" panose="020B0502040204020203" pitchFamily="34" charset="0"/>
-                  <a:cs typeface="Segoe UI Light" panose="020B0502040204020203" pitchFamily="34" charset="0"/>
-                </a:rPr>
-                <a:t>%</a:t>
-              </a:r>
-              <a:endParaRPr lang="en-US" sz="13528" dirty="0">
-                <a:latin typeface="Segoe UI Light" panose="020B0502040204020203" pitchFamily="34" charset="0"/>
-                <a:cs typeface="Segoe UI Light" panose="020B0502040204020203" pitchFamily="34" charset="0"/>
-              </a:endParaRPr>
-            </a:p>
-          </p:txBody>
-        </p:sp>
-      </p:grpSp>
-      <p:grpSp>
-        <p:nvGrpSpPr>
-          <p:cNvPr id="16" name="Group 15"/>
-          <p:cNvGrpSpPr/>
-          <p:nvPr/>
-        </p:nvGrpSpPr>
-        <p:grpSpPr>
-          <a:xfrm>
-            <a:off x="4419419" y="226804"/>
-            <a:ext cx="3534874" cy="2973485"/>
-            <a:chOff x="4563187" y="3841057"/>
-            <a:chExt cx="3605756" cy="3033110"/>
-          </a:xfrm>
-        </p:grpSpPr>
-        <p:sp>
-          <p:nvSpPr>
-            <p:cNvPr id="12" name="TextBox 11"/>
-            <p:cNvSpPr txBox="1"/>
-            <p:nvPr/>
-          </p:nvSpPr>
-          <p:spPr>
-            <a:xfrm>
-              <a:off x="4608585" y="6350947"/>
-              <a:ext cx="3497263" cy="523220"/>
-            </a:xfrm>
-            <a:prstGeom prst="rect">
-              <a:avLst/>
-            </a:prstGeom>
-            <a:noFill/>
-          </p:spPr>
-          <p:txBody>
-            <a:bodyPr wrap="square" rtlCol="0">
-              <a:spAutoFit/>
-            </a:bodyPr>
-            <a:lstStyle/>
-            <a:p>
-              <a:r>
-                <a:rPr lang="en-US" sz="1372" dirty="0">
-                  <a:solidFill>
-                    <a:srgbClr val="FFFFFF"/>
-                  </a:solidFill>
-                </a:rPr>
-                <a:t>ACTIVE DIRECTORY ACCOUNTS </a:t>
-              </a:r>
-              <a:br>
-                <a:rPr lang="en-US" sz="1372" dirty="0">
-                  <a:solidFill>
-                    <a:srgbClr val="FFFFFF"/>
-                  </a:solidFill>
-                </a:rPr>
-              </a:br>
-              <a:r>
-                <a:rPr lang="en-US" sz="1372" dirty="0">
-                  <a:solidFill>
-                    <a:srgbClr val="FFFFFF"/>
-                  </a:solidFill>
-                </a:rPr>
-                <a:t>WITH </a:t>
-              </a:r>
-              <a:r>
-                <a:rPr lang="en-US" sz="1372" b="1" dirty="0">
-                  <a:solidFill>
-                    <a:srgbClr val="FFFFFF"/>
-                  </a:solidFill>
-                </a:rPr>
-                <a:t>68 MILLION USERS</a:t>
-              </a:r>
-            </a:p>
-          </p:txBody>
-        </p:sp>
-        <p:sp>
-          <p:nvSpPr>
-            <p:cNvPr id="51" name="Rectangle 50"/>
-            <p:cNvSpPr/>
-            <p:nvPr/>
-          </p:nvSpPr>
-          <p:spPr>
-            <a:xfrm>
-              <a:off x="4563187" y="3841057"/>
-              <a:ext cx="3605756" cy="2109808"/>
-            </a:xfrm>
-            <a:prstGeom prst="rect">
-              <a:avLst/>
-            </a:prstGeom>
-          </p:spPr>
-          <p:txBody>
-            <a:bodyPr wrap="square" anchor="ctr">
-              <a:spAutoFit/>
-            </a:bodyPr>
-            <a:lstStyle/>
-            <a:p>
-              <a:pPr>
-                <a:lnSpc>
-                  <a:spcPct val="95000"/>
-                </a:lnSpc>
-                <a:buSzPct val="90000"/>
-              </a:pPr>
-              <a:r>
-                <a:rPr lang="en-US" sz="13528" dirty="0">
-                  <a:solidFill>
-                    <a:schemeClr val="bg1"/>
-                  </a:solidFill>
-                  <a:latin typeface="Segoe UI Light" panose="020B0502040204020203" pitchFamily="34" charset="0"/>
-                  <a:cs typeface="Segoe UI Light" panose="020B0502040204020203" pitchFamily="34" charset="0"/>
-                </a:rPr>
-                <a:t>3.2</a:t>
-              </a:r>
-            </a:p>
-          </p:txBody>
-        </p:sp>
-        <p:sp>
-          <p:nvSpPr>
-            <p:cNvPr id="52" name="Rectangle 51"/>
-            <p:cNvSpPr/>
-            <p:nvPr/>
-          </p:nvSpPr>
-          <p:spPr>
-            <a:xfrm>
-              <a:off x="4597712" y="5660893"/>
-              <a:ext cx="2507617" cy="677108"/>
-            </a:xfrm>
-            <a:prstGeom prst="rect">
-              <a:avLst/>
-            </a:prstGeom>
-          </p:spPr>
-          <p:txBody>
-            <a:bodyPr wrap="square" anchor="ctr">
-              <a:spAutoFit/>
-            </a:bodyPr>
-            <a:lstStyle/>
-            <a:p>
-              <a:pPr>
-                <a:lnSpc>
-                  <a:spcPct val="95000"/>
-                </a:lnSpc>
-                <a:buSzPct val="90000"/>
-              </a:pPr>
-              <a:r>
-                <a:rPr lang="en-US" sz="1961" b="1" dirty="0">
-                  <a:solidFill>
-                    <a:srgbClr val="FFFFFF"/>
-                  </a:solidFill>
-                  <a:cs typeface="Segoe UI Light" panose="020B0502040204020203" pitchFamily="34" charset="0"/>
-                </a:rPr>
-                <a:t>MILLION </a:t>
-              </a:r>
-              <a:br>
-                <a:rPr lang="en-US" sz="1961" b="1" dirty="0">
-                  <a:solidFill>
-                    <a:srgbClr val="FFFFFF"/>
-                  </a:solidFill>
-                  <a:cs typeface="Segoe UI Light" panose="020B0502040204020203" pitchFamily="34" charset="0"/>
-                </a:rPr>
-              </a:br>
-              <a:r>
-                <a:rPr lang="en-US" sz="1961" b="1" dirty="0">
-                  <a:solidFill>
-                    <a:srgbClr val="FFFFFF"/>
-                  </a:solidFill>
-                  <a:cs typeface="Segoe UI Light" panose="020B0502040204020203" pitchFamily="34" charset="0"/>
-                </a:rPr>
-                <a:t>ORGANIZATIONS </a:t>
-              </a:r>
-              <a:endParaRPr lang="en-US" sz="2800" b="1" dirty="0">
-                <a:solidFill>
-                  <a:srgbClr val="FFFFFF"/>
-                </a:solidFill>
-                <a:cs typeface="Segoe UI Light" panose="020B0502040204020203" pitchFamily="34" charset="0"/>
-              </a:endParaRPr>
-            </a:p>
-          </p:txBody>
-        </p:sp>
-      </p:grpSp>
-      <p:grpSp>
-        <p:nvGrpSpPr>
-          <p:cNvPr id="4" name="Group 3"/>
-          <p:cNvGrpSpPr/>
-          <p:nvPr/>
-        </p:nvGrpSpPr>
-        <p:grpSpPr>
-          <a:xfrm>
-            <a:off x="8343269" y="-17491"/>
-            <a:ext cx="3599748" cy="3222347"/>
-            <a:chOff x="4389046" y="190012"/>
-            <a:chExt cx="3671930" cy="3286962"/>
-          </a:xfrm>
-        </p:grpSpPr>
-        <p:sp>
-          <p:nvSpPr>
-            <p:cNvPr id="25" name="Rectangle 24"/>
-            <p:cNvSpPr/>
-            <p:nvPr/>
-          </p:nvSpPr>
-          <p:spPr>
-            <a:xfrm>
-              <a:off x="4389046" y="190012"/>
-              <a:ext cx="3671930" cy="3001591"/>
-            </a:xfrm>
-            <a:prstGeom prst="rect">
-              <a:avLst/>
-            </a:prstGeom>
-          </p:spPr>
-          <p:txBody>
-            <a:bodyPr wrap="square" anchor="b">
-              <a:spAutoFit/>
-            </a:bodyPr>
-            <a:lstStyle/>
-            <a:p>
-              <a:pPr>
-                <a:lnSpc>
-                  <a:spcPct val="95000"/>
-                </a:lnSpc>
-                <a:buSzPct val="90000"/>
-              </a:pPr>
-              <a:r>
-                <a:rPr lang="en-US" sz="19508" dirty="0">
-                  <a:solidFill>
-                    <a:schemeClr val="bg1"/>
-                  </a:solidFill>
-                  <a:latin typeface="Segoe UI Light" panose="020B0502040204020203" pitchFamily="34" charset="0"/>
-                  <a:cs typeface="Segoe UI Light" panose="020B0502040204020203" pitchFamily="34" charset="0"/>
-                </a:rPr>
-                <a:t>2</a:t>
-              </a:r>
-              <a:r>
-                <a:rPr lang="en-US" sz="13600" dirty="0">
-                  <a:solidFill>
-                    <a:srgbClr val="11C1FF"/>
-                  </a:solidFill>
-                  <a:latin typeface="Segoe UI Light" panose="020B0502040204020203" pitchFamily="34" charset="0"/>
-                  <a:cs typeface="Segoe UI Light" panose="020B0502040204020203" pitchFamily="34" charset="0"/>
-                </a:rPr>
-                <a:t>x</a:t>
-              </a:r>
-            </a:p>
-          </p:txBody>
-        </p:sp>
-        <p:sp>
-          <p:nvSpPr>
-            <p:cNvPr id="26" name="Rectangle 25"/>
-            <p:cNvSpPr/>
-            <p:nvPr/>
-          </p:nvSpPr>
-          <p:spPr>
-            <a:xfrm>
-              <a:off x="4467080" y="2975298"/>
-              <a:ext cx="3532108" cy="501676"/>
-            </a:xfrm>
-            <a:prstGeom prst="rect">
-              <a:avLst/>
-            </a:prstGeom>
-          </p:spPr>
-          <p:txBody>
-            <a:bodyPr wrap="square" anchor="ctr">
-              <a:spAutoFit/>
-            </a:bodyPr>
-            <a:lstStyle/>
-            <a:p>
-              <a:pPr>
-                <a:lnSpc>
-                  <a:spcPct val="95000"/>
-                </a:lnSpc>
-                <a:buSzPct val="90000"/>
-              </a:pPr>
-              <a:r>
-                <a:rPr lang="en-US" sz="1372" dirty="0">
-                  <a:solidFill>
-                    <a:srgbClr val="FFFFFF"/>
-                  </a:solidFill>
-                  <a:cs typeface="Segoe UI Light" panose="020B0502040204020203" pitchFamily="34" charset="0"/>
-                </a:rPr>
-                <a:t>COMPUTE + STORAGE </a:t>
-              </a:r>
-              <a:br>
-                <a:rPr lang="en-US" sz="1372" dirty="0">
-                  <a:solidFill>
-                    <a:srgbClr val="FFFFFF"/>
-                  </a:solidFill>
-                  <a:cs typeface="Segoe UI Light" panose="020B0502040204020203" pitchFamily="34" charset="0"/>
-                </a:rPr>
-              </a:br>
-              <a:r>
-                <a:rPr lang="en-US" sz="1372" dirty="0">
-                  <a:solidFill>
-                    <a:srgbClr val="FFFFFF"/>
-                  </a:solidFill>
-                  <a:cs typeface="Segoe UI Light" panose="020B0502040204020203" pitchFamily="34" charset="0"/>
-                </a:rPr>
-                <a:t>EVERY </a:t>
-              </a:r>
-              <a:r>
-                <a:rPr lang="en-US" sz="1372" b="1" dirty="0">
-                  <a:solidFill>
-                    <a:srgbClr val="FFFFFF"/>
-                  </a:solidFill>
-                  <a:cs typeface="Segoe UI Light" panose="020B0502040204020203" pitchFamily="34" charset="0"/>
-                </a:rPr>
-                <a:t>6 MONTHS</a:t>
-              </a:r>
-              <a:endParaRPr lang="en-US" sz="1961" b="1" dirty="0">
-                <a:solidFill>
-                  <a:srgbClr val="FFFFFF"/>
-                </a:solidFill>
-                <a:cs typeface="Segoe UI Light" panose="020B0502040204020203" pitchFamily="34" charset="0"/>
-              </a:endParaRPr>
-            </a:p>
-          </p:txBody>
-        </p:sp>
-      </p:grpSp>
-      <p:cxnSp>
-        <p:nvCxnSpPr>
-          <p:cNvPr id="27" name="Straight Connector 26"/>
-          <p:cNvCxnSpPr/>
-          <p:nvPr/>
-        </p:nvCxnSpPr>
-        <p:spPr>
-          <a:xfrm>
-            <a:off x="4064288" y="487"/>
-            <a:ext cx="0" cy="6857027"/>
-          </a:xfrm>
-          <a:prstGeom prst="line">
-            <a:avLst/>
-          </a:prstGeom>
-          <a:ln>
-            <a:solidFill>
-              <a:srgbClr val="289FD7"/>
-            </a:solidFill>
-          </a:ln>
-        </p:spPr>
-        <p:style>
-          <a:lnRef idx="1">
-            <a:schemeClr val="accent1"/>
-          </a:lnRef>
-          <a:fillRef idx="0">
-            <a:schemeClr val="accent1"/>
-          </a:fillRef>
-          <a:effectRef idx="0">
-            <a:schemeClr val="accent1"/>
-          </a:effectRef>
-          <a:fontRef idx="minor">
-            <a:schemeClr val="tx1"/>
-          </a:fontRef>
-        </p:style>
-      </p:cxnSp>
-      <p:cxnSp>
-        <p:nvCxnSpPr>
-          <p:cNvPr id="31" name="Straight Connector 30"/>
-          <p:cNvCxnSpPr/>
-          <p:nvPr/>
-        </p:nvCxnSpPr>
-        <p:spPr>
-          <a:xfrm>
-            <a:off x="8097236" y="487"/>
-            <a:ext cx="0" cy="6857027"/>
-          </a:xfrm>
-          <a:prstGeom prst="line">
-            <a:avLst/>
-          </a:prstGeom>
-          <a:ln>
-            <a:solidFill>
-              <a:srgbClr val="289FD7"/>
-            </a:solidFill>
-          </a:ln>
-        </p:spPr>
-        <p:style>
-          <a:lnRef idx="1">
-            <a:schemeClr val="accent1"/>
-          </a:lnRef>
-          <a:fillRef idx="0">
-            <a:schemeClr val="accent1"/>
-          </a:fillRef>
-          <a:effectRef idx="0">
-            <a:schemeClr val="accent1"/>
-          </a:effectRef>
-          <a:fontRef idx="minor">
-            <a:schemeClr val="tx1"/>
-          </a:fontRef>
-        </p:style>
-      </p:cxnSp>
-      <p:cxnSp>
-        <p:nvCxnSpPr>
-          <p:cNvPr id="32" name="Straight Connector 31"/>
-          <p:cNvCxnSpPr/>
-          <p:nvPr/>
-        </p:nvCxnSpPr>
-        <p:spPr>
-          <a:xfrm>
-            <a:off x="865" y="3453445"/>
-            <a:ext cx="12190271" cy="0"/>
-          </a:xfrm>
-          <a:prstGeom prst="line">
-            <a:avLst/>
-          </a:prstGeom>
-          <a:ln>
-            <a:solidFill>
-              <a:srgbClr val="289FD7"/>
-            </a:solidFill>
-          </a:ln>
-        </p:spPr>
-        <p:style>
-          <a:lnRef idx="1">
-            <a:schemeClr val="accent1"/>
-          </a:lnRef>
-          <a:fillRef idx="0">
-            <a:schemeClr val="accent1"/>
-          </a:fillRef>
-          <a:effectRef idx="0">
-            <a:schemeClr val="accent1"/>
-          </a:effectRef>
-          <a:fontRef idx="minor">
-            <a:schemeClr val="tx1"/>
-          </a:fontRef>
-        </p:style>
-      </p:cxnSp>
-      <p:grpSp>
-        <p:nvGrpSpPr>
-          <p:cNvPr id="17" name="Group 16"/>
-          <p:cNvGrpSpPr/>
-          <p:nvPr/>
-        </p:nvGrpSpPr>
-        <p:grpSpPr>
-          <a:xfrm>
-            <a:off x="8304719" y="3671083"/>
-            <a:ext cx="3778034" cy="2942586"/>
-            <a:chOff x="137652" y="3609604"/>
-            <a:chExt cx="3853791" cy="3001591"/>
-          </a:xfrm>
-        </p:grpSpPr>
-        <p:sp>
-          <p:nvSpPr>
-            <p:cNvPr id="36" name="Rectangle 35"/>
-            <p:cNvSpPr/>
-            <p:nvPr/>
-          </p:nvSpPr>
-          <p:spPr>
-            <a:xfrm>
-              <a:off x="137652" y="3609604"/>
-              <a:ext cx="3853791" cy="3001591"/>
-            </a:xfrm>
-            <a:prstGeom prst="rect">
-              <a:avLst/>
-            </a:prstGeom>
-          </p:spPr>
-          <p:txBody>
-            <a:bodyPr wrap="square" anchor="ctr">
-              <a:spAutoFit/>
-            </a:bodyPr>
-            <a:lstStyle/>
-            <a:p>
-              <a:pPr>
-                <a:lnSpc>
-                  <a:spcPct val="95000"/>
-                </a:lnSpc>
-                <a:buSzPct val="90000"/>
-              </a:pPr>
-              <a:r>
-                <a:rPr lang="en-US" sz="19508" dirty="0">
-                  <a:solidFill>
-                    <a:schemeClr val="bg1"/>
-                  </a:solidFill>
-                  <a:latin typeface="Segoe UI Light" panose="020B0502040204020203" pitchFamily="34" charset="0"/>
-                  <a:cs typeface="Segoe UI Light" panose="020B0502040204020203" pitchFamily="34" charset="0"/>
-                </a:rPr>
-                <a:t>3</a:t>
-              </a:r>
-              <a:r>
-                <a:rPr lang="en-US" sz="13600" dirty="0">
-                  <a:solidFill>
-                    <a:srgbClr val="11C1FF"/>
-                  </a:solidFill>
-                  <a:latin typeface="Segoe UI Light" panose="020B0502040204020203" pitchFamily="34" charset="0"/>
-                  <a:cs typeface="Segoe UI Light" panose="020B0502040204020203" pitchFamily="34" charset="0"/>
-                </a:rPr>
-                <a:t>x</a:t>
-              </a:r>
-            </a:p>
-          </p:txBody>
-        </p:sp>
-        <p:sp>
-          <p:nvSpPr>
-            <p:cNvPr id="11" name="TextBox 10"/>
-            <p:cNvSpPr txBox="1"/>
-            <p:nvPr/>
-          </p:nvSpPr>
-          <p:spPr>
-            <a:xfrm>
-              <a:off x="269764" y="6177069"/>
-              <a:ext cx="3497263" cy="307777"/>
-            </a:xfrm>
-            <a:prstGeom prst="rect">
-              <a:avLst/>
-            </a:prstGeom>
-            <a:noFill/>
-          </p:spPr>
-          <p:txBody>
-            <a:bodyPr wrap="square" rtlCol="0">
-              <a:spAutoFit/>
-            </a:bodyPr>
-            <a:lstStyle/>
-            <a:p>
-              <a:r>
-                <a:rPr lang="en-US" sz="1372" dirty="0">
-                  <a:solidFill>
-                    <a:srgbClr val="FFFFFF"/>
-                  </a:solidFill>
-                </a:rPr>
-                <a:t>GROWTH IN </a:t>
-              </a:r>
-              <a:r>
-                <a:rPr lang="en-US" sz="1372" b="1" dirty="0">
-                  <a:solidFill>
-                    <a:srgbClr val="FFFFFF"/>
-                  </a:solidFill>
-                </a:rPr>
-                <a:t>HYPER-V</a:t>
-              </a:r>
-              <a:r>
-                <a:rPr lang="en-US" sz="1372" dirty="0">
-                  <a:solidFill>
-                    <a:srgbClr val="FFFFFF"/>
-                  </a:solidFill>
-                </a:rPr>
-                <a:t> SHARE</a:t>
-              </a:r>
-            </a:p>
-          </p:txBody>
-        </p:sp>
-      </p:grpSp>
-      <p:grpSp>
-        <p:nvGrpSpPr>
-          <p:cNvPr id="29" name="Group 28"/>
-          <p:cNvGrpSpPr/>
-          <p:nvPr/>
-        </p:nvGrpSpPr>
-        <p:grpSpPr>
-          <a:xfrm>
-            <a:off x="4205222" y="3956067"/>
-            <a:ext cx="3781639" cy="2139212"/>
-            <a:chOff x="4261875" y="1353644"/>
-            <a:chExt cx="3671930" cy="2182108"/>
-          </a:xfrm>
-        </p:grpSpPr>
-        <p:sp>
-          <p:nvSpPr>
-            <p:cNvPr id="33" name="TextBox 32"/>
-            <p:cNvSpPr txBox="1"/>
-            <p:nvPr/>
-          </p:nvSpPr>
-          <p:spPr>
-            <a:xfrm>
-              <a:off x="4413019" y="2917563"/>
-              <a:ext cx="3497263" cy="307777"/>
-            </a:xfrm>
-            <a:prstGeom prst="rect">
-              <a:avLst/>
-            </a:prstGeom>
-            <a:noFill/>
-          </p:spPr>
-          <p:txBody>
-            <a:bodyPr wrap="square" rtlCol="0">
-              <a:spAutoFit/>
-            </a:bodyPr>
-            <a:lstStyle/>
-            <a:p>
-              <a:r>
-                <a:rPr lang="en-US" sz="1372" b="1" dirty="0">
-                  <a:solidFill>
-                    <a:srgbClr val="FFFFFF"/>
-                  </a:solidFill>
-                </a:rPr>
-                <a:t>STORAGE TRANSACTIONS PER SECOND</a:t>
-              </a:r>
-            </a:p>
-          </p:txBody>
-        </p:sp>
-        <p:sp>
-          <p:nvSpPr>
-            <p:cNvPr id="34" name="Rectangle 33"/>
-            <p:cNvSpPr/>
-            <p:nvPr/>
-          </p:nvSpPr>
-          <p:spPr>
-            <a:xfrm>
-              <a:off x="4261875" y="1353644"/>
-              <a:ext cx="3671930" cy="1773562"/>
-            </a:xfrm>
-            <a:prstGeom prst="rect">
-              <a:avLst/>
-            </a:prstGeom>
-          </p:spPr>
-          <p:txBody>
-            <a:bodyPr wrap="square" anchor="b">
-              <a:spAutoFit/>
-            </a:bodyPr>
-            <a:lstStyle/>
-            <a:p>
-              <a:pPr algn="ctr">
-                <a:lnSpc>
-                  <a:spcPct val="95000"/>
-                </a:lnSpc>
-                <a:buSzPct val="90000"/>
-              </a:pPr>
-              <a:r>
-                <a:rPr lang="en-US" sz="11273" spc="-294" dirty="0">
-                  <a:solidFill>
-                    <a:schemeClr val="bg1"/>
-                  </a:solidFill>
-                  <a:latin typeface="Segoe UI Light" panose="020B0502040204020203" pitchFamily="34" charset="0"/>
-                  <a:cs typeface="Segoe UI Light" panose="020B0502040204020203" pitchFamily="34" charset="0"/>
-                </a:rPr>
-                <a:t>900</a:t>
-              </a:r>
-              <a:r>
-                <a:rPr lang="en-US" sz="11273" spc="-294" dirty="0">
-                  <a:solidFill>
-                    <a:srgbClr val="11C1FF"/>
-                  </a:solidFill>
-                  <a:latin typeface="Segoe UI Light" panose="020B0502040204020203" pitchFamily="34" charset="0"/>
-                  <a:cs typeface="Segoe UI Light" panose="020B0502040204020203" pitchFamily="34" charset="0"/>
-                </a:rPr>
-                <a:t>k</a:t>
-              </a:r>
-              <a:r>
-                <a:rPr lang="en-US" sz="3921" dirty="0">
-                  <a:solidFill>
-                    <a:srgbClr val="11C1FF"/>
-                  </a:solidFill>
-                  <a:latin typeface="Segoe UI Light" panose="020B0502040204020203" pitchFamily="34" charset="0"/>
-                  <a:cs typeface="Segoe UI Light" panose="020B0502040204020203" pitchFamily="34" charset="0"/>
-                </a:rPr>
-                <a:t>/sec</a:t>
-              </a:r>
-              <a:endParaRPr lang="en-US" sz="9411" dirty="0">
-                <a:solidFill>
-                  <a:srgbClr val="11C1FF"/>
-                </a:solidFill>
-                <a:latin typeface="Segoe UI Light" panose="020B0502040204020203" pitchFamily="34" charset="0"/>
-                <a:cs typeface="Segoe UI Light" panose="020B0502040204020203" pitchFamily="34" charset="0"/>
-              </a:endParaRPr>
-            </a:p>
-          </p:txBody>
-        </p:sp>
-        <p:sp>
-          <p:nvSpPr>
-            <p:cNvPr id="35" name="Rectangle 34"/>
-            <p:cNvSpPr/>
-            <p:nvPr/>
-          </p:nvSpPr>
-          <p:spPr>
-            <a:xfrm>
-              <a:off x="4413019" y="3238748"/>
-              <a:ext cx="2627706" cy="297004"/>
-            </a:xfrm>
-            <a:prstGeom prst="rect">
-              <a:avLst/>
-            </a:prstGeom>
-          </p:spPr>
-          <p:txBody>
-            <a:bodyPr wrap="square" anchor="ctr">
-              <a:spAutoFit/>
-            </a:bodyPr>
-            <a:lstStyle/>
-            <a:p>
-              <a:pPr>
-                <a:lnSpc>
-                  <a:spcPct val="95000"/>
-                </a:lnSpc>
-                <a:buSzPct val="90000"/>
-              </a:pPr>
-              <a:r>
-                <a:rPr lang="en-US" sz="1372" dirty="0">
-                  <a:solidFill>
-                    <a:srgbClr val="FFFFFF"/>
-                  </a:solidFill>
-                  <a:cs typeface="Segoe UI Light" panose="020B0502040204020203" pitchFamily="34" charset="0"/>
-                </a:rPr>
-                <a:t>(2 </a:t>
-              </a:r>
-              <a:r>
-                <a:rPr lang="en-US" sz="1372" i="1" dirty="0">
-                  <a:solidFill>
-                    <a:srgbClr val="FFFFFF"/>
-                  </a:solidFill>
-                  <a:cs typeface="Segoe UI Light" panose="020B0502040204020203" pitchFamily="34" charset="0"/>
-                </a:rPr>
-                <a:t>TRILLION</a:t>
-              </a:r>
-              <a:r>
-                <a:rPr lang="en-US" sz="1372" dirty="0">
-                  <a:solidFill>
-                    <a:srgbClr val="FFFFFF"/>
-                  </a:solidFill>
-                  <a:cs typeface="Segoe UI Light" panose="020B0502040204020203" pitchFamily="34" charset="0"/>
-                </a:rPr>
-                <a:t>/MONTH)</a:t>
-              </a:r>
-              <a:endParaRPr lang="en-US" sz="1961" dirty="0">
-                <a:solidFill>
-                  <a:srgbClr val="FFFFFF"/>
-                </a:solidFill>
-                <a:cs typeface="Segoe UI Light" panose="020B0502040204020203" pitchFamily="34" charset="0"/>
-              </a:endParaRPr>
-            </a:p>
-          </p:txBody>
-        </p:sp>
-      </p:grpSp>
-      <p:grpSp>
-        <p:nvGrpSpPr>
-          <p:cNvPr id="5" name="Group 4"/>
-          <p:cNvGrpSpPr/>
-          <p:nvPr/>
-        </p:nvGrpSpPr>
-        <p:grpSpPr>
-          <a:xfrm>
-            <a:off x="228133" y="3688555"/>
-            <a:ext cx="3322443" cy="2942586"/>
-            <a:chOff x="232706" y="3762021"/>
-            <a:chExt cx="3389065" cy="3001591"/>
-          </a:xfrm>
-        </p:grpSpPr>
-        <p:sp>
-          <p:nvSpPr>
-            <p:cNvPr id="20" name="Rectangle 19"/>
-            <p:cNvSpPr/>
-            <p:nvPr/>
-          </p:nvSpPr>
-          <p:spPr>
-            <a:xfrm>
-              <a:off x="232706" y="3762021"/>
-              <a:ext cx="1961025" cy="3001591"/>
-            </a:xfrm>
-            <a:prstGeom prst="rect">
-              <a:avLst/>
-            </a:prstGeom>
-          </p:spPr>
-          <p:txBody>
-            <a:bodyPr wrap="square" anchor="b">
-              <a:spAutoFit/>
-            </a:bodyPr>
-            <a:lstStyle/>
-            <a:p>
-              <a:pPr algn="ctr">
-                <a:lnSpc>
-                  <a:spcPct val="95000"/>
-                </a:lnSpc>
-                <a:buSzPct val="90000"/>
-              </a:pPr>
-              <a:r>
-                <a:rPr lang="en-US" sz="19508" spc="-294" dirty="0">
-                  <a:solidFill>
-                    <a:schemeClr val="bg1"/>
-                  </a:solidFill>
-                  <a:latin typeface="Segoe UI Light" panose="020B0502040204020203" pitchFamily="34" charset="0"/>
-                  <a:cs typeface="Segoe UI Light" panose="020B0502040204020203" pitchFamily="34" charset="0"/>
-                </a:rPr>
-                <a:t>8</a:t>
-              </a:r>
-              <a:endParaRPr lang="en-US" sz="9411" spc="-294" dirty="0">
-                <a:solidFill>
-                  <a:schemeClr val="bg1"/>
-                </a:solidFill>
-                <a:latin typeface="Segoe UI Light" panose="020B0502040204020203" pitchFamily="34" charset="0"/>
-                <a:cs typeface="Segoe UI Light" panose="020B0502040204020203" pitchFamily="34" charset="0"/>
-              </a:endParaRPr>
-            </a:p>
-          </p:txBody>
-        </p:sp>
-        <p:sp>
-          <p:nvSpPr>
-            <p:cNvPr id="30" name="TextBox 29"/>
-            <p:cNvSpPr txBox="1"/>
-            <p:nvPr/>
-          </p:nvSpPr>
-          <p:spPr>
-            <a:xfrm>
-              <a:off x="608626" y="6292972"/>
-              <a:ext cx="2313382" cy="369332"/>
-            </a:xfrm>
-            <a:prstGeom prst="rect">
-              <a:avLst/>
-            </a:prstGeom>
-            <a:noFill/>
-          </p:spPr>
-          <p:txBody>
-            <a:bodyPr wrap="square" rtlCol="0">
-              <a:spAutoFit/>
-            </a:bodyPr>
-            <a:lstStyle/>
-            <a:p>
-              <a:pPr algn="ctr"/>
-              <a:r>
-                <a:rPr lang="en-US" sz="1765" dirty="0">
-                  <a:solidFill>
-                    <a:srgbClr val="FFFFFF"/>
-                  </a:solidFill>
-                </a:rPr>
-                <a:t>STORAGE OBJECTS</a:t>
-              </a:r>
-            </a:p>
-          </p:txBody>
-        </p:sp>
-        <p:sp>
-          <p:nvSpPr>
-            <p:cNvPr id="37" name="Rectangle 36"/>
-            <p:cNvSpPr/>
-            <p:nvPr/>
-          </p:nvSpPr>
-          <p:spPr>
-            <a:xfrm rot="16200000">
-              <a:off x="2506137" y="4835778"/>
-              <a:ext cx="1788069" cy="443198"/>
-            </a:xfrm>
-            <a:prstGeom prst="rect">
-              <a:avLst/>
-            </a:prstGeom>
-          </p:spPr>
-          <p:txBody>
-            <a:bodyPr wrap="square" anchor="ctr">
-              <a:spAutoFit/>
-            </a:bodyPr>
-            <a:lstStyle/>
-            <a:p>
-              <a:pPr algn="ctr">
-                <a:lnSpc>
-                  <a:spcPct val="95000"/>
-                </a:lnSpc>
-                <a:buSzPct val="90000"/>
-              </a:pPr>
-              <a:r>
-                <a:rPr lang="en-US" sz="2353" b="1" dirty="0">
-                  <a:solidFill>
-                    <a:srgbClr val="11C1FF"/>
-                  </a:solidFill>
-                  <a:cs typeface="Segoe UI Light" panose="020B0502040204020203" pitchFamily="34" charset="0"/>
-                </a:rPr>
-                <a:t>TRILLION</a:t>
-              </a:r>
-              <a:endParaRPr lang="en-US" sz="3137" b="1" dirty="0">
-                <a:solidFill>
-                  <a:srgbClr val="11C1FF"/>
-                </a:solidFill>
-                <a:cs typeface="Segoe UI Light" panose="020B0502040204020203" pitchFamily="34" charset="0"/>
-              </a:endParaRPr>
-            </a:p>
-          </p:txBody>
-        </p:sp>
-        <p:sp>
-          <p:nvSpPr>
-            <p:cNvPr id="38" name="Rectangle 37"/>
-            <p:cNvSpPr/>
-            <p:nvPr/>
-          </p:nvSpPr>
-          <p:spPr>
-            <a:xfrm>
-              <a:off x="1675426" y="3762021"/>
-              <a:ext cx="1850094" cy="3001591"/>
-            </a:xfrm>
-            <a:prstGeom prst="rect">
-              <a:avLst/>
-            </a:prstGeom>
-          </p:spPr>
-          <p:txBody>
-            <a:bodyPr wrap="square" anchor="b">
-              <a:spAutoFit/>
-            </a:bodyPr>
-            <a:lstStyle/>
-            <a:p>
-              <a:pPr algn="ctr">
-                <a:lnSpc>
-                  <a:spcPct val="95000"/>
-                </a:lnSpc>
-                <a:buSzPct val="90000"/>
-              </a:pPr>
-              <a:r>
-                <a:rPr lang="en-US" sz="19508" spc="-294" dirty="0">
-                  <a:solidFill>
-                    <a:schemeClr val="bg1"/>
-                  </a:solidFill>
-                  <a:latin typeface="Segoe UI Light" panose="020B0502040204020203" pitchFamily="34" charset="0"/>
-                  <a:cs typeface="Segoe UI Light" panose="020B0502040204020203" pitchFamily="34" charset="0"/>
-                </a:rPr>
-                <a:t>5</a:t>
-              </a:r>
-              <a:endParaRPr lang="en-US" sz="9411" spc="-294" dirty="0">
-                <a:solidFill>
-                  <a:schemeClr val="bg1"/>
-                </a:solidFill>
-                <a:latin typeface="Segoe UI Light" panose="020B0502040204020203" pitchFamily="34" charset="0"/>
-                <a:cs typeface="Segoe UI Light" panose="020B0502040204020203" pitchFamily="34" charset="0"/>
-              </a:endParaRPr>
-            </a:p>
-          </p:txBody>
-        </p:sp>
-        <p:sp>
-          <p:nvSpPr>
-            <p:cNvPr id="2" name="Oval 1"/>
-            <p:cNvSpPr/>
-            <p:nvPr/>
-          </p:nvSpPr>
-          <p:spPr bwMode="auto">
-            <a:xfrm>
-              <a:off x="1798826" y="5928878"/>
-              <a:ext cx="217922" cy="217922"/>
-            </a:xfrm>
-            <a:prstGeom prst="ellipse">
-              <a:avLst/>
-            </a:prstGeom>
-            <a:solidFill>
-              <a:schemeClr val="tx1"/>
-            </a:solidFill>
-            <a:ln>
-              <a:noFill/>
-              <a:headEnd type="none" w="med" len="med"/>
-              <a:tailEnd type="none" w="med" len="med"/>
-            </a:ln>
-            <a:effectLst/>
-          </p:spPr>
-          <p:style>
-            <a:lnRef idx="1">
-              <a:schemeClr val="accent2"/>
-            </a:lnRef>
-            <a:fillRef idx="3">
-              <a:schemeClr val="accent2"/>
-            </a:fillRef>
-            <a:effectRef idx="2">
-              <a:schemeClr val="accent2"/>
-            </a:effectRef>
-            <a:fontRef idx="minor">
-              <a:schemeClr val="lt1"/>
-            </a:fontRef>
-          </p:style>
-          <p:txBody>
-            <a:bodyPr lIns="89642" tIns="89642" rIns="33620" bIns="33620" rtlCol="0" anchor="t" anchorCtr="0"/>
-            <a:lstStyle/>
-            <a:p>
-              <a:pPr algn="ctr" defTabSz="914038"/>
-              <a:endParaRPr lang="en-US" sz="1568" spc="-100" dirty="0">
-                <a:gradFill>
-                  <a:gsLst>
-                    <a:gs pos="0">
-                      <a:srgbClr val="FFFFFF"/>
-                    </a:gs>
-                    <a:gs pos="100000">
-                      <a:srgbClr val="FFFFFF"/>
-                    </a:gs>
-                  </a:gsLst>
-                  <a:lin ang="5400000" scaled="0"/>
-                </a:gradFill>
-                <a:ea typeface="Segoe UI" pitchFamily="34" charset="0"/>
-                <a:cs typeface="Segoe UI" pitchFamily="34" charset="0"/>
-              </a:endParaRPr>
-            </a:p>
-          </p:txBody>
-        </p:sp>
-        <p:sp>
-          <p:nvSpPr>
-            <p:cNvPr id="40" name="Oval 39"/>
-            <p:cNvSpPr/>
-            <p:nvPr/>
-          </p:nvSpPr>
-          <p:spPr bwMode="auto">
-            <a:xfrm>
-              <a:off x="3282186" y="5928878"/>
-              <a:ext cx="217922" cy="217922"/>
-            </a:xfrm>
-            <a:prstGeom prst="ellipse">
-              <a:avLst/>
-            </a:prstGeom>
-            <a:solidFill>
-              <a:srgbClr val="11C1FF"/>
-            </a:solidFill>
-            <a:ln>
-              <a:noFill/>
-              <a:headEnd type="none" w="med" len="med"/>
-              <a:tailEnd type="none" w="med" len="med"/>
-            </a:ln>
-            <a:effectLst/>
-          </p:spPr>
-          <p:style>
-            <a:lnRef idx="1">
-              <a:schemeClr val="accent2"/>
-            </a:lnRef>
-            <a:fillRef idx="3">
-              <a:schemeClr val="accent2"/>
-            </a:fillRef>
-            <a:effectRef idx="2">
-              <a:schemeClr val="accent2"/>
-            </a:effectRef>
-            <a:fontRef idx="minor">
-              <a:schemeClr val="lt1"/>
-            </a:fontRef>
-          </p:style>
-          <p:txBody>
-            <a:bodyPr lIns="89642" tIns="89642" rIns="33620" bIns="33620" rtlCol="0" anchor="t" anchorCtr="0"/>
-            <a:lstStyle/>
-            <a:p>
-              <a:pPr algn="ctr" defTabSz="914038"/>
-              <a:endParaRPr lang="en-US" sz="1568" spc="-100" dirty="0">
-                <a:gradFill>
-                  <a:gsLst>
-                    <a:gs pos="0">
-                      <a:srgbClr val="FFFFFF"/>
-                    </a:gs>
-                    <a:gs pos="100000">
-                      <a:srgbClr val="FFFFFF"/>
-                    </a:gs>
-                  </a:gsLst>
-                  <a:lin ang="5400000" scaled="0"/>
-                </a:gradFill>
-                <a:ea typeface="Segoe UI" pitchFamily="34" charset="0"/>
-                <a:cs typeface="Segoe UI" pitchFamily="34" charset="0"/>
-              </a:endParaRPr>
-            </a:p>
-          </p:txBody>
-        </p:sp>
-      </p:grpSp>
-    </p:spTree>
-    <p:extLst>
-      <p:ext uri="{BB962C8B-B14F-4D97-AF65-F5344CB8AC3E}">
-        <p14:creationId xmlns:p14="http://schemas.microsoft.com/office/powerpoint/2010/main" val="258558826"/>
-      </p:ext>
-    </p:extLst>
-  </p:cSld>
-  <p:clrMapOvr>
-    <a:masterClrMapping/>
-  </p:clrMapOvr>
-  <mc:AlternateContent xmlns:mc="http://schemas.openxmlformats.org/markup-compatibility/2006" xmlns:p14="http://schemas.microsoft.com/office/powerpoint/2010/main">
-    <mc:Choice Requires="p14">
-      <p:transition spd="med" p14:dur="700">
-        <p:fade/>
-      </p:transition>
-    </mc:Choice>
-    <mc:Fallback xmlns="">
-      <p:transition spd="med">
-        <p:fade/>
-      </p:transition>
-    </mc:Fallback>
-  </mc:AlternateContent>
-  <p:timing>
-    <p:tnLst>
-      <p:par>
-        <p:cTn id="1" dur="indefinite" restart="never" nodeType="tmRoot">
-          <p:childTnLst>
-            <p:seq concurrent="1" nextAc="seek">
-              <p:cTn id="2" dur="indefinite" nodeType="mainSeq">
-                <p:childTnLst>
-                  <p:par>
-                    <p:cTn id="3" fill="hold">
-                      <p:stCondLst>
-                        <p:cond delay="indefinite"/>
-                        <p:cond evt="onBegin" delay="0">
-                          <p:tn val="2"/>
-                        </p:cond>
-                      </p:stCondLst>
-                      <p:childTnLst>
-                        <p:par>
-                          <p:cTn id="4" fill="hold">
-                            <p:stCondLst>
-                              <p:cond delay="0"/>
-                            </p:stCondLst>
-                            <p:childTnLst>
-                              <p:par>
-                                <p:cTn id="5" presetID="22" presetClass="entr" presetSubtype="8" fill="hold" nodeType="withEffect">
-                                  <p:stCondLst>
-                                    <p:cond delay="0"/>
-                                  </p:stCondLst>
-                                  <p:childTnLst>
-                                    <p:set>
-                                      <p:cBhvr>
-                                        <p:cTn id="6" dur="1" fill="hold">
-                                          <p:stCondLst>
-                                            <p:cond delay="0"/>
-                                          </p:stCondLst>
-                                        </p:cTn>
-                                        <p:tgtEl>
-                                          <p:spTgt spid="27"/>
-                                        </p:tgtEl>
-                                        <p:attrNameLst>
-                                          <p:attrName>style.visibility</p:attrName>
-                                        </p:attrNameLst>
-                                      </p:cBhvr>
-                                      <p:to>
-                                        <p:strVal val="visible"/>
-                                      </p:to>
-                                    </p:set>
-                                    <p:animEffect transition="in" filter="wipe(left)">
-                                      <p:cBhvr>
-                                        <p:cTn id="7" dur="500"/>
-                                        <p:tgtEl>
-                                          <p:spTgt spid="27"/>
-                                        </p:tgtEl>
-                                      </p:cBhvr>
-                                    </p:animEffect>
-                                  </p:childTnLst>
-                                </p:cTn>
-                              </p:par>
-                              <p:par>
-                                <p:cTn id="8" presetID="22" presetClass="entr" presetSubtype="8" fill="hold" nodeType="withEffect">
-                                  <p:stCondLst>
-                                    <p:cond delay="0"/>
-                                  </p:stCondLst>
-                                  <p:childTnLst>
-                                    <p:set>
-                                      <p:cBhvr>
-                                        <p:cTn id="9" dur="1" fill="hold">
-                                          <p:stCondLst>
-                                            <p:cond delay="0"/>
-                                          </p:stCondLst>
-                                        </p:cTn>
-                                        <p:tgtEl>
-                                          <p:spTgt spid="31"/>
-                                        </p:tgtEl>
-                                        <p:attrNameLst>
-                                          <p:attrName>style.visibility</p:attrName>
-                                        </p:attrNameLst>
-                                      </p:cBhvr>
-                                      <p:to>
-                                        <p:strVal val="visible"/>
-                                      </p:to>
-                                    </p:set>
-                                    <p:animEffect transition="in" filter="wipe(left)">
-                                      <p:cBhvr>
-                                        <p:cTn id="10" dur="500"/>
-                                        <p:tgtEl>
-                                          <p:spTgt spid="31"/>
-                                        </p:tgtEl>
-                                      </p:cBhvr>
-                                    </p:animEffect>
-                                  </p:childTnLst>
-                                </p:cTn>
-                              </p:par>
-                              <p:par>
-                                <p:cTn id="11" presetID="22" presetClass="entr" presetSubtype="8" fill="hold" nodeType="withEffect">
-                                  <p:stCondLst>
-                                    <p:cond delay="0"/>
-                                  </p:stCondLst>
-                                  <p:childTnLst>
-                                    <p:set>
-                                      <p:cBhvr>
-                                        <p:cTn id="12" dur="1" fill="hold">
-                                          <p:stCondLst>
-                                            <p:cond delay="0"/>
-                                          </p:stCondLst>
-                                        </p:cTn>
-                                        <p:tgtEl>
-                                          <p:spTgt spid="32"/>
-                                        </p:tgtEl>
-                                        <p:attrNameLst>
-                                          <p:attrName>style.visibility</p:attrName>
-                                        </p:attrNameLst>
-                                      </p:cBhvr>
-                                      <p:to>
-                                        <p:strVal val="visible"/>
-                                      </p:to>
-                                    </p:set>
-                                    <p:animEffect transition="in" filter="wipe(left)">
-                                      <p:cBhvr>
-                                        <p:cTn id="13" dur="500"/>
-                                        <p:tgtEl>
-                                          <p:spTgt spid="32"/>
-                                        </p:tgtEl>
-                                      </p:cBhvr>
-                                    </p:animEffect>
-                                  </p:childTnLst>
-                                </p:cTn>
-                              </p:par>
-                              <p:par>
-                                <p:cTn id="14" presetID="10" presetClass="entr" presetSubtype="0" fill="hold" nodeType="withEffect">
-                                  <p:stCondLst>
-                                    <p:cond delay="100"/>
-                                  </p:stCondLst>
-                                  <p:childTnLst>
-                                    <p:set>
-                                      <p:cBhvr>
-                                        <p:cTn id="15" dur="1" fill="hold">
-                                          <p:stCondLst>
-                                            <p:cond delay="0"/>
-                                          </p:stCondLst>
-                                        </p:cTn>
-                                        <p:tgtEl>
-                                          <p:spTgt spid="15"/>
-                                        </p:tgtEl>
-                                        <p:attrNameLst>
-                                          <p:attrName>style.visibility</p:attrName>
-                                        </p:attrNameLst>
-                                      </p:cBhvr>
-                                      <p:to>
-                                        <p:strVal val="visible"/>
-                                      </p:to>
-                                    </p:set>
-                                    <p:animEffect transition="in" filter="fade">
-                                      <p:cBhvr>
-                                        <p:cTn id="16" dur="250"/>
-                                        <p:tgtEl>
-                                          <p:spTgt spid="15"/>
-                                        </p:tgtEl>
-                                      </p:cBhvr>
-                                    </p:animEffect>
-                                  </p:childTnLst>
-                                </p:cTn>
-                              </p:par>
-                              <p:par>
-                                <p:cTn id="17" presetID="10" presetClass="entr" presetSubtype="0" fill="hold" nodeType="withEffect">
-                                  <p:stCondLst>
-                                    <p:cond delay="200"/>
-                                  </p:stCondLst>
-                                  <p:childTnLst>
-                                    <p:set>
-                                      <p:cBhvr>
-                                        <p:cTn id="18" dur="1" fill="hold">
-                                          <p:stCondLst>
-                                            <p:cond delay="0"/>
-                                          </p:stCondLst>
-                                        </p:cTn>
-                                        <p:tgtEl>
-                                          <p:spTgt spid="16"/>
-                                        </p:tgtEl>
-                                        <p:attrNameLst>
-                                          <p:attrName>style.visibility</p:attrName>
-                                        </p:attrNameLst>
-                                      </p:cBhvr>
-                                      <p:to>
-                                        <p:strVal val="visible"/>
-                                      </p:to>
-                                    </p:set>
-                                    <p:animEffect transition="in" filter="fade">
-                                      <p:cBhvr>
-                                        <p:cTn id="19" dur="250"/>
-                                        <p:tgtEl>
-                                          <p:spTgt spid="16"/>
-                                        </p:tgtEl>
-                                      </p:cBhvr>
-                                    </p:animEffect>
-                                  </p:childTnLst>
-                                </p:cTn>
-                              </p:par>
-                              <p:par>
-                                <p:cTn id="20" presetID="10" presetClass="entr" presetSubtype="0" fill="hold" nodeType="withEffect">
-                                  <p:stCondLst>
-                                    <p:cond delay="250"/>
-                                  </p:stCondLst>
-                                  <p:childTnLst>
-                                    <p:set>
-                                      <p:cBhvr>
-                                        <p:cTn id="21" dur="1" fill="hold">
-                                          <p:stCondLst>
-                                            <p:cond delay="0"/>
-                                          </p:stCondLst>
-                                        </p:cTn>
-                                        <p:tgtEl>
-                                          <p:spTgt spid="4"/>
-                                        </p:tgtEl>
-                                        <p:attrNameLst>
-                                          <p:attrName>style.visibility</p:attrName>
-                                        </p:attrNameLst>
-                                      </p:cBhvr>
-                                      <p:to>
-                                        <p:strVal val="visible"/>
-                                      </p:to>
-                                    </p:set>
-                                    <p:animEffect transition="in" filter="fade">
-                                      <p:cBhvr>
-                                        <p:cTn id="22" dur="250"/>
-                                        <p:tgtEl>
-                                          <p:spTgt spid="4"/>
-                                        </p:tgtEl>
-                                      </p:cBhvr>
-                                    </p:animEffect>
-                                  </p:childTnLst>
-                                </p:cTn>
-                              </p:par>
-                              <p:par>
-                                <p:cTn id="23" presetID="10" presetClass="entr" presetSubtype="0" fill="hold" nodeType="withEffect">
-                                  <p:stCondLst>
-                                    <p:cond delay="300"/>
-                                  </p:stCondLst>
-                                  <p:childTnLst>
-                                    <p:set>
-                                      <p:cBhvr>
-                                        <p:cTn id="24" dur="1" fill="hold">
-                                          <p:stCondLst>
-                                            <p:cond delay="0"/>
-                                          </p:stCondLst>
-                                        </p:cTn>
-                                        <p:tgtEl>
-                                          <p:spTgt spid="17"/>
-                                        </p:tgtEl>
-                                        <p:attrNameLst>
-                                          <p:attrName>style.visibility</p:attrName>
-                                        </p:attrNameLst>
-                                      </p:cBhvr>
-                                      <p:to>
-                                        <p:strVal val="visible"/>
-                                      </p:to>
-                                    </p:set>
-                                    <p:animEffect transition="in" filter="fade">
-                                      <p:cBhvr>
-                                        <p:cTn id="25" dur="250"/>
-                                        <p:tgtEl>
-                                          <p:spTgt spid="17"/>
-                                        </p:tgtEl>
-                                      </p:cBhvr>
-                                    </p:animEffect>
-                                  </p:childTnLst>
-                                </p:cTn>
-                              </p:par>
-                              <p:par>
-                                <p:cTn id="26" presetID="10" presetClass="entr" presetSubtype="0" fill="hold" nodeType="withEffect">
-                                  <p:stCondLst>
-                                    <p:cond delay="250"/>
-                                  </p:stCondLst>
-                                  <p:childTnLst>
-                                    <p:set>
-                                      <p:cBhvr>
-                                        <p:cTn id="27" dur="1" fill="hold">
-                                          <p:stCondLst>
-                                            <p:cond delay="0"/>
-                                          </p:stCondLst>
-                                        </p:cTn>
-                                        <p:tgtEl>
-                                          <p:spTgt spid="29"/>
-                                        </p:tgtEl>
-                                        <p:attrNameLst>
-                                          <p:attrName>style.visibility</p:attrName>
-                                        </p:attrNameLst>
-                                      </p:cBhvr>
-                                      <p:to>
-                                        <p:strVal val="visible"/>
-                                      </p:to>
-                                    </p:set>
-                                    <p:animEffect transition="in" filter="fade">
-                                      <p:cBhvr>
-                                        <p:cTn id="28" dur="250"/>
-                                        <p:tgtEl>
-                                          <p:spTgt spid="29"/>
-                                        </p:tgtEl>
-                                      </p:cBhvr>
-                                    </p:animEffect>
-                                  </p:childTnLst>
-                                </p:cTn>
-                              </p:par>
-                              <p:par>
-                                <p:cTn id="29" presetID="10" presetClass="entr" presetSubtype="0" fill="hold" nodeType="withEffect">
-                                  <p:stCondLst>
-                                    <p:cond delay="250"/>
-                                  </p:stCondLst>
-                                  <p:childTnLst>
-                                    <p:set>
-                                      <p:cBhvr>
-                                        <p:cTn id="30" dur="1" fill="hold">
-                                          <p:stCondLst>
-                                            <p:cond delay="0"/>
-                                          </p:stCondLst>
-                                        </p:cTn>
-                                        <p:tgtEl>
-                                          <p:spTgt spid="5"/>
-                                        </p:tgtEl>
-                                        <p:attrNameLst>
-                                          <p:attrName>style.visibility</p:attrName>
-                                        </p:attrNameLst>
-                                      </p:cBhvr>
-                                      <p:to>
-                                        <p:strVal val="visible"/>
-                                      </p:to>
-                                    </p:set>
-                                    <p:animEffect transition="in" filter="fade">
-                                      <p:cBhvr>
-                                        <p:cTn id="31" dur="250"/>
-                                        <p:tgtEl>
-                                          <p:spTgt spid="5"/>
-                                        </p:tgtEl>
-                                      </p:cBhvr>
-                                    </p:animEffect>
-                                  </p:childTnLst>
-                                </p:cTn>
-                              </p:par>
-                            </p:childTnLst>
-                          </p:cTn>
-                        </p:par>
-                      </p:childTnLst>
-                    </p:cTn>
-                  </p:par>
-                </p:childTnLst>
-              </p:cTn>
-              <p:prevCondLst>
-                <p:cond evt="onPrev" delay="0">
-                  <p:tgtEl>
-                    <p:sldTgt/>
-                  </p:tgtEl>
-                </p:cond>
-              </p:prevCondLst>
-              <p:nextCondLst>
-                <p:cond evt="onNext" delay="0">
-                  <p:tgtEl>
-                    <p:sldTgt/>
-                  </p:tgtEl>
-                </p:cond>
-              </p:nextCondLst>
-            </p:seq>
-          </p:childTnLst>
-        </p:cTn>
-      </p:par>
-    </p:tnLst>
-  </p:timing>
-</p:sld>
-</file>
-
-<file path=ppt/slides/slide9.xml><?xml version="1.0" encoding="utf-8"?>
-<p:sld xmlns:a="http://schemas.openxmlformats.org/drawingml/2006/main" xmlns:r="http://schemas.openxmlformats.org/officeDocument/2006/relationships" xmlns:p="http://schemas.openxmlformats.org/presentationml/2006/main">
-  <p:cSld>
-    <p:spTree>
-      <p:nvGrpSpPr>
-        <p:cNvPr id="1" name=""/>
-        <p:cNvGrpSpPr/>
-        <p:nvPr/>
-      </p:nvGrpSpPr>
-      <p:grpSpPr>
-        <a:xfrm>
-          <a:off x="0" y="0"/>
-          <a:ext cx="0" cy="0"/>
-          <a:chOff x="0" y="0"/>
-          <a:chExt cx="0" cy="0"/>
-        </a:xfrm>
-      </p:grpSpPr>
-      <p:sp>
-        <p:nvSpPr>
-          <p:cNvPr id="2" name="Title 1"/>
-          <p:cNvSpPr>
-            <a:spLocks noGrp="1"/>
-          </p:cNvSpPr>
-          <p:nvPr>
-            <p:ph type="title"/>
-          </p:nvPr>
-        </p:nvSpPr>
-        <p:spPr>
-          <a:xfrm>
-            <a:off x="560798" y="457199"/>
-            <a:ext cx="5883545" cy="1936679"/>
-          </a:xfrm>
-        </p:spPr>
-        <p:txBody>
-          <a:bodyPr/>
-          <a:lstStyle/>
-          <a:p>
-            <a:r>
-              <a:rPr lang="en-US" dirty="0" smtClean="0"/>
-              <a:t>Windows Azure portal experience</a:t>
-            </a:r>
-            <a:endParaRPr lang="en-US" dirty="0"/>
-          </a:p>
-        </p:txBody>
-      </p:sp>
-      <p:sp>
-        <p:nvSpPr>
-          <p:cNvPr id="6" name="Text Placeholder 5"/>
-          <p:cNvSpPr>
-            <a:spLocks noGrp="1"/>
-          </p:cNvSpPr>
-          <p:nvPr>
-            <p:ph type="body" sz="half" idx="2"/>
-          </p:nvPr>
-        </p:nvSpPr>
-        <p:spPr>
-          <a:xfrm>
-            <a:off x="560798" y="2604070"/>
-            <a:ext cx="5883545" cy="3264917"/>
-          </a:xfrm>
-        </p:spPr>
-        <p:txBody>
-          <a:bodyPr/>
-          <a:lstStyle/>
-          <a:p>
-            <a:pPr marL="342900" indent="-342900">
-              <a:buFont typeface="Arial" panose="020B0604020202020204" pitchFamily="34" charset="0"/>
-              <a:buChar char="•"/>
-            </a:pPr>
-            <a:r>
-              <a:rPr lang="en-US" dirty="0" smtClean="0"/>
-              <a:t>Bullets here</a:t>
-            </a:r>
-          </a:p>
-          <a:p>
-            <a:pPr marL="342900" indent="-342900">
-              <a:buFont typeface="Arial" panose="020B0604020202020204" pitchFamily="34" charset="0"/>
-              <a:buChar char="•"/>
-            </a:pPr>
-            <a:r>
-              <a:rPr lang="en-US" dirty="0"/>
-              <a:t>Bullets here</a:t>
-            </a:r>
-          </a:p>
-          <a:p>
-            <a:pPr marL="342900" indent="-342900">
-              <a:buFont typeface="Arial" panose="020B0604020202020204" pitchFamily="34" charset="0"/>
-              <a:buChar char="•"/>
-            </a:pPr>
-            <a:r>
-              <a:rPr lang="en-US" dirty="0"/>
-              <a:t>Bullets here</a:t>
-            </a:r>
-          </a:p>
-          <a:p>
-            <a:pPr marL="342900" indent="-342900">
-              <a:buFont typeface="Arial" panose="020B0604020202020204" pitchFamily="34" charset="0"/>
-              <a:buChar char="•"/>
-            </a:pPr>
-            <a:r>
-              <a:rPr lang="en-US" dirty="0"/>
-              <a:t>Bullets here</a:t>
-            </a:r>
-          </a:p>
-          <a:p>
-            <a:pPr marL="342900" indent="-342900">
-              <a:buFont typeface="Arial" panose="020B0604020202020204" pitchFamily="34" charset="0"/>
-              <a:buChar char="•"/>
-            </a:pPr>
-            <a:endParaRPr lang="en-US" dirty="0"/>
-          </a:p>
-        </p:txBody>
-      </p:sp>
-      <p:pic>
-        <p:nvPicPr>
-          <p:cNvPr id="9" name="Picture 8"/>
-          <p:cNvPicPr>
-            <a:picLocks noChangeAspect="1"/>
-          </p:cNvPicPr>
-          <p:nvPr/>
-        </p:nvPicPr>
-        <p:blipFill rotWithShape="1">
-          <a:blip r:embed="rId2" cstate="print">
-            <a:extLst>
-              <a:ext uri="{28A0092B-C50C-407E-A947-70E740481C1C}">
-                <a14:useLocalDpi xmlns:a14="http://schemas.microsoft.com/office/drawing/2010/main" val="0"/>
-              </a:ext>
-            </a:extLst>
-          </a:blip>
-          <a:srcRect b="14927"/>
-          <a:stretch/>
-        </p:blipFill>
-        <p:spPr>
-          <a:xfrm>
-            <a:off x="6787194" y="1149850"/>
-            <a:ext cx="4772722" cy="5834270"/>
-          </a:xfrm>
-          <a:prstGeom prst="rect">
-            <a:avLst/>
-          </a:prstGeom>
-        </p:spPr>
-      </p:pic>
-    </p:spTree>
-    <p:extLst>
-      <p:ext uri="{BB962C8B-B14F-4D97-AF65-F5344CB8AC3E}">
-        <p14:creationId xmlns:p14="http://schemas.microsoft.com/office/powerpoint/2010/main" val="1786688295"/>
-      </p:ext>
-    </p:extLst>
-  </p:cSld>
-  <p:clrMapOvr>
-    <a:masterClrMapping/>
-  </p:clrMapOvr>
-  <p:timing>
-    <p:tnLst>
-      <p:par>
-        <p:cTn id="1" dur="indefinite" restart="never" nodeType="tmRoot">
-          <p:childTnLst>
-            <p:seq concurrent="1" nextAc="seek">
-              <p:cTn id="2" dur="indefinite" nodeType="mainSeq">
-                <p:childTnLst>
-                  <p:par>
-                    <p:cTn id="3" fill="hold">
-                      <p:stCondLst>
-                        <p:cond delay="indefinite"/>
-                        <p:cond evt="onBegin" delay="0">
-                          <p:tn val="2"/>
-                        </p:cond>
-                      </p:stCondLst>
-                      <p:childTnLst>
-                        <p:par>
-                          <p:cTn id="4" fill="hold">
-                            <p:stCondLst>
-                              <p:cond delay="0"/>
-                            </p:stCondLst>
-                            <p:childTnLst>
-                              <p:par>
-                                <p:cTn id="5" presetID="22" presetClass="entr" presetSubtype="1" fill="hold" nodeType="afterEffect">
-                                  <p:stCondLst>
-                                    <p:cond delay="0"/>
-                                  </p:stCondLst>
-                                  <p:childTnLst>
-                                    <p:set>
-                                      <p:cBhvr>
-                                        <p:cTn id="6" dur="1" fill="hold">
-                                          <p:stCondLst>
-                                            <p:cond delay="0"/>
-                                          </p:stCondLst>
-                                        </p:cTn>
-                                        <p:tgtEl>
-                                          <p:spTgt spid="9"/>
-                                        </p:tgtEl>
-                                        <p:attrNameLst>
-                                          <p:attrName>style.visibility</p:attrName>
-                                        </p:attrNameLst>
-                                      </p:cBhvr>
-                                      <p:to>
-                                        <p:strVal val="visible"/>
-                                      </p:to>
-                                    </p:set>
-                                    <p:animEffect transition="in" filter="wipe(up)">
-                                      <p:cBhvr>
-                                        <p:cTn id="7" dur="500"/>
-                                        <p:tgtEl>
-                                          <p:spTgt spid="9"/>
-                                        </p:tgtEl>
-                                      </p:cBhvr>
-                                    </p:animEffect>
-                                  </p:childTnLst>
-                                </p:cTn>
-                              </p:par>
-                            </p:childTnLst>
-                          </p:cTn>
-                        </p:par>
-                      </p:childTnLst>
-                    </p:cTn>
-                  </p:par>
-                </p:childTnLst>
-              </p:cTn>
-              <p:prevCondLst>
-                <p:cond evt="onPrev" delay="0">
-                  <p:tgtEl>
-                    <p:sldTgt/>
-                  </p:tgtEl>
-                </p:cond>
-              </p:prevCondLst>
-              <p:nextCondLst>
-                <p:cond evt="onNext" delay="0">
-                  <p:tgtEl>
-                    <p:sldTgt/>
-                  </p:tgtEl>
-                </p:cond>
-              </p:nextCondLst>
-            </p:seq>
-          </p:childTnLst>
-        </p:cTn>
       </p:par>
     </p:tnLst>
   </p:timing>

--- a/6-ASPNET-in-Production.pptx
+++ b/6-ASPNET-in-Production.pptx
@@ -9,16 +9,44 @@
     <p:sldMasterId id="2147483741" r:id="rId5"/>
     <p:sldMasterId id="2147483748" r:id="rId6"/>
     <p:sldMasterId id="2147483758" r:id="rId7"/>
+    <p:sldMasterId id="2147483784" r:id="rId8"/>
   </p:sldMasterIdLst>
   <p:notesMasterIdLst>
-    <p:notesMasterId r:id="rId13"/>
+    <p:notesMasterId r:id="rId41"/>
   </p:notesMasterIdLst>
   <p:sldIdLst>
-    <p:sldId id="269" r:id="rId8"/>
-    <p:sldId id="270" r:id="rId9"/>
-    <p:sldId id="271" r:id="rId10"/>
-    <p:sldId id="272" r:id="rId11"/>
-    <p:sldId id="263" r:id="rId12"/>
+    <p:sldId id="269" r:id="rId9"/>
+    <p:sldId id="270" r:id="rId10"/>
+    <p:sldId id="271" r:id="rId11"/>
+    <p:sldId id="273" r:id="rId12"/>
+    <p:sldId id="274" r:id="rId13"/>
+    <p:sldId id="281" r:id="rId14"/>
+    <p:sldId id="278" r:id="rId15"/>
+    <p:sldId id="282" r:id="rId16"/>
+    <p:sldId id="279" r:id="rId17"/>
+    <p:sldId id="283" r:id="rId18"/>
+    <p:sldId id="284" r:id="rId19"/>
+    <p:sldId id="285" r:id="rId20"/>
+    <p:sldId id="288" r:id="rId21"/>
+    <p:sldId id="286" r:id="rId22"/>
+    <p:sldId id="287" r:id="rId23"/>
+    <p:sldId id="289" r:id="rId24"/>
+    <p:sldId id="290" r:id="rId25"/>
+    <p:sldId id="292" r:id="rId26"/>
+    <p:sldId id="293" r:id="rId27"/>
+    <p:sldId id="294" r:id="rId28"/>
+    <p:sldId id="295" r:id="rId29"/>
+    <p:sldId id="296" r:id="rId30"/>
+    <p:sldId id="297" r:id="rId31"/>
+    <p:sldId id="298" r:id="rId32"/>
+    <p:sldId id="299" r:id="rId33"/>
+    <p:sldId id="300" r:id="rId34"/>
+    <p:sldId id="301" r:id="rId35"/>
+    <p:sldId id="302" r:id="rId36"/>
+    <p:sldId id="303" r:id="rId37"/>
+    <p:sldId id="304" r:id="rId38"/>
+    <p:sldId id="272" r:id="rId39"/>
+    <p:sldId id="263" r:id="rId40"/>
   </p:sldIdLst>
   <p:sldSz cx="12192000" cy="6858000"/>
   <p:notesSz cx="6858000" cy="9144000"/>
@@ -207,7 +235,7 @@
           <a:p>
             <a:fld id="{0E990FE3-7537-4D15-A9F5-FDF1805FD5F8}" type="datetimeFigureOut">
               <a:rPr lang="en-US" smtClean="0"/>
-              <a:t>10/11/2013</a:t>
+              <a:t>10/19/2013</a:t>
             </a:fld>
             <a:endParaRPr lang="en-US"/>
           </a:p>
@@ -11555,9 +11583,17 @@
 </p:sldLayout>
 </file>
 
-<file path=ppt/slideLayouts/slideLayout6.xml><?xml version="1.0" encoding="utf-8"?>
+<file path=ppt/slideLayouts/slideLayout54.xml><?xml version="1.0" encoding="utf-8"?>
 <p:sldLayout xmlns:a="http://schemas.openxmlformats.org/drawingml/2006/main" xmlns:r="http://schemas.openxmlformats.org/officeDocument/2006/relationships" xmlns:p="http://schemas.openxmlformats.org/presentationml/2006/main" type="title" preserve="1">
   <p:cSld name="Title Slide">
+    <p:bg>
+      <p:bgPr>
+        <a:solidFill>
+          <a:srgbClr val="3C454F"/>
+        </a:solidFill>
+        <a:effectLst/>
+      </p:bgPr>
+    </p:bg>
     <p:spTree>
       <p:nvGrpSpPr>
         <p:cNvPr id="1" name=""/>
@@ -11674,7 +11710,2284 @@
     </p:spTree>
     <p:extLst>
       <p:ext uri="{BB962C8B-B14F-4D97-AF65-F5344CB8AC3E}">
+        <p14:creationId xmlns:p14="http://schemas.microsoft.com/office/powerpoint/2010/main" val="2944400433"/>
+      </p:ext>
+    </p:extLst>
+  </p:cSld>
+  <p:clrMapOvr>
+    <a:masterClrMapping/>
+  </p:clrMapOvr>
+  <p:timing>
+    <p:tnLst>
+      <p:par>
+        <p:cTn id="1" dur="indefinite" restart="never" nodeType="tmRoot"/>
+      </p:par>
+    </p:tnLst>
+  </p:timing>
+</p:sldLayout>
+</file>
+
+<file path=ppt/slideLayouts/slideLayout55.xml><?xml version="1.0" encoding="utf-8"?>
+<p:sldLayout xmlns:a="http://schemas.openxmlformats.org/drawingml/2006/main" xmlns:r="http://schemas.openxmlformats.org/officeDocument/2006/relationships" xmlns:p="http://schemas.openxmlformats.org/presentationml/2006/main" type="obj" preserve="1">
+  <p:cSld name="Title and Content">
+    <p:bg>
+      <p:bgPr>
+        <a:solidFill>
+          <a:srgbClr val="3C454F"/>
+        </a:solidFill>
+        <a:effectLst/>
+      </p:bgPr>
+    </p:bg>
+    <p:spTree>
+      <p:nvGrpSpPr>
+        <p:cNvPr id="1" name=""/>
+        <p:cNvGrpSpPr/>
+        <p:nvPr/>
+      </p:nvGrpSpPr>
+      <p:grpSpPr>
+        <a:xfrm>
+          <a:off x="0" y="0"/>
+          <a:ext cx="0" cy="0"/>
+          <a:chOff x="0" y="0"/>
+          <a:chExt cx="0" cy="0"/>
+        </a:xfrm>
+      </p:grpSpPr>
+      <p:sp>
+        <p:nvSpPr>
+          <p:cNvPr id="2" name="Title 1"/>
+          <p:cNvSpPr>
+            <a:spLocks noGrp="1"/>
+          </p:cNvSpPr>
+          <p:nvPr>
+            <p:ph type="title"/>
+          </p:nvPr>
+        </p:nvSpPr>
+        <p:spPr/>
+        <p:txBody>
+          <a:bodyPr/>
+          <a:lstStyle/>
+          <a:p>
+            <a:r>
+              <a:rPr lang="en-US" smtClean="0"/>
+              <a:t>Click to edit Master title style</a:t>
+            </a:r>
+            <a:endParaRPr lang="en-US"/>
+          </a:p>
+        </p:txBody>
+      </p:sp>
+      <p:sp>
+        <p:nvSpPr>
+          <p:cNvPr id="3" name="Content Placeholder 2"/>
+          <p:cNvSpPr>
+            <a:spLocks noGrp="1"/>
+          </p:cNvSpPr>
+          <p:nvPr>
+            <p:ph idx="1"/>
+          </p:nvPr>
+        </p:nvSpPr>
+        <p:spPr/>
+        <p:txBody>
+          <a:bodyPr/>
+          <a:lstStyle/>
+          <a:p>
+            <a:pPr lvl="0"/>
+            <a:r>
+              <a:rPr lang="en-US" smtClean="0"/>
+              <a:t>Click to edit Master text styles</a:t>
+            </a:r>
+          </a:p>
+          <a:p>
+            <a:pPr lvl="1"/>
+            <a:r>
+              <a:rPr lang="en-US" smtClean="0"/>
+              <a:t>Second level</a:t>
+            </a:r>
+          </a:p>
+          <a:p>
+            <a:pPr lvl="2"/>
+            <a:r>
+              <a:rPr lang="en-US" smtClean="0"/>
+              <a:t>Third level</a:t>
+            </a:r>
+          </a:p>
+          <a:p>
+            <a:pPr lvl="3"/>
+            <a:r>
+              <a:rPr lang="en-US" smtClean="0"/>
+              <a:t>Fourth level</a:t>
+            </a:r>
+          </a:p>
+          <a:p>
+            <a:pPr lvl="4"/>
+            <a:r>
+              <a:rPr lang="en-US" smtClean="0"/>
+              <a:t>Fifth level</a:t>
+            </a:r>
+            <a:endParaRPr lang="en-US"/>
+          </a:p>
+        </p:txBody>
+      </p:sp>
+      <p:sp>
+        <p:nvSpPr>
+          <p:cNvPr id="6" name="Slide Number Placeholder 5"/>
+          <p:cNvSpPr>
+            <a:spLocks noGrp="1"/>
+          </p:cNvSpPr>
+          <p:nvPr>
+            <p:ph type="sldNum" sz="quarter" idx="12"/>
+          </p:nvPr>
+        </p:nvSpPr>
+        <p:spPr>
+          <a:xfrm>
+            <a:off x="8897420" y="6256216"/>
+            <a:ext cx="2743200" cy="365125"/>
+          </a:xfrm>
+          <a:prstGeom prst="rect">
+            <a:avLst/>
+          </a:prstGeom>
+        </p:spPr>
+        <p:txBody>
+          <a:bodyPr/>
+          <a:lstStyle/>
+          <a:p>
+            <a:fld id="{0A164282-434E-41D4-9582-783D542A7B68}" type="slidenum">
+              <a:rPr/>
+              <a:pPr/>
+              <a:t>‹#›</a:t>
+            </a:fld>
+            <a:endParaRPr/>
+          </a:p>
+        </p:txBody>
+      </p:sp>
+    </p:spTree>
+    <p:extLst>
+      <p:ext uri="{BB962C8B-B14F-4D97-AF65-F5344CB8AC3E}">
+        <p14:creationId xmlns:p14="http://schemas.microsoft.com/office/powerpoint/2010/main" val="2612208347"/>
+      </p:ext>
+    </p:extLst>
+  </p:cSld>
+  <p:clrMapOvr>
+    <a:masterClrMapping/>
+  </p:clrMapOvr>
+  <p:timing>
+    <p:tnLst>
+      <p:par>
+        <p:cTn id="1" dur="indefinite" restart="never" nodeType="tmRoot"/>
+      </p:par>
+    </p:tnLst>
+  </p:timing>
+</p:sldLayout>
+</file>
+
+<file path=ppt/slideLayouts/slideLayout56.xml><?xml version="1.0" encoding="utf-8"?>
+<p:sldLayout xmlns:a="http://schemas.openxmlformats.org/drawingml/2006/main" xmlns:r="http://schemas.openxmlformats.org/officeDocument/2006/relationships" xmlns:p="http://schemas.openxmlformats.org/presentationml/2006/main" preserve="1" userDrawn="1">
+  <p:cSld name="1_Title and Content">
+    <p:spTree>
+      <p:nvGrpSpPr>
+        <p:cNvPr id="1" name=""/>
+        <p:cNvGrpSpPr/>
+        <p:nvPr/>
+      </p:nvGrpSpPr>
+      <p:grpSpPr>
+        <a:xfrm>
+          <a:off x="0" y="0"/>
+          <a:ext cx="0" cy="0"/>
+          <a:chOff x="0" y="0"/>
+          <a:chExt cx="0" cy="0"/>
+        </a:xfrm>
+      </p:grpSpPr>
+      <p:sp>
+        <p:nvSpPr>
+          <p:cNvPr id="2" name="Title 1"/>
+          <p:cNvSpPr>
+            <a:spLocks noGrp="1"/>
+          </p:cNvSpPr>
+          <p:nvPr>
+            <p:ph type="title"/>
+          </p:nvPr>
+        </p:nvSpPr>
+        <p:spPr/>
+        <p:txBody>
+          <a:bodyPr/>
+          <a:lstStyle/>
+          <a:p>
+            <a:r>
+              <a:rPr lang="en-US" smtClean="0"/>
+              <a:t>Click to edit Master title style</a:t>
+            </a:r>
+            <a:endParaRPr lang="en-US"/>
+          </a:p>
+        </p:txBody>
+      </p:sp>
+      <p:sp>
+        <p:nvSpPr>
+          <p:cNvPr id="3" name="Content Placeholder 2"/>
+          <p:cNvSpPr>
+            <a:spLocks noGrp="1"/>
+          </p:cNvSpPr>
+          <p:nvPr>
+            <p:ph idx="1"/>
+          </p:nvPr>
+        </p:nvSpPr>
+        <p:spPr>
+          <a:xfrm>
+            <a:off x="560798" y="2111604"/>
+            <a:ext cx="11079822" cy="3980971"/>
+          </a:xfrm>
+        </p:spPr>
+        <p:txBody>
+          <a:bodyPr/>
+          <a:lstStyle/>
+          <a:p>
+            <a:pPr lvl="0"/>
+            <a:r>
+              <a:rPr lang="en-US" smtClean="0"/>
+              <a:t>Click to edit Master text styles</a:t>
+            </a:r>
+          </a:p>
+          <a:p>
+            <a:pPr lvl="1"/>
+            <a:r>
+              <a:rPr lang="en-US" smtClean="0"/>
+              <a:t>Second level</a:t>
+            </a:r>
+          </a:p>
+          <a:p>
+            <a:pPr lvl="2"/>
+            <a:r>
+              <a:rPr lang="en-US" smtClean="0"/>
+              <a:t>Third level</a:t>
+            </a:r>
+          </a:p>
+          <a:p>
+            <a:pPr lvl="3"/>
+            <a:r>
+              <a:rPr lang="en-US" smtClean="0"/>
+              <a:t>Fourth level</a:t>
+            </a:r>
+          </a:p>
+          <a:p>
+            <a:pPr lvl="4"/>
+            <a:r>
+              <a:rPr lang="en-US" smtClean="0"/>
+              <a:t>Fifth level</a:t>
+            </a:r>
+            <a:endParaRPr lang="en-US"/>
+          </a:p>
+        </p:txBody>
+      </p:sp>
+      <p:sp>
+        <p:nvSpPr>
+          <p:cNvPr id="6" name="Slide Number Placeholder 5"/>
+          <p:cNvSpPr>
+            <a:spLocks noGrp="1"/>
+          </p:cNvSpPr>
+          <p:nvPr>
+            <p:ph type="sldNum" sz="quarter" idx="12"/>
+          </p:nvPr>
+        </p:nvSpPr>
+        <p:spPr>
+          <a:xfrm>
+            <a:off x="8897420" y="6256216"/>
+            <a:ext cx="2743200" cy="365125"/>
+          </a:xfrm>
+          <a:prstGeom prst="rect">
+            <a:avLst/>
+          </a:prstGeom>
+        </p:spPr>
+        <p:txBody>
+          <a:bodyPr/>
+          <a:lstStyle/>
+          <a:p>
+            <a:fld id="{0A164282-434E-41D4-9582-783D542A7B68}" type="slidenum">
+              <a:rPr/>
+              <a:pPr/>
+              <a:t>‹#›</a:t>
+            </a:fld>
+            <a:endParaRPr/>
+          </a:p>
+        </p:txBody>
+      </p:sp>
+      <p:sp>
+        <p:nvSpPr>
+          <p:cNvPr id="5" name="Text Placeholder 4"/>
+          <p:cNvSpPr>
+            <a:spLocks noGrp="1"/>
+          </p:cNvSpPr>
+          <p:nvPr>
+            <p:ph type="body" sz="quarter" idx="13" hasCustomPrompt="1"/>
+          </p:nvPr>
+        </p:nvSpPr>
+        <p:spPr>
+          <a:xfrm>
+            <a:off x="560388" y="1534096"/>
+            <a:ext cx="11080750" cy="437594"/>
+          </a:xfrm>
+        </p:spPr>
+        <p:txBody>
+          <a:bodyPr>
+            <a:normAutofit/>
+          </a:bodyPr>
+          <a:lstStyle>
+            <a:lvl1pPr marL="0" indent="0">
+              <a:buFontTx/>
+              <a:buNone/>
+              <a:defRPr sz="2000" cap="all" baseline="0"/>
+            </a:lvl1pPr>
+            <a:lvl5pPr>
+              <a:defRPr/>
+            </a:lvl5pPr>
+          </a:lstStyle>
+          <a:p>
+            <a:pPr lvl="0"/>
+            <a:r>
+              <a:rPr lang="en-US" dirty="0" smtClean="0"/>
+              <a:t>Secondary refining headline</a:t>
+            </a:r>
+            <a:endParaRPr lang="en-US" dirty="0"/>
+          </a:p>
+        </p:txBody>
+      </p:sp>
+    </p:spTree>
+    <p:extLst>
+      <p:ext uri="{BB962C8B-B14F-4D97-AF65-F5344CB8AC3E}">
+        <p14:creationId xmlns:p14="http://schemas.microsoft.com/office/powerpoint/2010/main" val="25919781"/>
+      </p:ext>
+    </p:extLst>
+  </p:cSld>
+  <p:clrMapOvr>
+    <a:masterClrMapping/>
+  </p:clrMapOvr>
+  <p:timing>
+    <p:tnLst>
+      <p:par>
+        <p:cTn id="1" dur="indefinite" restart="never" nodeType="tmRoot"/>
+      </p:par>
+    </p:tnLst>
+  </p:timing>
+</p:sldLayout>
+</file>
+
+<file path=ppt/slideLayouts/slideLayout57.xml><?xml version="1.0" encoding="utf-8"?>
+<p:sldLayout xmlns:a="http://schemas.openxmlformats.org/drawingml/2006/main" xmlns:r="http://schemas.openxmlformats.org/officeDocument/2006/relationships" xmlns:p="http://schemas.openxmlformats.org/presentationml/2006/main" type="titleOnly" preserve="1">
+  <p:cSld name="Title Only">
+    <p:bg>
+      <p:bgPr>
+        <a:solidFill>
+          <a:srgbClr val="3C454F"/>
+        </a:solidFill>
+        <a:effectLst/>
+      </p:bgPr>
+    </p:bg>
+    <p:spTree>
+      <p:nvGrpSpPr>
+        <p:cNvPr id="1" name=""/>
+        <p:cNvGrpSpPr/>
+        <p:nvPr/>
+      </p:nvGrpSpPr>
+      <p:grpSpPr>
+        <a:xfrm>
+          <a:off x="0" y="0"/>
+          <a:ext cx="0" cy="0"/>
+          <a:chOff x="0" y="0"/>
+          <a:chExt cx="0" cy="0"/>
+        </a:xfrm>
+      </p:grpSpPr>
+      <p:sp>
+        <p:nvSpPr>
+          <p:cNvPr id="2" name="Title 1"/>
+          <p:cNvSpPr>
+            <a:spLocks noGrp="1"/>
+          </p:cNvSpPr>
+          <p:nvPr>
+            <p:ph type="title"/>
+          </p:nvPr>
+        </p:nvSpPr>
+        <p:spPr/>
+        <p:txBody>
+          <a:bodyPr/>
+          <a:lstStyle/>
+          <a:p>
+            <a:r>
+              <a:rPr lang="en-US" smtClean="0"/>
+              <a:t>Click to edit Master title style</a:t>
+            </a:r>
+            <a:endParaRPr lang="en-US"/>
+          </a:p>
+        </p:txBody>
+      </p:sp>
+      <p:sp>
+        <p:nvSpPr>
+          <p:cNvPr id="5" name="Slide Number Placeholder 4"/>
+          <p:cNvSpPr>
+            <a:spLocks noGrp="1"/>
+          </p:cNvSpPr>
+          <p:nvPr>
+            <p:ph type="sldNum" sz="quarter" idx="12"/>
+          </p:nvPr>
+        </p:nvSpPr>
+        <p:spPr>
+          <a:xfrm>
+            <a:off x="8897420" y="6256216"/>
+            <a:ext cx="2743200" cy="365125"/>
+          </a:xfrm>
+          <a:prstGeom prst="rect">
+            <a:avLst/>
+          </a:prstGeom>
+        </p:spPr>
+        <p:txBody>
+          <a:bodyPr/>
+          <a:lstStyle/>
+          <a:p>
+            <a:fld id="{0A164282-434E-41D4-9582-783D542A7B68}" type="slidenum">
+              <a:rPr/>
+              <a:pPr/>
+              <a:t>‹#›</a:t>
+            </a:fld>
+            <a:endParaRPr/>
+          </a:p>
+        </p:txBody>
+      </p:sp>
+    </p:spTree>
+    <p:extLst>
+      <p:ext uri="{BB962C8B-B14F-4D97-AF65-F5344CB8AC3E}">
+        <p14:creationId xmlns:p14="http://schemas.microsoft.com/office/powerpoint/2010/main" val="1959826855"/>
+      </p:ext>
+    </p:extLst>
+  </p:cSld>
+  <p:clrMapOvr>
+    <a:masterClrMapping/>
+  </p:clrMapOvr>
+  <p:timing>
+    <p:tnLst>
+      <p:par>
+        <p:cTn id="1" dur="indefinite" restart="never" nodeType="tmRoot"/>
+      </p:par>
+    </p:tnLst>
+  </p:timing>
+</p:sldLayout>
+</file>
+
+<file path=ppt/slideLayouts/slideLayout58.xml><?xml version="1.0" encoding="utf-8"?>
+<p:sldLayout xmlns:a="http://schemas.openxmlformats.org/drawingml/2006/main" xmlns:r="http://schemas.openxmlformats.org/officeDocument/2006/relationships" xmlns:p="http://schemas.openxmlformats.org/presentationml/2006/main" preserve="1" userDrawn="1">
+  <p:cSld name="1_Title Only">
+    <p:spTree>
+      <p:nvGrpSpPr>
+        <p:cNvPr id="1" name=""/>
+        <p:cNvGrpSpPr/>
+        <p:nvPr/>
+      </p:nvGrpSpPr>
+      <p:grpSpPr>
+        <a:xfrm>
+          <a:off x="0" y="0"/>
+          <a:ext cx="0" cy="0"/>
+          <a:chOff x="0" y="0"/>
+          <a:chExt cx="0" cy="0"/>
+        </a:xfrm>
+      </p:grpSpPr>
+      <p:sp>
+        <p:nvSpPr>
+          <p:cNvPr id="2" name="Title 1"/>
+          <p:cNvSpPr>
+            <a:spLocks noGrp="1"/>
+          </p:cNvSpPr>
+          <p:nvPr>
+            <p:ph type="title"/>
+          </p:nvPr>
+        </p:nvSpPr>
+        <p:spPr>
+          <a:xfrm>
+            <a:off x="560798" y="416497"/>
+            <a:ext cx="11079822" cy="922110"/>
+          </a:xfrm>
+        </p:spPr>
+        <p:txBody>
+          <a:bodyPr>
+            <a:normAutofit/>
+          </a:bodyPr>
+          <a:lstStyle>
+            <a:lvl1pPr>
+              <a:defRPr sz="4400"/>
+            </a:lvl1pPr>
+          </a:lstStyle>
+          <a:p>
+            <a:r>
+              <a:rPr lang="en-US" smtClean="0"/>
+              <a:t>Click to edit Master title style</a:t>
+            </a:r>
+            <a:endParaRPr lang="en-US"/>
+          </a:p>
+        </p:txBody>
+      </p:sp>
+      <p:sp>
+        <p:nvSpPr>
+          <p:cNvPr id="5" name="Slide Number Placeholder 4"/>
+          <p:cNvSpPr>
+            <a:spLocks noGrp="1"/>
+          </p:cNvSpPr>
+          <p:nvPr>
+            <p:ph type="sldNum" sz="quarter" idx="12"/>
+          </p:nvPr>
+        </p:nvSpPr>
+        <p:spPr>
+          <a:xfrm>
+            <a:off x="8897420" y="6256216"/>
+            <a:ext cx="2743200" cy="365125"/>
+          </a:xfrm>
+          <a:prstGeom prst="rect">
+            <a:avLst/>
+          </a:prstGeom>
+        </p:spPr>
+        <p:txBody>
+          <a:bodyPr/>
+          <a:lstStyle/>
+          <a:p>
+            <a:fld id="{0A164282-434E-41D4-9582-783D542A7B68}" type="slidenum">
+              <a:rPr/>
+              <a:pPr/>
+              <a:t>‹#›</a:t>
+            </a:fld>
+            <a:endParaRPr/>
+          </a:p>
+        </p:txBody>
+      </p:sp>
+      <p:graphicFrame>
+        <p:nvGraphicFramePr>
+          <p:cNvPr id="6" name="Table 5"/>
+          <p:cNvGraphicFramePr>
+            <a:graphicFrameLocks noGrp="1"/>
+          </p:cNvGraphicFramePr>
+          <p:nvPr userDrawn="1">
+            <p:extLst/>
+          </p:nvPr>
+        </p:nvGraphicFramePr>
+        <p:xfrm>
+          <a:off x="584200" y="1476596"/>
+          <a:ext cx="11056420" cy="4320392"/>
+        </p:xfrm>
+        <a:graphic>
+          <a:graphicData uri="http://schemas.openxmlformats.org/drawingml/2006/table">
+            <a:tbl>
+              <a:tblPr firstRow="1" bandRow="1">
+                <a:tableStyleId>{21E4AEA4-8DFA-4A89-87EB-49C32662AFE0}</a:tableStyleId>
+              </a:tblPr>
+              <a:tblGrid>
+                <a:gridCol w="2764105"/>
+                <a:gridCol w="2764105"/>
+                <a:gridCol w="2764105"/>
+                <a:gridCol w="2764105"/>
+              </a:tblGrid>
+              <a:tr h="644435">
+                <a:tc>
+                  <a:txBody>
+                    <a:bodyPr/>
+                    <a:lstStyle/>
+                    <a:p>
+                      <a:r>
+                        <a:rPr lang="en-US" sz="2000" dirty="0" smtClean="0"/>
+                        <a:t>Heading</a:t>
+                      </a:r>
+                      <a:endParaRPr lang="en-US" sz="2000" dirty="0">
+                        <a:solidFill>
+                          <a:schemeClr val="bg1"/>
+                        </a:solidFill>
+                      </a:endParaRPr>
+                    </a:p>
+                  </a:txBody>
+                  <a:tcPr marL="137160" marR="137160" marT="137160" marB="137160" anchor="ctr">
+                    <a:lnL w="12700" cmpd="sng">
+                      <a:noFill/>
+                    </a:lnL>
+                    <a:lnR w="12700" cmpd="sng">
+                      <a:noFill/>
+                    </a:lnR>
+                    <a:lnT w="12700" cmpd="sng">
+                      <a:noFill/>
+                    </a:lnT>
+                    <a:lnB w="38100" cmpd="sng">
+                      <a:noFill/>
+                    </a:lnB>
+                    <a:lnTlToBr w="12700" cmpd="sng">
+                      <a:noFill/>
+                      <a:prstDash val="solid"/>
+                    </a:lnTlToBr>
+                    <a:lnBlToTr w="12700" cmpd="sng">
+                      <a:noFill/>
+                      <a:prstDash val="solid"/>
+                    </a:lnBlToTr>
+                    <a:solidFill>
+                      <a:srgbClr val="289FD7"/>
+                    </a:solidFill>
+                  </a:tcPr>
+                </a:tc>
+                <a:tc>
+                  <a:txBody>
+                    <a:bodyPr/>
+                    <a:lstStyle/>
+                    <a:p>
+                      <a:r>
+                        <a:rPr lang="en-US" sz="2000" dirty="0" smtClean="0"/>
+                        <a:t>Heading</a:t>
+                      </a:r>
+                      <a:endParaRPr lang="en-US" sz="2000" dirty="0">
+                        <a:solidFill>
+                          <a:schemeClr val="bg1"/>
+                        </a:solidFill>
+                      </a:endParaRPr>
+                    </a:p>
+                  </a:txBody>
+                  <a:tcPr marL="137160" marR="137160" marT="137160" marB="137160" anchor="ctr">
+                    <a:lnL w="12700" cmpd="sng">
+                      <a:noFill/>
+                    </a:lnL>
+                    <a:lnR w="12700" cmpd="sng">
+                      <a:noFill/>
+                    </a:lnR>
+                    <a:lnT w="12700" cmpd="sng">
+                      <a:noFill/>
+                    </a:lnT>
+                    <a:lnB w="38100" cmpd="sng">
+                      <a:noFill/>
+                    </a:lnB>
+                    <a:lnTlToBr w="12700" cmpd="sng">
+                      <a:noFill/>
+                      <a:prstDash val="solid"/>
+                    </a:lnTlToBr>
+                    <a:lnBlToTr w="12700" cmpd="sng">
+                      <a:noFill/>
+                      <a:prstDash val="solid"/>
+                    </a:lnBlToTr>
+                    <a:solidFill>
+                      <a:srgbClr val="289FD7"/>
+                    </a:solidFill>
+                  </a:tcPr>
+                </a:tc>
+                <a:tc>
+                  <a:txBody>
+                    <a:bodyPr/>
+                    <a:lstStyle/>
+                    <a:p>
+                      <a:r>
+                        <a:rPr lang="en-US" sz="2000" dirty="0" smtClean="0"/>
+                        <a:t>Heading</a:t>
+                      </a:r>
+                      <a:endParaRPr lang="en-US" sz="2000" dirty="0">
+                        <a:solidFill>
+                          <a:schemeClr val="bg1"/>
+                        </a:solidFill>
+                      </a:endParaRPr>
+                    </a:p>
+                  </a:txBody>
+                  <a:tcPr marL="137160" marR="137160" marT="137160" marB="137160" anchor="ctr">
+                    <a:lnL w="12700" cmpd="sng">
+                      <a:noFill/>
+                    </a:lnL>
+                    <a:lnR w="12700" cmpd="sng">
+                      <a:noFill/>
+                    </a:lnR>
+                    <a:lnT w="12700" cmpd="sng">
+                      <a:noFill/>
+                    </a:lnT>
+                    <a:lnB w="38100" cmpd="sng">
+                      <a:noFill/>
+                    </a:lnB>
+                    <a:lnTlToBr w="12700" cmpd="sng">
+                      <a:noFill/>
+                      <a:prstDash val="solid"/>
+                    </a:lnTlToBr>
+                    <a:lnBlToTr w="12700" cmpd="sng">
+                      <a:noFill/>
+                      <a:prstDash val="solid"/>
+                    </a:lnBlToTr>
+                    <a:solidFill>
+                      <a:srgbClr val="289FD7"/>
+                    </a:solidFill>
+                  </a:tcPr>
+                </a:tc>
+                <a:tc>
+                  <a:txBody>
+                    <a:bodyPr/>
+                    <a:lstStyle/>
+                    <a:p>
+                      <a:r>
+                        <a:rPr lang="en-US" sz="2000" dirty="0" smtClean="0"/>
+                        <a:t>Heading</a:t>
+                      </a:r>
+                      <a:endParaRPr lang="en-US" sz="2000" dirty="0">
+                        <a:solidFill>
+                          <a:schemeClr val="bg1"/>
+                        </a:solidFill>
+                      </a:endParaRPr>
+                    </a:p>
+                  </a:txBody>
+                  <a:tcPr marL="137160" marR="137160" marT="137160" marB="137160" anchor="ctr">
+                    <a:lnL w="12700" cmpd="sng">
+                      <a:noFill/>
+                    </a:lnL>
+                    <a:lnR w="12700" cmpd="sng">
+                      <a:noFill/>
+                    </a:lnR>
+                    <a:lnT w="12700" cmpd="sng">
+                      <a:noFill/>
+                    </a:lnT>
+                    <a:lnB w="38100" cmpd="sng">
+                      <a:noFill/>
+                    </a:lnB>
+                    <a:lnTlToBr w="12700" cmpd="sng">
+                      <a:noFill/>
+                      <a:prstDash val="solid"/>
+                    </a:lnTlToBr>
+                    <a:lnBlToTr w="12700" cmpd="sng">
+                      <a:noFill/>
+                      <a:prstDash val="solid"/>
+                    </a:lnBlToTr>
+                    <a:solidFill>
+                      <a:srgbClr val="289FD7"/>
+                    </a:solidFill>
+                  </a:tcPr>
+                </a:tc>
+              </a:tr>
+              <a:tr h="1225319">
+                <a:tc>
+                  <a:txBody>
+                    <a:bodyPr/>
+                    <a:lstStyle/>
+                    <a:p>
+                      <a:r>
+                        <a:rPr lang="en-US" sz="1600" dirty="0" smtClean="0"/>
+                        <a:t>Content</a:t>
+                      </a:r>
+                      <a:endParaRPr lang="en-US" sz="1600" dirty="0">
+                        <a:solidFill>
+                          <a:srgbClr val="3C454F"/>
+                        </a:solidFill>
+                      </a:endParaRPr>
+                    </a:p>
+                  </a:txBody>
+                  <a:tcPr marL="137160" marR="137160" marT="137160" marB="137160">
+                    <a:lnL w="12700" cmpd="sng">
+                      <a:noFill/>
+                    </a:lnL>
+                    <a:lnR w="12700" cmpd="sng">
+                      <a:noFill/>
+                    </a:lnR>
+                    <a:lnT w="38100" cmpd="sng">
+                      <a:noFill/>
+                    </a:lnT>
+                    <a:lnB w="12700" cmpd="sng">
+                      <a:noFill/>
+                    </a:lnB>
+                    <a:lnTlToBr w="12700" cmpd="sng">
+                      <a:noFill/>
+                      <a:prstDash val="solid"/>
+                    </a:lnTlToBr>
+                    <a:lnBlToTr w="12700" cmpd="sng">
+                      <a:noFill/>
+                      <a:prstDash val="solid"/>
+                    </a:lnBlToTr>
+                    <a:solidFill>
+                      <a:schemeClr val="bg1"/>
+                    </a:solidFill>
+                  </a:tcPr>
+                </a:tc>
+                <a:tc>
+                  <a:txBody>
+                    <a:bodyPr/>
+                    <a:lstStyle/>
+                    <a:p>
+                      <a:pPr marL="0" marR="0" indent="0" algn="l" defTabSz="914400" rtl="0" eaLnBrk="1" fontAlgn="auto" latinLnBrk="0" hangingPunct="1">
+                        <a:lnSpc>
+                          <a:spcPct val="100000"/>
+                        </a:lnSpc>
+                        <a:spcBef>
+                          <a:spcPts val="0"/>
+                        </a:spcBef>
+                        <a:spcAft>
+                          <a:spcPts val="0"/>
+                        </a:spcAft>
+                        <a:buClrTx/>
+                        <a:buSzTx/>
+                        <a:buFontTx/>
+                        <a:buNone/>
+                        <a:tabLst/>
+                        <a:defRPr/>
+                      </a:pPr>
+                      <a:r>
+                        <a:rPr lang="en-US" sz="1600" dirty="0" smtClean="0"/>
+                        <a:t>Content</a:t>
+                      </a:r>
+                    </a:p>
+                    <a:p>
+                      <a:endParaRPr lang="en-US" sz="1600" dirty="0">
+                        <a:solidFill>
+                          <a:srgbClr val="3C454F"/>
+                        </a:solidFill>
+                      </a:endParaRPr>
+                    </a:p>
+                  </a:txBody>
+                  <a:tcPr marL="137160" marR="137160" marT="137160" marB="137160">
+                    <a:lnL w="12700" cmpd="sng">
+                      <a:noFill/>
+                    </a:lnL>
+                    <a:lnR w="12700" cmpd="sng">
+                      <a:noFill/>
+                    </a:lnR>
+                    <a:lnT w="38100" cmpd="sng">
+                      <a:noFill/>
+                    </a:lnT>
+                    <a:lnB w="12700" cmpd="sng">
+                      <a:noFill/>
+                    </a:lnB>
+                    <a:lnTlToBr w="12700" cmpd="sng">
+                      <a:noFill/>
+                      <a:prstDash val="solid"/>
+                    </a:lnTlToBr>
+                    <a:lnBlToTr w="12700" cmpd="sng">
+                      <a:noFill/>
+                      <a:prstDash val="solid"/>
+                    </a:lnBlToTr>
+                    <a:solidFill>
+                      <a:schemeClr val="bg1"/>
+                    </a:solidFill>
+                  </a:tcPr>
+                </a:tc>
+                <a:tc>
+                  <a:txBody>
+                    <a:bodyPr/>
+                    <a:lstStyle/>
+                    <a:p>
+                      <a:pPr marL="0" marR="0" indent="0" algn="l" defTabSz="914400" rtl="0" eaLnBrk="1" fontAlgn="auto" latinLnBrk="0" hangingPunct="1">
+                        <a:lnSpc>
+                          <a:spcPct val="100000"/>
+                        </a:lnSpc>
+                        <a:spcBef>
+                          <a:spcPts val="0"/>
+                        </a:spcBef>
+                        <a:spcAft>
+                          <a:spcPts val="0"/>
+                        </a:spcAft>
+                        <a:buClrTx/>
+                        <a:buSzTx/>
+                        <a:buFontTx/>
+                        <a:buNone/>
+                        <a:tabLst/>
+                        <a:defRPr/>
+                      </a:pPr>
+                      <a:r>
+                        <a:rPr lang="en-US" sz="1600" dirty="0" smtClean="0"/>
+                        <a:t>Content</a:t>
+                      </a:r>
+                    </a:p>
+                    <a:p>
+                      <a:endParaRPr lang="en-US" sz="1600" dirty="0">
+                        <a:solidFill>
+                          <a:srgbClr val="3C454F"/>
+                        </a:solidFill>
+                      </a:endParaRPr>
+                    </a:p>
+                  </a:txBody>
+                  <a:tcPr marL="137160" marR="137160" marT="137160" marB="137160">
+                    <a:lnL w="12700" cmpd="sng">
+                      <a:noFill/>
+                    </a:lnL>
+                    <a:lnR w="12700" cmpd="sng">
+                      <a:noFill/>
+                    </a:lnR>
+                    <a:lnT w="38100" cmpd="sng">
+                      <a:noFill/>
+                    </a:lnT>
+                    <a:lnB w="12700" cmpd="sng">
+                      <a:noFill/>
+                    </a:lnB>
+                    <a:lnTlToBr w="12700" cmpd="sng">
+                      <a:noFill/>
+                      <a:prstDash val="solid"/>
+                    </a:lnTlToBr>
+                    <a:lnBlToTr w="12700" cmpd="sng">
+                      <a:noFill/>
+                      <a:prstDash val="solid"/>
+                    </a:lnBlToTr>
+                    <a:solidFill>
+                      <a:schemeClr val="bg1"/>
+                    </a:solidFill>
+                  </a:tcPr>
+                </a:tc>
+                <a:tc>
+                  <a:txBody>
+                    <a:bodyPr/>
+                    <a:lstStyle/>
+                    <a:p>
+                      <a:pPr marL="0" marR="0" indent="0" algn="l" defTabSz="914400" rtl="0" eaLnBrk="1" fontAlgn="auto" latinLnBrk="0" hangingPunct="1">
+                        <a:lnSpc>
+                          <a:spcPct val="100000"/>
+                        </a:lnSpc>
+                        <a:spcBef>
+                          <a:spcPts val="0"/>
+                        </a:spcBef>
+                        <a:spcAft>
+                          <a:spcPts val="0"/>
+                        </a:spcAft>
+                        <a:buClrTx/>
+                        <a:buSzTx/>
+                        <a:buFontTx/>
+                        <a:buNone/>
+                        <a:tabLst/>
+                        <a:defRPr/>
+                      </a:pPr>
+                      <a:r>
+                        <a:rPr lang="en-US" sz="1600" dirty="0" smtClean="0"/>
+                        <a:t>Content</a:t>
+                      </a:r>
+                    </a:p>
+                    <a:p>
+                      <a:endParaRPr lang="en-US" sz="1600" dirty="0">
+                        <a:solidFill>
+                          <a:srgbClr val="3C454F"/>
+                        </a:solidFill>
+                      </a:endParaRPr>
+                    </a:p>
+                  </a:txBody>
+                  <a:tcPr marL="137160" marR="137160" marT="137160" marB="137160">
+                    <a:lnL w="12700" cmpd="sng">
+                      <a:noFill/>
+                    </a:lnL>
+                    <a:lnR w="12700" cmpd="sng">
+                      <a:noFill/>
+                    </a:lnR>
+                    <a:lnT w="38100" cmpd="sng">
+                      <a:noFill/>
+                    </a:lnT>
+                    <a:lnB w="12700" cmpd="sng">
+                      <a:noFill/>
+                    </a:lnB>
+                    <a:lnTlToBr w="12700" cmpd="sng">
+                      <a:noFill/>
+                      <a:prstDash val="solid"/>
+                    </a:lnTlToBr>
+                    <a:lnBlToTr w="12700" cmpd="sng">
+                      <a:noFill/>
+                      <a:prstDash val="solid"/>
+                    </a:lnBlToTr>
+                    <a:solidFill>
+                      <a:schemeClr val="bg1"/>
+                    </a:solidFill>
+                  </a:tcPr>
+                </a:tc>
+              </a:tr>
+              <a:tr h="1225319">
+                <a:tc>
+                  <a:txBody>
+                    <a:bodyPr/>
+                    <a:lstStyle/>
+                    <a:p>
+                      <a:pPr marL="0" marR="0" indent="0" algn="l" defTabSz="914400" rtl="0" eaLnBrk="1" fontAlgn="auto" latinLnBrk="0" hangingPunct="1">
+                        <a:lnSpc>
+                          <a:spcPct val="100000"/>
+                        </a:lnSpc>
+                        <a:spcBef>
+                          <a:spcPts val="0"/>
+                        </a:spcBef>
+                        <a:spcAft>
+                          <a:spcPts val="0"/>
+                        </a:spcAft>
+                        <a:buClrTx/>
+                        <a:buSzTx/>
+                        <a:buFontTx/>
+                        <a:buNone/>
+                        <a:tabLst/>
+                        <a:defRPr/>
+                      </a:pPr>
+                      <a:r>
+                        <a:rPr lang="en-US" sz="1600" dirty="0" smtClean="0"/>
+                        <a:t>Content</a:t>
+                      </a:r>
+                    </a:p>
+                    <a:p>
+                      <a:endParaRPr lang="en-US" sz="1600" dirty="0">
+                        <a:solidFill>
+                          <a:srgbClr val="3C454F"/>
+                        </a:solidFill>
+                      </a:endParaRPr>
+                    </a:p>
+                  </a:txBody>
+                  <a:tcPr marL="137160" marR="137160" marT="137160" marB="137160">
+                    <a:lnL w="12700" cmpd="sng">
+                      <a:noFill/>
+                    </a:lnL>
+                    <a:lnR w="12700" cmpd="sng">
+                      <a:noFill/>
+                    </a:lnR>
+                    <a:lnT w="12700" cmpd="sng">
+                      <a:noFill/>
+                    </a:lnT>
+                    <a:lnB w="12700" cmpd="sng">
+                      <a:noFill/>
+                    </a:lnB>
+                    <a:lnTlToBr w="12700" cmpd="sng">
+                      <a:noFill/>
+                      <a:prstDash val="solid"/>
+                    </a:lnTlToBr>
+                    <a:lnBlToTr w="12700" cmpd="sng">
+                      <a:noFill/>
+                      <a:prstDash val="solid"/>
+                    </a:lnBlToTr>
+                    <a:solidFill>
+                      <a:schemeClr val="bg1">
+                        <a:lumMod val="95000"/>
+                      </a:schemeClr>
+                    </a:solidFill>
+                  </a:tcPr>
+                </a:tc>
+                <a:tc>
+                  <a:txBody>
+                    <a:bodyPr/>
+                    <a:lstStyle/>
+                    <a:p>
+                      <a:pPr marL="0" marR="0" indent="0" algn="l" defTabSz="914400" rtl="0" eaLnBrk="1" fontAlgn="auto" latinLnBrk="0" hangingPunct="1">
+                        <a:lnSpc>
+                          <a:spcPct val="100000"/>
+                        </a:lnSpc>
+                        <a:spcBef>
+                          <a:spcPts val="0"/>
+                        </a:spcBef>
+                        <a:spcAft>
+                          <a:spcPts val="0"/>
+                        </a:spcAft>
+                        <a:buClrTx/>
+                        <a:buSzTx/>
+                        <a:buFontTx/>
+                        <a:buNone/>
+                        <a:tabLst/>
+                        <a:defRPr/>
+                      </a:pPr>
+                      <a:r>
+                        <a:rPr lang="en-US" sz="1600" dirty="0" smtClean="0"/>
+                        <a:t>Content</a:t>
+                      </a:r>
+                    </a:p>
+                    <a:p>
+                      <a:endParaRPr lang="en-US" sz="1600" dirty="0">
+                        <a:solidFill>
+                          <a:srgbClr val="3C454F"/>
+                        </a:solidFill>
+                      </a:endParaRPr>
+                    </a:p>
+                  </a:txBody>
+                  <a:tcPr marL="137160" marR="137160" marT="137160" marB="137160">
+                    <a:lnL w="12700" cmpd="sng">
+                      <a:noFill/>
+                    </a:lnL>
+                    <a:lnR w="12700" cmpd="sng">
+                      <a:noFill/>
+                    </a:lnR>
+                    <a:lnT w="12700" cmpd="sng">
+                      <a:noFill/>
+                    </a:lnT>
+                    <a:lnB w="12700" cmpd="sng">
+                      <a:noFill/>
+                    </a:lnB>
+                    <a:lnTlToBr w="12700" cmpd="sng">
+                      <a:noFill/>
+                      <a:prstDash val="solid"/>
+                    </a:lnTlToBr>
+                    <a:lnBlToTr w="12700" cmpd="sng">
+                      <a:noFill/>
+                      <a:prstDash val="solid"/>
+                    </a:lnBlToTr>
+                    <a:solidFill>
+                      <a:schemeClr val="bg1">
+                        <a:lumMod val="95000"/>
+                      </a:schemeClr>
+                    </a:solidFill>
+                  </a:tcPr>
+                </a:tc>
+                <a:tc>
+                  <a:txBody>
+                    <a:bodyPr/>
+                    <a:lstStyle/>
+                    <a:p>
+                      <a:pPr marL="0" marR="0" indent="0" algn="l" defTabSz="914400" rtl="0" eaLnBrk="1" fontAlgn="auto" latinLnBrk="0" hangingPunct="1">
+                        <a:lnSpc>
+                          <a:spcPct val="100000"/>
+                        </a:lnSpc>
+                        <a:spcBef>
+                          <a:spcPts val="0"/>
+                        </a:spcBef>
+                        <a:spcAft>
+                          <a:spcPts val="0"/>
+                        </a:spcAft>
+                        <a:buClrTx/>
+                        <a:buSzTx/>
+                        <a:buFontTx/>
+                        <a:buNone/>
+                        <a:tabLst/>
+                        <a:defRPr/>
+                      </a:pPr>
+                      <a:r>
+                        <a:rPr lang="en-US" sz="1600" dirty="0" smtClean="0"/>
+                        <a:t>Content</a:t>
+                      </a:r>
+                    </a:p>
+                    <a:p>
+                      <a:endParaRPr lang="en-US" sz="1600" dirty="0">
+                        <a:solidFill>
+                          <a:srgbClr val="3C454F"/>
+                        </a:solidFill>
+                      </a:endParaRPr>
+                    </a:p>
+                  </a:txBody>
+                  <a:tcPr marL="137160" marR="137160" marT="137160" marB="137160">
+                    <a:lnL w="12700" cmpd="sng">
+                      <a:noFill/>
+                    </a:lnL>
+                    <a:lnR w="12700" cmpd="sng">
+                      <a:noFill/>
+                    </a:lnR>
+                    <a:lnT w="12700" cmpd="sng">
+                      <a:noFill/>
+                    </a:lnT>
+                    <a:lnB w="12700" cmpd="sng">
+                      <a:noFill/>
+                    </a:lnB>
+                    <a:lnTlToBr w="12700" cmpd="sng">
+                      <a:noFill/>
+                      <a:prstDash val="solid"/>
+                    </a:lnTlToBr>
+                    <a:lnBlToTr w="12700" cmpd="sng">
+                      <a:noFill/>
+                      <a:prstDash val="solid"/>
+                    </a:lnBlToTr>
+                    <a:solidFill>
+                      <a:schemeClr val="bg1">
+                        <a:lumMod val="95000"/>
+                      </a:schemeClr>
+                    </a:solidFill>
+                  </a:tcPr>
+                </a:tc>
+                <a:tc>
+                  <a:txBody>
+                    <a:bodyPr/>
+                    <a:lstStyle/>
+                    <a:p>
+                      <a:pPr marL="0" marR="0" indent="0" algn="l" defTabSz="914400" rtl="0" eaLnBrk="1" fontAlgn="auto" latinLnBrk="0" hangingPunct="1">
+                        <a:lnSpc>
+                          <a:spcPct val="100000"/>
+                        </a:lnSpc>
+                        <a:spcBef>
+                          <a:spcPts val="0"/>
+                        </a:spcBef>
+                        <a:spcAft>
+                          <a:spcPts val="0"/>
+                        </a:spcAft>
+                        <a:buClrTx/>
+                        <a:buSzTx/>
+                        <a:buFontTx/>
+                        <a:buNone/>
+                        <a:tabLst/>
+                        <a:defRPr/>
+                      </a:pPr>
+                      <a:r>
+                        <a:rPr lang="en-US" sz="1600" dirty="0" smtClean="0"/>
+                        <a:t>Content</a:t>
+                      </a:r>
+                    </a:p>
+                    <a:p>
+                      <a:endParaRPr lang="en-US" sz="1600" dirty="0">
+                        <a:solidFill>
+                          <a:srgbClr val="3C454F"/>
+                        </a:solidFill>
+                      </a:endParaRPr>
+                    </a:p>
+                  </a:txBody>
+                  <a:tcPr marL="137160" marR="137160" marT="137160" marB="137160">
+                    <a:lnL w="12700" cmpd="sng">
+                      <a:noFill/>
+                    </a:lnL>
+                    <a:lnR w="12700" cmpd="sng">
+                      <a:noFill/>
+                    </a:lnR>
+                    <a:lnT w="12700" cmpd="sng">
+                      <a:noFill/>
+                    </a:lnT>
+                    <a:lnB w="12700" cmpd="sng">
+                      <a:noFill/>
+                    </a:lnB>
+                    <a:lnTlToBr w="12700" cmpd="sng">
+                      <a:noFill/>
+                      <a:prstDash val="solid"/>
+                    </a:lnTlToBr>
+                    <a:lnBlToTr w="12700" cmpd="sng">
+                      <a:noFill/>
+                      <a:prstDash val="solid"/>
+                    </a:lnBlToTr>
+                    <a:solidFill>
+                      <a:schemeClr val="bg1">
+                        <a:lumMod val="95000"/>
+                      </a:schemeClr>
+                    </a:solidFill>
+                  </a:tcPr>
+                </a:tc>
+              </a:tr>
+              <a:tr h="1225319">
+                <a:tc>
+                  <a:txBody>
+                    <a:bodyPr/>
+                    <a:lstStyle/>
+                    <a:p>
+                      <a:pPr marL="0" marR="0" indent="0" algn="l" defTabSz="914400" rtl="0" eaLnBrk="1" fontAlgn="auto" latinLnBrk="0" hangingPunct="1">
+                        <a:lnSpc>
+                          <a:spcPct val="100000"/>
+                        </a:lnSpc>
+                        <a:spcBef>
+                          <a:spcPts val="0"/>
+                        </a:spcBef>
+                        <a:spcAft>
+                          <a:spcPts val="0"/>
+                        </a:spcAft>
+                        <a:buClrTx/>
+                        <a:buSzTx/>
+                        <a:buFontTx/>
+                        <a:buNone/>
+                        <a:tabLst/>
+                        <a:defRPr/>
+                      </a:pPr>
+                      <a:r>
+                        <a:rPr lang="en-US" sz="1600" dirty="0" smtClean="0"/>
+                        <a:t>Content</a:t>
+                      </a:r>
+                    </a:p>
+                    <a:p>
+                      <a:endParaRPr lang="en-US" sz="1600" dirty="0">
+                        <a:solidFill>
+                          <a:srgbClr val="3C454F"/>
+                        </a:solidFill>
+                      </a:endParaRPr>
+                    </a:p>
+                  </a:txBody>
+                  <a:tcPr marL="137160" marR="137160" marT="137160" marB="137160">
+                    <a:lnL w="12700" cmpd="sng">
+                      <a:noFill/>
+                    </a:lnL>
+                    <a:lnR w="12700" cmpd="sng">
+                      <a:noFill/>
+                    </a:lnR>
+                    <a:lnT w="12700" cmpd="sng">
+                      <a:noFill/>
+                    </a:lnT>
+                    <a:lnB w="12700" cmpd="sng">
+                      <a:noFill/>
+                    </a:lnB>
+                    <a:lnTlToBr w="12700" cmpd="sng">
+                      <a:noFill/>
+                      <a:prstDash val="solid"/>
+                    </a:lnTlToBr>
+                    <a:lnBlToTr w="12700" cmpd="sng">
+                      <a:noFill/>
+                      <a:prstDash val="solid"/>
+                    </a:lnBlToTr>
+                    <a:solidFill>
+                      <a:schemeClr val="bg1"/>
+                    </a:solidFill>
+                  </a:tcPr>
+                </a:tc>
+                <a:tc>
+                  <a:txBody>
+                    <a:bodyPr/>
+                    <a:lstStyle/>
+                    <a:p>
+                      <a:pPr marL="0" marR="0" indent="0" algn="l" defTabSz="914400" rtl="0" eaLnBrk="1" fontAlgn="auto" latinLnBrk="0" hangingPunct="1">
+                        <a:lnSpc>
+                          <a:spcPct val="100000"/>
+                        </a:lnSpc>
+                        <a:spcBef>
+                          <a:spcPts val="0"/>
+                        </a:spcBef>
+                        <a:spcAft>
+                          <a:spcPts val="0"/>
+                        </a:spcAft>
+                        <a:buClrTx/>
+                        <a:buSzTx/>
+                        <a:buFontTx/>
+                        <a:buNone/>
+                        <a:tabLst/>
+                        <a:defRPr/>
+                      </a:pPr>
+                      <a:r>
+                        <a:rPr lang="en-US" sz="1600" dirty="0" smtClean="0"/>
+                        <a:t>Content</a:t>
+                      </a:r>
+                    </a:p>
+                    <a:p>
+                      <a:endParaRPr lang="en-US" sz="1600" dirty="0">
+                        <a:solidFill>
+                          <a:srgbClr val="3C454F"/>
+                        </a:solidFill>
+                      </a:endParaRPr>
+                    </a:p>
+                  </a:txBody>
+                  <a:tcPr marL="137160" marR="137160" marT="137160" marB="137160">
+                    <a:lnL w="12700" cmpd="sng">
+                      <a:noFill/>
+                    </a:lnL>
+                    <a:lnR w="12700" cmpd="sng">
+                      <a:noFill/>
+                    </a:lnR>
+                    <a:lnT w="12700" cmpd="sng">
+                      <a:noFill/>
+                    </a:lnT>
+                    <a:lnB w="12700" cmpd="sng">
+                      <a:noFill/>
+                    </a:lnB>
+                    <a:lnTlToBr w="12700" cmpd="sng">
+                      <a:noFill/>
+                      <a:prstDash val="solid"/>
+                    </a:lnTlToBr>
+                    <a:lnBlToTr w="12700" cmpd="sng">
+                      <a:noFill/>
+                      <a:prstDash val="solid"/>
+                    </a:lnBlToTr>
+                    <a:solidFill>
+                      <a:schemeClr val="bg1"/>
+                    </a:solidFill>
+                  </a:tcPr>
+                </a:tc>
+                <a:tc>
+                  <a:txBody>
+                    <a:bodyPr/>
+                    <a:lstStyle/>
+                    <a:p>
+                      <a:pPr marL="0" marR="0" indent="0" algn="l" defTabSz="914400" rtl="0" eaLnBrk="1" fontAlgn="auto" latinLnBrk="0" hangingPunct="1">
+                        <a:lnSpc>
+                          <a:spcPct val="100000"/>
+                        </a:lnSpc>
+                        <a:spcBef>
+                          <a:spcPts val="0"/>
+                        </a:spcBef>
+                        <a:spcAft>
+                          <a:spcPts val="0"/>
+                        </a:spcAft>
+                        <a:buClrTx/>
+                        <a:buSzTx/>
+                        <a:buFontTx/>
+                        <a:buNone/>
+                        <a:tabLst/>
+                        <a:defRPr/>
+                      </a:pPr>
+                      <a:r>
+                        <a:rPr lang="en-US" sz="1600" dirty="0" smtClean="0"/>
+                        <a:t>Content</a:t>
+                      </a:r>
+                    </a:p>
+                    <a:p>
+                      <a:endParaRPr lang="en-US" sz="1600" dirty="0">
+                        <a:solidFill>
+                          <a:srgbClr val="3C454F"/>
+                        </a:solidFill>
+                      </a:endParaRPr>
+                    </a:p>
+                  </a:txBody>
+                  <a:tcPr marL="137160" marR="137160" marT="137160" marB="137160">
+                    <a:lnL w="12700" cmpd="sng">
+                      <a:noFill/>
+                    </a:lnL>
+                    <a:lnR w="12700" cmpd="sng">
+                      <a:noFill/>
+                    </a:lnR>
+                    <a:lnT w="12700" cmpd="sng">
+                      <a:noFill/>
+                    </a:lnT>
+                    <a:lnB w="12700" cmpd="sng">
+                      <a:noFill/>
+                    </a:lnB>
+                    <a:lnTlToBr w="12700" cmpd="sng">
+                      <a:noFill/>
+                      <a:prstDash val="solid"/>
+                    </a:lnTlToBr>
+                    <a:lnBlToTr w="12700" cmpd="sng">
+                      <a:noFill/>
+                      <a:prstDash val="solid"/>
+                    </a:lnBlToTr>
+                    <a:solidFill>
+                      <a:schemeClr val="bg1"/>
+                    </a:solidFill>
+                  </a:tcPr>
+                </a:tc>
+                <a:tc>
+                  <a:txBody>
+                    <a:bodyPr/>
+                    <a:lstStyle/>
+                    <a:p>
+                      <a:pPr marL="0" marR="0" indent="0" algn="l" defTabSz="914400" rtl="0" eaLnBrk="1" fontAlgn="auto" latinLnBrk="0" hangingPunct="1">
+                        <a:lnSpc>
+                          <a:spcPct val="100000"/>
+                        </a:lnSpc>
+                        <a:spcBef>
+                          <a:spcPts val="0"/>
+                        </a:spcBef>
+                        <a:spcAft>
+                          <a:spcPts val="0"/>
+                        </a:spcAft>
+                        <a:buClrTx/>
+                        <a:buSzTx/>
+                        <a:buFontTx/>
+                        <a:buNone/>
+                        <a:tabLst/>
+                        <a:defRPr/>
+                      </a:pPr>
+                      <a:r>
+                        <a:rPr lang="en-US" sz="1600" dirty="0" smtClean="0"/>
+                        <a:t>Content</a:t>
+                      </a:r>
+                    </a:p>
+                    <a:p>
+                      <a:endParaRPr lang="en-US" sz="1600" dirty="0">
+                        <a:solidFill>
+                          <a:srgbClr val="3C454F"/>
+                        </a:solidFill>
+                      </a:endParaRPr>
+                    </a:p>
+                  </a:txBody>
+                  <a:tcPr marL="137160" marR="137160" marT="137160" marB="137160">
+                    <a:lnL w="12700" cmpd="sng">
+                      <a:noFill/>
+                    </a:lnL>
+                    <a:lnR w="12700" cmpd="sng">
+                      <a:noFill/>
+                    </a:lnR>
+                    <a:lnT w="12700" cmpd="sng">
+                      <a:noFill/>
+                    </a:lnT>
+                    <a:lnB w="12700" cmpd="sng">
+                      <a:noFill/>
+                    </a:lnB>
+                    <a:lnTlToBr w="12700" cmpd="sng">
+                      <a:noFill/>
+                      <a:prstDash val="solid"/>
+                    </a:lnTlToBr>
+                    <a:lnBlToTr w="12700" cmpd="sng">
+                      <a:noFill/>
+                      <a:prstDash val="solid"/>
+                    </a:lnBlToTr>
+                    <a:solidFill>
+                      <a:schemeClr val="bg1"/>
+                    </a:solidFill>
+                  </a:tcPr>
+                </a:tc>
+              </a:tr>
+            </a:tbl>
+          </a:graphicData>
+        </a:graphic>
+      </p:graphicFrame>
+    </p:spTree>
+    <p:extLst>
+      <p:ext uri="{BB962C8B-B14F-4D97-AF65-F5344CB8AC3E}">
+        <p14:creationId xmlns:p14="http://schemas.microsoft.com/office/powerpoint/2010/main" val="612915950"/>
+      </p:ext>
+    </p:extLst>
+  </p:cSld>
+  <p:clrMapOvr>
+    <a:masterClrMapping/>
+  </p:clrMapOvr>
+  <p:timing>
+    <p:tnLst>
+      <p:par>
+        <p:cTn id="1" dur="indefinite" restart="never" nodeType="tmRoot"/>
+      </p:par>
+    </p:tnLst>
+  </p:timing>
+</p:sldLayout>
+</file>
+
+<file path=ppt/slideLayouts/slideLayout59.xml><?xml version="1.0" encoding="utf-8"?>
+<p:sldLayout xmlns:a="http://schemas.openxmlformats.org/drawingml/2006/main" xmlns:r="http://schemas.openxmlformats.org/officeDocument/2006/relationships" xmlns:p="http://schemas.openxmlformats.org/presentationml/2006/main" type="blank" preserve="1">
+  <p:cSld name="Blank">
+    <p:bg>
+      <p:bgPr>
+        <a:solidFill>
+          <a:srgbClr val="3C454F"/>
+        </a:solidFill>
+        <a:effectLst/>
+      </p:bgPr>
+    </p:bg>
+    <p:spTree>
+      <p:nvGrpSpPr>
+        <p:cNvPr id="1" name=""/>
+        <p:cNvGrpSpPr/>
+        <p:nvPr/>
+      </p:nvGrpSpPr>
+      <p:grpSpPr>
+        <a:xfrm>
+          <a:off x="0" y="0"/>
+          <a:ext cx="0" cy="0"/>
+          <a:chOff x="0" y="0"/>
+          <a:chExt cx="0" cy="0"/>
+        </a:xfrm>
+      </p:grpSpPr>
+      <p:sp>
+        <p:nvSpPr>
+          <p:cNvPr id="4" name="Slide Number Placeholder 3"/>
+          <p:cNvSpPr>
+            <a:spLocks noGrp="1"/>
+          </p:cNvSpPr>
+          <p:nvPr>
+            <p:ph type="sldNum" sz="quarter" idx="12"/>
+          </p:nvPr>
+        </p:nvSpPr>
+        <p:spPr>
+          <a:xfrm>
+            <a:off x="8903414" y="6256216"/>
+            <a:ext cx="2743200" cy="365125"/>
+          </a:xfrm>
+          <a:prstGeom prst="rect">
+            <a:avLst/>
+          </a:prstGeom>
+        </p:spPr>
+        <p:txBody>
+          <a:bodyPr/>
+          <a:lstStyle/>
+          <a:p>
+            <a:fld id="{0A164282-434E-41D4-9582-783D542A7B68}" type="slidenum">
+              <a:rPr/>
+              <a:pPr/>
+              <a:t>‹#›</a:t>
+            </a:fld>
+            <a:endParaRPr/>
+          </a:p>
+        </p:txBody>
+      </p:sp>
+    </p:spTree>
+    <p:extLst>
+      <p:ext uri="{BB962C8B-B14F-4D97-AF65-F5344CB8AC3E}">
+        <p14:creationId xmlns:p14="http://schemas.microsoft.com/office/powerpoint/2010/main" val="993952241"/>
+      </p:ext>
+    </p:extLst>
+  </p:cSld>
+  <p:clrMapOvr>
+    <a:masterClrMapping/>
+  </p:clrMapOvr>
+  <p:timing>
+    <p:tnLst>
+      <p:par>
+        <p:cTn id="1" dur="indefinite" restart="never" nodeType="tmRoot"/>
+      </p:par>
+    </p:tnLst>
+  </p:timing>
+</p:sldLayout>
+</file>
+
+<file path=ppt/slideLayouts/slideLayout6.xml><?xml version="1.0" encoding="utf-8"?>
+<p:sldLayout xmlns:a="http://schemas.openxmlformats.org/drawingml/2006/main" xmlns:r="http://schemas.openxmlformats.org/officeDocument/2006/relationships" xmlns:p="http://schemas.openxmlformats.org/presentationml/2006/main" type="title" preserve="1">
+  <p:cSld name="Title Slide">
+    <p:spTree>
+      <p:nvGrpSpPr>
+        <p:cNvPr id="1" name=""/>
+        <p:cNvGrpSpPr/>
+        <p:nvPr/>
+      </p:nvGrpSpPr>
+      <p:grpSpPr>
+        <a:xfrm>
+          <a:off x="0" y="0"/>
+          <a:ext cx="0" cy="0"/>
+          <a:chOff x="0" y="0"/>
+          <a:chExt cx="0" cy="0"/>
+        </a:xfrm>
+      </p:grpSpPr>
+      <p:sp>
+        <p:nvSpPr>
+          <p:cNvPr id="2" name="Title 1"/>
+          <p:cNvSpPr>
+            <a:spLocks noGrp="1"/>
+          </p:cNvSpPr>
+          <p:nvPr>
+            <p:ph type="ctrTitle"/>
+          </p:nvPr>
+        </p:nvSpPr>
+        <p:spPr>
+          <a:xfrm>
+            <a:off x="606175" y="1122363"/>
+            <a:ext cx="11034445" cy="2387600"/>
+          </a:xfrm>
+        </p:spPr>
+        <p:txBody>
+          <a:bodyPr anchor="b"/>
+          <a:lstStyle>
+            <a:lvl1pPr algn="l">
+              <a:defRPr sz="6000"/>
+            </a:lvl1pPr>
+          </a:lstStyle>
+          <a:p>
+            <a:r>
+              <a:rPr lang="en-US" dirty="0" smtClean="0"/>
+              <a:t>Click to edit Master title style</a:t>
+            </a:r>
+            <a:endParaRPr lang="en-US" dirty="0"/>
+          </a:p>
+        </p:txBody>
+      </p:sp>
+      <p:sp>
+        <p:nvSpPr>
+          <p:cNvPr id="3" name="Subtitle 2"/>
+          <p:cNvSpPr>
+            <a:spLocks noGrp="1"/>
+          </p:cNvSpPr>
+          <p:nvPr>
+            <p:ph type="subTitle" idx="1"/>
+          </p:nvPr>
+        </p:nvSpPr>
+        <p:spPr>
+          <a:xfrm>
+            <a:off x="606175" y="3602038"/>
+            <a:ext cx="11034445" cy="1655762"/>
+          </a:xfrm>
+        </p:spPr>
+        <p:txBody>
+          <a:bodyPr>
+            <a:normAutofit/>
+          </a:bodyPr>
+          <a:lstStyle>
+            <a:lvl1pPr marL="0" indent="0" algn="l">
+              <a:buNone/>
+              <a:defRPr sz="3600"/>
+            </a:lvl1pPr>
+            <a:lvl2pPr marL="457200" indent="0" algn="ctr">
+              <a:buNone/>
+              <a:defRPr sz="2000"/>
+            </a:lvl2pPr>
+            <a:lvl3pPr marL="914400" indent="0" algn="ctr">
+              <a:buNone/>
+              <a:defRPr sz="1800"/>
+            </a:lvl3pPr>
+            <a:lvl4pPr marL="1371600" indent="0" algn="ctr">
+              <a:buNone/>
+              <a:defRPr sz="1600"/>
+            </a:lvl4pPr>
+            <a:lvl5pPr marL="1828800" indent="0" algn="ctr">
+              <a:buNone/>
+              <a:defRPr sz="1600"/>
+            </a:lvl5pPr>
+            <a:lvl6pPr marL="2286000" indent="0" algn="ctr">
+              <a:buNone/>
+              <a:defRPr sz="1600"/>
+            </a:lvl6pPr>
+            <a:lvl7pPr marL="2743200" indent="0" algn="ctr">
+              <a:buNone/>
+              <a:defRPr sz="1600"/>
+            </a:lvl7pPr>
+            <a:lvl8pPr marL="3200400" indent="0" algn="ctr">
+              <a:buNone/>
+              <a:defRPr sz="1600"/>
+            </a:lvl8pPr>
+            <a:lvl9pPr marL="3657600" indent="0" algn="ctr">
+              <a:buNone/>
+              <a:defRPr sz="1600"/>
+            </a:lvl9pPr>
+          </a:lstStyle>
+          <a:p>
+            <a:r>
+              <a:rPr lang="en-US" dirty="0" smtClean="0"/>
+              <a:t>Click to edit Master subtitle style</a:t>
+            </a:r>
+            <a:endParaRPr lang="en-US" dirty="0"/>
+          </a:p>
+        </p:txBody>
+      </p:sp>
+    </p:spTree>
+    <p:extLst>
+      <p:ext uri="{BB962C8B-B14F-4D97-AF65-F5344CB8AC3E}">
         <p14:creationId xmlns:p14="http://schemas.microsoft.com/office/powerpoint/2010/main" val="1878425647"/>
+      </p:ext>
+    </p:extLst>
+  </p:cSld>
+  <p:clrMapOvr>
+    <a:masterClrMapping/>
+  </p:clrMapOvr>
+  <p:timing>
+    <p:tnLst>
+      <p:par>
+        <p:cTn id="1" dur="indefinite" restart="never" nodeType="tmRoot"/>
+      </p:par>
+    </p:tnLst>
+  </p:timing>
+</p:sldLayout>
+</file>
+
+<file path=ppt/slideLayouts/slideLayout60.xml><?xml version="1.0" encoding="utf-8"?>
+<p:sldLayout xmlns:a="http://schemas.openxmlformats.org/drawingml/2006/main" xmlns:r="http://schemas.openxmlformats.org/officeDocument/2006/relationships" xmlns:p="http://schemas.openxmlformats.org/presentationml/2006/main" type="blank" preserve="1">
+  <p:cSld name="1_Blank">
+    <p:bg>
+      <p:bgPr>
+        <a:solidFill>
+          <a:srgbClr val="3C454F"/>
+        </a:solidFill>
+        <a:effectLst/>
+      </p:bgPr>
+    </p:bg>
+    <p:spTree>
+      <p:nvGrpSpPr>
+        <p:cNvPr id="1" name=""/>
+        <p:cNvGrpSpPr/>
+        <p:nvPr/>
+      </p:nvGrpSpPr>
+      <p:grpSpPr>
+        <a:xfrm>
+          <a:off x="0" y="0"/>
+          <a:ext cx="0" cy="0"/>
+          <a:chOff x="0" y="0"/>
+          <a:chExt cx="0" cy="0"/>
+        </a:xfrm>
+      </p:grpSpPr>
+    </p:spTree>
+    <p:extLst>
+      <p:ext uri="{BB962C8B-B14F-4D97-AF65-F5344CB8AC3E}">
+        <p14:creationId xmlns:p14="http://schemas.microsoft.com/office/powerpoint/2010/main" val="2172384347"/>
+      </p:ext>
+    </p:extLst>
+  </p:cSld>
+  <p:clrMapOvr>
+    <a:masterClrMapping/>
+  </p:clrMapOvr>
+  <p:timing>
+    <p:tnLst>
+      <p:par>
+        <p:cTn id="1" dur="indefinite" restart="never" nodeType="tmRoot"/>
+      </p:par>
+    </p:tnLst>
+  </p:timing>
+</p:sldLayout>
+</file>
+
+<file path=ppt/slideLayouts/slideLayout61.xml><?xml version="1.0" encoding="utf-8"?>
+<p:sldLayout xmlns:a="http://schemas.openxmlformats.org/drawingml/2006/main" xmlns:r="http://schemas.openxmlformats.org/officeDocument/2006/relationships" xmlns:p="http://schemas.openxmlformats.org/presentationml/2006/main" type="objTx" preserve="1">
+  <p:cSld name="Content with Caption">
+    <p:bg>
+      <p:bgPr>
+        <a:solidFill>
+          <a:srgbClr val="3C454F"/>
+        </a:solidFill>
+        <a:effectLst/>
+      </p:bgPr>
+    </p:bg>
+    <p:spTree>
+      <p:nvGrpSpPr>
+        <p:cNvPr id="1" name=""/>
+        <p:cNvGrpSpPr/>
+        <p:nvPr/>
+      </p:nvGrpSpPr>
+      <p:grpSpPr>
+        <a:xfrm>
+          <a:off x="0" y="0"/>
+          <a:ext cx="0" cy="0"/>
+          <a:chOff x="0" y="0"/>
+          <a:chExt cx="0" cy="0"/>
+        </a:xfrm>
+      </p:grpSpPr>
+      <p:sp>
+        <p:nvSpPr>
+          <p:cNvPr id="2" name="Title 1"/>
+          <p:cNvSpPr>
+            <a:spLocks noGrp="1"/>
+          </p:cNvSpPr>
+          <p:nvPr>
+            <p:ph type="title"/>
+          </p:nvPr>
+        </p:nvSpPr>
+        <p:spPr>
+          <a:xfrm>
+            <a:off x="560798" y="457199"/>
+            <a:ext cx="4211227" cy="1936679"/>
+          </a:xfrm>
+        </p:spPr>
+        <p:txBody>
+          <a:bodyPr anchor="b">
+            <a:noAutofit/>
+          </a:bodyPr>
+          <a:lstStyle>
+            <a:lvl1pPr>
+              <a:defRPr sz="4000"/>
+            </a:lvl1pPr>
+          </a:lstStyle>
+          <a:p>
+            <a:r>
+              <a:rPr lang="en-US" smtClean="0"/>
+              <a:t>Click to edit Master title style</a:t>
+            </a:r>
+            <a:endParaRPr lang="en-US"/>
+          </a:p>
+        </p:txBody>
+      </p:sp>
+      <p:sp>
+        <p:nvSpPr>
+          <p:cNvPr id="3" name="Content Placeholder 2"/>
+          <p:cNvSpPr>
+            <a:spLocks noGrp="1"/>
+          </p:cNvSpPr>
+          <p:nvPr>
+            <p:ph idx="1"/>
+          </p:nvPr>
+        </p:nvSpPr>
+        <p:spPr>
+          <a:xfrm>
+            <a:off x="5183188" y="987425"/>
+            <a:ext cx="6457432" cy="4873625"/>
+          </a:xfrm>
+        </p:spPr>
+        <p:txBody>
+          <a:bodyPr/>
+          <a:lstStyle>
+            <a:lvl1pPr>
+              <a:defRPr sz="3200">
+                <a:latin typeface="+mj-lt"/>
+              </a:defRPr>
+            </a:lvl1pPr>
+            <a:lvl2pPr>
+              <a:defRPr sz="2800">
+                <a:latin typeface="+mj-lt"/>
+              </a:defRPr>
+            </a:lvl2pPr>
+            <a:lvl3pPr>
+              <a:defRPr sz="2400">
+                <a:latin typeface="+mj-lt"/>
+              </a:defRPr>
+            </a:lvl3pPr>
+            <a:lvl4pPr>
+              <a:defRPr sz="2000">
+                <a:latin typeface="+mj-lt"/>
+              </a:defRPr>
+            </a:lvl4pPr>
+            <a:lvl5pPr>
+              <a:defRPr sz="2000">
+                <a:latin typeface="+mj-lt"/>
+              </a:defRPr>
+            </a:lvl5pPr>
+            <a:lvl6pPr>
+              <a:defRPr sz="2000"/>
+            </a:lvl6pPr>
+            <a:lvl7pPr>
+              <a:defRPr sz="2000"/>
+            </a:lvl7pPr>
+            <a:lvl8pPr>
+              <a:defRPr sz="2000"/>
+            </a:lvl8pPr>
+            <a:lvl9pPr>
+              <a:defRPr sz="2000"/>
+            </a:lvl9pPr>
+          </a:lstStyle>
+          <a:p>
+            <a:pPr lvl="0"/>
+            <a:r>
+              <a:rPr lang="en-US" smtClean="0"/>
+              <a:t>Click to edit Master text styles</a:t>
+            </a:r>
+          </a:p>
+          <a:p>
+            <a:pPr lvl="1"/>
+            <a:r>
+              <a:rPr lang="en-US" smtClean="0"/>
+              <a:t>Second level</a:t>
+            </a:r>
+          </a:p>
+          <a:p>
+            <a:pPr lvl="2"/>
+            <a:r>
+              <a:rPr lang="en-US" smtClean="0"/>
+              <a:t>Third level</a:t>
+            </a:r>
+          </a:p>
+          <a:p>
+            <a:pPr lvl="3"/>
+            <a:r>
+              <a:rPr lang="en-US" smtClean="0"/>
+              <a:t>Fourth level</a:t>
+            </a:r>
+          </a:p>
+          <a:p>
+            <a:pPr lvl="4"/>
+            <a:r>
+              <a:rPr lang="en-US" smtClean="0"/>
+              <a:t>Fifth level</a:t>
+            </a:r>
+            <a:endParaRPr lang="en-US"/>
+          </a:p>
+        </p:txBody>
+      </p:sp>
+      <p:sp>
+        <p:nvSpPr>
+          <p:cNvPr id="4" name="Text Placeholder 3"/>
+          <p:cNvSpPr>
+            <a:spLocks noGrp="1"/>
+          </p:cNvSpPr>
+          <p:nvPr>
+            <p:ph type="body" sz="half" idx="2"/>
+          </p:nvPr>
+        </p:nvSpPr>
+        <p:spPr>
+          <a:xfrm>
+            <a:off x="560798" y="2604070"/>
+            <a:ext cx="4211227" cy="3264917"/>
+          </a:xfrm>
+        </p:spPr>
+        <p:txBody>
+          <a:bodyPr>
+            <a:normAutofit/>
+          </a:bodyPr>
+          <a:lstStyle>
+            <a:lvl1pPr marL="0" indent="0">
+              <a:buNone/>
+              <a:defRPr sz="2000"/>
+            </a:lvl1pPr>
+            <a:lvl2pPr marL="457200" indent="0">
+              <a:buNone/>
+              <a:defRPr sz="1400"/>
+            </a:lvl2pPr>
+            <a:lvl3pPr marL="914400" indent="0">
+              <a:buNone/>
+              <a:defRPr sz="1200"/>
+            </a:lvl3pPr>
+            <a:lvl4pPr marL="1371600" indent="0">
+              <a:buNone/>
+              <a:defRPr sz="1000"/>
+            </a:lvl4pPr>
+            <a:lvl5pPr marL="1828800" indent="0">
+              <a:buNone/>
+              <a:defRPr sz="1000"/>
+            </a:lvl5pPr>
+            <a:lvl6pPr marL="2286000" indent="0">
+              <a:buNone/>
+              <a:defRPr sz="1000"/>
+            </a:lvl6pPr>
+            <a:lvl7pPr marL="2743200" indent="0">
+              <a:buNone/>
+              <a:defRPr sz="1000"/>
+            </a:lvl7pPr>
+            <a:lvl8pPr marL="3200400" indent="0">
+              <a:buNone/>
+              <a:defRPr sz="1000"/>
+            </a:lvl8pPr>
+            <a:lvl9pPr marL="3657600" indent="0">
+              <a:buNone/>
+              <a:defRPr sz="1000"/>
+            </a:lvl9pPr>
+          </a:lstStyle>
+          <a:p>
+            <a:pPr lvl="0"/>
+            <a:r>
+              <a:rPr lang="en-US" dirty="0" smtClean="0"/>
+              <a:t>Click to edit Master text styles</a:t>
+            </a:r>
+          </a:p>
+        </p:txBody>
+      </p:sp>
+      <p:sp>
+        <p:nvSpPr>
+          <p:cNvPr id="7" name="Slide Number Placeholder 6"/>
+          <p:cNvSpPr>
+            <a:spLocks noGrp="1"/>
+          </p:cNvSpPr>
+          <p:nvPr>
+            <p:ph type="sldNum" sz="quarter" idx="12"/>
+          </p:nvPr>
+        </p:nvSpPr>
+        <p:spPr>
+          <a:xfrm>
+            <a:off x="8897420" y="6256216"/>
+            <a:ext cx="2743200" cy="365125"/>
+          </a:xfrm>
+          <a:prstGeom prst="rect">
+            <a:avLst/>
+          </a:prstGeom>
+        </p:spPr>
+        <p:txBody>
+          <a:bodyPr/>
+          <a:lstStyle/>
+          <a:p>
+            <a:fld id="{0A164282-434E-41D4-9582-783D542A7B68}" type="slidenum">
+              <a:rPr/>
+              <a:pPr/>
+              <a:t>‹#›</a:t>
+            </a:fld>
+            <a:endParaRPr/>
+          </a:p>
+        </p:txBody>
+      </p:sp>
+    </p:spTree>
+    <p:extLst>
+      <p:ext uri="{BB962C8B-B14F-4D97-AF65-F5344CB8AC3E}">
+        <p14:creationId xmlns:p14="http://schemas.microsoft.com/office/powerpoint/2010/main" val="3944758409"/>
+      </p:ext>
+    </p:extLst>
+  </p:cSld>
+  <p:clrMapOvr>
+    <a:masterClrMapping/>
+  </p:clrMapOvr>
+  <p:timing>
+    <p:tnLst>
+      <p:par>
+        <p:cTn id="1" dur="indefinite" restart="never" nodeType="tmRoot"/>
+      </p:par>
+    </p:tnLst>
+  </p:timing>
+</p:sldLayout>
+</file>
+
+<file path=ppt/slideLayouts/slideLayout62.xml><?xml version="1.0" encoding="utf-8"?>
+<p:sldLayout xmlns:a="http://schemas.openxmlformats.org/drawingml/2006/main" xmlns:r="http://schemas.openxmlformats.org/officeDocument/2006/relationships" xmlns:p="http://schemas.openxmlformats.org/presentationml/2006/main" userDrawn="1">
+  <p:cSld name="1_Logo on Background">
+    <p:bg>
+      <p:bgPr>
+        <a:solidFill>
+          <a:schemeClr val="tx2">
+            <a:lumMod val="50000"/>
+          </a:schemeClr>
+        </a:solidFill>
+        <a:effectLst/>
+      </p:bgPr>
+    </p:bg>
+    <p:spTree>
+      <p:nvGrpSpPr>
+        <p:cNvPr id="1" name=""/>
+        <p:cNvGrpSpPr/>
+        <p:nvPr/>
+      </p:nvGrpSpPr>
+      <p:grpSpPr>
+        <a:xfrm>
+          <a:off x="0" y="0"/>
+          <a:ext cx="0" cy="0"/>
+          <a:chOff x="0" y="0"/>
+          <a:chExt cx="0" cy="0"/>
+        </a:xfrm>
+      </p:grpSpPr>
+      <p:sp>
+        <p:nvSpPr>
+          <p:cNvPr id="3" name="Text Box 3"/>
+          <p:cNvSpPr txBox="1">
+            <a:spLocks noChangeArrowheads="1"/>
+          </p:cNvSpPr>
+          <p:nvPr userDrawn="1"/>
+        </p:nvSpPr>
+        <p:spPr bwMode="blackWhite">
+          <a:xfrm>
+            <a:off x="450202" y="5503176"/>
+            <a:ext cx="8639369" cy="711824"/>
+          </a:xfrm>
+          <a:prstGeom prst="rect">
+            <a:avLst/>
+          </a:prstGeom>
+          <a:noFill/>
+          <a:ln w="12700">
+            <a:noFill/>
+            <a:miter lim="800000"/>
+            <a:headEnd type="none" w="sm" len="sm"/>
+            <a:tailEnd type="none" w="sm" len="sm"/>
+          </a:ln>
+          <a:effectLst/>
+        </p:spPr>
+        <p:txBody>
+          <a:bodyPr vert="horz" wrap="square" lIns="179285" tIns="143428" rIns="179285" bIns="143428" numCol="1" anchor="t" anchorCtr="0" compatLnSpc="1">
+            <a:prstTxWarp prst="textNoShape">
+              <a:avLst/>
+            </a:prstTxWarp>
+            <a:spAutoFit/>
+          </a:bodyPr>
+          <a:lstStyle/>
+          <a:p>
+            <a:pPr defTabSz="913924" eaLnBrk="0" hangingPunct="0"/>
+            <a:r>
+              <a:rPr lang="en-US" sz="686" dirty="0">
+                <a:gradFill>
+                  <a:gsLst>
+                    <a:gs pos="0">
+                      <a:srgbClr val="FFFFFF"/>
+                    </a:gs>
+                    <a:gs pos="100000">
+                      <a:srgbClr val="FFFFFF"/>
+                    </a:gs>
+                  </a:gsLst>
+                  <a:lin ang="5400000" scaled="0"/>
+                </a:gradFill>
+                <a:cs typeface="Segoe UI" pitchFamily="34" charset="0"/>
+              </a:rPr>
+              <a:t>© 2012 Microsoft Corporation. All rights reserved. Microsoft, Windows, Windows Vista and other product names are or may be registered trademarks and/or trademarks in the U.S. and/or other countries.</a:t>
+            </a:r>
+          </a:p>
+          <a:p>
+            <a:pPr defTabSz="913924" eaLnBrk="0" hangingPunct="0"/>
+            <a:r>
+              <a:rPr lang="en-US" sz="686" dirty="0">
+                <a:gradFill>
+                  <a:gsLst>
+                    <a:gs pos="0">
+                      <a:srgbClr val="FFFFFF"/>
+                    </a:gs>
+                    <a:gs pos="100000">
+                      <a:srgbClr val="FFFFFF"/>
+                    </a:gs>
+                  </a:gsLst>
+                  <a:lin ang="5400000" scaled="0"/>
+                </a:gradFill>
+                <a:cs typeface="Segoe UI" pitchFamily="34" charset="0"/>
+              </a:rPr>
+              <a:t>The information herein is for informational purposes only and represents the current view of Microsoft Corporation as of the date of this presentation.  Because Microsoft must respond to changing market conditions, it should not be interpreted to be a commitment on the part of Microsoft, and Microsoft cannot guarantee the accuracy of any information provided after the date of this presentation.  MICROSOFT MAKES NO WARRANTIES, EXPRESS, IMPLIED OR STATUTORY, AS TO THE INFORMATION IN THIS PRESENTATION.</a:t>
+            </a:r>
+          </a:p>
+        </p:txBody>
+      </p:sp>
+      <p:pic>
+        <p:nvPicPr>
+          <p:cNvPr id="4" name="Picture 3"/>
+          <p:cNvPicPr>
+            <a:picLocks noChangeAspect="1"/>
+          </p:cNvPicPr>
+          <p:nvPr userDrawn="1"/>
+        </p:nvPicPr>
+        <p:blipFill>
+          <a:blip r:embed="rId2" cstate="print">
+            <a:extLst>
+              <a:ext uri="{28A0092B-C50C-407E-A947-70E740481C1C}">
+                <a14:useLocalDpi xmlns:a14="http://schemas.microsoft.com/office/drawing/2010/main" val="0"/>
+              </a:ext>
+            </a:extLst>
+          </a:blip>
+          <a:stretch>
+            <a:fillRect/>
+          </a:stretch>
+        </p:blipFill>
+        <p:spPr bwMode="invGray">
+          <a:xfrm>
+            <a:off x="667916" y="4562112"/>
+            <a:ext cx="3223861" cy="690695"/>
+          </a:xfrm>
+          <a:prstGeom prst="rect">
+            <a:avLst/>
+          </a:prstGeom>
+        </p:spPr>
+      </p:pic>
+    </p:spTree>
+    <p:extLst>
+      <p:ext uri="{BB962C8B-B14F-4D97-AF65-F5344CB8AC3E}">
+        <p14:creationId xmlns:p14="http://schemas.microsoft.com/office/powerpoint/2010/main" val="2041803817"/>
+      </p:ext>
+    </p:extLst>
+  </p:cSld>
+  <p:clrMapOvr>
+    <a:masterClrMapping/>
+  </p:clrMapOvr>
+  <mc:AlternateContent xmlns:mc="http://schemas.openxmlformats.org/markup-compatibility/2006" xmlns:p14="http://schemas.microsoft.com/office/powerpoint/2010/main">
+    <mc:Choice Requires="p14">
+      <p:transition spd="med" p14:dur="700">
+        <p:fade/>
+      </p:transition>
+    </mc:Choice>
+    <mc:Fallback xmlns="">
+      <p:transition spd="med">
+        <p:fade/>
+      </p:transition>
+    </mc:Fallback>
+  </mc:AlternateContent>
+  <p:timing>
+    <p:tnLst>
+      <p:par>
+        <p:cTn id="1" dur="indefinite" restart="never" nodeType="tmRoot"/>
+      </p:par>
+    </p:tnLst>
+  </p:timing>
+</p:sldLayout>
+</file>
+
+<file path=ppt/slideLayouts/slideLayout63.xml><?xml version="1.0" encoding="utf-8"?>
+<p:sldLayout xmlns:a="http://schemas.openxmlformats.org/drawingml/2006/main" xmlns:r="http://schemas.openxmlformats.org/officeDocument/2006/relationships" xmlns:p="http://schemas.openxmlformats.org/presentationml/2006/main" userDrawn="1">
+  <p:cSld name="3_Custom Layout">
+    <p:bg>
+      <p:bgPr>
+        <a:solidFill>
+          <a:srgbClr val="617081"/>
+        </a:solidFill>
+        <a:effectLst/>
+      </p:bgPr>
+    </p:bg>
+    <p:spTree>
+      <p:nvGrpSpPr>
+        <p:cNvPr id="1" name=""/>
+        <p:cNvGrpSpPr/>
+        <p:nvPr/>
+      </p:nvGrpSpPr>
+      <p:grpSpPr>
+        <a:xfrm>
+          <a:off x="0" y="0"/>
+          <a:ext cx="0" cy="0"/>
+          <a:chOff x="0" y="0"/>
+          <a:chExt cx="0" cy="0"/>
+        </a:xfrm>
+      </p:grpSpPr>
+      <p:sp>
+        <p:nvSpPr>
+          <p:cNvPr id="4" name="Title 3"/>
+          <p:cNvSpPr>
+            <a:spLocks noGrp="1"/>
+          </p:cNvSpPr>
+          <p:nvPr>
+            <p:ph type="title"/>
+          </p:nvPr>
+        </p:nvSpPr>
+        <p:spPr/>
+        <p:txBody>
+          <a:bodyPr anchor="b"/>
+          <a:lstStyle/>
+          <a:p>
+            <a:r>
+              <a:rPr lang="en-US" smtClean="0"/>
+              <a:t>Click to edit Master title style</a:t>
+            </a:r>
+            <a:endParaRPr lang="en-US"/>
+          </a:p>
+        </p:txBody>
+      </p:sp>
+      <p:sp>
+        <p:nvSpPr>
+          <p:cNvPr id="6" name="Text Placeholder 5"/>
+          <p:cNvSpPr>
+            <a:spLocks noGrp="1"/>
+          </p:cNvSpPr>
+          <p:nvPr>
+            <p:ph type="body" sz="quarter" idx="10" hasCustomPrompt="1"/>
+          </p:nvPr>
+        </p:nvSpPr>
+        <p:spPr>
+          <a:xfrm>
+            <a:off x="6638425" y="5517221"/>
+            <a:ext cx="5013325" cy="1026863"/>
+          </a:xfrm>
+        </p:spPr>
+        <p:txBody>
+          <a:bodyPr/>
+          <a:lstStyle>
+            <a:lvl1pPr>
+              <a:defRPr>
+                <a:solidFill>
+                  <a:srgbClr val="BDCD2C"/>
+                </a:solidFill>
+              </a:defRPr>
+            </a:lvl1pPr>
+          </a:lstStyle>
+          <a:p>
+            <a:pPr lvl="0"/>
+            <a:r>
+              <a:rPr lang="en-US" dirty="0" smtClean="0"/>
+              <a:t>Presenter Name</a:t>
+            </a:r>
+          </a:p>
+          <a:p>
+            <a:pPr lvl="0"/>
+            <a:r>
+              <a:rPr lang="en-US" dirty="0" smtClean="0"/>
+              <a:t>Title/role</a:t>
+            </a:r>
+          </a:p>
+        </p:txBody>
+      </p:sp>
+    </p:spTree>
+    <p:extLst>
+      <p:ext uri="{BB962C8B-B14F-4D97-AF65-F5344CB8AC3E}">
+        <p14:creationId xmlns:p14="http://schemas.microsoft.com/office/powerpoint/2010/main" val="2886664687"/>
       </p:ext>
     </p:extLst>
   </p:cSld>
@@ -12934,130 +15247,6 @@
           <a:p>
             <a:pPr algn="ctr"/>
             <a:endParaRPr lang="en-US"/>
-          </a:p>
-        </p:txBody>
-      </p:sp>
-      <p:sp>
-        <p:nvSpPr>
-          <p:cNvPr id="14" name="Slide Number Placeholder 5"/>
-          <p:cNvSpPr txBox="1">
-            <a:spLocks/>
-          </p:cNvSpPr>
-          <p:nvPr userDrawn="1"/>
-        </p:nvSpPr>
-        <p:spPr>
-          <a:xfrm>
-            <a:off x="560798" y="6256216"/>
-            <a:ext cx="2743200" cy="365125"/>
-          </a:xfrm>
-          <a:prstGeom prst="rect">
-            <a:avLst/>
-          </a:prstGeom>
-        </p:spPr>
-        <p:txBody>
-          <a:bodyPr vert="horz" lIns="91440" tIns="45720" rIns="91440" bIns="45720" rtlCol="0" anchor="ctr"/>
-          <a:lstStyle>
-            <a:defPPr>
-              <a:defRPr lang="en-US"/>
-            </a:defPPr>
-            <a:lvl1pPr marL="0" algn="r" defTabSz="914400" rtl="0" eaLnBrk="1" latinLnBrk="0" hangingPunct="1">
-              <a:defRPr sz="2000" kern="1200">
-                <a:solidFill>
-                  <a:srgbClr val="289FD7"/>
-                </a:solidFill>
-                <a:latin typeface="+mj-lt"/>
-                <a:ea typeface="+mn-ea"/>
-                <a:cs typeface="+mn-cs"/>
-              </a:defRPr>
-            </a:lvl1pPr>
-            <a:lvl2pPr marL="457200" algn="l" defTabSz="914400" rtl="0" eaLnBrk="1" latinLnBrk="0" hangingPunct="1">
-              <a:defRPr sz="1800" kern="1200">
-                <a:solidFill>
-                  <a:schemeClr val="tx1"/>
-                </a:solidFill>
-                <a:latin typeface="+mn-lt"/>
-                <a:ea typeface="+mn-ea"/>
-                <a:cs typeface="+mn-cs"/>
-              </a:defRPr>
-            </a:lvl2pPr>
-            <a:lvl3pPr marL="914400" algn="l" defTabSz="914400" rtl="0" eaLnBrk="1" latinLnBrk="0" hangingPunct="1">
-              <a:defRPr sz="1800" kern="1200">
-                <a:solidFill>
-                  <a:schemeClr val="tx1"/>
-                </a:solidFill>
-                <a:latin typeface="+mn-lt"/>
-                <a:ea typeface="+mn-ea"/>
-                <a:cs typeface="+mn-cs"/>
-              </a:defRPr>
-            </a:lvl3pPr>
-            <a:lvl4pPr marL="1371600" algn="l" defTabSz="914400" rtl="0" eaLnBrk="1" latinLnBrk="0" hangingPunct="1">
-              <a:defRPr sz="1800" kern="1200">
-                <a:solidFill>
-                  <a:schemeClr val="tx1"/>
-                </a:solidFill>
-                <a:latin typeface="+mn-lt"/>
-                <a:ea typeface="+mn-ea"/>
-                <a:cs typeface="+mn-cs"/>
-              </a:defRPr>
-            </a:lvl4pPr>
-            <a:lvl5pPr marL="1828800" algn="l" defTabSz="914400" rtl="0" eaLnBrk="1" latinLnBrk="0" hangingPunct="1">
-              <a:defRPr sz="1800" kern="1200">
-                <a:solidFill>
-                  <a:schemeClr val="tx1"/>
-                </a:solidFill>
-                <a:latin typeface="+mn-lt"/>
-                <a:ea typeface="+mn-ea"/>
-                <a:cs typeface="+mn-cs"/>
-              </a:defRPr>
-            </a:lvl5pPr>
-            <a:lvl6pPr marL="2286000" algn="l" defTabSz="914400" rtl="0" eaLnBrk="1" latinLnBrk="0" hangingPunct="1">
-              <a:defRPr sz="1800" kern="1200">
-                <a:solidFill>
-                  <a:schemeClr val="tx1"/>
-                </a:solidFill>
-                <a:latin typeface="+mn-lt"/>
-                <a:ea typeface="+mn-ea"/>
-                <a:cs typeface="+mn-cs"/>
-              </a:defRPr>
-            </a:lvl6pPr>
-            <a:lvl7pPr marL="2743200" algn="l" defTabSz="914400" rtl="0" eaLnBrk="1" latinLnBrk="0" hangingPunct="1">
-              <a:defRPr sz="1800" kern="1200">
-                <a:solidFill>
-                  <a:schemeClr val="tx1"/>
-                </a:solidFill>
-                <a:latin typeface="+mn-lt"/>
-                <a:ea typeface="+mn-ea"/>
-                <a:cs typeface="+mn-cs"/>
-              </a:defRPr>
-            </a:lvl7pPr>
-            <a:lvl8pPr marL="3200400" algn="l" defTabSz="914400" rtl="0" eaLnBrk="1" latinLnBrk="0" hangingPunct="1">
-              <a:defRPr sz="1800" kern="1200">
-                <a:solidFill>
-                  <a:schemeClr val="tx1"/>
-                </a:solidFill>
-                <a:latin typeface="+mn-lt"/>
-                <a:ea typeface="+mn-ea"/>
-                <a:cs typeface="+mn-cs"/>
-              </a:defRPr>
-            </a:lvl8pPr>
-            <a:lvl9pPr marL="3657600" algn="l" defTabSz="914400" rtl="0" eaLnBrk="1" latinLnBrk="0" hangingPunct="1">
-              <a:defRPr sz="1800" kern="1200">
-                <a:solidFill>
-                  <a:schemeClr val="tx1"/>
-                </a:solidFill>
-                <a:latin typeface="+mn-lt"/>
-                <a:ea typeface="+mn-ea"/>
-                <a:cs typeface="+mn-cs"/>
-              </a:defRPr>
-            </a:lvl9pPr>
-          </a:lstStyle>
-          <a:p>
-            <a:pPr algn="l"/>
-            <a:r>
-              <a:rPr lang="en-US" dirty="0" smtClean="0"/>
-              <a:t>Windows Azure</a:t>
-            </a:r>
-            <a:endParaRPr lang="en-US" dirty="0"/>
           </a:p>
         </p:txBody>
       </p:sp>
@@ -13880,138 +16069,6 @@
       </p:sp>
       <p:sp>
         <p:nvSpPr>
-          <p:cNvPr id="14" name="Slide Number Placeholder 5"/>
-          <p:cNvSpPr txBox="1">
-            <a:spLocks/>
-          </p:cNvSpPr>
-          <p:nvPr userDrawn="1"/>
-        </p:nvSpPr>
-        <p:spPr>
-          <a:xfrm>
-            <a:off x="560798" y="6256216"/>
-            <a:ext cx="2743200" cy="365125"/>
-          </a:xfrm>
-          <a:prstGeom prst="rect">
-            <a:avLst/>
-          </a:prstGeom>
-        </p:spPr>
-        <p:txBody>
-          <a:bodyPr vert="horz" lIns="91440" tIns="45720" rIns="91440" bIns="45720" rtlCol="0" anchor="ctr"/>
-          <a:lstStyle>
-            <a:defPPr>
-              <a:defRPr lang="en-US"/>
-            </a:defPPr>
-            <a:lvl1pPr marL="0" algn="r" defTabSz="914400" rtl="0" eaLnBrk="1" latinLnBrk="0" hangingPunct="1">
-              <a:defRPr sz="2000" kern="1200">
-                <a:solidFill>
-                  <a:srgbClr val="289FD7"/>
-                </a:solidFill>
-                <a:latin typeface="+mj-lt"/>
-                <a:ea typeface="+mn-ea"/>
-                <a:cs typeface="+mn-cs"/>
-              </a:defRPr>
-            </a:lvl1pPr>
-            <a:lvl2pPr marL="457200" algn="l" defTabSz="914400" rtl="0" eaLnBrk="1" latinLnBrk="0" hangingPunct="1">
-              <a:defRPr sz="1800" kern="1200">
-                <a:solidFill>
-                  <a:schemeClr val="tx1"/>
-                </a:solidFill>
-                <a:latin typeface="+mn-lt"/>
-                <a:ea typeface="+mn-ea"/>
-                <a:cs typeface="+mn-cs"/>
-              </a:defRPr>
-            </a:lvl2pPr>
-            <a:lvl3pPr marL="914400" algn="l" defTabSz="914400" rtl="0" eaLnBrk="1" latinLnBrk="0" hangingPunct="1">
-              <a:defRPr sz="1800" kern="1200">
-                <a:solidFill>
-                  <a:schemeClr val="tx1"/>
-                </a:solidFill>
-                <a:latin typeface="+mn-lt"/>
-                <a:ea typeface="+mn-ea"/>
-                <a:cs typeface="+mn-cs"/>
-              </a:defRPr>
-            </a:lvl3pPr>
-            <a:lvl4pPr marL="1371600" algn="l" defTabSz="914400" rtl="0" eaLnBrk="1" latinLnBrk="0" hangingPunct="1">
-              <a:defRPr sz="1800" kern="1200">
-                <a:solidFill>
-                  <a:schemeClr val="tx1"/>
-                </a:solidFill>
-                <a:latin typeface="+mn-lt"/>
-                <a:ea typeface="+mn-ea"/>
-                <a:cs typeface="+mn-cs"/>
-              </a:defRPr>
-            </a:lvl4pPr>
-            <a:lvl5pPr marL="1828800" algn="l" defTabSz="914400" rtl="0" eaLnBrk="1" latinLnBrk="0" hangingPunct="1">
-              <a:defRPr sz="1800" kern="1200">
-                <a:solidFill>
-                  <a:schemeClr val="tx1"/>
-                </a:solidFill>
-                <a:latin typeface="+mn-lt"/>
-                <a:ea typeface="+mn-ea"/>
-                <a:cs typeface="+mn-cs"/>
-              </a:defRPr>
-            </a:lvl5pPr>
-            <a:lvl6pPr marL="2286000" algn="l" defTabSz="914400" rtl="0" eaLnBrk="1" latinLnBrk="0" hangingPunct="1">
-              <a:defRPr sz="1800" kern="1200">
-                <a:solidFill>
-                  <a:schemeClr val="tx1"/>
-                </a:solidFill>
-                <a:latin typeface="+mn-lt"/>
-                <a:ea typeface="+mn-ea"/>
-                <a:cs typeface="+mn-cs"/>
-              </a:defRPr>
-            </a:lvl6pPr>
-            <a:lvl7pPr marL="2743200" algn="l" defTabSz="914400" rtl="0" eaLnBrk="1" latinLnBrk="0" hangingPunct="1">
-              <a:defRPr sz="1800" kern="1200">
-                <a:solidFill>
-                  <a:schemeClr val="tx1"/>
-                </a:solidFill>
-                <a:latin typeface="+mn-lt"/>
-                <a:ea typeface="+mn-ea"/>
-                <a:cs typeface="+mn-cs"/>
-              </a:defRPr>
-            </a:lvl7pPr>
-            <a:lvl8pPr marL="3200400" algn="l" defTabSz="914400" rtl="0" eaLnBrk="1" latinLnBrk="0" hangingPunct="1">
-              <a:defRPr sz="1800" kern="1200">
-                <a:solidFill>
-                  <a:schemeClr val="tx1"/>
-                </a:solidFill>
-                <a:latin typeface="+mn-lt"/>
-                <a:ea typeface="+mn-ea"/>
-                <a:cs typeface="+mn-cs"/>
-              </a:defRPr>
-            </a:lvl8pPr>
-            <a:lvl9pPr marL="3657600" algn="l" defTabSz="914400" rtl="0" eaLnBrk="1" latinLnBrk="0" hangingPunct="1">
-              <a:defRPr sz="1800" kern="1200">
-                <a:solidFill>
-                  <a:schemeClr val="tx1"/>
-                </a:solidFill>
-                <a:latin typeface="+mn-lt"/>
-                <a:ea typeface="+mn-ea"/>
-                <a:cs typeface="+mn-cs"/>
-              </a:defRPr>
-            </a:lvl9pPr>
-          </a:lstStyle>
-          <a:p>
-            <a:pPr algn="l"/>
-            <a:r>
-              <a:rPr lang="en-US" dirty="0" smtClean="0">
-                <a:solidFill>
-                  <a:srgbClr val="BDCD2C"/>
-                </a:solidFill>
-              </a:rPr>
-              <a:t>Windows Azure</a:t>
-            </a:r>
-            <a:endParaRPr lang="en-US" dirty="0">
-              <a:solidFill>
-                <a:srgbClr val="BDCD2C"/>
-              </a:solidFill>
-            </a:endParaRPr>
-          </a:p>
-        </p:txBody>
-      </p:sp>
-      <p:sp>
-        <p:nvSpPr>
           <p:cNvPr id="15" name="Rectangle 14"/>
           <p:cNvSpPr/>
           <p:nvPr userDrawn="1"/>
@@ -14827,138 +16884,6 @@
       </p:sp>
       <p:sp>
         <p:nvSpPr>
-          <p:cNvPr id="14" name="Slide Number Placeholder 5"/>
-          <p:cNvSpPr txBox="1">
-            <a:spLocks/>
-          </p:cNvSpPr>
-          <p:nvPr userDrawn="1"/>
-        </p:nvSpPr>
-        <p:spPr>
-          <a:xfrm>
-            <a:off x="560798" y="6256216"/>
-            <a:ext cx="2743200" cy="365125"/>
-          </a:xfrm>
-          <a:prstGeom prst="rect">
-            <a:avLst/>
-          </a:prstGeom>
-        </p:spPr>
-        <p:txBody>
-          <a:bodyPr vert="horz" lIns="91440" tIns="45720" rIns="91440" bIns="45720" rtlCol="0" anchor="ctr"/>
-          <a:lstStyle>
-            <a:defPPr>
-              <a:defRPr lang="en-US"/>
-            </a:defPPr>
-            <a:lvl1pPr marL="0" algn="r" defTabSz="914400" rtl="0" eaLnBrk="1" latinLnBrk="0" hangingPunct="1">
-              <a:defRPr sz="2000" kern="1200">
-                <a:solidFill>
-                  <a:srgbClr val="289FD7"/>
-                </a:solidFill>
-                <a:latin typeface="+mj-lt"/>
-                <a:ea typeface="+mn-ea"/>
-                <a:cs typeface="+mn-cs"/>
-              </a:defRPr>
-            </a:lvl1pPr>
-            <a:lvl2pPr marL="457200" algn="l" defTabSz="914400" rtl="0" eaLnBrk="1" latinLnBrk="0" hangingPunct="1">
-              <a:defRPr sz="1800" kern="1200">
-                <a:solidFill>
-                  <a:schemeClr val="tx1"/>
-                </a:solidFill>
-                <a:latin typeface="+mn-lt"/>
-                <a:ea typeface="+mn-ea"/>
-                <a:cs typeface="+mn-cs"/>
-              </a:defRPr>
-            </a:lvl2pPr>
-            <a:lvl3pPr marL="914400" algn="l" defTabSz="914400" rtl="0" eaLnBrk="1" latinLnBrk="0" hangingPunct="1">
-              <a:defRPr sz="1800" kern="1200">
-                <a:solidFill>
-                  <a:schemeClr val="tx1"/>
-                </a:solidFill>
-                <a:latin typeface="+mn-lt"/>
-                <a:ea typeface="+mn-ea"/>
-                <a:cs typeface="+mn-cs"/>
-              </a:defRPr>
-            </a:lvl3pPr>
-            <a:lvl4pPr marL="1371600" algn="l" defTabSz="914400" rtl="0" eaLnBrk="1" latinLnBrk="0" hangingPunct="1">
-              <a:defRPr sz="1800" kern="1200">
-                <a:solidFill>
-                  <a:schemeClr val="tx1"/>
-                </a:solidFill>
-                <a:latin typeface="+mn-lt"/>
-                <a:ea typeface="+mn-ea"/>
-                <a:cs typeface="+mn-cs"/>
-              </a:defRPr>
-            </a:lvl4pPr>
-            <a:lvl5pPr marL="1828800" algn="l" defTabSz="914400" rtl="0" eaLnBrk="1" latinLnBrk="0" hangingPunct="1">
-              <a:defRPr sz="1800" kern="1200">
-                <a:solidFill>
-                  <a:schemeClr val="tx1"/>
-                </a:solidFill>
-                <a:latin typeface="+mn-lt"/>
-                <a:ea typeface="+mn-ea"/>
-                <a:cs typeface="+mn-cs"/>
-              </a:defRPr>
-            </a:lvl5pPr>
-            <a:lvl6pPr marL="2286000" algn="l" defTabSz="914400" rtl="0" eaLnBrk="1" latinLnBrk="0" hangingPunct="1">
-              <a:defRPr sz="1800" kern="1200">
-                <a:solidFill>
-                  <a:schemeClr val="tx1"/>
-                </a:solidFill>
-                <a:latin typeface="+mn-lt"/>
-                <a:ea typeface="+mn-ea"/>
-                <a:cs typeface="+mn-cs"/>
-              </a:defRPr>
-            </a:lvl6pPr>
-            <a:lvl7pPr marL="2743200" algn="l" defTabSz="914400" rtl="0" eaLnBrk="1" latinLnBrk="0" hangingPunct="1">
-              <a:defRPr sz="1800" kern="1200">
-                <a:solidFill>
-                  <a:schemeClr val="tx1"/>
-                </a:solidFill>
-                <a:latin typeface="+mn-lt"/>
-                <a:ea typeface="+mn-ea"/>
-                <a:cs typeface="+mn-cs"/>
-              </a:defRPr>
-            </a:lvl7pPr>
-            <a:lvl8pPr marL="3200400" algn="l" defTabSz="914400" rtl="0" eaLnBrk="1" latinLnBrk="0" hangingPunct="1">
-              <a:defRPr sz="1800" kern="1200">
-                <a:solidFill>
-                  <a:schemeClr val="tx1"/>
-                </a:solidFill>
-                <a:latin typeface="+mn-lt"/>
-                <a:ea typeface="+mn-ea"/>
-                <a:cs typeface="+mn-cs"/>
-              </a:defRPr>
-            </a:lvl8pPr>
-            <a:lvl9pPr marL="3657600" algn="l" defTabSz="914400" rtl="0" eaLnBrk="1" latinLnBrk="0" hangingPunct="1">
-              <a:defRPr sz="1800" kern="1200">
-                <a:solidFill>
-                  <a:schemeClr val="tx1"/>
-                </a:solidFill>
-                <a:latin typeface="+mn-lt"/>
-                <a:ea typeface="+mn-ea"/>
-                <a:cs typeface="+mn-cs"/>
-              </a:defRPr>
-            </a:lvl9pPr>
-          </a:lstStyle>
-          <a:p>
-            <a:pPr algn="l"/>
-            <a:r>
-              <a:rPr lang="en-US" dirty="0" smtClean="0">
-                <a:solidFill>
-                  <a:srgbClr val="617081"/>
-                </a:solidFill>
-              </a:rPr>
-              <a:t>Windows Azure</a:t>
-            </a:r>
-            <a:endParaRPr lang="en-US" dirty="0">
-              <a:solidFill>
-                <a:srgbClr val="617081"/>
-              </a:solidFill>
-            </a:endParaRPr>
-          </a:p>
-        </p:txBody>
-      </p:sp>
-      <p:sp>
-        <p:nvSpPr>
           <p:cNvPr id="15" name="Rectangle 14"/>
           <p:cNvSpPr/>
           <p:nvPr userDrawn="1"/>
@@ -15774,138 +17699,6 @@
       </p:sp>
       <p:sp>
         <p:nvSpPr>
-          <p:cNvPr id="14" name="Slide Number Placeholder 5"/>
-          <p:cNvSpPr txBox="1">
-            <a:spLocks/>
-          </p:cNvSpPr>
-          <p:nvPr userDrawn="1"/>
-        </p:nvSpPr>
-        <p:spPr>
-          <a:xfrm>
-            <a:off x="560798" y="6256216"/>
-            <a:ext cx="2743200" cy="365125"/>
-          </a:xfrm>
-          <a:prstGeom prst="rect">
-            <a:avLst/>
-          </a:prstGeom>
-        </p:spPr>
-        <p:txBody>
-          <a:bodyPr vert="horz" lIns="91440" tIns="45720" rIns="91440" bIns="45720" rtlCol="0" anchor="ctr"/>
-          <a:lstStyle>
-            <a:defPPr>
-              <a:defRPr lang="en-US"/>
-            </a:defPPr>
-            <a:lvl1pPr marL="0" algn="r" defTabSz="914400" rtl="0" eaLnBrk="1" latinLnBrk="0" hangingPunct="1">
-              <a:defRPr sz="2000" kern="1200">
-                <a:solidFill>
-                  <a:srgbClr val="289FD7"/>
-                </a:solidFill>
-                <a:latin typeface="+mj-lt"/>
-                <a:ea typeface="+mn-ea"/>
-                <a:cs typeface="+mn-cs"/>
-              </a:defRPr>
-            </a:lvl1pPr>
-            <a:lvl2pPr marL="457200" algn="l" defTabSz="914400" rtl="0" eaLnBrk="1" latinLnBrk="0" hangingPunct="1">
-              <a:defRPr sz="1800" kern="1200">
-                <a:solidFill>
-                  <a:schemeClr val="tx1"/>
-                </a:solidFill>
-                <a:latin typeface="+mn-lt"/>
-                <a:ea typeface="+mn-ea"/>
-                <a:cs typeface="+mn-cs"/>
-              </a:defRPr>
-            </a:lvl2pPr>
-            <a:lvl3pPr marL="914400" algn="l" defTabSz="914400" rtl="0" eaLnBrk="1" latinLnBrk="0" hangingPunct="1">
-              <a:defRPr sz="1800" kern="1200">
-                <a:solidFill>
-                  <a:schemeClr val="tx1"/>
-                </a:solidFill>
-                <a:latin typeface="+mn-lt"/>
-                <a:ea typeface="+mn-ea"/>
-                <a:cs typeface="+mn-cs"/>
-              </a:defRPr>
-            </a:lvl3pPr>
-            <a:lvl4pPr marL="1371600" algn="l" defTabSz="914400" rtl="0" eaLnBrk="1" latinLnBrk="0" hangingPunct="1">
-              <a:defRPr sz="1800" kern="1200">
-                <a:solidFill>
-                  <a:schemeClr val="tx1"/>
-                </a:solidFill>
-                <a:latin typeface="+mn-lt"/>
-                <a:ea typeface="+mn-ea"/>
-                <a:cs typeface="+mn-cs"/>
-              </a:defRPr>
-            </a:lvl4pPr>
-            <a:lvl5pPr marL="1828800" algn="l" defTabSz="914400" rtl="0" eaLnBrk="1" latinLnBrk="0" hangingPunct="1">
-              <a:defRPr sz="1800" kern="1200">
-                <a:solidFill>
-                  <a:schemeClr val="tx1"/>
-                </a:solidFill>
-                <a:latin typeface="+mn-lt"/>
-                <a:ea typeface="+mn-ea"/>
-                <a:cs typeface="+mn-cs"/>
-              </a:defRPr>
-            </a:lvl5pPr>
-            <a:lvl6pPr marL="2286000" algn="l" defTabSz="914400" rtl="0" eaLnBrk="1" latinLnBrk="0" hangingPunct="1">
-              <a:defRPr sz="1800" kern="1200">
-                <a:solidFill>
-                  <a:schemeClr val="tx1"/>
-                </a:solidFill>
-                <a:latin typeface="+mn-lt"/>
-                <a:ea typeface="+mn-ea"/>
-                <a:cs typeface="+mn-cs"/>
-              </a:defRPr>
-            </a:lvl6pPr>
-            <a:lvl7pPr marL="2743200" algn="l" defTabSz="914400" rtl="0" eaLnBrk="1" latinLnBrk="0" hangingPunct="1">
-              <a:defRPr sz="1800" kern="1200">
-                <a:solidFill>
-                  <a:schemeClr val="tx1"/>
-                </a:solidFill>
-                <a:latin typeface="+mn-lt"/>
-                <a:ea typeface="+mn-ea"/>
-                <a:cs typeface="+mn-cs"/>
-              </a:defRPr>
-            </a:lvl7pPr>
-            <a:lvl8pPr marL="3200400" algn="l" defTabSz="914400" rtl="0" eaLnBrk="1" latinLnBrk="0" hangingPunct="1">
-              <a:defRPr sz="1800" kern="1200">
-                <a:solidFill>
-                  <a:schemeClr val="tx1"/>
-                </a:solidFill>
-                <a:latin typeface="+mn-lt"/>
-                <a:ea typeface="+mn-ea"/>
-                <a:cs typeface="+mn-cs"/>
-              </a:defRPr>
-            </a:lvl8pPr>
-            <a:lvl9pPr marL="3657600" algn="l" defTabSz="914400" rtl="0" eaLnBrk="1" latinLnBrk="0" hangingPunct="1">
-              <a:defRPr sz="1800" kern="1200">
-                <a:solidFill>
-                  <a:schemeClr val="tx1"/>
-                </a:solidFill>
-                <a:latin typeface="+mn-lt"/>
-                <a:ea typeface="+mn-ea"/>
-                <a:cs typeface="+mn-cs"/>
-              </a:defRPr>
-            </a:lvl9pPr>
-          </a:lstStyle>
-          <a:p>
-            <a:pPr algn="l"/>
-            <a:r>
-              <a:rPr lang="en-US" dirty="0" smtClean="0">
-                <a:solidFill>
-                  <a:srgbClr val="0171B0"/>
-                </a:solidFill>
-              </a:rPr>
-              <a:t>Windows Azure</a:t>
-            </a:r>
-            <a:endParaRPr lang="en-US" dirty="0">
-              <a:solidFill>
-                <a:srgbClr val="0171B0"/>
-              </a:solidFill>
-            </a:endParaRPr>
-          </a:p>
-        </p:txBody>
-      </p:sp>
-      <p:sp>
-        <p:nvSpPr>
           <p:cNvPr id="15" name="Rectangle 14"/>
           <p:cNvSpPr/>
           <p:nvPr userDrawn="1"/>
@@ -16721,138 +18514,6 @@
       </p:sp>
       <p:sp>
         <p:nvSpPr>
-          <p:cNvPr id="14" name="Slide Number Placeholder 5"/>
-          <p:cNvSpPr txBox="1">
-            <a:spLocks/>
-          </p:cNvSpPr>
-          <p:nvPr userDrawn="1"/>
-        </p:nvSpPr>
-        <p:spPr>
-          <a:xfrm>
-            <a:off x="560798" y="6256216"/>
-            <a:ext cx="2743200" cy="365125"/>
-          </a:xfrm>
-          <a:prstGeom prst="rect">
-            <a:avLst/>
-          </a:prstGeom>
-        </p:spPr>
-        <p:txBody>
-          <a:bodyPr vert="horz" lIns="91440" tIns="45720" rIns="91440" bIns="45720" rtlCol="0" anchor="ctr"/>
-          <a:lstStyle>
-            <a:defPPr>
-              <a:defRPr lang="en-US"/>
-            </a:defPPr>
-            <a:lvl1pPr marL="0" algn="r" defTabSz="914400" rtl="0" eaLnBrk="1" latinLnBrk="0" hangingPunct="1">
-              <a:defRPr sz="2000" kern="1200">
-                <a:solidFill>
-                  <a:srgbClr val="289FD7"/>
-                </a:solidFill>
-                <a:latin typeface="+mj-lt"/>
-                <a:ea typeface="+mn-ea"/>
-                <a:cs typeface="+mn-cs"/>
-              </a:defRPr>
-            </a:lvl1pPr>
-            <a:lvl2pPr marL="457200" algn="l" defTabSz="914400" rtl="0" eaLnBrk="1" latinLnBrk="0" hangingPunct="1">
-              <a:defRPr sz="1800" kern="1200">
-                <a:solidFill>
-                  <a:schemeClr val="tx1"/>
-                </a:solidFill>
-                <a:latin typeface="+mn-lt"/>
-                <a:ea typeface="+mn-ea"/>
-                <a:cs typeface="+mn-cs"/>
-              </a:defRPr>
-            </a:lvl2pPr>
-            <a:lvl3pPr marL="914400" algn="l" defTabSz="914400" rtl="0" eaLnBrk="1" latinLnBrk="0" hangingPunct="1">
-              <a:defRPr sz="1800" kern="1200">
-                <a:solidFill>
-                  <a:schemeClr val="tx1"/>
-                </a:solidFill>
-                <a:latin typeface="+mn-lt"/>
-                <a:ea typeface="+mn-ea"/>
-                <a:cs typeface="+mn-cs"/>
-              </a:defRPr>
-            </a:lvl3pPr>
-            <a:lvl4pPr marL="1371600" algn="l" defTabSz="914400" rtl="0" eaLnBrk="1" latinLnBrk="0" hangingPunct="1">
-              <a:defRPr sz="1800" kern="1200">
-                <a:solidFill>
-                  <a:schemeClr val="tx1"/>
-                </a:solidFill>
-                <a:latin typeface="+mn-lt"/>
-                <a:ea typeface="+mn-ea"/>
-                <a:cs typeface="+mn-cs"/>
-              </a:defRPr>
-            </a:lvl4pPr>
-            <a:lvl5pPr marL="1828800" algn="l" defTabSz="914400" rtl="0" eaLnBrk="1" latinLnBrk="0" hangingPunct="1">
-              <a:defRPr sz="1800" kern="1200">
-                <a:solidFill>
-                  <a:schemeClr val="tx1"/>
-                </a:solidFill>
-                <a:latin typeface="+mn-lt"/>
-                <a:ea typeface="+mn-ea"/>
-                <a:cs typeface="+mn-cs"/>
-              </a:defRPr>
-            </a:lvl5pPr>
-            <a:lvl6pPr marL="2286000" algn="l" defTabSz="914400" rtl="0" eaLnBrk="1" latinLnBrk="0" hangingPunct="1">
-              <a:defRPr sz="1800" kern="1200">
-                <a:solidFill>
-                  <a:schemeClr val="tx1"/>
-                </a:solidFill>
-                <a:latin typeface="+mn-lt"/>
-                <a:ea typeface="+mn-ea"/>
-                <a:cs typeface="+mn-cs"/>
-              </a:defRPr>
-            </a:lvl6pPr>
-            <a:lvl7pPr marL="2743200" algn="l" defTabSz="914400" rtl="0" eaLnBrk="1" latinLnBrk="0" hangingPunct="1">
-              <a:defRPr sz="1800" kern="1200">
-                <a:solidFill>
-                  <a:schemeClr val="tx1"/>
-                </a:solidFill>
-                <a:latin typeface="+mn-lt"/>
-                <a:ea typeface="+mn-ea"/>
-                <a:cs typeface="+mn-cs"/>
-              </a:defRPr>
-            </a:lvl7pPr>
-            <a:lvl8pPr marL="3200400" algn="l" defTabSz="914400" rtl="0" eaLnBrk="1" latinLnBrk="0" hangingPunct="1">
-              <a:defRPr sz="1800" kern="1200">
-                <a:solidFill>
-                  <a:schemeClr val="tx1"/>
-                </a:solidFill>
-                <a:latin typeface="+mn-lt"/>
-                <a:ea typeface="+mn-ea"/>
-                <a:cs typeface="+mn-cs"/>
-              </a:defRPr>
-            </a:lvl8pPr>
-            <a:lvl9pPr marL="3657600" algn="l" defTabSz="914400" rtl="0" eaLnBrk="1" latinLnBrk="0" hangingPunct="1">
-              <a:defRPr sz="1800" kern="1200">
-                <a:solidFill>
-                  <a:schemeClr val="tx1"/>
-                </a:solidFill>
-                <a:latin typeface="+mn-lt"/>
-                <a:ea typeface="+mn-ea"/>
-                <a:cs typeface="+mn-cs"/>
-              </a:defRPr>
-            </a:lvl9pPr>
-          </a:lstStyle>
-          <a:p>
-            <a:pPr algn="l"/>
-            <a:r>
-              <a:rPr lang="en-US" dirty="0" smtClean="0">
-                <a:solidFill>
-                  <a:srgbClr val="289FD7"/>
-                </a:solidFill>
-              </a:rPr>
-              <a:t>Windows Azure</a:t>
-            </a:r>
-            <a:endParaRPr lang="en-US" dirty="0">
-              <a:solidFill>
-                <a:srgbClr val="289FD7"/>
-              </a:solidFill>
-            </a:endParaRPr>
-          </a:p>
-        </p:txBody>
-      </p:sp>
-      <p:sp>
-        <p:nvSpPr>
           <p:cNvPr id="15" name="Rectangle 14"/>
           <p:cNvSpPr/>
           <p:nvPr userDrawn="1"/>
@@ -17668,138 +19329,6 @@
       </p:sp>
       <p:sp>
         <p:nvSpPr>
-          <p:cNvPr id="14" name="Slide Number Placeholder 5"/>
-          <p:cNvSpPr txBox="1">
-            <a:spLocks/>
-          </p:cNvSpPr>
-          <p:nvPr userDrawn="1"/>
-        </p:nvSpPr>
-        <p:spPr>
-          <a:xfrm>
-            <a:off x="560798" y="6256216"/>
-            <a:ext cx="2743200" cy="365125"/>
-          </a:xfrm>
-          <a:prstGeom prst="rect">
-            <a:avLst/>
-          </a:prstGeom>
-        </p:spPr>
-        <p:txBody>
-          <a:bodyPr vert="horz" lIns="91440" tIns="45720" rIns="91440" bIns="45720" rtlCol="0" anchor="ctr"/>
-          <a:lstStyle>
-            <a:defPPr>
-              <a:defRPr lang="en-US"/>
-            </a:defPPr>
-            <a:lvl1pPr marL="0" algn="r" defTabSz="914400" rtl="0" eaLnBrk="1" latinLnBrk="0" hangingPunct="1">
-              <a:defRPr sz="2000" kern="1200">
-                <a:solidFill>
-                  <a:srgbClr val="289FD7"/>
-                </a:solidFill>
-                <a:latin typeface="+mj-lt"/>
-                <a:ea typeface="+mn-ea"/>
-                <a:cs typeface="+mn-cs"/>
-              </a:defRPr>
-            </a:lvl1pPr>
-            <a:lvl2pPr marL="457200" algn="l" defTabSz="914400" rtl="0" eaLnBrk="1" latinLnBrk="0" hangingPunct="1">
-              <a:defRPr sz="1800" kern="1200">
-                <a:solidFill>
-                  <a:schemeClr val="tx1"/>
-                </a:solidFill>
-                <a:latin typeface="+mn-lt"/>
-                <a:ea typeface="+mn-ea"/>
-                <a:cs typeface="+mn-cs"/>
-              </a:defRPr>
-            </a:lvl2pPr>
-            <a:lvl3pPr marL="914400" algn="l" defTabSz="914400" rtl="0" eaLnBrk="1" latinLnBrk="0" hangingPunct="1">
-              <a:defRPr sz="1800" kern="1200">
-                <a:solidFill>
-                  <a:schemeClr val="tx1"/>
-                </a:solidFill>
-                <a:latin typeface="+mn-lt"/>
-                <a:ea typeface="+mn-ea"/>
-                <a:cs typeface="+mn-cs"/>
-              </a:defRPr>
-            </a:lvl3pPr>
-            <a:lvl4pPr marL="1371600" algn="l" defTabSz="914400" rtl="0" eaLnBrk="1" latinLnBrk="0" hangingPunct="1">
-              <a:defRPr sz="1800" kern="1200">
-                <a:solidFill>
-                  <a:schemeClr val="tx1"/>
-                </a:solidFill>
-                <a:latin typeface="+mn-lt"/>
-                <a:ea typeface="+mn-ea"/>
-                <a:cs typeface="+mn-cs"/>
-              </a:defRPr>
-            </a:lvl4pPr>
-            <a:lvl5pPr marL="1828800" algn="l" defTabSz="914400" rtl="0" eaLnBrk="1" latinLnBrk="0" hangingPunct="1">
-              <a:defRPr sz="1800" kern="1200">
-                <a:solidFill>
-                  <a:schemeClr val="tx1"/>
-                </a:solidFill>
-                <a:latin typeface="+mn-lt"/>
-                <a:ea typeface="+mn-ea"/>
-                <a:cs typeface="+mn-cs"/>
-              </a:defRPr>
-            </a:lvl5pPr>
-            <a:lvl6pPr marL="2286000" algn="l" defTabSz="914400" rtl="0" eaLnBrk="1" latinLnBrk="0" hangingPunct="1">
-              <a:defRPr sz="1800" kern="1200">
-                <a:solidFill>
-                  <a:schemeClr val="tx1"/>
-                </a:solidFill>
-                <a:latin typeface="+mn-lt"/>
-                <a:ea typeface="+mn-ea"/>
-                <a:cs typeface="+mn-cs"/>
-              </a:defRPr>
-            </a:lvl6pPr>
-            <a:lvl7pPr marL="2743200" algn="l" defTabSz="914400" rtl="0" eaLnBrk="1" latinLnBrk="0" hangingPunct="1">
-              <a:defRPr sz="1800" kern="1200">
-                <a:solidFill>
-                  <a:schemeClr val="tx1"/>
-                </a:solidFill>
-                <a:latin typeface="+mn-lt"/>
-                <a:ea typeface="+mn-ea"/>
-                <a:cs typeface="+mn-cs"/>
-              </a:defRPr>
-            </a:lvl7pPr>
-            <a:lvl8pPr marL="3200400" algn="l" defTabSz="914400" rtl="0" eaLnBrk="1" latinLnBrk="0" hangingPunct="1">
-              <a:defRPr sz="1800" kern="1200">
-                <a:solidFill>
-                  <a:schemeClr val="tx1"/>
-                </a:solidFill>
-                <a:latin typeface="+mn-lt"/>
-                <a:ea typeface="+mn-ea"/>
-                <a:cs typeface="+mn-cs"/>
-              </a:defRPr>
-            </a:lvl8pPr>
-            <a:lvl9pPr marL="3657600" algn="l" defTabSz="914400" rtl="0" eaLnBrk="1" latinLnBrk="0" hangingPunct="1">
-              <a:defRPr sz="1800" kern="1200">
-                <a:solidFill>
-                  <a:schemeClr val="tx1"/>
-                </a:solidFill>
-                <a:latin typeface="+mn-lt"/>
-                <a:ea typeface="+mn-ea"/>
-                <a:cs typeface="+mn-cs"/>
-              </a:defRPr>
-            </a:lvl9pPr>
-          </a:lstStyle>
-          <a:p>
-            <a:pPr algn="l"/>
-            <a:r>
-              <a:rPr lang="en-US" dirty="0" smtClean="0">
-                <a:solidFill>
-                  <a:srgbClr val="617081"/>
-                </a:solidFill>
-              </a:rPr>
-              <a:t>Windows Azure</a:t>
-            </a:r>
-            <a:endParaRPr lang="en-US" dirty="0">
-              <a:solidFill>
-                <a:srgbClr val="617081"/>
-              </a:solidFill>
-            </a:endParaRPr>
-          </a:p>
-        </p:txBody>
-      </p:sp>
-      <p:sp>
-        <p:nvSpPr>
           <p:cNvPr id="15" name="Rectangle 14"/>
           <p:cNvSpPr/>
           <p:nvPr userDrawn="1"/>
@@ -17900,6 +19429,851 @@
     <p:sldLayoutId id="2147483762" r:id="rId5"/>
     <p:sldLayoutId id="2147483763" r:id="rId6"/>
     <p:sldLayoutId id="2147483764" r:id="rId7"/>
+  </p:sldLayoutIdLst>
+  <p:timing>
+    <p:tnLst>
+      <p:par>
+        <p:cTn id="1" dur="indefinite" restart="never" nodeType="tmRoot"/>
+      </p:par>
+    </p:tnLst>
+  </p:timing>
+  <p:hf hdr="0" ftr="0" dt="0"/>
+  <p:txStyles>
+    <p:titleStyle>
+      <a:lvl1pPr algn="l" defTabSz="914400" rtl="0" eaLnBrk="1" latinLnBrk="0" hangingPunct="1">
+        <a:lnSpc>
+          <a:spcPct val="90000"/>
+        </a:lnSpc>
+        <a:spcBef>
+          <a:spcPct val="0"/>
+        </a:spcBef>
+        <a:buNone/>
+        <a:defRPr sz="5400" kern="1200">
+          <a:solidFill>
+            <a:srgbClr val="289FD7"/>
+          </a:solidFill>
+          <a:latin typeface="+mj-lt"/>
+          <a:ea typeface="+mj-ea"/>
+          <a:cs typeface="+mj-cs"/>
+        </a:defRPr>
+      </a:lvl1pPr>
+    </p:titleStyle>
+    <p:bodyStyle>
+      <a:lvl1pPr marL="228600" indent="-228600" algn="l" defTabSz="914400" rtl="0" eaLnBrk="1" latinLnBrk="0" hangingPunct="1">
+        <a:lnSpc>
+          <a:spcPct val="90000"/>
+        </a:lnSpc>
+        <a:spcBef>
+          <a:spcPts val="1000"/>
+        </a:spcBef>
+        <a:buFont typeface="Arial" panose="020B0604020202020204" pitchFamily="34" charset="0"/>
+        <a:buChar char="•"/>
+        <a:defRPr sz="3600" kern="1200">
+          <a:solidFill>
+            <a:schemeClr val="bg1"/>
+          </a:solidFill>
+          <a:latin typeface="+mn-lt"/>
+          <a:ea typeface="+mn-ea"/>
+          <a:cs typeface="+mn-cs"/>
+        </a:defRPr>
+      </a:lvl1pPr>
+      <a:lvl2pPr marL="685800" indent="-228600" algn="l" defTabSz="914400" rtl="0" eaLnBrk="1" latinLnBrk="0" hangingPunct="1">
+        <a:lnSpc>
+          <a:spcPct val="90000"/>
+        </a:lnSpc>
+        <a:spcBef>
+          <a:spcPts val="500"/>
+        </a:spcBef>
+        <a:buFont typeface="Arial" panose="020B0604020202020204" pitchFamily="34" charset="0"/>
+        <a:buChar char="•"/>
+        <a:defRPr sz="3200" kern="1200">
+          <a:solidFill>
+            <a:schemeClr val="bg1"/>
+          </a:solidFill>
+          <a:latin typeface="+mn-lt"/>
+          <a:ea typeface="+mn-ea"/>
+          <a:cs typeface="+mn-cs"/>
+        </a:defRPr>
+      </a:lvl2pPr>
+      <a:lvl3pPr marL="1143000" indent="-228600" algn="l" defTabSz="914400" rtl="0" eaLnBrk="1" latinLnBrk="0" hangingPunct="1">
+        <a:lnSpc>
+          <a:spcPct val="90000"/>
+        </a:lnSpc>
+        <a:spcBef>
+          <a:spcPts val="500"/>
+        </a:spcBef>
+        <a:buFont typeface="Arial" panose="020B0604020202020204" pitchFamily="34" charset="0"/>
+        <a:buChar char="•"/>
+        <a:defRPr sz="2800" kern="1200">
+          <a:solidFill>
+            <a:schemeClr val="bg1"/>
+          </a:solidFill>
+          <a:latin typeface="+mn-lt"/>
+          <a:ea typeface="+mn-ea"/>
+          <a:cs typeface="+mn-cs"/>
+        </a:defRPr>
+      </a:lvl3pPr>
+      <a:lvl4pPr marL="1600200" indent="-228600" algn="l" defTabSz="914400" rtl="0" eaLnBrk="1" latinLnBrk="0" hangingPunct="1">
+        <a:lnSpc>
+          <a:spcPct val="90000"/>
+        </a:lnSpc>
+        <a:spcBef>
+          <a:spcPts val="500"/>
+        </a:spcBef>
+        <a:buFont typeface="Arial" panose="020B0604020202020204" pitchFamily="34" charset="0"/>
+        <a:buChar char="•"/>
+        <a:defRPr sz="2400" kern="1200">
+          <a:solidFill>
+            <a:schemeClr val="bg1"/>
+          </a:solidFill>
+          <a:latin typeface="+mn-lt"/>
+          <a:ea typeface="+mn-ea"/>
+          <a:cs typeface="+mn-cs"/>
+        </a:defRPr>
+      </a:lvl4pPr>
+      <a:lvl5pPr marL="2057400" indent="-228600" algn="l" defTabSz="914400" rtl="0" eaLnBrk="1" latinLnBrk="0" hangingPunct="1">
+        <a:lnSpc>
+          <a:spcPct val="90000"/>
+        </a:lnSpc>
+        <a:spcBef>
+          <a:spcPts val="500"/>
+        </a:spcBef>
+        <a:buFont typeface="Arial" panose="020B0604020202020204" pitchFamily="34" charset="0"/>
+        <a:buChar char="•"/>
+        <a:defRPr sz="2400" kern="1200">
+          <a:solidFill>
+            <a:schemeClr val="bg1"/>
+          </a:solidFill>
+          <a:latin typeface="+mn-lt"/>
+          <a:ea typeface="+mn-ea"/>
+          <a:cs typeface="+mn-cs"/>
+        </a:defRPr>
+      </a:lvl5pPr>
+      <a:lvl6pPr marL="2514600" indent="-228600" algn="l" defTabSz="914400" rtl="0" eaLnBrk="1" latinLnBrk="0" hangingPunct="1">
+        <a:lnSpc>
+          <a:spcPct val="90000"/>
+        </a:lnSpc>
+        <a:spcBef>
+          <a:spcPts val="500"/>
+        </a:spcBef>
+        <a:buFont typeface="Arial" panose="020B0604020202020204" pitchFamily="34" charset="0"/>
+        <a:buChar char="•"/>
+        <a:defRPr sz="1800" kern="1200">
+          <a:solidFill>
+            <a:schemeClr val="tx1"/>
+          </a:solidFill>
+          <a:latin typeface="+mn-lt"/>
+          <a:ea typeface="+mn-ea"/>
+          <a:cs typeface="+mn-cs"/>
+        </a:defRPr>
+      </a:lvl6pPr>
+      <a:lvl7pPr marL="2971800" indent="-228600" algn="l" defTabSz="914400" rtl="0" eaLnBrk="1" latinLnBrk="0" hangingPunct="1">
+        <a:lnSpc>
+          <a:spcPct val="90000"/>
+        </a:lnSpc>
+        <a:spcBef>
+          <a:spcPts val="500"/>
+        </a:spcBef>
+        <a:buFont typeface="Arial" panose="020B0604020202020204" pitchFamily="34" charset="0"/>
+        <a:buChar char="•"/>
+        <a:defRPr sz="1800" kern="1200">
+          <a:solidFill>
+            <a:schemeClr val="tx1"/>
+          </a:solidFill>
+          <a:latin typeface="+mn-lt"/>
+          <a:ea typeface="+mn-ea"/>
+          <a:cs typeface="+mn-cs"/>
+        </a:defRPr>
+      </a:lvl7pPr>
+      <a:lvl8pPr marL="3429000" indent="-228600" algn="l" defTabSz="914400" rtl="0" eaLnBrk="1" latinLnBrk="0" hangingPunct="1">
+        <a:lnSpc>
+          <a:spcPct val="90000"/>
+        </a:lnSpc>
+        <a:spcBef>
+          <a:spcPts val="500"/>
+        </a:spcBef>
+        <a:buFont typeface="Arial" panose="020B0604020202020204" pitchFamily="34" charset="0"/>
+        <a:buChar char="•"/>
+        <a:defRPr sz="1800" kern="1200">
+          <a:solidFill>
+            <a:schemeClr val="tx1"/>
+          </a:solidFill>
+          <a:latin typeface="+mn-lt"/>
+          <a:ea typeface="+mn-ea"/>
+          <a:cs typeface="+mn-cs"/>
+        </a:defRPr>
+      </a:lvl8pPr>
+      <a:lvl9pPr marL="3886200" indent="-228600" algn="l" defTabSz="914400" rtl="0" eaLnBrk="1" latinLnBrk="0" hangingPunct="1">
+        <a:lnSpc>
+          <a:spcPct val="90000"/>
+        </a:lnSpc>
+        <a:spcBef>
+          <a:spcPts val="500"/>
+        </a:spcBef>
+        <a:buFont typeface="Arial" panose="020B0604020202020204" pitchFamily="34" charset="0"/>
+        <a:buChar char="•"/>
+        <a:defRPr sz="1800" kern="1200">
+          <a:solidFill>
+            <a:schemeClr val="tx1"/>
+          </a:solidFill>
+          <a:latin typeface="+mn-lt"/>
+          <a:ea typeface="+mn-ea"/>
+          <a:cs typeface="+mn-cs"/>
+        </a:defRPr>
+      </a:lvl9pPr>
+    </p:bodyStyle>
+    <p:otherStyle>
+      <a:defPPr>
+        <a:defRPr lang="en-US"/>
+      </a:defPPr>
+      <a:lvl1pPr marL="0" algn="l" defTabSz="914400" rtl="0" eaLnBrk="1" latinLnBrk="0" hangingPunct="1">
+        <a:defRPr sz="1800" kern="1200">
+          <a:solidFill>
+            <a:schemeClr val="tx1"/>
+          </a:solidFill>
+          <a:latin typeface="+mn-lt"/>
+          <a:ea typeface="+mn-ea"/>
+          <a:cs typeface="+mn-cs"/>
+        </a:defRPr>
+      </a:lvl1pPr>
+      <a:lvl2pPr marL="457200" algn="l" defTabSz="914400" rtl="0" eaLnBrk="1" latinLnBrk="0" hangingPunct="1">
+        <a:defRPr sz="1800" kern="1200">
+          <a:solidFill>
+            <a:schemeClr val="tx1"/>
+          </a:solidFill>
+          <a:latin typeface="+mn-lt"/>
+          <a:ea typeface="+mn-ea"/>
+          <a:cs typeface="+mn-cs"/>
+        </a:defRPr>
+      </a:lvl2pPr>
+      <a:lvl3pPr marL="914400" algn="l" defTabSz="914400" rtl="0" eaLnBrk="1" latinLnBrk="0" hangingPunct="1">
+        <a:defRPr sz="1800" kern="1200">
+          <a:solidFill>
+            <a:schemeClr val="tx1"/>
+          </a:solidFill>
+          <a:latin typeface="+mn-lt"/>
+          <a:ea typeface="+mn-ea"/>
+          <a:cs typeface="+mn-cs"/>
+        </a:defRPr>
+      </a:lvl3pPr>
+      <a:lvl4pPr marL="1371600" algn="l" defTabSz="914400" rtl="0" eaLnBrk="1" latinLnBrk="0" hangingPunct="1">
+        <a:defRPr sz="1800" kern="1200">
+          <a:solidFill>
+            <a:schemeClr val="tx1"/>
+          </a:solidFill>
+          <a:latin typeface="+mn-lt"/>
+          <a:ea typeface="+mn-ea"/>
+          <a:cs typeface="+mn-cs"/>
+        </a:defRPr>
+      </a:lvl4pPr>
+      <a:lvl5pPr marL="1828800" algn="l" defTabSz="914400" rtl="0" eaLnBrk="1" latinLnBrk="0" hangingPunct="1">
+        <a:defRPr sz="1800" kern="1200">
+          <a:solidFill>
+            <a:schemeClr val="tx1"/>
+          </a:solidFill>
+          <a:latin typeface="+mn-lt"/>
+          <a:ea typeface="+mn-ea"/>
+          <a:cs typeface="+mn-cs"/>
+        </a:defRPr>
+      </a:lvl5pPr>
+      <a:lvl6pPr marL="2286000" algn="l" defTabSz="914400" rtl="0" eaLnBrk="1" latinLnBrk="0" hangingPunct="1">
+        <a:defRPr sz="1800" kern="1200">
+          <a:solidFill>
+            <a:schemeClr val="tx1"/>
+          </a:solidFill>
+          <a:latin typeface="+mn-lt"/>
+          <a:ea typeface="+mn-ea"/>
+          <a:cs typeface="+mn-cs"/>
+        </a:defRPr>
+      </a:lvl6pPr>
+      <a:lvl7pPr marL="2743200" algn="l" defTabSz="914400" rtl="0" eaLnBrk="1" latinLnBrk="0" hangingPunct="1">
+        <a:defRPr sz="1800" kern="1200">
+          <a:solidFill>
+            <a:schemeClr val="tx1"/>
+          </a:solidFill>
+          <a:latin typeface="+mn-lt"/>
+          <a:ea typeface="+mn-ea"/>
+          <a:cs typeface="+mn-cs"/>
+        </a:defRPr>
+      </a:lvl7pPr>
+      <a:lvl8pPr marL="3200400" algn="l" defTabSz="914400" rtl="0" eaLnBrk="1" latinLnBrk="0" hangingPunct="1">
+        <a:defRPr sz="1800" kern="1200">
+          <a:solidFill>
+            <a:schemeClr val="tx1"/>
+          </a:solidFill>
+          <a:latin typeface="+mn-lt"/>
+          <a:ea typeface="+mn-ea"/>
+          <a:cs typeface="+mn-cs"/>
+        </a:defRPr>
+      </a:lvl8pPr>
+      <a:lvl9pPr marL="3657600" algn="l" defTabSz="914400" rtl="0" eaLnBrk="1" latinLnBrk="0" hangingPunct="1">
+        <a:defRPr sz="1800" kern="1200">
+          <a:solidFill>
+            <a:schemeClr val="tx1"/>
+          </a:solidFill>
+          <a:latin typeface="+mn-lt"/>
+          <a:ea typeface="+mn-ea"/>
+          <a:cs typeface="+mn-cs"/>
+        </a:defRPr>
+      </a:lvl9pPr>
+    </p:otherStyle>
+  </p:txStyles>
+</p:sldMaster>
+</file>
+
+<file path=ppt/slideMasters/slideMaster8.xml><?xml version="1.0" encoding="utf-8"?>
+<p:sldMaster xmlns:a="http://schemas.openxmlformats.org/drawingml/2006/main" xmlns:r="http://schemas.openxmlformats.org/officeDocument/2006/relationships" xmlns:p="http://schemas.openxmlformats.org/presentationml/2006/main" preserve="1">
+  <p:cSld>
+    <p:bg>
+      <p:bgPr>
+        <a:solidFill>
+          <a:srgbClr val="3C454F"/>
+        </a:solidFill>
+        <a:effectLst/>
+      </p:bgPr>
+    </p:bg>
+    <p:spTree>
+      <p:nvGrpSpPr>
+        <p:cNvPr id="1" name=""/>
+        <p:cNvGrpSpPr/>
+        <p:nvPr/>
+      </p:nvGrpSpPr>
+      <p:grpSpPr>
+        <a:xfrm>
+          <a:off x="0" y="0"/>
+          <a:ext cx="0" cy="0"/>
+          <a:chOff x="0" y="0"/>
+          <a:chExt cx="0" cy="0"/>
+        </a:xfrm>
+      </p:grpSpPr>
+      <p:sp>
+        <p:nvSpPr>
+          <p:cNvPr id="2" name="Title Placeholder 1"/>
+          <p:cNvSpPr>
+            <a:spLocks noGrp="1"/>
+          </p:cNvSpPr>
+          <p:nvPr>
+            <p:ph type="title"/>
+          </p:nvPr>
+        </p:nvSpPr>
+        <p:spPr>
+          <a:xfrm>
+            <a:off x="560798" y="416496"/>
+            <a:ext cx="11079822" cy="1325563"/>
+          </a:xfrm>
+          <a:prstGeom prst="rect">
+            <a:avLst/>
+          </a:prstGeom>
+        </p:spPr>
+        <p:txBody>
+          <a:bodyPr vert="horz" lIns="91440" tIns="45720" rIns="91440" bIns="45720" rtlCol="0" anchor="ctr">
+            <a:normAutofit/>
+          </a:bodyPr>
+          <a:lstStyle/>
+          <a:p>
+            <a:r>
+              <a:rPr lang="en-US" dirty="0" smtClean="0"/>
+              <a:t>Click to edit Master title style</a:t>
+            </a:r>
+            <a:endParaRPr lang="en-US" dirty="0"/>
+          </a:p>
+        </p:txBody>
+      </p:sp>
+      <p:sp>
+        <p:nvSpPr>
+          <p:cNvPr id="3" name="Text Placeholder 2"/>
+          <p:cNvSpPr>
+            <a:spLocks noGrp="1"/>
+          </p:cNvSpPr>
+          <p:nvPr>
+            <p:ph type="body" idx="1"/>
+          </p:nvPr>
+        </p:nvSpPr>
+        <p:spPr>
+          <a:xfrm>
+            <a:off x="560798" y="1876996"/>
+            <a:ext cx="11079822" cy="4215579"/>
+          </a:xfrm>
+          <a:prstGeom prst="rect">
+            <a:avLst/>
+          </a:prstGeom>
+        </p:spPr>
+        <p:txBody>
+          <a:bodyPr vert="horz" lIns="91440" tIns="45720" rIns="91440" bIns="45720" rtlCol="0">
+            <a:normAutofit/>
+          </a:bodyPr>
+          <a:lstStyle/>
+          <a:p>
+            <a:pPr lvl="0"/>
+            <a:r>
+              <a:rPr lang="en-US" dirty="0" smtClean="0"/>
+              <a:t>Click to edit Master text styles</a:t>
+            </a:r>
+          </a:p>
+          <a:p>
+            <a:pPr lvl="1"/>
+            <a:r>
+              <a:rPr lang="en-US" dirty="0" smtClean="0"/>
+              <a:t>Second level</a:t>
+            </a:r>
+          </a:p>
+          <a:p>
+            <a:pPr lvl="2"/>
+            <a:r>
+              <a:rPr lang="en-US" dirty="0" smtClean="0"/>
+              <a:t>Third level</a:t>
+            </a:r>
+          </a:p>
+          <a:p>
+            <a:pPr lvl="3"/>
+            <a:r>
+              <a:rPr lang="en-US" dirty="0" smtClean="0"/>
+              <a:t>Fourth level</a:t>
+            </a:r>
+          </a:p>
+          <a:p>
+            <a:pPr lvl="4"/>
+            <a:r>
+              <a:rPr lang="en-US" dirty="0" smtClean="0"/>
+              <a:t>Fifth level</a:t>
+            </a:r>
+            <a:endParaRPr lang="en-US" dirty="0"/>
+          </a:p>
+        </p:txBody>
+      </p:sp>
+      <p:pic>
+        <p:nvPicPr>
+          <p:cNvPr id="7" name="Picture 6"/>
+          <p:cNvPicPr>
+            <a:picLocks noChangeAspect="1"/>
+          </p:cNvPicPr>
+          <p:nvPr userDrawn="1"/>
+        </p:nvPicPr>
+        <p:blipFill>
+          <a:blip r:embed="rId12"/>
+          <a:stretch>
+            <a:fillRect/>
+          </a:stretch>
+        </p:blipFill>
+        <p:spPr>
+          <a:xfrm>
+            <a:off x="448633" y="-1916710"/>
+            <a:ext cx="1916710" cy="1916710"/>
+          </a:xfrm>
+          <a:prstGeom prst="rect">
+            <a:avLst/>
+          </a:prstGeom>
+        </p:spPr>
+      </p:pic>
+      <p:sp>
+        <p:nvSpPr>
+          <p:cNvPr id="8" name="Rectangle 7"/>
+          <p:cNvSpPr/>
+          <p:nvPr userDrawn="1"/>
+        </p:nvSpPr>
+        <p:spPr>
+          <a:xfrm>
+            <a:off x="2516172" y="-1299953"/>
+            <a:ext cx="848413" cy="683197"/>
+          </a:xfrm>
+          <a:prstGeom prst="rect">
+            <a:avLst/>
+          </a:prstGeom>
+          <a:solidFill>
+            <a:srgbClr val="289FD7"/>
+          </a:solidFill>
+          <a:ln>
+            <a:noFill/>
+          </a:ln>
+        </p:spPr>
+        <p:style>
+          <a:lnRef idx="2">
+            <a:schemeClr val="accent1">
+              <a:shade val="50000"/>
+            </a:schemeClr>
+          </a:lnRef>
+          <a:fillRef idx="1">
+            <a:schemeClr val="accent1"/>
+          </a:fillRef>
+          <a:effectRef idx="0">
+            <a:schemeClr val="accent1"/>
+          </a:effectRef>
+          <a:fontRef idx="minor">
+            <a:schemeClr val="lt1"/>
+          </a:fontRef>
+        </p:style>
+        <p:txBody>
+          <a:bodyPr rtlCol="0" anchor="ctr"/>
+          <a:lstStyle/>
+          <a:p>
+            <a:pPr algn="ctr"/>
+            <a:endParaRPr lang="en-US">
+              <a:solidFill>
+                <a:prstClr val="white"/>
+              </a:solidFill>
+            </a:endParaRPr>
+          </a:p>
+        </p:txBody>
+      </p:sp>
+      <p:sp>
+        <p:nvSpPr>
+          <p:cNvPr id="9" name="Rectangle 8"/>
+          <p:cNvSpPr/>
+          <p:nvPr userDrawn="1"/>
+        </p:nvSpPr>
+        <p:spPr>
+          <a:xfrm>
+            <a:off x="3468279" y="-1299953"/>
+            <a:ext cx="848413" cy="683197"/>
+          </a:xfrm>
+          <a:prstGeom prst="rect">
+            <a:avLst/>
+          </a:prstGeom>
+          <a:solidFill>
+            <a:srgbClr val="80B940"/>
+          </a:solidFill>
+          <a:ln>
+            <a:noFill/>
+          </a:ln>
+        </p:spPr>
+        <p:style>
+          <a:lnRef idx="2">
+            <a:schemeClr val="accent1">
+              <a:shade val="50000"/>
+            </a:schemeClr>
+          </a:lnRef>
+          <a:fillRef idx="1">
+            <a:schemeClr val="accent1"/>
+          </a:fillRef>
+          <a:effectRef idx="0">
+            <a:schemeClr val="accent1"/>
+          </a:effectRef>
+          <a:fontRef idx="minor">
+            <a:schemeClr val="lt1"/>
+          </a:fontRef>
+        </p:style>
+        <p:txBody>
+          <a:bodyPr rtlCol="0" anchor="ctr"/>
+          <a:lstStyle/>
+          <a:p>
+            <a:pPr algn="ctr"/>
+            <a:endParaRPr lang="en-US">
+              <a:solidFill>
+                <a:prstClr val="white"/>
+              </a:solidFill>
+            </a:endParaRPr>
+          </a:p>
+        </p:txBody>
+      </p:sp>
+      <p:sp>
+        <p:nvSpPr>
+          <p:cNvPr id="10" name="Rectangle 9"/>
+          <p:cNvSpPr/>
+          <p:nvPr userDrawn="1"/>
+        </p:nvSpPr>
+        <p:spPr>
+          <a:xfrm>
+            <a:off x="4467521" y="-1299953"/>
+            <a:ext cx="848413" cy="683197"/>
+          </a:xfrm>
+          <a:prstGeom prst="rect">
+            <a:avLst/>
+          </a:prstGeom>
+          <a:solidFill>
+            <a:srgbClr val="3C454F"/>
+          </a:solidFill>
+          <a:ln>
+            <a:noFill/>
+          </a:ln>
+        </p:spPr>
+        <p:style>
+          <a:lnRef idx="2">
+            <a:schemeClr val="accent1">
+              <a:shade val="50000"/>
+            </a:schemeClr>
+          </a:lnRef>
+          <a:fillRef idx="1">
+            <a:schemeClr val="accent1"/>
+          </a:fillRef>
+          <a:effectRef idx="0">
+            <a:schemeClr val="accent1"/>
+          </a:effectRef>
+          <a:fontRef idx="minor">
+            <a:schemeClr val="lt1"/>
+          </a:fontRef>
+        </p:style>
+        <p:txBody>
+          <a:bodyPr rtlCol="0" anchor="ctr"/>
+          <a:lstStyle/>
+          <a:p>
+            <a:pPr algn="ctr"/>
+            <a:endParaRPr lang="en-US">
+              <a:solidFill>
+                <a:prstClr val="white"/>
+              </a:solidFill>
+            </a:endParaRPr>
+          </a:p>
+        </p:txBody>
+      </p:sp>
+      <p:sp>
+        <p:nvSpPr>
+          <p:cNvPr id="11" name="Rectangle 10"/>
+          <p:cNvSpPr/>
+          <p:nvPr userDrawn="1"/>
+        </p:nvSpPr>
+        <p:spPr>
+          <a:xfrm>
+            <a:off x="5400774" y="-1299953"/>
+            <a:ext cx="848413" cy="683197"/>
+          </a:xfrm>
+          <a:prstGeom prst="rect">
+            <a:avLst/>
+          </a:prstGeom>
+          <a:solidFill>
+            <a:srgbClr val="E34F24"/>
+          </a:solidFill>
+          <a:ln>
+            <a:noFill/>
+          </a:ln>
+        </p:spPr>
+        <p:style>
+          <a:lnRef idx="2">
+            <a:schemeClr val="accent1">
+              <a:shade val="50000"/>
+            </a:schemeClr>
+          </a:lnRef>
+          <a:fillRef idx="1">
+            <a:schemeClr val="accent1"/>
+          </a:fillRef>
+          <a:effectRef idx="0">
+            <a:schemeClr val="accent1"/>
+          </a:effectRef>
+          <a:fontRef idx="minor">
+            <a:schemeClr val="lt1"/>
+          </a:fontRef>
+        </p:style>
+        <p:txBody>
+          <a:bodyPr rtlCol="0" anchor="ctr"/>
+          <a:lstStyle/>
+          <a:p>
+            <a:pPr algn="ctr"/>
+            <a:endParaRPr lang="en-US">
+              <a:solidFill>
+                <a:prstClr val="white"/>
+              </a:solidFill>
+            </a:endParaRPr>
+          </a:p>
+        </p:txBody>
+      </p:sp>
+      <p:sp>
+        <p:nvSpPr>
+          <p:cNvPr id="12" name="Rectangle 11"/>
+          <p:cNvSpPr/>
+          <p:nvPr userDrawn="1"/>
+        </p:nvSpPr>
+        <p:spPr>
+          <a:xfrm>
+            <a:off x="6334027" y="-1299953"/>
+            <a:ext cx="848413" cy="683197"/>
+          </a:xfrm>
+          <a:prstGeom prst="rect">
+            <a:avLst/>
+          </a:prstGeom>
+          <a:solidFill>
+            <a:srgbClr val="0171B0"/>
+          </a:solidFill>
+          <a:ln>
+            <a:noFill/>
+          </a:ln>
+        </p:spPr>
+        <p:style>
+          <a:lnRef idx="2">
+            <a:schemeClr val="accent1">
+              <a:shade val="50000"/>
+            </a:schemeClr>
+          </a:lnRef>
+          <a:fillRef idx="1">
+            <a:schemeClr val="accent1"/>
+          </a:fillRef>
+          <a:effectRef idx="0">
+            <a:schemeClr val="accent1"/>
+          </a:effectRef>
+          <a:fontRef idx="minor">
+            <a:schemeClr val="lt1"/>
+          </a:fontRef>
+        </p:style>
+        <p:txBody>
+          <a:bodyPr rtlCol="0" anchor="ctr"/>
+          <a:lstStyle/>
+          <a:p>
+            <a:pPr algn="ctr"/>
+            <a:endParaRPr lang="en-US">
+              <a:solidFill>
+                <a:prstClr val="white"/>
+              </a:solidFill>
+            </a:endParaRPr>
+          </a:p>
+        </p:txBody>
+      </p:sp>
+      <p:sp>
+        <p:nvSpPr>
+          <p:cNvPr id="13" name="Rectangle 12"/>
+          <p:cNvSpPr/>
+          <p:nvPr userDrawn="1"/>
+        </p:nvSpPr>
+        <p:spPr>
+          <a:xfrm>
+            <a:off x="7304987" y="-1299953"/>
+            <a:ext cx="848413" cy="683197"/>
+          </a:xfrm>
+          <a:prstGeom prst="rect">
+            <a:avLst/>
+          </a:prstGeom>
+          <a:solidFill>
+            <a:srgbClr val="1D4380"/>
+          </a:solidFill>
+          <a:ln>
+            <a:noFill/>
+          </a:ln>
+        </p:spPr>
+        <p:style>
+          <a:lnRef idx="2">
+            <a:schemeClr val="accent1">
+              <a:shade val="50000"/>
+            </a:schemeClr>
+          </a:lnRef>
+          <a:fillRef idx="1">
+            <a:schemeClr val="accent1"/>
+          </a:fillRef>
+          <a:effectRef idx="0">
+            <a:schemeClr val="accent1"/>
+          </a:effectRef>
+          <a:fontRef idx="minor">
+            <a:schemeClr val="lt1"/>
+          </a:fontRef>
+        </p:style>
+        <p:txBody>
+          <a:bodyPr rtlCol="0" anchor="ctr"/>
+          <a:lstStyle/>
+          <a:p>
+            <a:pPr algn="ctr"/>
+            <a:endParaRPr lang="en-US">
+              <a:solidFill>
+                <a:prstClr val="white"/>
+              </a:solidFill>
+            </a:endParaRPr>
+          </a:p>
+        </p:txBody>
+      </p:sp>
+      <p:sp>
+        <p:nvSpPr>
+          <p:cNvPr id="15" name="Rectangle 14"/>
+          <p:cNvSpPr/>
+          <p:nvPr userDrawn="1"/>
+        </p:nvSpPr>
+        <p:spPr>
+          <a:xfrm>
+            <a:off x="1" y="0"/>
+            <a:ext cx="123290" cy="6858000"/>
+          </a:xfrm>
+          <a:prstGeom prst="rect">
+            <a:avLst/>
+          </a:prstGeom>
+          <a:solidFill>
+            <a:srgbClr val="617081"/>
+          </a:solidFill>
+          <a:ln>
+            <a:noFill/>
+          </a:ln>
+        </p:spPr>
+        <p:style>
+          <a:lnRef idx="2">
+            <a:schemeClr val="accent1">
+              <a:shade val="50000"/>
+            </a:schemeClr>
+          </a:lnRef>
+          <a:fillRef idx="1">
+            <a:schemeClr val="accent1"/>
+          </a:fillRef>
+          <a:effectRef idx="0">
+            <a:schemeClr val="accent1"/>
+          </a:effectRef>
+          <a:fontRef idx="minor">
+            <a:schemeClr val="lt1"/>
+          </a:fontRef>
+        </p:style>
+        <p:txBody>
+          <a:bodyPr rtlCol="0" anchor="ctr"/>
+          <a:lstStyle/>
+          <a:p>
+            <a:pPr algn="ctr"/>
+            <a:endParaRPr lang="en-US">
+              <a:solidFill>
+                <a:prstClr val="white"/>
+              </a:solidFill>
+            </a:endParaRPr>
+          </a:p>
+        </p:txBody>
+      </p:sp>
+      <p:sp>
+        <p:nvSpPr>
+          <p:cNvPr id="18" name="Slide Number Placeholder 17"/>
+          <p:cNvSpPr>
+            <a:spLocks noGrp="1"/>
+          </p:cNvSpPr>
+          <p:nvPr>
+            <p:ph type="sldNum" sz="quarter" idx="4"/>
+          </p:nvPr>
+        </p:nvSpPr>
+        <p:spPr>
+          <a:xfrm>
+            <a:off x="8897420" y="6274158"/>
+            <a:ext cx="2743200" cy="365125"/>
+          </a:xfrm>
+          <a:prstGeom prst="rect">
+            <a:avLst/>
+          </a:prstGeom>
+        </p:spPr>
+        <p:txBody>
+          <a:bodyPr vert="horz" lIns="91440" tIns="45720" rIns="91440" bIns="45720" rtlCol="0" anchor="ctr"/>
+          <a:lstStyle>
+            <a:lvl1pPr algn="r">
+              <a:defRPr lang="en-US" smtClean="0">
+                <a:solidFill>
+                  <a:srgbClr val="617081"/>
+                </a:solidFill>
+              </a:defRPr>
+            </a:lvl1pPr>
+          </a:lstStyle>
+          <a:p>
+            <a:fld id="{0D099E2A-118A-4377-8F98-2DF40BCBA9FE}" type="slidenum">
+              <a:rPr/>
+              <a:pPr/>
+              <a:t>‹#›</a:t>
+            </a:fld>
+            <a:endParaRPr dirty="0"/>
+          </a:p>
+        </p:txBody>
+      </p:sp>
+    </p:spTree>
+    <p:extLst>
+      <p:ext uri="{BB962C8B-B14F-4D97-AF65-F5344CB8AC3E}">
+        <p14:creationId xmlns:p14="http://schemas.microsoft.com/office/powerpoint/2010/main" val="387147829"/>
+      </p:ext>
+    </p:extLst>
+  </p:cSld>
+  <p:clrMap bg1="lt1" tx1="dk1" bg2="lt2" tx2="dk2" accent1="accent1" accent2="accent2" accent3="accent3" accent4="accent4" accent5="accent5" accent6="accent6" hlink="hlink" folHlink="folHlink"/>
+  <p:sldLayoutIdLst>
+    <p:sldLayoutId id="2147483785" r:id="rId1"/>
+    <p:sldLayoutId id="2147483786" r:id="rId2"/>
+    <p:sldLayoutId id="2147483787" r:id="rId3"/>
+    <p:sldLayoutId id="2147483788" r:id="rId4"/>
+    <p:sldLayoutId id="2147483789" r:id="rId5"/>
+    <p:sldLayoutId id="2147483790" r:id="rId6"/>
+    <p:sldLayoutId id="2147483791" r:id="rId7"/>
+    <p:sldLayoutId id="2147483792" r:id="rId8"/>
+    <p:sldLayoutId id="2147483793" r:id="rId9"/>
+    <p:sldLayoutId id="2147483794" r:id="rId10"/>
   </p:sldLayoutIdLst>
   <p:timing>
     <p:tnLst>
@@ -18357,6 +20731,1286 @@
 </p:sld>
 </file>
 
+<file path=ppt/slides/slide10.xml><?xml version="1.0" encoding="utf-8"?>
+<p:sld xmlns:a="http://schemas.openxmlformats.org/drawingml/2006/main" xmlns:r="http://schemas.openxmlformats.org/officeDocument/2006/relationships" xmlns:p="http://schemas.openxmlformats.org/presentationml/2006/main">
+  <p:cSld>
+    <p:spTree>
+      <p:nvGrpSpPr>
+        <p:cNvPr id="1" name=""/>
+        <p:cNvGrpSpPr/>
+        <p:nvPr/>
+      </p:nvGrpSpPr>
+      <p:grpSpPr>
+        <a:xfrm>
+          <a:off x="0" y="0"/>
+          <a:ext cx="0" cy="0"/>
+          <a:chOff x="0" y="0"/>
+          <a:chExt cx="0" cy="0"/>
+        </a:xfrm>
+      </p:grpSpPr>
+      <p:pic>
+        <p:nvPicPr>
+          <p:cNvPr id="6" name="Picture 5"/>
+          <p:cNvPicPr>
+            <a:picLocks noChangeAspect="1"/>
+          </p:cNvPicPr>
+          <p:nvPr/>
+        </p:nvPicPr>
+        <p:blipFill>
+          <a:blip r:embed="rId2"/>
+          <a:stretch>
+            <a:fillRect/>
+          </a:stretch>
+        </p:blipFill>
+        <p:spPr>
+          <a:xfrm>
+            <a:off x="7069667" y="1276445"/>
+            <a:ext cx="4945128" cy="5416680"/>
+          </a:xfrm>
+          <a:prstGeom prst="rect">
+            <a:avLst/>
+          </a:prstGeom>
+        </p:spPr>
+      </p:pic>
+      <p:sp>
+        <p:nvSpPr>
+          <p:cNvPr id="2" name="Title 1"/>
+          <p:cNvSpPr>
+            <a:spLocks noGrp="1"/>
+          </p:cNvSpPr>
+          <p:nvPr>
+            <p:ph type="title"/>
+          </p:nvPr>
+        </p:nvSpPr>
+        <p:spPr/>
+        <p:txBody>
+          <a:bodyPr/>
+          <a:lstStyle/>
+          <a:p>
+            <a:r>
+              <a:rPr lang="en-US" dirty="0" smtClean="0"/>
+              <a:t>Step 2: Caching</a:t>
+            </a:r>
+            <a:endParaRPr lang="en-US" dirty="0"/>
+          </a:p>
+        </p:txBody>
+      </p:sp>
+      <p:sp>
+        <p:nvSpPr>
+          <p:cNvPr id="3" name="Content Placeholder 2"/>
+          <p:cNvSpPr>
+            <a:spLocks noGrp="1"/>
+          </p:cNvSpPr>
+          <p:nvPr>
+            <p:ph idx="1"/>
+          </p:nvPr>
+        </p:nvSpPr>
+        <p:spPr/>
+        <p:txBody>
+          <a:bodyPr/>
+          <a:lstStyle/>
+          <a:p>
+            <a:pPr marL="0" indent="0">
+              <a:buNone/>
+            </a:pPr>
+            <a:r>
+              <a:rPr lang="en-US" dirty="0" smtClean="0"/>
+              <a:t>SOLUTION:</a:t>
+            </a:r>
+          </a:p>
+          <a:p>
+            <a:pPr marL="0" indent="0">
+              <a:buNone/>
+            </a:pPr>
+            <a:endParaRPr lang="en-US" dirty="0"/>
+          </a:p>
+          <a:p>
+            <a:pPr marL="0" indent="0">
+              <a:buNone/>
+            </a:pPr>
+            <a:r>
+              <a:rPr lang="en-US" dirty="0" smtClean="0"/>
+              <a:t>Store ASP.NET page output cache in </a:t>
+            </a:r>
+            <a:br>
+              <a:rPr lang="en-US" dirty="0" smtClean="0"/>
+            </a:br>
+            <a:r>
+              <a:rPr lang="en-US" dirty="0" smtClean="0"/>
+              <a:t>  Windows Azure Caching Service.</a:t>
+            </a:r>
+            <a:endParaRPr lang="en-US" dirty="0"/>
+          </a:p>
+        </p:txBody>
+      </p:sp>
+      <p:sp>
+        <p:nvSpPr>
+          <p:cNvPr id="4" name="Slide Number Placeholder 3"/>
+          <p:cNvSpPr>
+            <a:spLocks noGrp="1"/>
+          </p:cNvSpPr>
+          <p:nvPr>
+            <p:ph type="sldNum" sz="quarter" idx="12"/>
+          </p:nvPr>
+        </p:nvSpPr>
+        <p:spPr/>
+        <p:txBody>
+          <a:bodyPr/>
+          <a:lstStyle/>
+          <a:p>
+            <a:fld id="{0A164282-434E-41D4-9582-783D542A7B68}" type="slidenum">
+              <a:rPr lang="en-US" smtClean="0"/>
+              <a:t>10</a:t>
+            </a:fld>
+            <a:endParaRPr lang="en-US"/>
+          </a:p>
+        </p:txBody>
+      </p:sp>
+    </p:spTree>
+    <p:extLst>
+      <p:ext uri="{BB962C8B-B14F-4D97-AF65-F5344CB8AC3E}">
+        <p14:creationId xmlns:p14="http://schemas.microsoft.com/office/powerpoint/2010/main" val="2923634221"/>
+      </p:ext>
+    </p:extLst>
+  </p:cSld>
+  <p:clrMapOvr>
+    <a:masterClrMapping/>
+  </p:clrMapOvr>
+</p:sld>
+</file>
+
+<file path=ppt/slides/slide11.xml><?xml version="1.0" encoding="utf-8"?>
+<p:sld xmlns:a="http://schemas.openxmlformats.org/drawingml/2006/main" xmlns:r="http://schemas.openxmlformats.org/officeDocument/2006/relationships" xmlns:p="http://schemas.openxmlformats.org/presentationml/2006/main">
+  <p:cSld>
+    <p:spTree>
+      <p:nvGrpSpPr>
+        <p:cNvPr id="1" name=""/>
+        <p:cNvGrpSpPr/>
+        <p:nvPr/>
+      </p:nvGrpSpPr>
+      <p:grpSpPr>
+        <a:xfrm>
+          <a:off x="0" y="0"/>
+          <a:ext cx="0" cy="0"/>
+          <a:chOff x="0" y="0"/>
+          <a:chExt cx="0" cy="0"/>
+        </a:xfrm>
+      </p:grpSpPr>
+      <p:sp>
+        <p:nvSpPr>
+          <p:cNvPr id="2" name="Title 1"/>
+          <p:cNvSpPr>
+            <a:spLocks noGrp="1"/>
+          </p:cNvSpPr>
+          <p:nvPr>
+            <p:ph type="title"/>
+          </p:nvPr>
+        </p:nvSpPr>
+        <p:spPr/>
+        <p:txBody>
+          <a:bodyPr/>
+          <a:lstStyle/>
+          <a:p>
+            <a:r>
+              <a:rPr lang="en-US" dirty="0" smtClean="0"/>
+              <a:t>Step 3: Manual scale</a:t>
+            </a:r>
+            <a:endParaRPr lang="en-US" dirty="0"/>
+          </a:p>
+        </p:txBody>
+      </p:sp>
+      <p:sp>
+        <p:nvSpPr>
+          <p:cNvPr id="3" name="Content Placeholder 2"/>
+          <p:cNvSpPr>
+            <a:spLocks noGrp="1"/>
+          </p:cNvSpPr>
+          <p:nvPr>
+            <p:ph idx="1"/>
+          </p:nvPr>
+        </p:nvSpPr>
+        <p:spPr/>
+        <p:txBody>
+          <a:bodyPr/>
+          <a:lstStyle/>
+          <a:p>
+            <a:pPr marL="0" indent="0">
+              <a:buNone/>
+            </a:pPr>
+            <a:r>
+              <a:rPr lang="en-US" dirty="0" smtClean="0"/>
+              <a:t>PROBLEM:</a:t>
+            </a:r>
+          </a:p>
+          <a:p>
+            <a:pPr marL="0" indent="0">
+              <a:buNone/>
+            </a:pPr>
+            <a:endParaRPr lang="en-US" dirty="0"/>
+          </a:p>
+          <a:p>
+            <a:pPr marL="0" indent="0">
+              <a:buNone/>
+            </a:pPr>
+            <a:r>
+              <a:rPr lang="en-US" dirty="0" smtClean="0"/>
+              <a:t>You need more server resources.</a:t>
+            </a:r>
+          </a:p>
+        </p:txBody>
+      </p:sp>
+      <p:sp>
+        <p:nvSpPr>
+          <p:cNvPr id="4" name="Slide Number Placeholder 3"/>
+          <p:cNvSpPr>
+            <a:spLocks noGrp="1"/>
+          </p:cNvSpPr>
+          <p:nvPr>
+            <p:ph type="sldNum" sz="quarter" idx="12"/>
+          </p:nvPr>
+        </p:nvSpPr>
+        <p:spPr/>
+        <p:txBody>
+          <a:bodyPr/>
+          <a:lstStyle/>
+          <a:p>
+            <a:fld id="{0A164282-434E-41D4-9582-783D542A7B68}" type="slidenum">
+              <a:rPr lang="en-US" smtClean="0"/>
+              <a:t>11</a:t>
+            </a:fld>
+            <a:endParaRPr lang="en-US"/>
+          </a:p>
+        </p:txBody>
+      </p:sp>
+    </p:spTree>
+    <p:extLst>
+      <p:ext uri="{BB962C8B-B14F-4D97-AF65-F5344CB8AC3E}">
+        <p14:creationId xmlns:p14="http://schemas.microsoft.com/office/powerpoint/2010/main" val="3545048369"/>
+      </p:ext>
+    </p:extLst>
+  </p:cSld>
+  <p:clrMapOvr>
+    <a:masterClrMapping/>
+  </p:clrMapOvr>
+</p:sld>
+</file>
+
+<file path=ppt/slides/slide12.xml><?xml version="1.0" encoding="utf-8"?>
+<p:sld xmlns:a="http://schemas.openxmlformats.org/drawingml/2006/main" xmlns:r="http://schemas.openxmlformats.org/officeDocument/2006/relationships" xmlns:p="http://schemas.openxmlformats.org/presentationml/2006/main">
+  <p:cSld>
+    <p:spTree>
+      <p:nvGrpSpPr>
+        <p:cNvPr id="1" name=""/>
+        <p:cNvGrpSpPr/>
+        <p:nvPr/>
+      </p:nvGrpSpPr>
+      <p:grpSpPr>
+        <a:xfrm>
+          <a:off x="0" y="0"/>
+          <a:ext cx="0" cy="0"/>
+          <a:chOff x="0" y="0"/>
+          <a:chExt cx="0" cy="0"/>
+        </a:xfrm>
+      </p:grpSpPr>
+      <p:pic>
+        <p:nvPicPr>
+          <p:cNvPr id="7" name="Picture 6"/>
+          <p:cNvPicPr>
+            <a:picLocks noChangeAspect="1"/>
+          </p:cNvPicPr>
+          <p:nvPr/>
+        </p:nvPicPr>
+        <p:blipFill>
+          <a:blip r:embed="rId2"/>
+          <a:stretch>
+            <a:fillRect/>
+          </a:stretch>
+        </p:blipFill>
+        <p:spPr>
+          <a:xfrm>
+            <a:off x="7062247" y="1660374"/>
+            <a:ext cx="5094840" cy="5061534"/>
+          </a:xfrm>
+          <a:prstGeom prst="rect">
+            <a:avLst/>
+          </a:prstGeom>
+        </p:spPr>
+      </p:pic>
+      <p:sp>
+        <p:nvSpPr>
+          <p:cNvPr id="2" name="Title 1"/>
+          <p:cNvSpPr>
+            <a:spLocks noGrp="1"/>
+          </p:cNvSpPr>
+          <p:nvPr>
+            <p:ph type="title"/>
+          </p:nvPr>
+        </p:nvSpPr>
+        <p:spPr/>
+        <p:txBody>
+          <a:bodyPr/>
+          <a:lstStyle/>
+          <a:p>
+            <a:r>
+              <a:rPr lang="en-US" dirty="0" smtClean="0"/>
+              <a:t>Step 2: Manual Scale</a:t>
+            </a:r>
+            <a:endParaRPr lang="en-US" dirty="0"/>
+          </a:p>
+        </p:txBody>
+      </p:sp>
+      <p:sp>
+        <p:nvSpPr>
+          <p:cNvPr id="3" name="Content Placeholder 2"/>
+          <p:cNvSpPr>
+            <a:spLocks noGrp="1"/>
+          </p:cNvSpPr>
+          <p:nvPr>
+            <p:ph idx="1"/>
+          </p:nvPr>
+        </p:nvSpPr>
+        <p:spPr/>
+        <p:txBody>
+          <a:bodyPr/>
+          <a:lstStyle/>
+          <a:p>
+            <a:pPr marL="0" indent="0">
+              <a:buNone/>
+            </a:pPr>
+            <a:r>
+              <a:rPr lang="en-US" dirty="0" smtClean="0"/>
+              <a:t>SOLUTION:</a:t>
+            </a:r>
+          </a:p>
+          <a:p>
+            <a:pPr marL="0" indent="0">
+              <a:buNone/>
+            </a:pPr>
+            <a:endParaRPr lang="en-US" dirty="0"/>
+          </a:p>
+          <a:p>
+            <a:pPr marL="0" indent="0">
+              <a:buNone/>
+            </a:pPr>
+            <a:r>
+              <a:rPr lang="en-US" dirty="0" smtClean="0"/>
+              <a:t>Add more servers (horizontal scaling).</a:t>
+            </a:r>
+          </a:p>
+          <a:p>
+            <a:pPr marL="0" indent="0">
+              <a:buNone/>
+            </a:pPr>
+            <a:endParaRPr lang="en-US" dirty="0"/>
+          </a:p>
+          <a:p>
+            <a:pPr marL="0" indent="0">
+              <a:buNone/>
+            </a:pPr>
+            <a:r>
+              <a:rPr lang="en-US" dirty="0" smtClean="0"/>
+              <a:t>Use more powerful servers (vertical scaling).</a:t>
+            </a:r>
+            <a:endParaRPr lang="en-US" dirty="0"/>
+          </a:p>
+        </p:txBody>
+      </p:sp>
+      <p:sp>
+        <p:nvSpPr>
+          <p:cNvPr id="4" name="Slide Number Placeholder 3"/>
+          <p:cNvSpPr>
+            <a:spLocks noGrp="1"/>
+          </p:cNvSpPr>
+          <p:nvPr>
+            <p:ph type="sldNum" sz="quarter" idx="12"/>
+          </p:nvPr>
+        </p:nvSpPr>
+        <p:spPr/>
+        <p:txBody>
+          <a:bodyPr/>
+          <a:lstStyle/>
+          <a:p>
+            <a:fld id="{0A164282-434E-41D4-9582-783D542A7B68}" type="slidenum">
+              <a:rPr lang="en-US" smtClean="0"/>
+              <a:t>12</a:t>
+            </a:fld>
+            <a:endParaRPr lang="en-US"/>
+          </a:p>
+        </p:txBody>
+      </p:sp>
+    </p:spTree>
+    <p:extLst>
+      <p:ext uri="{BB962C8B-B14F-4D97-AF65-F5344CB8AC3E}">
+        <p14:creationId xmlns:p14="http://schemas.microsoft.com/office/powerpoint/2010/main" val="1124370802"/>
+      </p:ext>
+    </p:extLst>
+  </p:cSld>
+  <p:clrMapOvr>
+    <a:masterClrMapping/>
+  </p:clrMapOvr>
+</p:sld>
+</file>
+
+<file path=ppt/slides/slide13.xml><?xml version="1.0" encoding="utf-8"?>
+<p:sld xmlns:a="http://schemas.openxmlformats.org/drawingml/2006/main" xmlns:r="http://schemas.openxmlformats.org/officeDocument/2006/relationships" xmlns:p="http://schemas.openxmlformats.org/presentationml/2006/main">
+  <p:cSld>
+    <p:spTree>
+      <p:nvGrpSpPr>
+        <p:cNvPr id="1" name=""/>
+        <p:cNvGrpSpPr/>
+        <p:nvPr/>
+      </p:nvGrpSpPr>
+      <p:grpSpPr>
+        <a:xfrm>
+          <a:off x="0" y="0"/>
+          <a:ext cx="0" cy="0"/>
+          <a:chOff x="0" y="0"/>
+          <a:chExt cx="0" cy="0"/>
+        </a:xfrm>
+      </p:grpSpPr>
+      <p:sp>
+        <p:nvSpPr>
+          <p:cNvPr id="4" name="Slide Number Placeholder 3"/>
+          <p:cNvSpPr>
+            <a:spLocks noGrp="1"/>
+          </p:cNvSpPr>
+          <p:nvPr>
+            <p:ph type="sldNum" sz="quarter" idx="4294967295"/>
+          </p:nvPr>
+        </p:nvSpPr>
+        <p:spPr>
+          <a:xfrm>
+            <a:off x="9448800" y="6256338"/>
+            <a:ext cx="2743200" cy="365125"/>
+          </a:xfrm>
+        </p:spPr>
+        <p:txBody>
+          <a:bodyPr/>
+          <a:lstStyle/>
+          <a:p>
+            <a:fld id="{0A164282-434E-41D4-9582-783D542A7B68}" type="slidenum">
+              <a:rPr lang="en-US" smtClean="0"/>
+              <a:t>13</a:t>
+            </a:fld>
+            <a:endParaRPr lang="en-US"/>
+          </a:p>
+        </p:txBody>
+      </p:sp>
+      <p:pic>
+        <p:nvPicPr>
+          <p:cNvPr id="5" name="Content Placeholder 4"/>
+          <p:cNvPicPr>
+            <a:picLocks noGrp="1" noChangeAspect="1"/>
+          </p:cNvPicPr>
+          <p:nvPr>
+            <p:ph idx="4294967295"/>
+          </p:nvPr>
+        </p:nvPicPr>
+        <p:blipFill>
+          <a:blip r:embed="rId2">
+            <a:extLst>
+              <a:ext uri="{28A0092B-C50C-407E-A947-70E740481C1C}">
+                <a14:useLocalDpi xmlns:a14="http://schemas.microsoft.com/office/drawing/2010/main" val="0"/>
+              </a:ext>
+            </a:extLst>
+          </a:blip>
+          <a:stretch>
+            <a:fillRect/>
+          </a:stretch>
+        </p:blipFill>
+        <p:spPr>
+          <a:xfrm>
+            <a:off x="738632" y="407988"/>
+            <a:ext cx="10771886" cy="5848350"/>
+          </a:xfrm>
+        </p:spPr>
+      </p:pic>
+      <p:sp>
+        <p:nvSpPr>
+          <p:cNvPr id="6" name="Rectangle 5"/>
+          <p:cNvSpPr/>
+          <p:nvPr/>
+        </p:nvSpPr>
+        <p:spPr>
+          <a:xfrm>
+            <a:off x="127000" y="1888067"/>
+            <a:ext cx="12065000" cy="3081866"/>
+          </a:xfrm>
+          <a:prstGeom prst="rect">
+            <a:avLst/>
+          </a:prstGeom>
+          <a:solidFill>
+            <a:srgbClr val="617081">
+              <a:alpha val="50196"/>
+            </a:srgbClr>
+          </a:solidFill>
+          <a:ln>
+            <a:noFill/>
+          </a:ln>
+        </p:spPr>
+        <p:style>
+          <a:lnRef idx="2">
+            <a:schemeClr val="accent1">
+              <a:shade val="50000"/>
+            </a:schemeClr>
+          </a:lnRef>
+          <a:fillRef idx="1">
+            <a:schemeClr val="accent1"/>
+          </a:fillRef>
+          <a:effectRef idx="0">
+            <a:schemeClr val="accent1"/>
+          </a:effectRef>
+          <a:fontRef idx="minor">
+            <a:schemeClr val="lt1"/>
+          </a:fontRef>
+        </p:style>
+        <p:txBody>
+          <a:bodyPr rtlCol="0" anchor="ctr"/>
+          <a:lstStyle/>
+          <a:p>
+            <a:pPr algn="ctr"/>
+            <a:endParaRPr lang="en-US"/>
+          </a:p>
+        </p:txBody>
+      </p:sp>
+    </p:spTree>
+    <p:extLst>
+      <p:ext uri="{BB962C8B-B14F-4D97-AF65-F5344CB8AC3E}">
+        <p14:creationId xmlns:p14="http://schemas.microsoft.com/office/powerpoint/2010/main" val="2523685122"/>
+      </p:ext>
+    </p:extLst>
+  </p:cSld>
+  <p:clrMapOvr>
+    <a:masterClrMapping/>
+  </p:clrMapOvr>
+</p:sld>
+</file>
+
+<file path=ppt/slides/slide14.xml><?xml version="1.0" encoding="utf-8"?>
+<p:sld xmlns:a="http://schemas.openxmlformats.org/drawingml/2006/main" xmlns:r="http://schemas.openxmlformats.org/officeDocument/2006/relationships" xmlns:p="http://schemas.openxmlformats.org/presentationml/2006/main">
+  <p:cSld>
+    <p:spTree>
+      <p:nvGrpSpPr>
+        <p:cNvPr id="1" name=""/>
+        <p:cNvGrpSpPr/>
+        <p:nvPr/>
+      </p:nvGrpSpPr>
+      <p:grpSpPr>
+        <a:xfrm>
+          <a:off x="0" y="0"/>
+          <a:ext cx="0" cy="0"/>
+          <a:chOff x="0" y="0"/>
+          <a:chExt cx="0" cy="0"/>
+        </a:xfrm>
+      </p:grpSpPr>
+      <p:sp>
+        <p:nvSpPr>
+          <p:cNvPr id="2" name="Title 1"/>
+          <p:cNvSpPr>
+            <a:spLocks noGrp="1"/>
+          </p:cNvSpPr>
+          <p:nvPr>
+            <p:ph type="title"/>
+          </p:nvPr>
+        </p:nvSpPr>
+        <p:spPr/>
+        <p:txBody>
+          <a:bodyPr/>
+          <a:lstStyle/>
+          <a:p>
+            <a:r>
+              <a:rPr lang="en-US" dirty="0" smtClean="0"/>
+              <a:t>Step 3: Auto-scale</a:t>
+            </a:r>
+            <a:endParaRPr lang="en-US" dirty="0"/>
+          </a:p>
+        </p:txBody>
+      </p:sp>
+      <p:sp>
+        <p:nvSpPr>
+          <p:cNvPr id="3" name="Content Placeholder 2"/>
+          <p:cNvSpPr>
+            <a:spLocks noGrp="1"/>
+          </p:cNvSpPr>
+          <p:nvPr>
+            <p:ph idx="1"/>
+          </p:nvPr>
+        </p:nvSpPr>
+        <p:spPr/>
+        <p:txBody>
+          <a:bodyPr/>
+          <a:lstStyle/>
+          <a:p>
+            <a:pPr marL="0" indent="0">
+              <a:buNone/>
+            </a:pPr>
+            <a:r>
+              <a:rPr lang="en-US" dirty="0" smtClean="0"/>
+              <a:t>PROBLEM:</a:t>
+            </a:r>
+          </a:p>
+          <a:p>
+            <a:pPr marL="0" indent="0">
+              <a:buNone/>
+            </a:pPr>
+            <a:endParaRPr lang="en-US" dirty="0"/>
+          </a:p>
+          <a:p>
+            <a:pPr marL="0" indent="0">
+              <a:buNone/>
+            </a:pPr>
+            <a:r>
+              <a:rPr lang="en-US" dirty="0" smtClean="0"/>
+              <a:t>Manual scaling reaction time means outages.</a:t>
+            </a:r>
+          </a:p>
+          <a:p>
+            <a:pPr marL="0" indent="0">
+              <a:buNone/>
+            </a:pPr>
+            <a:endParaRPr lang="en-US" dirty="0"/>
+          </a:p>
+          <a:p>
+            <a:pPr marL="0" indent="0">
+              <a:buNone/>
+            </a:pPr>
+            <a:r>
+              <a:rPr lang="en-US" dirty="0" smtClean="0"/>
+              <a:t>Manual scaling is busy work.</a:t>
+            </a:r>
+          </a:p>
+        </p:txBody>
+      </p:sp>
+      <p:sp>
+        <p:nvSpPr>
+          <p:cNvPr id="4" name="Slide Number Placeholder 3"/>
+          <p:cNvSpPr>
+            <a:spLocks noGrp="1"/>
+          </p:cNvSpPr>
+          <p:nvPr>
+            <p:ph type="sldNum" sz="quarter" idx="12"/>
+          </p:nvPr>
+        </p:nvSpPr>
+        <p:spPr/>
+        <p:txBody>
+          <a:bodyPr/>
+          <a:lstStyle/>
+          <a:p>
+            <a:fld id="{0A164282-434E-41D4-9582-783D542A7B68}" type="slidenum">
+              <a:rPr lang="en-US" smtClean="0"/>
+              <a:t>14</a:t>
+            </a:fld>
+            <a:endParaRPr lang="en-US"/>
+          </a:p>
+        </p:txBody>
+      </p:sp>
+    </p:spTree>
+    <p:extLst>
+      <p:ext uri="{BB962C8B-B14F-4D97-AF65-F5344CB8AC3E}">
+        <p14:creationId xmlns:p14="http://schemas.microsoft.com/office/powerpoint/2010/main" val="1491543278"/>
+      </p:ext>
+    </p:extLst>
+  </p:cSld>
+  <p:clrMapOvr>
+    <a:masterClrMapping/>
+  </p:clrMapOvr>
+</p:sld>
+</file>
+
+<file path=ppt/slides/slide15.xml><?xml version="1.0" encoding="utf-8"?>
+<p:sld xmlns:a="http://schemas.openxmlformats.org/drawingml/2006/main" xmlns:r="http://schemas.openxmlformats.org/officeDocument/2006/relationships" xmlns:p="http://schemas.openxmlformats.org/presentationml/2006/main">
+  <p:cSld>
+    <p:spTree>
+      <p:nvGrpSpPr>
+        <p:cNvPr id="1" name=""/>
+        <p:cNvGrpSpPr/>
+        <p:nvPr/>
+      </p:nvGrpSpPr>
+      <p:grpSpPr>
+        <a:xfrm>
+          <a:off x="0" y="0"/>
+          <a:ext cx="0" cy="0"/>
+          <a:chOff x="0" y="0"/>
+          <a:chExt cx="0" cy="0"/>
+        </a:xfrm>
+      </p:grpSpPr>
+      <p:sp>
+        <p:nvSpPr>
+          <p:cNvPr id="2" name="Title 1"/>
+          <p:cNvSpPr>
+            <a:spLocks noGrp="1"/>
+          </p:cNvSpPr>
+          <p:nvPr>
+            <p:ph type="title"/>
+          </p:nvPr>
+        </p:nvSpPr>
+        <p:spPr/>
+        <p:txBody>
+          <a:bodyPr/>
+          <a:lstStyle/>
+          <a:p>
+            <a:r>
+              <a:rPr lang="en-US" dirty="0" smtClean="0"/>
+              <a:t>Step 2: Auto-scale</a:t>
+            </a:r>
+            <a:endParaRPr lang="en-US" dirty="0"/>
+          </a:p>
+        </p:txBody>
+      </p:sp>
+      <p:sp>
+        <p:nvSpPr>
+          <p:cNvPr id="3" name="Content Placeholder 2"/>
+          <p:cNvSpPr>
+            <a:spLocks noGrp="1"/>
+          </p:cNvSpPr>
+          <p:nvPr>
+            <p:ph idx="1"/>
+          </p:nvPr>
+        </p:nvSpPr>
+        <p:spPr/>
+        <p:txBody>
+          <a:bodyPr/>
+          <a:lstStyle/>
+          <a:p>
+            <a:pPr marL="0" indent="0">
+              <a:buNone/>
+            </a:pPr>
+            <a:r>
+              <a:rPr lang="en-US" dirty="0" smtClean="0"/>
+              <a:t>SOLUTION:</a:t>
+            </a:r>
+          </a:p>
+          <a:p>
+            <a:pPr marL="0" indent="0">
+              <a:buNone/>
+            </a:pPr>
+            <a:endParaRPr lang="en-US" dirty="0"/>
+          </a:p>
+          <a:p>
+            <a:pPr marL="0" indent="0">
+              <a:buNone/>
+            </a:pPr>
+            <a:r>
+              <a:rPr lang="en-US" dirty="0" smtClean="0"/>
+              <a:t>Use auto-scale.</a:t>
+            </a:r>
+            <a:endParaRPr lang="en-US" dirty="0"/>
+          </a:p>
+        </p:txBody>
+      </p:sp>
+      <p:sp>
+        <p:nvSpPr>
+          <p:cNvPr id="4" name="Slide Number Placeholder 3"/>
+          <p:cNvSpPr>
+            <a:spLocks noGrp="1"/>
+          </p:cNvSpPr>
+          <p:nvPr>
+            <p:ph type="sldNum" sz="quarter" idx="12"/>
+          </p:nvPr>
+        </p:nvSpPr>
+        <p:spPr/>
+        <p:txBody>
+          <a:bodyPr/>
+          <a:lstStyle/>
+          <a:p>
+            <a:fld id="{0A164282-434E-41D4-9582-783D542A7B68}" type="slidenum">
+              <a:rPr lang="en-US" smtClean="0"/>
+              <a:t>15</a:t>
+            </a:fld>
+            <a:endParaRPr lang="en-US"/>
+          </a:p>
+        </p:txBody>
+      </p:sp>
+      <p:pic>
+        <p:nvPicPr>
+          <p:cNvPr id="6" name="Picture 5"/>
+          <p:cNvPicPr>
+            <a:picLocks noChangeAspect="1"/>
+          </p:cNvPicPr>
+          <p:nvPr/>
+        </p:nvPicPr>
+        <p:blipFill>
+          <a:blip r:embed="rId2"/>
+          <a:stretch>
+            <a:fillRect/>
+          </a:stretch>
+        </p:blipFill>
+        <p:spPr>
+          <a:xfrm>
+            <a:off x="6689010" y="2976655"/>
+            <a:ext cx="5502990" cy="3644686"/>
+          </a:xfrm>
+          <a:prstGeom prst="rect">
+            <a:avLst/>
+          </a:prstGeom>
+        </p:spPr>
+      </p:pic>
+    </p:spTree>
+    <p:extLst>
+      <p:ext uri="{BB962C8B-B14F-4D97-AF65-F5344CB8AC3E}">
+        <p14:creationId xmlns:p14="http://schemas.microsoft.com/office/powerpoint/2010/main" val="2768215099"/>
+      </p:ext>
+    </p:extLst>
+  </p:cSld>
+  <p:clrMapOvr>
+    <a:masterClrMapping/>
+  </p:clrMapOvr>
+</p:sld>
+</file>
+
+<file path=ppt/slides/slide16.xml><?xml version="1.0" encoding="utf-8"?>
+<p:sld xmlns:a="http://schemas.openxmlformats.org/drawingml/2006/main" xmlns:r="http://schemas.openxmlformats.org/officeDocument/2006/relationships" xmlns:p="http://schemas.openxmlformats.org/presentationml/2006/main">
+  <p:cSld>
+    <p:spTree>
+      <p:nvGrpSpPr>
+        <p:cNvPr id="1" name=""/>
+        <p:cNvGrpSpPr/>
+        <p:nvPr/>
+      </p:nvGrpSpPr>
+      <p:grpSpPr>
+        <a:xfrm>
+          <a:off x="0" y="0"/>
+          <a:ext cx="0" cy="0"/>
+          <a:chOff x="0" y="0"/>
+          <a:chExt cx="0" cy="0"/>
+        </a:xfrm>
+      </p:grpSpPr>
+      <p:sp>
+        <p:nvSpPr>
+          <p:cNvPr id="4" name="Slide Number Placeholder 3"/>
+          <p:cNvSpPr>
+            <a:spLocks noGrp="1"/>
+          </p:cNvSpPr>
+          <p:nvPr>
+            <p:ph type="sldNum" sz="quarter" idx="4294967295"/>
+          </p:nvPr>
+        </p:nvSpPr>
+        <p:spPr>
+          <a:xfrm>
+            <a:off x="9448800" y="6256338"/>
+            <a:ext cx="2743200" cy="365125"/>
+          </a:xfrm>
+        </p:spPr>
+        <p:txBody>
+          <a:bodyPr/>
+          <a:lstStyle/>
+          <a:p>
+            <a:fld id="{0A164282-434E-41D4-9582-783D542A7B68}" type="slidenum">
+              <a:rPr lang="en-US" smtClean="0"/>
+              <a:t>16</a:t>
+            </a:fld>
+            <a:endParaRPr lang="en-US"/>
+          </a:p>
+        </p:txBody>
+      </p:sp>
+      <p:pic>
+        <p:nvPicPr>
+          <p:cNvPr id="5" name="Content Placeholder 4"/>
+          <p:cNvPicPr>
+            <a:picLocks noGrp="1" noChangeAspect="1"/>
+          </p:cNvPicPr>
+          <p:nvPr>
+            <p:ph idx="4294967295"/>
+          </p:nvPr>
+        </p:nvPicPr>
+        <p:blipFill>
+          <a:blip r:embed="rId2">
+            <a:extLst>
+              <a:ext uri="{28A0092B-C50C-407E-A947-70E740481C1C}">
+                <a14:useLocalDpi xmlns:a14="http://schemas.microsoft.com/office/drawing/2010/main" val="0"/>
+              </a:ext>
+            </a:extLst>
+          </a:blip>
+          <a:stretch>
+            <a:fillRect/>
+          </a:stretch>
+        </p:blipFill>
+        <p:spPr>
+          <a:xfrm>
+            <a:off x="738632" y="407988"/>
+            <a:ext cx="10771886" cy="5848350"/>
+          </a:xfrm>
+        </p:spPr>
+      </p:pic>
+      <p:sp>
+        <p:nvSpPr>
+          <p:cNvPr id="6" name="Rectangle 5"/>
+          <p:cNvSpPr/>
+          <p:nvPr/>
+        </p:nvSpPr>
+        <p:spPr>
+          <a:xfrm>
+            <a:off x="127000" y="855135"/>
+            <a:ext cx="12065000" cy="1049865"/>
+          </a:xfrm>
+          <a:prstGeom prst="rect">
+            <a:avLst/>
+          </a:prstGeom>
+          <a:solidFill>
+            <a:srgbClr val="617081">
+              <a:alpha val="50196"/>
+            </a:srgbClr>
+          </a:solidFill>
+          <a:ln>
+            <a:noFill/>
+          </a:ln>
+        </p:spPr>
+        <p:style>
+          <a:lnRef idx="2">
+            <a:schemeClr val="accent1">
+              <a:shade val="50000"/>
+            </a:schemeClr>
+          </a:lnRef>
+          <a:fillRef idx="1">
+            <a:schemeClr val="accent1"/>
+          </a:fillRef>
+          <a:effectRef idx="0">
+            <a:schemeClr val="accent1"/>
+          </a:effectRef>
+          <a:fontRef idx="minor">
+            <a:schemeClr val="lt1"/>
+          </a:fontRef>
+        </p:style>
+        <p:txBody>
+          <a:bodyPr rtlCol="0" anchor="ctr"/>
+          <a:lstStyle/>
+          <a:p>
+            <a:pPr algn="ctr"/>
+            <a:endParaRPr lang="en-US"/>
+          </a:p>
+        </p:txBody>
+      </p:sp>
+      <p:sp>
+        <p:nvSpPr>
+          <p:cNvPr id="7" name="Rectangle 6"/>
+          <p:cNvSpPr/>
+          <p:nvPr/>
+        </p:nvSpPr>
+        <p:spPr>
+          <a:xfrm>
+            <a:off x="127000" y="4953001"/>
+            <a:ext cx="12065000" cy="1904999"/>
+          </a:xfrm>
+          <a:prstGeom prst="rect">
+            <a:avLst/>
+          </a:prstGeom>
+          <a:solidFill>
+            <a:srgbClr val="617081">
+              <a:alpha val="50196"/>
+            </a:srgbClr>
+          </a:solidFill>
+          <a:ln>
+            <a:noFill/>
+          </a:ln>
+        </p:spPr>
+        <p:style>
+          <a:lnRef idx="2">
+            <a:schemeClr val="accent1">
+              <a:shade val="50000"/>
+            </a:schemeClr>
+          </a:lnRef>
+          <a:fillRef idx="1">
+            <a:schemeClr val="accent1"/>
+          </a:fillRef>
+          <a:effectRef idx="0">
+            <a:schemeClr val="accent1"/>
+          </a:effectRef>
+          <a:fontRef idx="minor">
+            <a:schemeClr val="lt1"/>
+          </a:fontRef>
+        </p:style>
+        <p:txBody>
+          <a:bodyPr rtlCol="0" anchor="ctr"/>
+          <a:lstStyle/>
+          <a:p>
+            <a:pPr algn="ctr"/>
+            <a:endParaRPr lang="en-US"/>
+          </a:p>
+        </p:txBody>
+      </p:sp>
+    </p:spTree>
+    <p:extLst>
+      <p:ext uri="{BB962C8B-B14F-4D97-AF65-F5344CB8AC3E}">
+        <p14:creationId xmlns:p14="http://schemas.microsoft.com/office/powerpoint/2010/main" val="3484947087"/>
+      </p:ext>
+    </p:extLst>
+  </p:cSld>
+  <p:clrMapOvr>
+    <a:masterClrMapping/>
+  </p:clrMapOvr>
+</p:sld>
+</file>
+
+<file path=ppt/slides/slide17.xml><?xml version="1.0" encoding="utf-8"?>
+<p:sld xmlns:a="http://schemas.openxmlformats.org/drawingml/2006/main" xmlns:r="http://schemas.openxmlformats.org/officeDocument/2006/relationships" xmlns:p="http://schemas.openxmlformats.org/presentationml/2006/main">
+  <p:cSld>
+    <p:spTree>
+      <p:nvGrpSpPr>
+        <p:cNvPr id="1" name=""/>
+        <p:cNvGrpSpPr/>
+        <p:nvPr/>
+      </p:nvGrpSpPr>
+      <p:grpSpPr>
+        <a:xfrm>
+          <a:off x="0" y="0"/>
+          <a:ext cx="0" cy="0"/>
+          <a:chOff x="0" y="0"/>
+          <a:chExt cx="0" cy="0"/>
+        </a:xfrm>
+      </p:grpSpPr>
+      <p:sp>
+        <p:nvSpPr>
+          <p:cNvPr id="2" name="Title 1"/>
+          <p:cNvSpPr>
+            <a:spLocks noGrp="1"/>
+          </p:cNvSpPr>
+          <p:nvPr>
+            <p:ph type="ctrTitle"/>
+          </p:nvPr>
+        </p:nvSpPr>
+        <p:spPr/>
+        <p:txBody>
+          <a:bodyPr/>
+          <a:lstStyle/>
+          <a:p>
+            <a:r>
+              <a:rPr lang="en-US" dirty="0" smtClean="0"/>
+              <a:t>Demo</a:t>
+            </a:r>
+            <a:endParaRPr lang="en-US" dirty="0"/>
+          </a:p>
+        </p:txBody>
+      </p:sp>
+      <p:sp>
+        <p:nvSpPr>
+          <p:cNvPr id="4" name="Subtitle 3"/>
+          <p:cNvSpPr>
+            <a:spLocks noGrp="1"/>
+          </p:cNvSpPr>
+          <p:nvPr>
+            <p:ph type="subTitle" idx="1"/>
+          </p:nvPr>
+        </p:nvSpPr>
+        <p:spPr/>
+        <p:txBody>
+          <a:bodyPr/>
+          <a:lstStyle/>
+          <a:p>
+            <a:r>
+              <a:rPr lang="en-US" dirty="0" smtClean="0"/>
+              <a:t>Scenario: Scale</a:t>
+            </a:r>
+            <a:endParaRPr lang="en-US" dirty="0"/>
+          </a:p>
+        </p:txBody>
+      </p:sp>
+    </p:spTree>
+    <p:extLst>
+      <p:ext uri="{BB962C8B-B14F-4D97-AF65-F5344CB8AC3E}">
+        <p14:creationId xmlns:p14="http://schemas.microsoft.com/office/powerpoint/2010/main" val="4028736054"/>
+      </p:ext>
+    </p:extLst>
+  </p:cSld>
+  <p:clrMapOvr>
+    <a:masterClrMapping/>
+  </p:clrMapOvr>
+</p:sld>
+</file>
+
+<file path=ppt/slides/slide18.xml><?xml version="1.0" encoding="utf-8"?>
+<p:sld xmlns:a="http://schemas.openxmlformats.org/drawingml/2006/main" xmlns:r="http://schemas.openxmlformats.org/officeDocument/2006/relationships" xmlns:p="http://schemas.openxmlformats.org/presentationml/2006/main">
+  <p:cSld>
+    <p:spTree>
+      <p:nvGrpSpPr>
+        <p:cNvPr id="1" name=""/>
+        <p:cNvGrpSpPr/>
+        <p:nvPr/>
+      </p:nvGrpSpPr>
+      <p:grpSpPr>
+        <a:xfrm>
+          <a:off x="0" y="0"/>
+          <a:ext cx="0" cy="0"/>
+          <a:chOff x="0" y="0"/>
+          <a:chExt cx="0" cy="0"/>
+        </a:xfrm>
+      </p:grpSpPr>
+      <p:sp>
+        <p:nvSpPr>
+          <p:cNvPr id="2" name="Title 1"/>
+          <p:cNvSpPr>
+            <a:spLocks noGrp="1"/>
+          </p:cNvSpPr>
+          <p:nvPr>
+            <p:ph type="title"/>
+          </p:nvPr>
+        </p:nvSpPr>
+        <p:spPr/>
+        <p:txBody>
+          <a:bodyPr/>
+          <a:lstStyle/>
+          <a:p>
+            <a:r>
+              <a:rPr lang="en-US" dirty="0" smtClean="0"/>
+              <a:t>Scenario</a:t>
+            </a:r>
+            <a:r>
+              <a:rPr lang="en-US" smtClean="0"/>
+              <a:t>: Change</a:t>
+            </a:r>
+            <a:endParaRPr lang="en-US" dirty="0"/>
+          </a:p>
+        </p:txBody>
+      </p:sp>
+      <p:sp>
+        <p:nvSpPr>
+          <p:cNvPr id="4" name="Text Placeholder 3"/>
+          <p:cNvSpPr>
+            <a:spLocks noGrp="1"/>
+          </p:cNvSpPr>
+          <p:nvPr>
+            <p:ph type="body" sz="quarter" idx="10"/>
+          </p:nvPr>
+        </p:nvSpPr>
+        <p:spPr/>
+        <p:txBody>
+          <a:bodyPr/>
+          <a:lstStyle/>
+          <a:p>
+            <a:endParaRPr lang="en-US"/>
+          </a:p>
+        </p:txBody>
+      </p:sp>
+    </p:spTree>
+    <p:extLst>
+      <p:ext uri="{BB962C8B-B14F-4D97-AF65-F5344CB8AC3E}">
+        <p14:creationId xmlns:p14="http://schemas.microsoft.com/office/powerpoint/2010/main" val="2866988944"/>
+      </p:ext>
+    </p:extLst>
+  </p:cSld>
+  <p:clrMapOvr>
+    <a:masterClrMapping/>
+  </p:clrMapOvr>
+</p:sld>
+</file>
+
+<file path=ppt/slides/slide19.xml><?xml version="1.0" encoding="utf-8"?>
+<p:sld xmlns:a="http://schemas.openxmlformats.org/drawingml/2006/main" xmlns:r="http://schemas.openxmlformats.org/officeDocument/2006/relationships" xmlns:p="http://schemas.openxmlformats.org/presentationml/2006/main">
+  <p:cSld>
+    <p:spTree>
+      <p:nvGrpSpPr>
+        <p:cNvPr id="1" name=""/>
+        <p:cNvGrpSpPr/>
+        <p:nvPr/>
+      </p:nvGrpSpPr>
+      <p:grpSpPr>
+        <a:xfrm>
+          <a:off x="0" y="0"/>
+          <a:ext cx="0" cy="0"/>
+          <a:chOff x="0" y="0"/>
+          <a:chExt cx="0" cy="0"/>
+        </a:xfrm>
+      </p:grpSpPr>
+      <p:sp>
+        <p:nvSpPr>
+          <p:cNvPr id="2" name="Title 1"/>
+          <p:cNvSpPr>
+            <a:spLocks noGrp="1"/>
+          </p:cNvSpPr>
+          <p:nvPr>
+            <p:ph type="title"/>
+          </p:nvPr>
+        </p:nvSpPr>
+        <p:spPr/>
+        <p:txBody>
+          <a:bodyPr/>
+          <a:lstStyle/>
+          <a:p>
+            <a:r>
+              <a:rPr lang="en-US" dirty="0" smtClean="0"/>
+              <a:t>Scenario description</a:t>
+            </a:r>
+            <a:endParaRPr lang="en-US" dirty="0"/>
+          </a:p>
+        </p:txBody>
+      </p:sp>
+      <p:sp>
+        <p:nvSpPr>
+          <p:cNvPr id="3" name="Content Placeholder 2"/>
+          <p:cNvSpPr>
+            <a:spLocks noGrp="1"/>
+          </p:cNvSpPr>
+          <p:nvPr>
+            <p:ph idx="1"/>
+          </p:nvPr>
+        </p:nvSpPr>
+        <p:spPr/>
+        <p:txBody>
+          <a:bodyPr/>
+          <a:lstStyle/>
+          <a:p>
+            <a:pPr marL="0" indent="0">
+              <a:buNone/>
+            </a:pPr>
+            <a:r>
+              <a:rPr lang="en-US" dirty="0" smtClean="0"/>
+              <a:t>You’re not done when your site goes to production.</a:t>
+            </a:r>
+          </a:p>
+          <a:p>
+            <a:pPr marL="0" indent="0">
+              <a:buNone/>
+            </a:pPr>
+            <a:endParaRPr lang="en-US" dirty="0"/>
+          </a:p>
+          <a:p>
+            <a:pPr marL="0" indent="0">
+              <a:buNone/>
+            </a:pPr>
+            <a:r>
+              <a:rPr lang="en-US" dirty="0" smtClean="0"/>
+              <a:t>You’re just getting started.</a:t>
+            </a:r>
+            <a:endParaRPr lang="en-US" dirty="0"/>
+          </a:p>
+        </p:txBody>
+      </p:sp>
+      <p:sp>
+        <p:nvSpPr>
+          <p:cNvPr id="4" name="Slide Number Placeholder 3"/>
+          <p:cNvSpPr>
+            <a:spLocks noGrp="1"/>
+          </p:cNvSpPr>
+          <p:nvPr>
+            <p:ph type="sldNum" sz="quarter" idx="12"/>
+          </p:nvPr>
+        </p:nvSpPr>
+        <p:spPr/>
+        <p:txBody>
+          <a:bodyPr/>
+          <a:lstStyle/>
+          <a:p>
+            <a:fld id="{0A164282-434E-41D4-9582-783D542A7B68}" type="slidenum">
+              <a:rPr lang="en-US" smtClean="0"/>
+              <a:pPr/>
+              <a:t>19</a:t>
+            </a:fld>
+            <a:endParaRPr lang="en-US"/>
+          </a:p>
+        </p:txBody>
+      </p:sp>
+    </p:spTree>
+    <p:extLst>
+      <p:ext uri="{BB962C8B-B14F-4D97-AF65-F5344CB8AC3E}">
+        <p14:creationId xmlns:p14="http://schemas.microsoft.com/office/powerpoint/2010/main" val="3218986713"/>
+      </p:ext>
+    </p:extLst>
+  </p:cSld>
+  <p:clrMapOvr>
+    <a:masterClrMapping/>
+  </p:clrMapOvr>
+</p:sld>
+</file>
+
 <file path=ppt/slides/slide2.xml><?xml version="1.0" encoding="utf-8"?>
 <p:sld xmlns:a="http://schemas.openxmlformats.org/drawingml/2006/main" xmlns:r="http://schemas.openxmlformats.org/officeDocument/2006/relationships" xmlns:p="http://schemas.openxmlformats.org/presentationml/2006/main">
   <p:cSld>
@@ -18448,17 +22102,8 @@
               <a:rPr lang="en-US" sz="5400" dirty="0" smtClean="0">
                 <a:latin typeface="+mj-lt"/>
               </a:rPr>
-              <a:t>Scenario: </a:t>
-            </a:r>
-            <a:r>
-              <a:rPr lang="en-US" sz="5400" dirty="0" smtClean="0">
-                <a:latin typeface="+mj-lt"/>
-              </a:rPr>
-              <a:t>Adapt to Change</a:t>
-            </a:r>
-            <a:endParaRPr lang="en-US" sz="5400" dirty="0" smtClean="0">
-              <a:latin typeface="+mj-lt"/>
-            </a:endParaRPr>
+              <a:t>Scenario: Adapt to Change</a:t>
+            </a:r>
           </a:p>
           <a:p>
             <a:pPr marL="742950" indent="-742950">
@@ -18499,6 +22144,1158 @@
 </p:sld>
 </file>
 
+<file path=ppt/slides/slide20.xml><?xml version="1.0" encoding="utf-8"?>
+<p:sld xmlns:a="http://schemas.openxmlformats.org/drawingml/2006/main" xmlns:r="http://schemas.openxmlformats.org/officeDocument/2006/relationships" xmlns:p="http://schemas.openxmlformats.org/presentationml/2006/main">
+  <p:cSld>
+    <p:spTree>
+      <p:nvGrpSpPr>
+        <p:cNvPr id="1" name=""/>
+        <p:cNvGrpSpPr/>
+        <p:nvPr/>
+      </p:nvGrpSpPr>
+      <p:grpSpPr>
+        <a:xfrm>
+          <a:off x="0" y="0"/>
+          <a:ext cx="0" cy="0"/>
+          <a:chOff x="0" y="0"/>
+          <a:chExt cx="0" cy="0"/>
+        </a:xfrm>
+      </p:grpSpPr>
+      <p:sp>
+        <p:nvSpPr>
+          <p:cNvPr id="2" name="Title 1"/>
+          <p:cNvSpPr>
+            <a:spLocks noGrp="1"/>
+          </p:cNvSpPr>
+          <p:nvPr>
+            <p:ph type="title"/>
+          </p:nvPr>
+        </p:nvSpPr>
+        <p:spPr/>
+        <p:txBody>
+          <a:bodyPr/>
+          <a:lstStyle/>
+          <a:p>
+            <a:r>
+              <a:rPr lang="en-US" dirty="0" smtClean="0"/>
+              <a:t>Step 1: </a:t>
+            </a:r>
+            <a:r>
+              <a:rPr lang="en-US" dirty="0" smtClean="0"/>
+              <a:t>Manage database schema</a:t>
+            </a:r>
+            <a:endParaRPr lang="en-US" dirty="0"/>
+          </a:p>
+        </p:txBody>
+      </p:sp>
+      <p:sp>
+        <p:nvSpPr>
+          <p:cNvPr id="3" name="Content Placeholder 2"/>
+          <p:cNvSpPr>
+            <a:spLocks noGrp="1"/>
+          </p:cNvSpPr>
+          <p:nvPr>
+            <p:ph idx="1"/>
+          </p:nvPr>
+        </p:nvSpPr>
+        <p:spPr>
+          <a:xfrm>
+            <a:off x="560797" y="1876996"/>
+            <a:ext cx="11207869" cy="4215579"/>
+          </a:xfrm>
+        </p:spPr>
+        <p:txBody>
+          <a:bodyPr/>
+          <a:lstStyle/>
+          <a:p>
+            <a:pPr marL="0" indent="0">
+              <a:buNone/>
+            </a:pPr>
+            <a:r>
+              <a:rPr lang="en-US" dirty="0" smtClean="0"/>
+              <a:t>PROBLEM:</a:t>
+            </a:r>
+          </a:p>
+          <a:p>
+            <a:pPr marL="0" indent="0">
+              <a:buNone/>
+            </a:pPr>
+            <a:endParaRPr lang="en-US" dirty="0"/>
+          </a:p>
+          <a:p>
+            <a:pPr marL="0" indent="0">
+              <a:buNone/>
+            </a:pPr>
+            <a:r>
+              <a:rPr lang="en-US" dirty="0" smtClean="0"/>
+              <a:t>Your database and application code need to stay in sync.</a:t>
+            </a:r>
+            <a:endParaRPr lang="en-US" dirty="0"/>
+          </a:p>
+        </p:txBody>
+      </p:sp>
+      <p:sp>
+        <p:nvSpPr>
+          <p:cNvPr id="4" name="Slide Number Placeholder 3"/>
+          <p:cNvSpPr>
+            <a:spLocks noGrp="1"/>
+          </p:cNvSpPr>
+          <p:nvPr>
+            <p:ph type="sldNum" sz="quarter" idx="12"/>
+          </p:nvPr>
+        </p:nvSpPr>
+        <p:spPr/>
+        <p:txBody>
+          <a:bodyPr/>
+          <a:lstStyle/>
+          <a:p>
+            <a:fld id="{0A164282-434E-41D4-9582-783D542A7B68}" type="slidenum">
+              <a:rPr lang="en-US" smtClean="0"/>
+              <a:t>20</a:t>
+            </a:fld>
+            <a:endParaRPr lang="en-US"/>
+          </a:p>
+        </p:txBody>
+      </p:sp>
+    </p:spTree>
+    <p:extLst>
+      <p:ext uri="{BB962C8B-B14F-4D97-AF65-F5344CB8AC3E}">
+        <p14:creationId xmlns:p14="http://schemas.microsoft.com/office/powerpoint/2010/main" val="205839497"/>
+      </p:ext>
+    </p:extLst>
+  </p:cSld>
+  <p:clrMapOvr>
+    <a:masterClrMapping/>
+  </p:clrMapOvr>
+</p:sld>
+</file>
+
+<file path=ppt/slides/slide21.xml><?xml version="1.0" encoding="utf-8"?>
+<p:sld xmlns:a="http://schemas.openxmlformats.org/drawingml/2006/main" xmlns:r="http://schemas.openxmlformats.org/officeDocument/2006/relationships" xmlns:p="http://schemas.openxmlformats.org/presentationml/2006/main">
+  <p:cSld>
+    <p:spTree>
+      <p:nvGrpSpPr>
+        <p:cNvPr id="1" name=""/>
+        <p:cNvGrpSpPr/>
+        <p:nvPr/>
+      </p:nvGrpSpPr>
+      <p:grpSpPr>
+        <a:xfrm>
+          <a:off x="0" y="0"/>
+          <a:ext cx="0" cy="0"/>
+          <a:chOff x="0" y="0"/>
+          <a:chExt cx="0" cy="0"/>
+        </a:xfrm>
+      </p:grpSpPr>
+      <p:sp>
+        <p:nvSpPr>
+          <p:cNvPr id="2" name="Title 1"/>
+          <p:cNvSpPr>
+            <a:spLocks noGrp="1"/>
+          </p:cNvSpPr>
+          <p:nvPr>
+            <p:ph type="title"/>
+          </p:nvPr>
+        </p:nvSpPr>
+        <p:spPr/>
+        <p:txBody>
+          <a:bodyPr/>
+          <a:lstStyle/>
+          <a:p>
+            <a:r>
+              <a:rPr lang="en-US" dirty="0" smtClean="0"/>
+              <a:t>Step 1: </a:t>
+            </a:r>
+            <a:r>
+              <a:rPr lang="en-US" dirty="0" smtClean="0"/>
+              <a:t>Manage database schema</a:t>
+            </a:r>
+            <a:endParaRPr lang="en-US" dirty="0"/>
+          </a:p>
+        </p:txBody>
+      </p:sp>
+      <p:sp>
+        <p:nvSpPr>
+          <p:cNvPr id="3" name="Content Placeholder 2"/>
+          <p:cNvSpPr>
+            <a:spLocks noGrp="1"/>
+          </p:cNvSpPr>
+          <p:nvPr>
+            <p:ph idx="1"/>
+          </p:nvPr>
+        </p:nvSpPr>
+        <p:spPr/>
+        <p:txBody>
+          <a:bodyPr/>
+          <a:lstStyle/>
+          <a:p>
+            <a:pPr marL="0" indent="0">
+              <a:buNone/>
+            </a:pPr>
+            <a:r>
+              <a:rPr lang="en-US" dirty="0" smtClean="0"/>
+              <a:t>SOLUTION:</a:t>
+            </a:r>
+          </a:p>
+          <a:p>
+            <a:pPr marL="0" indent="0">
+              <a:buNone/>
+            </a:pPr>
+            <a:endParaRPr lang="en-US" dirty="0"/>
+          </a:p>
+          <a:p>
+            <a:pPr marL="0" indent="0">
+              <a:buNone/>
+            </a:pPr>
+            <a:r>
+              <a:rPr lang="en-US" dirty="0" smtClean="0"/>
+              <a:t>Use Entity Framework Data Migrations.</a:t>
+            </a:r>
+            <a:endParaRPr lang="en-US" dirty="0"/>
+          </a:p>
+        </p:txBody>
+      </p:sp>
+      <p:sp>
+        <p:nvSpPr>
+          <p:cNvPr id="4" name="Slide Number Placeholder 3"/>
+          <p:cNvSpPr>
+            <a:spLocks noGrp="1"/>
+          </p:cNvSpPr>
+          <p:nvPr>
+            <p:ph type="sldNum" sz="quarter" idx="12"/>
+          </p:nvPr>
+        </p:nvSpPr>
+        <p:spPr/>
+        <p:txBody>
+          <a:bodyPr/>
+          <a:lstStyle/>
+          <a:p>
+            <a:fld id="{0A164282-434E-41D4-9582-783D542A7B68}" type="slidenum">
+              <a:rPr lang="en-US" smtClean="0"/>
+              <a:t>21</a:t>
+            </a:fld>
+            <a:endParaRPr lang="en-US"/>
+          </a:p>
+        </p:txBody>
+      </p:sp>
+      <p:pic>
+        <p:nvPicPr>
+          <p:cNvPr id="6" name="Picture 5"/>
+          <p:cNvPicPr>
+            <a:picLocks noChangeAspect="1"/>
+          </p:cNvPicPr>
+          <p:nvPr/>
+        </p:nvPicPr>
+        <p:blipFill>
+          <a:blip r:embed="rId2"/>
+          <a:stretch>
+            <a:fillRect/>
+          </a:stretch>
+        </p:blipFill>
+        <p:spPr>
+          <a:xfrm>
+            <a:off x="8461737" y="2194684"/>
+            <a:ext cx="3614566" cy="4600898"/>
+          </a:xfrm>
+          <a:prstGeom prst="rect">
+            <a:avLst/>
+          </a:prstGeom>
+        </p:spPr>
+      </p:pic>
+    </p:spTree>
+    <p:extLst>
+      <p:ext uri="{BB962C8B-B14F-4D97-AF65-F5344CB8AC3E}">
+        <p14:creationId xmlns:p14="http://schemas.microsoft.com/office/powerpoint/2010/main" val="3289638180"/>
+      </p:ext>
+    </p:extLst>
+  </p:cSld>
+  <p:clrMapOvr>
+    <a:masterClrMapping/>
+  </p:clrMapOvr>
+</p:sld>
+</file>
+
+<file path=ppt/slides/slide22.xml><?xml version="1.0" encoding="utf-8"?>
+<p:sld xmlns:a="http://schemas.openxmlformats.org/drawingml/2006/main" xmlns:r="http://schemas.openxmlformats.org/officeDocument/2006/relationships" xmlns:p="http://schemas.openxmlformats.org/presentationml/2006/main">
+  <p:cSld>
+    <p:spTree>
+      <p:nvGrpSpPr>
+        <p:cNvPr id="1" name=""/>
+        <p:cNvGrpSpPr/>
+        <p:nvPr/>
+      </p:nvGrpSpPr>
+      <p:grpSpPr>
+        <a:xfrm>
+          <a:off x="0" y="0"/>
+          <a:ext cx="0" cy="0"/>
+          <a:chOff x="0" y="0"/>
+          <a:chExt cx="0" cy="0"/>
+        </a:xfrm>
+      </p:grpSpPr>
+      <p:sp>
+        <p:nvSpPr>
+          <p:cNvPr id="2" name="Title 1"/>
+          <p:cNvSpPr>
+            <a:spLocks noGrp="1"/>
+          </p:cNvSpPr>
+          <p:nvPr>
+            <p:ph type="ctrTitle"/>
+          </p:nvPr>
+        </p:nvSpPr>
+        <p:spPr/>
+        <p:txBody>
+          <a:bodyPr/>
+          <a:lstStyle/>
+          <a:p>
+            <a:r>
+              <a:rPr lang="en-US" dirty="0" smtClean="0"/>
+              <a:t>Demo</a:t>
+            </a:r>
+            <a:endParaRPr lang="en-US" dirty="0"/>
+          </a:p>
+        </p:txBody>
+      </p:sp>
+      <p:sp>
+        <p:nvSpPr>
+          <p:cNvPr id="4" name="Subtitle 3"/>
+          <p:cNvSpPr>
+            <a:spLocks noGrp="1"/>
+          </p:cNvSpPr>
+          <p:nvPr>
+            <p:ph type="subTitle" idx="1"/>
+          </p:nvPr>
+        </p:nvSpPr>
+        <p:spPr/>
+        <p:txBody>
+          <a:bodyPr/>
+          <a:lstStyle/>
+          <a:p>
+            <a:r>
+              <a:rPr lang="en-US" dirty="0" smtClean="0"/>
+              <a:t>Scenario: </a:t>
+            </a:r>
+            <a:r>
+              <a:rPr lang="en-US" dirty="0" smtClean="0"/>
+              <a:t>Data migrations</a:t>
+            </a:r>
+            <a:endParaRPr lang="en-US" dirty="0"/>
+          </a:p>
+        </p:txBody>
+      </p:sp>
+    </p:spTree>
+    <p:extLst>
+      <p:ext uri="{BB962C8B-B14F-4D97-AF65-F5344CB8AC3E}">
+        <p14:creationId xmlns:p14="http://schemas.microsoft.com/office/powerpoint/2010/main" val="887837292"/>
+      </p:ext>
+    </p:extLst>
+  </p:cSld>
+  <p:clrMapOvr>
+    <a:masterClrMapping/>
+  </p:clrMapOvr>
+</p:sld>
+</file>
+
+<file path=ppt/slides/slide23.xml><?xml version="1.0" encoding="utf-8"?>
+<p:sld xmlns:a="http://schemas.openxmlformats.org/drawingml/2006/main" xmlns:r="http://schemas.openxmlformats.org/officeDocument/2006/relationships" xmlns:p="http://schemas.openxmlformats.org/presentationml/2006/main">
+  <p:cSld>
+    <p:spTree>
+      <p:nvGrpSpPr>
+        <p:cNvPr id="1" name=""/>
+        <p:cNvGrpSpPr/>
+        <p:nvPr/>
+      </p:nvGrpSpPr>
+      <p:grpSpPr>
+        <a:xfrm>
+          <a:off x="0" y="0"/>
+          <a:ext cx="0" cy="0"/>
+          <a:chOff x="0" y="0"/>
+          <a:chExt cx="0" cy="0"/>
+        </a:xfrm>
+      </p:grpSpPr>
+      <p:sp>
+        <p:nvSpPr>
+          <p:cNvPr id="2" name="Title 1"/>
+          <p:cNvSpPr>
+            <a:spLocks noGrp="1"/>
+          </p:cNvSpPr>
+          <p:nvPr>
+            <p:ph type="title"/>
+          </p:nvPr>
+        </p:nvSpPr>
+        <p:spPr/>
+        <p:txBody>
+          <a:bodyPr>
+            <a:normAutofit/>
+          </a:bodyPr>
+          <a:lstStyle/>
+          <a:p>
+            <a:r>
+              <a:rPr lang="en-US" dirty="0" smtClean="0"/>
+              <a:t>Step </a:t>
+            </a:r>
+            <a:r>
+              <a:rPr lang="en-US" dirty="0" smtClean="0"/>
+              <a:t>2: Manage deployments</a:t>
+            </a:r>
+            <a:endParaRPr lang="en-US" dirty="0"/>
+          </a:p>
+        </p:txBody>
+      </p:sp>
+      <p:sp>
+        <p:nvSpPr>
+          <p:cNvPr id="3" name="Content Placeholder 2"/>
+          <p:cNvSpPr>
+            <a:spLocks noGrp="1"/>
+          </p:cNvSpPr>
+          <p:nvPr>
+            <p:ph idx="1"/>
+          </p:nvPr>
+        </p:nvSpPr>
+        <p:spPr>
+          <a:xfrm>
+            <a:off x="560797" y="1876996"/>
+            <a:ext cx="11207869" cy="4215579"/>
+          </a:xfrm>
+        </p:spPr>
+        <p:txBody>
+          <a:bodyPr/>
+          <a:lstStyle/>
+          <a:p>
+            <a:pPr marL="0" indent="0">
+              <a:buNone/>
+            </a:pPr>
+            <a:r>
+              <a:rPr lang="en-US" dirty="0" smtClean="0"/>
+              <a:t>PROBLEM:</a:t>
+            </a:r>
+          </a:p>
+          <a:p>
+            <a:pPr marL="0" indent="0">
+              <a:buNone/>
+            </a:pPr>
+            <a:endParaRPr lang="en-US" dirty="0"/>
+          </a:p>
+          <a:p>
+            <a:pPr marL="0" indent="0">
+              <a:buNone/>
+            </a:pPr>
+            <a:r>
+              <a:rPr lang="en-US" dirty="0" smtClean="0"/>
+              <a:t>People sometimes make </a:t>
+            </a:r>
+            <a:r>
+              <a:rPr lang="en-US" dirty="0" err="1" smtClean="0"/>
+              <a:t>misteaks</a:t>
+            </a:r>
+            <a:r>
+              <a:rPr lang="en-US" dirty="0" smtClean="0"/>
+              <a:t>.</a:t>
+            </a:r>
+            <a:endParaRPr lang="en-US" dirty="0"/>
+          </a:p>
+        </p:txBody>
+      </p:sp>
+      <p:sp>
+        <p:nvSpPr>
+          <p:cNvPr id="4" name="Slide Number Placeholder 3"/>
+          <p:cNvSpPr>
+            <a:spLocks noGrp="1"/>
+          </p:cNvSpPr>
+          <p:nvPr>
+            <p:ph type="sldNum" sz="quarter" idx="12"/>
+          </p:nvPr>
+        </p:nvSpPr>
+        <p:spPr/>
+        <p:txBody>
+          <a:bodyPr/>
+          <a:lstStyle/>
+          <a:p>
+            <a:fld id="{0A164282-434E-41D4-9582-783D542A7B68}" type="slidenum">
+              <a:rPr lang="en-US" smtClean="0"/>
+              <a:pPr/>
+              <a:t>23</a:t>
+            </a:fld>
+            <a:endParaRPr lang="en-US"/>
+          </a:p>
+        </p:txBody>
+      </p:sp>
+    </p:spTree>
+    <p:extLst>
+      <p:ext uri="{BB962C8B-B14F-4D97-AF65-F5344CB8AC3E}">
+        <p14:creationId xmlns:p14="http://schemas.microsoft.com/office/powerpoint/2010/main" val="1561509370"/>
+      </p:ext>
+    </p:extLst>
+  </p:cSld>
+  <p:clrMapOvr>
+    <a:masterClrMapping/>
+  </p:clrMapOvr>
+</p:sld>
+</file>
+
+<file path=ppt/slides/slide24.xml><?xml version="1.0" encoding="utf-8"?>
+<p:sld xmlns:a="http://schemas.openxmlformats.org/drawingml/2006/main" xmlns:r="http://schemas.openxmlformats.org/officeDocument/2006/relationships" xmlns:p="http://schemas.openxmlformats.org/presentationml/2006/main">
+  <p:cSld>
+    <p:spTree>
+      <p:nvGrpSpPr>
+        <p:cNvPr id="1" name=""/>
+        <p:cNvGrpSpPr/>
+        <p:nvPr/>
+      </p:nvGrpSpPr>
+      <p:grpSpPr>
+        <a:xfrm>
+          <a:off x="0" y="0"/>
+          <a:ext cx="0" cy="0"/>
+          <a:chOff x="0" y="0"/>
+          <a:chExt cx="0" cy="0"/>
+        </a:xfrm>
+      </p:grpSpPr>
+      <p:sp>
+        <p:nvSpPr>
+          <p:cNvPr id="2" name="Title 1"/>
+          <p:cNvSpPr>
+            <a:spLocks noGrp="1"/>
+          </p:cNvSpPr>
+          <p:nvPr>
+            <p:ph type="title"/>
+          </p:nvPr>
+        </p:nvSpPr>
+        <p:spPr/>
+        <p:txBody>
+          <a:bodyPr/>
+          <a:lstStyle/>
+          <a:p>
+            <a:r>
+              <a:rPr lang="en-US" dirty="0" smtClean="0"/>
+              <a:t>Step </a:t>
+            </a:r>
+            <a:r>
+              <a:rPr lang="en-US" dirty="0" smtClean="0"/>
+              <a:t>2: Manage deployments </a:t>
+            </a:r>
+            <a:endParaRPr lang="en-US" dirty="0"/>
+          </a:p>
+        </p:txBody>
+      </p:sp>
+      <p:sp>
+        <p:nvSpPr>
+          <p:cNvPr id="3" name="Content Placeholder 2"/>
+          <p:cNvSpPr>
+            <a:spLocks noGrp="1"/>
+          </p:cNvSpPr>
+          <p:nvPr>
+            <p:ph idx="1"/>
+          </p:nvPr>
+        </p:nvSpPr>
+        <p:spPr/>
+        <p:txBody>
+          <a:bodyPr/>
+          <a:lstStyle/>
+          <a:p>
+            <a:pPr marL="0" indent="0">
+              <a:buNone/>
+            </a:pPr>
+            <a:r>
+              <a:rPr lang="en-US" dirty="0" smtClean="0"/>
+              <a:t>SOLUTION:</a:t>
+            </a:r>
+          </a:p>
+          <a:p>
+            <a:pPr marL="0" indent="0">
+              <a:buNone/>
+            </a:pPr>
+            <a:endParaRPr lang="en-US" dirty="0"/>
+          </a:p>
+          <a:p>
+            <a:pPr marL="0" indent="0">
+              <a:buNone/>
+            </a:pPr>
+            <a:r>
+              <a:rPr lang="en-US" dirty="0" smtClean="0"/>
+              <a:t>Use deployment rollback.</a:t>
+            </a:r>
+            <a:endParaRPr lang="en-US" dirty="0"/>
+          </a:p>
+        </p:txBody>
+      </p:sp>
+      <p:sp>
+        <p:nvSpPr>
+          <p:cNvPr id="4" name="Slide Number Placeholder 3"/>
+          <p:cNvSpPr>
+            <a:spLocks noGrp="1"/>
+          </p:cNvSpPr>
+          <p:nvPr>
+            <p:ph type="sldNum" sz="quarter" idx="12"/>
+          </p:nvPr>
+        </p:nvSpPr>
+        <p:spPr/>
+        <p:txBody>
+          <a:bodyPr/>
+          <a:lstStyle/>
+          <a:p>
+            <a:fld id="{0A164282-434E-41D4-9582-783D542A7B68}" type="slidenum">
+              <a:rPr lang="en-US" smtClean="0"/>
+              <a:pPr/>
+              <a:t>24</a:t>
+            </a:fld>
+            <a:endParaRPr lang="en-US"/>
+          </a:p>
+        </p:txBody>
+      </p:sp>
+      <p:pic>
+        <p:nvPicPr>
+          <p:cNvPr id="7" name="Picture 6"/>
+          <p:cNvPicPr>
+            <a:picLocks noChangeAspect="1"/>
+          </p:cNvPicPr>
+          <p:nvPr/>
+        </p:nvPicPr>
+        <p:blipFill>
+          <a:blip r:embed="rId2"/>
+          <a:stretch>
+            <a:fillRect/>
+          </a:stretch>
+        </p:blipFill>
+        <p:spPr>
+          <a:xfrm>
+            <a:off x="8801950" y="2934816"/>
+            <a:ext cx="3260898" cy="3239580"/>
+          </a:xfrm>
+          <a:prstGeom prst="rect">
+            <a:avLst/>
+          </a:prstGeom>
+        </p:spPr>
+      </p:pic>
+    </p:spTree>
+    <p:extLst>
+      <p:ext uri="{BB962C8B-B14F-4D97-AF65-F5344CB8AC3E}">
+        <p14:creationId xmlns:p14="http://schemas.microsoft.com/office/powerpoint/2010/main" val="2646791570"/>
+      </p:ext>
+    </p:extLst>
+  </p:cSld>
+  <p:clrMapOvr>
+    <a:masterClrMapping/>
+  </p:clrMapOvr>
+</p:sld>
+</file>
+
+<file path=ppt/slides/slide25.xml><?xml version="1.0" encoding="utf-8"?>
+<p:sld xmlns:a="http://schemas.openxmlformats.org/drawingml/2006/main" xmlns:r="http://schemas.openxmlformats.org/officeDocument/2006/relationships" xmlns:p="http://schemas.openxmlformats.org/presentationml/2006/main">
+  <p:cSld>
+    <p:spTree>
+      <p:nvGrpSpPr>
+        <p:cNvPr id="1" name=""/>
+        <p:cNvGrpSpPr/>
+        <p:nvPr/>
+      </p:nvGrpSpPr>
+      <p:grpSpPr>
+        <a:xfrm>
+          <a:off x="0" y="0"/>
+          <a:ext cx="0" cy="0"/>
+          <a:chOff x="0" y="0"/>
+          <a:chExt cx="0" cy="0"/>
+        </a:xfrm>
+      </p:grpSpPr>
+      <p:sp>
+        <p:nvSpPr>
+          <p:cNvPr id="2" name="Slide Number Placeholder 1"/>
+          <p:cNvSpPr>
+            <a:spLocks noGrp="1"/>
+          </p:cNvSpPr>
+          <p:nvPr>
+            <p:ph type="sldNum" sz="quarter" idx="12"/>
+          </p:nvPr>
+        </p:nvSpPr>
+        <p:spPr/>
+        <p:txBody>
+          <a:bodyPr/>
+          <a:lstStyle/>
+          <a:p>
+            <a:fld id="{0A164282-434E-41D4-9582-783D542A7B68}" type="slidenum">
+              <a:rPr lang="en-US" smtClean="0"/>
+              <a:t>25</a:t>
+            </a:fld>
+            <a:endParaRPr lang="en-US"/>
+          </a:p>
+        </p:txBody>
+      </p:sp>
+      <p:pic>
+        <p:nvPicPr>
+          <p:cNvPr id="3" name="Picture 2"/>
+          <p:cNvPicPr>
+            <a:picLocks noChangeAspect="1"/>
+          </p:cNvPicPr>
+          <p:nvPr/>
+        </p:nvPicPr>
+        <p:blipFill>
+          <a:blip r:embed="rId2">
+            <a:extLst>
+              <a:ext uri="{28A0092B-C50C-407E-A947-70E740481C1C}">
+                <a14:useLocalDpi xmlns:a14="http://schemas.microsoft.com/office/drawing/2010/main" val="0"/>
+              </a:ext>
+            </a:extLst>
+          </a:blip>
+          <a:stretch>
+            <a:fillRect/>
+          </a:stretch>
+        </p:blipFill>
+        <p:spPr>
+          <a:xfrm>
+            <a:off x="1572222" y="0"/>
+            <a:ext cx="9047555" cy="6858000"/>
+          </a:xfrm>
+          <a:prstGeom prst="rect">
+            <a:avLst/>
+          </a:prstGeom>
+        </p:spPr>
+      </p:pic>
+    </p:spTree>
+    <p:extLst>
+      <p:ext uri="{BB962C8B-B14F-4D97-AF65-F5344CB8AC3E}">
+        <p14:creationId xmlns:p14="http://schemas.microsoft.com/office/powerpoint/2010/main" val="1064323468"/>
+      </p:ext>
+    </p:extLst>
+  </p:cSld>
+  <p:clrMapOvr>
+    <a:masterClrMapping/>
+  </p:clrMapOvr>
+</p:sld>
+</file>
+
+<file path=ppt/slides/slide26.xml><?xml version="1.0" encoding="utf-8"?>
+<p:sld xmlns:a="http://schemas.openxmlformats.org/drawingml/2006/main" xmlns:r="http://schemas.openxmlformats.org/officeDocument/2006/relationships" xmlns:p="http://schemas.openxmlformats.org/presentationml/2006/main">
+  <p:cSld>
+    <p:spTree>
+      <p:nvGrpSpPr>
+        <p:cNvPr id="1" name=""/>
+        <p:cNvGrpSpPr/>
+        <p:nvPr/>
+      </p:nvGrpSpPr>
+      <p:grpSpPr>
+        <a:xfrm>
+          <a:off x="0" y="0"/>
+          <a:ext cx="0" cy="0"/>
+          <a:chOff x="0" y="0"/>
+          <a:chExt cx="0" cy="0"/>
+        </a:xfrm>
+      </p:grpSpPr>
+      <p:sp>
+        <p:nvSpPr>
+          <p:cNvPr id="2" name="Title 1"/>
+          <p:cNvSpPr>
+            <a:spLocks noGrp="1"/>
+          </p:cNvSpPr>
+          <p:nvPr>
+            <p:ph type="ctrTitle"/>
+          </p:nvPr>
+        </p:nvSpPr>
+        <p:spPr/>
+        <p:txBody>
+          <a:bodyPr/>
+          <a:lstStyle/>
+          <a:p>
+            <a:r>
+              <a:rPr lang="en-US" dirty="0" smtClean="0"/>
+              <a:t>Demo</a:t>
+            </a:r>
+            <a:endParaRPr lang="en-US" dirty="0"/>
+          </a:p>
+        </p:txBody>
+      </p:sp>
+      <p:sp>
+        <p:nvSpPr>
+          <p:cNvPr id="4" name="Subtitle 3"/>
+          <p:cNvSpPr>
+            <a:spLocks noGrp="1"/>
+          </p:cNvSpPr>
+          <p:nvPr>
+            <p:ph type="subTitle" idx="1"/>
+          </p:nvPr>
+        </p:nvSpPr>
+        <p:spPr/>
+        <p:txBody>
+          <a:bodyPr/>
+          <a:lstStyle/>
+          <a:p>
+            <a:r>
+              <a:rPr lang="en-US" dirty="0" smtClean="0"/>
+              <a:t>Scenario: </a:t>
+            </a:r>
+            <a:r>
+              <a:rPr lang="en-US" dirty="0" smtClean="0"/>
+              <a:t>Deployment rollback</a:t>
+            </a:r>
+            <a:endParaRPr lang="en-US" dirty="0"/>
+          </a:p>
+        </p:txBody>
+      </p:sp>
+    </p:spTree>
+    <p:extLst>
+      <p:ext uri="{BB962C8B-B14F-4D97-AF65-F5344CB8AC3E}">
+        <p14:creationId xmlns:p14="http://schemas.microsoft.com/office/powerpoint/2010/main" val="2233539368"/>
+      </p:ext>
+    </p:extLst>
+  </p:cSld>
+  <p:clrMapOvr>
+    <a:masterClrMapping/>
+  </p:clrMapOvr>
+</p:sld>
+</file>
+
+<file path=ppt/slides/slide27.xml><?xml version="1.0" encoding="utf-8"?>
+<p:sld xmlns:a="http://schemas.openxmlformats.org/drawingml/2006/main" xmlns:r="http://schemas.openxmlformats.org/officeDocument/2006/relationships" xmlns:p="http://schemas.openxmlformats.org/presentationml/2006/main">
+  <p:cSld>
+    <p:spTree>
+      <p:nvGrpSpPr>
+        <p:cNvPr id="1" name=""/>
+        <p:cNvGrpSpPr/>
+        <p:nvPr/>
+      </p:nvGrpSpPr>
+      <p:grpSpPr>
+        <a:xfrm>
+          <a:off x="0" y="0"/>
+          <a:ext cx="0" cy="0"/>
+          <a:chOff x="0" y="0"/>
+          <a:chExt cx="0" cy="0"/>
+        </a:xfrm>
+      </p:grpSpPr>
+      <p:sp>
+        <p:nvSpPr>
+          <p:cNvPr id="2" name="Title 1"/>
+          <p:cNvSpPr>
+            <a:spLocks noGrp="1"/>
+          </p:cNvSpPr>
+          <p:nvPr>
+            <p:ph type="title"/>
+          </p:nvPr>
+        </p:nvSpPr>
+        <p:spPr/>
+        <p:txBody>
+          <a:bodyPr>
+            <a:normAutofit/>
+          </a:bodyPr>
+          <a:lstStyle/>
+          <a:p>
+            <a:r>
+              <a:rPr lang="en-US" dirty="0" smtClean="0"/>
+              <a:t>Step </a:t>
+            </a:r>
+            <a:r>
+              <a:rPr lang="en-US" dirty="0" smtClean="0"/>
+              <a:t>3: Leverage services</a:t>
+            </a:r>
+            <a:endParaRPr lang="en-US" dirty="0"/>
+          </a:p>
+        </p:txBody>
+      </p:sp>
+      <p:sp>
+        <p:nvSpPr>
+          <p:cNvPr id="3" name="Content Placeholder 2"/>
+          <p:cNvSpPr>
+            <a:spLocks noGrp="1"/>
+          </p:cNvSpPr>
+          <p:nvPr>
+            <p:ph idx="1"/>
+          </p:nvPr>
+        </p:nvSpPr>
+        <p:spPr>
+          <a:xfrm>
+            <a:off x="560797" y="1876996"/>
+            <a:ext cx="11207869" cy="4215579"/>
+          </a:xfrm>
+        </p:spPr>
+        <p:txBody>
+          <a:bodyPr/>
+          <a:lstStyle/>
+          <a:p>
+            <a:pPr marL="0" indent="0">
+              <a:buNone/>
+            </a:pPr>
+            <a:r>
+              <a:rPr lang="en-US" dirty="0" smtClean="0"/>
+              <a:t>PROBLEM:</a:t>
+            </a:r>
+          </a:p>
+          <a:p>
+            <a:pPr marL="0" indent="0">
+              <a:buNone/>
+            </a:pPr>
+            <a:endParaRPr lang="en-US" dirty="0"/>
+          </a:p>
+          <a:p>
+            <a:pPr marL="0" indent="0">
+              <a:buNone/>
+            </a:pPr>
+            <a:r>
+              <a:rPr lang="en-US" dirty="0" smtClean="0"/>
+              <a:t>Large changes often require you to add new features quickly.</a:t>
+            </a:r>
+            <a:endParaRPr lang="en-US" dirty="0"/>
+          </a:p>
+        </p:txBody>
+      </p:sp>
+      <p:sp>
+        <p:nvSpPr>
+          <p:cNvPr id="4" name="Slide Number Placeholder 3"/>
+          <p:cNvSpPr>
+            <a:spLocks noGrp="1"/>
+          </p:cNvSpPr>
+          <p:nvPr>
+            <p:ph type="sldNum" sz="quarter" idx="12"/>
+          </p:nvPr>
+        </p:nvSpPr>
+        <p:spPr/>
+        <p:txBody>
+          <a:bodyPr/>
+          <a:lstStyle/>
+          <a:p>
+            <a:fld id="{0A164282-434E-41D4-9582-783D542A7B68}" type="slidenum">
+              <a:rPr lang="en-US" smtClean="0"/>
+              <a:pPr/>
+              <a:t>27</a:t>
+            </a:fld>
+            <a:endParaRPr lang="en-US"/>
+          </a:p>
+        </p:txBody>
+      </p:sp>
+    </p:spTree>
+    <p:extLst>
+      <p:ext uri="{BB962C8B-B14F-4D97-AF65-F5344CB8AC3E}">
+        <p14:creationId xmlns:p14="http://schemas.microsoft.com/office/powerpoint/2010/main" val="916914696"/>
+      </p:ext>
+    </p:extLst>
+  </p:cSld>
+  <p:clrMapOvr>
+    <a:masterClrMapping/>
+  </p:clrMapOvr>
+</p:sld>
+</file>
+
+<file path=ppt/slides/slide28.xml><?xml version="1.0" encoding="utf-8"?>
+<p:sld xmlns:a="http://schemas.openxmlformats.org/drawingml/2006/main" xmlns:r="http://schemas.openxmlformats.org/officeDocument/2006/relationships" xmlns:p="http://schemas.openxmlformats.org/presentationml/2006/main">
+  <p:cSld>
+    <p:spTree>
+      <p:nvGrpSpPr>
+        <p:cNvPr id="1" name=""/>
+        <p:cNvGrpSpPr/>
+        <p:nvPr/>
+      </p:nvGrpSpPr>
+      <p:grpSpPr>
+        <a:xfrm>
+          <a:off x="0" y="0"/>
+          <a:ext cx="0" cy="0"/>
+          <a:chOff x="0" y="0"/>
+          <a:chExt cx="0" cy="0"/>
+        </a:xfrm>
+      </p:grpSpPr>
+      <p:sp>
+        <p:nvSpPr>
+          <p:cNvPr id="2" name="Title 1"/>
+          <p:cNvSpPr>
+            <a:spLocks noGrp="1"/>
+          </p:cNvSpPr>
+          <p:nvPr>
+            <p:ph type="title"/>
+          </p:nvPr>
+        </p:nvSpPr>
+        <p:spPr/>
+        <p:txBody>
+          <a:bodyPr/>
+          <a:lstStyle/>
+          <a:p>
+            <a:r>
+              <a:rPr lang="en-US" dirty="0" smtClean="0"/>
+              <a:t>Step </a:t>
+            </a:r>
+            <a:r>
+              <a:rPr lang="en-US" dirty="0" smtClean="0"/>
+              <a:t>3: Leverage services</a:t>
+            </a:r>
+            <a:endParaRPr lang="en-US" dirty="0"/>
+          </a:p>
+        </p:txBody>
+      </p:sp>
+      <p:sp>
+        <p:nvSpPr>
+          <p:cNvPr id="3" name="Content Placeholder 2"/>
+          <p:cNvSpPr>
+            <a:spLocks noGrp="1"/>
+          </p:cNvSpPr>
+          <p:nvPr>
+            <p:ph idx="1"/>
+          </p:nvPr>
+        </p:nvSpPr>
+        <p:spPr/>
+        <p:txBody>
+          <a:bodyPr/>
+          <a:lstStyle/>
+          <a:p>
+            <a:pPr marL="0" indent="0">
+              <a:buNone/>
+            </a:pPr>
+            <a:r>
+              <a:rPr lang="en-US" dirty="0" smtClean="0"/>
+              <a:t>SOLUTION:</a:t>
+            </a:r>
+          </a:p>
+          <a:p>
+            <a:pPr marL="0" indent="0">
+              <a:buNone/>
+            </a:pPr>
+            <a:endParaRPr lang="en-US" dirty="0"/>
+          </a:p>
+          <a:p>
+            <a:pPr marL="0" indent="0">
+              <a:buNone/>
+            </a:pPr>
+            <a:r>
+              <a:rPr lang="en-US" dirty="0" smtClean="0"/>
+              <a:t>Take advantage of available Windows Azure services.</a:t>
+            </a:r>
+            <a:endParaRPr lang="en-US" dirty="0"/>
+          </a:p>
+        </p:txBody>
+      </p:sp>
+      <p:sp>
+        <p:nvSpPr>
+          <p:cNvPr id="4" name="Slide Number Placeholder 3"/>
+          <p:cNvSpPr>
+            <a:spLocks noGrp="1"/>
+          </p:cNvSpPr>
+          <p:nvPr>
+            <p:ph type="sldNum" sz="quarter" idx="12"/>
+          </p:nvPr>
+        </p:nvSpPr>
+        <p:spPr/>
+        <p:txBody>
+          <a:bodyPr/>
+          <a:lstStyle/>
+          <a:p>
+            <a:fld id="{0A164282-434E-41D4-9582-783D542A7B68}" type="slidenum">
+              <a:rPr lang="en-US" smtClean="0"/>
+              <a:pPr/>
+              <a:t>28</a:t>
+            </a:fld>
+            <a:endParaRPr lang="en-US"/>
+          </a:p>
+        </p:txBody>
+      </p:sp>
+      <p:pic>
+        <p:nvPicPr>
+          <p:cNvPr id="6" name="Picture 5"/>
+          <p:cNvPicPr>
+            <a:picLocks noChangeAspect="1"/>
+          </p:cNvPicPr>
+          <p:nvPr/>
+        </p:nvPicPr>
+        <p:blipFill>
+          <a:blip r:embed="rId2"/>
+          <a:stretch>
+            <a:fillRect/>
+          </a:stretch>
+        </p:blipFill>
+        <p:spPr>
+          <a:xfrm>
+            <a:off x="8770176" y="3486043"/>
+            <a:ext cx="3274832" cy="3253424"/>
+          </a:xfrm>
+          <a:prstGeom prst="rect">
+            <a:avLst/>
+          </a:prstGeom>
+        </p:spPr>
+      </p:pic>
+    </p:spTree>
+    <p:extLst>
+      <p:ext uri="{BB962C8B-B14F-4D97-AF65-F5344CB8AC3E}">
+        <p14:creationId xmlns:p14="http://schemas.microsoft.com/office/powerpoint/2010/main" val="3927610739"/>
+      </p:ext>
+    </p:extLst>
+  </p:cSld>
+  <p:clrMapOvr>
+    <a:masterClrMapping/>
+  </p:clrMapOvr>
+</p:sld>
+</file>
+
+<file path=ppt/slides/slide29.xml><?xml version="1.0" encoding="utf-8"?>
+<p:sld xmlns:a="http://schemas.openxmlformats.org/drawingml/2006/main" xmlns:r="http://schemas.openxmlformats.org/officeDocument/2006/relationships" xmlns:p="http://schemas.openxmlformats.org/presentationml/2006/main">
+  <p:cSld>
+    <p:spTree>
+      <p:nvGrpSpPr>
+        <p:cNvPr id="1" name=""/>
+        <p:cNvGrpSpPr/>
+        <p:nvPr/>
+      </p:nvGrpSpPr>
+      <p:grpSpPr>
+        <a:xfrm>
+          <a:off x="0" y="0"/>
+          <a:ext cx="0" cy="0"/>
+          <a:chOff x="0" y="0"/>
+          <a:chExt cx="0" cy="0"/>
+        </a:xfrm>
+      </p:grpSpPr>
+      <p:sp>
+        <p:nvSpPr>
+          <p:cNvPr id="2" name="Title 1"/>
+          <p:cNvSpPr>
+            <a:spLocks noGrp="1"/>
+          </p:cNvSpPr>
+          <p:nvPr>
+            <p:ph type="ctrTitle"/>
+          </p:nvPr>
+        </p:nvSpPr>
+        <p:spPr/>
+        <p:txBody>
+          <a:bodyPr/>
+          <a:lstStyle/>
+          <a:p>
+            <a:r>
+              <a:rPr lang="en-US" dirty="0" smtClean="0"/>
+              <a:t>Demo</a:t>
+            </a:r>
+            <a:endParaRPr lang="en-US" dirty="0"/>
+          </a:p>
+        </p:txBody>
+      </p:sp>
+      <p:sp>
+        <p:nvSpPr>
+          <p:cNvPr id="4" name="Subtitle 3"/>
+          <p:cNvSpPr>
+            <a:spLocks noGrp="1"/>
+          </p:cNvSpPr>
+          <p:nvPr>
+            <p:ph type="subTitle" idx="1"/>
+          </p:nvPr>
+        </p:nvSpPr>
+        <p:spPr/>
+        <p:txBody>
+          <a:bodyPr/>
+          <a:lstStyle/>
+          <a:p>
+            <a:r>
+              <a:rPr lang="en-US" dirty="0" smtClean="0"/>
+              <a:t>Scenario: </a:t>
+            </a:r>
+            <a:r>
+              <a:rPr lang="en-US" dirty="0" smtClean="0"/>
+              <a:t>Windows Azure Active Directory</a:t>
+            </a:r>
+            <a:endParaRPr lang="en-US" dirty="0"/>
+          </a:p>
+        </p:txBody>
+      </p:sp>
+    </p:spTree>
+    <p:extLst>
+      <p:ext uri="{BB962C8B-B14F-4D97-AF65-F5344CB8AC3E}">
+        <p14:creationId xmlns:p14="http://schemas.microsoft.com/office/powerpoint/2010/main" val="1713412906"/>
+      </p:ext>
+    </p:extLst>
+  </p:cSld>
+  <p:clrMapOvr>
+    <a:masterClrMapping/>
+  </p:clrMapOvr>
+</p:sld>
+</file>
+
 <file path=ppt/slides/slide3.xml><?xml version="1.0" encoding="utf-8"?>
 <p:sld xmlns:a="http://schemas.openxmlformats.org/drawingml/2006/main" xmlns:r="http://schemas.openxmlformats.org/officeDocument/2006/relationships" xmlns:p="http://schemas.openxmlformats.org/presentationml/2006/main">
   <p:cSld>
@@ -18556,7 +23353,7 @@
 </p:sld>
 </file>
 
-<file path=ppt/slides/slide4.xml><?xml version="1.0" encoding="utf-8"?>
+<file path=ppt/slides/slide30.xml><?xml version="1.0" encoding="utf-8"?>
 <p:sld xmlns:a="http://schemas.openxmlformats.org/drawingml/2006/main" xmlns:r="http://schemas.openxmlformats.org/officeDocument/2006/relationships" xmlns:p="http://schemas.openxmlformats.org/presentationml/2006/main">
   <p:cSld>
     <p:spTree>
@@ -18575,6 +23372,82 @@
       </p:grpSpPr>
       <p:sp>
         <p:nvSpPr>
+          <p:cNvPr id="2" name="Title 1"/>
+          <p:cNvSpPr>
+            <a:spLocks noGrp="1"/>
+          </p:cNvSpPr>
+          <p:nvPr>
+            <p:ph type="title"/>
+          </p:nvPr>
+        </p:nvSpPr>
+        <p:spPr/>
+        <p:txBody>
+          <a:bodyPr/>
+          <a:lstStyle/>
+          <a:p>
+            <a:r>
+              <a:rPr lang="en-US" dirty="0" smtClean="0"/>
+              <a:t>Scenario: </a:t>
+            </a:r>
+            <a:r>
+              <a:rPr lang="en-US" dirty="0" smtClean="0"/>
+              <a:t>Environments</a:t>
+            </a:r>
+            <a:endParaRPr lang="en-US" dirty="0"/>
+          </a:p>
+        </p:txBody>
+      </p:sp>
+      <p:sp>
+        <p:nvSpPr>
+          <p:cNvPr id="4" name="Text Placeholder 3"/>
+          <p:cNvSpPr>
+            <a:spLocks noGrp="1"/>
+          </p:cNvSpPr>
+          <p:nvPr>
+            <p:ph type="body" sz="quarter" idx="10"/>
+          </p:nvPr>
+        </p:nvSpPr>
+        <p:spPr/>
+        <p:txBody>
+          <a:bodyPr/>
+          <a:lstStyle/>
+          <a:p>
+            <a:endParaRPr lang="en-US"/>
+          </a:p>
+        </p:txBody>
+      </p:sp>
+    </p:spTree>
+    <p:extLst>
+      <p:ext uri="{BB962C8B-B14F-4D97-AF65-F5344CB8AC3E}">
+        <p14:creationId xmlns:p14="http://schemas.microsoft.com/office/powerpoint/2010/main" val="1565729414"/>
+      </p:ext>
+    </p:extLst>
+  </p:cSld>
+  <p:clrMapOvr>
+    <a:masterClrMapping/>
+  </p:clrMapOvr>
+</p:sld>
+</file>
+
+<file path=ppt/slides/slide31.xml><?xml version="1.0" encoding="utf-8"?>
+<p:sld xmlns:a="http://schemas.openxmlformats.org/drawingml/2006/main" xmlns:r="http://schemas.openxmlformats.org/officeDocument/2006/relationships" xmlns:p="http://schemas.openxmlformats.org/presentationml/2006/main">
+  <p:cSld>
+    <p:spTree>
+      <p:nvGrpSpPr>
+        <p:cNvPr id="1" name=""/>
+        <p:cNvGrpSpPr/>
+        <p:nvPr/>
+      </p:nvGrpSpPr>
+      <p:grpSpPr>
+        <a:xfrm>
+          <a:off x="0" y="0"/>
+          <a:ext cx="0" cy="0"/>
+          <a:chOff x="0" y="0"/>
+          <a:chExt cx="0" cy="0"/>
+        </a:xfrm>
+      </p:grpSpPr>
+      <p:sp>
+        <p:nvSpPr>
           <p:cNvPr id="4" name="TextBox 3"/>
           <p:cNvSpPr txBox="1"/>
           <p:nvPr/>
@@ -18633,7 +23506,7 @@
 </p:sld>
 </file>
 
-<file path=ppt/slides/slide5.xml><?xml version="1.0" encoding="utf-8"?>
+<file path=ppt/slides/slide32.xml><?xml version="1.0" encoding="utf-8"?>
 <p:sld xmlns:a="http://schemas.openxmlformats.org/drawingml/2006/main" xmlns:r="http://schemas.openxmlformats.org/officeDocument/2006/relationships" xmlns:p="http://schemas.openxmlformats.org/presentationml/2006/main">
   <p:cSld>
     <p:bg>
@@ -18689,6 +23562,2898 @@
       </p:par>
     </p:tnLst>
   </p:timing>
+</p:sld>
+</file>
+
+<file path=ppt/slides/slide4.xml><?xml version="1.0" encoding="utf-8"?>
+<p:sld xmlns:a="http://schemas.openxmlformats.org/drawingml/2006/main" xmlns:r="http://schemas.openxmlformats.org/officeDocument/2006/relationships" xmlns:p="http://schemas.openxmlformats.org/presentationml/2006/main">
+  <p:cSld>
+    <p:spTree>
+      <p:nvGrpSpPr>
+        <p:cNvPr id="1" name=""/>
+        <p:cNvGrpSpPr/>
+        <p:nvPr/>
+      </p:nvGrpSpPr>
+      <p:grpSpPr>
+        <a:xfrm>
+          <a:off x="0" y="0"/>
+          <a:ext cx="0" cy="0"/>
+          <a:chOff x="0" y="0"/>
+          <a:chExt cx="0" cy="0"/>
+        </a:xfrm>
+      </p:grpSpPr>
+      <p:sp>
+        <p:nvSpPr>
+          <p:cNvPr id="2" name="Title 1"/>
+          <p:cNvSpPr>
+            <a:spLocks noGrp="1"/>
+          </p:cNvSpPr>
+          <p:nvPr>
+            <p:ph type="title"/>
+          </p:nvPr>
+        </p:nvSpPr>
+        <p:spPr/>
+        <p:txBody>
+          <a:bodyPr/>
+          <a:lstStyle/>
+          <a:p>
+            <a:r>
+              <a:rPr lang="en-US" dirty="0" smtClean="0"/>
+              <a:t>Scenario: Scale</a:t>
+            </a:r>
+            <a:endParaRPr lang="en-US" dirty="0"/>
+          </a:p>
+        </p:txBody>
+      </p:sp>
+      <p:sp>
+        <p:nvSpPr>
+          <p:cNvPr id="3" name="Text Placeholder 2"/>
+          <p:cNvSpPr>
+            <a:spLocks noGrp="1"/>
+          </p:cNvSpPr>
+          <p:nvPr>
+            <p:ph type="body" sz="quarter" idx="10"/>
+          </p:nvPr>
+        </p:nvSpPr>
+        <p:spPr/>
+        <p:txBody>
+          <a:bodyPr/>
+          <a:lstStyle/>
+          <a:p>
+            <a:endParaRPr lang="en-US"/>
+          </a:p>
+        </p:txBody>
+      </p:sp>
+    </p:spTree>
+    <p:extLst>
+      <p:ext uri="{BB962C8B-B14F-4D97-AF65-F5344CB8AC3E}">
+        <p14:creationId xmlns:p14="http://schemas.microsoft.com/office/powerpoint/2010/main" val="511082479"/>
+      </p:ext>
+    </p:extLst>
+  </p:cSld>
+  <p:clrMapOvr>
+    <a:masterClrMapping/>
+  </p:clrMapOvr>
+</p:sld>
+</file>
+
+<file path=ppt/slides/slide5.xml><?xml version="1.0" encoding="utf-8"?>
+<p:sld xmlns:a="http://schemas.openxmlformats.org/drawingml/2006/main" xmlns:r="http://schemas.openxmlformats.org/officeDocument/2006/relationships" xmlns:p="http://schemas.openxmlformats.org/presentationml/2006/main">
+  <p:cSld>
+    <p:spTree>
+      <p:nvGrpSpPr>
+        <p:cNvPr id="1" name=""/>
+        <p:cNvGrpSpPr/>
+        <p:nvPr/>
+      </p:nvGrpSpPr>
+      <p:grpSpPr>
+        <a:xfrm>
+          <a:off x="0" y="0"/>
+          <a:ext cx="0" cy="0"/>
+          <a:chOff x="0" y="0"/>
+          <a:chExt cx="0" cy="0"/>
+        </a:xfrm>
+      </p:grpSpPr>
+      <p:sp>
+        <p:nvSpPr>
+          <p:cNvPr id="2" name="Title 1"/>
+          <p:cNvSpPr>
+            <a:spLocks noGrp="1"/>
+          </p:cNvSpPr>
+          <p:nvPr>
+            <p:ph type="title"/>
+          </p:nvPr>
+        </p:nvSpPr>
+        <p:spPr/>
+        <p:txBody>
+          <a:bodyPr/>
+          <a:lstStyle/>
+          <a:p>
+            <a:r>
+              <a:rPr lang="en-US" dirty="0" smtClean="0"/>
+              <a:t>Scenario description</a:t>
+            </a:r>
+            <a:endParaRPr lang="en-US" dirty="0"/>
+          </a:p>
+        </p:txBody>
+      </p:sp>
+      <p:sp>
+        <p:nvSpPr>
+          <p:cNvPr id="3" name="Content Placeholder 2"/>
+          <p:cNvSpPr>
+            <a:spLocks noGrp="1"/>
+          </p:cNvSpPr>
+          <p:nvPr>
+            <p:ph idx="1"/>
+          </p:nvPr>
+        </p:nvSpPr>
+        <p:spPr/>
+        <p:txBody>
+          <a:bodyPr/>
+          <a:lstStyle/>
+          <a:p>
+            <a:pPr marL="0" indent="0">
+              <a:buNone/>
+            </a:pPr>
+            <a:r>
+              <a:rPr lang="en-US" dirty="0" smtClean="0"/>
+              <a:t>Your site load varies over time.</a:t>
+            </a:r>
+          </a:p>
+          <a:p>
+            <a:pPr marL="0" indent="0">
+              <a:buNone/>
+            </a:pPr>
+            <a:endParaRPr lang="en-US" dirty="0"/>
+          </a:p>
+          <a:p>
+            <a:pPr marL="0" indent="0">
+              <a:buNone/>
+            </a:pPr>
+            <a:r>
+              <a:rPr lang="en-US" dirty="0" smtClean="0"/>
+              <a:t>You need to adapt.</a:t>
+            </a:r>
+          </a:p>
+          <a:p>
+            <a:pPr marL="0" indent="0">
+              <a:buNone/>
+            </a:pPr>
+            <a:endParaRPr lang="en-US" dirty="0"/>
+          </a:p>
+          <a:p>
+            <a:pPr marL="0" indent="0">
+              <a:buNone/>
+            </a:pPr>
+            <a:r>
+              <a:rPr lang="en-US" dirty="0" smtClean="0"/>
+              <a:t>Smoothly.</a:t>
+            </a:r>
+            <a:endParaRPr lang="en-US" dirty="0"/>
+          </a:p>
+        </p:txBody>
+      </p:sp>
+      <p:sp>
+        <p:nvSpPr>
+          <p:cNvPr id="4" name="Slide Number Placeholder 3"/>
+          <p:cNvSpPr>
+            <a:spLocks noGrp="1"/>
+          </p:cNvSpPr>
+          <p:nvPr>
+            <p:ph type="sldNum" sz="quarter" idx="12"/>
+          </p:nvPr>
+        </p:nvSpPr>
+        <p:spPr/>
+        <p:txBody>
+          <a:bodyPr/>
+          <a:lstStyle/>
+          <a:p>
+            <a:fld id="{0A164282-434E-41D4-9582-783D542A7B68}" type="slidenum">
+              <a:rPr lang="en-US" smtClean="0"/>
+              <a:t>5</a:t>
+            </a:fld>
+            <a:endParaRPr lang="en-US"/>
+          </a:p>
+        </p:txBody>
+      </p:sp>
+    </p:spTree>
+    <p:extLst>
+      <p:ext uri="{BB962C8B-B14F-4D97-AF65-F5344CB8AC3E}">
+        <p14:creationId xmlns:p14="http://schemas.microsoft.com/office/powerpoint/2010/main" val="323476207"/>
+      </p:ext>
+    </p:extLst>
+  </p:cSld>
+  <p:clrMapOvr>
+    <a:masterClrMapping/>
+  </p:clrMapOvr>
+</p:sld>
+</file>
+
+<file path=ppt/slides/slide6.xml><?xml version="1.0" encoding="utf-8"?>
+<p:sld xmlns:a="http://schemas.openxmlformats.org/drawingml/2006/main" xmlns:r="http://schemas.openxmlformats.org/officeDocument/2006/relationships" xmlns:p="http://schemas.openxmlformats.org/presentationml/2006/main">
+  <p:cSld>
+    <p:spTree>
+      <p:nvGrpSpPr>
+        <p:cNvPr id="1" name=""/>
+        <p:cNvGrpSpPr/>
+        <p:nvPr/>
+      </p:nvGrpSpPr>
+      <p:grpSpPr>
+        <a:xfrm>
+          <a:off x="0" y="0"/>
+          <a:ext cx="0" cy="0"/>
+          <a:chOff x="0" y="0"/>
+          <a:chExt cx="0" cy="0"/>
+        </a:xfrm>
+      </p:grpSpPr>
+      <p:sp>
+        <p:nvSpPr>
+          <p:cNvPr id="2" name="Title 1"/>
+          <p:cNvSpPr>
+            <a:spLocks noGrp="1"/>
+          </p:cNvSpPr>
+          <p:nvPr>
+            <p:ph type="title"/>
+          </p:nvPr>
+        </p:nvSpPr>
+        <p:spPr/>
+        <p:txBody>
+          <a:bodyPr/>
+          <a:lstStyle/>
+          <a:p>
+            <a:r>
+              <a:rPr lang="en-US" dirty="0" smtClean="0"/>
+              <a:t>Load profiles</a:t>
+            </a:r>
+            <a:endParaRPr lang="en-US" dirty="0"/>
+          </a:p>
+        </p:txBody>
+      </p:sp>
+      <p:sp>
+        <p:nvSpPr>
+          <p:cNvPr id="4" name="Slide Number Placeholder 3"/>
+          <p:cNvSpPr>
+            <a:spLocks noGrp="1"/>
+          </p:cNvSpPr>
+          <p:nvPr>
+            <p:ph type="sldNum" sz="quarter" idx="12"/>
+          </p:nvPr>
+        </p:nvSpPr>
+        <p:spPr/>
+        <p:txBody>
+          <a:bodyPr/>
+          <a:lstStyle/>
+          <a:p>
+            <a:fld id="{0A164282-434E-41D4-9582-783D542A7B68}" type="slidenum">
+              <a:rPr lang="en-US" smtClean="0"/>
+              <a:t>6</a:t>
+            </a:fld>
+            <a:endParaRPr lang="en-US"/>
+          </a:p>
+        </p:txBody>
+      </p:sp>
+      <p:grpSp>
+        <p:nvGrpSpPr>
+          <p:cNvPr id="39" name="Group 38"/>
+          <p:cNvGrpSpPr/>
+          <p:nvPr/>
+        </p:nvGrpSpPr>
+        <p:grpSpPr>
+          <a:xfrm>
+            <a:off x="1828489" y="1742059"/>
+            <a:ext cx="8535022" cy="4251591"/>
+            <a:chOff x="1151467" y="1742059"/>
+            <a:chExt cx="8535022" cy="4251591"/>
+          </a:xfrm>
+        </p:grpSpPr>
+        <p:sp>
+          <p:nvSpPr>
+            <p:cNvPr id="35" name="Rectangle 34"/>
+            <p:cNvSpPr/>
+            <p:nvPr/>
+          </p:nvSpPr>
+          <p:spPr>
+            <a:xfrm>
+              <a:off x="1151467" y="3942642"/>
+              <a:ext cx="4191000" cy="2051008"/>
+            </a:xfrm>
+            <a:prstGeom prst="rect">
+              <a:avLst/>
+            </a:prstGeom>
+            <a:solidFill>
+              <a:srgbClr val="3C454F"/>
+            </a:solidFill>
+          </p:spPr>
+          <p:style>
+            <a:lnRef idx="2">
+              <a:schemeClr val="accent1">
+                <a:shade val="50000"/>
+              </a:schemeClr>
+            </a:lnRef>
+            <a:fillRef idx="1">
+              <a:schemeClr val="accent1"/>
+            </a:fillRef>
+            <a:effectRef idx="0">
+              <a:schemeClr val="accent1"/>
+            </a:effectRef>
+            <a:fontRef idx="minor">
+              <a:schemeClr val="lt1"/>
+            </a:fontRef>
+          </p:style>
+          <p:txBody>
+            <a:bodyPr rtlCol="0" anchor="t"/>
+            <a:lstStyle/>
+            <a:p>
+              <a:pPr algn="ctr"/>
+              <a:endParaRPr lang="en-US" dirty="0" smtClean="0"/>
+            </a:p>
+            <a:p>
+              <a:pPr algn="ctr"/>
+              <a:r>
+                <a:rPr lang="en-US" dirty="0" smtClean="0"/>
+                <a:t>INCREASING</a:t>
+              </a:r>
+              <a:endParaRPr lang="en-US" dirty="0"/>
+            </a:p>
+          </p:txBody>
+        </p:sp>
+        <p:sp>
+          <p:nvSpPr>
+            <p:cNvPr id="33" name="Rectangle 32"/>
+            <p:cNvSpPr/>
+            <p:nvPr/>
+          </p:nvSpPr>
+          <p:spPr>
+            <a:xfrm>
+              <a:off x="1151467" y="1742059"/>
+              <a:ext cx="4191000" cy="2051008"/>
+            </a:xfrm>
+            <a:prstGeom prst="rect">
+              <a:avLst/>
+            </a:prstGeom>
+            <a:solidFill>
+              <a:srgbClr val="3C454F"/>
+            </a:solidFill>
+          </p:spPr>
+          <p:style>
+            <a:lnRef idx="2">
+              <a:schemeClr val="accent1">
+                <a:shade val="50000"/>
+              </a:schemeClr>
+            </a:lnRef>
+            <a:fillRef idx="1">
+              <a:schemeClr val="accent1"/>
+            </a:fillRef>
+            <a:effectRef idx="0">
+              <a:schemeClr val="accent1"/>
+            </a:effectRef>
+            <a:fontRef idx="minor">
+              <a:schemeClr val="lt1"/>
+            </a:fontRef>
+          </p:style>
+          <p:txBody>
+            <a:bodyPr rtlCol="0" anchor="t"/>
+            <a:lstStyle/>
+            <a:p>
+              <a:pPr algn="ctr"/>
+              <a:endParaRPr lang="en-US" dirty="0" smtClean="0"/>
+            </a:p>
+            <a:p>
+              <a:pPr algn="ctr"/>
+              <a:r>
+                <a:rPr lang="en-US" dirty="0" smtClean="0"/>
+                <a:t>BATCH</a:t>
+              </a:r>
+              <a:endParaRPr lang="en-US" dirty="0"/>
+            </a:p>
+          </p:txBody>
+        </p:sp>
+        <p:grpSp>
+          <p:nvGrpSpPr>
+            <p:cNvPr id="34" name="Group 33"/>
+            <p:cNvGrpSpPr/>
+            <p:nvPr/>
+          </p:nvGrpSpPr>
+          <p:grpSpPr>
+            <a:xfrm>
+              <a:off x="1502173" y="2529615"/>
+              <a:ext cx="3489589" cy="1030592"/>
+              <a:chOff x="1447023" y="2529615"/>
+              <a:chExt cx="3489589" cy="1030592"/>
+            </a:xfrm>
+          </p:grpSpPr>
+          <p:cxnSp>
+            <p:nvCxnSpPr>
+              <p:cNvPr id="5" name="Straight Arrow Connector 4"/>
+              <p:cNvCxnSpPr/>
+              <p:nvPr/>
+            </p:nvCxnSpPr>
+            <p:spPr bwMode="auto">
+              <a:xfrm rot="16200000" flipV="1">
+                <a:off x="1335985" y="2977250"/>
+                <a:ext cx="895273" cy="4"/>
+              </a:xfrm>
+              <a:prstGeom prst="straightConnector1">
+                <a:avLst/>
+              </a:prstGeom>
+              <a:ln w="25400">
+                <a:solidFill>
+                  <a:schemeClr val="bg1"/>
+                </a:solidFill>
+                <a:headEnd type="none" w="med" len="med"/>
+                <a:tailEnd type="triangle"/>
+              </a:ln>
+              <a:effectLst/>
+            </p:spPr>
+            <p:style>
+              <a:lnRef idx="3">
+                <a:schemeClr val="accent3"/>
+              </a:lnRef>
+              <a:fillRef idx="0">
+                <a:schemeClr val="accent3"/>
+              </a:fillRef>
+              <a:effectRef idx="2">
+                <a:schemeClr val="accent3"/>
+              </a:effectRef>
+              <a:fontRef idx="minor">
+                <a:schemeClr val="tx1"/>
+              </a:fontRef>
+            </p:style>
+          </p:cxnSp>
+          <p:cxnSp>
+            <p:nvCxnSpPr>
+              <p:cNvPr id="6" name="Straight Arrow Connector 5"/>
+              <p:cNvCxnSpPr/>
+              <p:nvPr/>
+            </p:nvCxnSpPr>
+            <p:spPr bwMode="auto">
+              <a:xfrm>
+                <a:off x="1783621" y="3414171"/>
+                <a:ext cx="3152991" cy="935"/>
+              </a:xfrm>
+              <a:prstGeom prst="straightConnector1">
+                <a:avLst/>
+              </a:prstGeom>
+              <a:ln w="25400">
+                <a:solidFill>
+                  <a:schemeClr val="bg1"/>
+                </a:solidFill>
+                <a:headEnd type="none" w="med" len="med"/>
+                <a:tailEnd type="triangle"/>
+              </a:ln>
+              <a:effectLst/>
+            </p:spPr>
+            <p:style>
+              <a:lnRef idx="3">
+                <a:schemeClr val="accent3"/>
+              </a:lnRef>
+              <a:fillRef idx="0">
+                <a:schemeClr val="accent3"/>
+              </a:fillRef>
+              <a:effectRef idx="2">
+                <a:schemeClr val="accent3"/>
+              </a:effectRef>
+              <a:fontRef idx="minor">
+                <a:schemeClr val="tx1"/>
+              </a:fontRef>
+            </p:style>
+          </p:cxnSp>
+          <p:sp>
+            <p:nvSpPr>
+              <p:cNvPr id="7" name="Rectangle 6"/>
+              <p:cNvSpPr/>
+              <p:nvPr/>
+            </p:nvSpPr>
+            <p:spPr>
+              <a:xfrm rot="16200000">
+                <a:off x="1050151" y="2929942"/>
+                <a:ext cx="1027137" cy="233393"/>
+              </a:xfrm>
+              <a:prstGeom prst="rect">
+                <a:avLst/>
+              </a:prstGeom>
+              <a:ln>
+                <a:noFill/>
+              </a:ln>
+            </p:spPr>
+            <p:txBody>
+              <a:bodyPr wrap="square" lIns="91436" tIns="45718" rIns="91436" bIns="45718">
+                <a:spAutoFit/>
+              </a:bodyPr>
+              <a:lstStyle>
+                <a:defPPr>
+                  <a:defRPr lang="en-US"/>
+                </a:defPPr>
+                <a:lvl1pPr marL="0" algn="l" defTabSz="1218987" rtl="0" eaLnBrk="1" latinLnBrk="0" hangingPunct="1">
+                  <a:defRPr sz="2400" kern="1200">
+                    <a:solidFill>
+                      <a:schemeClr val="tx1"/>
+                    </a:solidFill>
+                    <a:latin typeface="+mn-lt"/>
+                    <a:ea typeface="+mn-ea"/>
+                    <a:cs typeface="+mn-cs"/>
+                  </a:defRPr>
+                </a:lvl1pPr>
+                <a:lvl2pPr marL="609493" algn="l" defTabSz="1218987" rtl="0" eaLnBrk="1" latinLnBrk="0" hangingPunct="1">
+                  <a:defRPr sz="2400" kern="1200">
+                    <a:solidFill>
+                      <a:schemeClr val="tx1"/>
+                    </a:solidFill>
+                    <a:latin typeface="+mn-lt"/>
+                    <a:ea typeface="+mn-ea"/>
+                    <a:cs typeface="+mn-cs"/>
+                  </a:defRPr>
+                </a:lvl2pPr>
+                <a:lvl3pPr marL="1218987" algn="l" defTabSz="1218987" rtl="0" eaLnBrk="1" latinLnBrk="0" hangingPunct="1">
+                  <a:defRPr sz="2400" kern="1200">
+                    <a:solidFill>
+                      <a:schemeClr val="tx1"/>
+                    </a:solidFill>
+                    <a:latin typeface="+mn-lt"/>
+                    <a:ea typeface="+mn-ea"/>
+                    <a:cs typeface="+mn-cs"/>
+                  </a:defRPr>
+                </a:lvl3pPr>
+                <a:lvl4pPr marL="1828480" algn="l" defTabSz="1218987" rtl="0" eaLnBrk="1" latinLnBrk="0" hangingPunct="1">
+                  <a:defRPr sz="2400" kern="1200">
+                    <a:solidFill>
+                      <a:schemeClr val="tx1"/>
+                    </a:solidFill>
+                    <a:latin typeface="+mn-lt"/>
+                    <a:ea typeface="+mn-ea"/>
+                    <a:cs typeface="+mn-cs"/>
+                  </a:defRPr>
+                </a:lvl4pPr>
+                <a:lvl5pPr marL="2437973" algn="l" defTabSz="1218987" rtl="0" eaLnBrk="1" latinLnBrk="0" hangingPunct="1">
+                  <a:defRPr sz="2400" kern="1200">
+                    <a:solidFill>
+                      <a:schemeClr val="tx1"/>
+                    </a:solidFill>
+                    <a:latin typeface="+mn-lt"/>
+                    <a:ea typeface="+mn-ea"/>
+                    <a:cs typeface="+mn-cs"/>
+                  </a:defRPr>
+                </a:lvl5pPr>
+                <a:lvl6pPr marL="3047467" algn="l" defTabSz="1218987" rtl="0" eaLnBrk="1" latinLnBrk="0" hangingPunct="1">
+                  <a:defRPr sz="2400" kern="1200">
+                    <a:solidFill>
+                      <a:schemeClr val="tx1"/>
+                    </a:solidFill>
+                    <a:latin typeface="+mn-lt"/>
+                    <a:ea typeface="+mn-ea"/>
+                    <a:cs typeface="+mn-cs"/>
+                  </a:defRPr>
+                </a:lvl6pPr>
+                <a:lvl7pPr marL="3656960" algn="l" defTabSz="1218987" rtl="0" eaLnBrk="1" latinLnBrk="0" hangingPunct="1">
+                  <a:defRPr sz="2400" kern="1200">
+                    <a:solidFill>
+                      <a:schemeClr val="tx1"/>
+                    </a:solidFill>
+                    <a:latin typeface="+mn-lt"/>
+                    <a:ea typeface="+mn-ea"/>
+                    <a:cs typeface="+mn-cs"/>
+                  </a:defRPr>
+                </a:lvl7pPr>
+                <a:lvl8pPr marL="4266453" algn="l" defTabSz="1218987" rtl="0" eaLnBrk="1" latinLnBrk="0" hangingPunct="1">
+                  <a:defRPr sz="2400" kern="1200">
+                    <a:solidFill>
+                      <a:schemeClr val="tx1"/>
+                    </a:solidFill>
+                    <a:latin typeface="+mn-lt"/>
+                    <a:ea typeface="+mn-ea"/>
+                    <a:cs typeface="+mn-cs"/>
+                  </a:defRPr>
+                </a:lvl8pPr>
+                <a:lvl9pPr marL="4875947" algn="l" defTabSz="1218987" rtl="0" eaLnBrk="1" latinLnBrk="0" hangingPunct="1">
+                  <a:defRPr sz="2400" kern="1200">
+                    <a:solidFill>
+                      <a:schemeClr val="tx1"/>
+                    </a:solidFill>
+                    <a:latin typeface="+mn-lt"/>
+                    <a:ea typeface="+mn-ea"/>
+                    <a:cs typeface="+mn-cs"/>
+                  </a:defRPr>
+                </a:lvl9pPr>
+              </a:lstStyle>
+              <a:p>
+                <a:pPr marL="304735" indent="-304735" algn="ctr" defTabSz="1218936" eaLnBrk="0" fontAlgn="base" hangingPunct="0">
+                  <a:lnSpc>
+                    <a:spcPts val="1066"/>
+                  </a:lnSpc>
+                  <a:spcBef>
+                    <a:spcPct val="20000"/>
+                  </a:spcBef>
+                  <a:spcAft>
+                    <a:spcPct val="0"/>
+                  </a:spcAft>
+                  <a:buClr>
+                    <a:srgbClr val="000000"/>
+                  </a:buClr>
+                </a:pPr>
+                <a:r>
+                  <a:rPr lang="en-US" sz="1200" dirty="0" smtClean="0">
+                    <a:solidFill>
+                      <a:schemeClr val="bg1"/>
+                    </a:solidFill>
+                  </a:rPr>
+                  <a:t>Load</a:t>
+                </a:r>
+                <a:endParaRPr lang="en-US" sz="1200" dirty="0">
+                  <a:solidFill>
+                    <a:schemeClr val="bg1"/>
+                  </a:solidFill>
+                </a:endParaRPr>
+              </a:p>
+            </p:txBody>
+          </p:sp>
+          <p:cxnSp>
+            <p:nvCxnSpPr>
+              <p:cNvPr id="8" name="Straight Arrow Connector 7"/>
+              <p:cNvCxnSpPr/>
+              <p:nvPr/>
+            </p:nvCxnSpPr>
+            <p:spPr bwMode="auto">
+              <a:xfrm flipV="1">
+                <a:off x="1783621" y="3080506"/>
+                <a:ext cx="1018711" cy="65367"/>
+              </a:xfrm>
+              <a:prstGeom prst="straightConnector1">
+                <a:avLst/>
+              </a:prstGeom>
+              <a:ln w="25400">
+                <a:solidFill>
+                  <a:schemeClr val="bg1"/>
+                </a:solidFill>
+                <a:headEnd type="none" w="med" len="med"/>
+                <a:tailEnd type="triangle"/>
+              </a:ln>
+              <a:effectLst/>
+            </p:spPr>
+            <p:style>
+              <a:lnRef idx="3">
+                <a:schemeClr val="accent3"/>
+              </a:lnRef>
+              <a:fillRef idx="0">
+                <a:schemeClr val="accent3"/>
+              </a:fillRef>
+              <a:effectRef idx="2">
+                <a:schemeClr val="accent3"/>
+              </a:effectRef>
+              <a:fontRef idx="minor">
+                <a:schemeClr val="tx1"/>
+              </a:fontRef>
+            </p:style>
+          </p:cxnSp>
+          <p:cxnSp>
+            <p:nvCxnSpPr>
+              <p:cNvPr id="9" name="Straight Arrow Connector 8"/>
+              <p:cNvCxnSpPr/>
+              <p:nvPr/>
+            </p:nvCxnSpPr>
+            <p:spPr bwMode="auto">
+              <a:xfrm flipV="1">
+                <a:off x="3808288" y="3059525"/>
+                <a:ext cx="1067313" cy="86347"/>
+              </a:xfrm>
+              <a:prstGeom prst="straightConnector1">
+                <a:avLst/>
+              </a:prstGeom>
+              <a:ln w="25400">
+                <a:solidFill>
+                  <a:schemeClr val="bg1"/>
+                </a:solidFill>
+                <a:headEnd type="none" w="med" len="med"/>
+                <a:tailEnd type="triangle"/>
+              </a:ln>
+              <a:effectLst/>
+            </p:spPr>
+            <p:style>
+              <a:lnRef idx="3">
+                <a:schemeClr val="accent3"/>
+              </a:lnRef>
+              <a:fillRef idx="0">
+                <a:schemeClr val="accent3"/>
+              </a:fillRef>
+              <a:effectRef idx="2">
+                <a:schemeClr val="accent3"/>
+              </a:effectRef>
+              <a:fontRef idx="minor">
+                <a:schemeClr val="tx1"/>
+              </a:fontRef>
+            </p:style>
+          </p:cxnSp>
+          <p:cxnSp>
+            <p:nvCxnSpPr>
+              <p:cNvPr id="10" name="Straight Connector 9"/>
+              <p:cNvCxnSpPr/>
+              <p:nvPr/>
+            </p:nvCxnSpPr>
+            <p:spPr bwMode="auto">
+              <a:xfrm rot="5400000" flipH="1" flipV="1">
+                <a:off x="3383240" y="2988270"/>
+                <a:ext cx="853043" cy="1565"/>
+              </a:xfrm>
+              <a:prstGeom prst="line">
+                <a:avLst/>
+              </a:prstGeom>
+              <a:ln w="19050">
+                <a:solidFill>
+                  <a:schemeClr val="bg1"/>
+                </a:solidFill>
+                <a:prstDash val="sysDot"/>
+                <a:headEnd type="none" w="med" len="med"/>
+                <a:tailEnd type="none" w="med" len="med"/>
+              </a:ln>
+              <a:effectLst/>
+            </p:spPr>
+            <p:style>
+              <a:lnRef idx="3">
+                <a:schemeClr val="accent3"/>
+              </a:lnRef>
+              <a:fillRef idx="0">
+                <a:schemeClr val="accent3"/>
+              </a:fillRef>
+              <a:effectRef idx="2">
+                <a:schemeClr val="accent3"/>
+              </a:effectRef>
+              <a:fontRef idx="minor">
+                <a:schemeClr val="tx1"/>
+              </a:fontRef>
+            </p:style>
+          </p:cxnSp>
+          <p:sp>
+            <p:nvSpPr>
+              <p:cNvPr id="11" name="Rectangle 10"/>
+              <p:cNvSpPr/>
+              <p:nvPr/>
+            </p:nvSpPr>
+            <p:spPr>
+              <a:xfrm>
+                <a:off x="2761653" y="2718925"/>
+                <a:ext cx="1117021" cy="408313"/>
+              </a:xfrm>
+              <a:prstGeom prst="rect">
+                <a:avLst/>
+              </a:prstGeom>
+              <a:ln>
+                <a:noFill/>
+              </a:ln>
+            </p:spPr>
+            <p:txBody>
+              <a:bodyPr wrap="square" lIns="91436" tIns="45718" rIns="91436" bIns="45718">
+                <a:spAutoFit/>
+              </a:bodyPr>
+              <a:lstStyle>
+                <a:defPPr>
+                  <a:defRPr lang="en-US"/>
+                </a:defPPr>
+                <a:lvl1pPr marL="0" algn="l" defTabSz="1218987" rtl="0" eaLnBrk="1" latinLnBrk="0" hangingPunct="1">
+                  <a:defRPr sz="2400" kern="1200">
+                    <a:solidFill>
+                      <a:schemeClr val="tx1"/>
+                    </a:solidFill>
+                    <a:latin typeface="+mn-lt"/>
+                    <a:ea typeface="+mn-ea"/>
+                    <a:cs typeface="+mn-cs"/>
+                  </a:defRPr>
+                </a:lvl1pPr>
+                <a:lvl2pPr marL="609493" algn="l" defTabSz="1218987" rtl="0" eaLnBrk="1" latinLnBrk="0" hangingPunct="1">
+                  <a:defRPr sz="2400" kern="1200">
+                    <a:solidFill>
+                      <a:schemeClr val="tx1"/>
+                    </a:solidFill>
+                    <a:latin typeface="+mn-lt"/>
+                    <a:ea typeface="+mn-ea"/>
+                    <a:cs typeface="+mn-cs"/>
+                  </a:defRPr>
+                </a:lvl2pPr>
+                <a:lvl3pPr marL="1218987" algn="l" defTabSz="1218987" rtl="0" eaLnBrk="1" latinLnBrk="0" hangingPunct="1">
+                  <a:defRPr sz="2400" kern="1200">
+                    <a:solidFill>
+                      <a:schemeClr val="tx1"/>
+                    </a:solidFill>
+                    <a:latin typeface="+mn-lt"/>
+                    <a:ea typeface="+mn-ea"/>
+                    <a:cs typeface="+mn-cs"/>
+                  </a:defRPr>
+                </a:lvl3pPr>
+                <a:lvl4pPr marL="1828480" algn="l" defTabSz="1218987" rtl="0" eaLnBrk="1" latinLnBrk="0" hangingPunct="1">
+                  <a:defRPr sz="2400" kern="1200">
+                    <a:solidFill>
+                      <a:schemeClr val="tx1"/>
+                    </a:solidFill>
+                    <a:latin typeface="+mn-lt"/>
+                    <a:ea typeface="+mn-ea"/>
+                    <a:cs typeface="+mn-cs"/>
+                  </a:defRPr>
+                </a:lvl4pPr>
+                <a:lvl5pPr marL="2437973" algn="l" defTabSz="1218987" rtl="0" eaLnBrk="1" latinLnBrk="0" hangingPunct="1">
+                  <a:defRPr sz="2400" kern="1200">
+                    <a:solidFill>
+                      <a:schemeClr val="tx1"/>
+                    </a:solidFill>
+                    <a:latin typeface="+mn-lt"/>
+                    <a:ea typeface="+mn-ea"/>
+                    <a:cs typeface="+mn-cs"/>
+                  </a:defRPr>
+                </a:lvl5pPr>
+                <a:lvl6pPr marL="3047467" algn="l" defTabSz="1218987" rtl="0" eaLnBrk="1" latinLnBrk="0" hangingPunct="1">
+                  <a:defRPr sz="2400" kern="1200">
+                    <a:solidFill>
+                      <a:schemeClr val="tx1"/>
+                    </a:solidFill>
+                    <a:latin typeface="+mn-lt"/>
+                    <a:ea typeface="+mn-ea"/>
+                    <a:cs typeface="+mn-cs"/>
+                  </a:defRPr>
+                </a:lvl6pPr>
+                <a:lvl7pPr marL="3656960" algn="l" defTabSz="1218987" rtl="0" eaLnBrk="1" latinLnBrk="0" hangingPunct="1">
+                  <a:defRPr sz="2400" kern="1200">
+                    <a:solidFill>
+                      <a:schemeClr val="tx1"/>
+                    </a:solidFill>
+                    <a:latin typeface="+mn-lt"/>
+                    <a:ea typeface="+mn-ea"/>
+                    <a:cs typeface="+mn-cs"/>
+                  </a:defRPr>
+                </a:lvl7pPr>
+                <a:lvl8pPr marL="4266453" algn="l" defTabSz="1218987" rtl="0" eaLnBrk="1" latinLnBrk="0" hangingPunct="1">
+                  <a:defRPr sz="2400" kern="1200">
+                    <a:solidFill>
+                      <a:schemeClr val="tx1"/>
+                    </a:solidFill>
+                    <a:latin typeface="+mn-lt"/>
+                    <a:ea typeface="+mn-ea"/>
+                    <a:cs typeface="+mn-cs"/>
+                  </a:defRPr>
+                </a:lvl8pPr>
+                <a:lvl9pPr marL="4875947" algn="l" defTabSz="1218987" rtl="0" eaLnBrk="1" latinLnBrk="0" hangingPunct="1">
+                  <a:defRPr sz="2400" kern="1200">
+                    <a:solidFill>
+                      <a:schemeClr val="tx1"/>
+                    </a:solidFill>
+                    <a:latin typeface="+mn-lt"/>
+                    <a:ea typeface="+mn-ea"/>
+                    <a:cs typeface="+mn-cs"/>
+                  </a:defRPr>
+                </a:lvl9pPr>
+              </a:lstStyle>
+              <a:p>
+                <a:pPr marL="304735" indent="-304735" algn="ctr" defTabSz="1218936" eaLnBrk="0" fontAlgn="base" hangingPunct="0">
+                  <a:lnSpc>
+                    <a:spcPts val="1066"/>
+                  </a:lnSpc>
+                  <a:spcBef>
+                    <a:spcPct val="20000"/>
+                  </a:spcBef>
+                  <a:spcAft>
+                    <a:spcPct val="0"/>
+                  </a:spcAft>
+                  <a:buClr>
+                    <a:srgbClr val="000000"/>
+                  </a:buClr>
+                </a:pPr>
+                <a:r>
+                  <a:rPr lang="en-US" sz="1100" dirty="0" smtClean="0">
+                    <a:solidFill>
+                      <a:schemeClr val="bg1"/>
+                    </a:solidFill>
+                  </a:rPr>
+                  <a:t>No</a:t>
+                </a:r>
+              </a:p>
+              <a:p>
+                <a:pPr marL="304735" indent="-304735" algn="ctr" defTabSz="1218936" eaLnBrk="0" fontAlgn="base" hangingPunct="0">
+                  <a:lnSpc>
+                    <a:spcPts val="1066"/>
+                  </a:lnSpc>
+                  <a:spcBef>
+                    <a:spcPct val="20000"/>
+                  </a:spcBef>
+                  <a:spcAft>
+                    <a:spcPct val="0"/>
+                  </a:spcAft>
+                  <a:buClr>
+                    <a:srgbClr val="000000"/>
+                  </a:buClr>
+                </a:pPr>
+                <a:r>
+                  <a:rPr lang="en-US" sz="1100" dirty="0" smtClean="0">
+                    <a:solidFill>
+                      <a:schemeClr val="bg1"/>
+                    </a:solidFill>
+                  </a:rPr>
+                  <a:t>load</a:t>
+                </a:r>
+                <a:endParaRPr lang="en-US" sz="1100" dirty="0">
+                  <a:solidFill>
+                    <a:schemeClr val="bg1"/>
+                  </a:solidFill>
+                </a:endParaRPr>
+              </a:p>
+            </p:txBody>
+          </p:sp>
+          <p:cxnSp>
+            <p:nvCxnSpPr>
+              <p:cNvPr id="12" name="Straight Connector 11"/>
+              <p:cNvCxnSpPr/>
+              <p:nvPr/>
+            </p:nvCxnSpPr>
+            <p:spPr bwMode="auto">
+              <a:xfrm rot="5400000" flipH="1" flipV="1">
+                <a:off x="2397178" y="2988270"/>
+                <a:ext cx="853043" cy="1565"/>
+              </a:xfrm>
+              <a:prstGeom prst="line">
+                <a:avLst/>
+              </a:prstGeom>
+              <a:ln w="19050">
+                <a:solidFill>
+                  <a:schemeClr val="bg1"/>
+                </a:solidFill>
+                <a:prstDash val="sysDot"/>
+                <a:headEnd type="none" w="med" len="med"/>
+                <a:tailEnd type="none" w="med" len="med"/>
+              </a:ln>
+              <a:effectLst/>
+            </p:spPr>
+            <p:style>
+              <a:lnRef idx="3">
+                <a:schemeClr val="accent3"/>
+              </a:lnRef>
+              <a:fillRef idx="0">
+                <a:schemeClr val="accent3"/>
+              </a:fillRef>
+              <a:effectRef idx="2">
+                <a:schemeClr val="accent3"/>
+              </a:effectRef>
+              <a:fontRef idx="minor">
+                <a:schemeClr val="tx1"/>
+              </a:fontRef>
+            </p:style>
+          </p:cxnSp>
+        </p:grpSp>
+        <p:grpSp>
+          <p:nvGrpSpPr>
+            <p:cNvPr id="29" name="Group 28"/>
+            <p:cNvGrpSpPr/>
+            <p:nvPr/>
+          </p:nvGrpSpPr>
+          <p:grpSpPr>
+            <a:xfrm>
+              <a:off x="1437686" y="4610822"/>
+              <a:ext cx="3493065" cy="1062869"/>
+              <a:chOff x="598899" y="3807880"/>
+              <a:chExt cx="3493065" cy="1062869"/>
+            </a:xfrm>
+          </p:grpSpPr>
+          <p:cxnSp>
+            <p:nvCxnSpPr>
+              <p:cNvPr id="17" name="Straight Arrow Connector 16"/>
+              <p:cNvCxnSpPr/>
+              <p:nvPr/>
+            </p:nvCxnSpPr>
+            <p:spPr bwMode="auto">
+              <a:xfrm flipH="1" flipV="1">
+                <a:off x="935495" y="3807880"/>
+                <a:ext cx="3478" cy="930519"/>
+              </a:xfrm>
+              <a:prstGeom prst="straightConnector1">
+                <a:avLst/>
+              </a:prstGeom>
+              <a:ln w="25400">
+                <a:solidFill>
+                  <a:schemeClr val="bg1"/>
+                </a:solidFill>
+                <a:headEnd type="none" w="med" len="med"/>
+                <a:tailEnd type="triangle"/>
+              </a:ln>
+              <a:effectLst/>
+            </p:spPr>
+            <p:style>
+              <a:lnRef idx="3">
+                <a:schemeClr val="accent3"/>
+              </a:lnRef>
+              <a:fillRef idx="0">
+                <a:schemeClr val="accent3"/>
+              </a:fillRef>
+              <a:effectRef idx="2">
+                <a:schemeClr val="accent3"/>
+              </a:effectRef>
+              <a:fontRef idx="minor">
+                <a:schemeClr val="tx1"/>
+              </a:fontRef>
+            </p:style>
+          </p:cxnSp>
+          <p:cxnSp>
+            <p:nvCxnSpPr>
+              <p:cNvPr id="18" name="Straight Arrow Connector 17"/>
+              <p:cNvCxnSpPr/>
+              <p:nvPr/>
+            </p:nvCxnSpPr>
+            <p:spPr bwMode="auto">
+              <a:xfrm>
+                <a:off x="938973" y="4724713"/>
+                <a:ext cx="3152991" cy="935"/>
+              </a:xfrm>
+              <a:prstGeom prst="straightConnector1">
+                <a:avLst/>
+              </a:prstGeom>
+              <a:ln w="25400">
+                <a:solidFill>
+                  <a:schemeClr val="bg1"/>
+                </a:solidFill>
+                <a:headEnd type="none" w="med" len="med"/>
+                <a:tailEnd type="triangle"/>
+              </a:ln>
+              <a:effectLst/>
+            </p:spPr>
+            <p:style>
+              <a:lnRef idx="3">
+                <a:schemeClr val="accent3"/>
+              </a:lnRef>
+              <a:fillRef idx="0">
+                <a:schemeClr val="accent3"/>
+              </a:fillRef>
+              <a:effectRef idx="2">
+                <a:schemeClr val="accent3"/>
+              </a:effectRef>
+              <a:fontRef idx="minor">
+                <a:schemeClr val="tx1"/>
+              </a:fontRef>
+            </p:style>
+          </p:cxnSp>
+          <p:sp>
+            <p:nvSpPr>
+              <p:cNvPr id="19" name="Rectangle 18"/>
+              <p:cNvSpPr/>
+              <p:nvPr/>
+            </p:nvSpPr>
+            <p:spPr>
+              <a:xfrm rot="16200000">
+                <a:off x="208121" y="4246578"/>
+                <a:ext cx="1014949" cy="233393"/>
+              </a:xfrm>
+              <a:prstGeom prst="rect">
+                <a:avLst/>
+              </a:prstGeom>
+              <a:ln>
+                <a:noFill/>
+              </a:ln>
+            </p:spPr>
+            <p:txBody>
+              <a:bodyPr wrap="square" lIns="91436" tIns="45718" rIns="91436" bIns="45718">
+                <a:spAutoFit/>
+              </a:bodyPr>
+              <a:lstStyle>
+                <a:defPPr>
+                  <a:defRPr lang="en-US"/>
+                </a:defPPr>
+                <a:lvl1pPr marL="0" algn="l" defTabSz="1218987" rtl="0" eaLnBrk="1" latinLnBrk="0" hangingPunct="1">
+                  <a:defRPr sz="2400" kern="1200">
+                    <a:solidFill>
+                      <a:schemeClr val="tx1"/>
+                    </a:solidFill>
+                    <a:latin typeface="+mn-lt"/>
+                    <a:ea typeface="+mn-ea"/>
+                    <a:cs typeface="+mn-cs"/>
+                  </a:defRPr>
+                </a:lvl1pPr>
+                <a:lvl2pPr marL="609493" algn="l" defTabSz="1218987" rtl="0" eaLnBrk="1" latinLnBrk="0" hangingPunct="1">
+                  <a:defRPr sz="2400" kern="1200">
+                    <a:solidFill>
+                      <a:schemeClr val="tx1"/>
+                    </a:solidFill>
+                    <a:latin typeface="+mn-lt"/>
+                    <a:ea typeface="+mn-ea"/>
+                    <a:cs typeface="+mn-cs"/>
+                  </a:defRPr>
+                </a:lvl2pPr>
+                <a:lvl3pPr marL="1218987" algn="l" defTabSz="1218987" rtl="0" eaLnBrk="1" latinLnBrk="0" hangingPunct="1">
+                  <a:defRPr sz="2400" kern="1200">
+                    <a:solidFill>
+                      <a:schemeClr val="tx1"/>
+                    </a:solidFill>
+                    <a:latin typeface="+mn-lt"/>
+                    <a:ea typeface="+mn-ea"/>
+                    <a:cs typeface="+mn-cs"/>
+                  </a:defRPr>
+                </a:lvl3pPr>
+                <a:lvl4pPr marL="1828480" algn="l" defTabSz="1218987" rtl="0" eaLnBrk="1" latinLnBrk="0" hangingPunct="1">
+                  <a:defRPr sz="2400" kern="1200">
+                    <a:solidFill>
+                      <a:schemeClr val="tx1"/>
+                    </a:solidFill>
+                    <a:latin typeface="+mn-lt"/>
+                    <a:ea typeface="+mn-ea"/>
+                    <a:cs typeface="+mn-cs"/>
+                  </a:defRPr>
+                </a:lvl4pPr>
+                <a:lvl5pPr marL="2437973" algn="l" defTabSz="1218987" rtl="0" eaLnBrk="1" latinLnBrk="0" hangingPunct="1">
+                  <a:defRPr sz="2400" kern="1200">
+                    <a:solidFill>
+                      <a:schemeClr val="tx1"/>
+                    </a:solidFill>
+                    <a:latin typeface="+mn-lt"/>
+                    <a:ea typeface="+mn-ea"/>
+                    <a:cs typeface="+mn-cs"/>
+                  </a:defRPr>
+                </a:lvl5pPr>
+                <a:lvl6pPr marL="3047467" algn="l" defTabSz="1218987" rtl="0" eaLnBrk="1" latinLnBrk="0" hangingPunct="1">
+                  <a:defRPr sz="2400" kern="1200">
+                    <a:solidFill>
+                      <a:schemeClr val="tx1"/>
+                    </a:solidFill>
+                    <a:latin typeface="+mn-lt"/>
+                    <a:ea typeface="+mn-ea"/>
+                    <a:cs typeface="+mn-cs"/>
+                  </a:defRPr>
+                </a:lvl6pPr>
+                <a:lvl7pPr marL="3656960" algn="l" defTabSz="1218987" rtl="0" eaLnBrk="1" latinLnBrk="0" hangingPunct="1">
+                  <a:defRPr sz="2400" kern="1200">
+                    <a:solidFill>
+                      <a:schemeClr val="tx1"/>
+                    </a:solidFill>
+                    <a:latin typeface="+mn-lt"/>
+                    <a:ea typeface="+mn-ea"/>
+                    <a:cs typeface="+mn-cs"/>
+                  </a:defRPr>
+                </a:lvl7pPr>
+                <a:lvl8pPr marL="4266453" algn="l" defTabSz="1218987" rtl="0" eaLnBrk="1" latinLnBrk="0" hangingPunct="1">
+                  <a:defRPr sz="2400" kern="1200">
+                    <a:solidFill>
+                      <a:schemeClr val="tx1"/>
+                    </a:solidFill>
+                    <a:latin typeface="+mn-lt"/>
+                    <a:ea typeface="+mn-ea"/>
+                    <a:cs typeface="+mn-cs"/>
+                  </a:defRPr>
+                </a:lvl8pPr>
+                <a:lvl9pPr marL="4875947" algn="l" defTabSz="1218987" rtl="0" eaLnBrk="1" latinLnBrk="0" hangingPunct="1">
+                  <a:defRPr sz="2400" kern="1200">
+                    <a:solidFill>
+                      <a:schemeClr val="tx1"/>
+                    </a:solidFill>
+                    <a:latin typeface="+mn-lt"/>
+                    <a:ea typeface="+mn-ea"/>
+                    <a:cs typeface="+mn-cs"/>
+                  </a:defRPr>
+                </a:lvl9pPr>
+              </a:lstStyle>
+              <a:p>
+                <a:pPr marL="304735" indent="-304735" algn="ctr" defTabSz="1218936" eaLnBrk="0" fontAlgn="base" hangingPunct="0">
+                  <a:lnSpc>
+                    <a:spcPts val="1066"/>
+                  </a:lnSpc>
+                  <a:spcBef>
+                    <a:spcPct val="20000"/>
+                  </a:spcBef>
+                  <a:spcAft>
+                    <a:spcPct val="0"/>
+                  </a:spcAft>
+                  <a:buClr>
+                    <a:srgbClr val="000000"/>
+                  </a:buClr>
+                </a:pPr>
+                <a:r>
+                  <a:rPr lang="en-US" sz="1200" dirty="0" smtClean="0">
+                    <a:solidFill>
+                      <a:schemeClr val="bg1"/>
+                    </a:solidFill>
+                  </a:rPr>
+                  <a:t>Load</a:t>
+                </a:r>
+                <a:endParaRPr lang="en-US" sz="1200" dirty="0">
+                  <a:solidFill>
+                    <a:schemeClr val="bg1"/>
+                  </a:solidFill>
+                </a:endParaRPr>
+              </a:p>
+            </p:txBody>
+          </p:sp>
+          <p:sp>
+            <p:nvSpPr>
+              <p:cNvPr id="20" name="Freeform 19"/>
+              <p:cNvSpPr/>
+              <p:nvPr/>
+            </p:nvSpPr>
+            <p:spPr>
+              <a:xfrm>
+                <a:off x="929655" y="3861385"/>
+                <a:ext cx="3085702" cy="860645"/>
+              </a:xfrm>
+              <a:custGeom>
+                <a:avLst/>
+                <a:gdLst>
+                  <a:gd name="connsiteX0" fmla="*/ 0 w 3180080"/>
+                  <a:gd name="connsiteY0" fmla="*/ 782320 h 912707"/>
+                  <a:gd name="connsiteX1" fmla="*/ 1635760 w 3180080"/>
+                  <a:gd name="connsiteY1" fmla="*/ 782320 h 912707"/>
+                  <a:gd name="connsiteX2" fmla="*/ 3180080 w 3180080"/>
+                  <a:gd name="connsiteY2" fmla="*/ 0 h 912707"/>
+                  <a:gd name="connsiteX0" fmla="*/ 0 w 3159760"/>
+                  <a:gd name="connsiteY0" fmla="*/ 881288 h 946481"/>
+                  <a:gd name="connsiteX1" fmla="*/ 1615440 w 3159760"/>
+                  <a:gd name="connsiteY1" fmla="*/ 782320 h 946481"/>
+                  <a:gd name="connsiteX2" fmla="*/ 3159760 w 3159760"/>
+                  <a:gd name="connsiteY2" fmla="*/ 0 h 946481"/>
+                  <a:gd name="connsiteX0" fmla="*/ 0 w 3159760"/>
+                  <a:gd name="connsiteY0" fmla="*/ 881288 h 929201"/>
+                  <a:gd name="connsiteX1" fmla="*/ 1615440 w 3159760"/>
+                  <a:gd name="connsiteY1" fmla="*/ 782320 h 929201"/>
+                  <a:gd name="connsiteX2" fmla="*/ 3159760 w 3159760"/>
+                  <a:gd name="connsiteY2" fmla="*/ 0 h 929201"/>
+                  <a:gd name="connsiteX0" fmla="*/ 0 w 3149600"/>
+                  <a:gd name="connsiteY0" fmla="*/ 991253 h 1001464"/>
+                  <a:gd name="connsiteX1" fmla="*/ 1605280 w 3149600"/>
+                  <a:gd name="connsiteY1" fmla="*/ 782320 h 1001464"/>
+                  <a:gd name="connsiteX2" fmla="*/ 3149600 w 3149600"/>
+                  <a:gd name="connsiteY2" fmla="*/ 0 h 1001464"/>
+                  <a:gd name="connsiteX0" fmla="*/ 0 w 3149600"/>
+                  <a:gd name="connsiteY0" fmla="*/ 991253 h 991253"/>
+                  <a:gd name="connsiteX1" fmla="*/ 1605280 w 3149600"/>
+                  <a:gd name="connsiteY1" fmla="*/ 782320 h 991253"/>
+                  <a:gd name="connsiteX2" fmla="*/ 3149600 w 3149600"/>
+                  <a:gd name="connsiteY2" fmla="*/ 0 h 991253"/>
+                </a:gdLst>
+                <a:ahLst/>
+                <a:cxnLst>
+                  <a:cxn ang="0">
+                    <a:pos x="connsiteX0" y="connsiteY0"/>
+                  </a:cxn>
+                  <a:cxn ang="0">
+                    <a:pos x="connsiteX1" y="connsiteY1"/>
+                  </a:cxn>
+                  <a:cxn ang="0">
+                    <a:pos x="connsiteX2" y="connsiteY2"/>
+                  </a:cxn>
+                </a:cxnLst>
+                <a:rect l="l" t="t" r="r" b="b"/>
+                <a:pathLst>
+                  <a:path w="3149600" h="991253">
+                    <a:moveTo>
+                      <a:pt x="0" y="991253"/>
+                    </a:moveTo>
+                    <a:cubicBezTo>
+                      <a:pt x="623993" y="979471"/>
+                      <a:pt x="1080347" y="947529"/>
+                      <a:pt x="1605280" y="782320"/>
+                    </a:cubicBezTo>
+                    <a:cubicBezTo>
+                      <a:pt x="2130213" y="617111"/>
+                      <a:pt x="2642446" y="325966"/>
+                      <a:pt x="3149600" y="0"/>
+                    </a:cubicBezTo>
+                  </a:path>
+                </a:pathLst>
+              </a:custGeom>
+              <a:ln w="25400">
+                <a:solidFill>
+                  <a:schemeClr val="bg1"/>
+                </a:solidFill>
+                <a:headEnd type="none" w="med" len="med"/>
+                <a:tailEnd type="triangle"/>
+              </a:ln>
+              <a:effectLst/>
+            </p:spPr>
+            <p:txBody>
+              <a:bodyPr lIns="91436" tIns="45718" rIns="91436" bIns="45718" rtlCol="0" anchor="ctr"/>
+              <a:lstStyle>
+                <a:defPPr>
+                  <a:defRPr lang="en-US"/>
+                </a:defPPr>
+                <a:lvl1pPr marL="0" algn="l" defTabSz="1218987" rtl="0" eaLnBrk="1" latinLnBrk="0" hangingPunct="1">
+                  <a:defRPr sz="2400" kern="1200">
+                    <a:solidFill>
+                      <a:schemeClr val="tx1"/>
+                    </a:solidFill>
+                    <a:latin typeface="+mn-lt"/>
+                    <a:ea typeface="+mn-ea"/>
+                    <a:cs typeface="+mn-cs"/>
+                  </a:defRPr>
+                </a:lvl1pPr>
+                <a:lvl2pPr marL="609493" algn="l" defTabSz="1218987" rtl="0" eaLnBrk="1" latinLnBrk="0" hangingPunct="1">
+                  <a:defRPr sz="2400" kern="1200">
+                    <a:solidFill>
+                      <a:schemeClr val="tx1"/>
+                    </a:solidFill>
+                    <a:latin typeface="+mn-lt"/>
+                    <a:ea typeface="+mn-ea"/>
+                    <a:cs typeface="+mn-cs"/>
+                  </a:defRPr>
+                </a:lvl2pPr>
+                <a:lvl3pPr marL="1218987" algn="l" defTabSz="1218987" rtl="0" eaLnBrk="1" latinLnBrk="0" hangingPunct="1">
+                  <a:defRPr sz="2400" kern="1200">
+                    <a:solidFill>
+                      <a:schemeClr val="tx1"/>
+                    </a:solidFill>
+                    <a:latin typeface="+mn-lt"/>
+                    <a:ea typeface="+mn-ea"/>
+                    <a:cs typeface="+mn-cs"/>
+                  </a:defRPr>
+                </a:lvl3pPr>
+                <a:lvl4pPr marL="1828480" algn="l" defTabSz="1218987" rtl="0" eaLnBrk="1" latinLnBrk="0" hangingPunct="1">
+                  <a:defRPr sz="2400" kern="1200">
+                    <a:solidFill>
+                      <a:schemeClr val="tx1"/>
+                    </a:solidFill>
+                    <a:latin typeface="+mn-lt"/>
+                    <a:ea typeface="+mn-ea"/>
+                    <a:cs typeface="+mn-cs"/>
+                  </a:defRPr>
+                </a:lvl4pPr>
+                <a:lvl5pPr marL="2437973" algn="l" defTabSz="1218987" rtl="0" eaLnBrk="1" latinLnBrk="0" hangingPunct="1">
+                  <a:defRPr sz="2400" kern="1200">
+                    <a:solidFill>
+                      <a:schemeClr val="tx1"/>
+                    </a:solidFill>
+                    <a:latin typeface="+mn-lt"/>
+                    <a:ea typeface="+mn-ea"/>
+                    <a:cs typeface="+mn-cs"/>
+                  </a:defRPr>
+                </a:lvl5pPr>
+                <a:lvl6pPr marL="3047467" algn="l" defTabSz="1218987" rtl="0" eaLnBrk="1" latinLnBrk="0" hangingPunct="1">
+                  <a:defRPr sz="2400" kern="1200">
+                    <a:solidFill>
+                      <a:schemeClr val="tx1"/>
+                    </a:solidFill>
+                    <a:latin typeface="+mn-lt"/>
+                    <a:ea typeface="+mn-ea"/>
+                    <a:cs typeface="+mn-cs"/>
+                  </a:defRPr>
+                </a:lvl6pPr>
+                <a:lvl7pPr marL="3656960" algn="l" defTabSz="1218987" rtl="0" eaLnBrk="1" latinLnBrk="0" hangingPunct="1">
+                  <a:defRPr sz="2400" kern="1200">
+                    <a:solidFill>
+                      <a:schemeClr val="tx1"/>
+                    </a:solidFill>
+                    <a:latin typeface="+mn-lt"/>
+                    <a:ea typeface="+mn-ea"/>
+                    <a:cs typeface="+mn-cs"/>
+                  </a:defRPr>
+                </a:lvl7pPr>
+                <a:lvl8pPr marL="4266453" algn="l" defTabSz="1218987" rtl="0" eaLnBrk="1" latinLnBrk="0" hangingPunct="1">
+                  <a:defRPr sz="2400" kern="1200">
+                    <a:solidFill>
+                      <a:schemeClr val="tx1"/>
+                    </a:solidFill>
+                    <a:latin typeface="+mn-lt"/>
+                    <a:ea typeface="+mn-ea"/>
+                    <a:cs typeface="+mn-cs"/>
+                  </a:defRPr>
+                </a:lvl8pPr>
+                <a:lvl9pPr marL="4875947" algn="l" defTabSz="1218987" rtl="0" eaLnBrk="1" latinLnBrk="0" hangingPunct="1">
+                  <a:defRPr sz="2400" kern="1200">
+                    <a:solidFill>
+                      <a:schemeClr val="tx1"/>
+                    </a:solidFill>
+                    <a:latin typeface="+mn-lt"/>
+                    <a:ea typeface="+mn-ea"/>
+                    <a:cs typeface="+mn-cs"/>
+                  </a:defRPr>
+                </a:lvl9pPr>
+              </a:lstStyle>
+              <a:p>
+                <a:pPr algn="ctr"/>
+                <a:endParaRPr lang="en-US" dirty="0">
+                  <a:solidFill>
+                    <a:schemeClr val="bg1"/>
+                  </a:solidFill>
+                </a:endParaRPr>
+              </a:p>
+            </p:txBody>
+          </p:sp>
+        </p:grpSp>
+        <p:sp>
+          <p:nvSpPr>
+            <p:cNvPr id="36" name="Rectangle 35"/>
+            <p:cNvSpPr/>
+            <p:nvPr/>
+          </p:nvSpPr>
+          <p:spPr>
+            <a:xfrm>
+              <a:off x="5495489" y="1750801"/>
+              <a:ext cx="4191000" cy="2051008"/>
+            </a:xfrm>
+            <a:prstGeom prst="rect">
+              <a:avLst/>
+            </a:prstGeom>
+            <a:solidFill>
+              <a:srgbClr val="3C454F"/>
+            </a:solidFill>
+          </p:spPr>
+          <p:style>
+            <a:lnRef idx="2">
+              <a:schemeClr val="accent1">
+                <a:shade val="50000"/>
+              </a:schemeClr>
+            </a:lnRef>
+            <a:fillRef idx="1">
+              <a:schemeClr val="accent1"/>
+            </a:fillRef>
+            <a:effectRef idx="0">
+              <a:schemeClr val="accent1"/>
+            </a:effectRef>
+            <a:fontRef idx="minor">
+              <a:schemeClr val="lt1"/>
+            </a:fontRef>
+          </p:style>
+          <p:txBody>
+            <a:bodyPr rtlCol="0" anchor="t"/>
+            <a:lstStyle/>
+            <a:p>
+              <a:pPr algn="ctr"/>
+              <a:endParaRPr lang="en-US" dirty="0" smtClean="0"/>
+            </a:p>
+            <a:p>
+              <a:pPr algn="ctr"/>
+              <a:r>
+                <a:rPr lang="en-US" dirty="0" smtClean="0"/>
+                <a:t>PREDICTABLE</a:t>
+              </a:r>
+              <a:endParaRPr lang="en-US" dirty="0"/>
+            </a:p>
+          </p:txBody>
+        </p:sp>
+        <p:grpSp>
+          <p:nvGrpSpPr>
+            <p:cNvPr id="37" name="Group 36"/>
+            <p:cNvGrpSpPr/>
+            <p:nvPr/>
+          </p:nvGrpSpPr>
+          <p:grpSpPr>
+            <a:xfrm>
+              <a:off x="5846196" y="2524403"/>
+              <a:ext cx="3489586" cy="1019525"/>
+              <a:chOff x="7319254" y="2084820"/>
+              <a:chExt cx="3489586" cy="1019525"/>
+            </a:xfrm>
+          </p:grpSpPr>
+          <p:cxnSp>
+            <p:nvCxnSpPr>
+              <p:cNvPr id="13" name="Straight Arrow Connector 12"/>
+              <p:cNvCxnSpPr/>
+              <p:nvPr/>
+            </p:nvCxnSpPr>
+            <p:spPr bwMode="auto">
+              <a:xfrm flipH="1" flipV="1">
+                <a:off x="7655850" y="2090593"/>
+                <a:ext cx="4" cy="897446"/>
+              </a:xfrm>
+              <a:prstGeom prst="straightConnector1">
+                <a:avLst/>
+              </a:prstGeom>
+              <a:ln w="25400">
+                <a:noFill/>
+                <a:headEnd type="none" w="med" len="med"/>
+                <a:tailEnd type="triangle"/>
+              </a:ln>
+              <a:effectLst/>
+            </p:spPr>
+            <p:style>
+              <a:lnRef idx="3">
+                <a:schemeClr val="accent3"/>
+              </a:lnRef>
+              <a:fillRef idx="0">
+                <a:schemeClr val="accent3"/>
+              </a:fillRef>
+              <a:effectRef idx="2">
+                <a:schemeClr val="accent3"/>
+              </a:effectRef>
+              <a:fontRef idx="minor">
+                <a:schemeClr val="tx1"/>
+              </a:fontRef>
+            </p:style>
+          </p:cxnSp>
+          <p:cxnSp>
+            <p:nvCxnSpPr>
+              <p:cNvPr id="14" name="Straight Arrow Connector 13"/>
+              <p:cNvCxnSpPr/>
+              <p:nvPr/>
+            </p:nvCxnSpPr>
+            <p:spPr bwMode="auto">
+              <a:xfrm>
+                <a:off x="7655849" y="2977247"/>
+                <a:ext cx="3152991" cy="935"/>
+              </a:xfrm>
+              <a:prstGeom prst="straightConnector1">
+                <a:avLst/>
+              </a:prstGeom>
+              <a:ln w="25400">
+                <a:solidFill>
+                  <a:schemeClr val="bg1"/>
+                </a:solidFill>
+                <a:headEnd type="none" w="med" len="med"/>
+                <a:tailEnd type="triangle"/>
+              </a:ln>
+              <a:effectLst/>
+            </p:spPr>
+            <p:style>
+              <a:lnRef idx="3">
+                <a:schemeClr val="accent3"/>
+              </a:lnRef>
+              <a:fillRef idx="0">
+                <a:schemeClr val="accent3"/>
+              </a:fillRef>
+              <a:effectRef idx="2">
+                <a:schemeClr val="accent3"/>
+              </a:effectRef>
+              <a:fontRef idx="minor">
+                <a:schemeClr val="tx1"/>
+              </a:fontRef>
+            </p:style>
+          </p:cxnSp>
+          <p:sp>
+            <p:nvSpPr>
+              <p:cNvPr id="15" name="Rectangle 14"/>
+              <p:cNvSpPr/>
+              <p:nvPr/>
+            </p:nvSpPr>
+            <p:spPr>
+              <a:xfrm rot="16200000">
+                <a:off x="6926188" y="2477886"/>
+                <a:ext cx="1019525" cy="233393"/>
+              </a:xfrm>
+              <a:prstGeom prst="rect">
+                <a:avLst/>
+              </a:prstGeom>
+              <a:ln>
+                <a:noFill/>
+              </a:ln>
+            </p:spPr>
+            <p:txBody>
+              <a:bodyPr wrap="square" lIns="91436" tIns="45718" rIns="91436" bIns="45718">
+                <a:spAutoFit/>
+              </a:bodyPr>
+              <a:lstStyle>
+                <a:defPPr>
+                  <a:defRPr lang="en-US"/>
+                </a:defPPr>
+                <a:lvl1pPr marL="0" algn="l" defTabSz="1218987" rtl="0" eaLnBrk="1" latinLnBrk="0" hangingPunct="1">
+                  <a:defRPr sz="2400" kern="1200">
+                    <a:solidFill>
+                      <a:schemeClr val="tx1"/>
+                    </a:solidFill>
+                    <a:latin typeface="+mn-lt"/>
+                    <a:ea typeface="+mn-ea"/>
+                    <a:cs typeface="+mn-cs"/>
+                  </a:defRPr>
+                </a:lvl1pPr>
+                <a:lvl2pPr marL="609493" algn="l" defTabSz="1218987" rtl="0" eaLnBrk="1" latinLnBrk="0" hangingPunct="1">
+                  <a:defRPr sz="2400" kern="1200">
+                    <a:solidFill>
+                      <a:schemeClr val="tx1"/>
+                    </a:solidFill>
+                    <a:latin typeface="+mn-lt"/>
+                    <a:ea typeface="+mn-ea"/>
+                    <a:cs typeface="+mn-cs"/>
+                  </a:defRPr>
+                </a:lvl2pPr>
+                <a:lvl3pPr marL="1218987" algn="l" defTabSz="1218987" rtl="0" eaLnBrk="1" latinLnBrk="0" hangingPunct="1">
+                  <a:defRPr sz="2400" kern="1200">
+                    <a:solidFill>
+                      <a:schemeClr val="tx1"/>
+                    </a:solidFill>
+                    <a:latin typeface="+mn-lt"/>
+                    <a:ea typeface="+mn-ea"/>
+                    <a:cs typeface="+mn-cs"/>
+                  </a:defRPr>
+                </a:lvl3pPr>
+                <a:lvl4pPr marL="1828480" algn="l" defTabSz="1218987" rtl="0" eaLnBrk="1" latinLnBrk="0" hangingPunct="1">
+                  <a:defRPr sz="2400" kern="1200">
+                    <a:solidFill>
+                      <a:schemeClr val="tx1"/>
+                    </a:solidFill>
+                    <a:latin typeface="+mn-lt"/>
+                    <a:ea typeface="+mn-ea"/>
+                    <a:cs typeface="+mn-cs"/>
+                  </a:defRPr>
+                </a:lvl4pPr>
+                <a:lvl5pPr marL="2437973" algn="l" defTabSz="1218987" rtl="0" eaLnBrk="1" latinLnBrk="0" hangingPunct="1">
+                  <a:defRPr sz="2400" kern="1200">
+                    <a:solidFill>
+                      <a:schemeClr val="tx1"/>
+                    </a:solidFill>
+                    <a:latin typeface="+mn-lt"/>
+                    <a:ea typeface="+mn-ea"/>
+                    <a:cs typeface="+mn-cs"/>
+                  </a:defRPr>
+                </a:lvl5pPr>
+                <a:lvl6pPr marL="3047467" algn="l" defTabSz="1218987" rtl="0" eaLnBrk="1" latinLnBrk="0" hangingPunct="1">
+                  <a:defRPr sz="2400" kern="1200">
+                    <a:solidFill>
+                      <a:schemeClr val="tx1"/>
+                    </a:solidFill>
+                    <a:latin typeface="+mn-lt"/>
+                    <a:ea typeface="+mn-ea"/>
+                    <a:cs typeface="+mn-cs"/>
+                  </a:defRPr>
+                </a:lvl6pPr>
+                <a:lvl7pPr marL="3656960" algn="l" defTabSz="1218987" rtl="0" eaLnBrk="1" latinLnBrk="0" hangingPunct="1">
+                  <a:defRPr sz="2400" kern="1200">
+                    <a:solidFill>
+                      <a:schemeClr val="tx1"/>
+                    </a:solidFill>
+                    <a:latin typeface="+mn-lt"/>
+                    <a:ea typeface="+mn-ea"/>
+                    <a:cs typeface="+mn-cs"/>
+                  </a:defRPr>
+                </a:lvl7pPr>
+                <a:lvl8pPr marL="4266453" algn="l" defTabSz="1218987" rtl="0" eaLnBrk="1" latinLnBrk="0" hangingPunct="1">
+                  <a:defRPr sz="2400" kern="1200">
+                    <a:solidFill>
+                      <a:schemeClr val="tx1"/>
+                    </a:solidFill>
+                    <a:latin typeface="+mn-lt"/>
+                    <a:ea typeface="+mn-ea"/>
+                    <a:cs typeface="+mn-cs"/>
+                  </a:defRPr>
+                </a:lvl8pPr>
+                <a:lvl9pPr marL="4875947" algn="l" defTabSz="1218987" rtl="0" eaLnBrk="1" latinLnBrk="0" hangingPunct="1">
+                  <a:defRPr sz="2400" kern="1200">
+                    <a:solidFill>
+                      <a:schemeClr val="tx1"/>
+                    </a:solidFill>
+                    <a:latin typeface="+mn-lt"/>
+                    <a:ea typeface="+mn-ea"/>
+                    <a:cs typeface="+mn-cs"/>
+                  </a:defRPr>
+                </a:lvl9pPr>
+              </a:lstStyle>
+              <a:p>
+                <a:pPr marL="304735" indent="-304735" algn="ctr" defTabSz="1218936" eaLnBrk="0" fontAlgn="base" hangingPunct="0">
+                  <a:lnSpc>
+                    <a:spcPts val="1066"/>
+                  </a:lnSpc>
+                  <a:spcBef>
+                    <a:spcPct val="20000"/>
+                  </a:spcBef>
+                  <a:spcAft>
+                    <a:spcPct val="0"/>
+                  </a:spcAft>
+                  <a:buClr>
+                    <a:srgbClr val="000000"/>
+                  </a:buClr>
+                </a:pPr>
+                <a:r>
+                  <a:rPr lang="en-US" sz="1200" dirty="0" smtClean="0">
+                    <a:solidFill>
+                      <a:schemeClr val="bg1">
+                        <a:alpha val="99000"/>
+                      </a:schemeClr>
+                    </a:solidFill>
+                  </a:rPr>
+                  <a:t>Load</a:t>
+                </a:r>
+                <a:endParaRPr lang="en-US" sz="1200" dirty="0">
+                  <a:solidFill>
+                    <a:schemeClr val="bg1">
+                      <a:alpha val="99000"/>
+                    </a:schemeClr>
+                  </a:solidFill>
+                </a:endParaRPr>
+              </a:p>
+            </p:txBody>
+          </p:sp>
+          <p:grpSp>
+            <p:nvGrpSpPr>
+              <p:cNvPr id="16" name="Group 15"/>
+              <p:cNvGrpSpPr/>
+              <p:nvPr/>
+            </p:nvGrpSpPr>
+            <p:grpSpPr>
+              <a:xfrm>
+                <a:off x="7649904" y="2194668"/>
+                <a:ext cx="3152247" cy="492398"/>
+                <a:chOff x="5520892" y="5257417"/>
+                <a:chExt cx="3307216" cy="721360"/>
+              </a:xfrm>
+            </p:grpSpPr>
+            <p:cxnSp>
+              <p:nvCxnSpPr>
+                <p:cNvPr id="26" name="Straight Arrow Connector 25"/>
+                <p:cNvCxnSpPr/>
+                <p:nvPr/>
+              </p:nvCxnSpPr>
+              <p:spPr bwMode="auto">
+                <a:xfrm>
+                  <a:off x="7600265" y="5975286"/>
+                  <a:ext cx="1227843" cy="2508"/>
+                </a:xfrm>
+                <a:prstGeom prst="straightConnector1">
+                  <a:avLst/>
+                </a:prstGeom>
+                <a:ln w="25400">
+                  <a:solidFill>
+                    <a:schemeClr val="bg1"/>
+                  </a:solidFill>
+                  <a:headEnd type="none" w="med" len="med"/>
+                  <a:tailEnd type="triangle"/>
+                </a:ln>
+                <a:effectLst/>
+              </p:spPr>
+              <p:style>
+                <a:lnRef idx="3">
+                  <a:schemeClr val="accent3"/>
+                </a:lnRef>
+                <a:fillRef idx="0">
+                  <a:schemeClr val="accent3"/>
+                </a:fillRef>
+                <a:effectRef idx="2">
+                  <a:schemeClr val="accent3"/>
+                </a:effectRef>
+                <a:fontRef idx="minor">
+                  <a:schemeClr val="tx1"/>
+                </a:fontRef>
+              </p:style>
+            </p:cxnSp>
+            <p:cxnSp>
+              <p:nvCxnSpPr>
+                <p:cNvPr id="27" name="Straight Connector 26"/>
+                <p:cNvCxnSpPr>
+                  <a:endCxn id="28" idx="0"/>
+                </p:cNvCxnSpPr>
+                <p:nvPr/>
+              </p:nvCxnSpPr>
+              <p:spPr bwMode="auto">
+                <a:xfrm>
+                  <a:off x="5520892" y="5967876"/>
+                  <a:ext cx="1168667" cy="0"/>
+                </a:xfrm>
+                <a:prstGeom prst="line">
+                  <a:avLst/>
+                </a:prstGeom>
+                <a:ln w="25400">
+                  <a:solidFill>
+                    <a:schemeClr val="bg1"/>
+                  </a:solidFill>
+                  <a:headEnd type="none" w="med" len="med"/>
+                  <a:tailEnd type="triangle"/>
+                </a:ln>
+                <a:effectLst/>
+              </p:spPr>
+              <p:style>
+                <a:lnRef idx="3">
+                  <a:schemeClr val="accent3"/>
+                </a:lnRef>
+                <a:fillRef idx="0">
+                  <a:schemeClr val="accent3"/>
+                </a:fillRef>
+                <a:effectRef idx="2">
+                  <a:schemeClr val="accent3"/>
+                </a:effectRef>
+                <a:fontRef idx="minor">
+                  <a:schemeClr val="tx1"/>
+                </a:fontRef>
+              </p:style>
+            </p:cxnSp>
+            <p:sp>
+              <p:nvSpPr>
+                <p:cNvPr id="28" name="Freeform 27"/>
+                <p:cNvSpPr/>
+                <p:nvPr/>
+              </p:nvSpPr>
+              <p:spPr>
+                <a:xfrm>
+                  <a:off x="6689558" y="5257417"/>
+                  <a:ext cx="899962" cy="721360"/>
+                </a:xfrm>
+                <a:custGeom>
+                  <a:avLst/>
+                  <a:gdLst>
+                    <a:gd name="connsiteX0" fmla="*/ 0 w 1595120"/>
+                    <a:gd name="connsiteY0" fmla="*/ 662093 h 672253"/>
+                    <a:gd name="connsiteX1" fmla="*/ 751840 w 1595120"/>
+                    <a:gd name="connsiteY1" fmla="*/ 1693 h 672253"/>
+                    <a:gd name="connsiteX2" fmla="*/ 1595120 w 1595120"/>
+                    <a:gd name="connsiteY2" fmla="*/ 672253 h 672253"/>
+                  </a:gdLst>
+                  <a:ahLst/>
+                  <a:cxnLst>
+                    <a:cxn ang="0">
+                      <a:pos x="connsiteX0" y="connsiteY0"/>
+                    </a:cxn>
+                    <a:cxn ang="0">
+                      <a:pos x="connsiteX1" y="connsiteY1"/>
+                    </a:cxn>
+                    <a:cxn ang="0">
+                      <a:pos x="connsiteX2" y="connsiteY2"/>
+                    </a:cxn>
+                  </a:cxnLst>
+                  <a:rect l="l" t="t" r="r" b="b"/>
+                  <a:pathLst>
+                    <a:path w="1595120" h="672253">
+                      <a:moveTo>
+                        <a:pt x="0" y="662093"/>
+                      </a:moveTo>
+                      <a:cubicBezTo>
+                        <a:pt x="242993" y="331046"/>
+                        <a:pt x="485987" y="0"/>
+                        <a:pt x="751840" y="1693"/>
+                      </a:cubicBezTo>
+                      <a:cubicBezTo>
+                        <a:pt x="1017693" y="3386"/>
+                        <a:pt x="1306406" y="337819"/>
+                        <a:pt x="1595120" y="672253"/>
+                      </a:cubicBezTo>
+                    </a:path>
+                  </a:pathLst>
+                </a:custGeom>
+                <a:ln w="25400">
+                  <a:solidFill>
+                    <a:schemeClr val="bg1"/>
+                  </a:solidFill>
+                  <a:headEnd type="none" w="med" len="med"/>
+                  <a:tailEnd type="triangle"/>
+                </a:ln>
+                <a:effectLst/>
+              </p:spPr>
+              <p:style>
+                <a:lnRef idx="3">
+                  <a:schemeClr val="accent3"/>
+                </a:lnRef>
+                <a:fillRef idx="0">
+                  <a:schemeClr val="accent3"/>
+                </a:fillRef>
+                <a:effectRef idx="2">
+                  <a:schemeClr val="accent3"/>
+                </a:effectRef>
+                <a:fontRef idx="minor">
+                  <a:schemeClr val="tx1"/>
+                </a:fontRef>
+              </p:style>
+              <p:txBody>
+                <a:bodyPr rtlCol="0" anchor="ctr"/>
+                <a:lstStyle>
+                  <a:defPPr>
+                    <a:defRPr lang="en-US"/>
+                  </a:defPPr>
+                  <a:lvl1pPr marL="0" algn="l" defTabSz="1218987" rtl="0" eaLnBrk="1" latinLnBrk="0" hangingPunct="1">
+                    <a:defRPr sz="2400" kern="1200">
+                      <a:solidFill>
+                        <a:schemeClr val="tx1"/>
+                      </a:solidFill>
+                      <a:latin typeface="+mn-lt"/>
+                      <a:ea typeface="+mn-ea"/>
+                      <a:cs typeface="+mn-cs"/>
+                    </a:defRPr>
+                  </a:lvl1pPr>
+                  <a:lvl2pPr marL="609493" algn="l" defTabSz="1218987" rtl="0" eaLnBrk="1" latinLnBrk="0" hangingPunct="1">
+                    <a:defRPr sz="2400" kern="1200">
+                      <a:solidFill>
+                        <a:schemeClr val="tx1"/>
+                      </a:solidFill>
+                      <a:latin typeface="+mn-lt"/>
+                      <a:ea typeface="+mn-ea"/>
+                      <a:cs typeface="+mn-cs"/>
+                    </a:defRPr>
+                  </a:lvl2pPr>
+                  <a:lvl3pPr marL="1218987" algn="l" defTabSz="1218987" rtl="0" eaLnBrk="1" latinLnBrk="0" hangingPunct="1">
+                    <a:defRPr sz="2400" kern="1200">
+                      <a:solidFill>
+                        <a:schemeClr val="tx1"/>
+                      </a:solidFill>
+                      <a:latin typeface="+mn-lt"/>
+                      <a:ea typeface="+mn-ea"/>
+                      <a:cs typeface="+mn-cs"/>
+                    </a:defRPr>
+                  </a:lvl3pPr>
+                  <a:lvl4pPr marL="1828480" algn="l" defTabSz="1218987" rtl="0" eaLnBrk="1" latinLnBrk="0" hangingPunct="1">
+                    <a:defRPr sz="2400" kern="1200">
+                      <a:solidFill>
+                        <a:schemeClr val="tx1"/>
+                      </a:solidFill>
+                      <a:latin typeface="+mn-lt"/>
+                      <a:ea typeface="+mn-ea"/>
+                      <a:cs typeface="+mn-cs"/>
+                    </a:defRPr>
+                  </a:lvl4pPr>
+                  <a:lvl5pPr marL="2437973" algn="l" defTabSz="1218987" rtl="0" eaLnBrk="1" latinLnBrk="0" hangingPunct="1">
+                    <a:defRPr sz="2400" kern="1200">
+                      <a:solidFill>
+                        <a:schemeClr val="tx1"/>
+                      </a:solidFill>
+                      <a:latin typeface="+mn-lt"/>
+                      <a:ea typeface="+mn-ea"/>
+                      <a:cs typeface="+mn-cs"/>
+                    </a:defRPr>
+                  </a:lvl5pPr>
+                  <a:lvl6pPr marL="3047467" algn="l" defTabSz="1218987" rtl="0" eaLnBrk="1" latinLnBrk="0" hangingPunct="1">
+                    <a:defRPr sz="2400" kern="1200">
+                      <a:solidFill>
+                        <a:schemeClr val="tx1"/>
+                      </a:solidFill>
+                      <a:latin typeface="+mn-lt"/>
+                      <a:ea typeface="+mn-ea"/>
+                      <a:cs typeface="+mn-cs"/>
+                    </a:defRPr>
+                  </a:lvl6pPr>
+                  <a:lvl7pPr marL="3656960" algn="l" defTabSz="1218987" rtl="0" eaLnBrk="1" latinLnBrk="0" hangingPunct="1">
+                    <a:defRPr sz="2400" kern="1200">
+                      <a:solidFill>
+                        <a:schemeClr val="tx1"/>
+                      </a:solidFill>
+                      <a:latin typeface="+mn-lt"/>
+                      <a:ea typeface="+mn-ea"/>
+                      <a:cs typeface="+mn-cs"/>
+                    </a:defRPr>
+                  </a:lvl7pPr>
+                  <a:lvl8pPr marL="4266453" algn="l" defTabSz="1218987" rtl="0" eaLnBrk="1" latinLnBrk="0" hangingPunct="1">
+                    <a:defRPr sz="2400" kern="1200">
+                      <a:solidFill>
+                        <a:schemeClr val="tx1"/>
+                      </a:solidFill>
+                      <a:latin typeface="+mn-lt"/>
+                      <a:ea typeface="+mn-ea"/>
+                      <a:cs typeface="+mn-cs"/>
+                    </a:defRPr>
+                  </a:lvl8pPr>
+                  <a:lvl9pPr marL="4875947" algn="l" defTabSz="1218987" rtl="0" eaLnBrk="1" latinLnBrk="0" hangingPunct="1">
+                    <a:defRPr sz="2400" kern="1200">
+                      <a:solidFill>
+                        <a:schemeClr val="tx1"/>
+                      </a:solidFill>
+                      <a:latin typeface="+mn-lt"/>
+                      <a:ea typeface="+mn-ea"/>
+                      <a:cs typeface="+mn-cs"/>
+                    </a:defRPr>
+                  </a:lvl9pPr>
+                </a:lstStyle>
+                <a:p>
+                  <a:pPr algn="ctr"/>
+                  <a:endParaRPr lang="en-US" dirty="0"/>
+                </a:p>
+              </p:txBody>
+            </p:sp>
+          </p:grpSp>
+        </p:grpSp>
+        <p:sp>
+          <p:nvSpPr>
+            <p:cNvPr id="38" name="Rectangle 37"/>
+            <p:cNvSpPr/>
+            <p:nvPr/>
+          </p:nvSpPr>
+          <p:spPr>
+            <a:xfrm>
+              <a:off x="5495489" y="3933176"/>
+              <a:ext cx="4191000" cy="2051008"/>
+            </a:xfrm>
+            <a:prstGeom prst="rect">
+              <a:avLst/>
+            </a:prstGeom>
+            <a:solidFill>
+              <a:srgbClr val="3C454F"/>
+            </a:solidFill>
+          </p:spPr>
+          <p:style>
+            <a:lnRef idx="2">
+              <a:schemeClr val="accent1">
+                <a:shade val="50000"/>
+              </a:schemeClr>
+            </a:lnRef>
+            <a:fillRef idx="1">
+              <a:schemeClr val="accent1"/>
+            </a:fillRef>
+            <a:effectRef idx="0">
+              <a:schemeClr val="accent1"/>
+            </a:effectRef>
+            <a:fontRef idx="minor">
+              <a:schemeClr val="lt1"/>
+            </a:fontRef>
+          </p:style>
+          <p:txBody>
+            <a:bodyPr rtlCol="0" anchor="t"/>
+            <a:lstStyle/>
+            <a:p>
+              <a:pPr algn="ctr"/>
+              <a:endParaRPr lang="en-US" dirty="0" smtClean="0"/>
+            </a:p>
+            <a:p>
+              <a:pPr algn="ctr"/>
+              <a:r>
+                <a:rPr lang="en-US" dirty="0" smtClean="0"/>
+                <a:t>UNPREDICTABLE</a:t>
+              </a:r>
+              <a:endParaRPr lang="en-US" dirty="0"/>
+            </a:p>
+          </p:txBody>
+        </p:sp>
+        <p:grpSp>
+          <p:nvGrpSpPr>
+            <p:cNvPr id="32" name="Group 31"/>
+            <p:cNvGrpSpPr/>
+            <p:nvPr/>
+          </p:nvGrpSpPr>
+          <p:grpSpPr>
+            <a:xfrm>
+              <a:off x="5846196" y="4534959"/>
+              <a:ext cx="3474348" cy="1117383"/>
+              <a:chOff x="7334181" y="3340271"/>
+              <a:chExt cx="3474348" cy="1117383"/>
+            </a:xfrm>
+          </p:grpSpPr>
+          <p:cxnSp>
+            <p:nvCxnSpPr>
+              <p:cNvPr id="21" name="Straight Arrow Connector 20"/>
+              <p:cNvCxnSpPr/>
+              <p:nvPr/>
+            </p:nvCxnSpPr>
+            <p:spPr bwMode="auto">
+              <a:xfrm flipV="1">
+                <a:off x="7670778" y="3560207"/>
+                <a:ext cx="0" cy="897447"/>
+              </a:xfrm>
+              <a:prstGeom prst="straightConnector1">
+                <a:avLst/>
+              </a:prstGeom>
+              <a:ln w="25400">
+                <a:solidFill>
+                  <a:schemeClr val="bg1"/>
+                </a:solidFill>
+                <a:headEnd type="none" w="med" len="med"/>
+                <a:tailEnd type="triangle"/>
+              </a:ln>
+              <a:effectLst/>
+            </p:spPr>
+            <p:style>
+              <a:lnRef idx="3">
+                <a:schemeClr val="accent3"/>
+              </a:lnRef>
+              <a:fillRef idx="0">
+                <a:schemeClr val="accent3"/>
+              </a:fillRef>
+              <a:effectRef idx="2">
+                <a:schemeClr val="accent3"/>
+              </a:effectRef>
+              <a:fontRef idx="minor">
+                <a:schemeClr val="tx1"/>
+              </a:fontRef>
+            </p:style>
+          </p:cxnSp>
+          <p:cxnSp>
+            <p:nvCxnSpPr>
+              <p:cNvPr id="22" name="Straight Arrow Connector 21"/>
+              <p:cNvCxnSpPr/>
+              <p:nvPr/>
+            </p:nvCxnSpPr>
+            <p:spPr bwMode="auto">
+              <a:xfrm>
+                <a:off x="7655539" y="4445107"/>
+                <a:ext cx="3152990" cy="935"/>
+              </a:xfrm>
+              <a:prstGeom prst="straightConnector1">
+                <a:avLst/>
+              </a:prstGeom>
+              <a:ln w="25400">
+                <a:solidFill>
+                  <a:schemeClr val="bg1"/>
+                </a:solidFill>
+                <a:headEnd type="none" w="med" len="med"/>
+                <a:tailEnd type="triangle"/>
+              </a:ln>
+              <a:effectLst/>
+            </p:spPr>
+            <p:style>
+              <a:lnRef idx="3">
+                <a:schemeClr val="accent3"/>
+              </a:lnRef>
+              <a:fillRef idx="0">
+                <a:schemeClr val="accent3"/>
+              </a:fillRef>
+              <a:effectRef idx="2">
+                <a:schemeClr val="accent3"/>
+              </a:effectRef>
+              <a:fontRef idx="minor">
+                <a:schemeClr val="tx1"/>
+              </a:fontRef>
+            </p:style>
+          </p:cxnSp>
+          <p:sp>
+            <p:nvSpPr>
+              <p:cNvPr id="23" name="Rectangle 22"/>
+              <p:cNvSpPr/>
+              <p:nvPr/>
+            </p:nvSpPr>
+            <p:spPr>
+              <a:xfrm rot="16200000">
+                <a:off x="6938608" y="3735844"/>
+                <a:ext cx="1024540" cy="233393"/>
+              </a:xfrm>
+              <a:prstGeom prst="rect">
+                <a:avLst/>
+              </a:prstGeom>
+              <a:ln>
+                <a:noFill/>
+              </a:ln>
+            </p:spPr>
+            <p:txBody>
+              <a:bodyPr wrap="square" lIns="91436" tIns="45718" rIns="91436" bIns="45718">
+                <a:spAutoFit/>
+              </a:bodyPr>
+              <a:lstStyle>
+                <a:defPPr>
+                  <a:defRPr lang="en-US"/>
+                </a:defPPr>
+                <a:lvl1pPr marL="0" algn="l" defTabSz="1218987" rtl="0" eaLnBrk="1" latinLnBrk="0" hangingPunct="1">
+                  <a:defRPr sz="2400" kern="1200">
+                    <a:solidFill>
+                      <a:schemeClr val="tx1"/>
+                    </a:solidFill>
+                    <a:latin typeface="+mn-lt"/>
+                    <a:ea typeface="+mn-ea"/>
+                    <a:cs typeface="+mn-cs"/>
+                  </a:defRPr>
+                </a:lvl1pPr>
+                <a:lvl2pPr marL="609493" algn="l" defTabSz="1218987" rtl="0" eaLnBrk="1" latinLnBrk="0" hangingPunct="1">
+                  <a:defRPr sz="2400" kern="1200">
+                    <a:solidFill>
+                      <a:schemeClr val="tx1"/>
+                    </a:solidFill>
+                    <a:latin typeface="+mn-lt"/>
+                    <a:ea typeface="+mn-ea"/>
+                    <a:cs typeface="+mn-cs"/>
+                  </a:defRPr>
+                </a:lvl2pPr>
+                <a:lvl3pPr marL="1218987" algn="l" defTabSz="1218987" rtl="0" eaLnBrk="1" latinLnBrk="0" hangingPunct="1">
+                  <a:defRPr sz="2400" kern="1200">
+                    <a:solidFill>
+                      <a:schemeClr val="tx1"/>
+                    </a:solidFill>
+                    <a:latin typeface="+mn-lt"/>
+                    <a:ea typeface="+mn-ea"/>
+                    <a:cs typeface="+mn-cs"/>
+                  </a:defRPr>
+                </a:lvl3pPr>
+                <a:lvl4pPr marL="1828480" algn="l" defTabSz="1218987" rtl="0" eaLnBrk="1" latinLnBrk="0" hangingPunct="1">
+                  <a:defRPr sz="2400" kern="1200">
+                    <a:solidFill>
+                      <a:schemeClr val="tx1"/>
+                    </a:solidFill>
+                    <a:latin typeface="+mn-lt"/>
+                    <a:ea typeface="+mn-ea"/>
+                    <a:cs typeface="+mn-cs"/>
+                  </a:defRPr>
+                </a:lvl4pPr>
+                <a:lvl5pPr marL="2437973" algn="l" defTabSz="1218987" rtl="0" eaLnBrk="1" latinLnBrk="0" hangingPunct="1">
+                  <a:defRPr sz="2400" kern="1200">
+                    <a:solidFill>
+                      <a:schemeClr val="tx1"/>
+                    </a:solidFill>
+                    <a:latin typeface="+mn-lt"/>
+                    <a:ea typeface="+mn-ea"/>
+                    <a:cs typeface="+mn-cs"/>
+                  </a:defRPr>
+                </a:lvl5pPr>
+                <a:lvl6pPr marL="3047467" algn="l" defTabSz="1218987" rtl="0" eaLnBrk="1" latinLnBrk="0" hangingPunct="1">
+                  <a:defRPr sz="2400" kern="1200">
+                    <a:solidFill>
+                      <a:schemeClr val="tx1"/>
+                    </a:solidFill>
+                    <a:latin typeface="+mn-lt"/>
+                    <a:ea typeface="+mn-ea"/>
+                    <a:cs typeface="+mn-cs"/>
+                  </a:defRPr>
+                </a:lvl6pPr>
+                <a:lvl7pPr marL="3656960" algn="l" defTabSz="1218987" rtl="0" eaLnBrk="1" latinLnBrk="0" hangingPunct="1">
+                  <a:defRPr sz="2400" kern="1200">
+                    <a:solidFill>
+                      <a:schemeClr val="tx1"/>
+                    </a:solidFill>
+                    <a:latin typeface="+mn-lt"/>
+                    <a:ea typeface="+mn-ea"/>
+                    <a:cs typeface="+mn-cs"/>
+                  </a:defRPr>
+                </a:lvl7pPr>
+                <a:lvl8pPr marL="4266453" algn="l" defTabSz="1218987" rtl="0" eaLnBrk="1" latinLnBrk="0" hangingPunct="1">
+                  <a:defRPr sz="2400" kern="1200">
+                    <a:solidFill>
+                      <a:schemeClr val="tx1"/>
+                    </a:solidFill>
+                    <a:latin typeface="+mn-lt"/>
+                    <a:ea typeface="+mn-ea"/>
+                    <a:cs typeface="+mn-cs"/>
+                  </a:defRPr>
+                </a:lvl8pPr>
+                <a:lvl9pPr marL="4875947" algn="l" defTabSz="1218987" rtl="0" eaLnBrk="1" latinLnBrk="0" hangingPunct="1">
+                  <a:defRPr sz="2400" kern="1200">
+                    <a:solidFill>
+                      <a:schemeClr val="tx1"/>
+                    </a:solidFill>
+                    <a:latin typeface="+mn-lt"/>
+                    <a:ea typeface="+mn-ea"/>
+                    <a:cs typeface="+mn-cs"/>
+                  </a:defRPr>
+                </a:lvl9pPr>
+              </a:lstStyle>
+              <a:p>
+                <a:pPr marL="304735" indent="-304735" algn="ctr" defTabSz="1218936" eaLnBrk="0" fontAlgn="base" hangingPunct="0">
+                  <a:lnSpc>
+                    <a:spcPts val="1066"/>
+                  </a:lnSpc>
+                  <a:spcBef>
+                    <a:spcPct val="20000"/>
+                  </a:spcBef>
+                  <a:spcAft>
+                    <a:spcPct val="0"/>
+                  </a:spcAft>
+                  <a:buClr>
+                    <a:srgbClr val="000000"/>
+                  </a:buClr>
+                </a:pPr>
+                <a:r>
+                  <a:rPr lang="en-US" sz="1200" dirty="0" smtClean="0">
+                    <a:solidFill>
+                      <a:schemeClr val="bg1">
+                        <a:alpha val="99000"/>
+                      </a:schemeClr>
+                    </a:solidFill>
+                  </a:rPr>
+                  <a:t>Load </a:t>
+                </a:r>
+                <a:endParaRPr lang="en-US" sz="1200" dirty="0">
+                  <a:solidFill>
+                    <a:schemeClr val="bg1">
+                      <a:alpha val="99000"/>
+                    </a:schemeClr>
+                  </a:solidFill>
+                </a:endParaRPr>
+              </a:p>
+            </p:txBody>
+          </p:sp>
+          <p:sp>
+            <p:nvSpPr>
+              <p:cNvPr id="24" name="Freeform 23"/>
+              <p:cNvSpPr/>
+              <p:nvPr/>
+            </p:nvSpPr>
+            <p:spPr>
+              <a:xfrm>
+                <a:off x="7668685" y="3616556"/>
+                <a:ext cx="2919644" cy="583019"/>
+              </a:xfrm>
+              <a:custGeom>
+                <a:avLst/>
+                <a:gdLst>
+                  <a:gd name="connsiteX0" fmla="*/ 0 w 2190307"/>
+                  <a:gd name="connsiteY0" fmla="*/ 689345 h 781494"/>
+                  <a:gd name="connsiteX1" fmla="*/ 531628 w 2190307"/>
+                  <a:gd name="connsiteY1" fmla="*/ 8861 h 781494"/>
+                  <a:gd name="connsiteX2" fmla="*/ 967563 w 2190307"/>
+                  <a:gd name="connsiteY2" fmla="*/ 742508 h 781494"/>
+                  <a:gd name="connsiteX3" fmla="*/ 1435395 w 2190307"/>
+                  <a:gd name="connsiteY3" fmla="*/ 8861 h 781494"/>
+                  <a:gd name="connsiteX4" fmla="*/ 1828800 w 2190307"/>
+                  <a:gd name="connsiteY4" fmla="*/ 721243 h 781494"/>
+                  <a:gd name="connsiteX5" fmla="*/ 2190307 w 2190307"/>
+                  <a:gd name="connsiteY5" fmla="*/ 370368 h 781494"/>
+                </a:gdLst>
+                <a:ahLst/>
+                <a:cxnLst>
+                  <a:cxn ang="0">
+                    <a:pos x="connsiteX0" y="connsiteY0"/>
+                  </a:cxn>
+                  <a:cxn ang="0">
+                    <a:pos x="connsiteX1" y="connsiteY1"/>
+                  </a:cxn>
+                  <a:cxn ang="0">
+                    <a:pos x="connsiteX2" y="connsiteY2"/>
+                  </a:cxn>
+                  <a:cxn ang="0">
+                    <a:pos x="connsiteX3" y="connsiteY3"/>
+                  </a:cxn>
+                  <a:cxn ang="0">
+                    <a:pos x="connsiteX4" y="connsiteY4"/>
+                  </a:cxn>
+                  <a:cxn ang="0">
+                    <a:pos x="connsiteX5" y="connsiteY5"/>
+                  </a:cxn>
+                </a:cxnLst>
+                <a:rect l="l" t="t" r="r" b="b"/>
+                <a:pathLst>
+                  <a:path w="2190307" h="781494">
+                    <a:moveTo>
+                      <a:pt x="0" y="689345"/>
+                    </a:moveTo>
+                    <a:cubicBezTo>
+                      <a:pt x="185183" y="344672"/>
+                      <a:pt x="370367" y="0"/>
+                      <a:pt x="531628" y="8861"/>
+                    </a:cubicBezTo>
+                    <a:cubicBezTo>
+                      <a:pt x="692889" y="17722"/>
+                      <a:pt x="816935" y="742508"/>
+                      <a:pt x="967563" y="742508"/>
+                    </a:cubicBezTo>
+                    <a:cubicBezTo>
+                      <a:pt x="1118191" y="742508"/>
+                      <a:pt x="1291856" y="12405"/>
+                      <a:pt x="1435395" y="8861"/>
+                    </a:cubicBezTo>
+                    <a:cubicBezTo>
+                      <a:pt x="1578934" y="5317"/>
+                      <a:pt x="1702981" y="660992"/>
+                      <a:pt x="1828800" y="721243"/>
+                    </a:cubicBezTo>
+                    <a:cubicBezTo>
+                      <a:pt x="1954619" y="781494"/>
+                      <a:pt x="2119423" y="430619"/>
+                      <a:pt x="2190307" y="370368"/>
+                    </a:cubicBezTo>
+                  </a:path>
+                </a:pathLst>
+              </a:custGeom>
+              <a:ln w="25400">
+                <a:solidFill>
+                  <a:schemeClr val="bg1"/>
+                </a:solidFill>
+                <a:headEnd type="none" w="med" len="med"/>
+                <a:tailEnd type="triangle"/>
+              </a:ln>
+              <a:effectLst/>
+            </p:spPr>
+            <p:style>
+              <a:lnRef idx="3">
+                <a:schemeClr val="accent3"/>
+              </a:lnRef>
+              <a:fillRef idx="0">
+                <a:schemeClr val="accent3"/>
+              </a:fillRef>
+              <a:effectRef idx="2">
+                <a:schemeClr val="accent3"/>
+              </a:effectRef>
+              <a:fontRef idx="minor">
+                <a:schemeClr val="tx1"/>
+              </a:fontRef>
+            </p:style>
+            <p:txBody>
+              <a:bodyPr rtlCol="0" anchor="ctr"/>
+              <a:lstStyle>
+                <a:defPPr>
+                  <a:defRPr lang="en-US"/>
+                </a:defPPr>
+                <a:lvl1pPr marL="0" algn="l" defTabSz="1218987" rtl="0" eaLnBrk="1" latinLnBrk="0" hangingPunct="1">
+                  <a:defRPr sz="2400" kern="1200">
+                    <a:solidFill>
+                      <a:schemeClr val="tx1"/>
+                    </a:solidFill>
+                    <a:latin typeface="+mn-lt"/>
+                    <a:ea typeface="+mn-ea"/>
+                    <a:cs typeface="+mn-cs"/>
+                  </a:defRPr>
+                </a:lvl1pPr>
+                <a:lvl2pPr marL="609493" algn="l" defTabSz="1218987" rtl="0" eaLnBrk="1" latinLnBrk="0" hangingPunct="1">
+                  <a:defRPr sz="2400" kern="1200">
+                    <a:solidFill>
+                      <a:schemeClr val="tx1"/>
+                    </a:solidFill>
+                    <a:latin typeface="+mn-lt"/>
+                    <a:ea typeface="+mn-ea"/>
+                    <a:cs typeface="+mn-cs"/>
+                  </a:defRPr>
+                </a:lvl2pPr>
+                <a:lvl3pPr marL="1218987" algn="l" defTabSz="1218987" rtl="0" eaLnBrk="1" latinLnBrk="0" hangingPunct="1">
+                  <a:defRPr sz="2400" kern="1200">
+                    <a:solidFill>
+                      <a:schemeClr val="tx1"/>
+                    </a:solidFill>
+                    <a:latin typeface="+mn-lt"/>
+                    <a:ea typeface="+mn-ea"/>
+                    <a:cs typeface="+mn-cs"/>
+                  </a:defRPr>
+                </a:lvl3pPr>
+                <a:lvl4pPr marL="1828480" algn="l" defTabSz="1218987" rtl="0" eaLnBrk="1" latinLnBrk="0" hangingPunct="1">
+                  <a:defRPr sz="2400" kern="1200">
+                    <a:solidFill>
+                      <a:schemeClr val="tx1"/>
+                    </a:solidFill>
+                    <a:latin typeface="+mn-lt"/>
+                    <a:ea typeface="+mn-ea"/>
+                    <a:cs typeface="+mn-cs"/>
+                  </a:defRPr>
+                </a:lvl4pPr>
+                <a:lvl5pPr marL="2437973" algn="l" defTabSz="1218987" rtl="0" eaLnBrk="1" latinLnBrk="0" hangingPunct="1">
+                  <a:defRPr sz="2400" kern="1200">
+                    <a:solidFill>
+                      <a:schemeClr val="tx1"/>
+                    </a:solidFill>
+                    <a:latin typeface="+mn-lt"/>
+                    <a:ea typeface="+mn-ea"/>
+                    <a:cs typeface="+mn-cs"/>
+                  </a:defRPr>
+                </a:lvl5pPr>
+                <a:lvl6pPr marL="3047467" algn="l" defTabSz="1218987" rtl="0" eaLnBrk="1" latinLnBrk="0" hangingPunct="1">
+                  <a:defRPr sz="2400" kern="1200">
+                    <a:solidFill>
+                      <a:schemeClr val="tx1"/>
+                    </a:solidFill>
+                    <a:latin typeface="+mn-lt"/>
+                    <a:ea typeface="+mn-ea"/>
+                    <a:cs typeface="+mn-cs"/>
+                  </a:defRPr>
+                </a:lvl6pPr>
+                <a:lvl7pPr marL="3656960" algn="l" defTabSz="1218987" rtl="0" eaLnBrk="1" latinLnBrk="0" hangingPunct="1">
+                  <a:defRPr sz="2400" kern="1200">
+                    <a:solidFill>
+                      <a:schemeClr val="tx1"/>
+                    </a:solidFill>
+                    <a:latin typeface="+mn-lt"/>
+                    <a:ea typeface="+mn-ea"/>
+                    <a:cs typeface="+mn-cs"/>
+                  </a:defRPr>
+                </a:lvl7pPr>
+                <a:lvl8pPr marL="4266453" algn="l" defTabSz="1218987" rtl="0" eaLnBrk="1" latinLnBrk="0" hangingPunct="1">
+                  <a:defRPr sz="2400" kern="1200">
+                    <a:solidFill>
+                      <a:schemeClr val="tx1"/>
+                    </a:solidFill>
+                    <a:latin typeface="+mn-lt"/>
+                    <a:ea typeface="+mn-ea"/>
+                    <a:cs typeface="+mn-cs"/>
+                  </a:defRPr>
+                </a:lvl8pPr>
+                <a:lvl9pPr marL="4875947" algn="l" defTabSz="1218987" rtl="0" eaLnBrk="1" latinLnBrk="0" hangingPunct="1">
+                  <a:defRPr sz="2400" kern="1200">
+                    <a:solidFill>
+                      <a:schemeClr val="tx1"/>
+                    </a:solidFill>
+                    <a:latin typeface="+mn-lt"/>
+                    <a:ea typeface="+mn-ea"/>
+                    <a:cs typeface="+mn-cs"/>
+                  </a:defRPr>
+                </a:lvl9pPr>
+              </a:lstStyle>
+              <a:p>
+                <a:pPr algn="ctr"/>
+                <a:endParaRPr lang="en-US" dirty="0"/>
+              </a:p>
+            </p:txBody>
+          </p:sp>
+          <p:cxnSp>
+            <p:nvCxnSpPr>
+              <p:cNvPr id="25" name="Straight Connector 24"/>
+              <p:cNvCxnSpPr/>
+              <p:nvPr/>
+            </p:nvCxnSpPr>
+            <p:spPr bwMode="auto">
+              <a:xfrm>
+                <a:off x="7694819" y="3991217"/>
+                <a:ext cx="2963103" cy="24852"/>
+              </a:xfrm>
+              <a:prstGeom prst="line">
+                <a:avLst/>
+              </a:prstGeom>
+              <a:ln w="19050">
+                <a:solidFill>
+                  <a:schemeClr val="bg1"/>
+                </a:solidFill>
+                <a:prstDash val="sysDot"/>
+                <a:headEnd type="none" w="med" len="med"/>
+                <a:tailEnd type="none" w="med" len="med"/>
+              </a:ln>
+              <a:effectLst/>
+            </p:spPr>
+            <p:style>
+              <a:lnRef idx="3">
+                <a:schemeClr val="accent3"/>
+              </a:lnRef>
+              <a:fillRef idx="0">
+                <a:schemeClr val="accent3"/>
+              </a:fillRef>
+              <a:effectRef idx="2">
+                <a:schemeClr val="accent3"/>
+              </a:effectRef>
+              <a:fontRef idx="minor">
+                <a:schemeClr val="tx1"/>
+              </a:fontRef>
+            </p:style>
+          </p:cxnSp>
+        </p:grpSp>
+      </p:grpSp>
+    </p:spTree>
+    <p:extLst>
+      <p:ext uri="{BB962C8B-B14F-4D97-AF65-F5344CB8AC3E}">
+        <p14:creationId xmlns:p14="http://schemas.microsoft.com/office/powerpoint/2010/main" val="1961523693"/>
+      </p:ext>
+    </p:extLst>
+  </p:cSld>
+  <p:clrMapOvr>
+    <a:masterClrMapping/>
+  </p:clrMapOvr>
+</p:sld>
+</file>
+
+<file path=ppt/slides/slide7.xml><?xml version="1.0" encoding="utf-8"?>
+<p:sld xmlns:a="http://schemas.openxmlformats.org/drawingml/2006/main" xmlns:r="http://schemas.openxmlformats.org/officeDocument/2006/relationships" xmlns:p="http://schemas.openxmlformats.org/presentationml/2006/main">
+  <p:cSld>
+    <p:spTree>
+      <p:nvGrpSpPr>
+        <p:cNvPr id="1" name=""/>
+        <p:cNvGrpSpPr/>
+        <p:nvPr/>
+      </p:nvGrpSpPr>
+      <p:grpSpPr>
+        <a:xfrm>
+          <a:off x="0" y="0"/>
+          <a:ext cx="0" cy="0"/>
+          <a:chOff x="0" y="0"/>
+          <a:chExt cx="0" cy="0"/>
+        </a:xfrm>
+      </p:grpSpPr>
+      <p:sp>
+        <p:nvSpPr>
+          <p:cNvPr id="2" name="Title 1"/>
+          <p:cNvSpPr>
+            <a:spLocks noGrp="1"/>
+          </p:cNvSpPr>
+          <p:nvPr>
+            <p:ph type="title"/>
+          </p:nvPr>
+        </p:nvSpPr>
+        <p:spPr/>
+        <p:txBody>
+          <a:bodyPr/>
+          <a:lstStyle/>
+          <a:p>
+            <a:r>
+              <a:rPr lang="en-US" dirty="0" smtClean="0"/>
+              <a:t>Step 1: Static content to storage</a:t>
+            </a:r>
+            <a:endParaRPr lang="en-US" dirty="0"/>
+          </a:p>
+        </p:txBody>
+      </p:sp>
+      <p:sp>
+        <p:nvSpPr>
+          <p:cNvPr id="3" name="Content Placeholder 2"/>
+          <p:cNvSpPr>
+            <a:spLocks noGrp="1"/>
+          </p:cNvSpPr>
+          <p:nvPr>
+            <p:ph idx="1"/>
+          </p:nvPr>
+        </p:nvSpPr>
+        <p:spPr>
+          <a:xfrm>
+            <a:off x="560797" y="1876996"/>
+            <a:ext cx="11207869" cy="4215579"/>
+          </a:xfrm>
+        </p:spPr>
+        <p:txBody>
+          <a:bodyPr/>
+          <a:lstStyle/>
+          <a:p>
+            <a:pPr marL="0" indent="0">
+              <a:buNone/>
+            </a:pPr>
+            <a:r>
+              <a:rPr lang="en-US" dirty="0" smtClean="0"/>
+              <a:t>PROBLEM:</a:t>
+            </a:r>
+          </a:p>
+          <a:p>
+            <a:pPr marL="0" indent="0">
+              <a:buNone/>
+            </a:pPr>
+            <a:endParaRPr lang="en-US" dirty="0"/>
+          </a:p>
+          <a:p>
+            <a:pPr marL="0" indent="0">
+              <a:buNone/>
+            </a:pPr>
+            <a:r>
+              <a:rPr lang="en-US" dirty="0" smtClean="0"/>
+              <a:t>Your servers are wasting bandwidth serving static files.</a:t>
+            </a:r>
+            <a:endParaRPr lang="en-US" dirty="0"/>
+          </a:p>
+        </p:txBody>
+      </p:sp>
+      <p:sp>
+        <p:nvSpPr>
+          <p:cNvPr id="4" name="Slide Number Placeholder 3"/>
+          <p:cNvSpPr>
+            <a:spLocks noGrp="1"/>
+          </p:cNvSpPr>
+          <p:nvPr>
+            <p:ph type="sldNum" sz="quarter" idx="12"/>
+          </p:nvPr>
+        </p:nvSpPr>
+        <p:spPr/>
+        <p:txBody>
+          <a:bodyPr/>
+          <a:lstStyle/>
+          <a:p>
+            <a:fld id="{0A164282-434E-41D4-9582-783D542A7B68}" type="slidenum">
+              <a:rPr lang="en-US" smtClean="0"/>
+              <a:t>7</a:t>
+            </a:fld>
+            <a:endParaRPr lang="en-US"/>
+          </a:p>
+        </p:txBody>
+      </p:sp>
+    </p:spTree>
+    <p:extLst>
+      <p:ext uri="{BB962C8B-B14F-4D97-AF65-F5344CB8AC3E}">
+        <p14:creationId xmlns:p14="http://schemas.microsoft.com/office/powerpoint/2010/main" val="2255540942"/>
+      </p:ext>
+    </p:extLst>
+  </p:cSld>
+  <p:clrMapOvr>
+    <a:masterClrMapping/>
+  </p:clrMapOvr>
+</p:sld>
+</file>
+
+<file path=ppt/slides/slide8.xml><?xml version="1.0" encoding="utf-8"?>
+<p:sld xmlns:a="http://schemas.openxmlformats.org/drawingml/2006/main" xmlns:r="http://schemas.openxmlformats.org/officeDocument/2006/relationships" xmlns:p="http://schemas.openxmlformats.org/presentationml/2006/main">
+  <p:cSld>
+    <p:spTree>
+      <p:nvGrpSpPr>
+        <p:cNvPr id="1" name=""/>
+        <p:cNvGrpSpPr/>
+        <p:nvPr/>
+      </p:nvGrpSpPr>
+      <p:grpSpPr>
+        <a:xfrm>
+          <a:off x="0" y="0"/>
+          <a:ext cx="0" cy="0"/>
+          <a:chOff x="0" y="0"/>
+          <a:chExt cx="0" cy="0"/>
+        </a:xfrm>
+      </p:grpSpPr>
+      <p:pic>
+        <p:nvPicPr>
+          <p:cNvPr id="5" name="Picture 4"/>
+          <p:cNvPicPr>
+            <a:picLocks noChangeAspect="1"/>
+          </p:cNvPicPr>
+          <p:nvPr/>
+        </p:nvPicPr>
+        <p:blipFill>
+          <a:blip r:embed="rId2"/>
+          <a:stretch>
+            <a:fillRect/>
+          </a:stretch>
+        </p:blipFill>
+        <p:spPr>
+          <a:xfrm>
+            <a:off x="5933360" y="1421192"/>
+            <a:ext cx="6377174" cy="5562896"/>
+          </a:xfrm>
+          <a:prstGeom prst="rect">
+            <a:avLst/>
+          </a:prstGeom>
+        </p:spPr>
+      </p:pic>
+      <p:sp>
+        <p:nvSpPr>
+          <p:cNvPr id="2" name="Title 1"/>
+          <p:cNvSpPr>
+            <a:spLocks noGrp="1"/>
+          </p:cNvSpPr>
+          <p:nvPr>
+            <p:ph type="title"/>
+          </p:nvPr>
+        </p:nvSpPr>
+        <p:spPr/>
+        <p:txBody>
+          <a:bodyPr/>
+          <a:lstStyle/>
+          <a:p>
+            <a:r>
+              <a:rPr lang="en-US" dirty="0" smtClean="0"/>
+              <a:t>Step 1: Static content to storage</a:t>
+            </a:r>
+            <a:endParaRPr lang="en-US" dirty="0"/>
+          </a:p>
+        </p:txBody>
+      </p:sp>
+      <p:sp>
+        <p:nvSpPr>
+          <p:cNvPr id="3" name="Content Placeholder 2"/>
+          <p:cNvSpPr>
+            <a:spLocks noGrp="1"/>
+          </p:cNvSpPr>
+          <p:nvPr>
+            <p:ph idx="1"/>
+          </p:nvPr>
+        </p:nvSpPr>
+        <p:spPr/>
+        <p:txBody>
+          <a:bodyPr/>
+          <a:lstStyle/>
+          <a:p>
+            <a:pPr marL="0" indent="0">
+              <a:buNone/>
+            </a:pPr>
+            <a:r>
+              <a:rPr lang="en-US" dirty="0" smtClean="0"/>
+              <a:t>SOLUTION:</a:t>
+            </a:r>
+          </a:p>
+          <a:p>
+            <a:pPr marL="0" indent="0">
+              <a:buNone/>
+            </a:pPr>
+            <a:endParaRPr lang="en-US" dirty="0"/>
+          </a:p>
+          <a:p>
+            <a:pPr marL="0" indent="0">
+              <a:buNone/>
+            </a:pPr>
+            <a:r>
+              <a:rPr lang="en-US" dirty="0" smtClean="0"/>
+              <a:t>Serve static files from blob storage.</a:t>
+            </a:r>
+            <a:endParaRPr lang="en-US" dirty="0"/>
+          </a:p>
+        </p:txBody>
+      </p:sp>
+      <p:sp>
+        <p:nvSpPr>
+          <p:cNvPr id="4" name="Slide Number Placeholder 3"/>
+          <p:cNvSpPr>
+            <a:spLocks noGrp="1"/>
+          </p:cNvSpPr>
+          <p:nvPr>
+            <p:ph type="sldNum" sz="quarter" idx="12"/>
+          </p:nvPr>
+        </p:nvSpPr>
+        <p:spPr/>
+        <p:txBody>
+          <a:bodyPr/>
+          <a:lstStyle/>
+          <a:p>
+            <a:fld id="{0A164282-434E-41D4-9582-783D542A7B68}" type="slidenum">
+              <a:rPr lang="en-US" smtClean="0"/>
+              <a:t>8</a:t>
+            </a:fld>
+            <a:endParaRPr lang="en-US"/>
+          </a:p>
+        </p:txBody>
+      </p:sp>
+    </p:spTree>
+    <p:extLst>
+      <p:ext uri="{BB962C8B-B14F-4D97-AF65-F5344CB8AC3E}">
+        <p14:creationId xmlns:p14="http://schemas.microsoft.com/office/powerpoint/2010/main" val="3390910816"/>
+      </p:ext>
+    </p:extLst>
+  </p:cSld>
+  <p:clrMapOvr>
+    <a:masterClrMapping/>
+  </p:clrMapOvr>
+</p:sld>
+</file>
+
+<file path=ppt/slides/slide9.xml><?xml version="1.0" encoding="utf-8"?>
+<p:sld xmlns:a="http://schemas.openxmlformats.org/drawingml/2006/main" xmlns:r="http://schemas.openxmlformats.org/officeDocument/2006/relationships" xmlns:p="http://schemas.openxmlformats.org/presentationml/2006/main">
+  <p:cSld>
+    <p:spTree>
+      <p:nvGrpSpPr>
+        <p:cNvPr id="1" name=""/>
+        <p:cNvGrpSpPr/>
+        <p:nvPr/>
+      </p:nvGrpSpPr>
+      <p:grpSpPr>
+        <a:xfrm>
+          <a:off x="0" y="0"/>
+          <a:ext cx="0" cy="0"/>
+          <a:chOff x="0" y="0"/>
+          <a:chExt cx="0" cy="0"/>
+        </a:xfrm>
+      </p:grpSpPr>
+      <p:sp>
+        <p:nvSpPr>
+          <p:cNvPr id="2" name="Title 1"/>
+          <p:cNvSpPr>
+            <a:spLocks noGrp="1"/>
+          </p:cNvSpPr>
+          <p:nvPr>
+            <p:ph type="title"/>
+          </p:nvPr>
+        </p:nvSpPr>
+        <p:spPr/>
+        <p:txBody>
+          <a:bodyPr/>
+          <a:lstStyle/>
+          <a:p>
+            <a:r>
+              <a:rPr lang="en-US" dirty="0" smtClean="0"/>
+              <a:t>Step 2: Caching</a:t>
+            </a:r>
+            <a:endParaRPr lang="en-US" dirty="0"/>
+          </a:p>
+        </p:txBody>
+      </p:sp>
+      <p:sp>
+        <p:nvSpPr>
+          <p:cNvPr id="3" name="Content Placeholder 2"/>
+          <p:cNvSpPr>
+            <a:spLocks noGrp="1"/>
+          </p:cNvSpPr>
+          <p:nvPr>
+            <p:ph idx="1"/>
+          </p:nvPr>
+        </p:nvSpPr>
+        <p:spPr/>
+        <p:txBody>
+          <a:bodyPr/>
+          <a:lstStyle/>
+          <a:p>
+            <a:pPr marL="0" indent="0">
+              <a:buNone/>
+            </a:pPr>
+            <a:r>
+              <a:rPr lang="en-US" dirty="0" smtClean="0"/>
+              <a:t>PROBLEM:</a:t>
+            </a:r>
+          </a:p>
+          <a:p>
+            <a:pPr marL="0" indent="0">
+              <a:buNone/>
+            </a:pPr>
+            <a:endParaRPr lang="en-US" dirty="0"/>
+          </a:p>
+          <a:p>
+            <a:pPr marL="0" indent="0">
+              <a:buNone/>
+            </a:pPr>
+            <a:r>
+              <a:rPr lang="en-US" dirty="0" smtClean="0"/>
+              <a:t>Your servers have finite resources.</a:t>
+            </a:r>
+          </a:p>
+          <a:p>
+            <a:pPr marL="0" indent="0">
+              <a:buNone/>
+            </a:pPr>
+            <a:endParaRPr lang="en-US" dirty="0"/>
+          </a:p>
+          <a:p>
+            <a:pPr marL="0" indent="0">
+              <a:buNone/>
+            </a:pPr>
+            <a:r>
+              <a:rPr lang="en-US" dirty="0" smtClean="0"/>
+              <a:t>You don’t want to repeat work you don’t have to.</a:t>
+            </a:r>
+            <a:endParaRPr lang="en-US" dirty="0"/>
+          </a:p>
+        </p:txBody>
+      </p:sp>
+      <p:sp>
+        <p:nvSpPr>
+          <p:cNvPr id="4" name="Slide Number Placeholder 3"/>
+          <p:cNvSpPr>
+            <a:spLocks noGrp="1"/>
+          </p:cNvSpPr>
+          <p:nvPr>
+            <p:ph type="sldNum" sz="quarter" idx="12"/>
+          </p:nvPr>
+        </p:nvSpPr>
+        <p:spPr/>
+        <p:txBody>
+          <a:bodyPr/>
+          <a:lstStyle/>
+          <a:p>
+            <a:fld id="{0A164282-434E-41D4-9582-783D542A7B68}" type="slidenum">
+              <a:rPr lang="en-US" smtClean="0"/>
+              <a:t>9</a:t>
+            </a:fld>
+            <a:endParaRPr lang="en-US"/>
+          </a:p>
+        </p:txBody>
+      </p:sp>
+    </p:spTree>
+    <p:extLst>
+      <p:ext uri="{BB962C8B-B14F-4D97-AF65-F5344CB8AC3E}">
+        <p14:creationId xmlns:p14="http://schemas.microsoft.com/office/powerpoint/2010/main" val="431417813"/>
+      </p:ext>
+    </p:extLst>
+  </p:cSld>
+  <p:clrMapOvr>
+    <a:masterClrMapping/>
+  </p:clrMapOvr>
 </p:sld>
 </file>
 
@@ -20193,6 +27958,207 @@
 </file>
 
 <file path=ppt/theme/theme8.xml><?xml version="1.0" encoding="utf-8"?>
+<a:theme xmlns:a="http://schemas.openxmlformats.org/drawingml/2006/main" name="1_Azure Graphite">
+  <a:themeElements>
+    <a:clrScheme name="Office">
+      <a:dk1>
+        <a:sysClr val="windowText" lastClr="000000"/>
+      </a:dk1>
+      <a:lt1>
+        <a:sysClr val="window" lastClr="FFFFFF"/>
+      </a:lt1>
+      <a:dk2>
+        <a:srgbClr val="44546A"/>
+      </a:dk2>
+      <a:lt2>
+        <a:srgbClr val="E7E6E6"/>
+      </a:lt2>
+      <a:accent1>
+        <a:srgbClr val="5B9BD5"/>
+      </a:accent1>
+      <a:accent2>
+        <a:srgbClr val="ED7D31"/>
+      </a:accent2>
+      <a:accent3>
+        <a:srgbClr val="A5A5A5"/>
+      </a:accent3>
+      <a:accent4>
+        <a:srgbClr val="FFC000"/>
+      </a:accent4>
+      <a:accent5>
+        <a:srgbClr val="4472C4"/>
+      </a:accent5>
+      <a:accent6>
+        <a:srgbClr val="70AD47"/>
+      </a:accent6>
+      <a:hlink>
+        <a:srgbClr val="0563C1"/>
+      </a:hlink>
+      <a:folHlink>
+        <a:srgbClr val="954F72"/>
+      </a:folHlink>
+    </a:clrScheme>
+    <a:fontScheme name="Windows Azure">
+      <a:majorFont>
+        <a:latin typeface="Segoe UI Light"/>
+        <a:ea typeface=""/>
+        <a:cs typeface=""/>
+      </a:majorFont>
+      <a:minorFont>
+        <a:latin typeface="Segoe UI"/>
+        <a:ea typeface=""/>
+        <a:cs typeface=""/>
+      </a:minorFont>
+    </a:fontScheme>
+    <a:fmtScheme name="Office">
+      <a:fillStyleLst>
+        <a:solidFill>
+          <a:schemeClr val="phClr"/>
+        </a:solidFill>
+        <a:gradFill rotWithShape="1">
+          <a:gsLst>
+            <a:gs pos="0">
+              <a:schemeClr val="phClr">
+                <a:lumMod val="110000"/>
+                <a:satMod val="105000"/>
+                <a:tint val="67000"/>
+              </a:schemeClr>
+            </a:gs>
+            <a:gs pos="50000">
+              <a:schemeClr val="phClr">
+                <a:lumMod val="105000"/>
+                <a:satMod val="103000"/>
+                <a:tint val="73000"/>
+              </a:schemeClr>
+            </a:gs>
+            <a:gs pos="100000">
+              <a:schemeClr val="phClr">
+                <a:lumMod val="105000"/>
+                <a:satMod val="109000"/>
+                <a:tint val="81000"/>
+              </a:schemeClr>
+            </a:gs>
+          </a:gsLst>
+          <a:lin ang="5400000" scaled="0"/>
+        </a:gradFill>
+        <a:gradFill rotWithShape="1">
+          <a:gsLst>
+            <a:gs pos="0">
+              <a:schemeClr val="phClr">
+                <a:satMod val="103000"/>
+                <a:lumMod val="102000"/>
+                <a:tint val="94000"/>
+              </a:schemeClr>
+            </a:gs>
+            <a:gs pos="50000">
+              <a:schemeClr val="phClr">
+                <a:satMod val="110000"/>
+                <a:lumMod val="100000"/>
+                <a:shade val="100000"/>
+              </a:schemeClr>
+            </a:gs>
+            <a:gs pos="100000">
+              <a:schemeClr val="phClr">
+                <a:lumMod val="99000"/>
+                <a:satMod val="120000"/>
+                <a:shade val="78000"/>
+              </a:schemeClr>
+            </a:gs>
+          </a:gsLst>
+          <a:lin ang="5400000" scaled="0"/>
+        </a:gradFill>
+      </a:fillStyleLst>
+      <a:lnStyleLst>
+        <a:ln w="6350" cap="flat" cmpd="sng" algn="ctr">
+          <a:solidFill>
+            <a:schemeClr val="phClr"/>
+          </a:solidFill>
+          <a:prstDash val="solid"/>
+          <a:miter lim="800000"/>
+        </a:ln>
+        <a:ln w="12700" cap="flat" cmpd="sng" algn="ctr">
+          <a:solidFill>
+            <a:schemeClr val="phClr"/>
+          </a:solidFill>
+          <a:prstDash val="solid"/>
+          <a:miter lim="800000"/>
+        </a:ln>
+        <a:ln w="19050" cap="flat" cmpd="sng" algn="ctr">
+          <a:solidFill>
+            <a:schemeClr val="phClr"/>
+          </a:solidFill>
+          <a:prstDash val="solid"/>
+          <a:miter lim="800000"/>
+        </a:ln>
+      </a:lnStyleLst>
+      <a:effectStyleLst>
+        <a:effectStyle>
+          <a:effectLst/>
+        </a:effectStyle>
+        <a:effectStyle>
+          <a:effectLst/>
+        </a:effectStyle>
+        <a:effectStyle>
+          <a:effectLst>
+            <a:outerShdw blurRad="57150" dist="19050" dir="5400000" algn="ctr" rotWithShape="0">
+              <a:srgbClr val="000000">
+                <a:alpha val="63000"/>
+              </a:srgbClr>
+            </a:outerShdw>
+          </a:effectLst>
+        </a:effectStyle>
+      </a:effectStyleLst>
+      <a:bgFillStyleLst>
+        <a:solidFill>
+          <a:schemeClr val="phClr"/>
+        </a:solidFill>
+        <a:solidFill>
+          <a:schemeClr val="phClr">
+            <a:tint val="95000"/>
+            <a:satMod val="170000"/>
+          </a:schemeClr>
+        </a:solidFill>
+        <a:gradFill rotWithShape="1">
+          <a:gsLst>
+            <a:gs pos="0">
+              <a:schemeClr val="phClr">
+                <a:tint val="93000"/>
+                <a:satMod val="150000"/>
+                <a:shade val="98000"/>
+                <a:lumMod val="102000"/>
+              </a:schemeClr>
+            </a:gs>
+            <a:gs pos="50000">
+              <a:schemeClr val="phClr">
+                <a:tint val="98000"/>
+                <a:satMod val="130000"/>
+                <a:shade val="90000"/>
+                <a:lumMod val="103000"/>
+              </a:schemeClr>
+            </a:gs>
+            <a:gs pos="100000">
+              <a:schemeClr val="phClr">
+                <a:shade val="63000"/>
+                <a:satMod val="120000"/>
+              </a:schemeClr>
+            </a:gs>
+          </a:gsLst>
+          <a:lin ang="5400000" scaled="0"/>
+        </a:gradFill>
+      </a:bgFillStyleLst>
+    </a:fmtScheme>
+  </a:themeElements>
+  <a:objectDefaults/>
+  <a:extraClrSchemeLst/>
+  <a:extLst>
+    <a:ext uri="{05A4C25C-085E-4340-85A3-A5531E510DB2}">
+      <thm15:themeFamily xmlns:thm15="http://schemas.microsoft.com/office/thememl/2012/main" name="Office Theme" id="{62F939B6-93AF-4DB8-9C6B-D6C7DFDC589F}" vid="{4A3C46E8-61CC-4603-A589-7422A47A8E4A}"/>
+    </a:ext>
+  </a:extLst>
+</a:theme>
+</file>
+
+<file path=ppt/theme/theme9.xml><?xml version="1.0" encoding="utf-8"?>
 <a:theme xmlns:a="http://schemas.openxmlformats.org/drawingml/2006/main" name="Office Theme">
   <a:themeElements>
     <a:clrScheme name="Office">

--- a/6-ASPNET-in-Production.pptx
+++ b/6-ASPNET-in-Production.pptx
@@ -12,7 +12,7 @@
     <p:sldMasterId id="2147483784" r:id="rId8"/>
   </p:sldMasterIdLst>
   <p:notesMasterIdLst>
-    <p:notesMasterId r:id="rId41"/>
+    <p:notesMasterId r:id="rId47"/>
   </p:notesMasterIdLst>
   <p:sldIdLst>
     <p:sldId id="269" r:id="rId9"/>
@@ -33,7 +33,7 @@
     <p:sldId id="289" r:id="rId24"/>
     <p:sldId id="290" r:id="rId25"/>
     <p:sldId id="292" r:id="rId26"/>
-    <p:sldId id="293" r:id="rId27"/>
+    <p:sldId id="305" r:id="rId27"/>
     <p:sldId id="294" r:id="rId28"/>
     <p:sldId id="295" r:id="rId29"/>
     <p:sldId id="296" r:id="rId30"/>
@@ -44,9 +44,15 @@
     <p:sldId id="301" r:id="rId35"/>
     <p:sldId id="302" r:id="rId36"/>
     <p:sldId id="303" r:id="rId37"/>
-    <p:sldId id="304" r:id="rId38"/>
-    <p:sldId id="272" r:id="rId39"/>
-    <p:sldId id="263" r:id="rId40"/>
+    <p:sldId id="306" r:id="rId38"/>
+    <p:sldId id="307" r:id="rId39"/>
+    <p:sldId id="308" r:id="rId40"/>
+    <p:sldId id="309" r:id="rId41"/>
+    <p:sldId id="310" r:id="rId42"/>
+    <p:sldId id="311" r:id="rId43"/>
+    <p:sldId id="313" r:id="rId44"/>
+    <p:sldId id="312" r:id="rId45"/>
+    <p:sldId id="263" r:id="rId46"/>
   </p:sldIdLst>
   <p:sldSz cx="12192000" cy="6858000"/>
   <p:notesSz cx="6858000" cy="9144000"/>
@@ -235,7 +241,7 @@
           <a:p>
             <a:fld id="{0E990FE3-7537-4D15-A9F5-FDF1805FD5F8}" type="datetimeFigureOut">
               <a:rPr lang="en-US" smtClean="0"/>
-              <a:t>10/19/2013</a:t>
+              <a:t>10/20/2013</a:t>
             </a:fld>
             <a:endParaRPr lang="en-US"/>
           </a:p>
@@ -2177,6 +2183,117 @@
 </file>
 
 <file path=ppt/slideLayouts/slideLayout15.xml><?xml version="1.0" encoding="utf-8"?>
+<p:sldLayout xmlns:a="http://schemas.openxmlformats.org/drawingml/2006/main" xmlns:r="http://schemas.openxmlformats.org/officeDocument/2006/relationships" xmlns:p="http://schemas.openxmlformats.org/presentationml/2006/main" userDrawn="1">
+  <p:cSld name="3_Custom Layout">
+    <p:bg>
+      <p:bgPr>
+        <a:solidFill>
+          <a:srgbClr val="617081"/>
+        </a:solidFill>
+        <a:effectLst/>
+      </p:bgPr>
+    </p:bg>
+    <p:spTree>
+      <p:nvGrpSpPr>
+        <p:cNvPr id="1" name=""/>
+        <p:cNvGrpSpPr/>
+        <p:nvPr/>
+      </p:nvGrpSpPr>
+      <p:grpSpPr>
+        <a:xfrm>
+          <a:off x="0" y="0"/>
+          <a:ext cx="0" cy="0"/>
+          <a:chOff x="0" y="0"/>
+          <a:chExt cx="0" cy="0"/>
+        </a:xfrm>
+      </p:grpSpPr>
+      <p:sp>
+        <p:nvSpPr>
+          <p:cNvPr id="4" name="Title 3"/>
+          <p:cNvSpPr>
+            <a:spLocks noGrp="1"/>
+          </p:cNvSpPr>
+          <p:nvPr>
+            <p:ph type="title"/>
+          </p:nvPr>
+        </p:nvSpPr>
+        <p:spPr/>
+        <p:txBody>
+          <a:bodyPr anchor="b"/>
+          <a:lstStyle/>
+          <a:p>
+            <a:r>
+              <a:rPr lang="en-US" smtClean="0"/>
+              <a:t>Click to edit Master title style</a:t>
+            </a:r>
+            <a:endParaRPr lang="en-US"/>
+          </a:p>
+        </p:txBody>
+      </p:sp>
+      <p:sp>
+        <p:nvSpPr>
+          <p:cNvPr id="6" name="Text Placeholder 5"/>
+          <p:cNvSpPr>
+            <a:spLocks noGrp="1"/>
+          </p:cNvSpPr>
+          <p:nvPr>
+            <p:ph type="body" sz="quarter" idx="10" hasCustomPrompt="1"/>
+          </p:nvPr>
+        </p:nvSpPr>
+        <p:spPr>
+          <a:xfrm>
+            <a:off x="6638425" y="5517221"/>
+            <a:ext cx="5013325" cy="1026863"/>
+          </a:xfrm>
+        </p:spPr>
+        <p:txBody>
+          <a:bodyPr/>
+          <a:lstStyle>
+            <a:lvl1pPr>
+              <a:defRPr>
+                <a:solidFill>
+                  <a:srgbClr val="BDCD2C"/>
+                </a:solidFill>
+              </a:defRPr>
+            </a:lvl1pPr>
+          </a:lstStyle>
+          <a:p>
+            <a:pPr lvl="0"/>
+            <a:r>
+              <a:rPr lang="en-US" dirty="0" smtClean="0"/>
+              <a:t>Presenter Name</a:t>
+            </a:r>
+          </a:p>
+          <a:p>
+            <a:pPr lvl="0"/>
+            <a:r>
+              <a:rPr lang="en-US" dirty="0" smtClean="0"/>
+              <a:t>Title/role</a:t>
+            </a:r>
+          </a:p>
+        </p:txBody>
+      </p:sp>
+    </p:spTree>
+    <p:extLst>
+      <p:ext uri="{BB962C8B-B14F-4D97-AF65-F5344CB8AC3E}">
+        <p14:creationId xmlns:p14="http://schemas.microsoft.com/office/powerpoint/2010/main" val="13566877"/>
+      </p:ext>
+    </p:extLst>
+  </p:cSld>
+  <p:clrMapOvr>
+    <a:masterClrMapping/>
+  </p:clrMapOvr>
+  <p:timing>
+    <p:tnLst>
+      <p:par>
+        <p:cTn id="1" dur="indefinite" restart="never" nodeType="tmRoot"/>
+      </p:par>
+    </p:tnLst>
+  </p:timing>
+</p:sldLayout>
+</file>
+
+<file path=ppt/slideLayouts/slideLayout16.xml><?xml version="1.0" encoding="utf-8"?>
 <p:sldLayout xmlns:a="http://schemas.openxmlformats.org/drawingml/2006/main" xmlns:r="http://schemas.openxmlformats.org/officeDocument/2006/relationships" xmlns:p="http://schemas.openxmlformats.org/presentationml/2006/main" type="title" preserve="1">
   <p:cSld name="Title Slide">
     <p:bg>
@@ -2320,7 +2437,7 @@
 </p:sldLayout>
 </file>
 
-<file path=ppt/slideLayouts/slideLayout16.xml><?xml version="1.0" encoding="utf-8"?>
+<file path=ppt/slideLayouts/slideLayout17.xml><?xml version="1.0" encoding="utf-8"?>
 <p:sldLayout xmlns:a="http://schemas.openxmlformats.org/drawingml/2006/main" xmlns:r="http://schemas.openxmlformats.org/officeDocument/2006/relationships" xmlns:p="http://schemas.openxmlformats.org/presentationml/2006/main" type="obj" preserve="1">
   <p:cSld name="Title and Content">
     <p:bg>
@@ -2471,7 +2588,7 @@
 </p:sldLayout>
 </file>
 
-<file path=ppt/slideLayouts/slideLayout17.xml><?xml version="1.0" encoding="utf-8"?>
+<file path=ppt/slideLayouts/slideLayout18.xml><?xml version="1.0" encoding="utf-8"?>
 <p:sldLayout xmlns:a="http://schemas.openxmlformats.org/drawingml/2006/main" xmlns:r="http://schemas.openxmlformats.org/officeDocument/2006/relationships" xmlns:p="http://schemas.openxmlformats.org/presentationml/2006/main" preserve="1" userDrawn="1">
   <p:cSld name="1_Title and Content">
     <p:spTree>
@@ -2659,7 +2776,7 @@
 </p:sldLayout>
 </file>
 
-<file path=ppt/slideLayouts/slideLayout18.xml><?xml version="1.0" encoding="utf-8"?>
+<file path=ppt/slideLayouts/slideLayout19.xml><?xml version="1.0" encoding="utf-8"?>
 <p:sldLayout xmlns:a="http://schemas.openxmlformats.org/drawingml/2006/main" xmlns:r="http://schemas.openxmlformats.org/officeDocument/2006/relationships" xmlns:p="http://schemas.openxmlformats.org/presentationml/2006/main" type="titleOnly" preserve="1">
   <p:cSld name="Title Only">
     <p:bg>
@@ -2758,7 +2875,118 @@
 </p:sldLayout>
 </file>
 
-<file path=ppt/slideLayouts/slideLayout19.xml><?xml version="1.0" encoding="utf-8"?>
+<file path=ppt/slideLayouts/slideLayout2.xml><?xml version="1.0" encoding="utf-8"?>
+<p:sldLayout xmlns:a="http://schemas.openxmlformats.org/drawingml/2006/main" xmlns:r="http://schemas.openxmlformats.org/officeDocument/2006/relationships" xmlns:p="http://schemas.openxmlformats.org/presentationml/2006/main" preserve="1" userDrawn="1">
+  <p:cSld name="1_Custom Layout">
+    <p:bg>
+      <p:bgPr>
+        <a:solidFill>
+          <a:srgbClr val="0171B0"/>
+        </a:solidFill>
+        <a:effectLst/>
+      </p:bgPr>
+    </p:bg>
+    <p:spTree>
+      <p:nvGrpSpPr>
+        <p:cNvPr id="1" name=""/>
+        <p:cNvGrpSpPr/>
+        <p:nvPr/>
+      </p:nvGrpSpPr>
+      <p:grpSpPr>
+        <a:xfrm>
+          <a:off x="0" y="0"/>
+          <a:ext cx="0" cy="0"/>
+          <a:chOff x="0" y="0"/>
+          <a:chExt cx="0" cy="0"/>
+        </a:xfrm>
+      </p:grpSpPr>
+      <p:sp>
+        <p:nvSpPr>
+          <p:cNvPr id="4" name="Title 3"/>
+          <p:cNvSpPr>
+            <a:spLocks noGrp="1"/>
+          </p:cNvSpPr>
+          <p:nvPr>
+            <p:ph type="title"/>
+          </p:nvPr>
+        </p:nvSpPr>
+        <p:spPr/>
+        <p:txBody>
+          <a:bodyPr anchor="b"/>
+          <a:lstStyle/>
+          <a:p>
+            <a:r>
+              <a:rPr lang="en-US" smtClean="0"/>
+              <a:t>Click to edit Master title style</a:t>
+            </a:r>
+            <a:endParaRPr lang="en-US"/>
+          </a:p>
+        </p:txBody>
+      </p:sp>
+      <p:sp>
+        <p:nvSpPr>
+          <p:cNvPr id="6" name="Text Placeholder 5"/>
+          <p:cNvSpPr>
+            <a:spLocks noGrp="1"/>
+          </p:cNvSpPr>
+          <p:nvPr>
+            <p:ph type="body" sz="quarter" idx="10" hasCustomPrompt="1"/>
+          </p:nvPr>
+        </p:nvSpPr>
+        <p:spPr>
+          <a:xfrm>
+            <a:off x="6638425" y="5517221"/>
+            <a:ext cx="5013325" cy="1026863"/>
+          </a:xfrm>
+        </p:spPr>
+        <p:txBody>
+          <a:bodyPr/>
+          <a:lstStyle>
+            <a:lvl1pPr>
+              <a:defRPr>
+                <a:solidFill>
+                  <a:srgbClr val="3C454F"/>
+                </a:solidFill>
+              </a:defRPr>
+            </a:lvl1pPr>
+          </a:lstStyle>
+          <a:p>
+            <a:pPr lvl="0"/>
+            <a:r>
+              <a:rPr lang="en-US" dirty="0" smtClean="0"/>
+              <a:t>Presenter Name</a:t>
+            </a:r>
+          </a:p>
+          <a:p>
+            <a:pPr lvl="0"/>
+            <a:r>
+              <a:rPr lang="en-US" dirty="0" smtClean="0"/>
+              <a:t>Title/role</a:t>
+            </a:r>
+          </a:p>
+        </p:txBody>
+      </p:sp>
+    </p:spTree>
+    <p:extLst>
+      <p:ext uri="{BB962C8B-B14F-4D97-AF65-F5344CB8AC3E}">
+        <p14:creationId xmlns:p14="http://schemas.microsoft.com/office/powerpoint/2010/main" val="62634884"/>
+      </p:ext>
+    </p:extLst>
+  </p:cSld>
+  <p:clrMapOvr>
+    <a:masterClrMapping/>
+  </p:clrMapOvr>
+  <p:timing>
+    <p:tnLst>
+      <p:par>
+        <p:cTn id="1" dur="indefinite" restart="never" nodeType="tmRoot"/>
+      </p:par>
+    </p:tnLst>
+  </p:timing>
+</p:sldLayout>
+</file>
+
+<file path=ppt/slideLayouts/slideLayout20.xml><?xml version="1.0" encoding="utf-8"?>
 <p:sldLayout xmlns:a="http://schemas.openxmlformats.org/drawingml/2006/main" xmlns:r="http://schemas.openxmlformats.org/officeDocument/2006/relationships" xmlns:p="http://schemas.openxmlformats.org/presentationml/2006/main" preserve="1" userDrawn="1">
   <p:cSld name="1_Title Only">
     <p:spTree>
@@ -3735,118 +3963,7 @@
 </p:sldLayout>
 </file>
 
-<file path=ppt/slideLayouts/slideLayout2.xml><?xml version="1.0" encoding="utf-8"?>
-<p:sldLayout xmlns:a="http://schemas.openxmlformats.org/drawingml/2006/main" xmlns:r="http://schemas.openxmlformats.org/officeDocument/2006/relationships" xmlns:p="http://schemas.openxmlformats.org/presentationml/2006/main" preserve="1" userDrawn="1">
-  <p:cSld name="1_Custom Layout">
-    <p:bg>
-      <p:bgPr>
-        <a:solidFill>
-          <a:srgbClr val="0171B0"/>
-        </a:solidFill>
-        <a:effectLst/>
-      </p:bgPr>
-    </p:bg>
-    <p:spTree>
-      <p:nvGrpSpPr>
-        <p:cNvPr id="1" name=""/>
-        <p:cNvGrpSpPr/>
-        <p:nvPr/>
-      </p:nvGrpSpPr>
-      <p:grpSpPr>
-        <a:xfrm>
-          <a:off x="0" y="0"/>
-          <a:ext cx="0" cy="0"/>
-          <a:chOff x="0" y="0"/>
-          <a:chExt cx="0" cy="0"/>
-        </a:xfrm>
-      </p:grpSpPr>
-      <p:sp>
-        <p:nvSpPr>
-          <p:cNvPr id="4" name="Title 3"/>
-          <p:cNvSpPr>
-            <a:spLocks noGrp="1"/>
-          </p:cNvSpPr>
-          <p:nvPr>
-            <p:ph type="title"/>
-          </p:nvPr>
-        </p:nvSpPr>
-        <p:spPr/>
-        <p:txBody>
-          <a:bodyPr anchor="b"/>
-          <a:lstStyle/>
-          <a:p>
-            <a:r>
-              <a:rPr lang="en-US" smtClean="0"/>
-              <a:t>Click to edit Master title style</a:t>
-            </a:r>
-            <a:endParaRPr lang="en-US"/>
-          </a:p>
-        </p:txBody>
-      </p:sp>
-      <p:sp>
-        <p:nvSpPr>
-          <p:cNvPr id="6" name="Text Placeholder 5"/>
-          <p:cNvSpPr>
-            <a:spLocks noGrp="1"/>
-          </p:cNvSpPr>
-          <p:nvPr>
-            <p:ph type="body" sz="quarter" idx="10" hasCustomPrompt="1"/>
-          </p:nvPr>
-        </p:nvSpPr>
-        <p:spPr>
-          <a:xfrm>
-            <a:off x="6638425" y="5517221"/>
-            <a:ext cx="5013325" cy="1026863"/>
-          </a:xfrm>
-        </p:spPr>
-        <p:txBody>
-          <a:bodyPr/>
-          <a:lstStyle>
-            <a:lvl1pPr>
-              <a:defRPr>
-                <a:solidFill>
-                  <a:srgbClr val="3C454F"/>
-                </a:solidFill>
-              </a:defRPr>
-            </a:lvl1pPr>
-          </a:lstStyle>
-          <a:p>
-            <a:pPr lvl="0"/>
-            <a:r>
-              <a:rPr lang="en-US" dirty="0" smtClean="0"/>
-              <a:t>Presenter Name</a:t>
-            </a:r>
-          </a:p>
-          <a:p>
-            <a:pPr lvl="0"/>
-            <a:r>
-              <a:rPr lang="en-US" dirty="0" smtClean="0"/>
-              <a:t>Title/role</a:t>
-            </a:r>
-          </a:p>
-        </p:txBody>
-      </p:sp>
-    </p:spTree>
-    <p:extLst>
-      <p:ext uri="{BB962C8B-B14F-4D97-AF65-F5344CB8AC3E}">
-        <p14:creationId xmlns:p14="http://schemas.microsoft.com/office/powerpoint/2010/main" val="62634884"/>
-      </p:ext>
-    </p:extLst>
-  </p:cSld>
-  <p:clrMapOvr>
-    <a:masterClrMapping/>
-  </p:clrMapOvr>
-  <p:timing>
-    <p:tnLst>
-      <p:par>
-        <p:cTn id="1" dur="indefinite" restart="never" nodeType="tmRoot"/>
-      </p:par>
-    </p:tnLst>
-  </p:timing>
-</p:sldLayout>
-</file>
-
-<file path=ppt/slideLayouts/slideLayout20.xml><?xml version="1.0" encoding="utf-8"?>
+<file path=ppt/slideLayouts/slideLayout21.xml><?xml version="1.0" encoding="utf-8"?>
 <p:sldLayout xmlns:a="http://schemas.openxmlformats.org/drawingml/2006/main" xmlns:r="http://schemas.openxmlformats.org/officeDocument/2006/relationships" xmlns:p="http://schemas.openxmlformats.org/presentationml/2006/main" type="blank" preserve="1">
   <p:cSld name="Blank">
     <p:bg>
@@ -3922,7 +4039,7 @@
 </p:sldLayout>
 </file>
 
-<file path=ppt/slideLayouts/slideLayout21.xml><?xml version="1.0" encoding="utf-8"?>
+<file path=ppt/slideLayouts/slideLayout22.xml><?xml version="1.0" encoding="utf-8"?>
 <p:sldLayout xmlns:a="http://schemas.openxmlformats.org/drawingml/2006/main" xmlns:r="http://schemas.openxmlformats.org/officeDocument/2006/relationships" xmlns:p="http://schemas.openxmlformats.org/presentationml/2006/main" type="blank" preserve="1">
   <p:cSld name="1_Blank">
     <p:bg>
@@ -3967,7 +4084,7 @@
 </p:sldLayout>
 </file>
 
-<file path=ppt/slideLayouts/slideLayout22.xml><?xml version="1.0" encoding="utf-8"?>
+<file path=ppt/slideLayouts/slideLayout23.xml><?xml version="1.0" encoding="utf-8"?>
 <p:sldLayout xmlns:a="http://schemas.openxmlformats.org/drawingml/2006/main" xmlns:r="http://schemas.openxmlformats.org/officeDocument/2006/relationships" xmlns:p="http://schemas.openxmlformats.org/presentationml/2006/main" type="objTx" preserve="1">
   <p:cSld name="Content with Caption">
     <p:bg>
@@ -4239,7 +4356,7 @@
 </p:sldLayout>
 </file>
 
-<file path=ppt/slideLayouts/slideLayout23.xml><?xml version="1.0" encoding="utf-8"?>
+<file path=ppt/slideLayouts/slideLayout24.xml><?xml version="1.0" encoding="utf-8"?>
 <p:sldLayout xmlns:a="http://schemas.openxmlformats.org/drawingml/2006/main" xmlns:r="http://schemas.openxmlformats.org/officeDocument/2006/relationships" xmlns:p="http://schemas.openxmlformats.org/presentationml/2006/main" type="title" preserve="1">
   <p:cSld name="Title Slide">
     <p:bg>
@@ -4383,7 +4500,7 @@
 </p:sldLayout>
 </file>
 
-<file path=ppt/slideLayouts/slideLayout24.xml><?xml version="1.0" encoding="utf-8"?>
+<file path=ppt/slideLayouts/slideLayout25.xml><?xml version="1.0" encoding="utf-8"?>
 <p:sldLayout xmlns:a="http://schemas.openxmlformats.org/drawingml/2006/main" xmlns:r="http://schemas.openxmlformats.org/officeDocument/2006/relationships" xmlns:p="http://schemas.openxmlformats.org/presentationml/2006/main" type="obj" preserve="1">
   <p:cSld name="Title and Content">
     <p:bg>
@@ -4534,7 +4651,7 @@
 </p:sldLayout>
 </file>
 
-<file path=ppt/slideLayouts/slideLayout25.xml><?xml version="1.0" encoding="utf-8"?>
+<file path=ppt/slideLayouts/slideLayout26.xml><?xml version="1.0" encoding="utf-8"?>
 <p:sldLayout xmlns:a="http://schemas.openxmlformats.org/drawingml/2006/main" xmlns:r="http://schemas.openxmlformats.org/officeDocument/2006/relationships" xmlns:p="http://schemas.openxmlformats.org/presentationml/2006/main" preserve="1" userDrawn="1">
   <p:cSld name="1_Title and Content">
     <p:spTree>
@@ -4722,7 +4839,7 @@
 </p:sldLayout>
 </file>
 
-<file path=ppt/slideLayouts/slideLayout26.xml><?xml version="1.0" encoding="utf-8"?>
+<file path=ppt/slideLayouts/slideLayout27.xml><?xml version="1.0" encoding="utf-8"?>
 <p:sldLayout xmlns:a="http://schemas.openxmlformats.org/drawingml/2006/main" xmlns:r="http://schemas.openxmlformats.org/officeDocument/2006/relationships" xmlns:p="http://schemas.openxmlformats.org/presentationml/2006/main" type="titleOnly" preserve="1">
   <p:cSld name="Title Only">
     <p:bg>
@@ -4821,7 +4938,7 @@
 </p:sldLayout>
 </file>
 
-<file path=ppt/slideLayouts/slideLayout27.xml><?xml version="1.0" encoding="utf-8"?>
+<file path=ppt/slideLayouts/slideLayout28.xml><?xml version="1.0" encoding="utf-8"?>
 <p:sldLayout xmlns:a="http://schemas.openxmlformats.org/drawingml/2006/main" xmlns:r="http://schemas.openxmlformats.org/officeDocument/2006/relationships" xmlns:p="http://schemas.openxmlformats.org/presentationml/2006/main" preserve="1" userDrawn="1">
   <p:cSld name="1_Title Only">
     <p:spTree>
@@ -5854,7 +5971,7 @@
 </p:sldLayout>
 </file>
 
-<file path=ppt/slideLayouts/slideLayout28.xml><?xml version="1.0" encoding="utf-8"?>
+<file path=ppt/slideLayouts/slideLayout29.xml><?xml version="1.0" encoding="utf-8"?>
 <p:sldLayout xmlns:a="http://schemas.openxmlformats.org/drawingml/2006/main" xmlns:r="http://schemas.openxmlformats.org/officeDocument/2006/relationships" xmlns:p="http://schemas.openxmlformats.org/presentationml/2006/main" type="blank" preserve="1">
   <p:cSld name="Blank">
     <p:bg>
@@ -5930,7 +6047,118 @@
 </p:sldLayout>
 </file>
 
-<file path=ppt/slideLayouts/slideLayout29.xml><?xml version="1.0" encoding="utf-8"?>
+<file path=ppt/slideLayouts/slideLayout3.xml><?xml version="1.0" encoding="utf-8"?>
+<p:sldLayout xmlns:a="http://schemas.openxmlformats.org/drawingml/2006/main" xmlns:r="http://schemas.openxmlformats.org/officeDocument/2006/relationships" xmlns:p="http://schemas.openxmlformats.org/presentationml/2006/main" preserve="1" userDrawn="1">
+  <p:cSld name="2_Custom Layout">
+    <p:bg>
+      <p:bgPr>
+        <a:solidFill>
+          <a:srgbClr val="1D4380"/>
+        </a:solidFill>
+        <a:effectLst/>
+      </p:bgPr>
+    </p:bg>
+    <p:spTree>
+      <p:nvGrpSpPr>
+        <p:cNvPr id="1" name=""/>
+        <p:cNvGrpSpPr/>
+        <p:nvPr/>
+      </p:nvGrpSpPr>
+      <p:grpSpPr>
+        <a:xfrm>
+          <a:off x="0" y="0"/>
+          <a:ext cx="0" cy="0"/>
+          <a:chOff x="0" y="0"/>
+          <a:chExt cx="0" cy="0"/>
+        </a:xfrm>
+      </p:grpSpPr>
+      <p:sp>
+        <p:nvSpPr>
+          <p:cNvPr id="4" name="Title 3"/>
+          <p:cNvSpPr>
+            <a:spLocks noGrp="1"/>
+          </p:cNvSpPr>
+          <p:nvPr>
+            <p:ph type="title"/>
+          </p:nvPr>
+        </p:nvSpPr>
+        <p:spPr/>
+        <p:txBody>
+          <a:bodyPr anchor="b"/>
+          <a:lstStyle/>
+          <a:p>
+            <a:r>
+              <a:rPr lang="en-US" smtClean="0"/>
+              <a:t>Click to edit Master title style</a:t>
+            </a:r>
+            <a:endParaRPr lang="en-US"/>
+          </a:p>
+        </p:txBody>
+      </p:sp>
+      <p:sp>
+        <p:nvSpPr>
+          <p:cNvPr id="6" name="Text Placeholder 5"/>
+          <p:cNvSpPr>
+            <a:spLocks noGrp="1"/>
+          </p:cNvSpPr>
+          <p:nvPr>
+            <p:ph type="body" sz="quarter" idx="10" hasCustomPrompt="1"/>
+          </p:nvPr>
+        </p:nvSpPr>
+        <p:spPr>
+          <a:xfrm>
+            <a:off x="6638425" y="5517221"/>
+            <a:ext cx="5013325" cy="1026863"/>
+          </a:xfrm>
+        </p:spPr>
+        <p:txBody>
+          <a:bodyPr/>
+          <a:lstStyle>
+            <a:lvl1pPr>
+              <a:defRPr>
+                <a:solidFill>
+                  <a:srgbClr val="289FD7"/>
+                </a:solidFill>
+              </a:defRPr>
+            </a:lvl1pPr>
+          </a:lstStyle>
+          <a:p>
+            <a:pPr lvl="0"/>
+            <a:r>
+              <a:rPr lang="en-US" dirty="0" smtClean="0"/>
+              <a:t>Presenter Name</a:t>
+            </a:r>
+          </a:p>
+          <a:p>
+            <a:pPr lvl="0"/>
+            <a:r>
+              <a:rPr lang="en-US" dirty="0" smtClean="0"/>
+              <a:t>Title/role</a:t>
+            </a:r>
+          </a:p>
+        </p:txBody>
+      </p:sp>
+    </p:spTree>
+    <p:extLst>
+      <p:ext uri="{BB962C8B-B14F-4D97-AF65-F5344CB8AC3E}">
+        <p14:creationId xmlns:p14="http://schemas.microsoft.com/office/powerpoint/2010/main" val="991024635"/>
+      </p:ext>
+    </p:extLst>
+  </p:cSld>
+  <p:clrMapOvr>
+    <a:masterClrMapping/>
+  </p:clrMapOvr>
+  <p:timing>
+    <p:tnLst>
+      <p:par>
+        <p:cTn id="1" dur="indefinite" restart="never" nodeType="tmRoot"/>
+      </p:par>
+    </p:tnLst>
+  </p:timing>
+</p:sldLayout>
+</file>
+
+<file path=ppt/slideLayouts/slideLayout30.xml><?xml version="1.0" encoding="utf-8"?>
 <p:sldLayout xmlns:a="http://schemas.openxmlformats.org/drawingml/2006/main" xmlns:r="http://schemas.openxmlformats.org/officeDocument/2006/relationships" xmlns:p="http://schemas.openxmlformats.org/presentationml/2006/main" type="blank" preserve="1">
   <p:cSld name="1_Blank">
     <p:bg>
@@ -5975,118 +6203,7 @@
 </p:sldLayout>
 </file>
 
-<file path=ppt/slideLayouts/slideLayout3.xml><?xml version="1.0" encoding="utf-8"?>
-<p:sldLayout xmlns:a="http://schemas.openxmlformats.org/drawingml/2006/main" xmlns:r="http://schemas.openxmlformats.org/officeDocument/2006/relationships" xmlns:p="http://schemas.openxmlformats.org/presentationml/2006/main" preserve="1" userDrawn="1">
-  <p:cSld name="2_Custom Layout">
-    <p:bg>
-      <p:bgPr>
-        <a:solidFill>
-          <a:srgbClr val="1D4380"/>
-        </a:solidFill>
-        <a:effectLst/>
-      </p:bgPr>
-    </p:bg>
-    <p:spTree>
-      <p:nvGrpSpPr>
-        <p:cNvPr id="1" name=""/>
-        <p:cNvGrpSpPr/>
-        <p:nvPr/>
-      </p:nvGrpSpPr>
-      <p:grpSpPr>
-        <a:xfrm>
-          <a:off x="0" y="0"/>
-          <a:ext cx="0" cy="0"/>
-          <a:chOff x="0" y="0"/>
-          <a:chExt cx="0" cy="0"/>
-        </a:xfrm>
-      </p:grpSpPr>
-      <p:sp>
-        <p:nvSpPr>
-          <p:cNvPr id="4" name="Title 3"/>
-          <p:cNvSpPr>
-            <a:spLocks noGrp="1"/>
-          </p:cNvSpPr>
-          <p:nvPr>
-            <p:ph type="title"/>
-          </p:nvPr>
-        </p:nvSpPr>
-        <p:spPr/>
-        <p:txBody>
-          <a:bodyPr anchor="b"/>
-          <a:lstStyle/>
-          <a:p>
-            <a:r>
-              <a:rPr lang="en-US" smtClean="0"/>
-              <a:t>Click to edit Master title style</a:t>
-            </a:r>
-            <a:endParaRPr lang="en-US"/>
-          </a:p>
-        </p:txBody>
-      </p:sp>
-      <p:sp>
-        <p:nvSpPr>
-          <p:cNvPr id="6" name="Text Placeholder 5"/>
-          <p:cNvSpPr>
-            <a:spLocks noGrp="1"/>
-          </p:cNvSpPr>
-          <p:nvPr>
-            <p:ph type="body" sz="quarter" idx="10" hasCustomPrompt="1"/>
-          </p:nvPr>
-        </p:nvSpPr>
-        <p:spPr>
-          <a:xfrm>
-            <a:off x="6638425" y="5517221"/>
-            <a:ext cx="5013325" cy="1026863"/>
-          </a:xfrm>
-        </p:spPr>
-        <p:txBody>
-          <a:bodyPr/>
-          <a:lstStyle>
-            <a:lvl1pPr>
-              <a:defRPr>
-                <a:solidFill>
-                  <a:srgbClr val="289FD7"/>
-                </a:solidFill>
-              </a:defRPr>
-            </a:lvl1pPr>
-          </a:lstStyle>
-          <a:p>
-            <a:pPr lvl="0"/>
-            <a:r>
-              <a:rPr lang="en-US" dirty="0" smtClean="0"/>
-              <a:t>Presenter Name</a:t>
-            </a:r>
-          </a:p>
-          <a:p>
-            <a:pPr lvl="0"/>
-            <a:r>
-              <a:rPr lang="en-US" dirty="0" smtClean="0"/>
-              <a:t>Title/role</a:t>
-            </a:r>
-          </a:p>
-        </p:txBody>
-      </p:sp>
-    </p:spTree>
-    <p:extLst>
-      <p:ext uri="{BB962C8B-B14F-4D97-AF65-F5344CB8AC3E}">
-        <p14:creationId xmlns:p14="http://schemas.microsoft.com/office/powerpoint/2010/main" val="991024635"/>
-      </p:ext>
-    </p:extLst>
-  </p:cSld>
-  <p:clrMapOvr>
-    <a:masterClrMapping/>
-  </p:clrMapOvr>
-  <p:timing>
-    <p:tnLst>
-      <p:par>
-        <p:cTn id="1" dur="indefinite" restart="never" nodeType="tmRoot"/>
-      </p:par>
-    </p:tnLst>
-  </p:timing>
-</p:sldLayout>
-</file>
-
-<file path=ppt/slideLayouts/slideLayout30.xml><?xml version="1.0" encoding="utf-8"?>
+<file path=ppt/slideLayouts/slideLayout31.xml><?xml version="1.0" encoding="utf-8"?>
 <p:sldLayout xmlns:a="http://schemas.openxmlformats.org/drawingml/2006/main" xmlns:r="http://schemas.openxmlformats.org/officeDocument/2006/relationships" xmlns:p="http://schemas.openxmlformats.org/presentationml/2006/main" type="objTx" preserve="1">
   <p:cSld name="Content with Caption">
     <p:bg>
@@ -6358,7 +6475,7 @@
 </p:sldLayout>
 </file>
 
-<file path=ppt/slideLayouts/slideLayout31.xml><?xml version="1.0" encoding="utf-8"?>
+<file path=ppt/slideLayouts/slideLayout32.xml><?xml version="1.0" encoding="utf-8"?>
 <p:sldLayout xmlns:a="http://schemas.openxmlformats.org/drawingml/2006/main" xmlns:r="http://schemas.openxmlformats.org/officeDocument/2006/relationships" xmlns:p="http://schemas.openxmlformats.org/presentationml/2006/main" type="title" preserve="1">
   <p:cSld name="Title Slide">
     <p:bg>
@@ -6502,7 +6619,7 @@
 </p:sldLayout>
 </file>
 
-<file path=ppt/slideLayouts/slideLayout32.xml><?xml version="1.0" encoding="utf-8"?>
+<file path=ppt/slideLayouts/slideLayout33.xml><?xml version="1.0" encoding="utf-8"?>
 <p:sldLayout xmlns:a="http://schemas.openxmlformats.org/drawingml/2006/main" xmlns:r="http://schemas.openxmlformats.org/officeDocument/2006/relationships" xmlns:p="http://schemas.openxmlformats.org/presentationml/2006/main" type="obj" preserve="1">
   <p:cSld name="Title and Content">
     <p:bg>
@@ -6653,7 +6770,7 @@
 </p:sldLayout>
 </file>
 
-<file path=ppt/slideLayouts/slideLayout33.xml><?xml version="1.0" encoding="utf-8"?>
+<file path=ppt/slideLayouts/slideLayout34.xml><?xml version="1.0" encoding="utf-8"?>
 <p:sldLayout xmlns:a="http://schemas.openxmlformats.org/drawingml/2006/main" xmlns:r="http://schemas.openxmlformats.org/officeDocument/2006/relationships" xmlns:p="http://schemas.openxmlformats.org/presentationml/2006/main" preserve="1" userDrawn="1">
   <p:cSld name="1_Title and Content">
     <p:spTree>
@@ -6841,7 +6958,7 @@
 </p:sldLayout>
 </file>
 
-<file path=ppt/slideLayouts/slideLayout34.xml><?xml version="1.0" encoding="utf-8"?>
+<file path=ppt/slideLayouts/slideLayout35.xml><?xml version="1.0" encoding="utf-8"?>
 <p:sldLayout xmlns:a="http://schemas.openxmlformats.org/drawingml/2006/main" xmlns:r="http://schemas.openxmlformats.org/officeDocument/2006/relationships" xmlns:p="http://schemas.openxmlformats.org/presentationml/2006/main" type="titleOnly" preserve="1">
   <p:cSld name="Title Only">
     <p:bg>
@@ -6940,7 +7057,7 @@
 </p:sldLayout>
 </file>
 
-<file path=ppt/slideLayouts/slideLayout35.xml><?xml version="1.0" encoding="utf-8"?>
+<file path=ppt/slideLayouts/slideLayout36.xml><?xml version="1.0" encoding="utf-8"?>
 <p:sldLayout xmlns:a="http://schemas.openxmlformats.org/drawingml/2006/main" xmlns:r="http://schemas.openxmlformats.org/officeDocument/2006/relationships" xmlns:p="http://schemas.openxmlformats.org/presentationml/2006/main" preserve="1" userDrawn="1">
   <p:cSld name="1_Title Only">
     <p:spTree>
@@ -7975,7 +8092,7 @@
 </p:sldLayout>
 </file>
 
-<file path=ppt/slideLayouts/slideLayout36.xml><?xml version="1.0" encoding="utf-8"?>
+<file path=ppt/slideLayouts/slideLayout37.xml><?xml version="1.0" encoding="utf-8"?>
 <p:sldLayout xmlns:a="http://schemas.openxmlformats.org/drawingml/2006/main" xmlns:r="http://schemas.openxmlformats.org/officeDocument/2006/relationships" xmlns:p="http://schemas.openxmlformats.org/presentationml/2006/main" type="blank" preserve="1">
   <p:cSld name="Blank">
     <p:bg>
@@ -8051,7 +8168,7 @@
 </p:sldLayout>
 </file>
 
-<file path=ppt/slideLayouts/slideLayout37.xml><?xml version="1.0" encoding="utf-8"?>
+<file path=ppt/slideLayouts/slideLayout38.xml><?xml version="1.0" encoding="utf-8"?>
 <p:sldLayout xmlns:a="http://schemas.openxmlformats.org/drawingml/2006/main" xmlns:r="http://schemas.openxmlformats.org/officeDocument/2006/relationships" xmlns:p="http://schemas.openxmlformats.org/presentationml/2006/main" type="blank" preserve="1">
   <p:cSld name="1_Blank">
     <p:bg>
@@ -8096,7 +8213,7 @@
 </p:sldLayout>
 </file>
 
-<file path=ppt/slideLayouts/slideLayout38.xml><?xml version="1.0" encoding="utf-8"?>
+<file path=ppt/slideLayouts/slideLayout39.xml><?xml version="1.0" encoding="utf-8"?>
 <p:sldLayout xmlns:a="http://schemas.openxmlformats.org/drawingml/2006/main" xmlns:r="http://schemas.openxmlformats.org/officeDocument/2006/relationships" xmlns:p="http://schemas.openxmlformats.org/presentationml/2006/main" type="objTx" preserve="1">
   <p:cSld name="Content with Caption">
     <p:bg>
@@ -8368,7 +8485,118 @@
 </p:sldLayout>
 </file>
 
-<file path=ppt/slideLayouts/slideLayout39.xml><?xml version="1.0" encoding="utf-8"?>
+<file path=ppt/slideLayouts/slideLayout4.xml><?xml version="1.0" encoding="utf-8"?>
+<p:sldLayout xmlns:a="http://schemas.openxmlformats.org/drawingml/2006/main" xmlns:r="http://schemas.openxmlformats.org/officeDocument/2006/relationships" xmlns:p="http://schemas.openxmlformats.org/presentationml/2006/main" preserve="1" userDrawn="1">
+  <p:cSld name="3_Custom Layout">
+    <p:bg>
+      <p:bgPr>
+        <a:solidFill>
+          <a:srgbClr val="617081"/>
+        </a:solidFill>
+        <a:effectLst/>
+      </p:bgPr>
+    </p:bg>
+    <p:spTree>
+      <p:nvGrpSpPr>
+        <p:cNvPr id="1" name=""/>
+        <p:cNvGrpSpPr/>
+        <p:nvPr/>
+      </p:nvGrpSpPr>
+      <p:grpSpPr>
+        <a:xfrm>
+          <a:off x="0" y="0"/>
+          <a:ext cx="0" cy="0"/>
+          <a:chOff x="0" y="0"/>
+          <a:chExt cx="0" cy="0"/>
+        </a:xfrm>
+      </p:grpSpPr>
+      <p:sp>
+        <p:nvSpPr>
+          <p:cNvPr id="4" name="Title 3"/>
+          <p:cNvSpPr>
+            <a:spLocks noGrp="1"/>
+          </p:cNvSpPr>
+          <p:nvPr>
+            <p:ph type="title"/>
+          </p:nvPr>
+        </p:nvSpPr>
+        <p:spPr/>
+        <p:txBody>
+          <a:bodyPr anchor="b"/>
+          <a:lstStyle/>
+          <a:p>
+            <a:r>
+              <a:rPr lang="en-US" smtClean="0"/>
+              <a:t>Click to edit Master title style</a:t>
+            </a:r>
+            <a:endParaRPr lang="en-US"/>
+          </a:p>
+        </p:txBody>
+      </p:sp>
+      <p:sp>
+        <p:nvSpPr>
+          <p:cNvPr id="6" name="Text Placeholder 5"/>
+          <p:cNvSpPr>
+            <a:spLocks noGrp="1"/>
+          </p:cNvSpPr>
+          <p:nvPr>
+            <p:ph type="body" sz="quarter" idx="10" hasCustomPrompt="1"/>
+          </p:nvPr>
+        </p:nvSpPr>
+        <p:spPr>
+          <a:xfrm>
+            <a:off x="6638425" y="5517221"/>
+            <a:ext cx="5013325" cy="1026863"/>
+          </a:xfrm>
+        </p:spPr>
+        <p:txBody>
+          <a:bodyPr/>
+          <a:lstStyle>
+            <a:lvl1pPr>
+              <a:defRPr>
+                <a:solidFill>
+                  <a:srgbClr val="BDCD2C"/>
+                </a:solidFill>
+              </a:defRPr>
+            </a:lvl1pPr>
+          </a:lstStyle>
+          <a:p>
+            <a:pPr lvl="0"/>
+            <a:r>
+              <a:rPr lang="en-US" dirty="0" smtClean="0"/>
+              <a:t>Presenter Name</a:t>
+            </a:r>
+          </a:p>
+          <a:p>
+            <a:pPr lvl="0"/>
+            <a:r>
+              <a:rPr lang="en-US" dirty="0" smtClean="0"/>
+              <a:t>Title/role</a:t>
+            </a:r>
+          </a:p>
+        </p:txBody>
+      </p:sp>
+    </p:spTree>
+    <p:extLst>
+      <p:ext uri="{BB962C8B-B14F-4D97-AF65-F5344CB8AC3E}">
+        <p14:creationId xmlns:p14="http://schemas.microsoft.com/office/powerpoint/2010/main" val="127618525"/>
+      </p:ext>
+    </p:extLst>
+  </p:cSld>
+  <p:clrMapOvr>
+    <a:masterClrMapping/>
+  </p:clrMapOvr>
+  <p:timing>
+    <p:tnLst>
+      <p:par>
+        <p:cTn id="1" dur="indefinite" restart="never" nodeType="tmRoot"/>
+      </p:par>
+    </p:tnLst>
+  </p:timing>
+</p:sldLayout>
+</file>
+
+<file path=ppt/slideLayouts/slideLayout40.xml><?xml version="1.0" encoding="utf-8"?>
 <p:sldLayout xmlns:a="http://schemas.openxmlformats.org/drawingml/2006/main" xmlns:r="http://schemas.openxmlformats.org/officeDocument/2006/relationships" xmlns:p="http://schemas.openxmlformats.org/presentationml/2006/main" type="title" preserve="1">
   <p:cSld name="Title Slide">
     <p:bg>
@@ -8512,118 +8740,7 @@
 </p:sldLayout>
 </file>
 
-<file path=ppt/slideLayouts/slideLayout4.xml><?xml version="1.0" encoding="utf-8"?>
-<p:sldLayout xmlns:a="http://schemas.openxmlformats.org/drawingml/2006/main" xmlns:r="http://schemas.openxmlformats.org/officeDocument/2006/relationships" xmlns:p="http://schemas.openxmlformats.org/presentationml/2006/main" preserve="1" userDrawn="1">
-  <p:cSld name="3_Custom Layout">
-    <p:bg>
-      <p:bgPr>
-        <a:solidFill>
-          <a:srgbClr val="617081"/>
-        </a:solidFill>
-        <a:effectLst/>
-      </p:bgPr>
-    </p:bg>
-    <p:spTree>
-      <p:nvGrpSpPr>
-        <p:cNvPr id="1" name=""/>
-        <p:cNvGrpSpPr/>
-        <p:nvPr/>
-      </p:nvGrpSpPr>
-      <p:grpSpPr>
-        <a:xfrm>
-          <a:off x="0" y="0"/>
-          <a:ext cx="0" cy="0"/>
-          <a:chOff x="0" y="0"/>
-          <a:chExt cx="0" cy="0"/>
-        </a:xfrm>
-      </p:grpSpPr>
-      <p:sp>
-        <p:nvSpPr>
-          <p:cNvPr id="4" name="Title 3"/>
-          <p:cNvSpPr>
-            <a:spLocks noGrp="1"/>
-          </p:cNvSpPr>
-          <p:nvPr>
-            <p:ph type="title"/>
-          </p:nvPr>
-        </p:nvSpPr>
-        <p:spPr/>
-        <p:txBody>
-          <a:bodyPr anchor="b"/>
-          <a:lstStyle/>
-          <a:p>
-            <a:r>
-              <a:rPr lang="en-US" smtClean="0"/>
-              <a:t>Click to edit Master title style</a:t>
-            </a:r>
-            <a:endParaRPr lang="en-US"/>
-          </a:p>
-        </p:txBody>
-      </p:sp>
-      <p:sp>
-        <p:nvSpPr>
-          <p:cNvPr id="6" name="Text Placeholder 5"/>
-          <p:cNvSpPr>
-            <a:spLocks noGrp="1"/>
-          </p:cNvSpPr>
-          <p:nvPr>
-            <p:ph type="body" sz="quarter" idx="10" hasCustomPrompt="1"/>
-          </p:nvPr>
-        </p:nvSpPr>
-        <p:spPr>
-          <a:xfrm>
-            <a:off x="6638425" y="5517221"/>
-            <a:ext cx="5013325" cy="1026863"/>
-          </a:xfrm>
-        </p:spPr>
-        <p:txBody>
-          <a:bodyPr/>
-          <a:lstStyle>
-            <a:lvl1pPr>
-              <a:defRPr>
-                <a:solidFill>
-                  <a:srgbClr val="BDCD2C"/>
-                </a:solidFill>
-              </a:defRPr>
-            </a:lvl1pPr>
-          </a:lstStyle>
-          <a:p>
-            <a:pPr lvl="0"/>
-            <a:r>
-              <a:rPr lang="en-US" dirty="0" smtClean="0"/>
-              <a:t>Presenter Name</a:t>
-            </a:r>
-          </a:p>
-          <a:p>
-            <a:pPr lvl="0"/>
-            <a:r>
-              <a:rPr lang="en-US" dirty="0" smtClean="0"/>
-              <a:t>Title/role</a:t>
-            </a:r>
-          </a:p>
-        </p:txBody>
-      </p:sp>
-    </p:spTree>
-    <p:extLst>
-      <p:ext uri="{BB962C8B-B14F-4D97-AF65-F5344CB8AC3E}">
-        <p14:creationId xmlns:p14="http://schemas.microsoft.com/office/powerpoint/2010/main" val="127618525"/>
-      </p:ext>
-    </p:extLst>
-  </p:cSld>
-  <p:clrMapOvr>
-    <a:masterClrMapping/>
-  </p:clrMapOvr>
-  <p:timing>
-    <p:tnLst>
-      <p:par>
-        <p:cTn id="1" dur="indefinite" restart="never" nodeType="tmRoot"/>
-      </p:par>
-    </p:tnLst>
-  </p:timing>
-</p:sldLayout>
-</file>
-
-<file path=ppt/slideLayouts/slideLayout40.xml><?xml version="1.0" encoding="utf-8"?>
+<file path=ppt/slideLayouts/slideLayout41.xml><?xml version="1.0" encoding="utf-8"?>
 <p:sldLayout xmlns:a="http://schemas.openxmlformats.org/drawingml/2006/main" xmlns:r="http://schemas.openxmlformats.org/officeDocument/2006/relationships" xmlns:p="http://schemas.openxmlformats.org/presentationml/2006/main" type="obj" preserve="1">
   <p:cSld name="Title and Content">
     <p:bg>
@@ -8774,7 +8891,7 @@
 </p:sldLayout>
 </file>
 
-<file path=ppt/slideLayouts/slideLayout41.xml><?xml version="1.0" encoding="utf-8"?>
+<file path=ppt/slideLayouts/slideLayout42.xml><?xml version="1.0" encoding="utf-8"?>
 <p:sldLayout xmlns:a="http://schemas.openxmlformats.org/drawingml/2006/main" xmlns:r="http://schemas.openxmlformats.org/officeDocument/2006/relationships" xmlns:p="http://schemas.openxmlformats.org/presentationml/2006/main" preserve="1" userDrawn="1">
   <p:cSld name="1_Title and Content">
     <p:spTree>
@@ -8962,7 +9079,7 @@
 </p:sldLayout>
 </file>
 
-<file path=ppt/slideLayouts/slideLayout42.xml><?xml version="1.0" encoding="utf-8"?>
+<file path=ppt/slideLayouts/slideLayout43.xml><?xml version="1.0" encoding="utf-8"?>
 <p:sldLayout xmlns:a="http://schemas.openxmlformats.org/drawingml/2006/main" xmlns:r="http://schemas.openxmlformats.org/officeDocument/2006/relationships" xmlns:p="http://schemas.openxmlformats.org/presentationml/2006/main" type="titleOnly" preserve="1">
   <p:cSld name="Title Only">
     <p:bg>
@@ -9061,7 +9178,7 @@
 </p:sldLayout>
 </file>
 
-<file path=ppt/slideLayouts/slideLayout43.xml><?xml version="1.0" encoding="utf-8"?>
+<file path=ppt/slideLayouts/slideLayout44.xml><?xml version="1.0" encoding="utf-8"?>
 <p:sldLayout xmlns:a="http://schemas.openxmlformats.org/drawingml/2006/main" xmlns:r="http://schemas.openxmlformats.org/officeDocument/2006/relationships" xmlns:p="http://schemas.openxmlformats.org/presentationml/2006/main" preserve="1" userDrawn="1">
   <p:cSld name="1_Title Only">
     <p:spTree>
@@ -10096,7 +10213,7 @@
 </p:sldLayout>
 </file>
 
-<file path=ppt/slideLayouts/slideLayout44.xml><?xml version="1.0" encoding="utf-8"?>
+<file path=ppt/slideLayouts/slideLayout45.xml><?xml version="1.0" encoding="utf-8"?>
 <p:sldLayout xmlns:a="http://schemas.openxmlformats.org/drawingml/2006/main" xmlns:r="http://schemas.openxmlformats.org/officeDocument/2006/relationships" xmlns:p="http://schemas.openxmlformats.org/presentationml/2006/main" type="blank" preserve="1">
   <p:cSld name="Blank">
     <p:bg>
@@ -10172,7 +10289,7 @@
 </p:sldLayout>
 </file>
 
-<file path=ppt/slideLayouts/slideLayout45.xml><?xml version="1.0" encoding="utf-8"?>
+<file path=ppt/slideLayouts/slideLayout46.xml><?xml version="1.0" encoding="utf-8"?>
 <p:sldLayout xmlns:a="http://schemas.openxmlformats.org/drawingml/2006/main" xmlns:r="http://schemas.openxmlformats.org/officeDocument/2006/relationships" xmlns:p="http://schemas.openxmlformats.org/presentationml/2006/main" type="blank" preserve="1">
   <p:cSld name="1_Blank">
     <p:bg>
@@ -10217,7 +10334,7 @@
 </p:sldLayout>
 </file>
 
-<file path=ppt/slideLayouts/slideLayout46.xml><?xml version="1.0" encoding="utf-8"?>
+<file path=ppt/slideLayouts/slideLayout47.xml><?xml version="1.0" encoding="utf-8"?>
 <p:sldLayout xmlns:a="http://schemas.openxmlformats.org/drawingml/2006/main" xmlns:r="http://schemas.openxmlformats.org/officeDocument/2006/relationships" xmlns:p="http://schemas.openxmlformats.org/presentationml/2006/main" type="objTx" preserve="1">
   <p:cSld name="Content with Caption">
     <p:bg>
@@ -10489,7 +10606,7 @@
 </p:sldLayout>
 </file>
 
-<file path=ppt/slideLayouts/slideLayout47.xml><?xml version="1.0" encoding="utf-8"?>
+<file path=ppt/slideLayouts/slideLayout48.xml><?xml version="1.0" encoding="utf-8"?>
 <p:sldLayout xmlns:a="http://schemas.openxmlformats.org/drawingml/2006/main" xmlns:r="http://schemas.openxmlformats.org/officeDocument/2006/relationships" xmlns:p="http://schemas.openxmlformats.org/presentationml/2006/main" type="title" preserve="1">
   <p:cSld name="Title Slide">
     <p:bg>
@@ -10633,7 +10750,7 @@
 </p:sldLayout>
 </file>
 
-<file path=ppt/slideLayouts/slideLayout48.xml><?xml version="1.0" encoding="utf-8"?>
+<file path=ppt/slideLayouts/slideLayout49.xml><?xml version="1.0" encoding="utf-8"?>
 <p:sldLayout xmlns:a="http://schemas.openxmlformats.org/drawingml/2006/main" xmlns:r="http://schemas.openxmlformats.org/officeDocument/2006/relationships" xmlns:p="http://schemas.openxmlformats.org/presentationml/2006/main" type="obj" preserve="1">
   <p:cSld name="Title and Content">
     <p:bg>
@@ -10768,194 +10885,6 @@
     <p:extLst>
       <p:ext uri="{BB962C8B-B14F-4D97-AF65-F5344CB8AC3E}">
         <p14:creationId xmlns:p14="http://schemas.microsoft.com/office/powerpoint/2010/main" val="3995736214"/>
-      </p:ext>
-    </p:extLst>
-  </p:cSld>
-  <p:clrMapOvr>
-    <a:masterClrMapping/>
-  </p:clrMapOvr>
-  <p:timing>
-    <p:tnLst>
-      <p:par>
-        <p:cTn id="1" dur="indefinite" restart="never" nodeType="tmRoot"/>
-      </p:par>
-    </p:tnLst>
-  </p:timing>
-</p:sldLayout>
-</file>
-
-<file path=ppt/slideLayouts/slideLayout49.xml><?xml version="1.0" encoding="utf-8"?>
-<p:sldLayout xmlns:a="http://schemas.openxmlformats.org/drawingml/2006/main" xmlns:r="http://schemas.openxmlformats.org/officeDocument/2006/relationships" xmlns:p="http://schemas.openxmlformats.org/presentationml/2006/main" preserve="1" userDrawn="1">
-  <p:cSld name="1_Title and Content">
-    <p:spTree>
-      <p:nvGrpSpPr>
-        <p:cNvPr id="1" name=""/>
-        <p:cNvGrpSpPr/>
-        <p:nvPr/>
-      </p:nvGrpSpPr>
-      <p:grpSpPr>
-        <a:xfrm>
-          <a:off x="0" y="0"/>
-          <a:ext cx="0" cy="0"/>
-          <a:chOff x="0" y="0"/>
-          <a:chExt cx="0" cy="0"/>
-        </a:xfrm>
-      </p:grpSpPr>
-      <p:sp>
-        <p:nvSpPr>
-          <p:cNvPr id="2" name="Title 1"/>
-          <p:cNvSpPr>
-            <a:spLocks noGrp="1"/>
-          </p:cNvSpPr>
-          <p:nvPr>
-            <p:ph type="title"/>
-          </p:nvPr>
-        </p:nvSpPr>
-        <p:spPr/>
-        <p:txBody>
-          <a:bodyPr/>
-          <a:lstStyle/>
-          <a:p>
-            <a:r>
-              <a:rPr lang="en-US" smtClean="0"/>
-              <a:t>Click to edit Master title style</a:t>
-            </a:r>
-            <a:endParaRPr lang="en-US"/>
-          </a:p>
-        </p:txBody>
-      </p:sp>
-      <p:sp>
-        <p:nvSpPr>
-          <p:cNvPr id="3" name="Content Placeholder 2"/>
-          <p:cNvSpPr>
-            <a:spLocks noGrp="1"/>
-          </p:cNvSpPr>
-          <p:nvPr>
-            <p:ph idx="1"/>
-          </p:nvPr>
-        </p:nvSpPr>
-        <p:spPr>
-          <a:xfrm>
-            <a:off x="560798" y="2111604"/>
-            <a:ext cx="11079822" cy="3980971"/>
-          </a:xfrm>
-        </p:spPr>
-        <p:txBody>
-          <a:bodyPr/>
-          <a:lstStyle/>
-          <a:p>
-            <a:pPr lvl="0"/>
-            <a:r>
-              <a:rPr lang="en-US" smtClean="0"/>
-              <a:t>Click to edit Master text styles</a:t>
-            </a:r>
-          </a:p>
-          <a:p>
-            <a:pPr lvl="1"/>
-            <a:r>
-              <a:rPr lang="en-US" smtClean="0"/>
-              <a:t>Second level</a:t>
-            </a:r>
-          </a:p>
-          <a:p>
-            <a:pPr lvl="2"/>
-            <a:r>
-              <a:rPr lang="en-US" smtClean="0"/>
-              <a:t>Third level</a:t>
-            </a:r>
-          </a:p>
-          <a:p>
-            <a:pPr lvl="3"/>
-            <a:r>
-              <a:rPr lang="en-US" smtClean="0"/>
-              <a:t>Fourth level</a:t>
-            </a:r>
-          </a:p>
-          <a:p>
-            <a:pPr lvl="4"/>
-            <a:r>
-              <a:rPr lang="en-US" smtClean="0"/>
-              <a:t>Fifth level</a:t>
-            </a:r>
-            <a:endParaRPr lang="en-US"/>
-          </a:p>
-        </p:txBody>
-      </p:sp>
-      <p:sp>
-        <p:nvSpPr>
-          <p:cNvPr id="6" name="Slide Number Placeholder 5"/>
-          <p:cNvSpPr>
-            <a:spLocks noGrp="1"/>
-          </p:cNvSpPr>
-          <p:nvPr>
-            <p:ph type="sldNum" sz="quarter" idx="12"/>
-          </p:nvPr>
-        </p:nvSpPr>
-        <p:spPr>
-          <a:xfrm>
-            <a:off x="8897420" y="6256216"/>
-            <a:ext cx="2743200" cy="365125"/>
-          </a:xfrm>
-          <a:prstGeom prst="rect">
-            <a:avLst/>
-          </a:prstGeom>
-        </p:spPr>
-        <p:txBody>
-          <a:bodyPr/>
-          <a:lstStyle/>
-          <a:p>
-            <a:fld id="{0A164282-434E-41D4-9582-783D542A7B68}" type="slidenum">
-              <a:rPr lang="en-US" smtClean="0"/>
-              <a:t>‹#›</a:t>
-            </a:fld>
-            <a:endParaRPr lang="en-US"/>
-          </a:p>
-        </p:txBody>
-      </p:sp>
-      <p:sp>
-        <p:nvSpPr>
-          <p:cNvPr id="5" name="Text Placeholder 4"/>
-          <p:cNvSpPr>
-            <a:spLocks noGrp="1"/>
-          </p:cNvSpPr>
-          <p:nvPr>
-            <p:ph type="body" sz="quarter" idx="13" hasCustomPrompt="1"/>
-          </p:nvPr>
-        </p:nvSpPr>
-        <p:spPr>
-          <a:xfrm>
-            <a:off x="560388" y="1534096"/>
-            <a:ext cx="11080750" cy="437594"/>
-          </a:xfrm>
-        </p:spPr>
-        <p:txBody>
-          <a:bodyPr>
-            <a:normAutofit/>
-          </a:bodyPr>
-          <a:lstStyle>
-            <a:lvl1pPr marL="0" indent="0">
-              <a:buFontTx/>
-              <a:buNone/>
-              <a:defRPr sz="2000" cap="all" baseline="0"/>
-            </a:lvl1pPr>
-            <a:lvl5pPr>
-              <a:defRPr/>
-            </a:lvl5pPr>
-          </a:lstStyle>
-          <a:p>
-            <a:pPr lvl="0"/>
-            <a:r>
-              <a:rPr lang="en-US" dirty="0" smtClean="0"/>
-              <a:t>Secondary refining headline</a:t>
-            </a:r>
-            <a:endParaRPr lang="en-US" dirty="0"/>
-          </a:p>
-        </p:txBody>
-      </p:sp>
-    </p:spTree>
-    <p:extLst>
-      <p:ext uri="{BB962C8B-B14F-4D97-AF65-F5344CB8AC3E}">
-        <p14:creationId xmlns:p14="http://schemas.microsoft.com/office/powerpoint/2010/main" val="3229571234"/>
       </p:ext>
     </p:extLst>
   </p:cSld>
@@ -11092,6 +11021,194 @@
 </file>
 
 <file path=ppt/slideLayouts/slideLayout50.xml><?xml version="1.0" encoding="utf-8"?>
+<p:sldLayout xmlns:a="http://schemas.openxmlformats.org/drawingml/2006/main" xmlns:r="http://schemas.openxmlformats.org/officeDocument/2006/relationships" xmlns:p="http://schemas.openxmlformats.org/presentationml/2006/main" preserve="1" userDrawn="1">
+  <p:cSld name="1_Title and Content">
+    <p:spTree>
+      <p:nvGrpSpPr>
+        <p:cNvPr id="1" name=""/>
+        <p:cNvGrpSpPr/>
+        <p:nvPr/>
+      </p:nvGrpSpPr>
+      <p:grpSpPr>
+        <a:xfrm>
+          <a:off x="0" y="0"/>
+          <a:ext cx="0" cy="0"/>
+          <a:chOff x="0" y="0"/>
+          <a:chExt cx="0" cy="0"/>
+        </a:xfrm>
+      </p:grpSpPr>
+      <p:sp>
+        <p:nvSpPr>
+          <p:cNvPr id="2" name="Title 1"/>
+          <p:cNvSpPr>
+            <a:spLocks noGrp="1"/>
+          </p:cNvSpPr>
+          <p:nvPr>
+            <p:ph type="title"/>
+          </p:nvPr>
+        </p:nvSpPr>
+        <p:spPr/>
+        <p:txBody>
+          <a:bodyPr/>
+          <a:lstStyle/>
+          <a:p>
+            <a:r>
+              <a:rPr lang="en-US" smtClean="0"/>
+              <a:t>Click to edit Master title style</a:t>
+            </a:r>
+            <a:endParaRPr lang="en-US"/>
+          </a:p>
+        </p:txBody>
+      </p:sp>
+      <p:sp>
+        <p:nvSpPr>
+          <p:cNvPr id="3" name="Content Placeholder 2"/>
+          <p:cNvSpPr>
+            <a:spLocks noGrp="1"/>
+          </p:cNvSpPr>
+          <p:nvPr>
+            <p:ph idx="1"/>
+          </p:nvPr>
+        </p:nvSpPr>
+        <p:spPr>
+          <a:xfrm>
+            <a:off x="560798" y="2111604"/>
+            <a:ext cx="11079822" cy="3980971"/>
+          </a:xfrm>
+        </p:spPr>
+        <p:txBody>
+          <a:bodyPr/>
+          <a:lstStyle/>
+          <a:p>
+            <a:pPr lvl="0"/>
+            <a:r>
+              <a:rPr lang="en-US" smtClean="0"/>
+              <a:t>Click to edit Master text styles</a:t>
+            </a:r>
+          </a:p>
+          <a:p>
+            <a:pPr lvl="1"/>
+            <a:r>
+              <a:rPr lang="en-US" smtClean="0"/>
+              <a:t>Second level</a:t>
+            </a:r>
+          </a:p>
+          <a:p>
+            <a:pPr lvl="2"/>
+            <a:r>
+              <a:rPr lang="en-US" smtClean="0"/>
+              <a:t>Third level</a:t>
+            </a:r>
+          </a:p>
+          <a:p>
+            <a:pPr lvl="3"/>
+            <a:r>
+              <a:rPr lang="en-US" smtClean="0"/>
+              <a:t>Fourth level</a:t>
+            </a:r>
+          </a:p>
+          <a:p>
+            <a:pPr lvl="4"/>
+            <a:r>
+              <a:rPr lang="en-US" smtClean="0"/>
+              <a:t>Fifth level</a:t>
+            </a:r>
+            <a:endParaRPr lang="en-US"/>
+          </a:p>
+        </p:txBody>
+      </p:sp>
+      <p:sp>
+        <p:nvSpPr>
+          <p:cNvPr id="6" name="Slide Number Placeholder 5"/>
+          <p:cNvSpPr>
+            <a:spLocks noGrp="1"/>
+          </p:cNvSpPr>
+          <p:nvPr>
+            <p:ph type="sldNum" sz="quarter" idx="12"/>
+          </p:nvPr>
+        </p:nvSpPr>
+        <p:spPr>
+          <a:xfrm>
+            <a:off x="8897420" y="6256216"/>
+            <a:ext cx="2743200" cy="365125"/>
+          </a:xfrm>
+          <a:prstGeom prst="rect">
+            <a:avLst/>
+          </a:prstGeom>
+        </p:spPr>
+        <p:txBody>
+          <a:bodyPr/>
+          <a:lstStyle/>
+          <a:p>
+            <a:fld id="{0A164282-434E-41D4-9582-783D542A7B68}" type="slidenum">
+              <a:rPr lang="en-US" smtClean="0"/>
+              <a:t>‹#›</a:t>
+            </a:fld>
+            <a:endParaRPr lang="en-US"/>
+          </a:p>
+        </p:txBody>
+      </p:sp>
+      <p:sp>
+        <p:nvSpPr>
+          <p:cNvPr id="5" name="Text Placeholder 4"/>
+          <p:cNvSpPr>
+            <a:spLocks noGrp="1"/>
+          </p:cNvSpPr>
+          <p:nvPr>
+            <p:ph type="body" sz="quarter" idx="13" hasCustomPrompt="1"/>
+          </p:nvPr>
+        </p:nvSpPr>
+        <p:spPr>
+          <a:xfrm>
+            <a:off x="560388" y="1534096"/>
+            <a:ext cx="11080750" cy="437594"/>
+          </a:xfrm>
+        </p:spPr>
+        <p:txBody>
+          <a:bodyPr>
+            <a:normAutofit/>
+          </a:bodyPr>
+          <a:lstStyle>
+            <a:lvl1pPr marL="0" indent="0">
+              <a:buFontTx/>
+              <a:buNone/>
+              <a:defRPr sz="2000" cap="all" baseline="0"/>
+            </a:lvl1pPr>
+            <a:lvl5pPr>
+              <a:defRPr/>
+            </a:lvl5pPr>
+          </a:lstStyle>
+          <a:p>
+            <a:pPr lvl="0"/>
+            <a:r>
+              <a:rPr lang="en-US" dirty="0" smtClean="0"/>
+              <a:t>Secondary refining headline</a:t>
+            </a:r>
+            <a:endParaRPr lang="en-US" dirty="0"/>
+          </a:p>
+        </p:txBody>
+      </p:sp>
+    </p:spTree>
+    <p:extLst>
+      <p:ext uri="{BB962C8B-B14F-4D97-AF65-F5344CB8AC3E}">
+        <p14:creationId xmlns:p14="http://schemas.microsoft.com/office/powerpoint/2010/main" val="3229571234"/>
+      </p:ext>
+    </p:extLst>
+  </p:cSld>
+  <p:clrMapOvr>
+    <a:masterClrMapping/>
+  </p:clrMapOvr>
+  <p:timing>
+    <p:tnLst>
+      <p:par>
+        <p:cTn id="1" dur="indefinite" restart="never" nodeType="tmRoot"/>
+      </p:par>
+    </p:tnLst>
+  </p:timing>
+</p:sldLayout>
+</file>
+
+<file path=ppt/slideLayouts/slideLayout51.xml><?xml version="1.0" encoding="utf-8"?>
 <p:sldLayout xmlns:a="http://schemas.openxmlformats.org/drawingml/2006/main" xmlns:r="http://schemas.openxmlformats.org/officeDocument/2006/relationships" xmlns:p="http://schemas.openxmlformats.org/presentationml/2006/main" type="titleOnly" preserve="1">
   <p:cSld name="Title Only">
     <p:bg>
@@ -11190,7 +11307,7 @@
 </p:sldLayout>
 </file>
 
-<file path=ppt/slideLayouts/slideLayout51.xml><?xml version="1.0" encoding="utf-8"?>
+<file path=ppt/slideLayouts/slideLayout52.xml><?xml version="1.0" encoding="utf-8"?>
 <p:sldLayout xmlns:a="http://schemas.openxmlformats.org/drawingml/2006/main" xmlns:r="http://schemas.openxmlformats.org/officeDocument/2006/relationships" xmlns:p="http://schemas.openxmlformats.org/presentationml/2006/main" type="blank" preserve="1">
   <p:cSld name="Blank">
     <p:bg>
@@ -11266,7 +11383,7 @@
 </p:sldLayout>
 </file>
 
-<file path=ppt/slideLayouts/slideLayout52.xml><?xml version="1.0" encoding="utf-8"?>
+<file path=ppt/slideLayouts/slideLayout53.xml><?xml version="1.0" encoding="utf-8"?>
 <p:sldLayout xmlns:a="http://schemas.openxmlformats.org/drawingml/2006/main" xmlns:r="http://schemas.openxmlformats.org/officeDocument/2006/relationships" xmlns:p="http://schemas.openxmlformats.org/presentationml/2006/main" type="blank" preserve="1">
   <p:cSld name="1_Blank">
     <p:bg>
@@ -11311,7 +11428,7 @@
 </p:sldLayout>
 </file>
 
-<file path=ppt/slideLayouts/slideLayout53.xml><?xml version="1.0" encoding="utf-8"?>
+<file path=ppt/slideLayouts/slideLayout54.xml><?xml version="1.0" encoding="utf-8"?>
 <p:sldLayout xmlns:a="http://schemas.openxmlformats.org/drawingml/2006/main" xmlns:r="http://schemas.openxmlformats.org/officeDocument/2006/relationships" xmlns:p="http://schemas.openxmlformats.org/presentationml/2006/main" type="objTx" preserve="1">
   <p:cSld name="Content with Caption">
     <p:bg>
@@ -11583,7 +11700,7 @@
 </p:sldLayout>
 </file>
 
-<file path=ppt/slideLayouts/slideLayout54.xml><?xml version="1.0" encoding="utf-8"?>
+<file path=ppt/slideLayouts/slideLayout55.xml><?xml version="1.0" encoding="utf-8"?>
 <p:sldLayout xmlns:a="http://schemas.openxmlformats.org/drawingml/2006/main" xmlns:r="http://schemas.openxmlformats.org/officeDocument/2006/relationships" xmlns:p="http://schemas.openxmlformats.org/presentationml/2006/main" type="title" preserve="1">
   <p:cSld name="Title Slide">
     <p:bg>
@@ -11727,7 +11844,7 @@
 </p:sldLayout>
 </file>
 
-<file path=ppt/slideLayouts/slideLayout55.xml><?xml version="1.0" encoding="utf-8"?>
+<file path=ppt/slideLayouts/slideLayout56.xml><?xml version="1.0" encoding="utf-8"?>
 <p:sldLayout xmlns:a="http://schemas.openxmlformats.org/drawingml/2006/main" xmlns:r="http://schemas.openxmlformats.org/officeDocument/2006/relationships" xmlns:p="http://schemas.openxmlformats.org/presentationml/2006/main" type="obj" preserve="1">
   <p:cSld name="Title and Content">
     <p:bg>
@@ -11879,7 +11996,7 @@
 </p:sldLayout>
 </file>
 
-<file path=ppt/slideLayouts/slideLayout56.xml><?xml version="1.0" encoding="utf-8"?>
+<file path=ppt/slideLayouts/slideLayout57.xml><?xml version="1.0" encoding="utf-8"?>
 <p:sldLayout xmlns:a="http://schemas.openxmlformats.org/drawingml/2006/main" xmlns:r="http://schemas.openxmlformats.org/officeDocument/2006/relationships" xmlns:p="http://schemas.openxmlformats.org/presentationml/2006/main" preserve="1" userDrawn="1">
   <p:cSld name="1_Title and Content">
     <p:spTree>
@@ -12068,7 +12185,7 @@
 </p:sldLayout>
 </file>
 
-<file path=ppt/slideLayouts/slideLayout57.xml><?xml version="1.0" encoding="utf-8"?>
+<file path=ppt/slideLayouts/slideLayout58.xml><?xml version="1.0" encoding="utf-8"?>
 <p:sldLayout xmlns:a="http://schemas.openxmlformats.org/drawingml/2006/main" xmlns:r="http://schemas.openxmlformats.org/officeDocument/2006/relationships" xmlns:p="http://schemas.openxmlformats.org/presentationml/2006/main" type="titleOnly" preserve="1">
   <p:cSld name="Title Only">
     <p:bg>
@@ -12168,7 +12285,7 @@
 </p:sldLayout>
 </file>
 
-<file path=ppt/slideLayouts/slideLayout58.xml><?xml version="1.0" encoding="utf-8"?>
+<file path=ppt/slideLayouts/slideLayout59.xml><?xml version="1.0" encoding="utf-8"?>
 <p:sldLayout xmlns:a="http://schemas.openxmlformats.org/drawingml/2006/main" xmlns:r="http://schemas.openxmlformats.org/officeDocument/2006/relationships" xmlns:p="http://schemas.openxmlformats.org/presentationml/2006/main" preserve="1" userDrawn="1">
   <p:cSld name="1_Title Only">
     <p:spTree>
@@ -13198,83 +13315,6 @@
 </p:sldLayout>
 </file>
 
-<file path=ppt/slideLayouts/slideLayout59.xml><?xml version="1.0" encoding="utf-8"?>
-<p:sldLayout xmlns:a="http://schemas.openxmlformats.org/drawingml/2006/main" xmlns:r="http://schemas.openxmlformats.org/officeDocument/2006/relationships" xmlns:p="http://schemas.openxmlformats.org/presentationml/2006/main" type="blank" preserve="1">
-  <p:cSld name="Blank">
-    <p:bg>
-      <p:bgPr>
-        <a:solidFill>
-          <a:srgbClr val="3C454F"/>
-        </a:solidFill>
-        <a:effectLst/>
-      </p:bgPr>
-    </p:bg>
-    <p:spTree>
-      <p:nvGrpSpPr>
-        <p:cNvPr id="1" name=""/>
-        <p:cNvGrpSpPr/>
-        <p:nvPr/>
-      </p:nvGrpSpPr>
-      <p:grpSpPr>
-        <a:xfrm>
-          <a:off x="0" y="0"/>
-          <a:ext cx="0" cy="0"/>
-          <a:chOff x="0" y="0"/>
-          <a:chExt cx="0" cy="0"/>
-        </a:xfrm>
-      </p:grpSpPr>
-      <p:sp>
-        <p:nvSpPr>
-          <p:cNvPr id="4" name="Slide Number Placeholder 3"/>
-          <p:cNvSpPr>
-            <a:spLocks noGrp="1"/>
-          </p:cNvSpPr>
-          <p:nvPr>
-            <p:ph type="sldNum" sz="quarter" idx="12"/>
-          </p:nvPr>
-        </p:nvSpPr>
-        <p:spPr>
-          <a:xfrm>
-            <a:off x="8903414" y="6256216"/>
-            <a:ext cx="2743200" cy="365125"/>
-          </a:xfrm>
-          <a:prstGeom prst="rect">
-            <a:avLst/>
-          </a:prstGeom>
-        </p:spPr>
-        <p:txBody>
-          <a:bodyPr/>
-          <a:lstStyle/>
-          <a:p>
-            <a:fld id="{0A164282-434E-41D4-9582-783D542A7B68}" type="slidenum">
-              <a:rPr/>
-              <a:pPr/>
-              <a:t>‹#›</a:t>
-            </a:fld>
-            <a:endParaRPr/>
-          </a:p>
-        </p:txBody>
-      </p:sp>
-    </p:spTree>
-    <p:extLst>
-      <p:ext uri="{BB962C8B-B14F-4D97-AF65-F5344CB8AC3E}">
-        <p14:creationId xmlns:p14="http://schemas.microsoft.com/office/powerpoint/2010/main" val="993952241"/>
-      </p:ext>
-    </p:extLst>
-  </p:cSld>
-  <p:clrMapOvr>
-    <a:masterClrMapping/>
-  </p:clrMapOvr>
-  <p:timing>
-    <p:tnLst>
-      <p:par>
-        <p:cTn id="1" dur="indefinite" restart="never" nodeType="tmRoot"/>
-      </p:par>
-    </p:tnLst>
-  </p:timing>
-</p:sldLayout>
-</file>
-
 <file path=ppt/slideLayouts/slideLayout6.xml><?xml version="1.0" encoding="utf-8"?>
 <p:sldLayout xmlns:a="http://schemas.openxmlformats.org/drawingml/2006/main" xmlns:r="http://schemas.openxmlformats.org/officeDocument/2006/relationships" xmlns:p="http://schemas.openxmlformats.org/presentationml/2006/main" type="title" preserve="1">
   <p:cSld name="Title Slide">
@@ -13412,6 +13452,83 @@
 </file>
 
 <file path=ppt/slideLayouts/slideLayout60.xml><?xml version="1.0" encoding="utf-8"?>
+<p:sldLayout xmlns:a="http://schemas.openxmlformats.org/drawingml/2006/main" xmlns:r="http://schemas.openxmlformats.org/officeDocument/2006/relationships" xmlns:p="http://schemas.openxmlformats.org/presentationml/2006/main" type="blank" preserve="1">
+  <p:cSld name="Blank">
+    <p:bg>
+      <p:bgPr>
+        <a:solidFill>
+          <a:srgbClr val="3C454F"/>
+        </a:solidFill>
+        <a:effectLst/>
+      </p:bgPr>
+    </p:bg>
+    <p:spTree>
+      <p:nvGrpSpPr>
+        <p:cNvPr id="1" name=""/>
+        <p:cNvGrpSpPr/>
+        <p:nvPr/>
+      </p:nvGrpSpPr>
+      <p:grpSpPr>
+        <a:xfrm>
+          <a:off x="0" y="0"/>
+          <a:ext cx="0" cy="0"/>
+          <a:chOff x="0" y="0"/>
+          <a:chExt cx="0" cy="0"/>
+        </a:xfrm>
+      </p:grpSpPr>
+      <p:sp>
+        <p:nvSpPr>
+          <p:cNvPr id="4" name="Slide Number Placeholder 3"/>
+          <p:cNvSpPr>
+            <a:spLocks noGrp="1"/>
+          </p:cNvSpPr>
+          <p:nvPr>
+            <p:ph type="sldNum" sz="quarter" idx="12"/>
+          </p:nvPr>
+        </p:nvSpPr>
+        <p:spPr>
+          <a:xfrm>
+            <a:off x="8903414" y="6256216"/>
+            <a:ext cx="2743200" cy="365125"/>
+          </a:xfrm>
+          <a:prstGeom prst="rect">
+            <a:avLst/>
+          </a:prstGeom>
+        </p:spPr>
+        <p:txBody>
+          <a:bodyPr/>
+          <a:lstStyle/>
+          <a:p>
+            <a:fld id="{0A164282-434E-41D4-9582-783D542A7B68}" type="slidenum">
+              <a:rPr/>
+              <a:pPr/>
+              <a:t>‹#›</a:t>
+            </a:fld>
+            <a:endParaRPr/>
+          </a:p>
+        </p:txBody>
+      </p:sp>
+    </p:spTree>
+    <p:extLst>
+      <p:ext uri="{BB962C8B-B14F-4D97-AF65-F5344CB8AC3E}">
+        <p14:creationId xmlns:p14="http://schemas.microsoft.com/office/powerpoint/2010/main" val="993952241"/>
+      </p:ext>
+    </p:extLst>
+  </p:cSld>
+  <p:clrMapOvr>
+    <a:masterClrMapping/>
+  </p:clrMapOvr>
+  <p:timing>
+    <p:tnLst>
+      <p:par>
+        <p:cTn id="1" dur="indefinite" restart="never" nodeType="tmRoot"/>
+      </p:par>
+    </p:tnLst>
+  </p:timing>
+</p:sldLayout>
+</file>
+
+<file path=ppt/slideLayouts/slideLayout61.xml><?xml version="1.0" encoding="utf-8"?>
 <p:sldLayout xmlns:a="http://schemas.openxmlformats.org/drawingml/2006/main" xmlns:r="http://schemas.openxmlformats.org/officeDocument/2006/relationships" xmlns:p="http://schemas.openxmlformats.org/presentationml/2006/main" type="blank" preserve="1">
   <p:cSld name="1_Blank">
     <p:bg>
@@ -13456,7 +13573,7 @@
 </p:sldLayout>
 </file>
 
-<file path=ppt/slideLayouts/slideLayout61.xml><?xml version="1.0" encoding="utf-8"?>
+<file path=ppt/slideLayouts/slideLayout62.xml><?xml version="1.0" encoding="utf-8"?>
 <p:sldLayout xmlns:a="http://schemas.openxmlformats.org/drawingml/2006/main" xmlns:r="http://schemas.openxmlformats.org/officeDocument/2006/relationships" xmlns:p="http://schemas.openxmlformats.org/presentationml/2006/main" type="objTx" preserve="1">
   <p:cSld name="Content with Caption">
     <p:bg>
@@ -13729,7 +13846,7 @@
 </p:sldLayout>
 </file>
 
-<file path=ppt/slideLayouts/slideLayout62.xml><?xml version="1.0" encoding="utf-8"?>
+<file path=ppt/slideLayouts/slideLayout63.xml><?xml version="1.0" encoding="utf-8"?>
 <p:sldLayout xmlns:a="http://schemas.openxmlformats.org/drawingml/2006/main" xmlns:r="http://schemas.openxmlformats.org/officeDocument/2006/relationships" xmlns:p="http://schemas.openxmlformats.org/presentationml/2006/main" userDrawn="1">
   <p:cSld name="1_Logo on Background">
     <p:bg>
@@ -13893,7 +14010,7 @@
 </p:sldLayout>
 </file>
 
-<file path=ppt/slideLayouts/slideLayout63.xml><?xml version="1.0" encoding="utf-8"?>
+<file path=ppt/slideLayouts/slideLayout64.xml><?xml version="1.0" encoding="utf-8"?>
 <p:sldLayout xmlns:a="http://schemas.openxmlformats.org/drawingml/2006/main" xmlns:r="http://schemas.openxmlformats.org/officeDocument/2006/relationships" xmlns:p="http://schemas.openxmlformats.org/presentationml/2006/main" userDrawn="1">
   <p:cSld name="3_Custom Layout">
     <p:bg>
@@ -14959,7 +15076,7 @@
           <p:nvPr userDrawn="1"/>
         </p:nvPicPr>
         <p:blipFill>
-          <a:blip r:embed="rId11"/>
+          <a:blip r:embed="rId12"/>
           <a:stretch>
             <a:fillRect/>
           </a:stretch>
@@ -15355,6 +15472,7 @@
     <p:sldLayoutId id="2147483726" r:id="rId7"/>
     <p:sldLayoutId id="2147483722" r:id="rId8"/>
     <p:sldLayoutId id="2147483772" r:id="rId9"/>
+    <p:sldLayoutId id="2147483795" r:id="rId10"/>
   </p:sldLayoutIdLst>
   <p:timing>
     <p:tnLst>
@@ -21949,28 +22067,39 @@
           <a:lstStyle/>
           <a:p>
             <a:pPr marL="0" indent="0">
+              <a:lnSpc>
+                <a:spcPct val="150000"/>
+              </a:lnSpc>
               <a:buNone/>
             </a:pPr>
             <a:r>
               <a:rPr lang="en-US" dirty="0" smtClean="0"/>
-              <a:t>You’re not done when your site goes to production.</a:t>
+              <a:t>Your site isn’t done when you deploy to production.</a:t>
             </a:r>
           </a:p>
           <a:p>
             <a:pPr marL="0" indent="0">
+              <a:lnSpc>
+                <a:spcPct val="150000"/>
+              </a:lnSpc>
               <a:buNone/>
             </a:pPr>
-            <a:endParaRPr lang="en-US" dirty="0"/>
+            <a:r>
+              <a:rPr lang="en-US" dirty="0" smtClean="0"/>
+              <a:t>You need to add new features.</a:t>
+            </a:r>
           </a:p>
           <a:p>
             <a:pPr marL="0" indent="0">
+              <a:lnSpc>
+                <a:spcPct val="150000"/>
+              </a:lnSpc>
               <a:buNone/>
             </a:pPr>
             <a:r>
               <a:rPr lang="en-US" dirty="0" smtClean="0"/>
-              <a:t>You’re just getting started.</a:t>
-            </a:r>
-            <a:endParaRPr lang="en-US" dirty="0"/>
+              <a:t>Change adds risk.</a:t>
+            </a:r>
           </a:p>
         </p:txBody>
       </p:sp>
@@ -21991,23 +22120,256 @@
           <a:p>
             <a:fld id="{0A164282-434E-41D4-9582-783D542A7B68}" type="slidenum">
               <a:rPr lang="en-US" smtClean="0"/>
-              <a:pPr/>
               <a:t>19</a:t>
             </a:fld>
             <a:endParaRPr lang="en-US"/>
           </a:p>
         </p:txBody>
       </p:sp>
+      <p:pic>
+        <p:nvPicPr>
+          <p:cNvPr id="5" name="Picture 4"/>
+          <p:cNvPicPr>
+            <a:picLocks noChangeAspect="1"/>
+          </p:cNvPicPr>
+          <p:nvPr/>
+        </p:nvPicPr>
+        <p:blipFill>
+          <a:blip r:embed="rId2">
+            <a:extLst>
+              <a:ext uri="{28A0092B-C50C-407E-A947-70E740481C1C}">
+                <a14:useLocalDpi xmlns:a14="http://schemas.microsoft.com/office/drawing/2010/main" val="0"/>
+              </a:ext>
+            </a:extLst>
+          </a:blip>
+          <a:stretch>
+            <a:fillRect/>
+          </a:stretch>
+        </p:blipFill>
+        <p:spPr>
+          <a:xfrm>
+            <a:off x="7678220" y="3789112"/>
+            <a:ext cx="2438400" cy="2438400"/>
+          </a:xfrm>
+          <a:prstGeom prst="rect">
+            <a:avLst/>
+          </a:prstGeom>
+        </p:spPr>
+      </p:pic>
     </p:spTree>
     <p:extLst>
       <p:ext uri="{BB962C8B-B14F-4D97-AF65-F5344CB8AC3E}">
-        <p14:creationId xmlns:p14="http://schemas.microsoft.com/office/powerpoint/2010/main" val="3218986713"/>
+        <p14:creationId xmlns:p14="http://schemas.microsoft.com/office/powerpoint/2010/main" val="1804452690"/>
       </p:ext>
     </p:extLst>
   </p:cSld>
   <p:clrMapOvr>
     <a:masterClrMapping/>
   </p:clrMapOvr>
+  <p:timing>
+    <p:tnLst>
+      <p:par>
+        <p:cTn id="1" dur="indefinite" restart="never" nodeType="tmRoot">
+          <p:childTnLst>
+            <p:seq concurrent="1" nextAc="seek">
+              <p:cTn id="2" dur="indefinite" nodeType="mainSeq">
+                <p:childTnLst>
+                  <p:par>
+                    <p:cTn id="3" fill="hold">
+                      <p:stCondLst>
+                        <p:cond delay="indefinite"/>
+                      </p:stCondLst>
+                      <p:childTnLst>
+                        <p:par>
+                          <p:cTn id="4" fill="hold">
+                            <p:stCondLst>
+                              <p:cond delay="0"/>
+                            </p:stCondLst>
+                            <p:childTnLst>
+                              <p:par>
+                                <p:cTn id="5" presetID="1" presetClass="entr" presetSubtype="0" fill="hold" nodeType="clickEffect">
+                                  <p:stCondLst>
+                                    <p:cond delay="0"/>
+                                  </p:stCondLst>
+                                  <p:childTnLst>
+                                    <p:set>
+                                      <p:cBhvr>
+                                        <p:cTn id="6" dur="1" fill="hold">
+                                          <p:stCondLst>
+                                            <p:cond delay="0"/>
+                                          </p:stCondLst>
+                                        </p:cTn>
+                                        <p:tgtEl>
+                                          <p:spTgt spid="3">
+                                            <p:txEl>
+                                              <p:pRg st="0" end="0"/>
+                                            </p:txEl>
+                                          </p:spTgt>
+                                        </p:tgtEl>
+                                        <p:attrNameLst>
+                                          <p:attrName>style.visibility</p:attrName>
+                                        </p:attrNameLst>
+                                      </p:cBhvr>
+                                      <p:to>
+                                        <p:strVal val="visible"/>
+                                      </p:to>
+                                    </p:set>
+                                  </p:childTnLst>
+                                </p:cTn>
+                              </p:par>
+                            </p:childTnLst>
+                          </p:cTn>
+                        </p:par>
+                      </p:childTnLst>
+                    </p:cTn>
+                  </p:par>
+                  <p:par>
+                    <p:cTn id="7" fill="hold">
+                      <p:stCondLst>
+                        <p:cond delay="indefinite"/>
+                      </p:stCondLst>
+                      <p:childTnLst>
+                        <p:par>
+                          <p:cTn id="8" fill="hold">
+                            <p:stCondLst>
+                              <p:cond delay="0"/>
+                            </p:stCondLst>
+                            <p:childTnLst>
+                              <p:par>
+                                <p:cTn id="9" presetID="1" presetClass="entr" presetSubtype="0" fill="hold" nodeType="clickEffect">
+                                  <p:stCondLst>
+                                    <p:cond delay="0"/>
+                                  </p:stCondLst>
+                                  <p:childTnLst>
+                                    <p:set>
+                                      <p:cBhvr>
+                                        <p:cTn id="10" dur="1" fill="hold">
+                                          <p:stCondLst>
+                                            <p:cond delay="0"/>
+                                          </p:stCondLst>
+                                        </p:cTn>
+                                        <p:tgtEl>
+                                          <p:spTgt spid="3">
+                                            <p:txEl>
+                                              <p:pRg st="1" end="1"/>
+                                            </p:txEl>
+                                          </p:spTgt>
+                                        </p:tgtEl>
+                                        <p:attrNameLst>
+                                          <p:attrName>style.visibility</p:attrName>
+                                        </p:attrNameLst>
+                                      </p:cBhvr>
+                                      <p:to>
+                                        <p:strVal val="visible"/>
+                                      </p:to>
+                                    </p:set>
+                                  </p:childTnLst>
+                                </p:cTn>
+                              </p:par>
+                            </p:childTnLst>
+                          </p:cTn>
+                        </p:par>
+                      </p:childTnLst>
+                    </p:cTn>
+                  </p:par>
+                  <p:par>
+                    <p:cTn id="11" fill="hold">
+                      <p:stCondLst>
+                        <p:cond delay="indefinite"/>
+                      </p:stCondLst>
+                      <p:childTnLst>
+                        <p:par>
+                          <p:cTn id="12" fill="hold">
+                            <p:stCondLst>
+                              <p:cond delay="0"/>
+                            </p:stCondLst>
+                            <p:childTnLst>
+                              <p:par>
+                                <p:cTn id="13" presetID="1" presetClass="entr" presetSubtype="0" fill="hold" nodeType="clickEffect">
+                                  <p:stCondLst>
+                                    <p:cond delay="0"/>
+                                  </p:stCondLst>
+                                  <p:childTnLst>
+                                    <p:set>
+                                      <p:cBhvr>
+                                        <p:cTn id="14" dur="1" fill="hold">
+                                          <p:stCondLst>
+                                            <p:cond delay="0"/>
+                                          </p:stCondLst>
+                                        </p:cTn>
+                                        <p:tgtEl>
+                                          <p:spTgt spid="3">
+                                            <p:txEl>
+                                              <p:pRg st="2" end="2"/>
+                                            </p:txEl>
+                                          </p:spTgt>
+                                        </p:tgtEl>
+                                        <p:attrNameLst>
+                                          <p:attrName>style.visibility</p:attrName>
+                                        </p:attrNameLst>
+                                      </p:cBhvr>
+                                      <p:to>
+                                        <p:strVal val="visible"/>
+                                      </p:to>
+                                    </p:set>
+                                  </p:childTnLst>
+                                </p:cTn>
+                              </p:par>
+                              <p:par>
+                                <p:cTn id="15" presetID="1" presetClass="entr" presetSubtype="0" fill="hold" nodeType="withEffect">
+                                  <p:stCondLst>
+                                    <p:cond delay="0"/>
+                                  </p:stCondLst>
+                                  <p:childTnLst>
+                                    <p:set>
+                                      <p:cBhvr>
+                                        <p:cTn id="16" dur="1" fill="hold">
+                                          <p:stCondLst>
+                                            <p:cond delay="0"/>
+                                          </p:stCondLst>
+                                        </p:cTn>
+                                        <p:tgtEl>
+                                          <p:spTgt spid="5"/>
+                                        </p:tgtEl>
+                                        <p:attrNameLst>
+                                          <p:attrName>style.visibility</p:attrName>
+                                        </p:attrNameLst>
+                                      </p:cBhvr>
+                                      <p:to>
+                                        <p:strVal val="visible"/>
+                                      </p:to>
+                                    </p:set>
+                                  </p:childTnLst>
+                                </p:cTn>
+                              </p:par>
+                            </p:childTnLst>
+                          </p:cTn>
+                        </p:par>
+                      </p:childTnLst>
+                    </p:cTn>
+                  </p:par>
+                </p:childTnLst>
+              </p:cTn>
+              <p:prevCondLst>
+                <p:cond evt="onPrev" delay="0">
+                  <p:tgtEl>
+                    <p:sldTgt/>
+                  </p:tgtEl>
+                </p:cond>
+              </p:prevCondLst>
+              <p:nextCondLst>
+                <p:cond evt="onNext" delay="0">
+                  <p:tgtEl>
+                    <p:sldTgt/>
+                  </p:tgtEl>
+                </p:cond>
+              </p:nextCondLst>
+            </p:seq>
+          </p:childTnLst>
+        </p:cTn>
+      </p:par>
+    </p:tnLst>
+  </p:timing>
 </p:sld>
 </file>
 
@@ -22178,11 +22540,7 @@
           <a:p>
             <a:r>
               <a:rPr lang="en-US" dirty="0" smtClean="0"/>
-              <a:t>Step 1: </a:t>
-            </a:r>
-            <a:r>
-              <a:rPr lang="en-US" dirty="0" smtClean="0"/>
-              <a:t>Manage database schema</a:t>
+              <a:t>Step 1: Manage database schema</a:t>
             </a:r>
             <a:endParaRPr lang="en-US" dirty="0"/>
           </a:p>
@@ -22304,11 +22662,7 @@
           <a:p>
             <a:r>
               <a:rPr lang="en-US" dirty="0" smtClean="0"/>
-              <a:t>Step 1: </a:t>
-            </a:r>
-            <a:r>
-              <a:rPr lang="en-US" dirty="0" smtClean="0"/>
-              <a:t>Manage database schema</a:t>
+              <a:t>Step 1: Manage database schema</a:t>
             </a:r>
             <a:endParaRPr lang="en-US" dirty="0"/>
           </a:p>
@@ -22472,11 +22826,7 @@
           <a:p>
             <a:r>
               <a:rPr lang="en-US" dirty="0" smtClean="0"/>
-              <a:t>Scenario: </a:t>
-            </a:r>
-            <a:r>
-              <a:rPr lang="en-US" dirty="0" smtClean="0"/>
-              <a:t>Data migrations</a:t>
+              <a:t>Scenario: Data migrations</a:t>
             </a:r>
             <a:endParaRPr lang="en-US" dirty="0"/>
           </a:p>
@@ -22531,11 +22881,7 @@
           <a:p>
             <a:r>
               <a:rPr lang="en-US" dirty="0" smtClean="0"/>
-              <a:t>Step </a:t>
-            </a:r>
-            <a:r>
-              <a:rPr lang="en-US" dirty="0" smtClean="0"/>
-              <a:t>2: Manage deployments</a:t>
+              <a:t>Step 2: Manage deployments</a:t>
             </a:r>
             <a:endParaRPr lang="en-US" dirty="0"/>
           </a:p>
@@ -22666,11 +23012,7 @@
           <a:p>
             <a:r>
               <a:rPr lang="en-US" dirty="0" smtClean="0"/>
-              <a:t>Step </a:t>
-            </a:r>
-            <a:r>
-              <a:rPr lang="en-US" dirty="0" smtClean="0"/>
-              <a:t>2: Manage deployments </a:t>
+              <a:t>Step 2: Manage deployments </a:t>
             </a:r>
             <a:endParaRPr lang="en-US" dirty="0"/>
           </a:p>
@@ -22918,11 +23260,7 @@
           <a:p>
             <a:r>
               <a:rPr lang="en-US" dirty="0" smtClean="0"/>
-              <a:t>Scenario: </a:t>
-            </a:r>
-            <a:r>
-              <a:rPr lang="en-US" dirty="0" smtClean="0"/>
-              <a:t>Deployment rollback</a:t>
+              <a:t>Scenario: Deployment rollback</a:t>
             </a:r>
             <a:endParaRPr lang="en-US" dirty="0"/>
           </a:p>
@@ -22977,11 +23315,7 @@
           <a:p>
             <a:r>
               <a:rPr lang="en-US" dirty="0" smtClean="0"/>
-              <a:t>Step </a:t>
-            </a:r>
-            <a:r>
-              <a:rPr lang="en-US" dirty="0" smtClean="0"/>
-              <a:t>3: Leverage services</a:t>
+              <a:t>Step 3: Leverage services</a:t>
             </a:r>
             <a:endParaRPr lang="en-US" dirty="0"/>
           </a:p>
@@ -23104,11 +23438,7 @@
           <a:p>
             <a:r>
               <a:rPr lang="en-US" dirty="0" smtClean="0"/>
-              <a:t>Step </a:t>
-            </a:r>
-            <a:r>
-              <a:rPr lang="en-US" dirty="0" smtClean="0"/>
-              <a:t>3: Leverage services</a:t>
+              <a:t>Step 3: Leverage services</a:t>
             </a:r>
             <a:endParaRPr lang="en-US" dirty="0"/>
           </a:p>
@@ -23273,11 +23603,7 @@
           <a:p>
             <a:r>
               <a:rPr lang="en-US" dirty="0" smtClean="0"/>
-              <a:t>Scenario: </a:t>
-            </a:r>
-            <a:r>
-              <a:rPr lang="en-US" dirty="0" smtClean="0"/>
-              <a:t>Windows Azure Active Directory</a:t>
+              <a:t>Scenario: Windows Azure Active Directory</a:t>
             </a:r>
             <a:endParaRPr lang="en-US" dirty="0"/>
           </a:p>
@@ -23380,18 +23706,28 @@
             <p:ph type="title"/>
           </p:nvPr>
         </p:nvSpPr>
-        <p:spPr/>
-        <p:txBody>
-          <a:bodyPr/>
+        <p:spPr>
+          <a:xfrm>
+            <a:off x="158620" y="3750907"/>
+            <a:ext cx="11493130" cy="1340528"/>
+          </a:xfrm>
+        </p:spPr>
+        <p:txBody>
+          <a:bodyPr>
+            <a:normAutofit fontScale="90000"/>
+          </a:bodyPr>
           <a:lstStyle/>
           <a:p>
             <a:r>
               <a:rPr lang="en-US" dirty="0" smtClean="0"/>
               <a:t>Scenario: </a:t>
             </a:r>
-            <a:r>
+            <a:br>
               <a:rPr lang="en-US" dirty="0" smtClean="0"/>
-              <a:t>Environments</a:t>
+            </a:br>
+            <a:r>
+              <a:rPr lang="en-US" dirty="0" smtClean="0"/>
+              <a:t>Multiple Environments</a:t>
             </a:r>
             <a:endParaRPr lang="en-US" dirty="0"/>
           </a:p>
@@ -23399,7 +23735,7 @@
       </p:sp>
       <p:sp>
         <p:nvSpPr>
-          <p:cNvPr id="4" name="Text Placeholder 3"/>
+          <p:cNvPr id="3" name="Text Placeholder 2"/>
           <p:cNvSpPr>
             <a:spLocks noGrp="1"/>
           </p:cNvSpPr>
@@ -23419,7 +23755,7 @@
     </p:spTree>
     <p:extLst>
       <p:ext uri="{BB962C8B-B14F-4D97-AF65-F5344CB8AC3E}">
-        <p14:creationId xmlns:p14="http://schemas.microsoft.com/office/powerpoint/2010/main" val="1565729414"/>
+        <p14:creationId xmlns:p14="http://schemas.microsoft.com/office/powerpoint/2010/main" val="394802596"/>
       </p:ext>
     </p:extLst>
   </p:cSld>
@@ -23448,6 +23784,746 @@
       </p:grpSpPr>
       <p:sp>
         <p:nvSpPr>
+          <p:cNvPr id="2" name="Title 1"/>
+          <p:cNvSpPr>
+            <a:spLocks noGrp="1"/>
+          </p:cNvSpPr>
+          <p:nvPr>
+            <p:ph type="title"/>
+          </p:nvPr>
+        </p:nvSpPr>
+        <p:spPr/>
+        <p:txBody>
+          <a:bodyPr/>
+          <a:lstStyle/>
+          <a:p>
+            <a:r>
+              <a:rPr lang="en-US" dirty="0" smtClean="0"/>
+              <a:t>Scenario description</a:t>
+            </a:r>
+            <a:endParaRPr lang="en-US" dirty="0"/>
+          </a:p>
+        </p:txBody>
+      </p:sp>
+      <p:sp>
+        <p:nvSpPr>
+          <p:cNvPr id="3" name="Content Placeholder 2"/>
+          <p:cNvSpPr>
+            <a:spLocks noGrp="1"/>
+          </p:cNvSpPr>
+          <p:nvPr>
+            <p:ph idx="1"/>
+          </p:nvPr>
+        </p:nvSpPr>
+        <p:spPr/>
+        <p:txBody>
+          <a:bodyPr/>
+          <a:lstStyle/>
+          <a:p>
+            <a:pPr marL="0" indent="0">
+              <a:buNone/>
+            </a:pPr>
+            <a:r>
+              <a:rPr lang="en-US" dirty="0" smtClean="0"/>
+              <a:t>Running a real site requires several environments.</a:t>
+            </a:r>
+          </a:p>
+        </p:txBody>
+      </p:sp>
+      <p:sp>
+        <p:nvSpPr>
+          <p:cNvPr id="4" name="Slide Number Placeholder 3"/>
+          <p:cNvSpPr>
+            <a:spLocks noGrp="1"/>
+          </p:cNvSpPr>
+          <p:nvPr>
+            <p:ph type="sldNum" sz="quarter" idx="12"/>
+          </p:nvPr>
+        </p:nvSpPr>
+        <p:spPr/>
+        <p:txBody>
+          <a:bodyPr/>
+          <a:lstStyle/>
+          <a:p>
+            <a:fld id="{0A164282-434E-41D4-9582-783D542A7B68}" type="slidenum">
+              <a:rPr lang="en-US" smtClean="0"/>
+              <a:t>31</a:t>
+            </a:fld>
+            <a:endParaRPr lang="en-US"/>
+          </a:p>
+        </p:txBody>
+      </p:sp>
+    </p:spTree>
+    <p:extLst>
+      <p:ext uri="{BB962C8B-B14F-4D97-AF65-F5344CB8AC3E}">
+        <p14:creationId xmlns:p14="http://schemas.microsoft.com/office/powerpoint/2010/main" val="887955382"/>
+      </p:ext>
+    </p:extLst>
+  </p:cSld>
+  <p:clrMapOvr>
+    <a:masterClrMapping/>
+  </p:clrMapOvr>
+</p:sld>
+</file>
+
+<file path=ppt/slides/slide32.xml><?xml version="1.0" encoding="utf-8"?>
+<p:sld xmlns:a="http://schemas.openxmlformats.org/drawingml/2006/main" xmlns:r="http://schemas.openxmlformats.org/officeDocument/2006/relationships" xmlns:p="http://schemas.openxmlformats.org/presentationml/2006/main">
+  <p:cSld>
+    <p:spTree>
+      <p:nvGrpSpPr>
+        <p:cNvPr id="1" name=""/>
+        <p:cNvGrpSpPr/>
+        <p:nvPr/>
+      </p:nvGrpSpPr>
+      <p:grpSpPr>
+        <a:xfrm>
+          <a:off x="0" y="0"/>
+          <a:ext cx="0" cy="0"/>
+          <a:chOff x="0" y="0"/>
+          <a:chExt cx="0" cy="0"/>
+        </a:xfrm>
+      </p:grpSpPr>
+      <p:sp>
+        <p:nvSpPr>
+          <p:cNvPr id="2" name="Title 1"/>
+          <p:cNvSpPr>
+            <a:spLocks noGrp="1"/>
+          </p:cNvSpPr>
+          <p:nvPr>
+            <p:ph type="title"/>
+          </p:nvPr>
+        </p:nvSpPr>
+        <p:spPr/>
+        <p:txBody>
+          <a:bodyPr/>
+          <a:lstStyle/>
+          <a:p>
+            <a:r>
+              <a:rPr lang="en-US" dirty="0" smtClean="0"/>
+              <a:t>Step 1: Continuous Integration</a:t>
+            </a:r>
+            <a:endParaRPr lang="en-US" dirty="0"/>
+          </a:p>
+        </p:txBody>
+      </p:sp>
+      <p:sp>
+        <p:nvSpPr>
+          <p:cNvPr id="3" name="Content Placeholder 2"/>
+          <p:cNvSpPr>
+            <a:spLocks noGrp="1"/>
+          </p:cNvSpPr>
+          <p:nvPr>
+            <p:ph idx="1"/>
+          </p:nvPr>
+        </p:nvSpPr>
+        <p:spPr/>
+        <p:txBody>
+          <a:bodyPr/>
+          <a:lstStyle/>
+          <a:p>
+            <a:pPr marL="0" indent="0">
+              <a:buNone/>
+            </a:pPr>
+            <a:r>
+              <a:rPr lang="en-US" dirty="0" smtClean="0"/>
+              <a:t>PROBLEM:</a:t>
+            </a:r>
+          </a:p>
+          <a:p>
+            <a:pPr marL="0" indent="0">
+              <a:buNone/>
+            </a:pPr>
+            <a:endParaRPr lang="en-US" dirty="0" smtClean="0"/>
+          </a:p>
+          <a:p>
+            <a:pPr marL="0" indent="0">
+              <a:buNone/>
+            </a:pPr>
+            <a:r>
+              <a:rPr lang="en-US" dirty="0" smtClean="0"/>
+              <a:t>Bugs and issues in your code get harder to fix the longer it takes to find out about them.</a:t>
+            </a:r>
+            <a:endParaRPr lang="en-US" dirty="0"/>
+          </a:p>
+          <a:p>
+            <a:pPr marL="0" indent="0">
+              <a:buNone/>
+            </a:pPr>
+            <a:endParaRPr lang="en-US" dirty="0" smtClean="0"/>
+          </a:p>
+        </p:txBody>
+      </p:sp>
+      <p:sp>
+        <p:nvSpPr>
+          <p:cNvPr id="4" name="Slide Number Placeholder 3"/>
+          <p:cNvSpPr>
+            <a:spLocks noGrp="1"/>
+          </p:cNvSpPr>
+          <p:nvPr>
+            <p:ph type="sldNum" sz="quarter" idx="12"/>
+          </p:nvPr>
+        </p:nvSpPr>
+        <p:spPr/>
+        <p:txBody>
+          <a:bodyPr/>
+          <a:lstStyle/>
+          <a:p>
+            <a:fld id="{0A164282-434E-41D4-9582-783D542A7B68}" type="slidenum">
+              <a:rPr lang="en-US" smtClean="0"/>
+              <a:t>32</a:t>
+            </a:fld>
+            <a:endParaRPr lang="en-US"/>
+          </a:p>
+        </p:txBody>
+      </p:sp>
+    </p:spTree>
+    <p:extLst>
+      <p:ext uri="{BB962C8B-B14F-4D97-AF65-F5344CB8AC3E}">
+        <p14:creationId xmlns:p14="http://schemas.microsoft.com/office/powerpoint/2010/main" val="1498845413"/>
+      </p:ext>
+    </p:extLst>
+  </p:cSld>
+  <p:clrMapOvr>
+    <a:masterClrMapping/>
+  </p:clrMapOvr>
+</p:sld>
+</file>
+
+<file path=ppt/slides/slide33.xml><?xml version="1.0" encoding="utf-8"?>
+<p:sld xmlns:a="http://schemas.openxmlformats.org/drawingml/2006/main" xmlns:r="http://schemas.openxmlformats.org/officeDocument/2006/relationships" xmlns:p="http://schemas.openxmlformats.org/presentationml/2006/main">
+  <p:cSld>
+    <p:spTree>
+      <p:nvGrpSpPr>
+        <p:cNvPr id="1" name=""/>
+        <p:cNvGrpSpPr/>
+        <p:nvPr/>
+      </p:nvGrpSpPr>
+      <p:grpSpPr>
+        <a:xfrm>
+          <a:off x="0" y="0"/>
+          <a:ext cx="0" cy="0"/>
+          <a:chOff x="0" y="0"/>
+          <a:chExt cx="0" cy="0"/>
+        </a:xfrm>
+      </p:grpSpPr>
+      <p:sp>
+        <p:nvSpPr>
+          <p:cNvPr id="2" name="Title 1"/>
+          <p:cNvSpPr>
+            <a:spLocks noGrp="1"/>
+          </p:cNvSpPr>
+          <p:nvPr>
+            <p:ph type="title"/>
+          </p:nvPr>
+        </p:nvSpPr>
+        <p:spPr/>
+        <p:txBody>
+          <a:bodyPr/>
+          <a:lstStyle/>
+          <a:p>
+            <a:r>
+              <a:rPr lang="en-US" dirty="0" smtClean="0"/>
+              <a:t>Step 1: Continuous Integration</a:t>
+            </a:r>
+            <a:endParaRPr lang="en-US" dirty="0"/>
+          </a:p>
+        </p:txBody>
+      </p:sp>
+      <p:sp>
+        <p:nvSpPr>
+          <p:cNvPr id="3" name="Content Placeholder 2"/>
+          <p:cNvSpPr>
+            <a:spLocks noGrp="1"/>
+          </p:cNvSpPr>
+          <p:nvPr>
+            <p:ph idx="1"/>
+          </p:nvPr>
+        </p:nvSpPr>
+        <p:spPr/>
+        <p:txBody>
+          <a:bodyPr/>
+          <a:lstStyle/>
+          <a:p>
+            <a:pPr marL="0" indent="0">
+              <a:buNone/>
+            </a:pPr>
+            <a:r>
+              <a:rPr lang="en-US" dirty="0" smtClean="0"/>
+              <a:t>SOLUTION:</a:t>
+            </a:r>
+          </a:p>
+          <a:p>
+            <a:pPr marL="0" indent="0">
+              <a:buNone/>
+            </a:pPr>
+            <a:endParaRPr lang="en-US" dirty="0" smtClean="0"/>
+          </a:p>
+          <a:p>
+            <a:pPr marL="0" indent="0">
+              <a:buNone/>
+            </a:pPr>
+            <a:r>
+              <a:rPr lang="en-US" dirty="0" smtClean="0"/>
+              <a:t>[Cory?]</a:t>
+            </a:r>
+            <a:endParaRPr lang="en-US" dirty="0"/>
+          </a:p>
+        </p:txBody>
+      </p:sp>
+      <p:sp>
+        <p:nvSpPr>
+          <p:cNvPr id="4" name="Slide Number Placeholder 3"/>
+          <p:cNvSpPr>
+            <a:spLocks noGrp="1"/>
+          </p:cNvSpPr>
+          <p:nvPr>
+            <p:ph type="sldNum" sz="quarter" idx="12"/>
+          </p:nvPr>
+        </p:nvSpPr>
+        <p:spPr/>
+        <p:txBody>
+          <a:bodyPr/>
+          <a:lstStyle/>
+          <a:p>
+            <a:fld id="{0A164282-434E-41D4-9582-783D542A7B68}" type="slidenum">
+              <a:rPr lang="en-US" smtClean="0"/>
+              <a:t>33</a:t>
+            </a:fld>
+            <a:endParaRPr lang="en-US"/>
+          </a:p>
+        </p:txBody>
+      </p:sp>
+    </p:spTree>
+    <p:extLst>
+      <p:ext uri="{BB962C8B-B14F-4D97-AF65-F5344CB8AC3E}">
+        <p14:creationId xmlns:p14="http://schemas.microsoft.com/office/powerpoint/2010/main" val="3820646459"/>
+      </p:ext>
+    </p:extLst>
+  </p:cSld>
+  <p:clrMapOvr>
+    <a:masterClrMapping/>
+  </p:clrMapOvr>
+</p:sld>
+</file>
+
+<file path=ppt/slides/slide34.xml><?xml version="1.0" encoding="utf-8"?>
+<p:sld xmlns:a="http://schemas.openxmlformats.org/drawingml/2006/main" xmlns:r="http://schemas.openxmlformats.org/officeDocument/2006/relationships" xmlns:p="http://schemas.openxmlformats.org/presentationml/2006/main">
+  <p:cSld>
+    <p:spTree>
+      <p:nvGrpSpPr>
+        <p:cNvPr id="1" name=""/>
+        <p:cNvGrpSpPr/>
+        <p:nvPr/>
+      </p:nvGrpSpPr>
+      <p:grpSpPr>
+        <a:xfrm>
+          <a:off x="0" y="0"/>
+          <a:ext cx="0" cy="0"/>
+          <a:chOff x="0" y="0"/>
+          <a:chExt cx="0" cy="0"/>
+        </a:xfrm>
+      </p:grpSpPr>
+      <p:sp>
+        <p:nvSpPr>
+          <p:cNvPr id="2" name="Title 1"/>
+          <p:cNvSpPr>
+            <a:spLocks noGrp="1"/>
+          </p:cNvSpPr>
+          <p:nvPr>
+            <p:ph type="title"/>
+          </p:nvPr>
+        </p:nvSpPr>
+        <p:spPr/>
+        <p:txBody>
+          <a:bodyPr/>
+          <a:lstStyle/>
+          <a:p>
+            <a:r>
+              <a:rPr lang="en-US" dirty="0" smtClean="0"/>
+              <a:t>Scenario description</a:t>
+            </a:r>
+            <a:endParaRPr lang="en-US" dirty="0"/>
+          </a:p>
+        </p:txBody>
+      </p:sp>
+      <p:sp>
+        <p:nvSpPr>
+          <p:cNvPr id="3" name="Content Placeholder 2"/>
+          <p:cNvSpPr>
+            <a:spLocks noGrp="1"/>
+          </p:cNvSpPr>
+          <p:nvPr>
+            <p:ph idx="1"/>
+          </p:nvPr>
+        </p:nvSpPr>
+        <p:spPr/>
+        <p:txBody>
+          <a:bodyPr/>
+          <a:lstStyle/>
+          <a:p>
+            <a:pPr marL="0" indent="0">
+              <a:buNone/>
+            </a:pPr>
+            <a:r>
+              <a:rPr lang="en-US" dirty="0" smtClean="0"/>
+              <a:t>Running a real site requires several environments.</a:t>
+            </a:r>
+          </a:p>
+        </p:txBody>
+      </p:sp>
+      <p:sp>
+        <p:nvSpPr>
+          <p:cNvPr id="4" name="Slide Number Placeholder 3"/>
+          <p:cNvSpPr>
+            <a:spLocks noGrp="1"/>
+          </p:cNvSpPr>
+          <p:nvPr>
+            <p:ph type="sldNum" sz="quarter" idx="12"/>
+          </p:nvPr>
+        </p:nvSpPr>
+        <p:spPr/>
+        <p:txBody>
+          <a:bodyPr/>
+          <a:lstStyle/>
+          <a:p>
+            <a:fld id="{0A164282-434E-41D4-9582-783D542A7B68}" type="slidenum">
+              <a:rPr lang="en-US" smtClean="0"/>
+              <a:t>34</a:t>
+            </a:fld>
+            <a:endParaRPr lang="en-US"/>
+          </a:p>
+        </p:txBody>
+      </p:sp>
+    </p:spTree>
+    <p:extLst>
+      <p:ext uri="{BB962C8B-B14F-4D97-AF65-F5344CB8AC3E}">
+        <p14:creationId xmlns:p14="http://schemas.microsoft.com/office/powerpoint/2010/main" val="3947867443"/>
+      </p:ext>
+    </p:extLst>
+  </p:cSld>
+  <p:clrMapOvr>
+    <a:masterClrMapping/>
+  </p:clrMapOvr>
+</p:sld>
+</file>
+
+<file path=ppt/slides/slide35.xml><?xml version="1.0" encoding="utf-8"?>
+<p:sld xmlns:a="http://schemas.openxmlformats.org/drawingml/2006/main" xmlns:r="http://schemas.openxmlformats.org/officeDocument/2006/relationships" xmlns:p="http://schemas.openxmlformats.org/presentationml/2006/main">
+  <p:cSld>
+    <p:spTree>
+      <p:nvGrpSpPr>
+        <p:cNvPr id="1" name=""/>
+        <p:cNvGrpSpPr/>
+        <p:nvPr/>
+      </p:nvGrpSpPr>
+      <p:grpSpPr>
+        <a:xfrm>
+          <a:off x="0" y="0"/>
+          <a:ext cx="0" cy="0"/>
+          <a:chOff x="0" y="0"/>
+          <a:chExt cx="0" cy="0"/>
+        </a:xfrm>
+      </p:grpSpPr>
+      <p:sp>
+        <p:nvSpPr>
+          <p:cNvPr id="2" name="Title 1"/>
+          <p:cNvSpPr>
+            <a:spLocks noGrp="1"/>
+          </p:cNvSpPr>
+          <p:nvPr>
+            <p:ph type="title"/>
+          </p:nvPr>
+        </p:nvSpPr>
+        <p:spPr/>
+        <p:txBody>
+          <a:bodyPr>
+            <a:normAutofit fontScale="90000"/>
+          </a:bodyPr>
+          <a:lstStyle/>
+          <a:p>
+            <a:r>
+              <a:rPr lang="en-US" dirty="0"/>
+              <a:t>Running, improving and maintaining a site in the real </a:t>
+            </a:r>
+            <a:r>
+              <a:rPr lang="en-US" dirty="0" smtClean="0"/>
+              <a:t>world</a:t>
+            </a:r>
+            <a:endParaRPr lang="en-US" dirty="0"/>
+          </a:p>
+        </p:txBody>
+      </p:sp>
+      <p:sp>
+        <p:nvSpPr>
+          <p:cNvPr id="3" name="Content Placeholder 2"/>
+          <p:cNvSpPr>
+            <a:spLocks noGrp="1"/>
+          </p:cNvSpPr>
+          <p:nvPr>
+            <p:ph idx="1"/>
+          </p:nvPr>
+        </p:nvSpPr>
+        <p:spPr>
+          <a:xfrm>
+            <a:off x="838199" y="1825624"/>
+            <a:ext cx="10681607" cy="4681311"/>
+          </a:xfrm>
+        </p:spPr>
+        <p:txBody>
+          <a:bodyPr>
+            <a:normAutofit fontScale="25000" lnSpcReduction="20000"/>
+          </a:bodyPr>
+          <a:lstStyle/>
+          <a:p>
+            <a:r>
+              <a:rPr lang="en-US" dirty="0" smtClean="0"/>
+              <a:t>60 minutes</a:t>
+            </a:r>
+          </a:p>
+          <a:p>
+            <a:r>
+              <a:rPr lang="en-US" dirty="0" smtClean="0"/>
+              <a:t>“Real world” content</a:t>
+            </a:r>
+          </a:p>
+          <a:p>
+            <a:r>
+              <a:rPr lang="en-US" dirty="0" smtClean="0"/>
+              <a:t>Scenario: Scale</a:t>
+            </a:r>
+          </a:p>
+          <a:p>
+            <a:pPr marL="914400" lvl="1" indent="-457200">
+              <a:buFont typeface="+mj-lt"/>
+              <a:buAutoNum type="arabicPeriod"/>
+            </a:pPr>
+            <a:r>
+              <a:rPr lang="en-US" dirty="0" smtClean="0"/>
+              <a:t>Static content to storage (using URL rewrite)</a:t>
+            </a:r>
+          </a:p>
+          <a:p>
+            <a:pPr marL="914400" lvl="1" indent="-457200">
+              <a:buFont typeface="+mj-lt"/>
+              <a:buAutoNum type="arabicPeriod"/>
+            </a:pPr>
+            <a:r>
+              <a:rPr lang="en-US" dirty="0" smtClean="0"/>
+              <a:t>Manual scale</a:t>
+            </a:r>
+          </a:p>
+          <a:p>
+            <a:pPr marL="914400" lvl="1" indent="-457200">
+              <a:buFont typeface="+mj-lt"/>
+              <a:buAutoNum type="arabicPeriod"/>
+            </a:pPr>
+            <a:r>
+              <a:rPr lang="en-US" dirty="0" smtClean="0"/>
+              <a:t>Auto-scale</a:t>
+            </a:r>
+          </a:p>
+          <a:p>
+            <a:pPr marL="914400" lvl="1" indent="-457200">
+              <a:buFont typeface="+mj-lt"/>
+              <a:buAutoNum type="arabicPeriod"/>
+            </a:pPr>
+            <a:r>
+              <a:rPr lang="en-US" dirty="0" smtClean="0"/>
+              <a:t>Caching</a:t>
+            </a:r>
+          </a:p>
+          <a:p>
+            <a:pPr lvl="1"/>
+            <a:r>
+              <a:rPr lang="en-US" dirty="0" smtClean="0"/>
+              <a:t>Use WCAT to show load?</a:t>
+            </a:r>
+          </a:p>
+          <a:p>
+            <a:r>
+              <a:rPr lang="en-US" dirty="0" smtClean="0"/>
+              <a:t>Scenario: Change</a:t>
+            </a:r>
+          </a:p>
+          <a:p>
+            <a:pPr lvl="1"/>
+            <a:r>
+              <a:rPr lang="en-US" dirty="0" smtClean="0"/>
+              <a:t>EF Migrations – both up and down (mention other migration options?)</a:t>
+            </a:r>
+          </a:p>
+          <a:p>
+            <a:pPr lvl="1"/>
+            <a:r>
+              <a:rPr lang="en-US" dirty="0" smtClean="0"/>
+              <a:t>Deployment rollback (</a:t>
+            </a:r>
+            <a:r>
+              <a:rPr lang="en-US" dirty="0" err="1" smtClean="0"/>
+              <a:t>Git</a:t>
+            </a:r>
+            <a:r>
+              <a:rPr lang="en-US" dirty="0" smtClean="0"/>
+              <a:t> / TFS)</a:t>
+            </a:r>
+          </a:p>
+          <a:p>
+            <a:pPr lvl="1"/>
+            <a:r>
+              <a:rPr lang="en-US" dirty="0" smtClean="0"/>
+              <a:t>WAAD (selling private label version of site w/ AD support)</a:t>
+            </a:r>
+          </a:p>
+          <a:p>
+            <a:r>
+              <a:rPr lang="en-US" dirty="0" smtClean="0"/>
+              <a:t>Scenario: </a:t>
+            </a:r>
+            <a:r>
+              <a:rPr lang="en-US" dirty="0" err="1" smtClean="0"/>
+              <a:t>Dev</a:t>
+            </a:r>
+            <a:r>
+              <a:rPr lang="en-US" dirty="0" smtClean="0"/>
+              <a:t> / Test</a:t>
+            </a:r>
+          </a:p>
+          <a:p>
+            <a:pPr lvl="1"/>
+            <a:r>
+              <a:rPr lang="en-US" dirty="0" smtClean="0"/>
+              <a:t>Continuous Integration</a:t>
+            </a:r>
+          </a:p>
+          <a:p>
+            <a:pPr lvl="1"/>
+            <a:r>
+              <a:rPr lang="en-US" dirty="0" smtClean="0"/>
+              <a:t>Multi-environment</a:t>
+            </a:r>
+          </a:p>
+          <a:p>
+            <a:pPr lvl="1"/>
+            <a:r>
+              <a:rPr lang="en-US" dirty="0" smtClean="0"/>
+              <a:t>VM</a:t>
+            </a:r>
+          </a:p>
+          <a:p>
+            <a:pPr lvl="1"/>
+            <a:r>
+              <a:rPr lang="en-US" dirty="0" smtClean="0"/>
+              <a:t>Test Manager?</a:t>
+            </a:r>
+          </a:p>
+          <a:p>
+            <a:pPr lvl="1"/>
+            <a:endParaRPr lang="en-US" dirty="0"/>
+          </a:p>
+          <a:p>
+            <a:r>
+              <a:rPr lang="en-US" dirty="0" smtClean="0"/>
+              <a:t>Note: </a:t>
+            </a:r>
+          </a:p>
+          <a:p>
+            <a:pPr lvl="1"/>
+            <a:r>
+              <a:rPr lang="en-US" dirty="0" smtClean="0"/>
+              <a:t>AD here + SSL (slide driven) – Note: Talk to Vittorio about ACS / AD</a:t>
+            </a:r>
+          </a:p>
+          <a:p>
+            <a:pPr lvl="1"/>
+            <a:r>
+              <a:rPr lang="en-US" dirty="0" smtClean="0"/>
+              <a:t>Slides in appendix to go in depth</a:t>
+            </a:r>
+          </a:p>
+          <a:p>
+            <a:pPr lvl="1"/>
+            <a:r>
+              <a:rPr lang="en-US" dirty="0" smtClean="0"/>
+              <a:t>Make this 75-90 minutes?</a:t>
+            </a:r>
+          </a:p>
+          <a:p>
+            <a:pPr lvl="1"/>
+            <a:r>
+              <a:rPr lang="en-US" dirty="0" smtClean="0"/>
+              <a:t>3 Calls to action for each scenario</a:t>
+            </a:r>
+          </a:p>
+          <a:p>
+            <a:pPr lvl="1"/>
+            <a:r>
+              <a:rPr lang="en-US" dirty="0" smtClean="0"/>
+              <a:t>Include New Relic, maybe Glimpse too</a:t>
+            </a:r>
+          </a:p>
+          <a:p>
+            <a:pPr lvl="1"/>
+            <a:r>
+              <a:rPr lang="en-US" dirty="0" smtClean="0"/>
+              <a:t>Optimization – Web </a:t>
+            </a:r>
+            <a:r>
+              <a:rPr lang="en-US" dirty="0" err="1" smtClean="0"/>
+              <a:t>Dev</a:t>
+            </a:r>
+            <a:r>
+              <a:rPr lang="en-US" dirty="0" smtClean="0"/>
+              <a:t> Checklist</a:t>
+            </a:r>
+          </a:p>
+          <a:p>
+            <a:pPr lvl="1"/>
+            <a:r>
+              <a:rPr lang="en-US" dirty="0" smtClean="0"/>
+              <a:t>Selective publishing</a:t>
+            </a:r>
+          </a:p>
+        </p:txBody>
+      </p:sp>
+    </p:spTree>
+    <p:extLst>
+      <p:ext uri="{BB962C8B-B14F-4D97-AF65-F5344CB8AC3E}">
+        <p14:creationId xmlns:p14="http://schemas.microsoft.com/office/powerpoint/2010/main" val="193550282"/>
+      </p:ext>
+    </p:extLst>
+  </p:cSld>
+  <p:clrMapOvr>
+    <a:masterClrMapping/>
+  </p:clrMapOvr>
+  <p:timing>
+    <p:tnLst>
+      <p:par>
+        <p:cTn id="1" dur="indefinite" restart="never" nodeType="tmRoot"/>
+      </p:par>
+    </p:tnLst>
+  </p:timing>
+</p:sld>
+</file>
+
+<file path=ppt/slides/slide36.xml><?xml version="1.0" encoding="utf-8"?>
+<p:sld xmlns:a="http://schemas.openxmlformats.org/drawingml/2006/main" xmlns:r="http://schemas.openxmlformats.org/officeDocument/2006/relationships" xmlns:p="http://schemas.openxmlformats.org/presentationml/2006/main">
+  <p:cSld>
+    <p:spTree>
+      <p:nvGrpSpPr>
+        <p:cNvPr id="1" name=""/>
+        <p:cNvGrpSpPr/>
+        <p:nvPr/>
+      </p:nvGrpSpPr>
+      <p:grpSpPr>
+        <a:xfrm>
+          <a:off x="0" y="0"/>
+          <a:ext cx="0" cy="0"/>
+          <a:chOff x="0" y="0"/>
+          <a:chExt cx="0" cy="0"/>
+        </a:xfrm>
+      </p:grpSpPr>
+      <p:sp>
+        <p:nvSpPr>
           <p:cNvPr id="4" name="TextBox 3"/>
           <p:cNvSpPr txBox="1"/>
           <p:nvPr/>
@@ -23496,7 +24572,7 @@
     </p:spTree>
     <p:extLst>
       <p:ext uri="{BB962C8B-B14F-4D97-AF65-F5344CB8AC3E}">
-        <p14:creationId xmlns:p14="http://schemas.microsoft.com/office/powerpoint/2010/main" val="224840743"/>
+        <p14:creationId xmlns:p14="http://schemas.microsoft.com/office/powerpoint/2010/main" val="4007898504"/>
       </p:ext>
     </p:extLst>
   </p:cSld>
@@ -23506,7 +24582,125 @@
 </p:sld>
 </file>
 
-<file path=ppt/slides/slide32.xml><?xml version="1.0" encoding="utf-8"?>
+<file path=ppt/slides/slide37.xml><?xml version="1.0" encoding="utf-8"?>
+<p:sld xmlns:a="http://schemas.openxmlformats.org/drawingml/2006/main" xmlns:r="http://schemas.openxmlformats.org/officeDocument/2006/relationships" xmlns:p="http://schemas.openxmlformats.org/presentationml/2006/main">
+  <p:cSld>
+    <p:spTree>
+      <p:nvGrpSpPr>
+        <p:cNvPr id="1" name=""/>
+        <p:cNvGrpSpPr/>
+        <p:nvPr/>
+      </p:nvGrpSpPr>
+      <p:grpSpPr>
+        <a:xfrm>
+          <a:off x="0" y="0"/>
+          <a:ext cx="0" cy="0"/>
+          <a:chOff x="0" y="0"/>
+          <a:chExt cx="0" cy="0"/>
+        </a:xfrm>
+      </p:grpSpPr>
+      <p:sp>
+        <p:nvSpPr>
+          <p:cNvPr id="2" name="Title 1"/>
+          <p:cNvSpPr>
+            <a:spLocks noGrp="1"/>
+          </p:cNvSpPr>
+          <p:nvPr>
+            <p:ph type="title"/>
+          </p:nvPr>
+        </p:nvSpPr>
+        <p:spPr/>
+        <p:txBody>
+          <a:bodyPr/>
+          <a:lstStyle/>
+          <a:p>
+            <a:r>
+              <a:rPr lang="en-US" dirty="0" smtClean="0"/>
+              <a:t>Resources</a:t>
+            </a:r>
+            <a:endParaRPr lang="en-US" dirty="0"/>
+          </a:p>
+        </p:txBody>
+      </p:sp>
+      <p:sp>
+        <p:nvSpPr>
+          <p:cNvPr id="3" name="Content Placeholder 2"/>
+          <p:cNvSpPr>
+            <a:spLocks noGrp="1"/>
+          </p:cNvSpPr>
+          <p:nvPr>
+            <p:ph idx="1"/>
+          </p:nvPr>
+        </p:nvSpPr>
+        <p:spPr/>
+        <p:txBody>
+          <a:bodyPr/>
+          <a:lstStyle/>
+          <a:p>
+            <a:r>
+              <a:rPr lang="en-US" dirty="0">
+                <a:hlinkClick r:id="rId2"/>
+              </a:rPr>
+              <a:t>http://www.windowsazure.com/en-us/manage/services/cache/net/how-to-cache-service</a:t>
+            </a:r>
+            <a:r>
+              <a:rPr lang="en-US" dirty="0" smtClean="0">
+                <a:hlinkClick r:id="rId2"/>
+              </a:rPr>
+              <a:t>/</a:t>
+            </a:r>
+            <a:r>
+              <a:rPr lang="en-US" dirty="0" smtClean="0"/>
+              <a:t> - aka.ms this</a:t>
+            </a:r>
+            <a:endParaRPr lang="en-US" dirty="0"/>
+          </a:p>
+        </p:txBody>
+      </p:sp>
+      <p:sp>
+        <p:nvSpPr>
+          <p:cNvPr id="4" name="Slide Number Placeholder 3"/>
+          <p:cNvSpPr>
+            <a:spLocks noGrp="1"/>
+          </p:cNvSpPr>
+          <p:nvPr>
+            <p:ph type="sldNum" sz="quarter" idx="12"/>
+          </p:nvPr>
+        </p:nvSpPr>
+        <p:spPr/>
+        <p:txBody>
+          <a:bodyPr/>
+          <a:lstStyle/>
+          <a:p>
+            <a:fld id="{0A164282-434E-41D4-9582-783D542A7B68}" type="slidenum">
+              <a:rPr lang="en-US" smtClean="0"/>
+              <a:t>37</a:t>
+            </a:fld>
+            <a:endParaRPr lang="en-US"/>
+          </a:p>
+        </p:txBody>
+      </p:sp>
+    </p:spTree>
+    <p:extLst>
+      <p:ext uri="{BB962C8B-B14F-4D97-AF65-F5344CB8AC3E}">
+        <p14:creationId xmlns:p14="http://schemas.microsoft.com/office/powerpoint/2010/main" val="2821683008"/>
+      </p:ext>
+    </p:extLst>
+  </p:cSld>
+  <p:clrMapOvr>
+    <a:masterClrMapping/>
+  </p:clrMapOvr>
+  <p:timing>
+    <p:tnLst>
+      <p:par>
+        <p:cTn id="1" dur="indefinite" restart="never" nodeType="tmRoot"/>
+      </p:par>
+    </p:tnLst>
+  </p:timing>
+</p:sld>
+</file>
+
+<file path=ppt/slides/slide38.xml><?xml version="1.0" encoding="utf-8"?>
 <p:sld xmlns:a="http://schemas.openxmlformats.org/drawingml/2006/main" xmlns:r="http://schemas.openxmlformats.org/officeDocument/2006/relationships" xmlns:p="http://schemas.openxmlformats.org/presentationml/2006/main">
   <p:cSld>
     <p:bg>
@@ -26096,7 +27290,11 @@
           <a:p>
             <a:r>
               <a:rPr lang="en-US" dirty="0" smtClean="0"/>
-              <a:t>Step 1: Static content to storage</a:t>
+              <a:t>Step 1: </a:t>
+            </a:r>
+            <a:r>
+              <a:rPr lang="en-US" dirty="0" smtClean="0"/>
+              <a:t>Preserve server bandwidth</a:t>
             </a:r>
             <a:endParaRPr lang="en-US" dirty="0"/>
           </a:p>
@@ -26242,7 +27440,11 @@
           <a:p>
             <a:r>
               <a:rPr lang="en-US" dirty="0" smtClean="0"/>
-              <a:t>Step 1: Static content to storage</a:t>
+              <a:t>Step 1: </a:t>
+            </a:r>
+            <a:r>
+              <a:rPr lang="en-US" dirty="0" smtClean="0"/>
+              <a:t>Preserve server bandwidth</a:t>
             </a:r>
             <a:endParaRPr lang="en-US" dirty="0"/>
           </a:p>
@@ -26283,7 +27485,30 @@
             </a:pPr>
             <a:r>
               <a:rPr lang="en-US" dirty="0" smtClean="0"/>
-              <a:t>Serve static files from blob storage.</a:t>
+              <a:t>Serve static files from blob storage</a:t>
+            </a:r>
+            <a:r>
+              <a:rPr lang="en-US" dirty="0" smtClean="0"/>
+              <a:t>.</a:t>
+            </a:r>
+          </a:p>
+          <a:p>
+            <a:pPr marL="0" indent="0">
+              <a:buNone/>
+            </a:pPr>
+            <a:endParaRPr lang="en-US" dirty="0"/>
+          </a:p>
+          <a:p>
+            <a:pPr marL="0" indent="0">
+              <a:buNone/>
+            </a:pPr>
+            <a:r>
+              <a:rPr lang="en-US" dirty="0"/>
+              <a:t>This is a step towards to delivering content from a content delivery network (CDN</a:t>
+            </a:r>
+            <a:r>
+              <a:rPr lang="en-US" dirty="0" smtClean="0"/>
+              <a:t>).</a:t>
             </a:r>
             <a:endParaRPr lang="en-US" dirty="0"/>
           </a:p>

--- a/6-ASPNET-in-Production.pptx
+++ b/6-ASPNET-in-Production.pptx
@@ -12,7 +12,7 @@
     <p:sldMasterId id="2147483784" r:id="rId8"/>
   </p:sldMasterIdLst>
   <p:notesMasterIdLst>
-    <p:notesMasterId r:id="rId47"/>
+    <p:notesMasterId r:id="rId49"/>
   </p:notesMasterIdLst>
   <p:sldIdLst>
     <p:sldId id="269" r:id="rId9"/>
@@ -48,11 +48,13 @@
     <p:sldId id="307" r:id="rId39"/>
     <p:sldId id="308" r:id="rId40"/>
     <p:sldId id="309" r:id="rId41"/>
-    <p:sldId id="310" r:id="rId42"/>
-    <p:sldId id="311" r:id="rId43"/>
-    <p:sldId id="313" r:id="rId44"/>
-    <p:sldId id="312" r:id="rId45"/>
-    <p:sldId id="263" r:id="rId46"/>
+    <p:sldId id="320" r:id="rId42"/>
+    <p:sldId id="317" r:id="rId43"/>
+    <p:sldId id="318" r:id="rId44"/>
+    <p:sldId id="315" r:id="rId45"/>
+    <p:sldId id="316" r:id="rId46"/>
+    <p:sldId id="314" r:id="rId47"/>
+    <p:sldId id="263" r:id="rId48"/>
   </p:sldIdLst>
   <p:sldSz cx="12192000" cy="6858000"/>
   <p:notesSz cx="6858000" cy="9144000"/>
@@ -241,7 +243,7 @@
           <a:p>
             <a:fld id="{0E990FE3-7537-4D15-A9F5-FDF1805FD5F8}" type="datetimeFigureOut">
               <a:rPr lang="en-US" smtClean="0"/>
-              <a:t>10/20/2013</a:t>
+              <a:t>10/28/2013</a:t>
             </a:fld>
             <a:endParaRPr lang="en-US"/>
           </a:p>
@@ -509,6 +511,525 @@
 </p:notesMaster>
 </file>
 
+<file path=ppt/notesSlides/notesSlide1.xml><?xml version="1.0" encoding="utf-8"?>
+<p:notes xmlns:a="http://schemas.openxmlformats.org/drawingml/2006/main" xmlns:r="http://schemas.openxmlformats.org/officeDocument/2006/relationships" xmlns:p="http://schemas.openxmlformats.org/presentationml/2006/main">
+  <p:cSld>
+    <p:spTree>
+      <p:nvGrpSpPr>
+        <p:cNvPr id="1" name=""/>
+        <p:cNvGrpSpPr/>
+        <p:nvPr/>
+      </p:nvGrpSpPr>
+      <p:grpSpPr>
+        <a:xfrm>
+          <a:off x="0" y="0"/>
+          <a:ext cx="0" cy="0"/>
+          <a:chOff x="0" y="0"/>
+          <a:chExt cx="0" cy="0"/>
+        </a:xfrm>
+      </p:grpSpPr>
+      <p:sp>
+        <p:nvSpPr>
+          <p:cNvPr id="2" name="Slide Image Placeholder 1"/>
+          <p:cNvSpPr>
+            <a:spLocks noGrp="1" noRot="1" noChangeAspect="1"/>
+          </p:cNvSpPr>
+          <p:nvPr>
+            <p:ph type="sldImg"/>
+          </p:nvPr>
+        </p:nvSpPr>
+        <p:spPr/>
+      </p:sp>
+      <p:sp>
+        <p:nvSpPr>
+          <p:cNvPr id="3" name="Notes Placeholder 2"/>
+          <p:cNvSpPr>
+            <a:spLocks noGrp="1"/>
+          </p:cNvSpPr>
+          <p:nvPr>
+            <p:ph type="body" idx="1"/>
+          </p:nvPr>
+        </p:nvSpPr>
+        <p:spPr/>
+        <p:txBody>
+          <a:bodyPr/>
+          <a:lstStyle/>
+          <a:p>
+            <a:pPr marL="0" marR="0" indent="0" algn="l" defTabSz="932503" rtl="0" eaLnBrk="1" fontAlgn="auto" latinLnBrk="0" hangingPunct="1">
+              <a:lnSpc>
+                <a:spcPct val="90000"/>
+              </a:lnSpc>
+              <a:spcBef>
+                <a:spcPts val="0"/>
+              </a:spcBef>
+              <a:spcAft>
+                <a:spcPts val="340"/>
+              </a:spcAft>
+              <a:buClrTx/>
+              <a:buSzTx/>
+              <a:buFontTx/>
+              <a:buNone/>
+              <a:tabLst/>
+              <a:defRPr/>
+            </a:pPr>
+            <a:r>
+              <a:rPr lang="en-US" sz="1000" kern="1200" dirty="0" smtClean="0">
+                <a:solidFill>
+                  <a:schemeClr val="tx1"/>
+                </a:solidFill>
+                <a:effectLst/>
+                <a:latin typeface="Segoe UI Light" pitchFamily="34" charset="0"/>
+                <a:ea typeface="+mn-ea"/>
+                <a:cs typeface="+mn-cs"/>
+              </a:rPr>
+              <a:t>Fastest Growing Hypervisor, taking share from VMWare”</a:t>
+            </a:r>
+          </a:p>
+          <a:p>
+            <a:pPr marL="0" marR="0" indent="0" algn="l" defTabSz="932503" rtl="0" eaLnBrk="1" fontAlgn="auto" latinLnBrk="0" hangingPunct="1">
+              <a:lnSpc>
+                <a:spcPct val="90000"/>
+              </a:lnSpc>
+              <a:spcBef>
+                <a:spcPts val="0"/>
+              </a:spcBef>
+              <a:spcAft>
+                <a:spcPts val="340"/>
+              </a:spcAft>
+              <a:buClrTx/>
+              <a:buSzTx/>
+              <a:buFontTx/>
+              <a:buNone/>
+              <a:tabLst/>
+              <a:defRPr/>
+            </a:pPr>
+            <a:endParaRPr lang="en-US" sz="1000" kern="1200" dirty="0" smtClean="0">
+              <a:solidFill>
+                <a:schemeClr val="tx1"/>
+              </a:solidFill>
+              <a:effectLst/>
+              <a:latin typeface="Segoe UI Light" pitchFamily="34" charset="0"/>
+              <a:ea typeface="+mn-ea"/>
+              <a:cs typeface="+mn-cs"/>
+            </a:endParaRPr>
+          </a:p>
+          <a:p>
+            <a:pPr marL="0" marR="0" lvl="0" indent="0" algn="l" defTabSz="932503" rtl="0" eaLnBrk="1" fontAlgn="auto" latinLnBrk="0" hangingPunct="1">
+              <a:lnSpc>
+                <a:spcPct val="90000"/>
+              </a:lnSpc>
+              <a:spcBef>
+                <a:spcPts val="0"/>
+              </a:spcBef>
+              <a:spcAft>
+                <a:spcPts val="340"/>
+              </a:spcAft>
+              <a:buClrTx/>
+              <a:buSzTx/>
+              <a:buFontTx/>
+              <a:buNone/>
+              <a:tabLst/>
+              <a:defRPr/>
+            </a:pPr>
+            <a:r>
+              <a:rPr lang="en-US" sz="1000" kern="1200" dirty="0" smtClean="0">
+                <a:solidFill>
+                  <a:schemeClr val="tx1"/>
+                </a:solidFill>
+                <a:effectLst/>
+                <a:latin typeface="Segoe UI Light" pitchFamily="34" charset="0"/>
+                <a:ea typeface="+mn-ea"/>
+                <a:cs typeface="+mn-cs"/>
+              </a:rPr>
+              <a:t>2 releases of Hyper-V since ESX 5.1 (WS2012 and WS2012 R2)</a:t>
+            </a:r>
+          </a:p>
+          <a:p>
+            <a:pPr marL="0" marR="0" lvl="0" indent="0" algn="l" defTabSz="932503" rtl="0" eaLnBrk="1" fontAlgn="auto" latinLnBrk="0" hangingPunct="1">
+              <a:lnSpc>
+                <a:spcPct val="90000"/>
+              </a:lnSpc>
+              <a:spcBef>
+                <a:spcPts val="0"/>
+              </a:spcBef>
+              <a:spcAft>
+                <a:spcPts val="340"/>
+              </a:spcAft>
+              <a:buClrTx/>
+              <a:buSzTx/>
+              <a:buFontTx/>
+              <a:buNone/>
+              <a:tabLst/>
+              <a:defRPr/>
+            </a:pPr>
+            <a:endParaRPr lang="en-US" sz="1000" kern="1200" dirty="0" smtClean="0">
+              <a:solidFill>
+                <a:schemeClr val="tx1"/>
+              </a:solidFill>
+              <a:effectLst/>
+              <a:latin typeface="Segoe UI Light" pitchFamily="34" charset="0"/>
+              <a:ea typeface="+mn-ea"/>
+              <a:cs typeface="+mn-cs"/>
+            </a:endParaRPr>
+          </a:p>
+          <a:p>
+            <a:pPr lvl="0"/>
+            <a:r>
+              <a:rPr lang="en-US" sz="1000" kern="1200" dirty="0" smtClean="0">
+                <a:solidFill>
+                  <a:schemeClr val="tx1"/>
+                </a:solidFill>
+                <a:effectLst/>
+                <a:latin typeface="Segoe UI Light" pitchFamily="34" charset="0"/>
+                <a:ea typeface="+mn-ea"/>
+                <a:cs typeface="+mn-cs"/>
+              </a:rPr>
+              <a:t>Hyper-V share is growing 3x that of VMW over the past 2 years</a:t>
+            </a:r>
+          </a:p>
+          <a:p>
+            <a:pPr lvl="0"/>
+            <a:endParaRPr lang="en-US" sz="1000" kern="1200" dirty="0" smtClean="0">
+              <a:solidFill>
+                <a:schemeClr val="tx1"/>
+              </a:solidFill>
+              <a:effectLst/>
+              <a:latin typeface="Segoe UI Light" pitchFamily="34" charset="0"/>
+              <a:ea typeface="+mn-ea"/>
+              <a:cs typeface="+mn-cs"/>
+            </a:endParaRPr>
+          </a:p>
+          <a:p>
+            <a:pPr lvl="0"/>
+            <a:r>
+              <a:rPr lang="en-US" sz="1000" kern="1200" dirty="0" smtClean="0">
+                <a:solidFill>
+                  <a:schemeClr val="tx1"/>
+                </a:solidFill>
+                <a:effectLst/>
+                <a:latin typeface="Segoe UI Light" pitchFamily="34" charset="0"/>
+                <a:ea typeface="+mn-ea"/>
+                <a:cs typeface="+mn-cs"/>
+              </a:rPr>
+              <a:t>Hyper-V steadily taking over a point of share per quarter</a:t>
+            </a:r>
+          </a:p>
+          <a:p>
+            <a:pPr lvl="0"/>
+            <a:r>
+              <a:rPr lang="en-US" sz="1000" kern="1200" dirty="0" smtClean="0">
+                <a:solidFill>
+                  <a:schemeClr val="tx1"/>
+                </a:solidFill>
+                <a:effectLst/>
+                <a:latin typeface="Segoe UI Light" pitchFamily="34" charset="0"/>
+                <a:ea typeface="+mn-ea"/>
+                <a:cs typeface="+mn-cs"/>
+              </a:rPr>
+              <a:t>Microsoft in the Gartner Virtualization Magic Quadrant for the 3</a:t>
+            </a:r>
+            <a:r>
+              <a:rPr lang="en-US" sz="1000" kern="1200" baseline="30000" dirty="0" smtClean="0">
+                <a:solidFill>
+                  <a:schemeClr val="tx1"/>
+                </a:solidFill>
+                <a:effectLst/>
+                <a:latin typeface="Segoe UI Light" pitchFamily="34" charset="0"/>
+                <a:ea typeface="+mn-ea"/>
+                <a:cs typeface="+mn-cs"/>
+              </a:rPr>
+              <a:t>rd</a:t>
+            </a:r>
+            <a:r>
+              <a:rPr lang="en-US" sz="1000" kern="1200" dirty="0" smtClean="0">
+                <a:solidFill>
+                  <a:schemeClr val="tx1"/>
+                </a:solidFill>
+                <a:effectLst/>
+                <a:latin typeface="Segoe UI Light" pitchFamily="34" charset="0"/>
+                <a:ea typeface="+mn-ea"/>
+                <a:cs typeface="+mn-cs"/>
+              </a:rPr>
+              <a:t> straight year and is the only vendor moving up and to the right</a:t>
+            </a:r>
+          </a:p>
+          <a:p>
+            <a:pPr lvl="0"/>
+            <a:endParaRPr lang="en-US" sz="1000" kern="1200" dirty="0" smtClean="0">
+              <a:solidFill>
+                <a:schemeClr val="tx1"/>
+              </a:solidFill>
+              <a:effectLst/>
+              <a:latin typeface="Segoe UI Light" pitchFamily="34" charset="0"/>
+              <a:ea typeface="+mn-ea"/>
+              <a:cs typeface="+mn-cs"/>
+            </a:endParaRPr>
+          </a:p>
+          <a:p>
+            <a:pPr lvl="0"/>
+            <a:r>
+              <a:rPr lang="en-US" sz="1000" kern="1200" dirty="0" smtClean="0">
+                <a:solidFill>
+                  <a:schemeClr val="tx1"/>
+                </a:solidFill>
+                <a:effectLst/>
+                <a:latin typeface="Segoe UI Light" pitchFamily="34" charset="0"/>
+                <a:ea typeface="+mn-ea"/>
+                <a:cs typeface="+mn-cs"/>
+              </a:rPr>
+              <a:t>Over 50 new services released this year</a:t>
+            </a:r>
+          </a:p>
+          <a:p>
+            <a:pPr lvl="0"/>
+            <a:r>
+              <a:rPr lang="en-US" sz="1000" kern="1200" dirty="0" smtClean="0">
+                <a:solidFill>
+                  <a:schemeClr val="tx1"/>
+                </a:solidFill>
+                <a:effectLst/>
+                <a:latin typeface="Segoe UI Light" pitchFamily="34" charset="0"/>
+                <a:ea typeface="+mn-ea"/>
+                <a:cs typeface="+mn-cs"/>
+              </a:rPr>
+              <a:t>Compute &amp; Storage Capacity doubling every 6 – 9 months</a:t>
+            </a:r>
+          </a:p>
+          <a:p>
+            <a:pPr lvl="0"/>
+            <a:endParaRPr lang="en-US" sz="1000" kern="1200" dirty="0" smtClean="0">
+              <a:solidFill>
+                <a:schemeClr val="tx1"/>
+              </a:solidFill>
+              <a:effectLst/>
+              <a:latin typeface="Segoe UI Light" pitchFamily="34" charset="0"/>
+              <a:ea typeface="+mn-ea"/>
+              <a:cs typeface="+mn-cs"/>
+            </a:endParaRPr>
+          </a:p>
+          <a:p>
+            <a:pPr marL="0" marR="0" lvl="0" indent="0" algn="l" defTabSz="932503" rtl="0" eaLnBrk="1" fontAlgn="auto" latinLnBrk="0" hangingPunct="1">
+              <a:lnSpc>
+                <a:spcPct val="90000"/>
+              </a:lnSpc>
+              <a:spcBef>
+                <a:spcPts val="0"/>
+              </a:spcBef>
+              <a:spcAft>
+                <a:spcPts val="340"/>
+              </a:spcAft>
+              <a:buClrTx/>
+              <a:buSzTx/>
+              <a:buFontTx/>
+              <a:buNone/>
+              <a:tabLst/>
+              <a:defRPr/>
+            </a:pPr>
+            <a:endParaRPr lang="en-US" sz="1000" kern="1200" dirty="0" smtClean="0">
+              <a:solidFill>
+                <a:schemeClr val="tx1"/>
+              </a:solidFill>
+              <a:effectLst/>
+              <a:latin typeface="Segoe UI Light" pitchFamily="34" charset="0"/>
+              <a:ea typeface="+mn-ea"/>
+              <a:cs typeface="+mn-cs"/>
+            </a:endParaRPr>
+          </a:p>
+          <a:p>
+            <a:pPr marL="0" marR="0" indent="0" algn="l" defTabSz="932503" rtl="0" eaLnBrk="1" fontAlgn="auto" latinLnBrk="0" hangingPunct="1">
+              <a:lnSpc>
+                <a:spcPct val="90000"/>
+              </a:lnSpc>
+              <a:spcBef>
+                <a:spcPts val="0"/>
+              </a:spcBef>
+              <a:spcAft>
+                <a:spcPts val="340"/>
+              </a:spcAft>
+              <a:buClrTx/>
+              <a:buSzTx/>
+              <a:buFontTx/>
+              <a:buNone/>
+              <a:tabLst/>
+              <a:defRPr/>
+            </a:pPr>
+            <a:endParaRPr lang="en-US" sz="1000" kern="1200" dirty="0" smtClean="0">
+              <a:solidFill>
+                <a:schemeClr val="tx1"/>
+              </a:solidFill>
+              <a:effectLst/>
+              <a:latin typeface="Segoe UI Light" pitchFamily="34" charset="0"/>
+              <a:ea typeface="+mn-ea"/>
+              <a:cs typeface="+mn-cs"/>
+            </a:endParaRPr>
+          </a:p>
+          <a:p>
+            <a:endParaRPr lang="en-US" dirty="0" smtClean="0"/>
+          </a:p>
+          <a:p>
+            <a:endParaRPr lang="en-US" dirty="0"/>
+          </a:p>
+        </p:txBody>
+      </p:sp>
+      <p:sp>
+        <p:nvSpPr>
+          <p:cNvPr id="4" name="Header Placeholder 3"/>
+          <p:cNvSpPr>
+            <a:spLocks noGrp="1"/>
+          </p:cNvSpPr>
+          <p:nvPr>
+            <p:ph type="hdr" sz="quarter" idx="10"/>
+          </p:nvPr>
+        </p:nvSpPr>
+        <p:spPr/>
+        <p:txBody>
+          <a:bodyPr/>
+          <a:lstStyle/>
+          <a:p>
+            <a:r>
+              <a:rPr lang="en-US" smtClean="0"/>
+              <a:t>Build 2012</a:t>
+            </a:r>
+            <a:endParaRPr lang="en-US" dirty="0"/>
+          </a:p>
+        </p:txBody>
+      </p:sp>
+      <p:sp>
+        <p:nvSpPr>
+          <p:cNvPr id="5" name="Footer Placeholder 4"/>
+          <p:cNvSpPr>
+            <a:spLocks noGrp="1"/>
+          </p:cNvSpPr>
+          <p:nvPr>
+            <p:ph type="ftr" sz="quarter" idx="11"/>
+          </p:nvPr>
+        </p:nvSpPr>
+        <p:spPr/>
+        <p:txBody>
+          <a:bodyPr/>
+          <a:lstStyle/>
+          <a:p>
+            <a:pPr defTabSz="932929" eaLnBrk="0" hangingPunct="0"/>
+            <a:r>
+              <a:rPr lang="en-US" sz="400" smtClean="0">
+                <a:gradFill>
+                  <a:gsLst>
+                    <a:gs pos="0">
+                      <a:prstClr val="black"/>
+                    </a:gs>
+                    <a:gs pos="100000">
+                      <a:prstClr val="black"/>
+                    </a:gs>
+                  </a:gsLst>
+                  <a:lin ang="5400000" scaled="0"/>
+                </a:gradFill>
+                <a:latin typeface="Segoe UI" pitchFamily="34" charset="0"/>
+                <a:ea typeface="Segoe UI" pitchFamily="34" charset="0"/>
+                <a:cs typeface="Segoe UI" pitchFamily="34" charset="0"/>
+              </a:rPr>
+              <a:t>© 2012 Microsoft Corporation. All rights reserved. Microsoft, Windows, and other product names are or may be registered trademarks and/or trademarks in the U.S. and/or other countries.</a:t>
+            </a:r>
+          </a:p>
+          <a:p>
+            <a:pPr defTabSz="932929" eaLnBrk="0" hangingPunct="0"/>
+            <a:r>
+              <a:rPr lang="en-US" sz="400" smtClean="0">
+                <a:gradFill>
+                  <a:gsLst>
+                    <a:gs pos="0">
+                      <a:prstClr val="black"/>
+                    </a:gs>
+                    <a:gs pos="100000">
+                      <a:prstClr val="black"/>
+                    </a:gs>
+                  </a:gsLst>
+                  <a:lin ang="5400000" scaled="0"/>
+                </a:gradFill>
+                <a:latin typeface="Segoe UI" pitchFamily="34" charset="0"/>
+                <a:ea typeface="Segoe UI" pitchFamily="34" charset="0"/>
+                <a:cs typeface="Segoe UI" pitchFamily="34" charset="0"/>
+              </a:rPr>
+              <a:t>The information herein is for informational purposes only and represents the current view of Microsoft Corporation as of the date of this presentation.  Because Microsoft must respond to changing market conditions, it should not be interpreted to be a commitment on the part of Microsoft, and Microsoft cannot guarantee the accuracy of any information provided after the date of this presentation.  MICROSOFT MAKES NO WARRANTIES, EXPRESS, IMPLIED OR STATUTORY, AS TO THE INFORMATION IN THIS PRESENTATION.</a:t>
+            </a:r>
+            <a:endParaRPr lang="en-US" sz="400" dirty="0" smtClean="0">
+              <a:gradFill>
+                <a:gsLst>
+                  <a:gs pos="0">
+                    <a:prstClr val="black"/>
+                  </a:gs>
+                  <a:gs pos="100000">
+                    <a:prstClr val="black"/>
+                  </a:gs>
+                </a:gsLst>
+                <a:lin ang="5400000" scaled="0"/>
+              </a:gradFill>
+              <a:latin typeface="Segoe UI" pitchFamily="34" charset="0"/>
+              <a:ea typeface="Segoe UI" pitchFamily="34" charset="0"/>
+              <a:cs typeface="Segoe UI" pitchFamily="34" charset="0"/>
+            </a:endParaRPr>
+          </a:p>
+        </p:txBody>
+      </p:sp>
+      <p:sp>
+        <p:nvSpPr>
+          <p:cNvPr id="6" name="Date Placeholder 5"/>
+          <p:cNvSpPr>
+            <a:spLocks noGrp="1"/>
+          </p:cNvSpPr>
+          <p:nvPr>
+            <p:ph type="dt" idx="12"/>
+          </p:nvPr>
+        </p:nvSpPr>
+        <p:spPr/>
+        <p:txBody>
+          <a:bodyPr/>
+          <a:lstStyle/>
+          <a:p>
+            <a:fld id="{50A28030-5D59-4E14-AFE9-B93D391AF3AF}" type="datetime1">
+              <a:rPr lang="en-US" smtClean="0"/>
+              <a:t>10/28/2013</a:t>
+            </a:fld>
+            <a:endParaRPr lang="en-US" dirty="0"/>
+          </a:p>
+        </p:txBody>
+      </p:sp>
+      <p:sp>
+        <p:nvSpPr>
+          <p:cNvPr id="7" name="Slide Number Placeholder 6"/>
+          <p:cNvSpPr>
+            <a:spLocks noGrp="1"/>
+          </p:cNvSpPr>
+          <p:nvPr>
+            <p:ph type="sldNum" sz="quarter" idx="13"/>
+          </p:nvPr>
+        </p:nvSpPr>
+        <p:spPr/>
+        <p:txBody>
+          <a:bodyPr/>
+          <a:lstStyle/>
+          <a:p>
+            <a:fld id="{B4008EB6-D09E-4580-8CD6-DDB14511944F}" type="slidenum">
+              <a:rPr lang="en-US" smtClean="0"/>
+              <a:pPr/>
+              <a:t>34</a:t>
+            </a:fld>
+            <a:endParaRPr lang="en-US" dirty="0"/>
+          </a:p>
+        </p:txBody>
+      </p:sp>
+    </p:spTree>
+    <p:extLst>
+      <p:ext uri="{BB962C8B-B14F-4D97-AF65-F5344CB8AC3E}">
+        <p14:creationId xmlns:p14="http://schemas.microsoft.com/office/powerpoint/2010/main" val="1225578455"/>
+      </p:ext>
+    </p:extLst>
+  </p:cSld>
+  <p:clrMapOvr>
+    <a:masterClrMapping/>
+  </p:clrMapOvr>
+</p:notes>
+</file>
+
 <file path=ppt/slideLayouts/slideLayout1.xml><?xml version="1.0" encoding="utf-8"?>
 <p:sldLayout xmlns:a="http://schemas.openxmlformats.org/drawingml/2006/main" xmlns:r="http://schemas.openxmlformats.org/officeDocument/2006/relationships" xmlns:p="http://schemas.openxmlformats.org/presentationml/2006/main" preserve="1" userDrawn="1">
   <p:cSld name="Custom Layout">
@@ -2294,6 +2815,48 @@
 </file>
 
 <file path=ppt/slideLayouts/slideLayout16.xml><?xml version="1.0" encoding="utf-8"?>
+<p:sldLayout xmlns:a="http://schemas.openxmlformats.org/drawingml/2006/main" xmlns:r="http://schemas.openxmlformats.org/officeDocument/2006/relationships" xmlns:p="http://schemas.openxmlformats.org/presentationml/2006/main" userDrawn="1">
+  <p:cSld name="Blank Layout">
+    <p:spTree>
+      <p:nvGrpSpPr>
+        <p:cNvPr id="1" name=""/>
+        <p:cNvGrpSpPr/>
+        <p:nvPr/>
+      </p:nvGrpSpPr>
+      <p:grpSpPr>
+        <a:xfrm>
+          <a:off x="0" y="0"/>
+          <a:ext cx="0" cy="0"/>
+          <a:chOff x="0" y="0"/>
+          <a:chExt cx="0" cy="0"/>
+        </a:xfrm>
+      </p:grpSpPr>
+    </p:spTree>
+    <p:extLst>
+      <p:ext uri="{BB962C8B-B14F-4D97-AF65-F5344CB8AC3E}">
+        <p14:creationId xmlns:p14="http://schemas.microsoft.com/office/powerpoint/2010/main" val="3845872081"/>
+      </p:ext>
+    </p:extLst>
+  </p:cSld>
+  <p:clrMapOvr>
+    <a:masterClrMapping/>
+  </p:clrMapOvr>
+  <mc:AlternateContent xmlns:mc="http://schemas.openxmlformats.org/markup-compatibility/2006">
+    <mc:Choice xmlns:p14="http://schemas.microsoft.com/office/powerpoint/2010/main" Requires="p14">
+      <p:transition spd="med" p14:dur="700">
+        <p:fade/>
+      </p:transition>
+    </mc:Choice>
+    <mc:Fallback>
+      <p:transition spd="med">
+        <p:fade/>
+      </p:transition>
+    </mc:Fallback>
+  </mc:AlternateContent>
+</p:sldLayout>
+</file>
+
+<file path=ppt/slideLayouts/slideLayout17.xml><?xml version="1.0" encoding="utf-8"?>
 <p:sldLayout xmlns:a="http://schemas.openxmlformats.org/drawingml/2006/main" xmlns:r="http://schemas.openxmlformats.org/officeDocument/2006/relationships" xmlns:p="http://schemas.openxmlformats.org/presentationml/2006/main" type="title" preserve="1">
   <p:cSld name="Title Slide">
     <p:bg>
@@ -2437,7 +3000,7 @@
 </p:sldLayout>
 </file>
 
-<file path=ppt/slideLayouts/slideLayout17.xml><?xml version="1.0" encoding="utf-8"?>
+<file path=ppt/slideLayouts/slideLayout18.xml><?xml version="1.0" encoding="utf-8"?>
 <p:sldLayout xmlns:a="http://schemas.openxmlformats.org/drawingml/2006/main" xmlns:r="http://schemas.openxmlformats.org/officeDocument/2006/relationships" xmlns:p="http://schemas.openxmlformats.org/presentationml/2006/main" type="obj" preserve="1">
   <p:cSld name="Title and Content">
     <p:bg>
@@ -2588,7 +3151,7 @@
 </p:sldLayout>
 </file>
 
-<file path=ppt/slideLayouts/slideLayout18.xml><?xml version="1.0" encoding="utf-8"?>
+<file path=ppt/slideLayouts/slideLayout19.xml><?xml version="1.0" encoding="utf-8"?>
 <p:sldLayout xmlns:a="http://schemas.openxmlformats.org/drawingml/2006/main" xmlns:r="http://schemas.openxmlformats.org/officeDocument/2006/relationships" xmlns:p="http://schemas.openxmlformats.org/presentationml/2006/main" preserve="1" userDrawn="1">
   <p:cSld name="1_Title and Content">
     <p:spTree>
@@ -2760,105 +3323,6 @@
     <p:extLst>
       <p:ext uri="{BB962C8B-B14F-4D97-AF65-F5344CB8AC3E}">
         <p14:creationId xmlns:p14="http://schemas.microsoft.com/office/powerpoint/2010/main" val="466151035"/>
-      </p:ext>
-    </p:extLst>
-  </p:cSld>
-  <p:clrMapOvr>
-    <a:masterClrMapping/>
-  </p:clrMapOvr>
-  <p:timing>
-    <p:tnLst>
-      <p:par>
-        <p:cTn id="1" dur="indefinite" restart="never" nodeType="tmRoot"/>
-      </p:par>
-    </p:tnLst>
-  </p:timing>
-</p:sldLayout>
-</file>
-
-<file path=ppt/slideLayouts/slideLayout19.xml><?xml version="1.0" encoding="utf-8"?>
-<p:sldLayout xmlns:a="http://schemas.openxmlformats.org/drawingml/2006/main" xmlns:r="http://schemas.openxmlformats.org/officeDocument/2006/relationships" xmlns:p="http://schemas.openxmlformats.org/presentationml/2006/main" type="titleOnly" preserve="1">
-  <p:cSld name="Title Only">
-    <p:bg>
-      <p:bgPr>
-        <a:solidFill>
-          <a:srgbClr val="80B940"/>
-        </a:solidFill>
-        <a:effectLst/>
-      </p:bgPr>
-    </p:bg>
-    <p:spTree>
-      <p:nvGrpSpPr>
-        <p:cNvPr id="1" name=""/>
-        <p:cNvGrpSpPr/>
-        <p:nvPr/>
-      </p:nvGrpSpPr>
-      <p:grpSpPr>
-        <a:xfrm>
-          <a:off x="0" y="0"/>
-          <a:ext cx="0" cy="0"/>
-          <a:chOff x="0" y="0"/>
-          <a:chExt cx="0" cy="0"/>
-        </a:xfrm>
-      </p:grpSpPr>
-      <p:sp>
-        <p:nvSpPr>
-          <p:cNvPr id="2" name="Title 1"/>
-          <p:cNvSpPr>
-            <a:spLocks noGrp="1"/>
-          </p:cNvSpPr>
-          <p:nvPr>
-            <p:ph type="title"/>
-          </p:nvPr>
-        </p:nvSpPr>
-        <p:spPr/>
-        <p:txBody>
-          <a:bodyPr/>
-          <a:lstStyle/>
-          <a:p>
-            <a:r>
-              <a:rPr lang="en-US" smtClean="0"/>
-              <a:t>Click to edit Master title style</a:t>
-            </a:r>
-            <a:endParaRPr lang="en-US"/>
-          </a:p>
-        </p:txBody>
-      </p:sp>
-      <p:sp>
-        <p:nvSpPr>
-          <p:cNvPr id="5" name="Slide Number Placeholder 4"/>
-          <p:cNvSpPr>
-            <a:spLocks noGrp="1"/>
-          </p:cNvSpPr>
-          <p:nvPr>
-            <p:ph type="sldNum" sz="quarter" idx="12"/>
-          </p:nvPr>
-        </p:nvSpPr>
-        <p:spPr>
-          <a:xfrm>
-            <a:off x="8897420" y="6256216"/>
-            <a:ext cx="2743200" cy="365125"/>
-          </a:xfrm>
-          <a:prstGeom prst="rect">
-            <a:avLst/>
-          </a:prstGeom>
-        </p:spPr>
-        <p:txBody>
-          <a:bodyPr/>
-          <a:lstStyle/>
-          <a:p>
-            <a:fld id="{0A164282-434E-41D4-9582-783D542A7B68}" type="slidenum">
-              <a:rPr lang="en-US" smtClean="0"/>
-              <a:t>‹#›</a:t>
-            </a:fld>
-            <a:endParaRPr lang="en-US"/>
-          </a:p>
-        </p:txBody>
-      </p:sp>
-    </p:spTree>
-    <p:extLst>
-      <p:ext uri="{BB962C8B-B14F-4D97-AF65-F5344CB8AC3E}">
-        <p14:creationId xmlns:p14="http://schemas.microsoft.com/office/powerpoint/2010/main" val="1977518048"/>
       </p:ext>
     </p:extLst>
   </p:cSld>
@@ -2987,6 +3451,105 @@
 </file>
 
 <file path=ppt/slideLayouts/slideLayout20.xml><?xml version="1.0" encoding="utf-8"?>
+<p:sldLayout xmlns:a="http://schemas.openxmlformats.org/drawingml/2006/main" xmlns:r="http://schemas.openxmlformats.org/officeDocument/2006/relationships" xmlns:p="http://schemas.openxmlformats.org/presentationml/2006/main" type="titleOnly" preserve="1">
+  <p:cSld name="Title Only">
+    <p:bg>
+      <p:bgPr>
+        <a:solidFill>
+          <a:srgbClr val="80B940"/>
+        </a:solidFill>
+        <a:effectLst/>
+      </p:bgPr>
+    </p:bg>
+    <p:spTree>
+      <p:nvGrpSpPr>
+        <p:cNvPr id="1" name=""/>
+        <p:cNvGrpSpPr/>
+        <p:nvPr/>
+      </p:nvGrpSpPr>
+      <p:grpSpPr>
+        <a:xfrm>
+          <a:off x="0" y="0"/>
+          <a:ext cx="0" cy="0"/>
+          <a:chOff x="0" y="0"/>
+          <a:chExt cx="0" cy="0"/>
+        </a:xfrm>
+      </p:grpSpPr>
+      <p:sp>
+        <p:nvSpPr>
+          <p:cNvPr id="2" name="Title 1"/>
+          <p:cNvSpPr>
+            <a:spLocks noGrp="1"/>
+          </p:cNvSpPr>
+          <p:nvPr>
+            <p:ph type="title"/>
+          </p:nvPr>
+        </p:nvSpPr>
+        <p:spPr/>
+        <p:txBody>
+          <a:bodyPr/>
+          <a:lstStyle/>
+          <a:p>
+            <a:r>
+              <a:rPr lang="en-US" smtClean="0"/>
+              <a:t>Click to edit Master title style</a:t>
+            </a:r>
+            <a:endParaRPr lang="en-US"/>
+          </a:p>
+        </p:txBody>
+      </p:sp>
+      <p:sp>
+        <p:nvSpPr>
+          <p:cNvPr id="5" name="Slide Number Placeholder 4"/>
+          <p:cNvSpPr>
+            <a:spLocks noGrp="1"/>
+          </p:cNvSpPr>
+          <p:nvPr>
+            <p:ph type="sldNum" sz="quarter" idx="12"/>
+          </p:nvPr>
+        </p:nvSpPr>
+        <p:spPr>
+          <a:xfrm>
+            <a:off x="8897420" y="6256216"/>
+            <a:ext cx="2743200" cy="365125"/>
+          </a:xfrm>
+          <a:prstGeom prst="rect">
+            <a:avLst/>
+          </a:prstGeom>
+        </p:spPr>
+        <p:txBody>
+          <a:bodyPr/>
+          <a:lstStyle/>
+          <a:p>
+            <a:fld id="{0A164282-434E-41D4-9582-783D542A7B68}" type="slidenum">
+              <a:rPr lang="en-US" smtClean="0"/>
+              <a:t>‹#›</a:t>
+            </a:fld>
+            <a:endParaRPr lang="en-US"/>
+          </a:p>
+        </p:txBody>
+      </p:sp>
+    </p:spTree>
+    <p:extLst>
+      <p:ext uri="{BB962C8B-B14F-4D97-AF65-F5344CB8AC3E}">
+        <p14:creationId xmlns:p14="http://schemas.microsoft.com/office/powerpoint/2010/main" val="1977518048"/>
+      </p:ext>
+    </p:extLst>
+  </p:cSld>
+  <p:clrMapOvr>
+    <a:masterClrMapping/>
+  </p:clrMapOvr>
+  <p:timing>
+    <p:tnLst>
+      <p:par>
+        <p:cTn id="1" dur="indefinite" restart="never" nodeType="tmRoot"/>
+      </p:par>
+    </p:tnLst>
+  </p:timing>
+</p:sldLayout>
+</file>
+
+<file path=ppt/slideLayouts/slideLayout21.xml><?xml version="1.0" encoding="utf-8"?>
 <p:sldLayout xmlns:a="http://schemas.openxmlformats.org/drawingml/2006/main" xmlns:r="http://schemas.openxmlformats.org/officeDocument/2006/relationships" xmlns:p="http://schemas.openxmlformats.org/presentationml/2006/main" preserve="1" userDrawn="1">
   <p:cSld name="1_Title Only">
     <p:spTree>
@@ -3963,7 +4526,7 @@
 </p:sldLayout>
 </file>
 
-<file path=ppt/slideLayouts/slideLayout21.xml><?xml version="1.0" encoding="utf-8"?>
+<file path=ppt/slideLayouts/slideLayout22.xml><?xml version="1.0" encoding="utf-8"?>
 <p:sldLayout xmlns:a="http://schemas.openxmlformats.org/drawingml/2006/main" xmlns:r="http://schemas.openxmlformats.org/officeDocument/2006/relationships" xmlns:p="http://schemas.openxmlformats.org/presentationml/2006/main" type="blank" preserve="1">
   <p:cSld name="Blank">
     <p:bg>
@@ -4039,7 +4602,7 @@
 </p:sldLayout>
 </file>
 
-<file path=ppt/slideLayouts/slideLayout22.xml><?xml version="1.0" encoding="utf-8"?>
+<file path=ppt/slideLayouts/slideLayout23.xml><?xml version="1.0" encoding="utf-8"?>
 <p:sldLayout xmlns:a="http://schemas.openxmlformats.org/drawingml/2006/main" xmlns:r="http://schemas.openxmlformats.org/officeDocument/2006/relationships" xmlns:p="http://schemas.openxmlformats.org/presentationml/2006/main" type="blank" preserve="1">
   <p:cSld name="1_Blank">
     <p:bg>
@@ -4084,7 +4647,7 @@
 </p:sldLayout>
 </file>
 
-<file path=ppt/slideLayouts/slideLayout23.xml><?xml version="1.0" encoding="utf-8"?>
+<file path=ppt/slideLayouts/slideLayout24.xml><?xml version="1.0" encoding="utf-8"?>
 <p:sldLayout xmlns:a="http://schemas.openxmlformats.org/drawingml/2006/main" xmlns:r="http://schemas.openxmlformats.org/officeDocument/2006/relationships" xmlns:p="http://schemas.openxmlformats.org/presentationml/2006/main" type="objTx" preserve="1">
   <p:cSld name="Content with Caption">
     <p:bg>
@@ -4356,7 +4919,7 @@
 </p:sldLayout>
 </file>
 
-<file path=ppt/slideLayouts/slideLayout24.xml><?xml version="1.0" encoding="utf-8"?>
+<file path=ppt/slideLayouts/slideLayout25.xml><?xml version="1.0" encoding="utf-8"?>
 <p:sldLayout xmlns:a="http://schemas.openxmlformats.org/drawingml/2006/main" xmlns:r="http://schemas.openxmlformats.org/officeDocument/2006/relationships" xmlns:p="http://schemas.openxmlformats.org/presentationml/2006/main" type="title" preserve="1">
   <p:cSld name="Title Slide">
     <p:bg>
@@ -4500,7 +5063,7 @@
 </p:sldLayout>
 </file>
 
-<file path=ppt/slideLayouts/slideLayout25.xml><?xml version="1.0" encoding="utf-8"?>
+<file path=ppt/slideLayouts/slideLayout26.xml><?xml version="1.0" encoding="utf-8"?>
 <p:sldLayout xmlns:a="http://schemas.openxmlformats.org/drawingml/2006/main" xmlns:r="http://schemas.openxmlformats.org/officeDocument/2006/relationships" xmlns:p="http://schemas.openxmlformats.org/presentationml/2006/main" type="obj" preserve="1">
   <p:cSld name="Title and Content">
     <p:bg>
@@ -4651,7 +5214,7 @@
 </p:sldLayout>
 </file>
 
-<file path=ppt/slideLayouts/slideLayout26.xml><?xml version="1.0" encoding="utf-8"?>
+<file path=ppt/slideLayouts/slideLayout27.xml><?xml version="1.0" encoding="utf-8"?>
 <p:sldLayout xmlns:a="http://schemas.openxmlformats.org/drawingml/2006/main" xmlns:r="http://schemas.openxmlformats.org/officeDocument/2006/relationships" xmlns:p="http://schemas.openxmlformats.org/presentationml/2006/main" preserve="1" userDrawn="1">
   <p:cSld name="1_Title and Content">
     <p:spTree>
@@ -4839,7 +5402,7 @@
 </p:sldLayout>
 </file>
 
-<file path=ppt/slideLayouts/slideLayout27.xml><?xml version="1.0" encoding="utf-8"?>
+<file path=ppt/slideLayouts/slideLayout28.xml><?xml version="1.0" encoding="utf-8"?>
 <p:sldLayout xmlns:a="http://schemas.openxmlformats.org/drawingml/2006/main" xmlns:r="http://schemas.openxmlformats.org/officeDocument/2006/relationships" xmlns:p="http://schemas.openxmlformats.org/presentationml/2006/main" type="titleOnly" preserve="1">
   <p:cSld name="Title Only">
     <p:bg>
@@ -4938,7 +5501,7 @@
 </p:sldLayout>
 </file>
 
-<file path=ppt/slideLayouts/slideLayout28.xml><?xml version="1.0" encoding="utf-8"?>
+<file path=ppt/slideLayouts/slideLayout29.xml><?xml version="1.0" encoding="utf-8"?>
 <p:sldLayout xmlns:a="http://schemas.openxmlformats.org/drawingml/2006/main" xmlns:r="http://schemas.openxmlformats.org/officeDocument/2006/relationships" xmlns:p="http://schemas.openxmlformats.org/presentationml/2006/main" preserve="1" userDrawn="1">
   <p:cSld name="1_Title Only">
     <p:spTree>
@@ -5971,82 +6534,6 @@
 </p:sldLayout>
 </file>
 
-<file path=ppt/slideLayouts/slideLayout29.xml><?xml version="1.0" encoding="utf-8"?>
-<p:sldLayout xmlns:a="http://schemas.openxmlformats.org/drawingml/2006/main" xmlns:r="http://schemas.openxmlformats.org/officeDocument/2006/relationships" xmlns:p="http://schemas.openxmlformats.org/presentationml/2006/main" type="blank" preserve="1">
-  <p:cSld name="Blank">
-    <p:bg>
-      <p:bgPr>
-        <a:solidFill>
-          <a:srgbClr val="3C454F"/>
-        </a:solidFill>
-        <a:effectLst/>
-      </p:bgPr>
-    </p:bg>
-    <p:spTree>
-      <p:nvGrpSpPr>
-        <p:cNvPr id="1" name=""/>
-        <p:cNvGrpSpPr/>
-        <p:nvPr/>
-      </p:nvGrpSpPr>
-      <p:grpSpPr>
-        <a:xfrm>
-          <a:off x="0" y="0"/>
-          <a:ext cx="0" cy="0"/>
-          <a:chOff x="0" y="0"/>
-          <a:chExt cx="0" cy="0"/>
-        </a:xfrm>
-      </p:grpSpPr>
-      <p:sp>
-        <p:nvSpPr>
-          <p:cNvPr id="4" name="Slide Number Placeholder 3"/>
-          <p:cNvSpPr>
-            <a:spLocks noGrp="1"/>
-          </p:cNvSpPr>
-          <p:nvPr>
-            <p:ph type="sldNum" sz="quarter" idx="12"/>
-          </p:nvPr>
-        </p:nvSpPr>
-        <p:spPr>
-          <a:xfrm>
-            <a:off x="8903414" y="6256216"/>
-            <a:ext cx="2743200" cy="365125"/>
-          </a:xfrm>
-          <a:prstGeom prst="rect">
-            <a:avLst/>
-          </a:prstGeom>
-        </p:spPr>
-        <p:txBody>
-          <a:bodyPr/>
-          <a:lstStyle/>
-          <a:p>
-            <a:fld id="{0A164282-434E-41D4-9582-783D542A7B68}" type="slidenum">
-              <a:rPr lang="en-US" smtClean="0"/>
-              <a:t>‹#›</a:t>
-            </a:fld>
-            <a:endParaRPr lang="en-US"/>
-          </a:p>
-        </p:txBody>
-      </p:sp>
-    </p:spTree>
-    <p:extLst>
-      <p:ext uri="{BB962C8B-B14F-4D97-AF65-F5344CB8AC3E}">
-        <p14:creationId xmlns:p14="http://schemas.microsoft.com/office/powerpoint/2010/main" val="794198732"/>
-      </p:ext>
-    </p:extLst>
-  </p:cSld>
-  <p:clrMapOvr>
-    <a:masterClrMapping/>
-  </p:clrMapOvr>
-  <p:timing>
-    <p:tnLst>
-      <p:par>
-        <p:cTn id="1" dur="indefinite" restart="never" nodeType="tmRoot"/>
-      </p:par>
-    </p:tnLst>
-  </p:timing>
-</p:sldLayout>
-</file>
-
 <file path=ppt/slideLayouts/slideLayout3.xml><?xml version="1.0" encoding="utf-8"?>
 <p:sldLayout xmlns:a="http://schemas.openxmlformats.org/drawingml/2006/main" xmlns:r="http://schemas.openxmlformats.org/officeDocument/2006/relationships" xmlns:p="http://schemas.openxmlformats.org/presentationml/2006/main" preserve="1" userDrawn="1">
   <p:cSld name="2_Custom Layout">
@@ -6159,6 +6646,82 @@
 </file>
 
 <file path=ppt/slideLayouts/slideLayout30.xml><?xml version="1.0" encoding="utf-8"?>
+<p:sldLayout xmlns:a="http://schemas.openxmlformats.org/drawingml/2006/main" xmlns:r="http://schemas.openxmlformats.org/officeDocument/2006/relationships" xmlns:p="http://schemas.openxmlformats.org/presentationml/2006/main" type="blank" preserve="1">
+  <p:cSld name="Blank">
+    <p:bg>
+      <p:bgPr>
+        <a:solidFill>
+          <a:srgbClr val="3C454F"/>
+        </a:solidFill>
+        <a:effectLst/>
+      </p:bgPr>
+    </p:bg>
+    <p:spTree>
+      <p:nvGrpSpPr>
+        <p:cNvPr id="1" name=""/>
+        <p:cNvGrpSpPr/>
+        <p:nvPr/>
+      </p:nvGrpSpPr>
+      <p:grpSpPr>
+        <a:xfrm>
+          <a:off x="0" y="0"/>
+          <a:ext cx="0" cy="0"/>
+          <a:chOff x="0" y="0"/>
+          <a:chExt cx="0" cy="0"/>
+        </a:xfrm>
+      </p:grpSpPr>
+      <p:sp>
+        <p:nvSpPr>
+          <p:cNvPr id="4" name="Slide Number Placeholder 3"/>
+          <p:cNvSpPr>
+            <a:spLocks noGrp="1"/>
+          </p:cNvSpPr>
+          <p:nvPr>
+            <p:ph type="sldNum" sz="quarter" idx="12"/>
+          </p:nvPr>
+        </p:nvSpPr>
+        <p:spPr>
+          <a:xfrm>
+            <a:off x="8903414" y="6256216"/>
+            <a:ext cx="2743200" cy="365125"/>
+          </a:xfrm>
+          <a:prstGeom prst="rect">
+            <a:avLst/>
+          </a:prstGeom>
+        </p:spPr>
+        <p:txBody>
+          <a:bodyPr/>
+          <a:lstStyle/>
+          <a:p>
+            <a:fld id="{0A164282-434E-41D4-9582-783D542A7B68}" type="slidenum">
+              <a:rPr lang="en-US" smtClean="0"/>
+              <a:t>‹#›</a:t>
+            </a:fld>
+            <a:endParaRPr lang="en-US"/>
+          </a:p>
+        </p:txBody>
+      </p:sp>
+    </p:spTree>
+    <p:extLst>
+      <p:ext uri="{BB962C8B-B14F-4D97-AF65-F5344CB8AC3E}">
+        <p14:creationId xmlns:p14="http://schemas.microsoft.com/office/powerpoint/2010/main" val="794198732"/>
+      </p:ext>
+    </p:extLst>
+  </p:cSld>
+  <p:clrMapOvr>
+    <a:masterClrMapping/>
+  </p:clrMapOvr>
+  <p:timing>
+    <p:tnLst>
+      <p:par>
+        <p:cTn id="1" dur="indefinite" restart="never" nodeType="tmRoot"/>
+      </p:par>
+    </p:tnLst>
+  </p:timing>
+</p:sldLayout>
+</file>
+
+<file path=ppt/slideLayouts/slideLayout31.xml><?xml version="1.0" encoding="utf-8"?>
 <p:sldLayout xmlns:a="http://schemas.openxmlformats.org/drawingml/2006/main" xmlns:r="http://schemas.openxmlformats.org/officeDocument/2006/relationships" xmlns:p="http://schemas.openxmlformats.org/presentationml/2006/main" type="blank" preserve="1">
   <p:cSld name="1_Blank">
     <p:bg>
@@ -6203,7 +6766,7 @@
 </p:sldLayout>
 </file>
 
-<file path=ppt/slideLayouts/slideLayout31.xml><?xml version="1.0" encoding="utf-8"?>
+<file path=ppt/slideLayouts/slideLayout32.xml><?xml version="1.0" encoding="utf-8"?>
 <p:sldLayout xmlns:a="http://schemas.openxmlformats.org/drawingml/2006/main" xmlns:r="http://schemas.openxmlformats.org/officeDocument/2006/relationships" xmlns:p="http://schemas.openxmlformats.org/presentationml/2006/main" type="objTx" preserve="1">
   <p:cSld name="Content with Caption">
     <p:bg>
@@ -6475,7 +7038,7 @@
 </p:sldLayout>
 </file>
 
-<file path=ppt/slideLayouts/slideLayout32.xml><?xml version="1.0" encoding="utf-8"?>
+<file path=ppt/slideLayouts/slideLayout33.xml><?xml version="1.0" encoding="utf-8"?>
 <p:sldLayout xmlns:a="http://schemas.openxmlformats.org/drawingml/2006/main" xmlns:r="http://schemas.openxmlformats.org/officeDocument/2006/relationships" xmlns:p="http://schemas.openxmlformats.org/presentationml/2006/main" type="title" preserve="1">
   <p:cSld name="Title Slide">
     <p:bg>
@@ -6619,7 +7182,7 @@
 </p:sldLayout>
 </file>
 
-<file path=ppt/slideLayouts/slideLayout33.xml><?xml version="1.0" encoding="utf-8"?>
+<file path=ppt/slideLayouts/slideLayout34.xml><?xml version="1.0" encoding="utf-8"?>
 <p:sldLayout xmlns:a="http://schemas.openxmlformats.org/drawingml/2006/main" xmlns:r="http://schemas.openxmlformats.org/officeDocument/2006/relationships" xmlns:p="http://schemas.openxmlformats.org/presentationml/2006/main" type="obj" preserve="1">
   <p:cSld name="Title and Content">
     <p:bg>
@@ -6770,7 +7333,7 @@
 </p:sldLayout>
 </file>
 
-<file path=ppt/slideLayouts/slideLayout34.xml><?xml version="1.0" encoding="utf-8"?>
+<file path=ppt/slideLayouts/slideLayout35.xml><?xml version="1.0" encoding="utf-8"?>
 <p:sldLayout xmlns:a="http://schemas.openxmlformats.org/drawingml/2006/main" xmlns:r="http://schemas.openxmlformats.org/officeDocument/2006/relationships" xmlns:p="http://schemas.openxmlformats.org/presentationml/2006/main" preserve="1" userDrawn="1">
   <p:cSld name="1_Title and Content">
     <p:spTree>
@@ -6958,7 +7521,7 @@
 </p:sldLayout>
 </file>
 
-<file path=ppt/slideLayouts/slideLayout35.xml><?xml version="1.0" encoding="utf-8"?>
+<file path=ppt/slideLayouts/slideLayout36.xml><?xml version="1.0" encoding="utf-8"?>
 <p:sldLayout xmlns:a="http://schemas.openxmlformats.org/drawingml/2006/main" xmlns:r="http://schemas.openxmlformats.org/officeDocument/2006/relationships" xmlns:p="http://schemas.openxmlformats.org/presentationml/2006/main" type="titleOnly" preserve="1">
   <p:cSld name="Title Only">
     <p:bg>
@@ -7057,7 +7620,7 @@
 </p:sldLayout>
 </file>
 
-<file path=ppt/slideLayouts/slideLayout36.xml><?xml version="1.0" encoding="utf-8"?>
+<file path=ppt/slideLayouts/slideLayout37.xml><?xml version="1.0" encoding="utf-8"?>
 <p:sldLayout xmlns:a="http://schemas.openxmlformats.org/drawingml/2006/main" xmlns:r="http://schemas.openxmlformats.org/officeDocument/2006/relationships" xmlns:p="http://schemas.openxmlformats.org/presentationml/2006/main" preserve="1" userDrawn="1">
   <p:cSld name="1_Title Only">
     <p:spTree>
@@ -8092,7 +8655,7 @@
 </p:sldLayout>
 </file>
 
-<file path=ppt/slideLayouts/slideLayout37.xml><?xml version="1.0" encoding="utf-8"?>
+<file path=ppt/slideLayouts/slideLayout38.xml><?xml version="1.0" encoding="utf-8"?>
 <p:sldLayout xmlns:a="http://schemas.openxmlformats.org/drawingml/2006/main" xmlns:r="http://schemas.openxmlformats.org/officeDocument/2006/relationships" xmlns:p="http://schemas.openxmlformats.org/presentationml/2006/main" type="blank" preserve="1">
   <p:cSld name="Blank">
     <p:bg>
@@ -8168,7 +8731,7 @@
 </p:sldLayout>
 </file>
 
-<file path=ppt/slideLayouts/slideLayout38.xml><?xml version="1.0" encoding="utf-8"?>
+<file path=ppt/slideLayouts/slideLayout39.xml><?xml version="1.0" encoding="utf-8"?>
 <p:sldLayout xmlns:a="http://schemas.openxmlformats.org/drawingml/2006/main" xmlns:r="http://schemas.openxmlformats.org/officeDocument/2006/relationships" xmlns:p="http://schemas.openxmlformats.org/presentationml/2006/main" type="blank" preserve="1">
   <p:cSld name="1_Blank">
     <p:bg>
@@ -8213,7 +8776,118 @@
 </p:sldLayout>
 </file>
 
-<file path=ppt/slideLayouts/slideLayout39.xml><?xml version="1.0" encoding="utf-8"?>
+<file path=ppt/slideLayouts/slideLayout4.xml><?xml version="1.0" encoding="utf-8"?>
+<p:sldLayout xmlns:a="http://schemas.openxmlformats.org/drawingml/2006/main" xmlns:r="http://schemas.openxmlformats.org/officeDocument/2006/relationships" xmlns:p="http://schemas.openxmlformats.org/presentationml/2006/main" preserve="1" userDrawn="1">
+  <p:cSld name="3_Custom Layout">
+    <p:bg>
+      <p:bgPr>
+        <a:solidFill>
+          <a:srgbClr val="617081"/>
+        </a:solidFill>
+        <a:effectLst/>
+      </p:bgPr>
+    </p:bg>
+    <p:spTree>
+      <p:nvGrpSpPr>
+        <p:cNvPr id="1" name=""/>
+        <p:cNvGrpSpPr/>
+        <p:nvPr/>
+      </p:nvGrpSpPr>
+      <p:grpSpPr>
+        <a:xfrm>
+          <a:off x="0" y="0"/>
+          <a:ext cx="0" cy="0"/>
+          <a:chOff x="0" y="0"/>
+          <a:chExt cx="0" cy="0"/>
+        </a:xfrm>
+      </p:grpSpPr>
+      <p:sp>
+        <p:nvSpPr>
+          <p:cNvPr id="4" name="Title 3"/>
+          <p:cNvSpPr>
+            <a:spLocks noGrp="1"/>
+          </p:cNvSpPr>
+          <p:nvPr>
+            <p:ph type="title"/>
+          </p:nvPr>
+        </p:nvSpPr>
+        <p:spPr/>
+        <p:txBody>
+          <a:bodyPr anchor="b"/>
+          <a:lstStyle/>
+          <a:p>
+            <a:r>
+              <a:rPr lang="en-US" smtClean="0"/>
+              <a:t>Click to edit Master title style</a:t>
+            </a:r>
+            <a:endParaRPr lang="en-US"/>
+          </a:p>
+        </p:txBody>
+      </p:sp>
+      <p:sp>
+        <p:nvSpPr>
+          <p:cNvPr id="6" name="Text Placeholder 5"/>
+          <p:cNvSpPr>
+            <a:spLocks noGrp="1"/>
+          </p:cNvSpPr>
+          <p:nvPr>
+            <p:ph type="body" sz="quarter" idx="10" hasCustomPrompt="1"/>
+          </p:nvPr>
+        </p:nvSpPr>
+        <p:spPr>
+          <a:xfrm>
+            <a:off x="6638425" y="5517221"/>
+            <a:ext cx="5013325" cy="1026863"/>
+          </a:xfrm>
+        </p:spPr>
+        <p:txBody>
+          <a:bodyPr/>
+          <a:lstStyle>
+            <a:lvl1pPr>
+              <a:defRPr>
+                <a:solidFill>
+                  <a:srgbClr val="BDCD2C"/>
+                </a:solidFill>
+              </a:defRPr>
+            </a:lvl1pPr>
+          </a:lstStyle>
+          <a:p>
+            <a:pPr lvl="0"/>
+            <a:r>
+              <a:rPr lang="en-US" dirty="0" smtClean="0"/>
+              <a:t>Presenter Name</a:t>
+            </a:r>
+          </a:p>
+          <a:p>
+            <a:pPr lvl="0"/>
+            <a:r>
+              <a:rPr lang="en-US" dirty="0" smtClean="0"/>
+              <a:t>Title/role</a:t>
+            </a:r>
+          </a:p>
+        </p:txBody>
+      </p:sp>
+    </p:spTree>
+    <p:extLst>
+      <p:ext uri="{BB962C8B-B14F-4D97-AF65-F5344CB8AC3E}">
+        <p14:creationId xmlns:p14="http://schemas.microsoft.com/office/powerpoint/2010/main" val="127618525"/>
+      </p:ext>
+    </p:extLst>
+  </p:cSld>
+  <p:clrMapOvr>
+    <a:masterClrMapping/>
+  </p:clrMapOvr>
+  <p:timing>
+    <p:tnLst>
+      <p:par>
+        <p:cTn id="1" dur="indefinite" restart="never" nodeType="tmRoot"/>
+      </p:par>
+    </p:tnLst>
+  </p:timing>
+</p:sldLayout>
+</file>
+
+<file path=ppt/slideLayouts/slideLayout40.xml><?xml version="1.0" encoding="utf-8"?>
 <p:sldLayout xmlns:a="http://schemas.openxmlformats.org/drawingml/2006/main" xmlns:r="http://schemas.openxmlformats.org/officeDocument/2006/relationships" xmlns:p="http://schemas.openxmlformats.org/presentationml/2006/main" type="objTx" preserve="1">
   <p:cSld name="Content with Caption">
     <p:bg>
@@ -8485,118 +9159,7 @@
 </p:sldLayout>
 </file>
 
-<file path=ppt/slideLayouts/slideLayout4.xml><?xml version="1.0" encoding="utf-8"?>
-<p:sldLayout xmlns:a="http://schemas.openxmlformats.org/drawingml/2006/main" xmlns:r="http://schemas.openxmlformats.org/officeDocument/2006/relationships" xmlns:p="http://schemas.openxmlformats.org/presentationml/2006/main" preserve="1" userDrawn="1">
-  <p:cSld name="3_Custom Layout">
-    <p:bg>
-      <p:bgPr>
-        <a:solidFill>
-          <a:srgbClr val="617081"/>
-        </a:solidFill>
-        <a:effectLst/>
-      </p:bgPr>
-    </p:bg>
-    <p:spTree>
-      <p:nvGrpSpPr>
-        <p:cNvPr id="1" name=""/>
-        <p:cNvGrpSpPr/>
-        <p:nvPr/>
-      </p:nvGrpSpPr>
-      <p:grpSpPr>
-        <a:xfrm>
-          <a:off x="0" y="0"/>
-          <a:ext cx="0" cy="0"/>
-          <a:chOff x="0" y="0"/>
-          <a:chExt cx="0" cy="0"/>
-        </a:xfrm>
-      </p:grpSpPr>
-      <p:sp>
-        <p:nvSpPr>
-          <p:cNvPr id="4" name="Title 3"/>
-          <p:cNvSpPr>
-            <a:spLocks noGrp="1"/>
-          </p:cNvSpPr>
-          <p:nvPr>
-            <p:ph type="title"/>
-          </p:nvPr>
-        </p:nvSpPr>
-        <p:spPr/>
-        <p:txBody>
-          <a:bodyPr anchor="b"/>
-          <a:lstStyle/>
-          <a:p>
-            <a:r>
-              <a:rPr lang="en-US" smtClean="0"/>
-              <a:t>Click to edit Master title style</a:t>
-            </a:r>
-            <a:endParaRPr lang="en-US"/>
-          </a:p>
-        </p:txBody>
-      </p:sp>
-      <p:sp>
-        <p:nvSpPr>
-          <p:cNvPr id="6" name="Text Placeholder 5"/>
-          <p:cNvSpPr>
-            <a:spLocks noGrp="1"/>
-          </p:cNvSpPr>
-          <p:nvPr>
-            <p:ph type="body" sz="quarter" idx="10" hasCustomPrompt="1"/>
-          </p:nvPr>
-        </p:nvSpPr>
-        <p:spPr>
-          <a:xfrm>
-            <a:off x="6638425" y="5517221"/>
-            <a:ext cx="5013325" cy="1026863"/>
-          </a:xfrm>
-        </p:spPr>
-        <p:txBody>
-          <a:bodyPr/>
-          <a:lstStyle>
-            <a:lvl1pPr>
-              <a:defRPr>
-                <a:solidFill>
-                  <a:srgbClr val="BDCD2C"/>
-                </a:solidFill>
-              </a:defRPr>
-            </a:lvl1pPr>
-          </a:lstStyle>
-          <a:p>
-            <a:pPr lvl="0"/>
-            <a:r>
-              <a:rPr lang="en-US" dirty="0" smtClean="0"/>
-              <a:t>Presenter Name</a:t>
-            </a:r>
-          </a:p>
-          <a:p>
-            <a:pPr lvl="0"/>
-            <a:r>
-              <a:rPr lang="en-US" dirty="0" smtClean="0"/>
-              <a:t>Title/role</a:t>
-            </a:r>
-          </a:p>
-        </p:txBody>
-      </p:sp>
-    </p:spTree>
-    <p:extLst>
-      <p:ext uri="{BB962C8B-B14F-4D97-AF65-F5344CB8AC3E}">
-        <p14:creationId xmlns:p14="http://schemas.microsoft.com/office/powerpoint/2010/main" val="127618525"/>
-      </p:ext>
-    </p:extLst>
-  </p:cSld>
-  <p:clrMapOvr>
-    <a:masterClrMapping/>
-  </p:clrMapOvr>
-  <p:timing>
-    <p:tnLst>
-      <p:par>
-        <p:cTn id="1" dur="indefinite" restart="never" nodeType="tmRoot"/>
-      </p:par>
-    </p:tnLst>
-  </p:timing>
-</p:sldLayout>
-</file>
-
-<file path=ppt/slideLayouts/slideLayout40.xml><?xml version="1.0" encoding="utf-8"?>
+<file path=ppt/slideLayouts/slideLayout41.xml><?xml version="1.0" encoding="utf-8"?>
 <p:sldLayout xmlns:a="http://schemas.openxmlformats.org/drawingml/2006/main" xmlns:r="http://schemas.openxmlformats.org/officeDocument/2006/relationships" xmlns:p="http://schemas.openxmlformats.org/presentationml/2006/main" type="title" preserve="1">
   <p:cSld name="Title Slide">
     <p:bg>
@@ -8740,7 +9303,7 @@
 </p:sldLayout>
 </file>
 
-<file path=ppt/slideLayouts/slideLayout41.xml><?xml version="1.0" encoding="utf-8"?>
+<file path=ppt/slideLayouts/slideLayout42.xml><?xml version="1.0" encoding="utf-8"?>
 <p:sldLayout xmlns:a="http://schemas.openxmlformats.org/drawingml/2006/main" xmlns:r="http://schemas.openxmlformats.org/officeDocument/2006/relationships" xmlns:p="http://schemas.openxmlformats.org/presentationml/2006/main" type="obj" preserve="1">
   <p:cSld name="Title and Content">
     <p:bg>
@@ -8891,7 +9454,7 @@
 </p:sldLayout>
 </file>
 
-<file path=ppt/slideLayouts/slideLayout42.xml><?xml version="1.0" encoding="utf-8"?>
+<file path=ppt/slideLayouts/slideLayout43.xml><?xml version="1.0" encoding="utf-8"?>
 <p:sldLayout xmlns:a="http://schemas.openxmlformats.org/drawingml/2006/main" xmlns:r="http://schemas.openxmlformats.org/officeDocument/2006/relationships" xmlns:p="http://schemas.openxmlformats.org/presentationml/2006/main" preserve="1" userDrawn="1">
   <p:cSld name="1_Title and Content">
     <p:spTree>
@@ -9079,7 +9642,7 @@
 </p:sldLayout>
 </file>
 
-<file path=ppt/slideLayouts/slideLayout43.xml><?xml version="1.0" encoding="utf-8"?>
+<file path=ppt/slideLayouts/slideLayout44.xml><?xml version="1.0" encoding="utf-8"?>
 <p:sldLayout xmlns:a="http://schemas.openxmlformats.org/drawingml/2006/main" xmlns:r="http://schemas.openxmlformats.org/officeDocument/2006/relationships" xmlns:p="http://schemas.openxmlformats.org/presentationml/2006/main" type="titleOnly" preserve="1">
   <p:cSld name="Title Only">
     <p:bg>
@@ -9178,7 +9741,7 @@
 </p:sldLayout>
 </file>
 
-<file path=ppt/slideLayouts/slideLayout44.xml><?xml version="1.0" encoding="utf-8"?>
+<file path=ppt/slideLayouts/slideLayout45.xml><?xml version="1.0" encoding="utf-8"?>
 <p:sldLayout xmlns:a="http://schemas.openxmlformats.org/drawingml/2006/main" xmlns:r="http://schemas.openxmlformats.org/officeDocument/2006/relationships" xmlns:p="http://schemas.openxmlformats.org/presentationml/2006/main" preserve="1" userDrawn="1">
   <p:cSld name="1_Title Only">
     <p:spTree>
@@ -10213,7 +10776,7 @@
 </p:sldLayout>
 </file>
 
-<file path=ppt/slideLayouts/slideLayout45.xml><?xml version="1.0" encoding="utf-8"?>
+<file path=ppt/slideLayouts/slideLayout46.xml><?xml version="1.0" encoding="utf-8"?>
 <p:sldLayout xmlns:a="http://schemas.openxmlformats.org/drawingml/2006/main" xmlns:r="http://schemas.openxmlformats.org/officeDocument/2006/relationships" xmlns:p="http://schemas.openxmlformats.org/presentationml/2006/main" type="blank" preserve="1">
   <p:cSld name="Blank">
     <p:bg>
@@ -10289,7 +10852,7 @@
 </p:sldLayout>
 </file>
 
-<file path=ppt/slideLayouts/slideLayout46.xml><?xml version="1.0" encoding="utf-8"?>
+<file path=ppt/slideLayouts/slideLayout47.xml><?xml version="1.0" encoding="utf-8"?>
 <p:sldLayout xmlns:a="http://schemas.openxmlformats.org/drawingml/2006/main" xmlns:r="http://schemas.openxmlformats.org/officeDocument/2006/relationships" xmlns:p="http://schemas.openxmlformats.org/presentationml/2006/main" type="blank" preserve="1">
   <p:cSld name="1_Blank">
     <p:bg>
@@ -10334,7 +10897,7 @@
 </p:sldLayout>
 </file>
 
-<file path=ppt/slideLayouts/slideLayout47.xml><?xml version="1.0" encoding="utf-8"?>
+<file path=ppt/slideLayouts/slideLayout48.xml><?xml version="1.0" encoding="utf-8"?>
 <p:sldLayout xmlns:a="http://schemas.openxmlformats.org/drawingml/2006/main" xmlns:r="http://schemas.openxmlformats.org/officeDocument/2006/relationships" xmlns:p="http://schemas.openxmlformats.org/presentationml/2006/main" type="objTx" preserve="1">
   <p:cSld name="Content with Caption">
     <p:bg>
@@ -10606,7 +11169,7 @@
 </p:sldLayout>
 </file>
 
-<file path=ppt/slideLayouts/slideLayout48.xml><?xml version="1.0" encoding="utf-8"?>
+<file path=ppt/slideLayouts/slideLayout49.xml><?xml version="1.0" encoding="utf-8"?>
 <p:sldLayout xmlns:a="http://schemas.openxmlformats.org/drawingml/2006/main" xmlns:r="http://schemas.openxmlformats.org/officeDocument/2006/relationships" xmlns:p="http://schemas.openxmlformats.org/presentationml/2006/main" type="title" preserve="1">
   <p:cSld name="Title Slide">
     <p:bg>
@@ -10750,157 +11313,6 @@
 </p:sldLayout>
 </file>
 
-<file path=ppt/slideLayouts/slideLayout49.xml><?xml version="1.0" encoding="utf-8"?>
-<p:sldLayout xmlns:a="http://schemas.openxmlformats.org/drawingml/2006/main" xmlns:r="http://schemas.openxmlformats.org/officeDocument/2006/relationships" xmlns:p="http://schemas.openxmlformats.org/presentationml/2006/main" type="obj" preserve="1">
-  <p:cSld name="Title and Content">
-    <p:bg>
-      <p:bgPr>
-        <a:solidFill>
-          <a:schemeClr val="tx1"/>
-        </a:solidFill>
-        <a:effectLst/>
-      </p:bgPr>
-    </p:bg>
-    <p:spTree>
-      <p:nvGrpSpPr>
-        <p:cNvPr id="1" name=""/>
-        <p:cNvGrpSpPr/>
-        <p:nvPr/>
-      </p:nvGrpSpPr>
-      <p:grpSpPr>
-        <a:xfrm>
-          <a:off x="0" y="0"/>
-          <a:ext cx="0" cy="0"/>
-          <a:chOff x="0" y="0"/>
-          <a:chExt cx="0" cy="0"/>
-        </a:xfrm>
-      </p:grpSpPr>
-      <p:sp>
-        <p:nvSpPr>
-          <p:cNvPr id="2" name="Title 1"/>
-          <p:cNvSpPr>
-            <a:spLocks noGrp="1"/>
-          </p:cNvSpPr>
-          <p:nvPr>
-            <p:ph type="title"/>
-          </p:nvPr>
-        </p:nvSpPr>
-        <p:spPr/>
-        <p:txBody>
-          <a:bodyPr/>
-          <a:lstStyle/>
-          <a:p>
-            <a:r>
-              <a:rPr lang="en-US" smtClean="0"/>
-              <a:t>Click to edit Master title style</a:t>
-            </a:r>
-            <a:endParaRPr lang="en-US"/>
-          </a:p>
-        </p:txBody>
-      </p:sp>
-      <p:sp>
-        <p:nvSpPr>
-          <p:cNvPr id="3" name="Content Placeholder 2"/>
-          <p:cNvSpPr>
-            <a:spLocks noGrp="1"/>
-          </p:cNvSpPr>
-          <p:nvPr>
-            <p:ph idx="1"/>
-          </p:nvPr>
-        </p:nvSpPr>
-        <p:spPr/>
-        <p:txBody>
-          <a:bodyPr/>
-          <a:lstStyle/>
-          <a:p>
-            <a:pPr lvl="0"/>
-            <a:r>
-              <a:rPr lang="en-US" smtClean="0"/>
-              <a:t>Click to edit Master text styles</a:t>
-            </a:r>
-          </a:p>
-          <a:p>
-            <a:pPr lvl="1"/>
-            <a:r>
-              <a:rPr lang="en-US" smtClean="0"/>
-              <a:t>Second level</a:t>
-            </a:r>
-          </a:p>
-          <a:p>
-            <a:pPr lvl="2"/>
-            <a:r>
-              <a:rPr lang="en-US" smtClean="0"/>
-              <a:t>Third level</a:t>
-            </a:r>
-          </a:p>
-          <a:p>
-            <a:pPr lvl="3"/>
-            <a:r>
-              <a:rPr lang="en-US" smtClean="0"/>
-              <a:t>Fourth level</a:t>
-            </a:r>
-          </a:p>
-          <a:p>
-            <a:pPr lvl="4"/>
-            <a:r>
-              <a:rPr lang="en-US" smtClean="0"/>
-              <a:t>Fifth level</a:t>
-            </a:r>
-            <a:endParaRPr lang="en-US"/>
-          </a:p>
-        </p:txBody>
-      </p:sp>
-      <p:sp>
-        <p:nvSpPr>
-          <p:cNvPr id="6" name="Slide Number Placeholder 5"/>
-          <p:cNvSpPr>
-            <a:spLocks noGrp="1"/>
-          </p:cNvSpPr>
-          <p:nvPr>
-            <p:ph type="sldNum" sz="quarter" idx="12"/>
-          </p:nvPr>
-        </p:nvSpPr>
-        <p:spPr>
-          <a:xfrm>
-            <a:off x="8897420" y="6256216"/>
-            <a:ext cx="2743200" cy="365125"/>
-          </a:xfrm>
-          <a:prstGeom prst="rect">
-            <a:avLst/>
-          </a:prstGeom>
-        </p:spPr>
-        <p:txBody>
-          <a:bodyPr/>
-          <a:lstStyle/>
-          <a:p>
-            <a:fld id="{0A164282-434E-41D4-9582-783D542A7B68}" type="slidenum">
-              <a:rPr lang="en-US" smtClean="0"/>
-              <a:t>‹#›</a:t>
-            </a:fld>
-            <a:endParaRPr lang="en-US"/>
-          </a:p>
-        </p:txBody>
-      </p:sp>
-    </p:spTree>
-    <p:extLst>
-      <p:ext uri="{BB962C8B-B14F-4D97-AF65-F5344CB8AC3E}">
-        <p14:creationId xmlns:p14="http://schemas.microsoft.com/office/powerpoint/2010/main" val="3995736214"/>
-      </p:ext>
-    </p:extLst>
-  </p:cSld>
-  <p:clrMapOvr>
-    <a:masterClrMapping/>
-  </p:clrMapOvr>
-  <p:timing>
-    <p:tnLst>
-      <p:par>
-        <p:cTn id="1" dur="indefinite" restart="never" nodeType="tmRoot"/>
-      </p:par>
-    </p:tnLst>
-  </p:timing>
-</p:sldLayout>
-</file>
-
 <file path=ppt/slideLayouts/slideLayout5.xml><?xml version="1.0" encoding="utf-8"?>
 <p:sldLayout xmlns:a="http://schemas.openxmlformats.org/drawingml/2006/main" xmlns:r="http://schemas.openxmlformats.org/officeDocument/2006/relationships" xmlns:p="http://schemas.openxmlformats.org/presentationml/2006/main" preserve="1" userDrawn="1">
   <p:cSld name="4_Custom Layout">
@@ -11021,6 +11433,157 @@
 </file>
 
 <file path=ppt/slideLayouts/slideLayout50.xml><?xml version="1.0" encoding="utf-8"?>
+<p:sldLayout xmlns:a="http://schemas.openxmlformats.org/drawingml/2006/main" xmlns:r="http://schemas.openxmlformats.org/officeDocument/2006/relationships" xmlns:p="http://schemas.openxmlformats.org/presentationml/2006/main" type="obj" preserve="1">
+  <p:cSld name="Title and Content">
+    <p:bg>
+      <p:bgPr>
+        <a:solidFill>
+          <a:schemeClr val="tx1"/>
+        </a:solidFill>
+        <a:effectLst/>
+      </p:bgPr>
+    </p:bg>
+    <p:spTree>
+      <p:nvGrpSpPr>
+        <p:cNvPr id="1" name=""/>
+        <p:cNvGrpSpPr/>
+        <p:nvPr/>
+      </p:nvGrpSpPr>
+      <p:grpSpPr>
+        <a:xfrm>
+          <a:off x="0" y="0"/>
+          <a:ext cx="0" cy="0"/>
+          <a:chOff x="0" y="0"/>
+          <a:chExt cx="0" cy="0"/>
+        </a:xfrm>
+      </p:grpSpPr>
+      <p:sp>
+        <p:nvSpPr>
+          <p:cNvPr id="2" name="Title 1"/>
+          <p:cNvSpPr>
+            <a:spLocks noGrp="1"/>
+          </p:cNvSpPr>
+          <p:nvPr>
+            <p:ph type="title"/>
+          </p:nvPr>
+        </p:nvSpPr>
+        <p:spPr/>
+        <p:txBody>
+          <a:bodyPr/>
+          <a:lstStyle/>
+          <a:p>
+            <a:r>
+              <a:rPr lang="en-US" smtClean="0"/>
+              <a:t>Click to edit Master title style</a:t>
+            </a:r>
+            <a:endParaRPr lang="en-US"/>
+          </a:p>
+        </p:txBody>
+      </p:sp>
+      <p:sp>
+        <p:nvSpPr>
+          <p:cNvPr id="3" name="Content Placeholder 2"/>
+          <p:cNvSpPr>
+            <a:spLocks noGrp="1"/>
+          </p:cNvSpPr>
+          <p:nvPr>
+            <p:ph idx="1"/>
+          </p:nvPr>
+        </p:nvSpPr>
+        <p:spPr/>
+        <p:txBody>
+          <a:bodyPr/>
+          <a:lstStyle/>
+          <a:p>
+            <a:pPr lvl="0"/>
+            <a:r>
+              <a:rPr lang="en-US" smtClean="0"/>
+              <a:t>Click to edit Master text styles</a:t>
+            </a:r>
+          </a:p>
+          <a:p>
+            <a:pPr lvl="1"/>
+            <a:r>
+              <a:rPr lang="en-US" smtClean="0"/>
+              <a:t>Second level</a:t>
+            </a:r>
+          </a:p>
+          <a:p>
+            <a:pPr lvl="2"/>
+            <a:r>
+              <a:rPr lang="en-US" smtClean="0"/>
+              <a:t>Third level</a:t>
+            </a:r>
+          </a:p>
+          <a:p>
+            <a:pPr lvl="3"/>
+            <a:r>
+              <a:rPr lang="en-US" smtClean="0"/>
+              <a:t>Fourth level</a:t>
+            </a:r>
+          </a:p>
+          <a:p>
+            <a:pPr lvl="4"/>
+            <a:r>
+              <a:rPr lang="en-US" smtClean="0"/>
+              <a:t>Fifth level</a:t>
+            </a:r>
+            <a:endParaRPr lang="en-US"/>
+          </a:p>
+        </p:txBody>
+      </p:sp>
+      <p:sp>
+        <p:nvSpPr>
+          <p:cNvPr id="6" name="Slide Number Placeholder 5"/>
+          <p:cNvSpPr>
+            <a:spLocks noGrp="1"/>
+          </p:cNvSpPr>
+          <p:nvPr>
+            <p:ph type="sldNum" sz="quarter" idx="12"/>
+          </p:nvPr>
+        </p:nvSpPr>
+        <p:spPr>
+          <a:xfrm>
+            <a:off x="8897420" y="6256216"/>
+            <a:ext cx="2743200" cy="365125"/>
+          </a:xfrm>
+          <a:prstGeom prst="rect">
+            <a:avLst/>
+          </a:prstGeom>
+        </p:spPr>
+        <p:txBody>
+          <a:bodyPr/>
+          <a:lstStyle/>
+          <a:p>
+            <a:fld id="{0A164282-434E-41D4-9582-783D542A7B68}" type="slidenum">
+              <a:rPr lang="en-US" smtClean="0"/>
+              <a:t>‹#›</a:t>
+            </a:fld>
+            <a:endParaRPr lang="en-US"/>
+          </a:p>
+        </p:txBody>
+      </p:sp>
+    </p:spTree>
+    <p:extLst>
+      <p:ext uri="{BB962C8B-B14F-4D97-AF65-F5344CB8AC3E}">
+        <p14:creationId xmlns:p14="http://schemas.microsoft.com/office/powerpoint/2010/main" val="3995736214"/>
+      </p:ext>
+    </p:extLst>
+  </p:cSld>
+  <p:clrMapOvr>
+    <a:masterClrMapping/>
+  </p:clrMapOvr>
+  <p:timing>
+    <p:tnLst>
+      <p:par>
+        <p:cTn id="1" dur="indefinite" restart="never" nodeType="tmRoot"/>
+      </p:par>
+    </p:tnLst>
+  </p:timing>
+</p:sldLayout>
+</file>
+
+<file path=ppt/slideLayouts/slideLayout51.xml><?xml version="1.0" encoding="utf-8"?>
 <p:sldLayout xmlns:a="http://schemas.openxmlformats.org/drawingml/2006/main" xmlns:r="http://schemas.openxmlformats.org/officeDocument/2006/relationships" xmlns:p="http://schemas.openxmlformats.org/presentationml/2006/main" preserve="1" userDrawn="1">
   <p:cSld name="1_Title and Content">
     <p:spTree>
@@ -11208,7 +11771,7 @@
 </p:sldLayout>
 </file>
 
-<file path=ppt/slideLayouts/slideLayout51.xml><?xml version="1.0" encoding="utf-8"?>
+<file path=ppt/slideLayouts/slideLayout52.xml><?xml version="1.0" encoding="utf-8"?>
 <p:sldLayout xmlns:a="http://schemas.openxmlformats.org/drawingml/2006/main" xmlns:r="http://schemas.openxmlformats.org/officeDocument/2006/relationships" xmlns:p="http://schemas.openxmlformats.org/presentationml/2006/main" type="titleOnly" preserve="1">
   <p:cSld name="Title Only">
     <p:bg>
@@ -11307,7 +11870,7 @@
 </p:sldLayout>
 </file>
 
-<file path=ppt/slideLayouts/slideLayout52.xml><?xml version="1.0" encoding="utf-8"?>
+<file path=ppt/slideLayouts/slideLayout53.xml><?xml version="1.0" encoding="utf-8"?>
 <p:sldLayout xmlns:a="http://schemas.openxmlformats.org/drawingml/2006/main" xmlns:r="http://schemas.openxmlformats.org/officeDocument/2006/relationships" xmlns:p="http://schemas.openxmlformats.org/presentationml/2006/main" type="blank" preserve="1">
   <p:cSld name="Blank">
     <p:bg>
@@ -11383,7 +11946,7 @@
 </p:sldLayout>
 </file>
 
-<file path=ppt/slideLayouts/slideLayout53.xml><?xml version="1.0" encoding="utf-8"?>
+<file path=ppt/slideLayouts/slideLayout54.xml><?xml version="1.0" encoding="utf-8"?>
 <p:sldLayout xmlns:a="http://schemas.openxmlformats.org/drawingml/2006/main" xmlns:r="http://schemas.openxmlformats.org/officeDocument/2006/relationships" xmlns:p="http://schemas.openxmlformats.org/presentationml/2006/main" type="blank" preserve="1">
   <p:cSld name="1_Blank">
     <p:bg>
@@ -11428,7 +11991,7 @@
 </p:sldLayout>
 </file>
 
-<file path=ppt/slideLayouts/slideLayout54.xml><?xml version="1.0" encoding="utf-8"?>
+<file path=ppt/slideLayouts/slideLayout55.xml><?xml version="1.0" encoding="utf-8"?>
 <p:sldLayout xmlns:a="http://schemas.openxmlformats.org/drawingml/2006/main" xmlns:r="http://schemas.openxmlformats.org/officeDocument/2006/relationships" xmlns:p="http://schemas.openxmlformats.org/presentationml/2006/main" type="objTx" preserve="1">
   <p:cSld name="Content with Caption">
     <p:bg>
@@ -11700,7 +12263,7 @@
 </p:sldLayout>
 </file>
 
-<file path=ppt/slideLayouts/slideLayout55.xml><?xml version="1.0" encoding="utf-8"?>
+<file path=ppt/slideLayouts/slideLayout56.xml><?xml version="1.0" encoding="utf-8"?>
 <p:sldLayout xmlns:a="http://schemas.openxmlformats.org/drawingml/2006/main" xmlns:r="http://schemas.openxmlformats.org/officeDocument/2006/relationships" xmlns:p="http://schemas.openxmlformats.org/presentationml/2006/main" type="title" preserve="1">
   <p:cSld name="Title Slide">
     <p:bg>
@@ -11844,7 +12407,7 @@
 </p:sldLayout>
 </file>
 
-<file path=ppt/slideLayouts/slideLayout56.xml><?xml version="1.0" encoding="utf-8"?>
+<file path=ppt/slideLayouts/slideLayout57.xml><?xml version="1.0" encoding="utf-8"?>
 <p:sldLayout xmlns:a="http://schemas.openxmlformats.org/drawingml/2006/main" xmlns:r="http://schemas.openxmlformats.org/officeDocument/2006/relationships" xmlns:p="http://schemas.openxmlformats.org/presentationml/2006/main" type="obj" preserve="1">
   <p:cSld name="Title and Content">
     <p:bg>
@@ -11996,7 +12559,7 @@
 </p:sldLayout>
 </file>
 
-<file path=ppt/slideLayouts/slideLayout57.xml><?xml version="1.0" encoding="utf-8"?>
+<file path=ppt/slideLayouts/slideLayout58.xml><?xml version="1.0" encoding="utf-8"?>
 <p:sldLayout xmlns:a="http://schemas.openxmlformats.org/drawingml/2006/main" xmlns:r="http://schemas.openxmlformats.org/officeDocument/2006/relationships" xmlns:p="http://schemas.openxmlformats.org/presentationml/2006/main" preserve="1" userDrawn="1">
   <p:cSld name="1_Title and Content">
     <p:spTree>
@@ -12185,7 +12748,7 @@
 </p:sldLayout>
 </file>
 
-<file path=ppt/slideLayouts/slideLayout58.xml><?xml version="1.0" encoding="utf-8"?>
+<file path=ppt/slideLayouts/slideLayout59.xml><?xml version="1.0" encoding="utf-8"?>
 <p:sldLayout xmlns:a="http://schemas.openxmlformats.org/drawingml/2006/main" xmlns:r="http://schemas.openxmlformats.org/officeDocument/2006/relationships" xmlns:p="http://schemas.openxmlformats.org/presentationml/2006/main" type="titleOnly" preserve="1">
   <p:cSld name="Title Only">
     <p:bg>
@@ -12285,7 +12848,143 @@
 </p:sldLayout>
 </file>
 
-<file path=ppt/slideLayouts/slideLayout59.xml><?xml version="1.0" encoding="utf-8"?>
+<file path=ppt/slideLayouts/slideLayout6.xml><?xml version="1.0" encoding="utf-8"?>
+<p:sldLayout xmlns:a="http://schemas.openxmlformats.org/drawingml/2006/main" xmlns:r="http://schemas.openxmlformats.org/officeDocument/2006/relationships" xmlns:p="http://schemas.openxmlformats.org/presentationml/2006/main" type="title" preserve="1">
+  <p:cSld name="Title Slide">
+    <p:spTree>
+      <p:nvGrpSpPr>
+        <p:cNvPr id="1" name=""/>
+        <p:cNvGrpSpPr/>
+        <p:nvPr/>
+      </p:nvGrpSpPr>
+      <p:grpSpPr>
+        <a:xfrm>
+          <a:off x="0" y="0"/>
+          <a:ext cx="0" cy="0"/>
+          <a:chOff x="0" y="0"/>
+          <a:chExt cx="0" cy="0"/>
+        </a:xfrm>
+      </p:grpSpPr>
+      <p:sp>
+        <p:nvSpPr>
+          <p:cNvPr id="2" name="Title 1"/>
+          <p:cNvSpPr>
+            <a:spLocks noGrp="1"/>
+          </p:cNvSpPr>
+          <p:nvPr>
+            <p:ph type="ctrTitle"/>
+          </p:nvPr>
+        </p:nvSpPr>
+        <p:spPr>
+          <a:xfrm>
+            <a:off x="606175" y="1122363"/>
+            <a:ext cx="11034445" cy="2387600"/>
+          </a:xfrm>
+        </p:spPr>
+        <p:txBody>
+          <a:bodyPr anchor="b"/>
+          <a:lstStyle>
+            <a:lvl1pPr algn="l">
+              <a:defRPr sz="6000"/>
+            </a:lvl1pPr>
+          </a:lstStyle>
+          <a:p>
+            <a:r>
+              <a:rPr lang="en-US" dirty="0" smtClean="0"/>
+              <a:t>Click to edit Master title style</a:t>
+            </a:r>
+            <a:endParaRPr lang="en-US" dirty="0"/>
+          </a:p>
+        </p:txBody>
+      </p:sp>
+      <p:sp>
+        <p:nvSpPr>
+          <p:cNvPr id="3" name="Subtitle 2"/>
+          <p:cNvSpPr>
+            <a:spLocks noGrp="1"/>
+          </p:cNvSpPr>
+          <p:nvPr>
+            <p:ph type="subTitle" idx="1"/>
+          </p:nvPr>
+        </p:nvSpPr>
+        <p:spPr>
+          <a:xfrm>
+            <a:off x="606175" y="3602038"/>
+            <a:ext cx="11034445" cy="1655762"/>
+          </a:xfrm>
+        </p:spPr>
+        <p:txBody>
+          <a:bodyPr>
+            <a:normAutofit/>
+          </a:bodyPr>
+          <a:lstStyle>
+            <a:lvl1pPr marL="0" indent="0" algn="l">
+              <a:buNone/>
+              <a:defRPr sz="3600"/>
+            </a:lvl1pPr>
+            <a:lvl2pPr marL="457200" indent="0" algn="ctr">
+              <a:buNone/>
+              <a:defRPr sz="2000"/>
+            </a:lvl2pPr>
+            <a:lvl3pPr marL="914400" indent="0" algn="ctr">
+              <a:buNone/>
+              <a:defRPr sz="1800"/>
+            </a:lvl3pPr>
+            <a:lvl4pPr marL="1371600" indent="0" algn="ctr">
+              <a:buNone/>
+              <a:defRPr sz="1600"/>
+            </a:lvl4pPr>
+            <a:lvl5pPr marL="1828800" indent="0" algn="ctr">
+              <a:buNone/>
+              <a:defRPr sz="1600"/>
+            </a:lvl5pPr>
+            <a:lvl6pPr marL="2286000" indent="0" algn="ctr">
+              <a:buNone/>
+              <a:defRPr sz="1600"/>
+            </a:lvl6pPr>
+            <a:lvl7pPr marL="2743200" indent="0" algn="ctr">
+              <a:buNone/>
+              <a:defRPr sz="1600"/>
+            </a:lvl7pPr>
+            <a:lvl8pPr marL="3200400" indent="0" algn="ctr">
+              <a:buNone/>
+              <a:defRPr sz="1600"/>
+            </a:lvl8pPr>
+            <a:lvl9pPr marL="3657600" indent="0" algn="ctr">
+              <a:buNone/>
+              <a:defRPr sz="1600"/>
+            </a:lvl9pPr>
+          </a:lstStyle>
+          <a:p>
+            <a:r>
+              <a:rPr lang="en-US" dirty="0" smtClean="0"/>
+              <a:t>Click to edit Master subtitle style</a:t>
+            </a:r>
+            <a:endParaRPr lang="en-US" dirty="0"/>
+          </a:p>
+        </p:txBody>
+      </p:sp>
+    </p:spTree>
+    <p:extLst>
+      <p:ext uri="{BB962C8B-B14F-4D97-AF65-F5344CB8AC3E}">
+        <p14:creationId xmlns:p14="http://schemas.microsoft.com/office/powerpoint/2010/main" val="1878425647"/>
+      </p:ext>
+    </p:extLst>
+  </p:cSld>
+  <p:clrMapOvr>
+    <a:masterClrMapping/>
+  </p:clrMapOvr>
+  <p:timing>
+    <p:tnLst>
+      <p:par>
+        <p:cTn id="1" dur="indefinite" restart="never" nodeType="tmRoot"/>
+      </p:par>
+    </p:tnLst>
+  </p:timing>
+</p:sldLayout>
+</file>
+
+<file path=ppt/slideLayouts/slideLayout60.xml><?xml version="1.0" encoding="utf-8"?>
 <p:sldLayout xmlns:a="http://schemas.openxmlformats.org/drawingml/2006/main" xmlns:r="http://schemas.openxmlformats.org/officeDocument/2006/relationships" xmlns:p="http://schemas.openxmlformats.org/presentationml/2006/main" preserve="1" userDrawn="1">
   <p:cSld name="1_Title Only">
     <p:spTree>
@@ -13315,143 +14014,7 @@
 </p:sldLayout>
 </file>
 
-<file path=ppt/slideLayouts/slideLayout6.xml><?xml version="1.0" encoding="utf-8"?>
-<p:sldLayout xmlns:a="http://schemas.openxmlformats.org/drawingml/2006/main" xmlns:r="http://schemas.openxmlformats.org/officeDocument/2006/relationships" xmlns:p="http://schemas.openxmlformats.org/presentationml/2006/main" type="title" preserve="1">
-  <p:cSld name="Title Slide">
-    <p:spTree>
-      <p:nvGrpSpPr>
-        <p:cNvPr id="1" name=""/>
-        <p:cNvGrpSpPr/>
-        <p:nvPr/>
-      </p:nvGrpSpPr>
-      <p:grpSpPr>
-        <a:xfrm>
-          <a:off x="0" y="0"/>
-          <a:ext cx="0" cy="0"/>
-          <a:chOff x="0" y="0"/>
-          <a:chExt cx="0" cy="0"/>
-        </a:xfrm>
-      </p:grpSpPr>
-      <p:sp>
-        <p:nvSpPr>
-          <p:cNvPr id="2" name="Title 1"/>
-          <p:cNvSpPr>
-            <a:spLocks noGrp="1"/>
-          </p:cNvSpPr>
-          <p:nvPr>
-            <p:ph type="ctrTitle"/>
-          </p:nvPr>
-        </p:nvSpPr>
-        <p:spPr>
-          <a:xfrm>
-            <a:off x="606175" y="1122363"/>
-            <a:ext cx="11034445" cy="2387600"/>
-          </a:xfrm>
-        </p:spPr>
-        <p:txBody>
-          <a:bodyPr anchor="b"/>
-          <a:lstStyle>
-            <a:lvl1pPr algn="l">
-              <a:defRPr sz="6000"/>
-            </a:lvl1pPr>
-          </a:lstStyle>
-          <a:p>
-            <a:r>
-              <a:rPr lang="en-US" dirty="0" smtClean="0"/>
-              <a:t>Click to edit Master title style</a:t>
-            </a:r>
-            <a:endParaRPr lang="en-US" dirty="0"/>
-          </a:p>
-        </p:txBody>
-      </p:sp>
-      <p:sp>
-        <p:nvSpPr>
-          <p:cNvPr id="3" name="Subtitle 2"/>
-          <p:cNvSpPr>
-            <a:spLocks noGrp="1"/>
-          </p:cNvSpPr>
-          <p:nvPr>
-            <p:ph type="subTitle" idx="1"/>
-          </p:nvPr>
-        </p:nvSpPr>
-        <p:spPr>
-          <a:xfrm>
-            <a:off x="606175" y="3602038"/>
-            <a:ext cx="11034445" cy="1655762"/>
-          </a:xfrm>
-        </p:spPr>
-        <p:txBody>
-          <a:bodyPr>
-            <a:normAutofit/>
-          </a:bodyPr>
-          <a:lstStyle>
-            <a:lvl1pPr marL="0" indent="0" algn="l">
-              <a:buNone/>
-              <a:defRPr sz="3600"/>
-            </a:lvl1pPr>
-            <a:lvl2pPr marL="457200" indent="0" algn="ctr">
-              <a:buNone/>
-              <a:defRPr sz="2000"/>
-            </a:lvl2pPr>
-            <a:lvl3pPr marL="914400" indent="0" algn="ctr">
-              <a:buNone/>
-              <a:defRPr sz="1800"/>
-            </a:lvl3pPr>
-            <a:lvl4pPr marL="1371600" indent="0" algn="ctr">
-              <a:buNone/>
-              <a:defRPr sz="1600"/>
-            </a:lvl4pPr>
-            <a:lvl5pPr marL="1828800" indent="0" algn="ctr">
-              <a:buNone/>
-              <a:defRPr sz="1600"/>
-            </a:lvl5pPr>
-            <a:lvl6pPr marL="2286000" indent="0" algn="ctr">
-              <a:buNone/>
-              <a:defRPr sz="1600"/>
-            </a:lvl6pPr>
-            <a:lvl7pPr marL="2743200" indent="0" algn="ctr">
-              <a:buNone/>
-              <a:defRPr sz="1600"/>
-            </a:lvl7pPr>
-            <a:lvl8pPr marL="3200400" indent="0" algn="ctr">
-              <a:buNone/>
-              <a:defRPr sz="1600"/>
-            </a:lvl8pPr>
-            <a:lvl9pPr marL="3657600" indent="0" algn="ctr">
-              <a:buNone/>
-              <a:defRPr sz="1600"/>
-            </a:lvl9pPr>
-          </a:lstStyle>
-          <a:p>
-            <a:r>
-              <a:rPr lang="en-US" dirty="0" smtClean="0"/>
-              <a:t>Click to edit Master subtitle style</a:t>
-            </a:r>
-            <a:endParaRPr lang="en-US" dirty="0"/>
-          </a:p>
-        </p:txBody>
-      </p:sp>
-    </p:spTree>
-    <p:extLst>
-      <p:ext uri="{BB962C8B-B14F-4D97-AF65-F5344CB8AC3E}">
-        <p14:creationId xmlns:p14="http://schemas.microsoft.com/office/powerpoint/2010/main" val="1878425647"/>
-      </p:ext>
-    </p:extLst>
-  </p:cSld>
-  <p:clrMapOvr>
-    <a:masterClrMapping/>
-  </p:clrMapOvr>
-  <p:timing>
-    <p:tnLst>
-      <p:par>
-        <p:cTn id="1" dur="indefinite" restart="never" nodeType="tmRoot"/>
-      </p:par>
-    </p:tnLst>
-  </p:timing>
-</p:sldLayout>
-</file>
-
-<file path=ppt/slideLayouts/slideLayout60.xml><?xml version="1.0" encoding="utf-8"?>
+<file path=ppt/slideLayouts/slideLayout61.xml><?xml version="1.0" encoding="utf-8"?>
 <p:sldLayout xmlns:a="http://schemas.openxmlformats.org/drawingml/2006/main" xmlns:r="http://schemas.openxmlformats.org/officeDocument/2006/relationships" xmlns:p="http://schemas.openxmlformats.org/presentationml/2006/main" type="blank" preserve="1">
   <p:cSld name="Blank">
     <p:bg>
@@ -13528,7 +14091,7 @@
 </p:sldLayout>
 </file>
 
-<file path=ppt/slideLayouts/slideLayout61.xml><?xml version="1.0" encoding="utf-8"?>
+<file path=ppt/slideLayouts/slideLayout62.xml><?xml version="1.0" encoding="utf-8"?>
 <p:sldLayout xmlns:a="http://schemas.openxmlformats.org/drawingml/2006/main" xmlns:r="http://schemas.openxmlformats.org/officeDocument/2006/relationships" xmlns:p="http://schemas.openxmlformats.org/presentationml/2006/main" type="blank" preserve="1">
   <p:cSld name="1_Blank">
     <p:bg>
@@ -13573,7 +14136,7 @@
 </p:sldLayout>
 </file>
 
-<file path=ppt/slideLayouts/slideLayout62.xml><?xml version="1.0" encoding="utf-8"?>
+<file path=ppt/slideLayouts/slideLayout63.xml><?xml version="1.0" encoding="utf-8"?>
 <p:sldLayout xmlns:a="http://schemas.openxmlformats.org/drawingml/2006/main" xmlns:r="http://schemas.openxmlformats.org/officeDocument/2006/relationships" xmlns:p="http://schemas.openxmlformats.org/presentationml/2006/main" type="objTx" preserve="1">
   <p:cSld name="Content with Caption">
     <p:bg>
@@ -13846,7 +14409,7 @@
 </p:sldLayout>
 </file>
 
-<file path=ppt/slideLayouts/slideLayout63.xml><?xml version="1.0" encoding="utf-8"?>
+<file path=ppt/slideLayouts/slideLayout64.xml><?xml version="1.0" encoding="utf-8"?>
 <p:sldLayout xmlns:a="http://schemas.openxmlformats.org/drawingml/2006/main" xmlns:r="http://schemas.openxmlformats.org/officeDocument/2006/relationships" xmlns:p="http://schemas.openxmlformats.org/presentationml/2006/main" userDrawn="1">
   <p:cSld name="1_Logo on Background">
     <p:bg>
@@ -14010,7 +14573,7 @@
 </p:sldLayout>
 </file>
 
-<file path=ppt/slideLayouts/slideLayout64.xml><?xml version="1.0" encoding="utf-8"?>
+<file path=ppt/slideLayouts/slideLayout65.xml><?xml version="1.0" encoding="utf-8"?>
 <p:sldLayout xmlns:a="http://schemas.openxmlformats.org/drawingml/2006/main" xmlns:r="http://schemas.openxmlformats.org/officeDocument/2006/relationships" xmlns:p="http://schemas.openxmlformats.org/presentationml/2006/main" userDrawn="1">
   <p:cSld name="3_Custom Layout">
     <p:bg>
@@ -15076,7 +15639,7 @@
           <p:nvPr userDrawn="1"/>
         </p:nvPicPr>
         <p:blipFill>
-          <a:blip r:embed="rId12"/>
+          <a:blip r:embed="rId13"/>
           <a:stretch>
             <a:fillRect/>
           </a:stretch>
@@ -15473,6 +16036,7 @@
     <p:sldLayoutId id="2147483722" r:id="rId8"/>
     <p:sldLayoutId id="2147483772" r:id="rId9"/>
     <p:sldLayoutId id="2147483795" r:id="rId10"/>
+    <p:sldLayoutId id="2147483796" r:id="rId11"/>
   </p:sldLayoutIdLst>
   <p:timing>
     <p:tnLst>
@@ -23825,8 +24389,54 @@
             </a:pPr>
             <a:r>
               <a:rPr lang="en-US" dirty="0" smtClean="0"/>
-              <a:t>Running a real site requires several environments.</a:t>
-            </a:r>
+              <a:t>Running a real site requires </a:t>
+            </a:r>
+            <a:r>
+              <a:rPr lang="en-US" dirty="0" smtClean="0"/>
+              <a:t>multiple internal environments.</a:t>
+            </a:r>
+          </a:p>
+          <a:p>
+            <a:pPr marL="0" indent="0">
+              <a:buNone/>
+            </a:pPr>
+            <a:endParaRPr lang="en-US" dirty="0" smtClean="0"/>
+          </a:p>
+          <a:p>
+            <a:pPr marL="0" indent="0">
+              <a:buNone/>
+            </a:pPr>
+            <a:r>
+              <a:rPr lang="en-US" dirty="0" smtClean="0"/>
+              <a:t>Global availability requires </a:t>
+            </a:r>
+            <a:r>
+              <a:rPr lang="en-US" dirty="0"/>
+              <a:t>multiple </a:t>
+            </a:r>
+            <a:r>
+              <a:rPr lang="en-US" dirty="0" smtClean="0"/>
+              <a:t>worldwide deployments.</a:t>
+            </a:r>
+            <a:endParaRPr lang="en-US" dirty="0"/>
+          </a:p>
+          <a:p>
+            <a:pPr marL="0" indent="0">
+              <a:buNone/>
+            </a:pPr>
+            <a:endParaRPr lang="en-US" dirty="0"/>
+          </a:p>
+          <a:p>
+            <a:pPr marL="0" indent="0">
+              <a:buNone/>
+            </a:pPr>
+            <a:endParaRPr lang="en-US" dirty="0"/>
+          </a:p>
+          <a:p>
+            <a:pPr marL="0" indent="0">
+              <a:buNone/>
+            </a:pPr>
+            <a:endParaRPr lang="en-US" dirty="0" smtClean="0"/>
           </a:p>
         </p:txBody>
       </p:sp>
@@ -23900,7 +24510,15 @@
           <a:p>
             <a:r>
               <a:rPr lang="en-US" dirty="0" smtClean="0"/>
-              <a:t>Step 1: Continuous Integration</a:t>
+              <a:t>Step 1: </a:t>
+            </a:r>
+            <a:r>
+              <a:rPr lang="en-US" dirty="0" err="1" smtClean="0"/>
+              <a:t>Dev</a:t>
+            </a:r>
+            <a:r>
+              <a:rPr lang="en-US" dirty="0" smtClean="0"/>
+              <a:t> / Test environments</a:t>
             </a:r>
             <a:endParaRPr lang="en-US" dirty="0"/>
           </a:p>
@@ -23941,15 +24559,23 @@
             </a:pPr>
             <a:r>
               <a:rPr lang="en-US" dirty="0" smtClean="0"/>
-              <a:t>Bugs and issues in your code get harder to fix the longer it takes to find out about them.</a:t>
-            </a:r>
-            <a:endParaRPr lang="en-US" dirty="0"/>
+              <a:t>Setting up development web server environments is time consuming.</a:t>
+            </a:r>
           </a:p>
           <a:p>
             <a:pPr marL="0" indent="0">
               <a:buNone/>
             </a:pPr>
             <a:endParaRPr lang="en-US" dirty="0" smtClean="0"/>
+          </a:p>
+          <a:p>
+            <a:pPr marL="0" indent="0">
+              <a:buNone/>
+            </a:pPr>
+            <a:r>
+              <a:rPr lang="en-US" dirty="0" smtClean="0"/>
+              <a:t>You need to see your code running somewhere other than deployment before deploying.</a:t>
+            </a:r>
           </a:p>
         </p:txBody>
       </p:sp>
@@ -24023,7 +24649,15 @@
           <a:p>
             <a:r>
               <a:rPr lang="en-US" dirty="0" smtClean="0"/>
-              <a:t>Step 1: Continuous Integration</a:t>
+              <a:t>Step 1: </a:t>
+            </a:r>
+            <a:r>
+              <a:rPr lang="en-US" dirty="0" err="1"/>
+              <a:t>Dev</a:t>
+            </a:r>
+            <a:r>
+              <a:rPr lang="en-US" dirty="0"/>
+              <a:t> / Test environments</a:t>
             </a:r>
             <a:endParaRPr lang="en-US" dirty="0"/>
           </a:p>
@@ -24064,8 +24698,34 @@
             </a:pPr>
             <a:r>
               <a:rPr lang="en-US" dirty="0" smtClean="0"/>
-              <a:t>[Cory?]</a:t>
-            </a:r>
+              <a:t>Environment consistency via deployment setup in Windows Azure Web Sites or VM images.</a:t>
+            </a:r>
+          </a:p>
+          <a:p>
+            <a:pPr marL="0" indent="0">
+              <a:buNone/>
+            </a:pPr>
+            <a:endParaRPr lang="en-US" dirty="0"/>
+          </a:p>
+          <a:p>
+            <a:pPr marL="0" indent="0">
+              <a:buNone/>
+            </a:pPr>
+            <a:r>
+              <a:rPr lang="en-US" dirty="0" smtClean="0"/>
+              <a:t>Cost savings by paying only for what you need.</a:t>
+            </a:r>
+          </a:p>
+          <a:p>
+            <a:pPr marL="0" indent="0">
+              <a:buNone/>
+            </a:pPr>
+            <a:endParaRPr lang="en-US" dirty="0"/>
+          </a:p>
+          <a:p>
+            <a:pPr marL="0" indent="0">
+              <a:buNone/>
+            </a:pPr>
             <a:endParaRPr lang="en-US" dirty="0"/>
           </a:p>
         </p:txBody>
@@ -24123,87 +24783,1334 @@
           <a:chExt cx="0" cy="0"/>
         </a:xfrm>
       </p:grpSpPr>
-      <p:sp>
-        <p:nvSpPr>
-          <p:cNvPr id="2" name="Title 1"/>
-          <p:cNvSpPr>
-            <a:spLocks noGrp="1"/>
-          </p:cNvSpPr>
-          <p:nvPr>
-            <p:ph type="title"/>
-          </p:nvPr>
-        </p:nvSpPr>
-        <p:spPr/>
-        <p:txBody>
-          <a:bodyPr/>
-          <a:lstStyle/>
-          <a:p>
-            <a:r>
-              <a:rPr lang="en-US" dirty="0" smtClean="0"/>
-              <a:t>Scenario description</a:t>
-            </a:r>
-            <a:endParaRPr lang="en-US" dirty="0"/>
-          </a:p>
-        </p:txBody>
-      </p:sp>
-      <p:sp>
-        <p:nvSpPr>
-          <p:cNvPr id="3" name="Content Placeholder 2"/>
-          <p:cNvSpPr>
-            <a:spLocks noGrp="1"/>
-          </p:cNvSpPr>
-          <p:nvPr>
-            <p:ph idx="1"/>
-          </p:nvPr>
-        </p:nvSpPr>
-        <p:spPr/>
-        <p:txBody>
-          <a:bodyPr/>
-          <a:lstStyle/>
-          <a:p>
-            <a:pPr marL="0" indent="0">
-              <a:buNone/>
-            </a:pPr>
-            <a:r>
-              <a:rPr lang="en-US" dirty="0" smtClean="0"/>
-              <a:t>Running a real site requires several environments.</a:t>
-            </a:r>
-          </a:p>
-        </p:txBody>
-      </p:sp>
-      <p:sp>
-        <p:nvSpPr>
-          <p:cNvPr id="4" name="Slide Number Placeholder 3"/>
-          <p:cNvSpPr>
-            <a:spLocks noGrp="1"/>
-          </p:cNvSpPr>
-          <p:nvPr>
-            <p:ph type="sldNum" sz="quarter" idx="12"/>
-          </p:nvPr>
-        </p:nvSpPr>
-        <p:spPr/>
-        <p:txBody>
-          <a:bodyPr/>
-          <a:lstStyle/>
-          <a:p>
-            <a:fld id="{0A164282-434E-41D4-9582-783D542A7B68}" type="slidenum">
-              <a:rPr lang="en-US" smtClean="0"/>
-              <a:t>34</a:t>
-            </a:fld>
-            <a:endParaRPr lang="en-US"/>
-          </a:p>
-        </p:txBody>
-      </p:sp>
+      <p:grpSp>
+        <p:nvGrpSpPr>
+          <p:cNvPr id="15" name="Group 14"/>
+          <p:cNvGrpSpPr/>
+          <p:nvPr/>
+        </p:nvGrpSpPr>
+        <p:grpSpPr>
+          <a:xfrm>
+            <a:off x="138727" y="263732"/>
+            <a:ext cx="3679529" cy="2941124"/>
+            <a:chOff x="8411036" y="3864393"/>
+            <a:chExt cx="3753311" cy="2663944"/>
+          </a:xfrm>
+        </p:grpSpPr>
+        <p:sp>
+          <p:nvSpPr>
+            <p:cNvPr id="13" name="TextBox 12"/>
+            <p:cNvSpPr txBox="1"/>
+            <p:nvPr/>
+          </p:nvSpPr>
+          <p:spPr>
+            <a:xfrm>
+              <a:off x="8615511" y="5818552"/>
+              <a:ext cx="3497263" cy="709785"/>
+            </a:xfrm>
+            <a:prstGeom prst="rect">
+              <a:avLst/>
+            </a:prstGeom>
+            <a:noFill/>
+          </p:spPr>
+          <p:txBody>
+            <a:bodyPr wrap="square" rtlCol="0">
+              <a:spAutoFit/>
+            </a:bodyPr>
+            <a:lstStyle/>
+            <a:p>
+              <a:r>
+                <a:rPr lang="en-US" sz="1961" b="1" dirty="0" smtClean="0">
+                  <a:solidFill>
+                    <a:srgbClr val="FFFFFF"/>
+                  </a:solidFill>
+                  <a:cs typeface="Segoe UI Light" panose="020B0502040204020203" pitchFamily="34" charset="0"/>
+                </a:rPr>
+                <a:t>DISCOUNT</a:t>
+              </a:r>
+              <a:br>
+                <a:rPr lang="en-US" sz="1961" b="1" dirty="0" smtClean="0">
+                  <a:solidFill>
+                    <a:srgbClr val="FFFFFF"/>
+                  </a:solidFill>
+                  <a:cs typeface="Segoe UI Light" panose="020B0502040204020203" pitchFamily="34" charset="0"/>
+                </a:rPr>
+              </a:br>
+              <a:r>
+                <a:rPr lang="en-US" sz="1961" dirty="0" smtClean="0">
+                  <a:solidFill>
+                    <a:srgbClr val="FFFFFF"/>
+                  </a:solidFill>
+                  <a:cs typeface="Segoe UI Light" panose="020B0502040204020203" pitchFamily="34" charset="0"/>
+                </a:rPr>
+                <a:t>VIRTUAL MACHINES</a:t>
+              </a:r>
+              <a:endParaRPr lang="en-US" sz="1961" dirty="0">
+                <a:solidFill>
+                  <a:srgbClr val="FFFFFF"/>
+                </a:solidFill>
+              </a:endParaRPr>
+            </a:p>
+          </p:txBody>
+        </p:sp>
+        <p:sp>
+          <p:nvSpPr>
+            <p:cNvPr id="39" name="Rectangle 38"/>
+            <p:cNvSpPr/>
+            <p:nvPr/>
+          </p:nvSpPr>
+          <p:spPr>
+            <a:xfrm>
+              <a:off x="8411036" y="3864393"/>
+              <a:ext cx="3753311" cy="2109808"/>
+            </a:xfrm>
+            <a:prstGeom prst="rect">
+              <a:avLst/>
+            </a:prstGeom>
+          </p:spPr>
+          <p:txBody>
+            <a:bodyPr wrap="square" anchor="ctr">
+              <a:spAutoFit/>
+            </a:bodyPr>
+            <a:lstStyle/>
+            <a:p>
+              <a:pPr algn="ctr">
+                <a:lnSpc>
+                  <a:spcPct val="95000"/>
+                </a:lnSpc>
+                <a:buSzPct val="90000"/>
+              </a:pPr>
+              <a:r>
+                <a:rPr lang="en-US" sz="13528" dirty="0" smtClean="0">
+                  <a:solidFill>
+                    <a:schemeClr val="bg1"/>
+                  </a:solidFill>
+                  <a:latin typeface="Segoe UI Light" panose="020B0502040204020203" pitchFamily="34" charset="0"/>
+                  <a:cs typeface="Segoe UI Light" panose="020B0502040204020203" pitchFamily="34" charset="0"/>
+                </a:rPr>
+                <a:t>33</a:t>
+              </a:r>
+              <a:r>
+                <a:rPr lang="en-US" sz="13600" dirty="0">
+                  <a:solidFill>
+                    <a:srgbClr val="11C1FF"/>
+                  </a:solidFill>
+                  <a:latin typeface="Segoe UI Light" panose="020B0502040204020203" pitchFamily="34" charset="0"/>
+                  <a:cs typeface="Segoe UI Light" panose="020B0502040204020203" pitchFamily="34" charset="0"/>
+                </a:rPr>
+                <a:t>%</a:t>
+              </a:r>
+            </a:p>
+          </p:txBody>
+        </p:sp>
+      </p:grpSp>
+      <p:grpSp>
+        <p:nvGrpSpPr>
+          <p:cNvPr id="16" name="Group 15"/>
+          <p:cNvGrpSpPr/>
+          <p:nvPr/>
+        </p:nvGrpSpPr>
+        <p:grpSpPr>
+          <a:xfrm>
+            <a:off x="4419419" y="226803"/>
+            <a:ext cx="3534874" cy="2974136"/>
+            <a:chOff x="4563187" y="3841057"/>
+            <a:chExt cx="3605756" cy="2569844"/>
+          </a:xfrm>
+        </p:grpSpPr>
+        <p:sp>
+          <p:nvSpPr>
+            <p:cNvPr id="51" name="Rectangle 50"/>
+            <p:cNvSpPr/>
+            <p:nvPr/>
+          </p:nvSpPr>
+          <p:spPr>
+            <a:xfrm>
+              <a:off x="4563187" y="3841057"/>
+              <a:ext cx="3605756" cy="2109808"/>
+            </a:xfrm>
+            <a:prstGeom prst="rect">
+              <a:avLst/>
+            </a:prstGeom>
+          </p:spPr>
+          <p:txBody>
+            <a:bodyPr wrap="square" anchor="ctr">
+              <a:spAutoFit/>
+            </a:bodyPr>
+            <a:lstStyle/>
+            <a:p>
+              <a:pPr>
+                <a:lnSpc>
+                  <a:spcPct val="95000"/>
+                </a:lnSpc>
+                <a:buSzPct val="90000"/>
+              </a:pPr>
+              <a:r>
+                <a:rPr lang="en-US" sz="13528" dirty="0" smtClean="0">
+                  <a:solidFill>
+                    <a:schemeClr val="bg1"/>
+                  </a:solidFill>
+                  <a:latin typeface="Segoe UI Light" panose="020B0502040204020203" pitchFamily="34" charset="0"/>
+                  <a:cs typeface="Segoe UI Light" panose="020B0502040204020203" pitchFamily="34" charset="0"/>
+                </a:rPr>
+                <a:t>25</a:t>
+              </a:r>
+              <a:r>
+                <a:rPr lang="en-US" sz="13600" dirty="0">
+                  <a:solidFill>
+                    <a:srgbClr val="11C1FF"/>
+                  </a:solidFill>
+                  <a:latin typeface="Segoe UI Light" panose="020B0502040204020203" pitchFamily="34" charset="0"/>
+                  <a:cs typeface="Segoe UI Light" panose="020B0502040204020203" pitchFamily="34" charset="0"/>
+                </a:rPr>
+                <a:t>%</a:t>
+              </a:r>
+              <a:endParaRPr lang="en-US" sz="13600" dirty="0">
+                <a:solidFill>
+                  <a:srgbClr val="11C1FF"/>
+                </a:solidFill>
+                <a:latin typeface="Segoe UI Light" panose="020B0502040204020203" pitchFamily="34" charset="0"/>
+                <a:cs typeface="Segoe UI Light" panose="020B0502040204020203" pitchFamily="34" charset="0"/>
+              </a:endParaRPr>
+            </a:p>
+          </p:txBody>
+        </p:sp>
+        <p:sp>
+          <p:nvSpPr>
+            <p:cNvPr id="52" name="Rectangle 51"/>
+            <p:cNvSpPr/>
+            <p:nvPr/>
+          </p:nvSpPr>
+          <p:spPr>
+            <a:xfrm>
+              <a:off x="4597712" y="5587986"/>
+              <a:ext cx="3571231" cy="822915"/>
+            </a:xfrm>
+            <a:prstGeom prst="rect">
+              <a:avLst/>
+            </a:prstGeom>
+          </p:spPr>
+          <p:txBody>
+            <a:bodyPr wrap="square" anchor="ctr">
+              <a:spAutoFit/>
+            </a:bodyPr>
+            <a:lstStyle/>
+            <a:p>
+              <a:pPr>
+                <a:lnSpc>
+                  <a:spcPct val="95000"/>
+                </a:lnSpc>
+                <a:buSzPct val="90000"/>
+              </a:pPr>
+              <a:r>
+                <a:rPr lang="en-US" sz="1961" b="1" dirty="0">
+                  <a:solidFill>
+                    <a:srgbClr val="FFFFFF"/>
+                  </a:solidFill>
+                  <a:cs typeface="Segoe UI Light" panose="020B0502040204020203" pitchFamily="34" charset="0"/>
+                </a:rPr>
+                <a:t>DISCOUNT</a:t>
+              </a:r>
+              <a:br>
+                <a:rPr lang="en-US" sz="1961" b="1" dirty="0">
+                  <a:solidFill>
+                    <a:srgbClr val="FFFFFF"/>
+                  </a:solidFill>
+                  <a:cs typeface="Segoe UI Light" panose="020B0502040204020203" pitchFamily="34" charset="0"/>
+                </a:rPr>
+              </a:br>
+              <a:r>
+                <a:rPr lang="en-US" sz="1961" dirty="0" smtClean="0">
+                  <a:solidFill>
+                    <a:srgbClr val="FFFFFF"/>
+                  </a:solidFill>
+                  <a:cs typeface="Segoe UI Light" panose="020B0502040204020203" pitchFamily="34" charset="0"/>
+                </a:rPr>
+                <a:t>RESERVED </a:t>
+              </a:r>
+              <a:r>
+                <a:rPr lang="en-US" sz="1961" dirty="0">
+                  <a:solidFill>
+                    <a:srgbClr val="FFFFFF"/>
+                  </a:solidFill>
+                  <a:cs typeface="Segoe UI Light" panose="020B0502040204020203" pitchFamily="34" charset="0"/>
+                </a:rPr>
+                <a:t>WEB </a:t>
+              </a:r>
+              <a:r>
+                <a:rPr lang="en-US" sz="1961" dirty="0" smtClean="0">
+                  <a:solidFill>
+                    <a:srgbClr val="FFFFFF"/>
+                  </a:solidFill>
+                  <a:cs typeface="Segoe UI Light" panose="020B0502040204020203" pitchFamily="34" charset="0"/>
+                </a:rPr>
+                <a:t>SITES</a:t>
+              </a:r>
+              <a:br>
+                <a:rPr lang="en-US" sz="1961" dirty="0" smtClean="0">
+                  <a:solidFill>
+                    <a:srgbClr val="FFFFFF"/>
+                  </a:solidFill>
+                  <a:cs typeface="Segoe UI Light" panose="020B0502040204020203" pitchFamily="34" charset="0"/>
+                </a:rPr>
+              </a:br>
+              <a:r>
+                <a:rPr lang="en-US" sz="1961" dirty="0" smtClean="0">
+                  <a:solidFill>
+                    <a:srgbClr val="FFFFFF"/>
+                  </a:solidFill>
+                  <a:cs typeface="Segoe UI Light" panose="020B0502040204020203" pitchFamily="34" charset="0"/>
+                </a:rPr>
+                <a:t>CLOUD SERVICES, HDINSIGHT</a:t>
+              </a:r>
+              <a:endParaRPr lang="en-US" sz="1961" dirty="0">
+                <a:solidFill>
+                  <a:srgbClr val="FFFFFF"/>
+                </a:solidFill>
+                <a:cs typeface="Segoe UI Light" panose="020B0502040204020203" pitchFamily="34" charset="0"/>
+              </a:endParaRPr>
+            </a:p>
+          </p:txBody>
+        </p:sp>
+      </p:grpSp>
+      <p:cxnSp>
+        <p:nvCxnSpPr>
+          <p:cNvPr id="27" name="Straight Connector 26"/>
+          <p:cNvCxnSpPr/>
+          <p:nvPr/>
+        </p:nvCxnSpPr>
+        <p:spPr>
+          <a:xfrm>
+            <a:off x="4064288" y="487"/>
+            <a:ext cx="0" cy="6857027"/>
+          </a:xfrm>
+          <a:prstGeom prst="line">
+            <a:avLst/>
+          </a:prstGeom>
+          <a:ln>
+            <a:solidFill>
+              <a:srgbClr val="289FD7"/>
+            </a:solidFill>
+          </a:ln>
+        </p:spPr>
+        <p:style>
+          <a:lnRef idx="1">
+            <a:schemeClr val="accent1"/>
+          </a:lnRef>
+          <a:fillRef idx="0">
+            <a:schemeClr val="accent1"/>
+          </a:fillRef>
+          <a:effectRef idx="0">
+            <a:schemeClr val="accent1"/>
+          </a:effectRef>
+          <a:fontRef idx="minor">
+            <a:schemeClr val="tx1"/>
+          </a:fontRef>
+        </p:style>
+      </p:cxnSp>
+      <p:cxnSp>
+        <p:nvCxnSpPr>
+          <p:cNvPr id="31" name="Straight Connector 30"/>
+          <p:cNvCxnSpPr/>
+          <p:nvPr/>
+        </p:nvCxnSpPr>
+        <p:spPr>
+          <a:xfrm>
+            <a:off x="8097236" y="487"/>
+            <a:ext cx="0" cy="6857027"/>
+          </a:xfrm>
+          <a:prstGeom prst="line">
+            <a:avLst/>
+          </a:prstGeom>
+          <a:ln>
+            <a:solidFill>
+              <a:srgbClr val="289FD7"/>
+            </a:solidFill>
+          </a:ln>
+        </p:spPr>
+        <p:style>
+          <a:lnRef idx="1">
+            <a:schemeClr val="accent1"/>
+          </a:lnRef>
+          <a:fillRef idx="0">
+            <a:schemeClr val="accent1"/>
+          </a:fillRef>
+          <a:effectRef idx="0">
+            <a:schemeClr val="accent1"/>
+          </a:effectRef>
+          <a:fontRef idx="minor">
+            <a:schemeClr val="tx1"/>
+          </a:fontRef>
+        </p:style>
+      </p:cxnSp>
+      <p:cxnSp>
+        <p:nvCxnSpPr>
+          <p:cNvPr id="32" name="Straight Connector 31"/>
+          <p:cNvCxnSpPr/>
+          <p:nvPr/>
+        </p:nvCxnSpPr>
+        <p:spPr>
+          <a:xfrm>
+            <a:off x="865" y="3453445"/>
+            <a:ext cx="12190271" cy="0"/>
+          </a:xfrm>
+          <a:prstGeom prst="line">
+            <a:avLst/>
+          </a:prstGeom>
+          <a:ln>
+            <a:solidFill>
+              <a:srgbClr val="289FD7"/>
+            </a:solidFill>
+          </a:ln>
+        </p:spPr>
+        <p:style>
+          <a:lnRef idx="1">
+            <a:schemeClr val="accent1"/>
+          </a:lnRef>
+          <a:fillRef idx="0">
+            <a:schemeClr val="accent1"/>
+          </a:fillRef>
+          <a:effectRef idx="0">
+            <a:schemeClr val="accent1"/>
+          </a:effectRef>
+          <a:fontRef idx="minor">
+            <a:schemeClr val="tx1"/>
+          </a:fontRef>
+        </p:style>
+      </p:cxnSp>
+      <p:grpSp>
+        <p:nvGrpSpPr>
+          <p:cNvPr id="44" name="Group 43"/>
+          <p:cNvGrpSpPr/>
+          <p:nvPr/>
+        </p:nvGrpSpPr>
+        <p:grpSpPr>
+          <a:xfrm>
+            <a:off x="208050" y="3468689"/>
+            <a:ext cx="3679529" cy="2895745"/>
+            <a:chOff x="8411036" y="3977051"/>
+            <a:chExt cx="3753311" cy="2622841"/>
+          </a:xfrm>
+        </p:grpSpPr>
+        <p:sp>
+          <p:nvSpPr>
+            <p:cNvPr id="45" name="TextBox 44"/>
+            <p:cNvSpPr txBox="1"/>
+            <p:nvPr/>
+          </p:nvSpPr>
+          <p:spPr>
+            <a:xfrm>
+              <a:off x="8655806" y="5696326"/>
+              <a:ext cx="3497263" cy="903566"/>
+            </a:xfrm>
+            <a:prstGeom prst="rect">
+              <a:avLst/>
+            </a:prstGeom>
+            <a:noFill/>
+          </p:spPr>
+          <p:txBody>
+            <a:bodyPr wrap="square" rtlCol="0">
+              <a:spAutoFit/>
+            </a:bodyPr>
+            <a:lstStyle/>
+            <a:p>
+              <a:r>
+                <a:rPr lang="en-US" sz="1961" b="1" dirty="0" smtClean="0">
+                  <a:solidFill>
+                    <a:srgbClr val="FFFFFF"/>
+                  </a:solidFill>
+                  <a:cs typeface="Segoe UI Light" panose="020B0502040204020203" pitchFamily="34" charset="0"/>
+                </a:rPr>
+                <a:t>MONTHLY CREDIT</a:t>
+              </a:r>
+            </a:p>
+            <a:p>
+              <a:r>
+                <a:rPr lang="en-US" sz="1961" dirty="0" smtClean="0">
+                  <a:solidFill>
+                    <a:srgbClr val="FFFFFF"/>
+                  </a:solidFill>
+                  <a:cs typeface="Segoe UI Light" panose="020B0502040204020203" pitchFamily="34" charset="0"/>
+                </a:rPr>
+                <a:t>VISUAL STUDIO </a:t>
+              </a:r>
+              <a:r>
+                <a:rPr lang="en-US" sz="1961" b="1" dirty="0" smtClean="0">
+                  <a:solidFill>
+                    <a:srgbClr val="FFFFFF"/>
+                  </a:solidFill>
+                  <a:cs typeface="Segoe UI Light" panose="020B0502040204020203" pitchFamily="34" charset="0"/>
+                </a:rPr>
+                <a:t>ULTIMATE</a:t>
+              </a:r>
+              <a:r>
+                <a:rPr lang="en-US" sz="1961" dirty="0" smtClean="0">
+                  <a:solidFill>
+                    <a:srgbClr val="FFFFFF"/>
+                  </a:solidFill>
+                  <a:cs typeface="Segoe UI Light" panose="020B0502040204020203" pitchFamily="34" charset="0"/>
+                </a:rPr>
+                <a:t/>
+              </a:r>
+              <a:br>
+                <a:rPr lang="en-US" sz="1961" dirty="0" smtClean="0">
+                  <a:solidFill>
+                    <a:srgbClr val="FFFFFF"/>
+                  </a:solidFill>
+                  <a:cs typeface="Segoe UI Light" panose="020B0502040204020203" pitchFamily="34" charset="0"/>
+                </a:rPr>
+              </a:br>
+              <a:r>
+                <a:rPr lang="en-US" sz="1961" dirty="0" smtClean="0">
+                  <a:solidFill>
+                    <a:srgbClr val="FFFFFF"/>
+                  </a:solidFill>
+                  <a:cs typeface="Segoe UI Light" panose="020B0502040204020203" pitchFamily="34" charset="0"/>
+                </a:rPr>
+                <a:t>WITH MSDN</a:t>
+              </a:r>
+              <a:endParaRPr lang="en-US" sz="1961" dirty="0">
+                <a:solidFill>
+                  <a:srgbClr val="FFFFFF"/>
+                </a:solidFill>
+              </a:endParaRPr>
+            </a:p>
+          </p:txBody>
+        </p:sp>
+        <p:sp>
+          <p:nvSpPr>
+            <p:cNvPr id="46" name="Rectangle 45"/>
+            <p:cNvSpPr/>
+            <p:nvPr/>
+          </p:nvSpPr>
+          <p:spPr>
+            <a:xfrm>
+              <a:off x="8411036" y="3977051"/>
+              <a:ext cx="3753311" cy="1884491"/>
+            </a:xfrm>
+            <a:prstGeom prst="rect">
+              <a:avLst/>
+            </a:prstGeom>
+          </p:spPr>
+          <p:txBody>
+            <a:bodyPr wrap="square" anchor="ctr">
+              <a:spAutoFit/>
+            </a:bodyPr>
+            <a:lstStyle/>
+            <a:p>
+              <a:pPr algn="ctr">
+                <a:lnSpc>
+                  <a:spcPct val="95000"/>
+                </a:lnSpc>
+                <a:buSzPct val="90000"/>
+              </a:pPr>
+              <a:r>
+                <a:rPr lang="en-US" sz="13600" dirty="0" smtClean="0">
+                  <a:solidFill>
+                    <a:srgbClr val="11C1FF"/>
+                  </a:solidFill>
+                  <a:latin typeface="Segoe UI Light" panose="020B0502040204020203" pitchFamily="34" charset="0"/>
+                  <a:cs typeface="Segoe UI Light" panose="020B0502040204020203" pitchFamily="34" charset="0"/>
+                </a:rPr>
+                <a:t>$</a:t>
+              </a:r>
+              <a:r>
+                <a:rPr lang="en-US" sz="13600" dirty="0" smtClean="0">
+                  <a:solidFill>
+                    <a:schemeClr val="bg1"/>
+                  </a:solidFill>
+                  <a:latin typeface="Segoe UI Light" panose="020B0502040204020203" pitchFamily="34" charset="0"/>
+                  <a:cs typeface="Segoe UI Light" panose="020B0502040204020203" pitchFamily="34" charset="0"/>
+                </a:rPr>
+                <a:t>150</a:t>
+              </a:r>
+              <a:endParaRPr lang="en-US" sz="13600" dirty="0">
+                <a:solidFill>
+                  <a:schemeClr val="bg1"/>
+                </a:solidFill>
+                <a:latin typeface="Segoe UI Light" panose="020B0502040204020203" pitchFamily="34" charset="0"/>
+                <a:cs typeface="Segoe UI Light" panose="020B0502040204020203" pitchFamily="34" charset="0"/>
+              </a:endParaRPr>
+            </a:p>
+          </p:txBody>
+        </p:sp>
+      </p:grpSp>
+      <p:grpSp>
+        <p:nvGrpSpPr>
+          <p:cNvPr id="47" name="Group 46"/>
+          <p:cNvGrpSpPr/>
+          <p:nvPr/>
+        </p:nvGrpSpPr>
+        <p:grpSpPr>
+          <a:xfrm>
+            <a:off x="8450655" y="297561"/>
+            <a:ext cx="3679529" cy="2427189"/>
+            <a:chOff x="8411036" y="3977051"/>
+            <a:chExt cx="3753311" cy="2198444"/>
+          </a:xfrm>
+        </p:grpSpPr>
+        <p:sp>
+          <p:nvSpPr>
+            <p:cNvPr id="48" name="TextBox 47"/>
+            <p:cNvSpPr txBox="1"/>
+            <p:nvPr/>
+          </p:nvSpPr>
+          <p:spPr>
+            <a:xfrm>
+              <a:off x="8615511" y="5818552"/>
+              <a:ext cx="3497263" cy="356943"/>
+            </a:xfrm>
+            <a:prstGeom prst="rect">
+              <a:avLst/>
+            </a:prstGeom>
+            <a:noFill/>
+          </p:spPr>
+          <p:txBody>
+            <a:bodyPr wrap="square" rtlCol="0">
+              <a:spAutoFit/>
+            </a:bodyPr>
+            <a:lstStyle/>
+            <a:p>
+              <a:r>
+                <a:rPr lang="en-US" sz="1961" b="1" dirty="0" smtClean="0">
+                  <a:solidFill>
+                    <a:srgbClr val="FFFFFF"/>
+                  </a:solidFill>
+                  <a:cs typeface="Segoe UI Light" panose="020B0502040204020203" pitchFamily="34" charset="0"/>
+                </a:rPr>
+                <a:t>CREDIT CARD REQUIRED</a:t>
+              </a:r>
+            </a:p>
+          </p:txBody>
+        </p:sp>
+        <p:sp>
+          <p:nvSpPr>
+            <p:cNvPr id="49" name="Rectangle 48"/>
+            <p:cNvSpPr/>
+            <p:nvPr/>
+          </p:nvSpPr>
+          <p:spPr>
+            <a:xfrm>
+              <a:off x="8411036" y="3977051"/>
+              <a:ext cx="3753311" cy="1884491"/>
+            </a:xfrm>
+            <a:prstGeom prst="rect">
+              <a:avLst/>
+            </a:prstGeom>
+          </p:spPr>
+          <p:txBody>
+            <a:bodyPr wrap="square" anchor="ctr">
+              <a:spAutoFit/>
+            </a:bodyPr>
+            <a:lstStyle/>
+            <a:p>
+              <a:pPr algn="ctr">
+                <a:lnSpc>
+                  <a:spcPct val="95000"/>
+                </a:lnSpc>
+                <a:buSzPct val="90000"/>
+              </a:pPr>
+              <a:r>
+                <a:rPr lang="en-US" sz="13600" dirty="0" smtClean="0">
+                  <a:solidFill>
+                    <a:schemeClr val="bg1"/>
+                  </a:solidFill>
+                  <a:latin typeface="Segoe UI Light" panose="020B0502040204020203" pitchFamily="34" charset="0"/>
+                  <a:cs typeface="Segoe UI Light" panose="020B0502040204020203" pitchFamily="34" charset="0"/>
+                </a:rPr>
+                <a:t>NO</a:t>
+              </a:r>
+              <a:endParaRPr lang="en-US" sz="13600" dirty="0">
+                <a:solidFill>
+                  <a:schemeClr val="bg1"/>
+                </a:solidFill>
+                <a:latin typeface="Segoe UI Light" panose="020B0502040204020203" pitchFamily="34" charset="0"/>
+                <a:cs typeface="Segoe UI Light" panose="020B0502040204020203" pitchFamily="34" charset="0"/>
+              </a:endParaRPr>
+            </a:p>
+          </p:txBody>
+        </p:sp>
+      </p:grpSp>
+      <p:grpSp>
+        <p:nvGrpSpPr>
+          <p:cNvPr id="58" name="Group 57"/>
+          <p:cNvGrpSpPr/>
+          <p:nvPr/>
+        </p:nvGrpSpPr>
+        <p:grpSpPr>
+          <a:xfrm>
+            <a:off x="4229940" y="3429001"/>
+            <a:ext cx="3690585" cy="2935434"/>
+            <a:chOff x="8411036" y="3977051"/>
+            <a:chExt cx="3764589" cy="2658790"/>
+          </a:xfrm>
+        </p:grpSpPr>
+        <p:sp>
+          <p:nvSpPr>
+            <p:cNvPr id="59" name="TextBox 58"/>
+            <p:cNvSpPr txBox="1"/>
+            <p:nvPr/>
+          </p:nvSpPr>
+          <p:spPr>
+            <a:xfrm>
+              <a:off x="8678362" y="5732275"/>
+              <a:ext cx="3497263" cy="903566"/>
+            </a:xfrm>
+            <a:prstGeom prst="rect">
+              <a:avLst/>
+            </a:prstGeom>
+            <a:noFill/>
+          </p:spPr>
+          <p:txBody>
+            <a:bodyPr wrap="square" rtlCol="0">
+              <a:spAutoFit/>
+            </a:bodyPr>
+            <a:lstStyle/>
+            <a:p>
+              <a:r>
+                <a:rPr lang="en-US" sz="1961" b="1" dirty="0" smtClean="0">
+                  <a:solidFill>
+                    <a:srgbClr val="FFFFFF"/>
+                  </a:solidFill>
+                  <a:cs typeface="Segoe UI Light" panose="020B0502040204020203" pitchFamily="34" charset="0"/>
+                </a:rPr>
+                <a:t>MONTHLY CREDIT</a:t>
+              </a:r>
+            </a:p>
+            <a:p>
+              <a:r>
+                <a:rPr lang="en-US" sz="1961" dirty="0" smtClean="0">
+                  <a:solidFill>
+                    <a:srgbClr val="FFFFFF"/>
+                  </a:solidFill>
+                  <a:cs typeface="Segoe UI Light" panose="020B0502040204020203" pitchFamily="34" charset="0"/>
+                </a:rPr>
+                <a:t>VISUAL STUDIO </a:t>
+              </a:r>
+              <a:r>
+                <a:rPr lang="en-US" sz="1961" b="1" dirty="0" smtClean="0">
+                  <a:solidFill>
+                    <a:srgbClr val="FFFFFF"/>
+                  </a:solidFill>
+                  <a:cs typeface="Segoe UI Light" panose="020B0502040204020203" pitchFamily="34" charset="0"/>
+                </a:rPr>
+                <a:t>PREMIUM</a:t>
+              </a:r>
+            </a:p>
+            <a:p>
+              <a:r>
+                <a:rPr lang="en-US" sz="1961" dirty="0" smtClean="0">
+                  <a:solidFill>
+                    <a:srgbClr val="FFFFFF"/>
+                  </a:solidFill>
+                  <a:cs typeface="Segoe UI Light" panose="020B0502040204020203" pitchFamily="34" charset="0"/>
+                </a:rPr>
+                <a:t>WITH MSDN</a:t>
+              </a:r>
+              <a:endParaRPr lang="en-US" sz="1961" dirty="0">
+                <a:solidFill>
+                  <a:srgbClr val="FFFFFF"/>
+                </a:solidFill>
+              </a:endParaRPr>
+            </a:p>
+          </p:txBody>
+        </p:sp>
+        <p:sp>
+          <p:nvSpPr>
+            <p:cNvPr id="60" name="Rectangle 59"/>
+            <p:cNvSpPr/>
+            <p:nvPr/>
+          </p:nvSpPr>
+          <p:spPr>
+            <a:xfrm>
+              <a:off x="8411036" y="3977051"/>
+              <a:ext cx="3753311" cy="1884491"/>
+            </a:xfrm>
+            <a:prstGeom prst="rect">
+              <a:avLst/>
+            </a:prstGeom>
+          </p:spPr>
+          <p:txBody>
+            <a:bodyPr wrap="square" anchor="ctr">
+              <a:spAutoFit/>
+            </a:bodyPr>
+            <a:lstStyle/>
+            <a:p>
+              <a:pPr algn="ctr">
+                <a:lnSpc>
+                  <a:spcPct val="95000"/>
+                </a:lnSpc>
+                <a:buSzPct val="90000"/>
+              </a:pPr>
+              <a:r>
+                <a:rPr lang="en-US" sz="13600" dirty="0" smtClean="0">
+                  <a:solidFill>
+                    <a:srgbClr val="11C1FF"/>
+                  </a:solidFill>
+                  <a:latin typeface="Segoe UI Light" panose="020B0502040204020203" pitchFamily="34" charset="0"/>
+                  <a:cs typeface="Segoe UI Light" panose="020B0502040204020203" pitchFamily="34" charset="0"/>
+                </a:rPr>
+                <a:t>$</a:t>
+              </a:r>
+              <a:r>
+                <a:rPr lang="en-US" sz="13600" dirty="0" smtClean="0">
+                  <a:solidFill>
+                    <a:schemeClr val="bg1"/>
+                  </a:solidFill>
+                  <a:latin typeface="Segoe UI Light" panose="020B0502040204020203" pitchFamily="34" charset="0"/>
+                  <a:cs typeface="Segoe UI Light" panose="020B0502040204020203" pitchFamily="34" charset="0"/>
+                </a:rPr>
+                <a:t>100</a:t>
+              </a:r>
+              <a:endParaRPr lang="en-US" sz="13600" dirty="0">
+                <a:solidFill>
+                  <a:schemeClr val="bg1"/>
+                </a:solidFill>
+                <a:latin typeface="Segoe UI Light" panose="020B0502040204020203" pitchFamily="34" charset="0"/>
+                <a:cs typeface="Segoe UI Light" panose="020B0502040204020203" pitchFamily="34" charset="0"/>
+              </a:endParaRPr>
+            </a:p>
+          </p:txBody>
+        </p:sp>
+      </p:grpSp>
+      <p:grpSp>
+        <p:nvGrpSpPr>
+          <p:cNvPr id="61" name="Group 60"/>
+          <p:cNvGrpSpPr/>
+          <p:nvPr/>
+        </p:nvGrpSpPr>
+        <p:grpSpPr>
+          <a:xfrm>
+            <a:off x="8262885" y="3393388"/>
+            <a:ext cx="3816737" cy="2971047"/>
+            <a:chOff x="8411035" y="3977051"/>
+            <a:chExt cx="3893271" cy="2691047"/>
+          </a:xfrm>
+        </p:grpSpPr>
+        <p:sp>
+          <p:nvSpPr>
+            <p:cNvPr id="62" name="TextBox 61"/>
+            <p:cNvSpPr txBox="1"/>
+            <p:nvPr/>
+          </p:nvSpPr>
+          <p:spPr>
+            <a:xfrm>
+              <a:off x="8411035" y="5764532"/>
+              <a:ext cx="3893271" cy="903566"/>
+            </a:xfrm>
+            <a:prstGeom prst="rect">
+              <a:avLst/>
+            </a:prstGeom>
+            <a:noFill/>
+          </p:spPr>
+          <p:txBody>
+            <a:bodyPr wrap="square" rtlCol="0">
+              <a:spAutoFit/>
+            </a:bodyPr>
+            <a:lstStyle/>
+            <a:p>
+              <a:r>
+                <a:rPr lang="en-US" sz="1961" b="1" dirty="0" smtClean="0">
+                  <a:solidFill>
+                    <a:srgbClr val="FFFFFF"/>
+                  </a:solidFill>
+                  <a:cs typeface="Segoe UI Light" panose="020B0502040204020203" pitchFamily="34" charset="0"/>
+                </a:rPr>
+                <a:t>MONTHLY CREDIT</a:t>
+              </a:r>
+            </a:p>
+            <a:p>
+              <a:r>
+                <a:rPr lang="en-US" sz="1961" dirty="0" smtClean="0">
+                  <a:solidFill>
+                    <a:srgbClr val="FFFFFF"/>
+                  </a:solidFill>
+                  <a:cs typeface="Segoe UI Light" panose="020B0502040204020203" pitchFamily="34" charset="0"/>
+                </a:rPr>
+                <a:t>VISUAL STUDIO </a:t>
+              </a:r>
+              <a:r>
+                <a:rPr lang="en-US" sz="1961" b="1" dirty="0" smtClean="0">
+                  <a:solidFill>
+                    <a:srgbClr val="FFFFFF"/>
+                  </a:solidFill>
+                  <a:cs typeface="Segoe UI Light" panose="020B0502040204020203" pitchFamily="34" charset="0"/>
+                </a:rPr>
+                <a:t>PROFESSIONAL</a:t>
+              </a:r>
+              <a:r>
+                <a:rPr lang="en-US" sz="1961" dirty="0" smtClean="0">
+                  <a:solidFill>
+                    <a:srgbClr val="FFFFFF"/>
+                  </a:solidFill>
+                  <a:cs typeface="Segoe UI Light" panose="020B0502040204020203" pitchFamily="34" charset="0"/>
+                </a:rPr>
+                <a:t> WITH MSDN</a:t>
+              </a:r>
+              <a:endParaRPr lang="en-US" sz="1961" dirty="0">
+                <a:solidFill>
+                  <a:srgbClr val="FFFFFF"/>
+                </a:solidFill>
+              </a:endParaRPr>
+            </a:p>
+          </p:txBody>
+        </p:sp>
+        <p:sp>
+          <p:nvSpPr>
+            <p:cNvPr id="63" name="Rectangle 62"/>
+            <p:cNvSpPr/>
+            <p:nvPr/>
+          </p:nvSpPr>
+          <p:spPr>
+            <a:xfrm>
+              <a:off x="8411036" y="3977051"/>
+              <a:ext cx="3753311" cy="1884491"/>
+            </a:xfrm>
+            <a:prstGeom prst="rect">
+              <a:avLst/>
+            </a:prstGeom>
+          </p:spPr>
+          <p:txBody>
+            <a:bodyPr wrap="square" anchor="ctr">
+              <a:spAutoFit/>
+            </a:bodyPr>
+            <a:lstStyle/>
+            <a:p>
+              <a:pPr algn="ctr">
+                <a:lnSpc>
+                  <a:spcPct val="95000"/>
+                </a:lnSpc>
+                <a:buSzPct val="90000"/>
+              </a:pPr>
+              <a:r>
+                <a:rPr lang="en-US" sz="13600" dirty="0" smtClean="0">
+                  <a:solidFill>
+                    <a:srgbClr val="11C1FF"/>
+                  </a:solidFill>
+                  <a:latin typeface="Segoe UI Light" panose="020B0502040204020203" pitchFamily="34" charset="0"/>
+                  <a:cs typeface="Segoe UI Light" panose="020B0502040204020203" pitchFamily="34" charset="0"/>
+                </a:rPr>
+                <a:t>$</a:t>
+              </a:r>
+              <a:r>
+                <a:rPr lang="en-US" sz="13600" dirty="0">
+                  <a:solidFill>
+                    <a:schemeClr val="bg1"/>
+                  </a:solidFill>
+                  <a:latin typeface="Segoe UI Light" panose="020B0502040204020203" pitchFamily="34" charset="0"/>
+                  <a:cs typeface="Segoe UI Light" panose="020B0502040204020203" pitchFamily="34" charset="0"/>
+                </a:rPr>
+                <a:t>5</a:t>
+              </a:r>
+              <a:r>
+                <a:rPr lang="en-US" sz="13600" dirty="0" smtClean="0">
+                  <a:solidFill>
+                    <a:schemeClr val="bg1"/>
+                  </a:solidFill>
+                  <a:latin typeface="Segoe UI Light" panose="020B0502040204020203" pitchFamily="34" charset="0"/>
+                  <a:cs typeface="Segoe UI Light" panose="020B0502040204020203" pitchFamily="34" charset="0"/>
+                </a:rPr>
+                <a:t>0</a:t>
+              </a:r>
+              <a:endParaRPr lang="en-US" sz="13600" dirty="0">
+                <a:solidFill>
+                  <a:schemeClr val="bg1"/>
+                </a:solidFill>
+                <a:latin typeface="Segoe UI Light" panose="020B0502040204020203" pitchFamily="34" charset="0"/>
+                <a:cs typeface="Segoe UI Light" panose="020B0502040204020203" pitchFamily="34" charset="0"/>
+              </a:endParaRPr>
+            </a:p>
+          </p:txBody>
+        </p:sp>
+      </p:grpSp>
     </p:spTree>
     <p:extLst>
       <p:ext uri="{BB962C8B-B14F-4D97-AF65-F5344CB8AC3E}">
-        <p14:creationId xmlns:p14="http://schemas.microsoft.com/office/powerpoint/2010/main" val="3947867443"/>
+        <p14:creationId xmlns:p14="http://schemas.microsoft.com/office/powerpoint/2010/main" val="2369948323"/>
       </p:ext>
     </p:extLst>
   </p:cSld>
   <p:clrMapOvr>
     <a:masterClrMapping/>
   </p:clrMapOvr>
+  <mc:AlternateContent xmlns:mc="http://schemas.openxmlformats.org/markup-compatibility/2006">
+    <mc:Choice xmlns:p14="http://schemas.microsoft.com/office/powerpoint/2010/main" Requires="p14">
+      <p:transition spd="med" p14:dur="700">
+        <p:fade/>
+      </p:transition>
+    </mc:Choice>
+    <mc:Fallback>
+      <p:transition spd="med">
+        <p:fade/>
+      </p:transition>
+    </mc:Fallback>
+  </mc:AlternateContent>
+  <p:timing>
+    <p:tnLst>
+      <p:par>
+        <p:cTn id="1" dur="indefinite" restart="never" nodeType="tmRoot">
+          <p:childTnLst>
+            <p:seq concurrent="1" nextAc="seek">
+              <p:cTn id="2" dur="indefinite" nodeType="mainSeq">
+                <p:childTnLst>
+                  <p:par>
+                    <p:cTn id="3" fill="hold">
+                      <p:stCondLst>
+                        <p:cond delay="indefinite"/>
+                        <p:cond evt="onBegin" delay="0">
+                          <p:tn val="2"/>
+                        </p:cond>
+                      </p:stCondLst>
+                      <p:childTnLst>
+                        <p:par>
+                          <p:cTn id="4" fill="hold">
+                            <p:stCondLst>
+                              <p:cond delay="0"/>
+                            </p:stCondLst>
+                            <p:childTnLst>
+                              <p:par>
+                                <p:cTn id="5" presetID="22" presetClass="entr" presetSubtype="8" fill="hold" nodeType="withEffect">
+                                  <p:stCondLst>
+                                    <p:cond delay="0"/>
+                                  </p:stCondLst>
+                                  <p:childTnLst>
+                                    <p:set>
+                                      <p:cBhvr>
+                                        <p:cTn id="6" dur="1" fill="hold">
+                                          <p:stCondLst>
+                                            <p:cond delay="0"/>
+                                          </p:stCondLst>
+                                        </p:cTn>
+                                        <p:tgtEl>
+                                          <p:spTgt spid="27"/>
+                                        </p:tgtEl>
+                                        <p:attrNameLst>
+                                          <p:attrName>style.visibility</p:attrName>
+                                        </p:attrNameLst>
+                                      </p:cBhvr>
+                                      <p:to>
+                                        <p:strVal val="visible"/>
+                                      </p:to>
+                                    </p:set>
+                                    <p:animEffect transition="in" filter="wipe(left)">
+                                      <p:cBhvr>
+                                        <p:cTn id="7" dur="500"/>
+                                        <p:tgtEl>
+                                          <p:spTgt spid="27"/>
+                                        </p:tgtEl>
+                                      </p:cBhvr>
+                                    </p:animEffect>
+                                  </p:childTnLst>
+                                </p:cTn>
+                              </p:par>
+                              <p:par>
+                                <p:cTn id="8" presetID="22" presetClass="entr" presetSubtype="8" fill="hold" nodeType="withEffect">
+                                  <p:stCondLst>
+                                    <p:cond delay="0"/>
+                                  </p:stCondLst>
+                                  <p:childTnLst>
+                                    <p:set>
+                                      <p:cBhvr>
+                                        <p:cTn id="9" dur="1" fill="hold">
+                                          <p:stCondLst>
+                                            <p:cond delay="0"/>
+                                          </p:stCondLst>
+                                        </p:cTn>
+                                        <p:tgtEl>
+                                          <p:spTgt spid="31"/>
+                                        </p:tgtEl>
+                                        <p:attrNameLst>
+                                          <p:attrName>style.visibility</p:attrName>
+                                        </p:attrNameLst>
+                                      </p:cBhvr>
+                                      <p:to>
+                                        <p:strVal val="visible"/>
+                                      </p:to>
+                                    </p:set>
+                                    <p:animEffect transition="in" filter="wipe(left)">
+                                      <p:cBhvr>
+                                        <p:cTn id="10" dur="500"/>
+                                        <p:tgtEl>
+                                          <p:spTgt spid="31"/>
+                                        </p:tgtEl>
+                                      </p:cBhvr>
+                                    </p:animEffect>
+                                  </p:childTnLst>
+                                </p:cTn>
+                              </p:par>
+                              <p:par>
+                                <p:cTn id="11" presetID="22" presetClass="entr" presetSubtype="8" fill="hold" nodeType="withEffect">
+                                  <p:stCondLst>
+                                    <p:cond delay="0"/>
+                                  </p:stCondLst>
+                                  <p:childTnLst>
+                                    <p:set>
+                                      <p:cBhvr>
+                                        <p:cTn id="12" dur="1" fill="hold">
+                                          <p:stCondLst>
+                                            <p:cond delay="0"/>
+                                          </p:stCondLst>
+                                        </p:cTn>
+                                        <p:tgtEl>
+                                          <p:spTgt spid="32"/>
+                                        </p:tgtEl>
+                                        <p:attrNameLst>
+                                          <p:attrName>style.visibility</p:attrName>
+                                        </p:attrNameLst>
+                                      </p:cBhvr>
+                                      <p:to>
+                                        <p:strVal val="visible"/>
+                                      </p:to>
+                                    </p:set>
+                                    <p:animEffect transition="in" filter="wipe(left)">
+                                      <p:cBhvr>
+                                        <p:cTn id="13" dur="500"/>
+                                        <p:tgtEl>
+                                          <p:spTgt spid="32"/>
+                                        </p:tgtEl>
+                                      </p:cBhvr>
+                                    </p:animEffect>
+                                  </p:childTnLst>
+                                </p:cTn>
+                              </p:par>
+                              <p:par>
+                                <p:cTn id="14" presetID="10" presetClass="entr" presetSubtype="0" fill="hold" nodeType="withEffect">
+                                  <p:stCondLst>
+                                    <p:cond delay="100"/>
+                                  </p:stCondLst>
+                                  <p:childTnLst>
+                                    <p:set>
+                                      <p:cBhvr>
+                                        <p:cTn id="15" dur="1" fill="hold">
+                                          <p:stCondLst>
+                                            <p:cond delay="0"/>
+                                          </p:stCondLst>
+                                        </p:cTn>
+                                        <p:tgtEl>
+                                          <p:spTgt spid="15"/>
+                                        </p:tgtEl>
+                                        <p:attrNameLst>
+                                          <p:attrName>style.visibility</p:attrName>
+                                        </p:attrNameLst>
+                                      </p:cBhvr>
+                                      <p:to>
+                                        <p:strVal val="visible"/>
+                                      </p:to>
+                                    </p:set>
+                                    <p:animEffect transition="in" filter="fade">
+                                      <p:cBhvr>
+                                        <p:cTn id="16" dur="250"/>
+                                        <p:tgtEl>
+                                          <p:spTgt spid="15"/>
+                                        </p:tgtEl>
+                                      </p:cBhvr>
+                                    </p:animEffect>
+                                  </p:childTnLst>
+                                </p:cTn>
+                              </p:par>
+                              <p:par>
+                                <p:cTn id="17" presetID="10" presetClass="entr" presetSubtype="0" fill="hold" nodeType="withEffect">
+                                  <p:stCondLst>
+                                    <p:cond delay="200"/>
+                                  </p:stCondLst>
+                                  <p:childTnLst>
+                                    <p:set>
+                                      <p:cBhvr>
+                                        <p:cTn id="18" dur="1" fill="hold">
+                                          <p:stCondLst>
+                                            <p:cond delay="0"/>
+                                          </p:stCondLst>
+                                        </p:cTn>
+                                        <p:tgtEl>
+                                          <p:spTgt spid="16"/>
+                                        </p:tgtEl>
+                                        <p:attrNameLst>
+                                          <p:attrName>style.visibility</p:attrName>
+                                        </p:attrNameLst>
+                                      </p:cBhvr>
+                                      <p:to>
+                                        <p:strVal val="visible"/>
+                                      </p:to>
+                                    </p:set>
+                                    <p:animEffect transition="in" filter="fade">
+                                      <p:cBhvr>
+                                        <p:cTn id="19" dur="250"/>
+                                        <p:tgtEl>
+                                          <p:spTgt spid="16"/>
+                                        </p:tgtEl>
+                                      </p:cBhvr>
+                                    </p:animEffect>
+                                  </p:childTnLst>
+                                </p:cTn>
+                              </p:par>
+                              <p:par>
+                                <p:cTn id="20" presetID="10" presetClass="entr" presetSubtype="0" fill="hold" nodeType="withEffect">
+                                  <p:stCondLst>
+                                    <p:cond delay="100"/>
+                                  </p:stCondLst>
+                                  <p:childTnLst>
+                                    <p:set>
+                                      <p:cBhvr>
+                                        <p:cTn id="21" dur="1" fill="hold">
+                                          <p:stCondLst>
+                                            <p:cond delay="0"/>
+                                          </p:stCondLst>
+                                        </p:cTn>
+                                        <p:tgtEl>
+                                          <p:spTgt spid="44"/>
+                                        </p:tgtEl>
+                                        <p:attrNameLst>
+                                          <p:attrName>style.visibility</p:attrName>
+                                        </p:attrNameLst>
+                                      </p:cBhvr>
+                                      <p:to>
+                                        <p:strVal val="visible"/>
+                                      </p:to>
+                                    </p:set>
+                                    <p:animEffect transition="in" filter="fade">
+                                      <p:cBhvr>
+                                        <p:cTn id="22" dur="250"/>
+                                        <p:tgtEl>
+                                          <p:spTgt spid="44"/>
+                                        </p:tgtEl>
+                                      </p:cBhvr>
+                                    </p:animEffect>
+                                  </p:childTnLst>
+                                </p:cTn>
+                              </p:par>
+                              <p:par>
+                                <p:cTn id="23" presetID="10" presetClass="entr" presetSubtype="0" fill="hold" nodeType="withEffect">
+                                  <p:stCondLst>
+                                    <p:cond delay="100"/>
+                                  </p:stCondLst>
+                                  <p:childTnLst>
+                                    <p:set>
+                                      <p:cBhvr>
+                                        <p:cTn id="24" dur="1" fill="hold">
+                                          <p:stCondLst>
+                                            <p:cond delay="0"/>
+                                          </p:stCondLst>
+                                        </p:cTn>
+                                        <p:tgtEl>
+                                          <p:spTgt spid="47"/>
+                                        </p:tgtEl>
+                                        <p:attrNameLst>
+                                          <p:attrName>style.visibility</p:attrName>
+                                        </p:attrNameLst>
+                                      </p:cBhvr>
+                                      <p:to>
+                                        <p:strVal val="visible"/>
+                                      </p:to>
+                                    </p:set>
+                                    <p:animEffect transition="in" filter="fade">
+                                      <p:cBhvr>
+                                        <p:cTn id="25" dur="250"/>
+                                        <p:tgtEl>
+                                          <p:spTgt spid="47"/>
+                                        </p:tgtEl>
+                                      </p:cBhvr>
+                                    </p:animEffect>
+                                  </p:childTnLst>
+                                </p:cTn>
+                              </p:par>
+                              <p:par>
+                                <p:cTn id="26" presetID="10" presetClass="entr" presetSubtype="0" fill="hold" nodeType="withEffect">
+                                  <p:stCondLst>
+                                    <p:cond delay="100"/>
+                                  </p:stCondLst>
+                                  <p:childTnLst>
+                                    <p:set>
+                                      <p:cBhvr>
+                                        <p:cTn id="27" dur="1" fill="hold">
+                                          <p:stCondLst>
+                                            <p:cond delay="0"/>
+                                          </p:stCondLst>
+                                        </p:cTn>
+                                        <p:tgtEl>
+                                          <p:spTgt spid="58"/>
+                                        </p:tgtEl>
+                                        <p:attrNameLst>
+                                          <p:attrName>style.visibility</p:attrName>
+                                        </p:attrNameLst>
+                                      </p:cBhvr>
+                                      <p:to>
+                                        <p:strVal val="visible"/>
+                                      </p:to>
+                                    </p:set>
+                                    <p:animEffect transition="in" filter="fade">
+                                      <p:cBhvr>
+                                        <p:cTn id="28" dur="250"/>
+                                        <p:tgtEl>
+                                          <p:spTgt spid="58"/>
+                                        </p:tgtEl>
+                                      </p:cBhvr>
+                                    </p:animEffect>
+                                  </p:childTnLst>
+                                </p:cTn>
+                              </p:par>
+                              <p:par>
+                                <p:cTn id="29" presetID="10" presetClass="entr" presetSubtype="0" fill="hold" nodeType="withEffect">
+                                  <p:stCondLst>
+                                    <p:cond delay="100"/>
+                                  </p:stCondLst>
+                                  <p:childTnLst>
+                                    <p:set>
+                                      <p:cBhvr>
+                                        <p:cTn id="30" dur="1" fill="hold">
+                                          <p:stCondLst>
+                                            <p:cond delay="0"/>
+                                          </p:stCondLst>
+                                        </p:cTn>
+                                        <p:tgtEl>
+                                          <p:spTgt spid="61"/>
+                                        </p:tgtEl>
+                                        <p:attrNameLst>
+                                          <p:attrName>style.visibility</p:attrName>
+                                        </p:attrNameLst>
+                                      </p:cBhvr>
+                                      <p:to>
+                                        <p:strVal val="visible"/>
+                                      </p:to>
+                                    </p:set>
+                                    <p:animEffect transition="in" filter="fade">
+                                      <p:cBhvr>
+                                        <p:cTn id="31" dur="250"/>
+                                        <p:tgtEl>
+                                          <p:spTgt spid="61"/>
+                                        </p:tgtEl>
+                                      </p:cBhvr>
+                                    </p:animEffect>
+                                  </p:childTnLst>
+                                </p:cTn>
+                              </p:par>
+                            </p:childTnLst>
+                          </p:cTn>
+                        </p:par>
+                      </p:childTnLst>
+                    </p:cTn>
+                  </p:par>
+                </p:childTnLst>
+              </p:cTn>
+              <p:prevCondLst>
+                <p:cond evt="onPrev" delay="0">
+                  <p:tgtEl>
+                    <p:sldTgt/>
+                  </p:tgtEl>
+                </p:cond>
+              </p:prevCondLst>
+              <p:nextCondLst>
+                <p:cond evt="onNext" delay="0">
+                  <p:tgtEl>
+                    <p:sldTgt/>
+                  </p:tgtEl>
+                </p:cond>
+              </p:nextCondLst>
+            </p:seq>
+          </p:childTnLst>
+        </p:cTn>
+      </p:par>
+    </p:tnLst>
+  </p:timing>
 </p:sld>
 </file>
 
@@ -24236,18 +26143,16 @@
         </p:nvSpPr>
         <p:spPr/>
         <p:txBody>
-          <a:bodyPr>
-            <a:normAutofit fontScale="90000"/>
-          </a:bodyPr>
+          <a:bodyPr/>
           <a:lstStyle/>
           <a:p>
             <a:r>
-              <a:rPr lang="en-US" dirty="0"/>
-              <a:t>Running, improving and maintaining a site in the real </a:t>
-            </a:r>
-            <a:r>
               <a:rPr lang="en-US" dirty="0" smtClean="0"/>
-              <a:t>world</a:t>
+              <a:t>Step </a:t>
+            </a:r>
+            <a:r>
+              <a:rPr lang="en-US" dirty="0" smtClean="0"/>
+              <a:t>2: Global Reach</a:t>
             </a:r>
             <a:endParaRPr lang="en-US" dirty="0"/>
           </a:p>
@@ -24263,245 +26168,69 @@
             <p:ph idx="1"/>
           </p:nvPr>
         </p:nvSpPr>
-        <p:spPr>
-          <a:xfrm>
-            <a:off x="838199" y="1825624"/>
-            <a:ext cx="10681607" cy="4681311"/>
-          </a:xfrm>
-        </p:spPr>
-        <p:txBody>
-          <a:bodyPr>
-            <a:normAutofit fontScale="25000" lnSpcReduction="20000"/>
-          </a:bodyPr>
+        <p:spPr/>
+        <p:txBody>
+          <a:bodyPr/>
           <a:lstStyle/>
           <a:p>
+            <a:pPr marL="0" indent="0">
+              <a:buNone/>
+            </a:pPr>
             <a:r>
               <a:rPr lang="en-US" dirty="0" smtClean="0"/>
-              <a:t>60 minutes</a:t>
-            </a:r>
-          </a:p>
-          <a:p>
+              <a:t>PROBLEM:</a:t>
+            </a:r>
+          </a:p>
+          <a:p>
+            <a:pPr marL="0" indent="0">
+              <a:buNone/>
+            </a:pPr>
+            <a:endParaRPr lang="en-US" dirty="0" smtClean="0"/>
+          </a:p>
+          <a:p>
+            <a:pPr marL="0" indent="0">
+              <a:buNone/>
+            </a:pPr>
             <a:r>
               <a:rPr lang="en-US" dirty="0" smtClean="0"/>
-              <a:t>“Real world” content</a:t>
-            </a:r>
-          </a:p>
-          <a:p>
-            <a:r>
-              <a:rPr lang="en-US" dirty="0" smtClean="0"/>
-              <a:t>Scenario: Scale</a:t>
-            </a:r>
-          </a:p>
-          <a:p>
-            <a:pPr marL="914400" lvl="1" indent="-457200">
-              <a:buFont typeface="+mj-lt"/>
-              <a:buAutoNum type="arabicPeriod"/>
-            </a:pPr>
-            <a:r>
-              <a:rPr lang="en-US" dirty="0" smtClean="0"/>
-              <a:t>Static content to storage (using URL rewrite)</a:t>
-            </a:r>
-          </a:p>
-          <a:p>
-            <a:pPr marL="914400" lvl="1" indent="-457200">
-              <a:buFont typeface="+mj-lt"/>
-              <a:buAutoNum type="arabicPeriod"/>
-            </a:pPr>
-            <a:r>
-              <a:rPr lang="en-US" dirty="0" smtClean="0"/>
-              <a:t>Manual scale</a:t>
-            </a:r>
-          </a:p>
-          <a:p>
-            <a:pPr marL="914400" lvl="1" indent="-457200">
-              <a:buFont typeface="+mj-lt"/>
-              <a:buAutoNum type="arabicPeriod"/>
-            </a:pPr>
-            <a:r>
-              <a:rPr lang="en-US" dirty="0" smtClean="0"/>
-              <a:t>Auto-scale</a:t>
-            </a:r>
-          </a:p>
-          <a:p>
-            <a:pPr marL="914400" lvl="1" indent="-457200">
-              <a:buFont typeface="+mj-lt"/>
-              <a:buAutoNum type="arabicPeriod"/>
-            </a:pPr>
-            <a:r>
-              <a:rPr lang="en-US" dirty="0" smtClean="0"/>
-              <a:t>Caching</a:t>
-            </a:r>
-          </a:p>
-          <a:p>
-            <a:pPr lvl="1"/>
-            <a:r>
-              <a:rPr lang="en-US" dirty="0" smtClean="0"/>
-              <a:t>Use WCAT to show load?</a:t>
-            </a:r>
-          </a:p>
-          <a:p>
-            <a:r>
-              <a:rPr lang="en-US" dirty="0" smtClean="0"/>
-              <a:t>Scenario: Change</a:t>
-            </a:r>
-          </a:p>
-          <a:p>
-            <a:pPr lvl="1"/>
-            <a:r>
-              <a:rPr lang="en-US" dirty="0" smtClean="0"/>
-              <a:t>EF Migrations – both up and down (mention other migration options?)</a:t>
-            </a:r>
-          </a:p>
-          <a:p>
-            <a:pPr lvl="1"/>
-            <a:r>
-              <a:rPr lang="en-US" dirty="0" smtClean="0"/>
-              <a:t>Deployment rollback (</a:t>
-            </a:r>
-            <a:r>
-              <a:rPr lang="en-US" dirty="0" err="1" smtClean="0"/>
-              <a:t>Git</a:t>
-            </a:r>
-            <a:r>
-              <a:rPr lang="en-US" dirty="0" smtClean="0"/>
-              <a:t> / TFS)</a:t>
-            </a:r>
-          </a:p>
-          <a:p>
-            <a:pPr lvl="1"/>
-            <a:r>
-              <a:rPr lang="en-US" dirty="0" smtClean="0"/>
-              <a:t>WAAD (selling private label version of site w/ AD support)</a:t>
-            </a:r>
-          </a:p>
-          <a:p>
-            <a:r>
-              <a:rPr lang="en-US" dirty="0" smtClean="0"/>
-              <a:t>Scenario: </a:t>
-            </a:r>
-            <a:r>
-              <a:rPr lang="en-US" dirty="0" err="1" smtClean="0"/>
-              <a:t>Dev</a:t>
-            </a:r>
-            <a:r>
-              <a:rPr lang="en-US" dirty="0" smtClean="0"/>
-              <a:t> / Test</a:t>
-            </a:r>
-          </a:p>
-          <a:p>
-            <a:pPr lvl="1"/>
-            <a:r>
-              <a:rPr lang="en-US" dirty="0" smtClean="0"/>
-              <a:t>Continuous Integration</a:t>
-            </a:r>
-          </a:p>
-          <a:p>
-            <a:pPr lvl="1"/>
-            <a:r>
-              <a:rPr lang="en-US" dirty="0" smtClean="0"/>
-              <a:t>Multi-environment</a:t>
-            </a:r>
-          </a:p>
-          <a:p>
-            <a:pPr lvl="1"/>
-            <a:r>
-              <a:rPr lang="en-US" dirty="0" smtClean="0"/>
-              <a:t>VM</a:t>
-            </a:r>
-          </a:p>
-          <a:p>
-            <a:pPr lvl="1"/>
-            <a:r>
-              <a:rPr lang="en-US" dirty="0" smtClean="0"/>
-              <a:t>Test Manager?</a:t>
-            </a:r>
-          </a:p>
-          <a:p>
-            <a:pPr lvl="1"/>
-            <a:endParaRPr lang="en-US" dirty="0"/>
-          </a:p>
-          <a:p>
-            <a:r>
-              <a:rPr lang="en-US" dirty="0" smtClean="0"/>
-              <a:t>Note: </a:t>
-            </a:r>
-          </a:p>
-          <a:p>
-            <a:pPr lvl="1"/>
-            <a:r>
-              <a:rPr lang="en-US" dirty="0" smtClean="0"/>
-              <a:t>AD here + SSL (slide driven) – Note: Talk to Vittorio about ACS / AD</a:t>
-            </a:r>
-          </a:p>
-          <a:p>
-            <a:pPr lvl="1"/>
-            <a:r>
-              <a:rPr lang="en-US" dirty="0" smtClean="0"/>
-              <a:t>Slides in appendix to go in depth</a:t>
-            </a:r>
-          </a:p>
-          <a:p>
-            <a:pPr lvl="1"/>
-            <a:r>
-              <a:rPr lang="en-US" dirty="0" smtClean="0"/>
-              <a:t>Make this 75-90 minutes?</a:t>
-            </a:r>
-          </a:p>
-          <a:p>
-            <a:pPr lvl="1"/>
-            <a:r>
-              <a:rPr lang="en-US" dirty="0" smtClean="0"/>
-              <a:t>3 Calls to action for each scenario</a:t>
-            </a:r>
-          </a:p>
-          <a:p>
-            <a:pPr lvl="1"/>
-            <a:r>
-              <a:rPr lang="en-US" dirty="0" smtClean="0"/>
-              <a:t>Include New Relic, maybe Glimpse too</a:t>
-            </a:r>
-          </a:p>
-          <a:p>
-            <a:pPr lvl="1"/>
-            <a:r>
-              <a:rPr lang="en-US" dirty="0" smtClean="0"/>
-              <a:t>Optimization – Web </a:t>
-            </a:r>
-            <a:r>
-              <a:rPr lang="en-US" dirty="0" err="1" smtClean="0"/>
-              <a:t>Dev</a:t>
-            </a:r>
-            <a:r>
-              <a:rPr lang="en-US" dirty="0" smtClean="0"/>
-              <a:t> Checklist</a:t>
-            </a:r>
-          </a:p>
-          <a:p>
-            <a:pPr lvl="1"/>
-            <a:r>
-              <a:rPr lang="en-US" dirty="0" smtClean="0"/>
-              <a:t>Selective publishing</a:t>
-            </a:r>
+              <a:t>It’s hard to deploy a consistent environment in multiple datacenters.</a:t>
+            </a:r>
+          </a:p>
+        </p:txBody>
+      </p:sp>
+      <p:sp>
+        <p:nvSpPr>
+          <p:cNvPr id="4" name="Slide Number Placeholder 3"/>
+          <p:cNvSpPr>
+            <a:spLocks noGrp="1"/>
+          </p:cNvSpPr>
+          <p:nvPr>
+            <p:ph type="sldNum" sz="quarter" idx="12"/>
+          </p:nvPr>
+        </p:nvSpPr>
+        <p:spPr/>
+        <p:txBody>
+          <a:bodyPr/>
+          <a:lstStyle/>
+          <a:p>
+            <a:fld id="{0A164282-434E-41D4-9582-783D542A7B68}" type="slidenum">
+              <a:rPr lang="en-US" smtClean="0"/>
+              <a:t>35</a:t>
+            </a:fld>
+            <a:endParaRPr lang="en-US"/>
           </a:p>
         </p:txBody>
       </p:sp>
     </p:spTree>
     <p:extLst>
       <p:ext uri="{BB962C8B-B14F-4D97-AF65-F5344CB8AC3E}">
-        <p14:creationId xmlns:p14="http://schemas.microsoft.com/office/powerpoint/2010/main" val="193550282"/>
+        <p14:creationId xmlns:p14="http://schemas.microsoft.com/office/powerpoint/2010/main" val="680413815"/>
       </p:ext>
     </p:extLst>
   </p:cSld>
   <p:clrMapOvr>
     <a:masterClrMapping/>
   </p:clrMapOvr>
-  <p:timing>
-    <p:tnLst>
-      <p:par>
-        <p:cTn id="1" dur="indefinite" restart="never" nodeType="tmRoot"/>
-      </p:par>
-    </p:tnLst>
-  </p:timing>
 </p:sld>
 </file>
 
@@ -24524,55 +26253,103 @@
       </p:grpSpPr>
       <p:sp>
         <p:nvSpPr>
-          <p:cNvPr id="4" name="TextBox 3"/>
-          <p:cNvSpPr txBox="1"/>
-          <p:nvPr/>
-        </p:nvSpPr>
-        <p:spPr>
-          <a:xfrm>
-            <a:off x="1992429" y="1780674"/>
-            <a:ext cx="8066632" cy="1200329"/>
-          </a:xfrm>
-          <a:prstGeom prst="rect">
-            <a:avLst/>
-          </a:prstGeom>
-          <a:noFill/>
-        </p:spPr>
-        <p:txBody>
-          <a:bodyPr wrap="none" rtlCol="0">
-            <a:spAutoFit/>
-          </a:bodyPr>
+          <p:cNvPr id="2" name="Title 1"/>
+          <p:cNvSpPr>
+            <a:spLocks noGrp="1"/>
+          </p:cNvSpPr>
+          <p:nvPr>
+            <p:ph type="title"/>
+          </p:nvPr>
+        </p:nvSpPr>
+        <p:spPr/>
+        <p:txBody>
+          <a:bodyPr/>
           <a:lstStyle/>
           <a:p>
             <a:r>
               <a:rPr lang="en-US" dirty="0" smtClean="0"/>
-              <a:t>Shared - ?? Bandwidth – Images to blob storage</a:t>
-            </a:r>
-          </a:p>
-          <a:p>
+              <a:t>Step </a:t>
+            </a:r>
+            <a:r>
+              <a:rPr lang="en-US" dirty="0"/>
+              <a:t>2</a:t>
+            </a:r>
             <a:r>
               <a:rPr lang="en-US" dirty="0" smtClean="0"/>
-              <a:t>Scalability – ARR, ARR Cookie, Affinity, -- Beyond to Cloud Services – Stateless</a:t>
-            </a:r>
-          </a:p>
-          <a:p>
+              <a:t>: Global Reach</a:t>
+            </a:r>
+            <a:endParaRPr lang="en-US" dirty="0"/>
+          </a:p>
+        </p:txBody>
+      </p:sp>
+      <p:sp>
+        <p:nvSpPr>
+          <p:cNvPr id="3" name="Content Placeholder 2"/>
+          <p:cNvSpPr>
+            <a:spLocks noGrp="1"/>
+          </p:cNvSpPr>
+          <p:nvPr>
+            <p:ph idx="1"/>
+          </p:nvPr>
+        </p:nvSpPr>
+        <p:spPr/>
+        <p:txBody>
+          <a:bodyPr/>
+          <a:lstStyle/>
+          <a:p>
+            <a:pPr marL="0" indent="0">
+              <a:buNone/>
+            </a:pPr>
             <a:r>
               <a:rPr lang="en-US" dirty="0" smtClean="0"/>
-              <a:t>Demo Scale Manual</a:t>
-            </a:r>
-          </a:p>
-          <a:p>
+              <a:t>SOLUTION:</a:t>
+            </a:r>
+          </a:p>
+          <a:p>
+            <a:pPr marL="0" indent="0">
+              <a:buNone/>
+            </a:pPr>
+            <a:endParaRPr lang="en-US" dirty="0" smtClean="0"/>
+          </a:p>
+          <a:p>
+            <a:pPr marL="0" indent="0">
+              <a:buNone/>
+            </a:pPr>
             <a:r>
               <a:rPr lang="en-US" dirty="0" smtClean="0"/>
-              <a:t>Demo Scale Auto – Test Project in VS</a:t>
-            </a:r>
+              <a:t>Use automated deployment workflow to ensure consistency in deployment process.</a:t>
+            </a:r>
+            <a:endParaRPr lang="en-US" dirty="0"/>
+          </a:p>
+        </p:txBody>
+      </p:sp>
+      <p:sp>
+        <p:nvSpPr>
+          <p:cNvPr id="4" name="Slide Number Placeholder 3"/>
+          <p:cNvSpPr>
+            <a:spLocks noGrp="1"/>
+          </p:cNvSpPr>
+          <p:nvPr>
+            <p:ph type="sldNum" sz="quarter" idx="12"/>
+          </p:nvPr>
+        </p:nvSpPr>
+        <p:spPr/>
+        <p:txBody>
+          <a:bodyPr/>
+          <a:lstStyle/>
+          <a:p>
+            <a:fld id="{0A164282-434E-41D4-9582-783D542A7B68}" type="slidenum">
+              <a:rPr lang="en-US" smtClean="0"/>
+              <a:t>36</a:t>
+            </a:fld>
+            <a:endParaRPr lang="en-US"/>
           </a:p>
         </p:txBody>
       </p:sp>
     </p:spTree>
     <p:extLst>
       <p:ext uri="{BB962C8B-B14F-4D97-AF65-F5344CB8AC3E}">
-        <p14:creationId xmlns:p14="http://schemas.microsoft.com/office/powerpoint/2010/main" val="4007898504"/>
+        <p14:creationId xmlns:p14="http://schemas.microsoft.com/office/powerpoint/2010/main" val="3833856955"/>
       </p:ext>
     </p:extLst>
   </p:cSld>
@@ -24616,7 +26393,19 @@
           <a:p>
             <a:r>
               <a:rPr lang="en-US" dirty="0" smtClean="0"/>
-              <a:t>Resources</a:t>
+              <a:t>Step </a:t>
+            </a:r>
+            <a:r>
+              <a:rPr lang="en-US" dirty="0" smtClean="0"/>
+              <a:t>3: </a:t>
+            </a:r>
+            <a:r>
+              <a:rPr lang="en-US" dirty="0" smtClean="0"/>
+              <a:t>Continuous </a:t>
+            </a:r>
+            <a:r>
+              <a:rPr lang="en-US" dirty="0" smtClean="0"/>
+              <a:t>Delivery</a:t>
             </a:r>
             <a:endParaRPr lang="en-US" dirty="0"/>
           </a:p>
@@ -24637,23 +26426,60 @@
           <a:bodyPr/>
           <a:lstStyle/>
           <a:p>
-            <a:r>
-              <a:rPr lang="en-US" dirty="0">
-                <a:hlinkClick r:id="rId2"/>
-              </a:rPr>
-              <a:t>http://www.windowsazure.com/en-us/manage/services/cache/net/how-to-cache-service</a:t>
-            </a:r>
-            <a:r>
-              <a:rPr lang="en-US" dirty="0" smtClean="0">
-                <a:hlinkClick r:id="rId2"/>
-              </a:rPr>
-              <a:t>/</a:t>
-            </a:r>
+            <a:pPr marL="0" indent="0">
+              <a:buNone/>
+            </a:pPr>
             <a:r>
               <a:rPr lang="en-US" dirty="0" smtClean="0"/>
-              <a:t> - aka.ms this</a:t>
+              <a:t>PROBLEM:</a:t>
+            </a:r>
+          </a:p>
+          <a:p>
+            <a:pPr marL="0" indent="0">
+              <a:buNone/>
+            </a:pPr>
+            <a:endParaRPr lang="en-US" dirty="0" smtClean="0"/>
+          </a:p>
+          <a:p>
+            <a:pPr marL="0" indent="0">
+              <a:buNone/>
+            </a:pPr>
+            <a:r>
+              <a:rPr lang="en-US" dirty="0" smtClean="0"/>
+              <a:t>Bugs and issues in your code get harder to fix </a:t>
+            </a:r>
+            <a:r>
+              <a:rPr lang="en-US" dirty="0" smtClean="0"/>
+              <a:t/>
+            </a:r>
+            <a:br>
+              <a:rPr lang="en-US" dirty="0" smtClean="0"/>
+            </a:br>
+            <a:r>
+              <a:rPr lang="en-US" dirty="0" smtClean="0"/>
+              <a:t>the </a:t>
+            </a:r>
+            <a:r>
+              <a:rPr lang="en-US" dirty="0" smtClean="0"/>
+              <a:t>longer it takes to find out about them.</a:t>
             </a:r>
             <a:endParaRPr lang="en-US" dirty="0"/>
+          </a:p>
+          <a:p>
+            <a:pPr marL="0" indent="0">
+              <a:buNone/>
+            </a:pPr>
+            <a:r>
+              <a:rPr lang="en-US" dirty="0" smtClean="0"/>
+              <a:t/>
+            </a:r>
+            <a:br>
+              <a:rPr lang="en-US" dirty="0" smtClean="0"/>
+            </a:br>
+            <a:r>
+              <a:rPr lang="en-US" dirty="0" smtClean="0"/>
+              <a:t>Deployment is a risky, error-prone operation.</a:t>
+            </a:r>
           </a:p>
         </p:txBody>
       </p:sp>
@@ -24683,24 +26509,325 @@
     </p:spTree>
     <p:extLst>
       <p:ext uri="{BB962C8B-B14F-4D97-AF65-F5344CB8AC3E}">
-        <p14:creationId xmlns:p14="http://schemas.microsoft.com/office/powerpoint/2010/main" val="2821683008"/>
+        <p14:creationId xmlns:p14="http://schemas.microsoft.com/office/powerpoint/2010/main" val="1064823689"/>
       </p:ext>
     </p:extLst>
   </p:cSld>
   <p:clrMapOvr>
     <a:masterClrMapping/>
   </p:clrMapOvr>
-  <p:timing>
-    <p:tnLst>
-      <p:par>
-        <p:cTn id="1" dur="indefinite" restart="never" nodeType="tmRoot"/>
-      </p:par>
-    </p:tnLst>
-  </p:timing>
 </p:sld>
 </file>
 
 <file path=ppt/slides/slide38.xml><?xml version="1.0" encoding="utf-8"?>
+<p:sld xmlns:a="http://schemas.openxmlformats.org/drawingml/2006/main" xmlns:r="http://schemas.openxmlformats.org/officeDocument/2006/relationships" xmlns:p="http://schemas.openxmlformats.org/presentationml/2006/main">
+  <p:cSld>
+    <p:spTree>
+      <p:nvGrpSpPr>
+        <p:cNvPr id="1" name=""/>
+        <p:cNvGrpSpPr/>
+        <p:nvPr/>
+      </p:nvGrpSpPr>
+      <p:grpSpPr>
+        <a:xfrm>
+          <a:off x="0" y="0"/>
+          <a:ext cx="0" cy="0"/>
+          <a:chOff x="0" y="0"/>
+          <a:chExt cx="0" cy="0"/>
+        </a:xfrm>
+      </p:grpSpPr>
+      <p:sp>
+        <p:nvSpPr>
+          <p:cNvPr id="2" name="Title 1"/>
+          <p:cNvSpPr>
+            <a:spLocks noGrp="1"/>
+          </p:cNvSpPr>
+          <p:nvPr>
+            <p:ph type="title"/>
+          </p:nvPr>
+        </p:nvSpPr>
+        <p:spPr/>
+        <p:txBody>
+          <a:bodyPr/>
+          <a:lstStyle/>
+          <a:p>
+            <a:r>
+              <a:rPr lang="en-US" dirty="0" smtClean="0"/>
+              <a:t>Step </a:t>
+            </a:r>
+            <a:r>
+              <a:rPr lang="en-US" dirty="0" smtClean="0"/>
+              <a:t>3: </a:t>
+            </a:r>
+            <a:r>
+              <a:rPr lang="en-US" dirty="0" smtClean="0"/>
+              <a:t>Continuous </a:t>
+            </a:r>
+            <a:r>
+              <a:rPr lang="en-US" dirty="0" smtClean="0"/>
+              <a:t>Delivery</a:t>
+            </a:r>
+            <a:endParaRPr lang="en-US" dirty="0"/>
+          </a:p>
+        </p:txBody>
+      </p:sp>
+      <p:sp>
+        <p:nvSpPr>
+          <p:cNvPr id="3" name="Content Placeholder 2"/>
+          <p:cNvSpPr>
+            <a:spLocks noGrp="1"/>
+          </p:cNvSpPr>
+          <p:nvPr>
+            <p:ph idx="1"/>
+          </p:nvPr>
+        </p:nvSpPr>
+        <p:spPr/>
+        <p:txBody>
+          <a:bodyPr/>
+          <a:lstStyle/>
+          <a:p>
+            <a:pPr marL="0" indent="0">
+              <a:buNone/>
+            </a:pPr>
+            <a:r>
+              <a:rPr lang="en-US" dirty="0" smtClean="0"/>
+              <a:t>SOLUTION:</a:t>
+            </a:r>
+          </a:p>
+          <a:p>
+            <a:pPr marL="0" indent="0">
+              <a:buNone/>
+            </a:pPr>
+            <a:endParaRPr lang="en-US" dirty="0" smtClean="0"/>
+          </a:p>
+          <a:p>
+            <a:pPr marL="0" indent="0">
+              <a:buNone/>
+            </a:pPr>
+            <a:r>
+              <a:rPr lang="en-US" dirty="0" smtClean="0"/>
+              <a:t>Use continuous integration to automate buil</a:t>
+            </a:r>
+            <a:r>
+              <a:rPr lang="en-US" dirty="0" smtClean="0"/>
+              <a:t>d, unit &amp; integration testing.</a:t>
+            </a:r>
+          </a:p>
+          <a:p>
+            <a:pPr marL="0" indent="0">
+              <a:buNone/>
+            </a:pPr>
+            <a:endParaRPr lang="en-US" dirty="0"/>
+          </a:p>
+          <a:p>
+            <a:pPr marL="0" indent="0">
+              <a:buNone/>
+            </a:pPr>
+            <a:r>
+              <a:rPr lang="en-US" dirty="0" smtClean="0"/>
+              <a:t>Use automated deployment workflow to ensure consistency in deployment process.</a:t>
+            </a:r>
+            <a:endParaRPr lang="en-US" dirty="0"/>
+          </a:p>
+        </p:txBody>
+      </p:sp>
+      <p:sp>
+        <p:nvSpPr>
+          <p:cNvPr id="4" name="Slide Number Placeholder 3"/>
+          <p:cNvSpPr>
+            <a:spLocks noGrp="1"/>
+          </p:cNvSpPr>
+          <p:nvPr>
+            <p:ph type="sldNum" sz="quarter" idx="12"/>
+          </p:nvPr>
+        </p:nvSpPr>
+        <p:spPr/>
+        <p:txBody>
+          <a:bodyPr/>
+          <a:lstStyle/>
+          <a:p>
+            <a:fld id="{0A164282-434E-41D4-9582-783D542A7B68}" type="slidenum">
+              <a:rPr lang="en-US" smtClean="0"/>
+              <a:t>38</a:t>
+            </a:fld>
+            <a:endParaRPr lang="en-US"/>
+          </a:p>
+        </p:txBody>
+      </p:sp>
+    </p:spTree>
+    <p:extLst>
+      <p:ext uri="{BB962C8B-B14F-4D97-AF65-F5344CB8AC3E}">
+        <p14:creationId xmlns:p14="http://schemas.microsoft.com/office/powerpoint/2010/main" val="2713316148"/>
+      </p:ext>
+    </p:extLst>
+  </p:cSld>
+  <p:clrMapOvr>
+    <a:masterClrMapping/>
+  </p:clrMapOvr>
+</p:sld>
+</file>
+
+<file path=ppt/slides/slide39.xml><?xml version="1.0" encoding="utf-8"?>
+<p:sld xmlns:a="http://schemas.openxmlformats.org/drawingml/2006/main" xmlns:r="http://schemas.openxmlformats.org/officeDocument/2006/relationships" xmlns:p="http://schemas.openxmlformats.org/presentationml/2006/main" show="0">
+  <p:cSld>
+    <p:spTree>
+      <p:nvGrpSpPr>
+        <p:cNvPr id="1" name=""/>
+        <p:cNvGrpSpPr/>
+        <p:nvPr/>
+      </p:nvGrpSpPr>
+      <p:grpSpPr>
+        <a:xfrm>
+          <a:off x="0" y="0"/>
+          <a:ext cx="0" cy="0"/>
+          <a:chOff x="0" y="0"/>
+          <a:chExt cx="0" cy="0"/>
+        </a:xfrm>
+      </p:grpSpPr>
+      <p:sp>
+        <p:nvSpPr>
+          <p:cNvPr id="2" name="Title 1"/>
+          <p:cNvSpPr>
+            <a:spLocks noGrp="1"/>
+          </p:cNvSpPr>
+          <p:nvPr>
+            <p:ph type="ctrTitle"/>
+          </p:nvPr>
+        </p:nvSpPr>
+        <p:spPr/>
+        <p:txBody>
+          <a:bodyPr/>
+          <a:lstStyle/>
+          <a:p>
+            <a:r>
+              <a:rPr lang="en-US" dirty="0" smtClean="0"/>
+              <a:t>Demo</a:t>
+            </a:r>
+            <a:endParaRPr lang="en-US" dirty="0"/>
+          </a:p>
+        </p:txBody>
+      </p:sp>
+      <p:sp>
+        <p:nvSpPr>
+          <p:cNvPr id="4" name="Subtitle 3"/>
+          <p:cNvSpPr>
+            <a:spLocks noGrp="1"/>
+          </p:cNvSpPr>
+          <p:nvPr>
+            <p:ph type="subTitle" idx="1"/>
+          </p:nvPr>
+        </p:nvSpPr>
+        <p:spPr/>
+        <p:txBody>
+          <a:bodyPr/>
+          <a:lstStyle/>
+          <a:p>
+            <a:r>
+              <a:rPr lang="en-US" dirty="0" smtClean="0"/>
+              <a:t>Scenario: </a:t>
+            </a:r>
+            <a:r>
+              <a:rPr lang="en-US" dirty="0" smtClean="0"/>
+              <a:t>Multiple environment</a:t>
+            </a:r>
+            <a:endParaRPr lang="en-US" dirty="0"/>
+          </a:p>
+        </p:txBody>
+      </p:sp>
+    </p:spTree>
+    <p:extLst>
+      <p:ext uri="{BB962C8B-B14F-4D97-AF65-F5344CB8AC3E}">
+        <p14:creationId xmlns:p14="http://schemas.microsoft.com/office/powerpoint/2010/main" val="1661626757"/>
+      </p:ext>
+    </p:extLst>
+  </p:cSld>
+  <p:clrMapOvr>
+    <a:masterClrMapping/>
+  </p:clrMapOvr>
+  <mc:AlternateContent xmlns:mc="http://schemas.openxmlformats.org/markup-compatibility/2006">
+    <mc:Choice xmlns:p14="http://schemas.microsoft.com/office/powerpoint/2010/main" Requires="p14">
+      <p:transition spd="slow" p14:dur="2000"/>
+    </mc:Choice>
+    <mc:Fallback>
+      <p:transition spd="slow"/>
+    </mc:Fallback>
+  </mc:AlternateContent>
+</p:sld>
+</file>
+
+<file path=ppt/slides/slide4.xml><?xml version="1.0" encoding="utf-8"?>
+<p:sld xmlns:a="http://schemas.openxmlformats.org/drawingml/2006/main" xmlns:r="http://schemas.openxmlformats.org/officeDocument/2006/relationships" xmlns:p="http://schemas.openxmlformats.org/presentationml/2006/main">
+  <p:cSld>
+    <p:spTree>
+      <p:nvGrpSpPr>
+        <p:cNvPr id="1" name=""/>
+        <p:cNvGrpSpPr/>
+        <p:nvPr/>
+      </p:nvGrpSpPr>
+      <p:grpSpPr>
+        <a:xfrm>
+          <a:off x="0" y="0"/>
+          <a:ext cx="0" cy="0"/>
+          <a:chOff x="0" y="0"/>
+          <a:chExt cx="0" cy="0"/>
+        </a:xfrm>
+      </p:grpSpPr>
+      <p:sp>
+        <p:nvSpPr>
+          <p:cNvPr id="2" name="Title 1"/>
+          <p:cNvSpPr>
+            <a:spLocks noGrp="1"/>
+          </p:cNvSpPr>
+          <p:nvPr>
+            <p:ph type="title"/>
+          </p:nvPr>
+        </p:nvSpPr>
+        <p:spPr/>
+        <p:txBody>
+          <a:bodyPr/>
+          <a:lstStyle/>
+          <a:p>
+            <a:r>
+              <a:rPr lang="en-US" dirty="0" smtClean="0"/>
+              <a:t>Scenario: Scale</a:t>
+            </a:r>
+            <a:endParaRPr lang="en-US" dirty="0"/>
+          </a:p>
+        </p:txBody>
+      </p:sp>
+      <p:sp>
+        <p:nvSpPr>
+          <p:cNvPr id="3" name="Text Placeholder 2"/>
+          <p:cNvSpPr>
+            <a:spLocks noGrp="1"/>
+          </p:cNvSpPr>
+          <p:nvPr>
+            <p:ph type="body" sz="quarter" idx="10"/>
+          </p:nvPr>
+        </p:nvSpPr>
+        <p:spPr/>
+        <p:txBody>
+          <a:bodyPr/>
+          <a:lstStyle/>
+          <a:p>
+            <a:endParaRPr lang="en-US"/>
+          </a:p>
+        </p:txBody>
+      </p:sp>
+    </p:spTree>
+    <p:extLst>
+      <p:ext uri="{BB962C8B-B14F-4D97-AF65-F5344CB8AC3E}">
+        <p14:creationId xmlns:p14="http://schemas.microsoft.com/office/powerpoint/2010/main" val="511082479"/>
+      </p:ext>
+    </p:extLst>
+  </p:cSld>
+  <p:clrMapOvr>
+    <a:masterClrMapping/>
+  </p:clrMapOvr>
+</p:sld>
+</file>
+
+<file path=ppt/slides/slide40.xml><?xml version="1.0" encoding="utf-8"?>
 <p:sld xmlns:a="http://schemas.openxmlformats.org/drawingml/2006/main" xmlns:r="http://schemas.openxmlformats.org/officeDocument/2006/relationships" xmlns:p="http://schemas.openxmlformats.org/presentationml/2006/main">
   <p:cSld>
     <p:bg>
@@ -24756,78 +26883,6 @@
       </p:par>
     </p:tnLst>
   </p:timing>
-</p:sld>
-</file>
-
-<file path=ppt/slides/slide4.xml><?xml version="1.0" encoding="utf-8"?>
-<p:sld xmlns:a="http://schemas.openxmlformats.org/drawingml/2006/main" xmlns:r="http://schemas.openxmlformats.org/officeDocument/2006/relationships" xmlns:p="http://schemas.openxmlformats.org/presentationml/2006/main">
-  <p:cSld>
-    <p:spTree>
-      <p:nvGrpSpPr>
-        <p:cNvPr id="1" name=""/>
-        <p:cNvGrpSpPr/>
-        <p:nvPr/>
-      </p:nvGrpSpPr>
-      <p:grpSpPr>
-        <a:xfrm>
-          <a:off x="0" y="0"/>
-          <a:ext cx="0" cy="0"/>
-          <a:chOff x="0" y="0"/>
-          <a:chExt cx="0" cy="0"/>
-        </a:xfrm>
-      </p:grpSpPr>
-      <p:sp>
-        <p:nvSpPr>
-          <p:cNvPr id="2" name="Title 1"/>
-          <p:cNvSpPr>
-            <a:spLocks noGrp="1"/>
-          </p:cNvSpPr>
-          <p:nvPr>
-            <p:ph type="title"/>
-          </p:nvPr>
-        </p:nvSpPr>
-        <p:spPr/>
-        <p:txBody>
-          <a:bodyPr/>
-          <a:lstStyle/>
-          <a:p>
-            <a:r>
-              <a:rPr lang="en-US" dirty="0" smtClean="0"/>
-              <a:t>Scenario: Scale</a:t>
-            </a:r>
-            <a:endParaRPr lang="en-US" dirty="0"/>
-          </a:p>
-        </p:txBody>
-      </p:sp>
-      <p:sp>
-        <p:nvSpPr>
-          <p:cNvPr id="3" name="Text Placeholder 2"/>
-          <p:cNvSpPr>
-            <a:spLocks noGrp="1"/>
-          </p:cNvSpPr>
-          <p:nvPr>
-            <p:ph type="body" sz="quarter" idx="10"/>
-          </p:nvPr>
-        </p:nvSpPr>
-        <p:spPr/>
-        <p:txBody>
-          <a:bodyPr/>
-          <a:lstStyle/>
-          <a:p>
-            <a:endParaRPr lang="en-US"/>
-          </a:p>
-        </p:txBody>
-      </p:sp>
-    </p:spTree>
-    <p:extLst>
-      <p:ext uri="{BB962C8B-B14F-4D97-AF65-F5344CB8AC3E}">
-        <p14:creationId xmlns:p14="http://schemas.microsoft.com/office/powerpoint/2010/main" val="511082479"/>
-      </p:ext>
-    </p:extLst>
-  </p:cSld>
-  <p:clrMapOvr>
-    <a:masterClrMapping/>
-  </p:clrMapOvr>
 </p:sld>
 </file>
 
@@ -27290,11 +29345,7 @@
           <a:p>
             <a:r>
               <a:rPr lang="en-US" dirty="0" smtClean="0"/>
-              <a:t>Step 1: </a:t>
-            </a:r>
-            <a:r>
-              <a:rPr lang="en-US" dirty="0" smtClean="0"/>
-              <a:t>Preserve server bandwidth</a:t>
+              <a:t>Step 1: Preserve server bandwidth</a:t>
             </a:r>
             <a:endParaRPr lang="en-US" dirty="0"/>
           </a:p>
@@ -27440,11 +29491,7 @@
           <a:p>
             <a:r>
               <a:rPr lang="en-US" dirty="0" smtClean="0"/>
-              <a:t>Step 1: </a:t>
-            </a:r>
-            <a:r>
-              <a:rPr lang="en-US" dirty="0" smtClean="0"/>
-              <a:t>Preserve server bandwidth</a:t>
+              <a:t>Step 1: Preserve server bandwidth</a:t>
             </a:r>
             <a:endParaRPr lang="en-US" dirty="0"/>
           </a:p>
@@ -27485,11 +29532,7 @@
             </a:pPr>
             <a:r>
               <a:rPr lang="en-US" dirty="0" smtClean="0"/>
-              <a:t>Serve static files from blob storage</a:t>
-            </a:r>
-            <a:r>
-              <a:rPr lang="en-US" dirty="0" smtClean="0"/>
-              <a:t>.</a:t>
+              <a:t>Serve static files from blob storage.</a:t>
             </a:r>
           </a:p>
           <a:p>

--- a/6-ASPNET-in-Production.pptx
+++ b/6-ASPNET-in-Production.pptx
@@ -243,7 +243,7 @@
           <a:p>
             <a:fld id="{0E990FE3-7537-4D15-A9F5-FDF1805FD5F8}" type="datetimeFigureOut">
               <a:rPr lang="en-US" smtClean="0"/>
-              <a:t>10/28/2013</a:t>
+              <a:t>10/3/2014</a:t>
             </a:fld>
             <a:endParaRPr lang="en-US"/>
           </a:p>
@@ -987,7 +987,7 @@
           <a:p>
             <a:fld id="{50A28030-5D59-4E14-AFE9-B93D391AF3AF}" type="datetime1">
               <a:rPr lang="en-US" smtClean="0"/>
-              <a:t>10/28/2013</a:t>
+              <a:t>10/3/2014</a:t>
             </a:fld>
             <a:endParaRPr lang="en-US" dirty="0"/>
           </a:p>
@@ -2841,13 +2841,13 @@
   <p:clrMapOvr>
     <a:masterClrMapping/>
   </p:clrMapOvr>
-  <mc:AlternateContent xmlns:mc="http://schemas.openxmlformats.org/markup-compatibility/2006">
-    <mc:Choice xmlns:p14="http://schemas.microsoft.com/office/powerpoint/2010/main" Requires="p14">
+  <mc:AlternateContent xmlns:mc="http://schemas.openxmlformats.org/markup-compatibility/2006" xmlns:p14="http://schemas.microsoft.com/office/powerpoint/2010/main">
+    <mc:Choice Requires="p14">
       <p:transition spd="med" p14:dur="700">
         <p:fade/>
       </p:transition>
     </mc:Choice>
-    <mc:Fallback>
+    <mc:Fallback xmlns="">
       <p:transition spd="med">
         <p:fade/>
       </p:transition>
@@ -21519,7 +21519,15 @@
             </a:br>
             <a:r>
               <a:rPr lang="en-US" dirty="0" smtClean="0"/>
-              <a:t>  Windows Azure Caching Service.</a:t>
+              <a:t>  </a:t>
+            </a:r>
+            <a:r>
+              <a:rPr lang="en-US" dirty="0" smtClean="0"/>
+              <a:t>Microsoft Azure </a:t>
+            </a:r>
+            <a:r>
+              <a:rPr lang="en-US" dirty="0" smtClean="0"/>
+              <a:t>Caching Service.</a:t>
             </a:r>
             <a:endParaRPr lang="en-US" dirty="0"/>
           </a:p>
@@ -24043,7 +24051,15 @@
             </a:pPr>
             <a:r>
               <a:rPr lang="en-US" dirty="0" smtClean="0"/>
-              <a:t>Take advantage of available Windows Azure services.</a:t>
+              <a:t>Take advantage of available </a:t>
+            </a:r>
+            <a:r>
+              <a:rPr lang="en-US" dirty="0" smtClean="0"/>
+              <a:t>Microsoft Azure </a:t>
+            </a:r>
+            <a:r>
+              <a:rPr lang="en-US" dirty="0" smtClean="0"/>
+              <a:t>services.</a:t>
             </a:r>
             <a:endParaRPr lang="en-US" dirty="0"/>
           </a:p>
@@ -24167,7 +24183,15 @@
           <a:p>
             <a:r>
               <a:rPr lang="en-US" dirty="0" smtClean="0"/>
-              <a:t>Scenario: Windows Azure Active Directory</a:t>
+              <a:t>Scenario: </a:t>
+            </a:r>
+            <a:r>
+              <a:rPr lang="en-US" dirty="0" smtClean="0"/>
+              <a:t>Microsoft Azure </a:t>
+            </a:r>
+            <a:r>
+              <a:rPr lang="en-US" dirty="0" smtClean="0"/>
+              <a:t>Active Directory</a:t>
             </a:r>
             <a:endParaRPr lang="en-US" dirty="0"/>
           </a:p>
@@ -24389,11 +24413,7 @@
             </a:pPr>
             <a:r>
               <a:rPr lang="en-US" dirty="0" smtClean="0"/>
-              <a:t>Running a real site requires </a:t>
-            </a:r>
-            <a:r>
-              <a:rPr lang="en-US" dirty="0" smtClean="0"/>
-              <a:t>multiple internal environments.</a:t>
+              <a:t>Running a real site requires multiple internal environments.</a:t>
             </a:r>
           </a:p>
           <a:p>
@@ -24659,7 +24679,6 @@
               <a:rPr lang="en-US" dirty="0"/>
               <a:t> / Test environments</a:t>
             </a:r>
-            <a:endParaRPr lang="en-US" dirty="0"/>
           </a:p>
         </p:txBody>
       </p:sp>
@@ -24698,7 +24717,15 @@
             </a:pPr>
             <a:r>
               <a:rPr lang="en-US" dirty="0" smtClean="0"/>
-              <a:t>Environment consistency via deployment setup in Windows Azure Web Sites or VM images.</a:t>
+              <a:t>Environment consistency via deployment setup in </a:t>
+            </a:r>
+            <a:r>
+              <a:rPr lang="en-US" dirty="0" smtClean="0"/>
+              <a:t>Microsoft Azure </a:t>
+            </a:r>
+            <a:r>
+              <a:rPr lang="en-US" dirty="0" smtClean="0"/>
+              <a:t>Web Sites or VM images.</a:t>
             </a:r>
           </a:p>
           <a:p>
@@ -24965,13 +24992,6 @@
                 </a:rPr>
                 <a:t>%</a:t>
               </a:r>
-              <a:endParaRPr lang="en-US" sz="13600" dirty="0">
-                <a:solidFill>
-                  <a:srgbClr val="11C1FF"/>
-                </a:solidFill>
-                <a:latin typeface="Segoe UI Light" panose="020B0502040204020203" pitchFamily="34" charset="0"/>
-                <a:cs typeface="Segoe UI Light" panose="020B0502040204020203" pitchFamily="34" charset="0"/>
-              </a:endParaRPr>
             </a:p>
           </p:txBody>
         </p:sp>
@@ -25733,13 +25753,13 @@
   <p:clrMapOvr>
     <a:masterClrMapping/>
   </p:clrMapOvr>
-  <mc:AlternateContent xmlns:mc="http://schemas.openxmlformats.org/markup-compatibility/2006">
-    <mc:Choice xmlns:p14="http://schemas.microsoft.com/office/powerpoint/2010/main" Requires="p14">
+  <mc:AlternateContent xmlns:mc="http://schemas.openxmlformats.org/markup-compatibility/2006" xmlns:p14="http://schemas.microsoft.com/office/powerpoint/2010/main">
+    <mc:Choice Requires="p14">
       <p:transition spd="med" p14:dur="700">
         <p:fade/>
       </p:transition>
     </mc:Choice>
-    <mc:Fallback>
+    <mc:Fallback xmlns="">
       <p:transition spd="med">
         <p:fade/>
       </p:transition>
@@ -26148,11 +26168,7 @@
           <a:p>
             <a:r>
               <a:rPr lang="en-US" dirty="0" smtClean="0"/>
-              <a:t>Step </a:t>
-            </a:r>
-            <a:r>
-              <a:rPr lang="en-US" dirty="0" smtClean="0"/>
-              <a:t>2: Global Reach</a:t>
+              <a:t>Step 2: Global Reach</a:t>
             </a:r>
             <a:endParaRPr lang="en-US" dirty="0"/>
           </a:p>
@@ -26393,19 +26409,7 @@
           <a:p>
             <a:r>
               <a:rPr lang="en-US" dirty="0" smtClean="0"/>
-              <a:t>Step </a:t>
-            </a:r>
-            <a:r>
-              <a:rPr lang="en-US" dirty="0" smtClean="0"/>
-              <a:t>3: </a:t>
-            </a:r>
-            <a:r>
-              <a:rPr lang="en-US" dirty="0" smtClean="0"/>
-              <a:t>Continuous </a:t>
-            </a:r>
-            <a:r>
-              <a:rPr lang="en-US" dirty="0" smtClean="0"/>
-              <a:t>Delivery</a:t>
+              <a:t>Step 3: Continuous Delivery</a:t>
             </a:r>
             <a:endParaRPr lang="en-US" dirty="0"/>
           </a:p>
@@ -26448,20 +26452,12 @@
               <a:rPr lang="en-US" dirty="0" smtClean="0"/>
               <a:t>Bugs and issues in your code get harder to fix </a:t>
             </a:r>
-            <a:r>
-              <a:rPr lang="en-US" dirty="0" smtClean="0"/>
-              <a:t/>
-            </a:r>
             <a:br>
               <a:rPr lang="en-US" dirty="0" smtClean="0"/>
             </a:br>
             <a:r>
               <a:rPr lang="en-US" dirty="0" smtClean="0"/>
-              <a:t>the </a:t>
-            </a:r>
-            <a:r>
-              <a:rPr lang="en-US" dirty="0" smtClean="0"/>
-              <a:t>longer it takes to find out about them.</a:t>
+              <a:t>the longer it takes to find out about them.</a:t>
             </a:r>
             <a:endParaRPr lang="en-US" dirty="0"/>
           </a:p>
@@ -26553,19 +26549,7 @@
           <a:p>
             <a:r>
               <a:rPr lang="en-US" dirty="0" smtClean="0"/>
-              <a:t>Step </a:t>
-            </a:r>
-            <a:r>
-              <a:rPr lang="en-US" dirty="0" smtClean="0"/>
-              <a:t>3: </a:t>
-            </a:r>
-            <a:r>
-              <a:rPr lang="en-US" dirty="0" smtClean="0"/>
-              <a:t>Continuous </a:t>
-            </a:r>
-            <a:r>
-              <a:rPr lang="en-US" dirty="0" smtClean="0"/>
-              <a:t>Delivery</a:t>
+              <a:t>Step 3: Continuous Delivery</a:t>
             </a:r>
             <a:endParaRPr lang="en-US" dirty="0"/>
           </a:p>
@@ -26606,11 +26590,7 @@
             </a:pPr>
             <a:r>
               <a:rPr lang="en-US" dirty="0" smtClean="0"/>
-              <a:t>Use continuous integration to automate buil</a:t>
-            </a:r>
-            <a:r>
-              <a:rPr lang="en-US" dirty="0" smtClean="0"/>
-              <a:t>d, unit &amp; integration testing.</a:t>
+              <a:t>Use continuous integration to automate build, unit &amp; integration testing.</a:t>
             </a:r>
           </a:p>
           <a:p>
@@ -26724,11 +26704,7 @@
           <a:p>
             <a:r>
               <a:rPr lang="en-US" dirty="0" smtClean="0"/>
-              <a:t>Scenario: </a:t>
-            </a:r>
-            <a:r>
-              <a:rPr lang="en-US" dirty="0" smtClean="0"/>
-              <a:t>Multiple environment</a:t>
+              <a:t>Scenario: Multiple environment</a:t>
             </a:r>
             <a:endParaRPr lang="en-US" dirty="0"/>
           </a:p>
@@ -26744,11 +26720,11 @@
   <p:clrMapOvr>
     <a:masterClrMapping/>
   </p:clrMapOvr>
-  <mc:AlternateContent xmlns:mc="http://schemas.openxmlformats.org/markup-compatibility/2006">
-    <mc:Choice xmlns:p14="http://schemas.microsoft.com/office/powerpoint/2010/main" Requires="p14">
+  <mc:AlternateContent xmlns:mc="http://schemas.openxmlformats.org/markup-compatibility/2006" xmlns:p14="http://schemas.microsoft.com/office/powerpoint/2010/main">
+    <mc:Choice Requires="p14">
       <p:transition spd="slow" p14:dur="2000"/>
     </mc:Choice>
-    <mc:Fallback>
+    <mc:Fallback xmlns="">
       <p:transition spd="slow"/>
     </mc:Fallback>
   </mc:AlternateContent>
